--- a/docs/ReuniON.pptx
+++ b/docs/ReuniON.pptx
@@ -5,7 +5,7 @@
     <p:sldMasterId id="2147483747" r:id="rId1"/>
   </p:sldMasterIdLst>
   <p:notesMasterIdLst>
-    <p:notesMasterId r:id="rId13"/>
+    <p:notesMasterId r:id="rId19"/>
   </p:notesMasterIdLst>
   <p:sldIdLst>
     <p:sldId id="256" r:id="rId2"/>
@@ -17,33 +17,28 @@
     <p:sldId id="336" r:id="rId8"/>
     <p:sldId id="337" r:id="rId9"/>
     <p:sldId id="338" r:id="rId10"/>
-    <p:sldId id="311" r:id="rId11"/>
-    <p:sldId id="278" r:id="rId12"/>
+    <p:sldId id="339" r:id="rId11"/>
+    <p:sldId id="340" r:id="rId12"/>
+    <p:sldId id="341" r:id="rId13"/>
+    <p:sldId id="343" r:id="rId14"/>
+    <p:sldId id="344" r:id="rId15"/>
+    <p:sldId id="345" r:id="rId16"/>
+    <p:sldId id="346" r:id="rId17"/>
+    <p:sldId id="278" r:id="rId18"/>
   </p:sldIdLst>
   <p:sldSz cx="9144000" cy="5143500" type="screen16x9"/>
   <p:notesSz cx="6858000" cy="9144000"/>
   <p:embeddedFontLst>
     <p:embeddedFont>
       <p:font typeface="Barlow" panose="00000500000000000000" pitchFamily="2" charset="0"/>
-      <p:regular r:id="rId14"/>
-      <p:bold r:id="rId15"/>
-      <p:italic r:id="rId16"/>
-      <p:boldItalic r:id="rId17"/>
-    </p:embeddedFont>
-    <p:embeddedFont>
-      <p:font typeface="Didact Gothic" panose="00000500000000000000" pitchFamily="2" charset="0"/>
-      <p:regular r:id="rId18"/>
-    </p:embeddedFont>
-    <p:embeddedFont>
-      <p:font typeface="Emmanuelle" pitchFamily="2" charset="0"/>
-      <p:regular r:id="rId19"/>
-    </p:embeddedFont>
-    <p:embeddedFont>
-      <p:font typeface="Montserrat" panose="00000500000000000000" pitchFamily="2" charset="0"/>
       <p:regular r:id="rId20"/>
       <p:bold r:id="rId21"/>
       <p:italic r:id="rId22"/>
       <p:boldItalic r:id="rId23"/>
+    </p:embeddedFont>
+    <p:embeddedFont>
+      <p:font typeface="Emmanuelle" pitchFamily="2" charset="0"/>
+      <p:regular r:id="rId24"/>
     </p:embeddedFont>
   </p:embeddedFontLst>
   <p:defaultTextStyle>
@@ -168,8 +163,7 @@
 <file path=ppt/revisionInfo.xml><?xml version="1.0" encoding="utf-8"?>
 <p1510:revInfo xmlns:a="http://schemas.openxmlformats.org/drawingml/2006/main" xmlns:r="http://schemas.openxmlformats.org/officeDocument/2006/relationships" xmlns:p1510="http://schemas.microsoft.com/office/powerpoint/2015/10/main">
   <p1510:revLst>
-    <p1510:client id="{A6E9B1B3-6436-41A1-A878-DEB1A24D8966}" v="12" dt="2024-11-28T11:21:14.601"/>
-    <p1510:client id="{D76B1006-43E6-4CE0-988C-EEE74829866F}" v="529" dt="2024-11-27T11:57:15.379"/>
+    <p1510:client id="{A6E9B1B3-6436-41A1-A878-DEB1A24D8966}" v="18" dt="2024-11-28T11:58:51.450"/>
   </p1510:revLst>
 </p1510:revInfo>
 </file>
@@ -179,7 +173,7 @@
   <pc:docChgLst>
     <pc:chgData name="Vinícius Silva" userId="fa075dabe18a2777" providerId="LiveId" clId="{A6E9B1B3-6436-41A1-A878-DEB1A24D8966}"/>
     <pc:docChg chg="undo custSel addSld delSld modSld sldOrd modMainMaster">
-      <pc:chgData name="Vinícius Silva" userId="fa075dabe18a2777" providerId="LiveId" clId="{A6E9B1B3-6436-41A1-A878-DEB1A24D8966}" dt="2024-11-28T11:35:31.965" v="794" actId="14100"/>
+      <pc:chgData name="Vinícius Silva" userId="fa075dabe18a2777" providerId="LiveId" clId="{A6E9B1B3-6436-41A1-A878-DEB1A24D8966}" dt="2024-11-28T12:11:46.237" v="1358" actId="478"/>
       <pc:docMkLst>
         <pc:docMk/>
       </pc:docMkLst>
@@ -273,20 +267,60 @@
           </ac:spMkLst>
         </pc:spChg>
       </pc:sldChg>
-      <pc:sldChg chg="modSp">
-        <pc:chgData name="Vinícius Silva" userId="fa075dabe18a2777" providerId="LiveId" clId="{A6E9B1B3-6436-41A1-A878-DEB1A24D8966}" dt="2024-11-28T02:50:25.521" v="33"/>
+      <pc:sldChg chg="delSp modSp mod">
+        <pc:chgData name="Vinícius Silva" userId="fa075dabe18a2777" providerId="LiveId" clId="{A6E9B1B3-6436-41A1-A878-DEB1A24D8966}" dt="2024-11-28T12:11:46.237" v="1358" actId="478"/>
         <pc:sldMkLst>
           <pc:docMk/>
           <pc:sldMk cId="0" sldId="278"/>
         </pc:sldMkLst>
         <pc:spChg chg="mod">
-          <ac:chgData name="Vinícius Silva" userId="fa075dabe18a2777" providerId="LiveId" clId="{A6E9B1B3-6436-41A1-A878-DEB1A24D8966}" dt="2024-11-28T02:50:25.521" v="33"/>
+          <ac:chgData name="Vinícius Silva" userId="fa075dabe18a2777" providerId="LiveId" clId="{A6E9B1B3-6436-41A1-A878-DEB1A24D8966}" dt="2024-11-28T12:11:35.657" v="1356" actId="1076"/>
           <ac:spMkLst>
             <pc:docMk/>
             <pc:sldMk cId="0" sldId="278"/>
             <ac:spMk id="676" creationId="{00000000-0000-0000-0000-000000000000}"/>
           </ac:spMkLst>
         </pc:spChg>
+        <pc:spChg chg="del">
+          <ac:chgData name="Vinícius Silva" userId="fa075dabe18a2777" providerId="LiveId" clId="{A6E9B1B3-6436-41A1-A878-DEB1A24D8966}" dt="2024-11-28T12:11:40.958" v="1357" actId="478"/>
+          <ac:spMkLst>
+            <pc:docMk/>
+            <pc:sldMk cId="0" sldId="278"/>
+            <ac:spMk id="679" creationId="{00000000-0000-0000-0000-000000000000}"/>
+          </ac:spMkLst>
+        </pc:spChg>
+        <pc:grpChg chg="del">
+          <ac:chgData name="Vinícius Silva" userId="fa075dabe18a2777" providerId="LiveId" clId="{A6E9B1B3-6436-41A1-A878-DEB1A24D8966}" dt="2024-11-28T12:11:46.237" v="1358" actId="478"/>
+          <ac:grpSpMkLst>
+            <pc:docMk/>
+            <pc:sldMk cId="0" sldId="278"/>
+            <ac:grpSpMk id="680" creationId="{00000000-0000-0000-0000-000000000000}"/>
+          </ac:grpSpMkLst>
+        </pc:grpChg>
+        <pc:grpChg chg="del">
+          <ac:chgData name="Vinícius Silva" userId="fa075dabe18a2777" providerId="LiveId" clId="{A6E9B1B3-6436-41A1-A878-DEB1A24D8966}" dt="2024-11-28T12:11:46.237" v="1358" actId="478"/>
+          <ac:grpSpMkLst>
+            <pc:docMk/>
+            <pc:sldMk cId="0" sldId="278"/>
+            <ac:grpSpMk id="685" creationId="{00000000-0000-0000-0000-000000000000}"/>
+          </ac:grpSpMkLst>
+        </pc:grpChg>
+        <pc:grpChg chg="del">
+          <ac:chgData name="Vinícius Silva" userId="fa075dabe18a2777" providerId="LiveId" clId="{A6E9B1B3-6436-41A1-A878-DEB1A24D8966}" dt="2024-11-28T12:11:46.237" v="1358" actId="478"/>
+          <ac:grpSpMkLst>
+            <pc:docMk/>
+            <pc:sldMk cId="0" sldId="278"/>
+            <ac:grpSpMk id="690" creationId="{00000000-0000-0000-0000-000000000000}"/>
+          </ac:grpSpMkLst>
+        </pc:grpChg>
+        <pc:grpChg chg="del">
+          <ac:chgData name="Vinícius Silva" userId="fa075dabe18a2777" providerId="LiveId" clId="{A6E9B1B3-6436-41A1-A878-DEB1A24D8966}" dt="2024-11-28T12:11:46.237" v="1358" actId="478"/>
+          <ac:grpSpMkLst>
+            <pc:docMk/>
+            <pc:sldMk cId="0" sldId="278"/>
+            <ac:grpSpMk id="693" creationId="{00000000-0000-0000-0000-000000000000}"/>
+          </ac:grpSpMkLst>
+        </pc:grpChg>
       </pc:sldChg>
       <pc:sldChg chg="del">
         <pc:chgData name="Vinícius Silva" userId="fa075dabe18a2777" providerId="LiveId" clId="{A6E9B1B3-6436-41A1-A878-DEB1A24D8966}" dt="2024-11-28T11:20:17.229" v="276" actId="47"/>
@@ -415,8 +449,8 @@
           </ac:spMkLst>
         </pc:spChg>
       </pc:sldChg>
-      <pc:sldChg chg="modSp">
-        <pc:chgData name="Vinícius Silva" userId="fa075dabe18a2777" providerId="LiveId" clId="{A6E9B1B3-6436-41A1-A878-DEB1A24D8966}" dt="2024-11-28T02:50:25.521" v="33"/>
+      <pc:sldChg chg="modSp del">
+        <pc:chgData name="Vinícius Silva" userId="fa075dabe18a2777" providerId="LiveId" clId="{A6E9B1B3-6436-41A1-A878-DEB1A24D8966}" dt="2024-11-28T12:11:02.411" v="1352" actId="47"/>
         <pc:sldMkLst>
           <pc:docMk/>
           <pc:sldMk cId="2188865736" sldId="311"/>
@@ -740,8 +774,8 @@
           </ac:spMkLst>
         </pc:spChg>
       </pc:sldChg>
-      <pc:sldChg chg="modSp add mod">
-        <pc:chgData name="Vinícius Silva" userId="fa075dabe18a2777" providerId="LiveId" clId="{A6E9B1B3-6436-41A1-A878-DEB1A24D8966}" dt="2024-11-28T11:35:31.965" v="794" actId="14100"/>
+      <pc:sldChg chg="addSp delSp modSp add mod">
+        <pc:chgData name="Vinícius Silva" userId="fa075dabe18a2777" providerId="LiveId" clId="{A6E9B1B3-6436-41A1-A878-DEB1A24D8966}" dt="2024-11-28T11:50:08.213" v="820" actId="1076"/>
         <pc:sldMkLst>
           <pc:docMk/>
           <pc:sldMk cId="876296748" sldId="338"/>
@@ -755,11 +789,258 @@
           </ac:spMkLst>
         </pc:spChg>
         <pc:spChg chg="mod">
-          <ac:chgData name="Vinícius Silva" userId="fa075dabe18a2777" providerId="LiveId" clId="{A6E9B1B3-6436-41A1-A878-DEB1A24D8966}" dt="2024-11-28T11:35:31.965" v="794" actId="14100"/>
+          <ac:chgData name="Vinícius Silva" userId="fa075dabe18a2777" providerId="LiveId" clId="{A6E9B1B3-6436-41A1-A878-DEB1A24D8966}" dt="2024-11-28T11:50:08.213" v="820" actId="1076"/>
           <ac:spMkLst>
             <pc:docMk/>
             <pc:sldMk cId="876296748" sldId="338"/>
             <ac:spMk id="214" creationId="{3CD6409B-A685-C58D-175C-6A0AFF370FD0}"/>
+          </ac:spMkLst>
+        </pc:spChg>
+        <pc:grpChg chg="add mod">
+          <ac:chgData name="Vinícius Silva" userId="fa075dabe18a2777" providerId="LiveId" clId="{A6E9B1B3-6436-41A1-A878-DEB1A24D8966}" dt="2024-11-28T11:49:41.236" v="818" actId="14100"/>
+          <ac:grpSpMkLst>
+            <pc:docMk/>
+            <pc:sldMk cId="876296748" sldId="338"/>
+            <ac:grpSpMk id="9" creationId="{2348784B-EA46-C2DF-F37D-55A7C47E4BEF}"/>
+          </ac:grpSpMkLst>
+        </pc:grpChg>
+        <pc:picChg chg="add mod modCrop">
+          <ac:chgData name="Vinícius Silva" userId="fa075dabe18a2777" providerId="LiveId" clId="{A6E9B1B3-6436-41A1-A878-DEB1A24D8966}" dt="2024-11-28T11:49:28.231" v="814" actId="164"/>
+          <ac:picMkLst>
+            <pc:docMk/>
+            <pc:sldMk cId="876296748" sldId="338"/>
+            <ac:picMk id="3" creationId="{C1F74B5F-5778-F590-3605-3DC8A953A0C7}"/>
+          </ac:picMkLst>
+        </pc:picChg>
+        <pc:picChg chg="add mod modCrop">
+          <ac:chgData name="Vinícius Silva" userId="fa075dabe18a2777" providerId="LiveId" clId="{A6E9B1B3-6436-41A1-A878-DEB1A24D8966}" dt="2024-11-28T11:49:28.231" v="814" actId="164"/>
+          <ac:picMkLst>
+            <pc:docMk/>
+            <pc:sldMk cId="876296748" sldId="338"/>
+            <ac:picMk id="5" creationId="{5F8A4C5F-89F4-D3F2-F8A2-BD612C0A3D92}"/>
+          </ac:picMkLst>
+        </pc:picChg>
+        <pc:picChg chg="add del mod modCrop">
+          <ac:chgData name="Vinícius Silva" userId="fa075dabe18a2777" providerId="LiveId" clId="{A6E9B1B3-6436-41A1-A878-DEB1A24D8966}" dt="2024-11-28T11:49:13.917" v="812" actId="478"/>
+          <ac:picMkLst>
+            <pc:docMk/>
+            <pc:sldMk cId="876296748" sldId="338"/>
+            <ac:picMk id="7" creationId="{B65970FA-BD6A-9551-CA96-DDB4D879BE9E}"/>
+          </ac:picMkLst>
+        </pc:picChg>
+        <pc:picChg chg="add mod modCrop">
+          <ac:chgData name="Vinícius Silva" userId="fa075dabe18a2777" providerId="LiveId" clId="{A6E9B1B3-6436-41A1-A878-DEB1A24D8966}" dt="2024-11-28T11:49:28.231" v="814" actId="164"/>
+          <ac:picMkLst>
+            <pc:docMk/>
+            <pc:sldMk cId="876296748" sldId="338"/>
+            <ac:picMk id="8" creationId="{BBC8119B-CE48-4417-6644-B96DA62D4AC5}"/>
+          </ac:picMkLst>
+        </pc:picChg>
+      </pc:sldChg>
+      <pc:sldChg chg="delSp modSp add mod">
+        <pc:chgData name="Vinícius Silva" userId="fa075dabe18a2777" providerId="LiveId" clId="{A6E9B1B3-6436-41A1-A878-DEB1A24D8966}" dt="2024-11-28T11:53:28.111" v="863" actId="1076"/>
+        <pc:sldMkLst>
+          <pc:docMk/>
+          <pc:sldMk cId="1077683188" sldId="339"/>
+        </pc:sldMkLst>
+        <pc:spChg chg="mod">
+          <ac:chgData name="Vinícius Silva" userId="fa075dabe18a2777" providerId="LiveId" clId="{A6E9B1B3-6436-41A1-A878-DEB1A24D8966}" dt="2024-11-28T11:52:29.858" v="845" actId="20577"/>
+          <ac:spMkLst>
+            <pc:docMk/>
+            <pc:sldMk cId="1077683188" sldId="339"/>
+            <ac:spMk id="6" creationId="{8A46842F-EBD1-BC13-FE0C-C2F05C433E57}"/>
+          </ac:spMkLst>
+        </pc:spChg>
+        <pc:spChg chg="mod">
+          <ac:chgData name="Vinícius Silva" userId="fa075dabe18a2777" providerId="LiveId" clId="{A6E9B1B3-6436-41A1-A878-DEB1A24D8966}" dt="2024-11-28T11:53:28.111" v="863" actId="1076"/>
+          <ac:spMkLst>
+            <pc:docMk/>
+            <pc:sldMk cId="1077683188" sldId="339"/>
+            <ac:spMk id="214" creationId="{BD5E779C-DAD0-93C2-6428-5439CDAD209A}"/>
+          </ac:spMkLst>
+        </pc:spChg>
+        <pc:grpChg chg="del">
+          <ac:chgData name="Vinícius Silva" userId="fa075dabe18a2777" providerId="LiveId" clId="{A6E9B1B3-6436-41A1-A878-DEB1A24D8966}" dt="2024-11-28T11:52:32.782" v="846" actId="478"/>
+          <ac:grpSpMkLst>
+            <pc:docMk/>
+            <pc:sldMk cId="1077683188" sldId="339"/>
+            <ac:grpSpMk id="9" creationId="{284B7518-594E-1E7C-BC34-FF9E273765D6}"/>
+          </ac:grpSpMkLst>
+        </pc:grpChg>
+      </pc:sldChg>
+      <pc:sldChg chg="new del">
+        <pc:chgData name="Vinícius Silva" userId="fa075dabe18a2777" providerId="LiveId" clId="{A6E9B1B3-6436-41A1-A878-DEB1A24D8966}" dt="2024-11-28T11:52:10.530" v="822" actId="47"/>
+        <pc:sldMkLst>
+          <pc:docMk/>
+          <pc:sldMk cId="3898728988" sldId="339"/>
+        </pc:sldMkLst>
+      </pc:sldChg>
+      <pc:sldChg chg="modSp add mod">
+        <pc:chgData name="Vinícius Silva" userId="fa075dabe18a2777" providerId="LiveId" clId="{A6E9B1B3-6436-41A1-A878-DEB1A24D8966}" dt="2024-11-28T11:55:01.337" v="910" actId="114"/>
+        <pc:sldMkLst>
+          <pc:docMk/>
+          <pc:sldMk cId="2282716675" sldId="340"/>
+        </pc:sldMkLst>
+        <pc:spChg chg="mod">
+          <ac:chgData name="Vinícius Silva" userId="fa075dabe18a2777" providerId="LiveId" clId="{A6E9B1B3-6436-41A1-A878-DEB1A24D8966}" dt="2024-11-28T11:54:01.138" v="894" actId="20577"/>
+          <ac:spMkLst>
+            <pc:docMk/>
+            <pc:sldMk cId="2282716675" sldId="340"/>
+            <ac:spMk id="6" creationId="{1CB75AB6-19B3-F57D-584D-67EC9B3CEA48}"/>
+          </ac:spMkLst>
+        </pc:spChg>
+        <pc:spChg chg="mod">
+          <ac:chgData name="Vinícius Silva" userId="fa075dabe18a2777" providerId="LiveId" clId="{A6E9B1B3-6436-41A1-A878-DEB1A24D8966}" dt="2024-11-28T11:55:01.337" v="910" actId="114"/>
+          <ac:spMkLst>
+            <pc:docMk/>
+            <pc:sldMk cId="2282716675" sldId="340"/>
+            <ac:spMk id="214" creationId="{F533B772-8C58-6550-A8E2-FBE8F107C012}"/>
+          </ac:spMkLst>
+        </pc:spChg>
+      </pc:sldChg>
+      <pc:sldChg chg="addSp modSp add mod">
+        <pc:chgData name="Vinícius Silva" userId="fa075dabe18a2777" providerId="LiveId" clId="{A6E9B1B3-6436-41A1-A878-DEB1A24D8966}" dt="2024-11-28T12:01:18.618" v="1073" actId="1076"/>
+        <pc:sldMkLst>
+          <pc:docMk/>
+          <pc:sldMk cId="2056522433" sldId="341"/>
+        </pc:sldMkLst>
+        <pc:spChg chg="add mod">
+          <ac:chgData name="Vinícius Silva" userId="fa075dabe18a2777" providerId="LiveId" clId="{A6E9B1B3-6436-41A1-A878-DEB1A24D8966}" dt="2024-11-28T12:01:18.618" v="1073" actId="1076"/>
+          <ac:spMkLst>
+            <pc:docMk/>
+            <pc:sldMk cId="2056522433" sldId="341"/>
+            <ac:spMk id="2" creationId="{8386FD82-FB9D-5D77-28E6-A7D25944E18E}"/>
+          </ac:spMkLst>
+        </pc:spChg>
+        <pc:spChg chg="add mod">
+          <ac:chgData name="Vinícius Silva" userId="fa075dabe18a2777" providerId="LiveId" clId="{A6E9B1B3-6436-41A1-A878-DEB1A24D8966}" dt="2024-11-28T11:59:33.923" v="992" actId="1036"/>
+          <ac:spMkLst>
+            <pc:docMk/>
+            <pc:sldMk cId="2056522433" sldId="341"/>
+            <ac:spMk id="3" creationId="{3A4681DF-E377-1183-70D1-1A0402AFD62E}"/>
+          </ac:spMkLst>
+        </pc:spChg>
+        <pc:spChg chg="add mod">
+          <ac:chgData name="Vinícius Silva" userId="fa075dabe18a2777" providerId="LiveId" clId="{A6E9B1B3-6436-41A1-A878-DEB1A24D8966}" dt="2024-11-28T11:59:47.987" v="996" actId="1036"/>
+          <ac:spMkLst>
+            <pc:docMk/>
+            <pc:sldMk cId="2056522433" sldId="341"/>
+            <ac:spMk id="5" creationId="{CA8C09C3-4774-C808-56E9-46B3BE33B294}"/>
+          </ac:spMkLst>
+        </pc:spChg>
+        <pc:spChg chg="mod">
+          <ac:chgData name="Vinícius Silva" userId="fa075dabe18a2777" providerId="LiveId" clId="{A6E9B1B3-6436-41A1-A878-DEB1A24D8966}" dt="2024-11-28T12:00:21.056" v="1014" actId="20577"/>
+          <ac:spMkLst>
+            <pc:docMk/>
+            <pc:sldMk cId="2056522433" sldId="341"/>
+            <ac:spMk id="6" creationId="{39FDE95A-9ECD-F575-165F-86931DE4589F}"/>
+          </ac:spMkLst>
+        </pc:spChg>
+        <pc:spChg chg="mod">
+          <ac:chgData name="Vinícius Silva" userId="fa075dabe18a2777" providerId="LiveId" clId="{A6E9B1B3-6436-41A1-A878-DEB1A24D8966}" dt="2024-11-28T12:01:12.749" v="1072" actId="14100"/>
+          <ac:spMkLst>
+            <pc:docMk/>
+            <pc:sldMk cId="2056522433" sldId="341"/>
+            <ac:spMk id="214" creationId="{A3BD3F4E-3BE9-21D8-4171-BD940ABB7199}"/>
+          </ac:spMkLst>
+        </pc:spChg>
+      </pc:sldChg>
+      <pc:sldChg chg="new del">
+        <pc:chgData name="Vinícius Silva" userId="fa075dabe18a2777" providerId="LiveId" clId="{A6E9B1B3-6436-41A1-A878-DEB1A24D8966}" dt="2024-11-28T12:11:00.050" v="1351" actId="47"/>
+        <pc:sldMkLst>
+          <pc:docMk/>
+          <pc:sldMk cId="4103023415" sldId="342"/>
+        </pc:sldMkLst>
+      </pc:sldChg>
+      <pc:sldChg chg="modSp add del mod ord">
+        <pc:chgData name="Vinícius Silva" userId="fa075dabe18a2777" providerId="LiveId" clId="{A6E9B1B3-6436-41A1-A878-DEB1A24D8966}" dt="2024-11-28T12:07:13.578" v="1125" actId="2696"/>
+        <pc:sldMkLst>
+          <pc:docMk/>
+          <pc:sldMk cId="1388097181" sldId="343"/>
+        </pc:sldMkLst>
+        <pc:spChg chg="mod">
+          <ac:chgData name="Vinícius Silva" userId="fa075dabe18a2777" providerId="LiveId" clId="{A6E9B1B3-6436-41A1-A878-DEB1A24D8966}" dt="2024-11-28T12:05:36.406" v="1100" actId="20577"/>
+          <ac:spMkLst>
+            <pc:docMk/>
+            <pc:sldMk cId="1388097181" sldId="343"/>
+            <ac:spMk id="6" creationId="{73702280-3F89-BEDC-7D29-DF76F3864D99}"/>
+          </ac:spMkLst>
+        </pc:spChg>
+        <pc:spChg chg="mod">
+          <ac:chgData name="Vinícius Silva" userId="fa075dabe18a2777" providerId="LiveId" clId="{A6E9B1B3-6436-41A1-A878-DEB1A24D8966}" dt="2024-11-28T12:06:52.662" v="1123" actId="14100"/>
+          <ac:spMkLst>
+            <pc:docMk/>
+            <pc:sldMk cId="1388097181" sldId="343"/>
+            <ac:spMk id="214" creationId="{92E0A089-2092-5B67-DC8F-53BFBA447463}"/>
+          </ac:spMkLst>
+        </pc:spChg>
+      </pc:sldChg>
+      <pc:sldChg chg="modSp add mod">
+        <pc:chgData name="Vinícius Silva" userId="fa075dabe18a2777" providerId="LiveId" clId="{A6E9B1B3-6436-41A1-A878-DEB1A24D8966}" dt="2024-11-28T12:08:18.012" v="1165" actId="1076"/>
+        <pc:sldMkLst>
+          <pc:docMk/>
+          <pc:sldMk cId="2668447390" sldId="344"/>
+        </pc:sldMkLst>
+        <pc:spChg chg="mod">
+          <ac:chgData name="Vinícius Silva" userId="fa075dabe18a2777" providerId="LiveId" clId="{A6E9B1B3-6436-41A1-A878-DEB1A24D8966}" dt="2024-11-28T12:07:33.165" v="1149" actId="20577"/>
+          <ac:spMkLst>
+            <pc:docMk/>
+            <pc:sldMk cId="2668447390" sldId="344"/>
+            <ac:spMk id="6" creationId="{10AC20B9-7D3A-85C1-B28A-76C959F46768}"/>
+          </ac:spMkLst>
+        </pc:spChg>
+        <pc:spChg chg="mod">
+          <ac:chgData name="Vinícius Silva" userId="fa075dabe18a2777" providerId="LiveId" clId="{A6E9B1B3-6436-41A1-A878-DEB1A24D8966}" dt="2024-11-28T12:08:18.012" v="1165" actId="1076"/>
+          <ac:spMkLst>
+            <pc:docMk/>
+            <pc:sldMk cId="2668447390" sldId="344"/>
+            <ac:spMk id="214" creationId="{02DFD717-054F-B0C6-4BE8-9F121FBB4B96}"/>
+          </ac:spMkLst>
+        </pc:spChg>
+      </pc:sldChg>
+      <pc:sldChg chg="modSp add mod">
+        <pc:chgData name="Vinícius Silva" userId="fa075dabe18a2777" providerId="LiveId" clId="{A6E9B1B3-6436-41A1-A878-DEB1A24D8966}" dt="2024-11-28T12:09:31.161" v="1203" actId="20577"/>
+        <pc:sldMkLst>
+          <pc:docMk/>
+          <pc:sldMk cId="3679593419" sldId="345"/>
+        </pc:sldMkLst>
+        <pc:spChg chg="mod">
+          <ac:chgData name="Vinícius Silva" userId="fa075dabe18a2777" providerId="LiveId" clId="{A6E9B1B3-6436-41A1-A878-DEB1A24D8966}" dt="2024-11-28T12:08:40.359" v="1183" actId="20577"/>
+          <ac:spMkLst>
+            <pc:docMk/>
+            <pc:sldMk cId="3679593419" sldId="345"/>
+            <ac:spMk id="6" creationId="{6E2A052F-E0DA-B72F-722F-F89C5384E11B}"/>
+          </ac:spMkLst>
+        </pc:spChg>
+        <pc:spChg chg="mod">
+          <ac:chgData name="Vinícius Silva" userId="fa075dabe18a2777" providerId="LiveId" clId="{A6E9B1B3-6436-41A1-A878-DEB1A24D8966}" dt="2024-11-28T12:09:31.161" v="1203" actId="20577"/>
+          <ac:spMkLst>
+            <pc:docMk/>
+            <pc:sldMk cId="3679593419" sldId="345"/>
+            <ac:spMk id="214" creationId="{EC608AB7-583B-4B22-1218-C19B2D2C7B3C}"/>
+          </ac:spMkLst>
+        </pc:spChg>
+      </pc:sldChg>
+      <pc:sldChg chg="modSp add mod">
+        <pc:chgData name="Vinícius Silva" userId="fa075dabe18a2777" providerId="LiveId" clId="{A6E9B1B3-6436-41A1-A878-DEB1A24D8966}" dt="2024-11-28T12:10:44.708" v="1350" actId="20577"/>
+        <pc:sldMkLst>
+          <pc:docMk/>
+          <pc:sldMk cId="39693244" sldId="346"/>
+        </pc:sldMkLst>
+        <pc:spChg chg="mod">
+          <ac:chgData name="Vinícius Silva" userId="fa075dabe18a2777" providerId="LiveId" clId="{A6E9B1B3-6436-41A1-A878-DEB1A24D8966}" dt="2024-11-28T12:10:00.947" v="1241" actId="6549"/>
+          <ac:spMkLst>
+            <pc:docMk/>
+            <pc:sldMk cId="39693244" sldId="346"/>
+            <ac:spMk id="6" creationId="{295B184B-B4B0-7F59-923A-8079DD740572}"/>
+          </ac:spMkLst>
+        </pc:spChg>
+        <pc:spChg chg="mod">
+          <ac:chgData name="Vinícius Silva" userId="fa075dabe18a2777" providerId="LiveId" clId="{A6E9B1B3-6436-41A1-A878-DEB1A24D8966}" dt="2024-11-28T12:10:44.708" v="1350" actId="20577"/>
+          <ac:spMkLst>
+            <pc:docMk/>
+            <pc:sldMk cId="39693244" sldId="346"/>
+            <ac:spMk id="214" creationId="{133FC042-0A8A-DEE6-ED78-181AEBCC3F74}"/>
           </ac:spMkLst>
         </pc:spChg>
       </pc:sldChg>
@@ -1025,11 +1306,19 @@
         </pc:sldLayoutChg>
       </pc:sldMasterChg>
       <pc:sldMasterChg chg="delSldLayout">
-        <pc:chgData name="Vinícius Silva" userId="fa075dabe18a2777" providerId="LiveId" clId="{A6E9B1B3-6436-41A1-A878-DEB1A24D8966}" dt="2024-11-28T11:20:17.229" v="276" actId="47"/>
+        <pc:chgData name="Vinícius Silva" userId="fa075dabe18a2777" providerId="LiveId" clId="{A6E9B1B3-6436-41A1-A878-DEB1A24D8966}" dt="2024-11-28T12:11:02.411" v="1352" actId="47"/>
         <pc:sldMasterMkLst>
           <pc:docMk/>
           <pc:sldMasterMk cId="2133304825" sldId="2147483747"/>
         </pc:sldMasterMkLst>
+        <pc:sldLayoutChg chg="del">
+          <pc:chgData name="Vinícius Silva" userId="fa075dabe18a2777" providerId="LiveId" clId="{A6E9B1B3-6436-41A1-A878-DEB1A24D8966}" dt="2024-11-28T12:11:02.411" v="1352" actId="47"/>
+          <pc:sldLayoutMkLst>
+            <pc:docMk/>
+            <pc:sldMasterMk cId="2133304825" sldId="2147483747"/>
+            <pc:sldLayoutMk cId="3983719921" sldId="2147483759"/>
+          </pc:sldLayoutMkLst>
+        </pc:sldLayoutChg>
         <pc:sldLayoutChg chg="del">
           <pc:chgData name="Vinícius Silva" userId="fa075dabe18a2777" providerId="LiveId" clId="{A6E9B1B3-6436-41A1-A878-DEB1A24D8966}" dt="2024-11-28T11:20:17.229" v="276" actId="47"/>
           <pc:sldLayoutMkLst>
@@ -4252,10 +4541,10 @@
   <p:cSld>
     <p:spTree>
       <p:nvGrpSpPr>
-        <p:cNvPr id="1" name="Shape 410">
+        <p:cNvPr id="1" name="Shape 210">
           <a:extLst>
             <a:ext uri="{FF2B5EF4-FFF2-40B4-BE49-F238E27FC236}">
-              <a16:creationId xmlns:a16="http://schemas.microsoft.com/office/drawing/2014/main" id="{B1308612-99AC-015C-6FB4-DC5E2B7A2C16}"/>
+              <a16:creationId xmlns:a16="http://schemas.microsoft.com/office/drawing/2014/main" id="{F126DA82-C40C-1D3A-C866-CE4091D37363}"/>
             </a:ext>
           </a:extLst>
         </p:cNvPr>
@@ -4272,10 +4561,10 @@
       </p:grpSpPr>
       <p:sp>
         <p:nvSpPr>
-          <p:cNvPr id="411" name="Google Shape;411;g785121e667_0_60:notes">
+          <p:cNvPr id="211" name="Google Shape;211;g785121e667_0_215:notes">
             <a:extLst>
               <a:ext uri="{FF2B5EF4-FFF2-40B4-BE49-F238E27FC236}">
-                <a16:creationId xmlns:a16="http://schemas.microsoft.com/office/drawing/2014/main" id="{4776FB9B-611E-5598-7C3B-81F346C41969}"/>
+                <a16:creationId xmlns:a16="http://schemas.microsoft.com/office/drawing/2014/main" id="{015728F2-FC30-A6E9-D6C7-B7243BC6374F}"/>
               </a:ext>
             </a:extLst>
           </p:cNvPr>
@@ -4319,10 +4608,10 @@
       </p:sp>
       <p:sp>
         <p:nvSpPr>
-          <p:cNvPr id="412" name="Google Shape;412;g785121e667_0_60:notes">
+          <p:cNvPr id="212" name="Google Shape;212;g785121e667_0_215:notes">
             <a:extLst>
               <a:ext uri="{FF2B5EF4-FFF2-40B4-BE49-F238E27FC236}">
-                <a16:creationId xmlns:a16="http://schemas.microsoft.com/office/drawing/2014/main" id="{D0A8835F-7933-EC70-829D-FF1C01B84402}"/>
+                <a16:creationId xmlns:a16="http://schemas.microsoft.com/office/drawing/2014/main" id="{81BE9363-247D-57FC-FBA9-CD0E8B6AAEF2}"/>
               </a:ext>
             </a:extLst>
           </p:cNvPr>
@@ -4357,14 +4646,14 @@
               </a:spcAft>
               <a:buNone/>
             </a:pPr>
-            <a:endParaRPr/>
+            <a:endParaRPr dirty="0"/>
           </a:p>
         </p:txBody>
       </p:sp>
     </p:spTree>
     <p:extLst>
       <p:ext uri="{BB962C8B-B14F-4D97-AF65-F5344CB8AC3E}">
-        <p14:creationId xmlns:p14="http://schemas.microsoft.com/office/powerpoint/2010/main" val="3346888244"/>
+        <p14:creationId xmlns:p14="http://schemas.microsoft.com/office/powerpoint/2010/main" val="3691055311"/>
       </p:ext>
     </p:extLst>
   </p:cSld>
@@ -4375,6 +4664,768 @@
 </file>
 
 <file path=ppt/notesSlides/notesSlide11.xml><?xml version="1.0" encoding="utf-8"?>
+<p:notes xmlns:a="http://schemas.openxmlformats.org/drawingml/2006/main" xmlns:r="http://schemas.openxmlformats.org/officeDocument/2006/relationships" xmlns:p="http://schemas.openxmlformats.org/presentationml/2006/main" showMasterSp="0" showMasterPhAnim="0">
+  <p:cSld>
+    <p:spTree>
+      <p:nvGrpSpPr>
+        <p:cNvPr id="1" name="Shape 210">
+          <a:extLst>
+            <a:ext uri="{FF2B5EF4-FFF2-40B4-BE49-F238E27FC236}">
+              <a16:creationId xmlns:a16="http://schemas.microsoft.com/office/drawing/2014/main" id="{3C2F262E-17EC-F814-5CA8-FD578A19B609}"/>
+            </a:ext>
+          </a:extLst>
+        </p:cNvPr>
+        <p:cNvGrpSpPr/>
+        <p:nvPr/>
+      </p:nvGrpSpPr>
+      <p:grpSpPr>
+        <a:xfrm>
+          <a:off x="0" y="0"/>
+          <a:ext cx="0" cy="0"/>
+          <a:chOff x="0" y="0"/>
+          <a:chExt cx="0" cy="0"/>
+        </a:xfrm>
+      </p:grpSpPr>
+      <p:sp>
+        <p:nvSpPr>
+          <p:cNvPr id="211" name="Google Shape;211;g785121e667_0_215:notes">
+            <a:extLst>
+              <a:ext uri="{FF2B5EF4-FFF2-40B4-BE49-F238E27FC236}">
+                <a16:creationId xmlns:a16="http://schemas.microsoft.com/office/drawing/2014/main" id="{7D33A8CF-76AF-5346-5CE4-02FCCD95BDE4}"/>
+              </a:ext>
+            </a:extLst>
+          </p:cNvPr>
+          <p:cNvSpPr>
+            <a:spLocks noGrp="1" noRot="1" noChangeAspect="1"/>
+          </p:cNvSpPr>
+          <p:nvPr>
+            <p:ph type="sldImg" idx="2"/>
+          </p:nvPr>
+        </p:nvSpPr>
+        <p:spPr>
+          <a:xfrm>
+            <a:off x="381000" y="685800"/>
+            <a:ext cx="6096000" cy="3429000"/>
+          </a:xfrm>
+          <a:custGeom>
+            <a:avLst/>
+            <a:gdLst/>
+            <a:ahLst/>
+            <a:cxnLst/>
+            <a:rect l="l" t="t" r="r" b="b"/>
+            <a:pathLst>
+              <a:path w="120000" h="120000" extrusionOk="0">
+                <a:moveTo>
+                  <a:pt x="0" y="0"/>
+                </a:moveTo>
+                <a:lnTo>
+                  <a:pt x="120000" y="0"/>
+                </a:lnTo>
+                <a:lnTo>
+                  <a:pt x="120000" y="120000"/>
+                </a:lnTo>
+                <a:lnTo>
+                  <a:pt x="0" y="120000"/>
+                </a:lnTo>
+                <a:close/>
+              </a:path>
+            </a:pathLst>
+          </a:custGeom>
+        </p:spPr>
+      </p:sp>
+      <p:sp>
+        <p:nvSpPr>
+          <p:cNvPr id="212" name="Google Shape;212;g785121e667_0_215:notes">
+            <a:extLst>
+              <a:ext uri="{FF2B5EF4-FFF2-40B4-BE49-F238E27FC236}">
+                <a16:creationId xmlns:a16="http://schemas.microsoft.com/office/drawing/2014/main" id="{CB030969-1ED3-9310-C7D1-1C76BD19155B}"/>
+              </a:ext>
+            </a:extLst>
+          </p:cNvPr>
+          <p:cNvSpPr txBox="1">
+            <a:spLocks noGrp="1"/>
+          </p:cNvSpPr>
+          <p:nvPr>
+            <p:ph type="body" idx="1"/>
+          </p:nvPr>
+        </p:nvSpPr>
+        <p:spPr>
+          <a:xfrm>
+            <a:off x="685800" y="4343400"/>
+            <a:ext cx="5486400" cy="4114800"/>
+          </a:xfrm>
+          <a:prstGeom prst="rect">
+            <a:avLst/>
+          </a:prstGeom>
+        </p:spPr>
+        <p:txBody>
+          <a:bodyPr spcFirstLastPara="1" wrap="square" lIns="91425" tIns="91425" rIns="91425" bIns="91425" anchor="t" anchorCtr="0">
+            <a:noAutofit/>
+          </a:bodyPr>
+          <a:lstStyle/>
+          <a:p>
+            <a:pPr marL="0" lvl="0" indent="0" algn="l" rtl="0">
+              <a:spcBef>
+                <a:spcPts val="0"/>
+              </a:spcBef>
+              <a:spcAft>
+                <a:spcPts val="0"/>
+              </a:spcAft>
+              <a:buNone/>
+            </a:pPr>
+            <a:endParaRPr dirty="0"/>
+          </a:p>
+        </p:txBody>
+      </p:sp>
+    </p:spTree>
+    <p:extLst>
+      <p:ext uri="{BB962C8B-B14F-4D97-AF65-F5344CB8AC3E}">
+        <p14:creationId xmlns:p14="http://schemas.microsoft.com/office/powerpoint/2010/main" val="3761027585"/>
+      </p:ext>
+    </p:extLst>
+  </p:cSld>
+  <p:clrMapOvr>
+    <a:masterClrMapping/>
+  </p:clrMapOvr>
+</p:notes>
+</file>
+
+<file path=ppt/notesSlides/notesSlide12.xml><?xml version="1.0" encoding="utf-8"?>
+<p:notes xmlns:a="http://schemas.openxmlformats.org/drawingml/2006/main" xmlns:r="http://schemas.openxmlformats.org/officeDocument/2006/relationships" xmlns:p="http://schemas.openxmlformats.org/presentationml/2006/main" showMasterSp="0" showMasterPhAnim="0">
+  <p:cSld>
+    <p:spTree>
+      <p:nvGrpSpPr>
+        <p:cNvPr id="1" name="Shape 210">
+          <a:extLst>
+            <a:ext uri="{FF2B5EF4-FFF2-40B4-BE49-F238E27FC236}">
+              <a16:creationId xmlns:a16="http://schemas.microsoft.com/office/drawing/2014/main" id="{FFA629D4-D0F8-8F78-3F2D-87B57CDA0607}"/>
+            </a:ext>
+          </a:extLst>
+        </p:cNvPr>
+        <p:cNvGrpSpPr/>
+        <p:nvPr/>
+      </p:nvGrpSpPr>
+      <p:grpSpPr>
+        <a:xfrm>
+          <a:off x="0" y="0"/>
+          <a:ext cx="0" cy="0"/>
+          <a:chOff x="0" y="0"/>
+          <a:chExt cx="0" cy="0"/>
+        </a:xfrm>
+      </p:grpSpPr>
+      <p:sp>
+        <p:nvSpPr>
+          <p:cNvPr id="211" name="Google Shape;211;g785121e667_0_215:notes">
+            <a:extLst>
+              <a:ext uri="{FF2B5EF4-FFF2-40B4-BE49-F238E27FC236}">
+                <a16:creationId xmlns:a16="http://schemas.microsoft.com/office/drawing/2014/main" id="{D67BED08-40F8-1AF0-C367-7E5B9A7D32B6}"/>
+              </a:ext>
+            </a:extLst>
+          </p:cNvPr>
+          <p:cNvSpPr>
+            <a:spLocks noGrp="1" noRot="1" noChangeAspect="1"/>
+          </p:cNvSpPr>
+          <p:nvPr>
+            <p:ph type="sldImg" idx="2"/>
+          </p:nvPr>
+        </p:nvSpPr>
+        <p:spPr>
+          <a:xfrm>
+            <a:off x="381000" y="685800"/>
+            <a:ext cx="6096000" cy="3429000"/>
+          </a:xfrm>
+          <a:custGeom>
+            <a:avLst/>
+            <a:gdLst/>
+            <a:ahLst/>
+            <a:cxnLst/>
+            <a:rect l="l" t="t" r="r" b="b"/>
+            <a:pathLst>
+              <a:path w="120000" h="120000" extrusionOk="0">
+                <a:moveTo>
+                  <a:pt x="0" y="0"/>
+                </a:moveTo>
+                <a:lnTo>
+                  <a:pt x="120000" y="0"/>
+                </a:lnTo>
+                <a:lnTo>
+                  <a:pt x="120000" y="120000"/>
+                </a:lnTo>
+                <a:lnTo>
+                  <a:pt x="0" y="120000"/>
+                </a:lnTo>
+                <a:close/>
+              </a:path>
+            </a:pathLst>
+          </a:custGeom>
+        </p:spPr>
+      </p:sp>
+      <p:sp>
+        <p:nvSpPr>
+          <p:cNvPr id="212" name="Google Shape;212;g785121e667_0_215:notes">
+            <a:extLst>
+              <a:ext uri="{FF2B5EF4-FFF2-40B4-BE49-F238E27FC236}">
+                <a16:creationId xmlns:a16="http://schemas.microsoft.com/office/drawing/2014/main" id="{FE620885-FF90-9DC2-0EC3-6E860543FF38}"/>
+              </a:ext>
+            </a:extLst>
+          </p:cNvPr>
+          <p:cNvSpPr txBox="1">
+            <a:spLocks noGrp="1"/>
+          </p:cNvSpPr>
+          <p:nvPr>
+            <p:ph type="body" idx="1"/>
+          </p:nvPr>
+        </p:nvSpPr>
+        <p:spPr>
+          <a:xfrm>
+            <a:off x="685800" y="4343400"/>
+            <a:ext cx="5486400" cy="4114800"/>
+          </a:xfrm>
+          <a:prstGeom prst="rect">
+            <a:avLst/>
+          </a:prstGeom>
+        </p:spPr>
+        <p:txBody>
+          <a:bodyPr spcFirstLastPara="1" wrap="square" lIns="91425" tIns="91425" rIns="91425" bIns="91425" anchor="t" anchorCtr="0">
+            <a:noAutofit/>
+          </a:bodyPr>
+          <a:lstStyle/>
+          <a:p>
+            <a:pPr marL="0" lvl="0" indent="0" algn="l" rtl="0">
+              <a:spcBef>
+                <a:spcPts val="0"/>
+              </a:spcBef>
+              <a:spcAft>
+                <a:spcPts val="0"/>
+              </a:spcAft>
+              <a:buNone/>
+            </a:pPr>
+            <a:endParaRPr dirty="0"/>
+          </a:p>
+        </p:txBody>
+      </p:sp>
+    </p:spTree>
+    <p:extLst>
+      <p:ext uri="{BB962C8B-B14F-4D97-AF65-F5344CB8AC3E}">
+        <p14:creationId xmlns:p14="http://schemas.microsoft.com/office/powerpoint/2010/main" val="241685997"/>
+      </p:ext>
+    </p:extLst>
+  </p:cSld>
+  <p:clrMapOvr>
+    <a:masterClrMapping/>
+  </p:clrMapOvr>
+</p:notes>
+</file>
+
+<file path=ppt/notesSlides/notesSlide13.xml><?xml version="1.0" encoding="utf-8"?>
+<p:notes xmlns:a="http://schemas.openxmlformats.org/drawingml/2006/main" xmlns:r="http://schemas.openxmlformats.org/officeDocument/2006/relationships" xmlns:p="http://schemas.openxmlformats.org/presentationml/2006/main" showMasterSp="0" showMasterPhAnim="0">
+  <p:cSld>
+    <p:spTree>
+      <p:nvGrpSpPr>
+        <p:cNvPr id="1" name="Shape 210">
+          <a:extLst>
+            <a:ext uri="{FF2B5EF4-FFF2-40B4-BE49-F238E27FC236}">
+              <a16:creationId xmlns:a16="http://schemas.microsoft.com/office/drawing/2014/main" id="{2256ED91-B03D-AB02-E062-D2E446DCF4AE}"/>
+            </a:ext>
+          </a:extLst>
+        </p:cNvPr>
+        <p:cNvGrpSpPr/>
+        <p:nvPr/>
+      </p:nvGrpSpPr>
+      <p:grpSpPr>
+        <a:xfrm>
+          <a:off x="0" y="0"/>
+          <a:ext cx="0" cy="0"/>
+          <a:chOff x="0" y="0"/>
+          <a:chExt cx="0" cy="0"/>
+        </a:xfrm>
+      </p:grpSpPr>
+      <p:sp>
+        <p:nvSpPr>
+          <p:cNvPr id="211" name="Google Shape;211;g785121e667_0_215:notes">
+            <a:extLst>
+              <a:ext uri="{FF2B5EF4-FFF2-40B4-BE49-F238E27FC236}">
+                <a16:creationId xmlns:a16="http://schemas.microsoft.com/office/drawing/2014/main" id="{AB623041-858B-522C-54BD-7475A69320CE}"/>
+              </a:ext>
+            </a:extLst>
+          </p:cNvPr>
+          <p:cNvSpPr>
+            <a:spLocks noGrp="1" noRot="1" noChangeAspect="1"/>
+          </p:cNvSpPr>
+          <p:nvPr>
+            <p:ph type="sldImg" idx="2"/>
+          </p:nvPr>
+        </p:nvSpPr>
+        <p:spPr>
+          <a:xfrm>
+            <a:off x="381000" y="685800"/>
+            <a:ext cx="6096000" cy="3429000"/>
+          </a:xfrm>
+          <a:custGeom>
+            <a:avLst/>
+            <a:gdLst/>
+            <a:ahLst/>
+            <a:cxnLst/>
+            <a:rect l="l" t="t" r="r" b="b"/>
+            <a:pathLst>
+              <a:path w="120000" h="120000" extrusionOk="0">
+                <a:moveTo>
+                  <a:pt x="0" y="0"/>
+                </a:moveTo>
+                <a:lnTo>
+                  <a:pt x="120000" y="0"/>
+                </a:lnTo>
+                <a:lnTo>
+                  <a:pt x="120000" y="120000"/>
+                </a:lnTo>
+                <a:lnTo>
+                  <a:pt x="0" y="120000"/>
+                </a:lnTo>
+                <a:close/>
+              </a:path>
+            </a:pathLst>
+          </a:custGeom>
+        </p:spPr>
+      </p:sp>
+      <p:sp>
+        <p:nvSpPr>
+          <p:cNvPr id="212" name="Google Shape;212;g785121e667_0_215:notes">
+            <a:extLst>
+              <a:ext uri="{FF2B5EF4-FFF2-40B4-BE49-F238E27FC236}">
+                <a16:creationId xmlns:a16="http://schemas.microsoft.com/office/drawing/2014/main" id="{570EAC03-DEAD-8D4A-61D1-C24DBE949E11}"/>
+              </a:ext>
+            </a:extLst>
+          </p:cNvPr>
+          <p:cNvSpPr txBox="1">
+            <a:spLocks noGrp="1"/>
+          </p:cNvSpPr>
+          <p:nvPr>
+            <p:ph type="body" idx="1"/>
+          </p:nvPr>
+        </p:nvSpPr>
+        <p:spPr>
+          <a:xfrm>
+            <a:off x="685800" y="4343400"/>
+            <a:ext cx="5486400" cy="4114800"/>
+          </a:xfrm>
+          <a:prstGeom prst="rect">
+            <a:avLst/>
+          </a:prstGeom>
+        </p:spPr>
+        <p:txBody>
+          <a:bodyPr spcFirstLastPara="1" wrap="square" lIns="91425" tIns="91425" rIns="91425" bIns="91425" anchor="t" anchorCtr="0">
+            <a:noAutofit/>
+          </a:bodyPr>
+          <a:lstStyle/>
+          <a:p>
+            <a:pPr marL="0" lvl="0" indent="0" algn="l" rtl="0">
+              <a:spcBef>
+                <a:spcPts val="0"/>
+              </a:spcBef>
+              <a:spcAft>
+                <a:spcPts val="0"/>
+              </a:spcAft>
+              <a:buNone/>
+            </a:pPr>
+            <a:endParaRPr dirty="0"/>
+          </a:p>
+        </p:txBody>
+      </p:sp>
+    </p:spTree>
+    <p:extLst>
+      <p:ext uri="{BB962C8B-B14F-4D97-AF65-F5344CB8AC3E}">
+        <p14:creationId xmlns:p14="http://schemas.microsoft.com/office/powerpoint/2010/main" val="2779919117"/>
+      </p:ext>
+    </p:extLst>
+  </p:cSld>
+  <p:clrMapOvr>
+    <a:masterClrMapping/>
+  </p:clrMapOvr>
+</p:notes>
+</file>
+
+<file path=ppt/notesSlides/notesSlide14.xml><?xml version="1.0" encoding="utf-8"?>
+<p:notes xmlns:a="http://schemas.openxmlformats.org/drawingml/2006/main" xmlns:r="http://schemas.openxmlformats.org/officeDocument/2006/relationships" xmlns:p="http://schemas.openxmlformats.org/presentationml/2006/main" showMasterSp="0" showMasterPhAnim="0">
+  <p:cSld>
+    <p:spTree>
+      <p:nvGrpSpPr>
+        <p:cNvPr id="1" name="Shape 210">
+          <a:extLst>
+            <a:ext uri="{FF2B5EF4-FFF2-40B4-BE49-F238E27FC236}">
+              <a16:creationId xmlns:a16="http://schemas.microsoft.com/office/drawing/2014/main" id="{21F5FA0C-BACF-AB36-4FE0-8387D02C7EB2}"/>
+            </a:ext>
+          </a:extLst>
+        </p:cNvPr>
+        <p:cNvGrpSpPr/>
+        <p:nvPr/>
+      </p:nvGrpSpPr>
+      <p:grpSpPr>
+        <a:xfrm>
+          <a:off x="0" y="0"/>
+          <a:ext cx="0" cy="0"/>
+          <a:chOff x="0" y="0"/>
+          <a:chExt cx="0" cy="0"/>
+        </a:xfrm>
+      </p:grpSpPr>
+      <p:sp>
+        <p:nvSpPr>
+          <p:cNvPr id="211" name="Google Shape;211;g785121e667_0_215:notes">
+            <a:extLst>
+              <a:ext uri="{FF2B5EF4-FFF2-40B4-BE49-F238E27FC236}">
+                <a16:creationId xmlns:a16="http://schemas.microsoft.com/office/drawing/2014/main" id="{98DFD516-F3EF-40F5-3CF8-22643513951B}"/>
+              </a:ext>
+            </a:extLst>
+          </p:cNvPr>
+          <p:cNvSpPr>
+            <a:spLocks noGrp="1" noRot="1" noChangeAspect="1"/>
+          </p:cNvSpPr>
+          <p:nvPr>
+            <p:ph type="sldImg" idx="2"/>
+          </p:nvPr>
+        </p:nvSpPr>
+        <p:spPr>
+          <a:xfrm>
+            <a:off x="381000" y="685800"/>
+            <a:ext cx="6096000" cy="3429000"/>
+          </a:xfrm>
+          <a:custGeom>
+            <a:avLst/>
+            <a:gdLst/>
+            <a:ahLst/>
+            <a:cxnLst/>
+            <a:rect l="l" t="t" r="r" b="b"/>
+            <a:pathLst>
+              <a:path w="120000" h="120000" extrusionOk="0">
+                <a:moveTo>
+                  <a:pt x="0" y="0"/>
+                </a:moveTo>
+                <a:lnTo>
+                  <a:pt x="120000" y="0"/>
+                </a:lnTo>
+                <a:lnTo>
+                  <a:pt x="120000" y="120000"/>
+                </a:lnTo>
+                <a:lnTo>
+                  <a:pt x="0" y="120000"/>
+                </a:lnTo>
+                <a:close/>
+              </a:path>
+            </a:pathLst>
+          </a:custGeom>
+        </p:spPr>
+      </p:sp>
+      <p:sp>
+        <p:nvSpPr>
+          <p:cNvPr id="212" name="Google Shape;212;g785121e667_0_215:notes">
+            <a:extLst>
+              <a:ext uri="{FF2B5EF4-FFF2-40B4-BE49-F238E27FC236}">
+                <a16:creationId xmlns:a16="http://schemas.microsoft.com/office/drawing/2014/main" id="{B272570A-C0B4-80A1-A89F-0DD760D2F114}"/>
+              </a:ext>
+            </a:extLst>
+          </p:cNvPr>
+          <p:cNvSpPr txBox="1">
+            <a:spLocks noGrp="1"/>
+          </p:cNvSpPr>
+          <p:nvPr>
+            <p:ph type="body" idx="1"/>
+          </p:nvPr>
+        </p:nvSpPr>
+        <p:spPr>
+          <a:xfrm>
+            <a:off x="685800" y="4343400"/>
+            <a:ext cx="5486400" cy="4114800"/>
+          </a:xfrm>
+          <a:prstGeom prst="rect">
+            <a:avLst/>
+          </a:prstGeom>
+        </p:spPr>
+        <p:txBody>
+          <a:bodyPr spcFirstLastPara="1" wrap="square" lIns="91425" tIns="91425" rIns="91425" bIns="91425" anchor="t" anchorCtr="0">
+            <a:noAutofit/>
+          </a:bodyPr>
+          <a:lstStyle/>
+          <a:p>
+            <a:pPr marL="0" lvl="0" indent="0" algn="l" rtl="0">
+              <a:spcBef>
+                <a:spcPts val="0"/>
+              </a:spcBef>
+              <a:spcAft>
+                <a:spcPts val="0"/>
+              </a:spcAft>
+              <a:buNone/>
+            </a:pPr>
+            <a:endParaRPr dirty="0"/>
+          </a:p>
+        </p:txBody>
+      </p:sp>
+    </p:spTree>
+    <p:extLst>
+      <p:ext uri="{BB962C8B-B14F-4D97-AF65-F5344CB8AC3E}">
+        <p14:creationId xmlns:p14="http://schemas.microsoft.com/office/powerpoint/2010/main" val="2540103415"/>
+      </p:ext>
+    </p:extLst>
+  </p:cSld>
+  <p:clrMapOvr>
+    <a:masterClrMapping/>
+  </p:clrMapOvr>
+</p:notes>
+</file>
+
+<file path=ppt/notesSlides/notesSlide15.xml><?xml version="1.0" encoding="utf-8"?>
+<p:notes xmlns:a="http://schemas.openxmlformats.org/drawingml/2006/main" xmlns:r="http://schemas.openxmlformats.org/officeDocument/2006/relationships" xmlns:p="http://schemas.openxmlformats.org/presentationml/2006/main" showMasterSp="0" showMasterPhAnim="0">
+  <p:cSld>
+    <p:spTree>
+      <p:nvGrpSpPr>
+        <p:cNvPr id="1" name="Shape 210">
+          <a:extLst>
+            <a:ext uri="{FF2B5EF4-FFF2-40B4-BE49-F238E27FC236}">
+              <a16:creationId xmlns:a16="http://schemas.microsoft.com/office/drawing/2014/main" id="{E1E16332-F918-A90F-A73C-538C91EC452B}"/>
+            </a:ext>
+          </a:extLst>
+        </p:cNvPr>
+        <p:cNvGrpSpPr/>
+        <p:nvPr/>
+      </p:nvGrpSpPr>
+      <p:grpSpPr>
+        <a:xfrm>
+          <a:off x="0" y="0"/>
+          <a:ext cx="0" cy="0"/>
+          <a:chOff x="0" y="0"/>
+          <a:chExt cx="0" cy="0"/>
+        </a:xfrm>
+      </p:grpSpPr>
+      <p:sp>
+        <p:nvSpPr>
+          <p:cNvPr id="211" name="Google Shape;211;g785121e667_0_215:notes">
+            <a:extLst>
+              <a:ext uri="{FF2B5EF4-FFF2-40B4-BE49-F238E27FC236}">
+                <a16:creationId xmlns:a16="http://schemas.microsoft.com/office/drawing/2014/main" id="{37CC6864-07FD-D4EC-9D42-AE35BD382196}"/>
+              </a:ext>
+            </a:extLst>
+          </p:cNvPr>
+          <p:cNvSpPr>
+            <a:spLocks noGrp="1" noRot="1" noChangeAspect="1"/>
+          </p:cNvSpPr>
+          <p:nvPr>
+            <p:ph type="sldImg" idx="2"/>
+          </p:nvPr>
+        </p:nvSpPr>
+        <p:spPr>
+          <a:xfrm>
+            <a:off x="381000" y="685800"/>
+            <a:ext cx="6096000" cy="3429000"/>
+          </a:xfrm>
+          <a:custGeom>
+            <a:avLst/>
+            <a:gdLst/>
+            <a:ahLst/>
+            <a:cxnLst/>
+            <a:rect l="l" t="t" r="r" b="b"/>
+            <a:pathLst>
+              <a:path w="120000" h="120000" extrusionOk="0">
+                <a:moveTo>
+                  <a:pt x="0" y="0"/>
+                </a:moveTo>
+                <a:lnTo>
+                  <a:pt x="120000" y="0"/>
+                </a:lnTo>
+                <a:lnTo>
+                  <a:pt x="120000" y="120000"/>
+                </a:lnTo>
+                <a:lnTo>
+                  <a:pt x="0" y="120000"/>
+                </a:lnTo>
+                <a:close/>
+              </a:path>
+            </a:pathLst>
+          </a:custGeom>
+        </p:spPr>
+      </p:sp>
+      <p:sp>
+        <p:nvSpPr>
+          <p:cNvPr id="212" name="Google Shape;212;g785121e667_0_215:notes">
+            <a:extLst>
+              <a:ext uri="{FF2B5EF4-FFF2-40B4-BE49-F238E27FC236}">
+                <a16:creationId xmlns:a16="http://schemas.microsoft.com/office/drawing/2014/main" id="{5712BE48-E287-FC0A-DD67-B81C9C667439}"/>
+              </a:ext>
+            </a:extLst>
+          </p:cNvPr>
+          <p:cNvSpPr txBox="1">
+            <a:spLocks noGrp="1"/>
+          </p:cNvSpPr>
+          <p:nvPr>
+            <p:ph type="body" idx="1"/>
+          </p:nvPr>
+        </p:nvSpPr>
+        <p:spPr>
+          <a:xfrm>
+            <a:off x="685800" y="4343400"/>
+            <a:ext cx="5486400" cy="4114800"/>
+          </a:xfrm>
+          <a:prstGeom prst="rect">
+            <a:avLst/>
+          </a:prstGeom>
+        </p:spPr>
+        <p:txBody>
+          <a:bodyPr spcFirstLastPara="1" wrap="square" lIns="91425" tIns="91425" rIns="91425" bIns="91425" anchor="t" anchorCtr="0">
+            <a:noAutofit/>
+          </a:bodyPr>
+          <a:lstStyle/>
+          <a:p>
+            <a:pPr marL="0" lvl="0" indent="0" algn="l" rtl="0">
+              <a:spcBef>
+                <a:spcPts val="0"/>
+              </a:spcBef>
+              <a:spcAft>
+                <a:spcPts val="0"/>
+              </a:spcAft>
+              <a:buNone/>
+            </a:pPr>
+            <a:endParaRPr dirty="0"/>
+          </a:p>
+        </p:txBody>
+      </p:sp>
+    </p:spTree>
+    <p:extLst>
+      <p:ext uri="{BB962C8B-B14F-4D97-AF65-F5344CB8AC3E}">
+        <p14:creationId xmlns:p14="http://schemas.microsoft.com/office/powerpoint/2010/main" val="3499832482"/>
+      </p:ext>
+    </p:extLst>
+  </p:cSld>
+  <p:clrMapOvr>
+    <a:masterClrMapping/>
+  </p:clrMapOvr>
+</p:notes>
+</file>
+
+<file path=ppt/notesSlides/notesSlide16.xml><?xml version="1.0" encoding="utf-8"?>
+<p:notes xmlns:a="http://schemas.openxmlformats.org/drawingml/2006/main" xmlns:r="http://schemas.openxmlformats.org/officeDocument/2006/relationships" xmlns:p="http://schemas.openxmlformats.org/presentationml/2006/main" showMasterSp="0" showMasterPhAnim="0">
+  <p:cSld>
+    <p:spTree>
+      <p:nvGrpSpPr>
+        <p:cNvPr id="1" name="Shape 210">
+          <a:extLst>
+            <a:ext uri="{FF2B5EF4-FFF2-40B4-BE49-F238E27FC236}">
+              <a16:creationId xmlns:a16="http://schemas.microsoft.com/office/drawing/2014/main" id="{B521BE82-570F-2CB1-A9F0-A6AE82108991}"/>
+            </a:ext>
+          </a:extLst>
+        </p:cNvPr>
+        <p:cNvGrpSpPr/>
+        <p:nvPr/>
+      </p:nvGrpSpPr>
+      <p:grpSpPr>
+        <a:xfrm>
+          <a:off x="0" y="0"/>
+          <a:ext cx="0" cy="0"/>
+          <a:chOff x="0" y="0"/>
+          <a:chExt cx="0" cy="0"/>
+        </a:xfrm>
+      </p:grpSpPr>
+      <p:sp>
+        <p:nvSpPr>
+          <p:cNvPr id="211" name="Google Shape;211;g785121e667_0_215:notes">
+            <a:extLst>
+              <a:ext uri="{FF2B5EF4-FFF2-40B4-BE49-F238E27FC236}">
+                <a16:creationId xmlns:a16="http://schemas.microsoft.com/office/drawing/2014/main" id="{EBFB31EE-EB9D-DB08-0A77-6392A17E45E0}"/>
+              </a:ext>
+            </a:extLst>
+          </p:cNvPr>
+          <p:cNvSpPr>
+            <a:spLocks noGrp="1" noRot="1" noChangeAspect="1"/>
+          </p:cNvSpPr>
+          <p:nvPr>
+            <p:ph type="sldImg" idx="2"/>
+          </p:nvPr>
+        </p:nvSpPr>
+        <p:spPr>
+          <a:xfrm>
+            <a:off x="381000" y="685800"/>
+            <a:ext cx="6096000" cy="3429000"/>
+          </a:xfrm>
+          <a:custGeom>
+            <a:avLst/>
+            <a:gdLst/>
+            <a:ahLst/>
+            <a:cxnLst/>
+            <a:rect l="l" t="t" r="r" b="b"/>
+            <a:pathLst>
+              <a:path w="120000" h="120000" extrusionOk="0">
+                <a:moveTo>
+                  <a:pt x="0" y="0"/>
+                </a:moveTo>
+                <a:lnTo>
+                  <a:pt x="120000" y="0"/>
+                </a:lnTo>
+                <a:lnTo>
+                  <a:pt x="120000" y="120000"/>
+                </a:lnTo>
+                <a:lnTo>
+                  <a:pt x="0" y="120000"/>
+                </a:lnTo>
+                <a:close/>
+              </a:path>
+            </a:pathLst>
+          </a:custGeom>
+        </p:spPr>
+      </p:sp>
+      <p:sp>
+        <p:nvSpPr>
+          <p:cNvPr id="212" name="Google Shape;212;g785121e667_0_215:notes">
+            <a:extLst>
+              <a:ext uri="{FF2B5EF4-FFF2-40B4-BE49-F238E27FC236}">
+                <a16:creationId xmlns:a16="http://schemas.microsoft.com/office/drawing/2014/main" id="{B222B848-156A-A574-3603-E128D7803585}"/>
+              </a:ext>
+            </a:extLst>
+          </p:cNvPr>
+          <p:cNvSpPr txBox="1">
+            <a:spLocks noGrp="1"/>
+          </p:cNvSpPr>
+          <p:nvPr>
+            <p:ph type="body" idx="1"/>
+          </p:nvPr>
+        </p:nvSpPr>
+        <p:spPr>
+          <a:xfrm>
+            <a:off x="685800" y="4343400"/>
+            <a:ext cx="5486400" cy="4114800"/>
+          </a:xfrm>
+          <a:prstGeom prst="rect">
+            <a:avLst/>
+          </a:prstGeom>
+        </p:spPr>
+        <p:txBody>
+          <a:bodyPr spcFirstLastPara="1" wrap="square" lIns="91425" tIns="91425" rIns="91425" bIns="91425" anchor="t" anchorCtr="0">
+            <a:noAutofit/>
+          </a:bodyPr>
+          <a:lstStyle/>
+          <a:p>
+            <a:pPr marL="0" lvl="0" indent="0" algn="l" rtl="0">
+              <a:spcBef>
+                <a:spcPts val="0"/>
+              </a:spcBef>
+              <a:spcAft>
+                <a:spcPts val="0"/>
+              </a:spcAft>
+              <a:buNone/>
+            </a:pPr>
+            <a:endParaRPr dirty="0"/>
+          </a:p>
+        </p:txBody>
+      </p:sp>
+    </p:spTree>
+    <p:extLst>
+      <p:ext uri="{BB962C8B-B14F-4D97-AF65-F5344CB8AC3E}">
+        <p14:creationId xmlns:p14="http://schemas.microsoft.com/office/powerpoint/2010/main" val="3284310733"/>
+      </p:ext>
+    </p:extLst>
+  </p:cSld>
+  <p:clrMapOvr>
+    <a:masterClrMapping/>
+  </p:clrMapOvr>
+</p:notes>
+</file>
+
+<file path=ppt/notesSlides/notesSlide17.xml><?xml version="1.0" encoding="utf-8"?>
 <p:notes xmlns:a="http://schemas.openxmlformats.org/drawingml/2006/main" xmlns:r="http://schemas.openxmlformats.org/officeDocument/2006/relationships" xmlns:p="http://schemas.openxmlformats.org/presentationml/2006/main" showMasterSp="0" showMasterPhAnim="0">
   <p:cSld>
     <p:spTree>
@@ -5625,7 +6676,7 @@
           <a:p>
             <a:fld id="{2AE125AB-D111-47D8-A14D-C3F76CBD5CB7}" type="datetimeFigureOut">
               <a:rPr lang="pt-BR" smtClean="0"/>
-              <a:t>27/11/2024</a:t>
+              <a:t>28/11/2024</a:t>
             </a:fld>
             <a:endParaRPr lang="pt-BR"/>
           </a:p>
@@ -5796,7 +6847,7 @@
           <a:p>
             <a:fld id="{2AE125AB-D111-47D8-A14D-C3F76CBD5CB7}" type="datetimeFigureOut">
               <a:rPr lang="pt-BR" smtClean="0"/>
-              <a:t>27/11/2024</a:t>
+              <a:t>28/11/2024</a:t>
             </a:fld>
             <a:endParaRPr lang="pt-BR"/>
           </a:p>
@@ -5977,7 +7028,7 @@
           <a:p>
             <a:fld id="{2AE125AB-D111-47D8-A14D-C3F76CBD5CB7}" type="datetimeFigureOut">
               <a:rPr lang="pt-BR" smtClean="0"/>
-              <a:t>27/11/2024</a:t>
+              <a:t>28/11/2024</a:t>
             </a:fld>
             <a:endParaRPr lang="pt-BR"/>
           </a:p>
@@ -6040,335 +7091,6 @@
 </file>
 
 <file path=ppt/slideLayouts/slideLayout12.xml><?xml version="1.0" encoding="utf-8"?>
-<p:sldLayout xmlns:a="http://schemas.openxmlformats.org/drawingml/2006/main" xmlns:r="http://schemas.openxmlformats.org/officeDocument/2006/relationships" xmlns:p="http://schemas.openxmlformats.org/presentationml/2006/main" matchingName="Quote">
-  <p:cSld name="Quote">
-    <p:spTree>
-      <p:nvGrpSpPr>
-        <p:cNvPr id="1" name="Shape 90"/>
-        <p:cNvGrpSpPr/>
-        <p:nvPr/>
-      </p:nvGrpSpPr>
-      <p:grpSpPr>
-        <a:xfrm>
-          <a:off x="0" y="0"/>
-          <a:ext cx="0" cy="0"/>
-          <a:chOff x="0" y="0"/>
-          <a:chExt cx="0" cy="0"/>
-        </a:xfrm>
-      </p:grpSpPr>
-      <p:sp>
-        <p:nvSpPr>
-          <p:cNvPr id="96" name="Google Shape;96;p14"/>
-          <p:cNvSpPr txBox="1">
-            <a:spLocks noGrp="1"/>
-          </p:cNvSpPr>
-          <p:nvPr>
-            <p:ph type="title"/>
-          </p:nvPr>
-        </p:nvSpPr>
-        <p:spPr>
-          <a:xfrm>
-            <a:off x="1949150" y="3541525"/>
-            <a:ext cx="5245800" cy="572700"/>
-          </a:xfrm>
-          <a:prstGeom prst="rect">
-            <a:avLst/>
-          </a:prstGeom>
-        </p:spPr>
-        <p:txBody>
-          <a:bodyPr spcFirstLastPara="1" wrap="square" lIns="91425" tIns="91425" rIns="91425" bIns="91425" anchor="t" anchorCtr="0">
-            <a:noAutofit/>
-          </a:bodyPr>
-          <a:lstStyle>
-            <a:lvl1pPr lvl="0" algn="ctr" rtl="0">
-              <a:spcBef>
-                <a:spcPts val="0"/>
-              </a:spcBef>
-              <a:spcAft>
-                <a:spcPts val="0"/>
-              </a:spcAft>
-              <a:buSzPts val="2800"/>
-              <a:buNone/>
-              <a:defRPr sz="1800" b="1">
-                <a:solidFill>
-                  <a:schemeClr val="accent1"/>
-                </a:solidFill>
-                <a:latin typeface="Montserrat"/>
-                <a:ea typeface="Montserrat"/>
-                <a:cs typeface="Montserrat"/>
-                <a:sym typeface="Montserrat"/>
-              </a:defRPr>
-            </a:lvl1pPr>
-            <a:lvl2pPr lvl="1" rtl="0">
-              <a:spcBef>
-                <a:spcPts val="0"/>
-              </a:spcBef>
-              <a:spcAft>
-                <a:spcPts val="0"/>
-              </a:spcAft>
-              <a:buSzPts val="2800"/>
-              <a:buNone/>
-              <a:defRPr/>
-            </a:lvl2pPr>
-            <a:lvl3pPr lvl="2" rtl="0">
-              <a:spcBef>
-                <a:spcPts val="0"/>
-              </a:spcBef>
-              <a:spcAft>
-                <a:spcPts val="0"/>
-              </a:spcAft>
-              <a:buSzPts val="2800"/>
-              <a:buNone/>
-              <a:defRPr/>
-            </a:lvl3pPr>
-            <a:lvl4pPr lvl="3" rtl="0">
-              <a:spcBef>
-                <a:spcPts val="0"/>
-              </a:spcBef>
-              <a:spcAft>
-                <a:spcPts val="0"/>
-              </a:spcAft>
-              <a:buSzPts val="2800"/>
-              <a:buNone/>
-              <a:defRPr/>
-            </a:lvl4pPr>
-            <a:lvl5pPr lvl="4" rtl="0">
-              <a:spcBef>
-                <a:spcPts val="0"/>
-              </a:spcBef>
-              <a:spcAft>
-                <a:spcPts val="0"/>
-              </a:spcAft>
-              <a:buSzPts val="2800"/>
-              <a:buNone/>
-              <a:defRPr/>
-            </a:lvl5pPr>
-            <a:lvl6pPr lvl="5" rtl="0">
-              <a:spcBef>
-                <a:spcPts val="0"/>
-              </a:spcBef>
-              <a:spcAft>
-                <a:spcPts val="0"/>
-              </a:spcAft>
-              <a:buSzPts val="2800"/>
-              <a:buNone/>
-              <a:defRPr/>
-            </a:lvl6pPr>
-            <a:lvl7pPr lvl="6" rtl="0">
-              <a:spcBef>
-                <a:spcPts val="0"/>
-              </a:spcBef>
-              <a:spcAft>
-                <a:spcPts val="0"/>
-              </a:spcAft>
-              <a:buSzPts val="2800"/>
-              <a:buNone/>
-              <a:defRPr/>
-            </a:lvl7pPr>
-            <a:lvl8pPr lvl="7" rtl="0">
-              <a:spcBef>
-                <a:spcPts val="0"/>
-              </a:spcBef>
-              <a:spcAft>
-                <a:spcPts val="0"/>
-              </a:spcAft>
-              <a:buSzPts val="2800"/>
-              <a:buNone/>
-              <a:defRPr/>
-            </a:lvl8pPr>
-            <a:lvl9pPr lvl="8" rtl="0">
-              <a:spcBef>
-                <a:spcPts val="0"/>
-              </a:spcBef>
-              <a:spcAft>
-                <a:spcPts val="0"/>
-              </a:spcAft>
-              <a:buSzPts val="2800"/>
-              <a:buNone/>
-              <a:defRPr/>
-            </a:lvl9pPr>
-          </a:lstStyle>
-          <a:p>
-            <a:endParaRPr/>
-          </a:p>
-        </p:txBody>
-      </p:sp>
-      <p:sp>
-        <p:nvSpPr>
-          <p:cNvPr id="97" name="Google Shape;97;p14"/>
-          <p:cNvSpPr txBox="1">
-            <a:spLocks noGrp="1"/>
-          </p:cNvSpPr>
-          <p:nvPr>
-            <p:ph type="subTitle" idx="1"/>
-          </p:nvPr>
-        </p:nvSpPr>
-        <p:spPr>
-          <a:xfrm flipH="1">
-            <a:off x="1323900" y="1695875"/>
-            <a:ext cx="6496200" cy="1386000"/>
-          </a:xfrm>
-          <a:prstGeom prst="rect">
-            <a:avLst/>
-          </a:prstGeom>
-        </p:spPr>
-        <p:txBody>
-          <a:bodyPr spcFirstLastPara="1" wrap="square" lIns="91425" tIns="91425" rIns="91425" bIns="91425" anchor="ctr" anchorCtr="0">
-            <a:noAutofit/>
-          </a:bodyPr>
-          <a:lstStyle>
-            <a:lvl1pPr lvl="0" algn="ctr" rtl="0">
-              <a:lnSpc>
-                <a:spcPct val="100000"/>
-              </a:lnSpc>
-              <a:spcBef>
-                <a:spcPts val="0"/>
-              </a:spcBef>
-              <a:spcAft>
-                <a:spcPts val="0"/>
-              </a:spcAft>
-              <a:buSzPts val="1400"/>
-              <a:buFont typeface="Didact Gothic"/>
-              <a:buNone/>
-              <a:defRPr sz="2900">
-                <a:latin typeface="Didact Gothic"/>
-                <a:ea typeface="Didact Gothic"/>
-                <a:cs typeface="Didact Gothic"/>
-                <a:sym typeface="Didact Gothic"/>
-              </a:defRPr>
-            </a:lvl1pPr>
-            <a:lvl2pPr lvl="1" algn="ctr" rtl="0">
-              <a:lnSpc>
-                <a:spcPct val="100000"/>
-              </a:lnSpc>
-              <a:spcBef>
-                <a:spcPts val="0"/>
-              </a:spcBef>
-              <a:spcAft>
-                <a:spcPts val="0"/>
-              </a:spcAft>
-              <a:buSzPts val="1400"/>
-              <a:buNone/>
-              <a:defRPr/>
-            </a:lvl2pPr>
-            <a:lvl3pPr lvl="2" algn="ctr" rtl="0">
-              <a:lnSpc>
-                <a:spcPct val="100000"/>
-              </a:lnSpc>
-              <a:spcBef>
-                <a:spcPts val="0"/>
-              </a:spcBef>
-              <a:spcAft>
-                <a:spcPts val="0"/>
-              </a:spcAft>
-              <a:buSzPts val="1400"/>
-              <a:buNone/>
-              <a:defRPr/>
-            </a:lvl3pPr>
-            <a:lvl4pPr lvl="3" algn="ctr" rtl="0">
-              <a:lnSpc>
-                <a:spcPct val="100000"/>
-              </a:lnSpc>
-              <a:spcBef>
-                <a:spcPts val="0"/>
-              </a:spcBef>
-              <a:spcAft>
-                <a:spcPts val="0"/>
-              </a:spcAft>
-              <a:buSzPts val="1400"/>
-              <a:buNone/>
-              <a:defRPr/>
-            </a:lvl4pPr>
-            <a:lvl5pPr lvl="4" algn="ctr" rtl="0">
-              <a:lnSpc>
-                <a:spcPct val="100000"/>
-              </a:lnSpc>
-              <a:spcBef>
-                <a:spcPts val="0"/>
-              </a:spcBef>
-              <a:spcAft>
-                <a:spcPts val="0"/>
-              </a:spcAft>
-              <a:buSzPts val="1400"/>
-              <a:buNone/>
-              <a:defRPr/>
-            </a:lvl5pPr>
-            <a:lvl6pPr lvl="5" algn="ctr" rtl="0">
-              <a:lnSpc>
-                <a:spcPct val="100000"/>
-              </a:lnSpc>
-              <a:spcBef>
-                <a:spcPts val="0"/>
-              </a:spcBef>
-              <a:spcAft>
-                <a:spcPts val="0"/>
-              </a:spcAft>
-              <a:buSzPts val="1400"/>
-              <a:buNone/>
-              <a:defRPr/>
-            </a:lvl6pPr>
-            <a:lvl7pPr lvl="6" algn="ctr" rtl="0">
-              <a:lnSpc>
-                <a:spcPct val="100000"/>
-              </a:lnSpc>
-              <a:spcBef>
-                <a:spcPts val="0"/>
-              </a:spcBef>
-              <a:spcAft>
-                <a:spcPts val="0"/>
-              </a:spcAft>
-              <a:buSzPts val="1400"/>
-              <a:buNone/>
-              <a:defRPr/>
-            </a:lvl7pPr>
-            <a:lvl8pPr lvl="7" algn="ctr" rtl="0">
-              <a:lnSpc>
-                <a:spcPct val="100000"/>
-              </a:lnSpc>
-              <a:spcBef>
-                <a:spcPts val="0"/>
-              </a:spcBef>
-              <a:spcAft>
-                <a:spcPts val="0"/>
-              </a:spcAft>
-              <a:buSzPts val="1400"/>
-              <a:buNone/>
-              <a:defRPr/>
-            </a:lvl8pPr>
-            <a:lvl9pPr lvl="8" algn="ctr" rtl="0">
-              <a:lnSpc>
-                <a:spcPct val="100000"/>
-              </a:lnSpc>
-              <a:spcBef>
-                <a:spcPts val="0"/>
-              </a:spcBef>
-              <a:spcAft>
-                <a:spcPts val="0"/>
-              </a:spcAft>
-              <a:buSzPts val="1400"/>
-              <a:buNone/>
-              <a:defRPr/>
-            </a:lvl9pPr>
-          </a:lstStyle>
-          <a:p>
-            <a:endParaRPr/>
-          </a:p>
-        </p:txBody>
-      </p:sp>
-    </p:spTree>
-    <p:extLst>
-      <p:ext uri="{BB962C8B-B14F-4D97-AF65-F5344CB8AC3E}">
-        <p14:creationId xmlns:p14="http://schemas.microsoft.com/office/powerpoint/2010/main" val="3983719921"/>
-      </p:ext>
-    </p:extLst>
-  </p:cSld>
-  <p:clrMapOvr>
-    <a:masterClrMapping/>
-  </p:clrMapOvr>
-</p:sldLayout>
-</file>
-
-<file path=ppt/slideLayouts/slideLayout13.xml><?xml version="1.0" encoding="utf-8"?>
 <p:sldLayout xmlns:a="http://schemas.openxmlformats.org/drawingml/2006/main" xmlns:r="http://schemas.openxmlformats.org/officeDocument/2006/relationships" xmlns:p="http://schemas.openxmlformats.org/presentationml/2006/main" matchingName="Section title and description">
   <p:cSld name="Section title and description">
     <p:spTree>
@@ -6809,7 +7531,7 @@
 </p:sldLayout>
 </file>
 
-<file path=ppt/slideLayouts/slideLayout14.xml><?xml version="1.0" encoding="utf-8"?>
+<file path=ppt/slideLayouts/slideLayout13.xml><?xml version="1.0" encoding="utf-8"?>
 <p:sldLayout xmlns:a="http://schemas.openxmlformats.org/drawingml/2006/main" xmlns:r="http://schemas.openxmlformats.org/officeDocument/2006/relationships" xmlns:p="http://schemas.openxmlformats.org/presentationml/2006/main" matchingName="Thanks">
   <p:cSld name="Thanks">
     <p:spTree>
@@ -7248,7 +7970,7 @@
           <a:p>
             <a:fld id="{2AE125AB-D111-47D8-A14D-C3F76CBD5CB7}" type="datetimeFigureOut">
               <a:rPr lang="pt-BR" smtClean="0"/>
-              <a:t>27/11/2024</a:t>
+              <a:t>28/11/2024</a:t>
             </a:fld>
             <a:endParaRPr lang="pt-BR"/>
           </a:p>
@@ -7495,7 +8217,7 @@
           <a:p>
             <a:fld id="{2AE125AB-D111-47D8-A14D-C3F76CBD5CB7}" type="datetimeFigureOut">
               <a:rPr lang="pt-BR" smtClean="0"/>
-              <a:t>27/11/2024</a:t>
+              <a:t>28/11/2024</a:t>
             </a:fld>
             <a:endParaRPr lang="pt-BR"/>
           </a:p>
@@ -7728,7 +8450,7 @@
           <a:p>
             <a:fld id="{2AE125AB-D111-47D8-A14D-C3F76CBD5CB7}" type="datetimeFigureOut">
               <a:rPr lang="pt-BR" smtClean="0"/>
-              <a:t>27/11/2024</a:t>
+              <a:t>28/11/2024</a:t>
             </a:fld>
             <a:endParaRPr lang="pt-BR"/>
           </a:p>
@@ -8096,7 +8818,7 @@
           <a:p>
             <a:fld id="{2AE125AB-D111-47D8-A14D-C3F76CBD5CB7}" type="datetimeFigureOut">
               <a:rPr lang="pt-BR" smtClean="0"/>
-              <a:t>27/11/2024</a:t>
+              <a:t>28/11/2024</a:t>
             </a:fld>
             <a:endParaRPr lang="pt-BR"/>
           </a:p>
@@ -8215,7 +8937,7 @@
           <a:p>
             <a:fld id="{2AE125AB-D111-47D8-A14D-C3F76CBD5CB7}" type="datetimeFigureOut">
               <a:rPr lang="pt-BR" smtClean="0"/>
-              <a:t>27/11/2024</a:t>
+              <a:t>28/11/2024</a:t>
             </a:fld>
             <a:endParaRPr lang="pt-BR"/>
           </a:p>
@@ -8311,7 +9033,7 @@
           <a:p>
             <a:fld id="{2AE125AB-D111-47D8-A14D-C3F76CBD5CB7}" type="datetimeFigureOut">
               <a:rPr lang="pt-BR" smtClean="0"/>
-              <a:t>27/11/2024</a:t>
+              <a:t>28/11/2024</a:t>
             </a:fld>
             <a:endParaRPr lang="pt-BR"/>
           </a:p>
@@ -8589,7 +9311,7 @@
           <a:p>
             <a:fld id="{2AE125AB-D111-47D8-A14D-C3F76CBD5CB7}" type="datetimeFigureOut">
               <a:rPr lang="pt-BR" smtClean="0"/>
-              <a:t>27/11/2024</a:t>
+              <a:t>28/11/2024</a:t>
             </a:fld>
             <a:endParaRPr lang="pt-BR"/>
           </a:p>
@@ -8847,7 +9569,7 @@
           <a:p>
             <a:fld id="{2AE125AB-D111-47D8-A14D-C3F76CBD5CB7}" type="datetimeFigureOut">
               <a:rPr lang="pt-BR" smtClean="0"/>
-              <a:t>27/11/2024</a:t>
+              <a:t>28/11/2024</a:t>
             </a:fld>
             <a:endParaRPr lang="pt-BR"/>
           </a:p>
@@ -9061,7 +9783,7 @@
           <a:p>
             <a:fld id="{2AE125AB-D111-47D8-A14D-C3F76CBD5CB7}" type="datetimeFigureOut">
               <a:rPr lang="pt-BR" smtClean="0"/>
-              <a:t>27/11/2024</a:t>
+              <a:t>28/11/2024</a:t>
             </a:fld>
             <a:endParaRPr lang="pt-BR"/>
           </a:p>
@@ -9165,9 +9887,8 @@
     <p:sldLayoutId id="2147483756" r:id="rId9"/>
     <p:sldLayoutId id="2147483757" r:id="rId10"/>
     <p:sldLayoutId id="2147483758" r:id="rId11"/>
-    <p:sldLayoutId id="2147483759" r:id="rId12"/>
-    <p:sldLayoutId id="2147483760" r:id="rId13"/>
-    <p:sldLayoutId id="2147483765" r:id="rId14"/>
+    <p:sldLayoutId id="2147483760" r:id="rId12"/>
+    <p:sldLayoutId id="2147483765" r:id="rId13"/>
   </p:sldLayoutIdLst>
   <p:hf sldNum="0" hdr="0" ftr="0" dt="0"/>
   <p:txStyles>
@@ -9577,10 +10298,10 @@
   <p:cSld>
     <p:spTree>
       <p:nvGrpSpPr>
-        <p:cNvPr id="1" name="Shape 413">
+        <p:cNvPr id="1" name="Shape 213">
           <a:extLst>
             <a:ext uri="{FF2B5EF4-FFF2-40B4-BE49-F238E27FC236}">
-              <a16:creationId xmlns:a16="http://schemas.microsoft.com/office/drawing/2014/main" id="{8035D4FA-E897-38C2-FC8E-8A164A9FCA22}"/>
+              <a16:creationId xmlns:a16="http://schemas.microsoft.com/office/drawing/2014/main" id="{CFFC4ABF-59E5-8113-7E2B-90B59F7F7E51}"/>
             </a:ext>
           </a:extLst>
         </p:cNvPr>
@@ -9597,65 +10318,10 @@
       </p:grpSpPr>
       <p:sp>
         <p:nvSpPr>
-          <p:cNvPr id="414" name="Google Shape;414;p36">
+          <p:cNvPr id="214" name="Google Shape;214;p28">
             <a:extLst>
               <a:ext uri="{FF2B5EF4-FFF2-40B4-BE49-F238E27FC236}">
-                <a16:creationId xmlns:a16="http://schemas.microsoft.com/office/drawing/2014/main" id="{6ED4ED0F-E69B-3DB3-71A6-6D5B9376C1E8}"/>
-              </a:ext>
-            </a:extLst>
-          </p:cNvPr>
-          <p:cNvSpPr txBox="1">
-            <a:spLocks noGrp="1"/>
-          </p:cNvSpPr>
-          <p:nvPr>
-            <p:ph type="title"/>
-          </p:nvPr>
-        </p:nvSpPr>
-        <p:spPr>
-          <a:xfrm>
-            <a:off x="659423" y="2987610"/>
-            <a:ext cx="7825154" cy="572700"/>
-          </a:xfrm>
-          <a:prstGeom prst="rect">
-            <a:avLst/>
-          </a:prstGeom>
-        </p:spPr>
-        <p:txBody>
-          <a:bodyPr spcFirstLastPara="1" wrap="square" lIns="91425" tIns="91425" rIns="91425" bIns="91425" anchor="t" anchorCtr="0">
-            <a:noAutofit/>
-          </a:bodyPr>
-          <a:lstStyle/>
-          <a:p>
-            <a:pPr marL="0" lvl="0" indent="0" algn="ctr" rtl="0">
-              <a:spcBef>
-                <a:spcPts val="0"/>
-              </a:spcBef>
-              <a:spcAft>
-                <a:spcPts val="0"/>
-              </a:spcAft>
-              <a:buNone/>
-            </a:pPr>
-            <a:r>
-              <a:rPr lang="en" dirty="0"/>
-              <a:t>“A combinação perfeita entre inovação</a:t>
-            </a:r>
-            <a:br>
-              <a:rPr lang="en" dirty="0"/>
-            </a:br>
-            <a:r>
-              <a:rPr lang="en" dirty="0"/>
-              <a:t>e um café bem forte!”</a:t>
-            </a:r>
-            <a:endParaRPr dirty="0"/>
-          </a:p>
-        </p:txBody>
-      </p:sp>
-      <p:sp>
-        <p:nvSpPr>
-          <p:cNvPr id="415" name="Google Shape;415;p36">
-            <a:extLst>
-              <a:ext uri="{FF2B5EF4-FFF2-40B4-BE49-F238E27FC236}">
-                <a16:creationId xmlns:a16="http://schemas.microsoft.com/office/drawing/2014/main" id="{3789429F-9018-23D5-77E3-CA2F07DE194D}"/>
+                <a16:creationId xmlns:a16="http://schemas.microsoft.com/office/drawing/2014/main" id="{BD5E779C-DAD0-93C2-6428-5439CDAD209A}"/>
               </a:ext>
             </a:extLst>
           </p:cNvPr>
@@ -9667,9 +10333,172 @@
           </p:nvPr>
         </p:nvSpPr>
         <p:spPr>
+          <a:xfrm>
+            <a:off x="445517" y="1447060"/>
+            <a:ext cx="8252966" cy="3162890"/>
+          </a:xfrm>
           <a:prstGeom prst="rect">
             <a:avLst/>
           </a:prstGeom>
+        </p:spPr>
+        <p:txBody>
+          <a:bodyPr spcFirstLastPara="1" wrap="square" lIns="91425" tIns="91425" rIns="91425" bIns="91425" numCol="1" spcCol="360000" anchor="ctr" anchorCtr="0">
+            <a:noAutofit/>
+          </a:bodyPr>
+          <a:lstStyle/>
+          <a:p>
+            <a:pPr marL="285750" lvl="0" indent="-285750" algn="just" rtl="0">
+              <a:lnSpc>
+                <a:spcPct val="150000"/>
+              </a:lnSpc>
+              <a:spcBef>
+                <a:spcPts val="0"/>
+              </a:spcBef>
+              <a:spcAft>
+                <a:spcPts val="0"/>
+              </a:spcAft>
+              <a:buFont typeface="Arial" panose="020B0604020202020204" pitchFamily="34" charset="0"/>
+              <a:buChar char="•"/>
+            </a:pPr>
+            <a:r>
+              <a:rPr lang="pt-BR" sz="1800" dirty="0">
+                <a:solidFill>
+                  <a:schemeClr val="tx1"/>
+                </a:solidFill>
+                <a:effectLst/>
+                <a:latin typeface="Calibri" panose="020F0502020204030204" pitchFamily="34" charset="0"/>
+                <a:ea typeface="Calibri" panose="020F0502020204030204" pitchFamily="34" charset="0"/>
+                <a:cs typeface="Times New Roman" panose="02020603050405020304" pitchFamily="18" charset="0"/>
+              </a:rPr>
+              <a:t>Linguagem de Programação: C, escolhida por sua eficiência e controle sobre a gestão de memória e desempenho, permitindo um sistema rápido e de baixo nível.</a:t>
+            </a:r>
+          </a:p>
+          <a:p>
+            <a:pPr marL="0" lvl="0" indent="0" algn="just" rtl="0">
+              <a:lnSpc>
+                <a:spcPct val="150000"/>
+              </a:lnSpc>
+              <a:spcBef>
+                <a:spcPts val="0"/>
+              </a:spcBef>
+              <a:spcAft>
+                <a:spcPts val="0"/>
+              </a:spcAft>
+            </a:pPr>
+            <a:endParaRPr lang="pt-BR" sz="1800" dirty="0">
+              <a:solidFill>
+                <a:schemeClr val="tx1"/>
+              </a:solidFill>
+              <a:effectLst/>
+              <a:latin typeface="Calibri" panose="020F0502020204030204" pitchFamily="34" charset="0"/>
+              <a:ea typeface="Calibri" panose="020F0502020204030204" pitchFamily="34" charset="0"/>
+              <a:cs typeface="Times New Roman" panose="02020603050405020304" pitchFamily="18" charset="0"/>
+            </a:endParaRPr>
+          </a:p>
+          <a:p>
+            <a:pPr marL="285750" lvl="0" indent="-285750" algn="just" rtl="0">
+              <a:lnSpc>
+                <a:spcPct val="150000"/>
+              </a:lnSpc>
+              <a:spcBef>
+                <a:spcPts val="0"/>
+              </a:spcBef>
+              <a:spcAft>
+                <a:spcPts val="0"/>
+              </a:spcAft>
+              <a:buFont typeface="Arial" panose="020B0604020202020204" pitchFamily="34" charset="0"/>
+              <a:buChar char="•"/>
+            </a:pPr>
+            <a:r>
+              <a:rPr lang="pt-BR" sz="1800" dirty="0">
+                <a:solidFill>
+                  <a:schemeClr val="tx1"/>
+                </a:solidFill>
+                <a:effectLst/>
+                <a:latin typeface="Calibri" panose="020F0502020204030204" pitchFamily="34" charset="0"/>
+                <a:ea typeface="Calibri" panose="020F0502020204030204" pitchFamily="34" charset="0"/>
+                <a:cs typeface="Times New Roman" panose="02020603050405020304" pitchFamily="18" charset="0"/>
+              </a:rPr>
+              <a:t>Ambiente de Desenvolvimento: Visual Studio Code, utilizado como IDE para facilitar o desenvolvimento e a depuração do código.</a:t>
+            </a:r>
+          </a:p>
+          <a:p>
+            <a:pPr marL="0" lvl="0" indent="0" algn="just" rtl="0">
+              <a:lnSpc>
+                <a:spcPct val="150000"/>
+              </a:lnSpc>
+              <a:spcBef>
+                <a:spcPts val="0"/>
+              </a:spcBef>
+              <a:spcAft>
+                <a:spcPts val="0"/>
+              </a:spcAft>
+            </a:pPr>
+            <a:endParaRPr lang="pt-BR" sz="1800" dirty="0">
+              <a:solidFill>
+                <a:schemeClr val="tx1"/>
+              </a:solidFill>
+              <a:effectLst/>
+              <a:latin typeface="Calibri" panose="020F0502020204030204" pitchFamily="34" charset="0"/>
+              <a:ea typeface="Calibri" panose="020F0502020204030204" pitchFamily="34" charset="0"/>
+              <a:cs typeface="Times New Roman" panose="02020603050405020304" pitchFamily="18" charset="0"/>
+            </a:endParaRPr>
+          </a:p>
+          <a:p>
+            <a:pPr marL="285750" lvl="0" indent="-285750" algn="just" rtl="0">
+              <a:lnSpc>
+                <a:spcPct val="150000"/>
+              </a:lnSpc>
+              <a:spcBef>
+                <a:spcPts val="0"/>
+              </a:spcBef>
+              <a:spcAft>
+                <a:spcPts val="0"/>
+              </a:spcAft>
+              <a:buFont typeface="Arial" panose="020B0604020202020204" pitchFamily="34" charset="0"/>
+              <a:buChar char="•"/>
+            </a:pPr>
+            <a:r>
+              <a:rPr lang="pt-BR" sz="1800" dirty="0">
+                <a:solidFill>
+                  <a:schemeClr val="tx1"/>
+                </a:solidFill>
+                <a:effectLst/>
+                <a:latin typeface="Calibri" panose="020F0502020204030204" pitchFamily="34" charset="0"/>
+                <a:ea typeface="Calibri" panose="020F0502020204030204" pitchFamily="34" charset="0"/>
+                <a:cs typeface="Times New Roman" panose="02020603050405020304" pitchFamily="18" charset="0"/>
+              </a:rPr>
+              <a:t>Controle de Versão: Git, utilizado para gerenciar o código-fonte e colaborar de forma eficaz durante o desenvolvimento.</a:t>
+            </a:r>
+          </a:p>
+        </p:txBody>
+      </p:sp>
+      <p:sp>
+        <p:nvSpPr>
+          <p:cNvPr id="4" name="Google Shape;319;p33">
+            <a:extLst>
+              <a:ext uri="{FF2B5EF4-FFF2-40B4-BE49-F238E27FC236}">
+                <a16:creationId xmlns:a16="http://schemas.microsoft.com/office/drawing/2014/main" id="{8CA49D78-6A16-F398-ABC7-F127216BF0C9}"/>
+              </a:ext>
+            </a:extLst>
+          </p:cNvPr>
+          <p:cNvSpPr/>
+          <p:nvPr/>
+        </p:nvSpPr>
+        <p:spPr>
+          <a:xfrm>
+            <a:off x="1000" y="185374"/>
+            <a:ext cx="3567100" cy="249631"/>
+          </a:xfrm>
+          <a:prstGeom prst="rect">
+            <a:avLst/>
+          </a:prstGeom>
+          <a:solidFill>
+            <a:schemeClr val="lt2"/>
+          </a:solidFill>
+          <a:ln>
+            <a:noFill/>
+          </a:ln>
         </p:spPr>
         <p:txBody>
           <a:bodyPr spcFirstLastPara="1" wrap="square" lIns="91425" tIns="91425" rIns="91425" bIns="91425" anchor="ctr" anchorCtr="0">
@@ -9677,7 +10506,7 @@
           </a:bodyPr>
           <a:lstStyle/>
           <a:p>
-            <a:pPr marL="0" lvl="0" indent="0" algn="ctr" rtl="0">
+            <a:pPr marL="0" lvl="0" indent="0" algn="l" rtl="0">
               <a:spcBef>
                 <a:spcPts val="0"/>
               </a:spcBef>
@@ -9686,34 +10515,301 @@
               </a:spcAft>
               <a:buNone/>
             </a:pPr>
+            <a:endParaRPr/>
+          </a:p>
+        </p:txBody>
+      </p:sp>
+      <p:sp>
+        <p:nvSpPr>
+          <p:cNvPr id="6" name="Google Shape;322;p33">
+            <a:extLst>
+              <a:ext uri="{FF2B5EF4-FFF2-40B4-BE49-F238E27FC236}">
+                <a16:creationId xmlns:a16="http://schemas.microsoft.com/office/drawing/2014/main" id="{8A46842F-EBD1-BC13-FE0C-C2F05C433E57}"/>
+              </a:ext>
+            </a:extLst>
+          </p:cNvPr>
+          <p:cNvSpPr txBox="1">
+            <a:spLocks/>
+          </p:cNvSpPr>
+          <p:nvPr/>
+        </p:nvSpPr>
+        <p:spPr>
+          <a:xfrm>
+            <a:off x="139700" y="533550"/>
+            <a:ext cx="3428400" cy="531900"/>
+          </a:xfrm>
+          <a:prstGeom prst="rect">
+            <a:avLst/>
+          </a:prstGeom>
+          <a:noFill/>
+          <a:ln>
+            <a:noFill/>
+          </a:ln>
+        </p:spPr>
+        <p:txBody>
+          <a:bodyPr spcFirstLastPara="1" wrap="square" lIns="0" tIns="0" rIns="0" bIns="0" anchor="t" anchorCtr="0">
+            <a:noAutofit/>
+          </a:bodyPr>
+          <a:lstStyle>
+            <a:defPPr marR="0" lvl="0" algn="l" rtl="0">
+              <a:lnSpc>
+                <a:spcPct val="100000"/>
+              </a:lnSpc>
+              <a:spcBef>
+                <a:spcPts val="0"/>
+              </a:spcBef>
+              <a:spcAft>
+                <a:spcPts val="0"/>
+              </a:spcAft>
+            </a:defPPr>
+            <a:lvl1pPr marR="0" lvl="0" algn="l" rtl="0">
+              <a:lnSpc>
+                <a:spcPct val="80000"/>
+              </a:lnSpc>
+              <a:spcBef>
+                <a:spcPts val="0"/>
+              </a:spcBef>
+              <a:spcAft>
+                <a:spcPts val="0"/>
+              </a:spcAft>
+              <a:buClr>
+                <a:schemeClr val="accent5"/>
+              </a:buClr>
+              <a:buSzPts val="4200"/>
+              <a:buFont typeface="Montserrat ExtraBold"/>
+              <a:buNone/>
+              <a:defRPr sz="6000" b="0" i="0" u="none" strike="noStrike" cap="none">
+                <a:solidFill>
+                  <a:schemeClr val="dk2"/>
+                </a:solidFill>
+                <a:latin typeface="Montserrat ExtraBold"/>
+                <a:ea typeface="Montserrat ExtraBold"/>
+                <a:cs typeface="Montserrat ExtraBold"/>
+                <a:sym typeface="Montserrat ExtraBold"/>
+              </a:defRPr>
+            </a:lvl1pPr>
+            <a:lvl2pPr marR="0" lvl="1" algn="l" rtl="0">
+              <a:lnSpc>
+                <a:spcPct val="80000"/>
+              </a:lnSpc>
+              <a:spcBef>
+                <a:spcPts val="0"/>
+              </a:spcBef>
+              <a:spcAft>
+                <a:spcPts val="0"/>
+              </a:spcAft>
+              <a:buClr>
+                <a:schemeClr val="accent5"/>
+              </a:buClr>
+              <a:buSzPts val="4200"/>
+              <a:buFont typeface="Montserrat ExtraBold"/>
+              <a:buNone/>
+              <a:defRPr sz="4200" b="0" i="0" u="none" strike="noStrike" cap="none">
+                <a:solidFill>
+                  <a:schemeClr val="accent5"/>
+                </a:solidFill>
+                <a:latin typeface="Montserrat ExtraBold"/>
+                <a:ea typeface="Montserrat ExtraBold"/>
+                <a:cs typeface="Montserrat ExtraBold"/>
+                <a:sym typeface="Montserrat ExtraBold"/>
+              </a:defRPr>
+            </a:lvl2pPr>
+            <a:lvl3pPr marR="0" lvl="2" algn="l" rtl="0">
+              <a:lnSpc>
+                <a:spcPct val="80000"/>
+              </a:lnSpc>
+              <a:spcBef>
+                <a:spcPts val="0"/>
+              </a:spcBef>
+              <a:spcAft>
+                <a:spcPts val="0"/>
+              </a:spcAft>
+              <a:buClr>
+                <a:schemeClr val="accent5"/>
+              </a:buClr>
+              <a:buSzPts val="4200"/>
+              <a:buFont typeface="Montserrat ExtraBold"/>
+              <a:buNone/>
+              <a:defRPr sz="4200" b="0" i="0" u="none" strike="noStrike" cap="none">
+                <a:solidFill>
+                  <a:schemeClr val="accent5"/>
+                </a:solidFill>
+                <a:latin typeface="Montserrat ExtraBold"/>
+                <a:ea typeface="Montserrat ExtraBold"/>
+                <a:cs typeface="Montserrat ExtraBold"/>
+                <a:sym typeface="Montserrat ExtraBold"/>
+              </a:defRPr>
+            </a:lvl3pPr>
+            <a:lvl4pPr marR="0" lvl="3" algn="l" rtl="0">
+              <a:lnSpc>
+                <a:spcPct val="80000"/>
+              </a:lnSpc>
+              <a:spcBef>
+                <a:spcPts val="0"/>
+              </a:spcBef>
+              <a:spcAft>
+                <a:spcPts val="0"/>
+              </a:spcAft>
+              <a:buClr>
+                <a:schemeClr val="accent5"/>
+              </a:buClr>
+              <a:buSzPts val="4200"/>
+              <a:buFont typeface="Montserrat ExtraBold"/>
+              <a:buNone/>
+              <a:defRPr sz="4200" b="0" i="0" u="none" strike="noStrike" cap="none">
+                <a:solidFill>
+                  <a:schemeClr val="accent5"/>
+                </a:solidFill>
+                <a:latin typeface="Montserrat ExtraBold"/>
+                <a:ea typeface="Montserrat ExtraBold"/>
+                <a:cs typeface="Montserrat ExtraBold"/>
+                <a:sym typeface="Montserrat ExtraBold"/>
+              </a:defRPr>
+            </a:lvl4pPr>
+            <a:lvl5pPr marR="0" lvl="4" algn="l" rtl="0">
+              <a:lnSpc>
+                <a:spcPct val="80000"/>
+              </a:lnSpc>
+              <a:spcBef>
+                <a:spcPts val="0"/>
+              </a:spcBef>
+              <a:spcAft>
+                <a:spcPts val="0"/>
+              </a:spcAft>
+              <a:buClr>
+                <a:schemeClr val="accent5"/>
+              </a:buClr>
+              <a:buSzPts val="4200"/>
+              <a:buFont typeface="Montserrat ExtraBold"/>
+              <a:buNone/>
+              <a:defRPr sz="4200" b="0" i="0" u="none" strike="noStrike" cap="none">
+                <a:solidFill>
+                  <a:schemeClr val="accent5"/>
+                </a:solidFill>
+                <a:latin typeface="Montserrat ExtraBold"/>
+                <a:ea typeface="Montserrat ExtraBold"/>
+                <a:cs typeface="Montserrat ExtraBold"/>
+                <a:sym typeface="Montserrat ExtraBold"/>
+              </a:defRPr>
+            </a:lvl5pPr>
+            <a:lvl6pPr marR="0" lvl="5" algn="l" rtl="0">
+              <a:lnSpc>
+                <a:spcPct val="80000"/>
+              </a:lnSpc>
+              <a:spcBef>
+                <a:spcPts val="0"/>
+              </a:spcBef>
+              <a:spcAft>
+                <a:spcPts val="0"/>
+              </a:spcAft>
+              <a:buClr>
+                <a:schemeClr val="accent5"/>
+              </a:buClr>
+              <a:buSzPts val="4200"/>
+              <a:buFont typeface="Montserrat ExtraBold"/>
+              <a:buNone/>
+              <a:defRPr sz="4200" b="0" i="0" u="none" strike="noStrike" cap="none">
+                <a:solidFill>
+                  <a:schemeClr val="accent5"/>
+                </a:solidFill>
+                <a:latin typeface="Montserrat ExtraBold"/>
+                <a:ea typeface="Montserrat ExtraBold"/>
+                <a:cs typeface="Montserrat ExtraBold"/>
+                <a:sym typeface="Montserrat ExtraBold"/>
+              </a:defRPr>
+            </a:lvl6pPr>
+            <a:lvl7pPr marR="0" lvl="6" algn="l" rtl="0">
+              <a:lnSpc>
+                <a:spcPct val="80000"/>
+              </a:lnSpc>
+              <a:spcBef>
+                <a:spcPts val="0"/>
+              </a:spcBef>
+              <a:spcAft>
+                <a:spcPts val="0"/>
+              </a:spcAft>
+              <a:buClr>
+                <a:schemeClr val="accent5"/>
+              </a:buClr>
+              <a:buSzPts val="4200"/>
+              <a:buFont typeface="Montserrat ExtraBold"/>
+              <a:buNone/>
+              <a:defRPr sz="4200" b="0" i="0" u="none" strike="noStrike" cap="none">
+                <a:solidFill>
+                  <a:schemeClr val="accent5"/>
+                </a:solidFill>
+                <a:latin typeface="Montserrat ExtraBold"/>
+                <a:ea typeface="Montserrat ExtraBold"/>
+                <a:cs typeface="Montserrat ExtraBold"/>
+                <a:sym typeface="Montserrat ExtraBold"/>
+              </a:defRPr>
+            </a:lvl7pPr>
+            <a:lvl8pPr marR="0" lvl="7" algn="l" rtl="0">
+              <a:lnSpc>
+                <a:spcPct val="80000"/>
+              </a:lnSpc>
+              <a:spcBef>
+                <a:spcPts val="0"/>
+              </a:spcBef>
+              <a:spcAft>
+                <a:spcPts val="0"/>
+              </a:spcAft>
+              <a:buClr>
+                <a:schemeClr val="accent5"/>
+              </a:buClr>
+              <a:buSzPts val="4200"/>
+              <a:buFont typeface="Montserrat ExtraBold"/>
+              <a:buNone/>
+              <a:defRPr sz="4200" b="0" i="0" u="none" strike="noStrike" cap="none">
+                <a:solidFill>
+                  <a:schemeClr val="accent5"/>
+                </a:solidFill>
+                <a:latin typeface="Montserrat ExtraBold"/>
+                <a:ea typeface="Montserrat ExtraBold"/>
+                <a:cs typeface="Montserrat ExtraBold"/>
+                <a:sym typeface="Montserrat ExtraBold"/>
+              </a:defRPr>
+            </a:lvl8pPr>
+            <a:lvl9pPr marR="0" lvl="8" algn="l" rtl="0">
+              <a:lnSpc>
+                <a:spcPct val="80000"/>
+              </a:lnSpc>
+              <a:spcBef>
+                <a:spcPts val="0"/>
+              </a:spcBef>
+              <a:spcAft>
+                <a:spcPts val="0"/>
+              </a:spcAft>
+              <a:buClr>
+                <a:schemeClr val="accent5"/>
+              </a:buClr>
+              <a:buSzPts val="4200"/>
+              <a:buFont typeface="Montserrat ExtraBold"/>
+              <a:buNone/>
+              <a:defRPr sz="4200" b="0" i="0" u="none" strike="noStrike" cap="none">
+                <a:solidFill>
+                  <a:schemeClr val="accent5"/>
+                </a:solidFill>
+                <a:latin typeface="Montserrat ExtraBold"/>
+                <a:ea typeface="Montserrat ExtraBold"/>
+                <a:cs typeface="Montserrat ExtraBold"/>
+                <a:sym typeface="Montserrat ExtraBold"/>
+              </a:defRPr>
+            </a:lvl9pPr>
+          </a:lstStyle>
+          <a:p>
+            <a:pPr algn="r"/>
             <a:r>
-              <a:rPr lang="pt-BR" sz="7000" b="1" dirty="0">
-                <a:solidFill>
-                  <a:schemeClr val="bg2"/>
-                </a:solidFill>
-                <a:latin typeface="Barlow"/>
-                <a:ea typeface="Barlow"/>
-                <a:cs typeface="Barlow"/>
-                <a:sym typeface="Barlow"/>
-              </a:rPr>
-              <a:t>NOSSO DNA</a:t>
+              <a:rPr lang="pt-BR" sz="2800" dirty="0"/>
+              <a:t>TECNOLOGIAS UTILIZADAS</a:t>
             </a:r>
-            <a:endParaRPr sz="7000" b="1" dirty="0">
-              <a:solidFill>
-                <a:schemeClr val="bg2"/>
-              </a:solidFill>
-              <a:latin typeface="Barlow"/>
-              <a:ea typeface="Barlow"/>
-              <a:cs typeface="Barlow"/>
-              <a:sym typeface="Barlow"/>
-            </a:endParaRPr>
           </a:p>
         </p:txBody>
       </p:sp>
     </p:spTree>
     <p:extLst>
       <p:ext uri="{BB962C8B-B14F-4D97-AF65-F5344CB8AC3E}">
-        <p14:creationId xmlns:p14="http://schemas.microsoft.com/office/powerpoint/2010/main" val="2188865736"/>
+        <p14:creationId xmlns:p14="http://schemas.microsoft.com/office/powerpoint/2010/main" val="1077683188"/>
       </p:ext>
     </p:extLst>
   </p:cSld>
@@ -9724,6 +10820,3750 @@
 </file>
 
 <file path=ppt/slides/slide11.xml><?xml version="1.0" encoding="utf-8"?>
+<p:sld xmlns:a="http://schemas.openxmlformats.org/drawingml/2006/main" xmlns:r="http://schemas.openxmlformats.org/officeDocument/2006/relationships" xmlns:p="http://schemas.openxmlformats.org/presentationml/2006/main">
+  <p:cSld>
+    <p:spTree>
+      <p:nvGrpSpPr>
+        <p:cNvPr id="1" name="Shape 213">
+          <a:extLst>
+            <a:ext uri="{FF2B5EF4-FFF2-40B4-BE49-F238E27FC236}">
+              <a16:creationId xmlns:a16="http://schemas.microsoft.com/office/drawing/2014/main" id="{A822200C-858E-03B5-456F-B1851ECD7E4F}"/>
+            </a:ext>
+          </a:extLst>
+        </p:cNvPr>
+        <p:cNvGrpSpPr/>
+        <p:nvPr/>
+      </p:nvGrpSpPr>
+      <p:grpSpPr>
+        <a:xfrm>
+          <a:off x="0" y="0"/>
+          <a:ext cx="0" cy="0"/>
+          <a:chOff x="0" y="0"/>
+          <a:chExt cx="0" cy="0"/>
+        </a:xfrm>
+      </p:grpSpPr>
+      <p:sp>
+        <p:nvSpPr>
+          <p:cNvPr id="214" name="Google Shape;214;p28">
+            <a:extLst>
+              <a:ext uri="{FF2B5EF4-FFF2-40B4-BE49-F238E27FC236}">
+                <a16:creationId xmlns:a16="http://schemas.microsoft.com/office/drawing/2014/main" id="{F533B772-8C58-6550-A8E2-FBE8F107C012}"/>
+              </a:ext>
+            </a:extLst>
+          </p:cNvPr>
+          <p:cNvSpPr txBox="1">
+            <a:spLocks noGrp="1"/>
+          </p:cNvSpPr>
+          <p:nvPr>
+            <p:ph type="subTitle" idx="1"/>
+          </p:nvPr>
+        </p:nvSpPr>
+        <p:spPr>
+          <a:xfrm>
+            <a:off x="445517" y="1447060"/>
+            <a:ext cx="8252966" cy="3162890"/>
+          </a:xfrm>
+          <a:prstGeom prst="rect">
+            <a:avLst/>
+          </a:prstGeom>
+        </p:spPr>
+        <p:txBody>
+          <a:bodyPr spcFirstLastPara="1" wrap="square" lIns="91425" tIns="91425" rIns="91425" bIns="91425" numCol="1" spcCol="360000" anchor="ctr" anchorCtr="0">
+            <a:noAutofit/>
+          </a:bodyPr>
+          <a:lstStyle/>
+          <a:p>
+            <a:pPr marL="285750" lvl="0" indent="-285750" algn="just" rtl="0">
+              <a:lnSpc>
+                <a:spcPct val="150000"/>
+              </a:lnSpc>
+              <a:spcBef>
+                <a:spcPts val="0"/>
+              </a:spcBef>
+              <a:spcAft>
+                <a:spcPts val="0"/>
+              </a:spcAft>
+              <a:buFont typeface="Arial" panose="020B0604020202020204" pitchFamily="34" charset="0"/>
+              <a:buChar char="•"/>
+            </a:pPr>
+            <a:r>
+              <a:rPr lang="pt-BR" sz="1800" b="1" i="1" dirty="0">
+                <a:solidFill>
+                  <a:schemeClr val="tx1"/>
+                </a:solidFill>
+                <a:effectLst/>
+                <a:latin typeface="Calibri" panose="020F0502020204030204" pitchFamily="34" charset="0"/>
+                <a:ea typeface="Calibri" panose="020F0502020204030204" pitchFamily="34" charset="0"/>
+                <a:cs typeface="Times New Roman" panose="02020603050405020304" pitchFamily="18" charset="0"/>
+              </a:rPr>
+              <a:t>Nomenclatura de Variáveis: </a:t>
+            </a:r>
+            <a:r>
+              <a:rPr lang="pt-BR" sz="1800" dirty="0">
+                <a:solidFill>
+                  <a:schemeClr val="tx1"/>
+                </a:solidFill>
+                <a:effectLst/>
+                <a:latin typeface="Calibri" panose="020F0502020204030204" pitchFamily="34" charset="0"/>
+                <a:ea typeface="Calibri" panose="020F0502020204030204" pitchFamily="34" charset="0"/>
+                <a:cs typeface="Times New Roman" panose="02020603050405020304" pitchFamily="18" charset="0"/>
+              </a:rPr>
+              <a:t>Utilização de nomes claros e descritivos, adotando o padrão camelCase para melhorar a legibilidade.</a:t>
+            </a:r>
+          </a:p>
+          <a:p>
+            <a:pPr marL="285750" lvl="0" indent="-285750" algn="just" rtl="0">
+              <a:lnSpc>
+                <a:spcPct val="150000"/>
+              </a:lnSpc>
+              <a:spcBef>
+                <a:spcPts val="0"/>
+              </a:spcBef>
+              <a:spcAft>
+                <a:spcPts val="0"/>
+              </a:spcAft>
+              <a:buFont typeface="Arial" panose="020B0604020202020204" pitchFamily="34" charset="0"/>
+              <a:buChar char="•"/>
+            </a:pPr>
+            <a:r>
+              <a:rPr lang="pt-BR" sz="1800" b="1" i="1" dirty="0">
+                <a:solidFill>
+                  <a:schemeClr val="tx1"/>
+                </a:solidFill>
+                <a:effectLst/>
+                <a:latin typeface="Calibri" panose="020F0502020204030204" pitchFamily="34" charset="0"/>
+                <a:ea typeface="Calibri" panose="020F0502020204030204" pitchFamily="34" charset="0"/>
+                <a:cs typeface="Times New Roman" panose="02020603050405020304" pitchFamily="18" charset="0"/>
+              </a:rPr>
+              <a:t>Formatação do Código: </a:t>
+            </a:r>
+            <a:r>
+              <a:rPr lang="pt-BR" sz="1800" dirty="0">
+                <a:solidFill>
+                  <a:schemeClr val="tx1"/>
+                </a:solidFill>
+                <a:effectLst/>
+                <a:latin typeface="Calibri" panose="020F0502020204030204" pitchFamily="34" charset="0"/>
+                <a:ea typeface="Calibri" panose="020F0502020204030204" pitchFamily="34" charset="0"/>
+                <a:cs typeface="Times New Roman" panose="02020603050405020304" pitchFamily="18" charset="0"/>
+              </a:rPr>
+              <a:t>O código é formatado de maneira consistente, com indentação e espaçamento adequados, facilitando a leitura e manutenção.</a:t>
+            </a:r>
+          </a:p>
+          <a:p>
+            <a:pPr marL="285750" lvl="0" indent="-285750" algn="just" rtl="0">
+              <a:lnSpc>
+                <a:spcPct val="150000"/>
+              </a:lnSpc>
+              <a:spcBef>
+                <a:spcPts val="0"/>
+              </a:spcBef>
+              <a:spcAft>
+                <a:spcPts val="0"/>
+              </a:spcAft>
+              <a:buFont typeface="Arial" panose="020B0604020202020204" pitchFamily="34" charset="0"/>
+              <a:buChar char="•"/>
+            </a:pPr>
+            <a:r>
+              <a:rPr lang="pt-BR" sz="1800" b="1" i="1" dirty="0">
+                <a:solidFill>
+                  <a:schemeClr val="tx1"/>
+                </a:solidFill>
+                <a:effectLst/>
+                <a:latin typeface="Calibri" panose="020F0502020204030204" pitchFamily="34" charset="0"/>
+                <a:ea typeface="Calibri" panose="020F0502020204030204" pitchFamily="34" charset="0"/>
+                <a:cs typeface="Times New Roman" panose="02020603050405020304" pitchFamily="18" charset="0"/>
+              </a:rPr>
+              <a:t>Comentários</a:t>
+            </a:r>
+            <a:r>
+              <a:rPr lang="pt-BR" sz="1800" dirty="0">
+                <a:solidFill>
+                  <a:schemeClr val="tx1"/>
+                </a:solidFill>
+                <a:effectLst/>
+                <a:latin typeface="Calibri" panose="020F0502020204030204" pitchFamily="34" charset="0"/>
+                <a:ea typeface="Calibri" panose="020F0502020204030204" pitchFamily="34" charset="0"/>
+                <a:cs typeface="Times New Roman" panose="02020603050405020304" pitchFamily="18" charset="0"/>
+              </a:rPr>
+              <a:t>: Inclusão de comentários para explicar blocos de código complexos e documentar o propósito de cada função, auxiliando na compreensão do código por outros desenvolvedores.</a:t>
+            </a:r>
+          </a:p>
+        </p:txBody>
+      </p:sp>
+      <p:sp>
+        <p:nvSpPr>
+          <p:cNvPr id="4" name="Google Shape;319;p33">
+            <a:extLst>
+              <a:ext uri="{FF2B5EF4-FFF2-40B4-BE49-F238E27FC236}">
+                <a16:creationId xmlns:a16="http://schemas.microsoft.com/office/drawing/2014/main" id="{7C5037B5-DCFA-DC5C-D8CF-91DD7719C392}"/>
+              </a:ext>
+            </a:extLst>
+          </p:cNvPr>
+          <p:cNvSpPr/>
+          <p:nvPr/>
+        </p:nvSpPr>
+        <p:spPr>
+          <a:xfrm>
+            <a:off x="1000" y="185374"/>
+            <a:ext cx="3567100" cy="249631"/>
+          </a:xfrm>
+          <a:prstGeom prst="rect">
+            <a:avLst/>
+          </a:prstGeom>
+          <a:solidFill>
+            <a:schemeClr val="lt2"/>
+          </a:solidFill>
+          <a:ln>
+            <a:noFill/>
+          </a:ln>
+        </p:spPr>
+        <p:txBody>
+          <a:bodyPr spcFirstLastPara="1" wrap="square" lIns="91425" tIns="91425" rIns="91425" bIns="91425" anchor="ctr" anchorCtr="0">
+            <a:noAutofit/>
+          </a:bodyPr>
+          <a:lstStyle/>
+          <a:p>
+            <a:pPr marL="0" lvl="0" indent="0" algn="l" rtl="0">
+              <a:spcBef>
+                <a:spcPts val="0"/>
+              </a:spcBef>
+              <a:spcAft>
+                <a:spcPts val="0"/>
+              </a:spcAft>
+              <a:buNone/>
+            </a:pPr>
+            <a:endParaRPr/>
+          </a:p>
+        </p:txBody>
+      </p:sp>
+      <p:sp>
+        <p:nvSpPr>
+          <p:cNvPr id="6" name="Google Shape;322;p33">
+            <a:extLst>
+              <a:ext uri="{FF2B5EF4-FFF2-40B4-BE49-F238E27FC236}">
+                <a16:creationId xmlns:a16="http://schemas.microsoft.com/office/drawing/2014/main" id="{1CB75AB6-19B3-F57D-584D-67EC9B3CEA48}"/>
+              </a:ext>
+            </a:extLst>
+          </p:cNvPr>
+          <p:cNvSpPr txBox="1">
+            <a:spLocks/>
+          </p:cNvSpPr>
+          <p:nvPr/>
+        </p:nvSpPr>
+        <p:spPr>
+          <a:xfrm>
+            <a:off x="139700" y="533550"/>
+            <a:ext cx="3428400" cy="531900"/>
+          </a:xfrm>
+          <a:prstGeom prst="rect">
+            <a:avLst/>
+          </a:prstGeom>
+          <a:noFill/>
+          <a:ln>
+            <a:noFill/>
+          </a:ln>
+        </p:spPr>
+        <p:txBody>
+          <a:bodyPr spcFirstLastPara="1" wrap="square" lIns="0" tIns="0" rIns="0" bIns="0" anchor="t" anchorCtr="0">
+            <a:noAutofit/>
+          </a:bodyPr>
+          <a:lstStyle>
+            <a:defPPr marR="0" lvl="0" algn="l" rtl="0">
+              <a:lnSpc>
+                <a:spcPct val="100000"/>
+              </a:lnSpc>
+              <a:spcBef>
+                <a:spcPts val="0"/>
+              </a:spcBef>
+              <a:spcAft>
+                <a:spcPts val="0"/>
+              </a:spcAft>
+            </a:defPPr>
+            <a:lvl1pPr marR="0" lvl="0" algn="l" rtl="0">
+              <a:lnSpc>
+                <a:spcPct val="80000"/>
+              </a:lnSpc>
+              <a:spcBef>
+                <a:spcPts val="0"/>
+              </a:spcBef>
+              <a:spcAft>
+                <a:spcPts val="0"/>
+              </a:spcAft>
+              <a:buClr>
+                <a:schemeClr val="accent5"/>
+              </a:buClr>
+              <a:buSzPts val="4200"/>
+              <a:buFont typeface="Montserrat ExtraBold"/>
+              <a:buNone/>
+              <a:defRPr sz="6000" b="0" i="0" u="none" strike="noStrike" cap="none">
+                <a:solidFill>
+                  <a:schemeClr val="dk2"/>
+                </a:solidFill>
+                <a:latin typeface="Montserrat ExtraBold"/>
+                <a:ea typeface="Montserrat ExtraBold"/>
+                <a:cs typeface="Montserrat ExtraBold"/>
+                <a:sym typeface="Montserrat ExtraBold"/>
+              </a:defRPr>
+            </a:lvl1pPr>
+            <a:lvl2pPr marR="0" lvl="1" algn="l" rtl="0">
+              <a:lnSpc>
+                <a:spcPct val="80000"/>
+              </a:lnSpc>
+              <a:spcBef>
+                <a:spcPts val="0"/>
+              </a:spcBef>
+              <a:spcAft>
+                <a:spcPts val="0"/>
+              </a:spcAft>
+              <a:buClr>
+                <a:schemeClr val="accent5"/>
+              </a:buClr>
+              <a:buSzPts val="4200"/>
+              <a:buFont typeface="Montserrat ExtraBold"/>
+              <a:buNone/>
+              <a:defRPr sz="4200" b="0" i="0" u="none" strike="noStrike" cap="none">
+                <a:solidFill>
+                  <a:schemeClr val="accent5"/>
+                </a:solidFill>
+                <a:latin typeface="Montserrat ExtraBold"/>
+                <a:ea typeface="Montserrat ExtraBold"/>
+                <a:cs typeface="Montserrat ExtraBold"/>
+                <a:sym typeface="Montserrat ExtraBold"/>
+              </a:defRPr>
+            </a:lvl2pPr>
+            <a:lvl3pPr marR="0" lvl="2" algn="l" rtl="0">
+              <a:lnSpc>
+                <a:spcPct val="80000"/>
+              </a:lnSpc>
+              <a:spcBef>
+                <a:spcPts val="0"/>
+              </a:spcBef>
+              <a:spcAft>
+                <a:spcPts val="0"/>
+              </a:spcAft>
+              <a:buClr>
+                <a:schemeClr val="accent5"/>
+              </a:buClr>
+              <a:buSzPts val="4200"/>
+              <a:buFont typeface="Montserrat ExtraBold"/>
+              <a:buNone/>
+              <a:defRPr sz="4200" b="0" i="0" u="none" strike="noStrike" cap="none">
+                <a:solidFill>
+                  <a:schemeClr val="accent5"/>
+                </a:solidFill>
+                <a:latin typeface="Montserrat ExtraBold"/>
+                <a:ea typeface="Montserrat ExtraBold"/>
+                <a:cs typeface="Montserrat ExtraBold"/>
+                <a:sym typeface="Montserrat ExtraBold"/>
+              </a:defRPr>
+            </a:lvl3pPr>
+            <a:lvl4pPr marR="0" lvl="3" algn="l" rtl="0">
+              <a:lnSpc>
+                <a:spcPct val="80000"/>
+              </a:lnSpc>
+              <a:spcBef>
+                <a:spcPts val="0"/>
+              </a:spcBef>
+              <a:spcAft>
+                <a:spcPts val="0"/>
+              </a:spcAft>
+              <a:buClr>
+                <a:schemeClr val="accent5"/>
+              </a:buClr>
+              <a:buSzPts val="4200"/>
+              <a:buFont typeface="Montserrat ExtraBold"/>
+              <a:buNone/>
+              <a:defRPr sz="4200" b="0" i="0" u="none" strike="noStrike" cap="none">
+                <a:solidFill>
+                  <a:schemeClr val="accent5"/>
+                </a:solidFill>
+                <a:latin typeface="Montserrat ExtraBold"/>
+                <a:ea typeface="Montserrat ExtraBold"/>
+                <a:cs typeface="Montserrat ExtraBold"/>
+                <a:sym typeface="Montserrat ExtraBold"/>
+              </a:defRPr>
+            </a:lvl4pPr>
+            <a:lvl5pPr marR="0" lvl="4" algn="l" rtl="0">
+              <a:lnSpc>
+                <a:spcPct val="80000"/>
+              </a:lnSpc>
+              <a:spcBef>
+                <a:spcPts val="0"/>
+              </a:spcBef>
+              <a:spcAft>
+                <a:spcPts val="0"/>
+              </a:spcAft>
+              <a:buClr>
+                <a:schemeClr val="accent5"/>
+              </a:buClr>
+              <a:buSzPts val="4200"/>
+              <a:buFont typeface="Montserrat ExtraBold"/>
+              <a:buNone/>
+              <a:defRPr sz="4200" b="0" i="0" u="none" strike="noStrike" cap="none">
+                <a:solidFill>
+                  <a:schemeClr val="accent5"/>
+                </a:solidFill>
+                <a:latin typeface="Montserrat ExtraBold"/>
+                <a:ea typeface="Montserrat ExtraBold"/>
+                <a:cs typeface="Montserrat ExtraBold"/>
+                <a:sym typeface="Montserrat ExtraBold"/>
+              </a:defRPr>
+            </a:lvl5pPr>
+            <a:lvl6pPr marR="0" lvl="5" algn="l" rtl="0">
+              <a:lnSpc>
+                <a:spcPct val="80000"/>
+              </a:lnSpc>
+              <a:spcBef>
+                <a:spcPts val="0"/>
+              </a:spcBef>
+              <a:spcAft>
+                <a:spcPts val="0"/>
+              </a:spcAft>
+              <a:buClr>
+                <a:schemeClr val="accent5"/>
+              </a:buClr>
+              <a:buSzPts val="4200"/>
+              <a:buFont typeface="Montserrat ExtraBold"/>
+              <a:buNone/>
+              <a:defRPr sz="4200" b="0" i="0" u="none" strike="noStrike" cap="none">
+                <a:solidFill>
+                  <a:schemeClr val="accent5"/>
+                </a:solidFill>
+                <a:latin typeface="Montserrat ExtraBold"/>
+                <a:ea typeface="Montserrat ExtraBold"/>
+                <a:cs typeface="Montserrat ExtraBold"/>
+                <a:sym typeface="Montserrat ExtraBold"/>
+              </a:defRPr>
+            </a:lvl6pPr>
+            <a:lvl7pPr marR="0" lvl="6" algn="l" rtl="0">
+              <a:lnSpc>
+                <a:spcPct val="80000"/>
+              </a:lnSpc>
+              <a:spcBef>
+                <a:spcPts val="0"/>
+              </a:spcBef>
+              <a:spcAft>
+                <a:spcPts val="0"/>
+              </a:spcAft>
+              <a:buClr>
+                <a:schemeClr val="accent5"/>
+              </a:buClr>
+              <a:buSzPts val="4200"/>
+              <a:buFont typeface="Montserrat ExtraBold"/>
+              <a:buNone/>
+              <a:defRPr sz="4200" b="0" i="0" u="none" strike="noStrike" cap="none">
+                <a:solidFill>
+                  <a:schemeClr val="accent5"/>
+                </a:solidFill>
+                <a:latin typeface="Montserrat ExtraBold"/>
+                <a:ea typeface="Montserrat ExtraBold"/>
+                <a:cs typeface="Montserrat ExtraBold"/>
+                <a:sym typeface="Montserrat ExtraBold"/>
+              </a:defRPr>
+            </a:lvl7pPr>
+            <a:lvl8pPr marR="0" lvl="7" algn="l" rtl="0">
+              <a:lnSpc>
+                <a:spcPct val="80000"/>
+              </a:lnSpc>
+              <a:spcBef>
+                <a:spcPts val="0"/>
+              </a:spcBef>
+              <a:spcAft>
+                <a:spcPts val="0"/>
+              </a:spcAft>
+              <a:buClr>
+                <a:schemeClr val="accent5"/>
+              </a:buClr>
+              <a:buSzPts val="4200"/>
+              <a:buFont typeface="Montserrat ExtraBold"/>
+              <a:buNone/>
+              <a:defRPr sz="4200" b="0" i="0" u="none" strike="noStrike" cap="none">
+                <a:solidFill>
+                  <a:schemeClr val="accent5"/>
+                </a:solidFill>
+                <a:latin typeface="Montserrat ExtraBold"/>
+                <a:ea typeface="Montserrat ExtraBold"/>
+                <a:cs typeface="Montserrat ExtraBold"/>
+                <a:sym typeface="Montserrat ExtraBold"/>
+              </a:defRPr>
+            </a:lvl8pPr>
+            <a:lvl9pPr marR="0" lvl="8" algn="l" rtl="0">
+              <a:lnSpc>
+                <a:spcPct val="80000"/>
+              </a:lnSpc>
+              <a:spcBef>
+                <a:spcPts val="0"/>
+              </a:spcBef>
+              <a:spcAft>
+                <a:spcPts val="0"/>
+              </a:spcAft>
+              <a:buClr>
+                <a:schemeClr val="accent5"/>
+              </a:buClr>
+              <a:buSzPts val="4200"/>
+              <a:buFont typeface="Montserrat ExtraBold"/>
+              <a:buNone/>
+              <a:defRPr sz="4200" b="0" i="0" u="none" strike="noStrike" cap="none">
+                <a:solidFill>
+                  <a:schemeClr val="accent5"/>
+                </a:solidFill>
+                <a:latin typeface="Montserrat ExtraBold"/>
+                <a:ea typeface="Montserrat ExtraBold"/>
+                <a:cs typeface="Montserrat ExtraBold"/>
+                <a:sym typeface="Montserrat ExtraBold"/>
+              </a:defRPr>
+            </a:lvl9pPr>
+          </a:lstStyle>
+          <a:p>
+            <a:pPr algn="r"/>
+            <a:r>
+              <a:rPr lang="pt-BR" sz="2800" dirty="0"/>
+              <a:t>PADRÕES DE CODIFICAÇÃO</a:t>
+            </a:r>
+          </a:p>
+        </p:txBody>
+      </p:sp>
+    </p:spTree>
+    <p:extLst>
+      <p:ext uri="{BB962C8B-B14F-4D97-AF65-F5344CB8AC3E}">
+        <p14:creationId xmlns:p14="http://schemas.microsoft.com/office/powerpoint/2010/main" val="2282716675"/>
+      </p:ext>
+    </p:extLst>
+  </p:cSld>
+  <p:clrMapOvr>
+    <a:masterClrMapping/>
+  </p:clrMapOvr>
+</p:sld>
+</file>
+
+<file path=ppt/slides/slide12.xml><?xml version="1.0" encoding="utf-8"?>
+<p:sld xmlns:a="http://schemas.openxmlformats.org/drawingml/2006/main" xmlns:r="http://schemas.openxmlformats.org/officeDocument/2006/relationships" xmlns:p="http://schemas.openxmlformats.org/presentationml/2006/main">
+  <p:cSld>
+    <p:spTree>
+      <p:nvGrpSpPr>
+        <p:cNvPr id="1" name="Shape 213">
+          <a:extLst>
+            <a:ext uri="{FF2B5EF4-FFF2-40B4-BE49-F238E27FC236}">
+              <a16:creationId xmlns:a16="http://schemas.microsoft.com/office/drawing/2014/main" id="{B7FD946D-2FB5-2AD1-6806-2A2723A931A0}"/>
+            </a:ext>
+          </a:extLst>
+        </p:cNvPr>
+        <p:cNvGrpSpPr/>
+        <p:nvPr/>
+      </p:nvGrpSpPr>
+      <p:grpSpPr>
+        <a:xfrm>
+          <a:off x="0" y="0"/>
+          <a:ext cx="0" cy="0"/>
+          <a:chOff x="0" y="0"/>
+          <a:chExt cx="0" cy="0"/>
+        </a:xfrm>
+      </p:grpSpPr>
+      <p:sp>
+        <p:nvSpPr>
+          <p:cNvPr id="214" name="Google Shape;214;p28">
+            <a:extLst>
+              <a:ext uri="{FF2B5EF4-FFF2-40B4-BE49-F238E27FC236}">
+                <a16:creationId xmlns:a16="http://schemas.microsoft.com/office/drawing/2014/main" id="{A3BD3F4E-3BE9-21D8-4171-BD940ABB7199}"/>
+              </a:ext>
+            </a:extLst>
+          </p:cNvPr>
+          <p:cNvSpPr txBox="1">
+            <a:spLocks noGrp="1"/>
+          </p:cNvSpPr>
+          <p:nvPr>
+            <p:ph type="subTitle" idx="1"/>
+          </p:nvPr>
+        </p:nvSpPr>
+        <p:spPr>
+          <a:xfrm>
+            <a:off x="540814" y="1163995"/>
+            <a:ext cx="3027286" cy="3162890"/>
+          </a:xfrm>
+          <a:prstGeom prst="rect">
+            <a:avLst/>
+          </a:prstGeom>
+        </p:spPr>
+        <p:txBody>
+          <a:bodyPr spcFirstLastPara="1" wrap="square" lIns="91425" tIns="91425" rIns="91425" bIns="91425" numCol="1" spcCol="360000" anchor="t" anchorCtr="0">
+            <a:noAutofit/>
+          </a:bodyPr>
+          <a:lstStyle/>
+          <a:p>
+            <a:pPr marL="285750" lvl="0" indent="-285750" algn="just" rtl="0">
+              <a:lnSpc>
+                <a:spcPct val="150000"/>
+              </a:lnSpc>
+              <a:spcBef>
+                <a:spcPts val="0"/>
+              </a:spcBef>
+              <a:spcAft>
+                <a:spcPts val="0"/>
+              </a:spcAft>
+              <a:buFont typeface="Arial" panose="020B0604020202020204" pitchFamily="34" charset="0"/>
+              <a:buChar char="•"/>
+            </a:pPr>
+            <a:r>
+              <a:rPr lang="pt-BR" sz="2000" dirty="0">
+                <a:solidFill>
+                  <a:schemeClr val="tx1"/>
+                </a:solidFill>
+                <a:effectLst/>
+                <a:latin typeface="Calibri" panose="020F0502020204030204" pitchFamily="34" charset="0"/>
+                <a:ea typeface="Calibri" panose="020F0502020204030204" pitchFamily="34" charset="0"/>
+                <a:cs typeface="Times New Roman" panose="02020603050405020304" pitchFamily="18" charset="0"/>
+              </a:rPr>
+              <a:t>Testes unitários</a:t>
+            </a:r>
+          </a:p>
+          <a:p>
+            <a:pPr marL="285750" lvl="0" indent="-285750" algn="just" rtl="0">
+              <a:lnSpc>
+                <a:spcPct val="150000"/>
+              </a:lnSpc>
+              <a:spcBef>
+                <a:spcPts val="0"/>
+              </a:spcBef>
+              <a:spcAft>
+                <a:spcPts val="0"/>
+              </a:spcAft>
+              <a:buFont typeface="Arial" panose="020B0604020202020204" pitchFamily="34" charset="0"/>
+              <a:buChar char="•"/>
+            </a:pPr>
+            <a:r>
+              <a:rPr lang="pt-BR" sz="2000" dirty="0">
+                <a:solidFill>
+                  <a:schemeClr val="tx1"/>
+                </a:solidFill>
+                <a:effectLst/>
+                <a:latin typeface="Calibri" panose="020F0502020204030204" pitchFamily="34" charset="0"/>
+                <a:ea typeface="Calibri" panose="020F0502020204030204" pitchFamily="34" charset="0"/>
+                <a:cs typeface="Times New Roman" panose="02020603050405020304" pitchFamily="18" charset="0"/>
+              </a:rPr>
+              <a:t>Testes de integração</a:t>
+            </a:r>
+          </a:p>
+          <a:p>
+            <a:pPr marL="285750" lvl="0" indent="-285750" algn="just" rtl="0">
+              <a:lnSpc>
+                <a:spcPct val="150000"/>
+              </a:lnSpc>
+              <a:spcBef>
+                <a:spcPts val="0"/>
+              </a:spcBef>
+              <a:spcAft>
+                <a:spcPts val="0"/>
+              </a:spcAft>
+              <a:buFont typeface="Arial" panose="020B0604020202020204" pitchFamily="34" charset="0"/>
+              <a:buChar char="•"/>
+            </a:pPr>
+            <a:r>
+              <a:rPr lang="pt-BR" sz="2000" dirty="0">
+                <a:solidFill>
+                  <a:schemeClr val="tx1"/>
+                </a:solidFill>
+                <a:effectLst/>
+                <a:latin typeface="Calibri" panose="020F0502020204030204" pitchFamily="34" charset="0"/>
+                <a:ea typeface="Calibri" panose="020F0502020204030204" pitchFamily="34" charset="0"/>
+                <a:cs typeface="Times New Roman" panose="02020603050405020304" pitchFamily="18" charset="0"/>
+              </a:rPr>
+              <a:t>Testes de sistema</a:t>
+            </a:r>
+          </a:p>
+        </p:txBody>
+      </p:sp>
+      <p:sp>
+        <p:nvSpPr>
+          <p:cNvPr id="4" name="Google Shape;319;p33">
+            <a:extLst>
+              <a:ext uri="{FF2B5EF4-FFF2-40B4-BE49-F238E27FC236}">
+                <a16:creationId xmlns:a16="http://schemas.microsoft.com/office/drawing/2014/main" id="{69608252-AC0E-1AF4-9D32-015078B0FD71}"/>
+              </a:ext>
+            </a:extLst>
+          </p:cNvPr>
+          <p:cNvSpPr/>
+          <p:nvPr/>
+        </p:nvSpPr>
+        <p:spPr>
+          <a:xfrm>
+            <a:off x="1000" y="185374"/>
+            <a:ext cx="3567100" cy="249631"/>
+          </a:xfrm>
+          <a:prstGeom prst="rect">
+            <a:avLst/>
+          </a:prstGeom>
+          <a:solidFill>
+            <a:schemeClr val="lt2"/>
+          </a:solidFill>
+          <a:ln>
+            <a:noFill/>
+          </a:ln>
+        </p:spPr>
+        <p:txBody>
+          <a:bodyPr spcFirstLastPara="1" wrap="square" lIns="91425" tIns="91425" rIns="91425" bIns="91425" anchor="ctr" anchorCtr="0">
+            <a:noAutofit/>
+          </a:bodyPr>
+          <a:lstStyle/>
+          <a:p>
+            <a:pPr marL="0" lvl="0" indent="0" algn="l" rtl="0">
+              <a:spcBef>
+                <a:spcPts val="0"/>
+              </a:spcBef>
+              <a:spcAft>
+                <a:spcPts val="0"/>
+              </a:spcAft>
+              <a:buNone/>
+            </a:pPr>
+            <a:endParaRPr/>
+          </a:p>
+        </p:txBody>
+      </p:sp>
+      <p:sp>
+        <p:nvSpPr>
+          <p:cNvPr id="6" name="Google Shape;322;p33">
+            <a:extLst>
+              <a:ext uri="{FF2B5EF4-FFF2-40B4-BE49-F238E27FC236}">
+                <a16:creationId xmlns:a16="http://schemas.microsoft.com/office/drawing/2014/main" id="{39FDE95A-9ECD-F575-165F-86931DE4589F}"/>
+              </a:ext>
+            </a:extLst>
+          </p:cNvPr>
+          <p:cNvSpPr txBox="1">
+            <a:spLocks/>
+          </p:cNvSpPr>
+          <p:nvPr/>
+        </p:nvSpPr>
+        <p:spPr>
+          <a:xfrm>
+            <a:off x="139700" y="533550"/>
+            <a:ext cx="3428400" cy="531900"/>
+          </a:xfrm>
+          <a:prstGeom prst="rect">
+            <a:avLst/>
+          </a:prstGeom>
+          <a:noFill/>
+          <a:ln>
+            <a:noFill/>
+          </a:ln>
+        </p:spPr>
+        <p:txBody>
+          <a:bodyPr spcFirstLastPara="1" wrap="square" lIns="0" tIns="0" rIns="0" bIns="0" anchor="t" anchorCtr="0">
+            <a:noAutofit/>
+          </a:bodyPr>
+          <a:lstStyle>
+            <a:defPPr marR="0" lvl="0" algn="l" rtl="0">
+              <a:lnSpc>
+                <a:spcPct val="100000"/>
+              </a:lnSpc>
+              <a:spcBef>
+                <a:spcPts val="0"/>
+              </a:spcBef>
+              <a:spcAft>
+                <a:spcPts val="0"/>
+              </a:spcAft>
+            </a:defPPr>
+            <a:lvl1pPr marR="0" lvl="0" algn="l" rtl="0">
+              <a:lnSpc>
+                <a:spcPct val="80000"/>
+              </a:lnSpc>
+              <a:spcBef>
+                <a:spcPts val="0"/>
+              </a:spcBef>
+              <a:spcAft>
+                <a:spcPts val="0"/>
+              </a:spcAft>
+              <a:buClr>
+                <a:schemeClr val="accent5"/>
+              </a:buClr>
+              <a:buSzPts val="4200"/>
+              <a:buFont typeface="Montserrat ExtraBold"/>
+              <a:buNone/>
+              <a:defRPr sz="6000" b="0" i="0" u="none" strike="noStrike" cap="none">
+                <a:solidFill>
+                  <a:schemeClr val="dk2"/>
+                </a:solidFill>
+                <a:latin typeface="Montserrat ExtraBold"/>
+                <a:ea typeface="Montserrat ExtraBold"/>
+                <a:cs typeface="Montserrat ExtraBold"/>
+                <a:sym typeface="Montserrat ExtraBold"/>
+              </a:defRPr>
+            </a:lvl1pPr>
+            <a:lvl2pPr marR="0" lvl="1" algn="l" rtl="0">
+              <a:lnSpc>
+                <a:spcPct val="80000"/>
+              </a:lnSpc>
+              <a:spcBef>
+                <a:spcPts val="0"/>
+              </a:spcBef>
+              <a:spcAft>
+                <a:spcPts val="0"/>
+              </a:spcAft>
+              <a:buClr>
+                <a:schemeClr val="accent5"/>
+              </a:buClr>
+              <a:buSzPts val="4200"/>
+              <a:buFont typeface="Montserrat ExtraBold"/>
+              <a:buNone/>
+              <a:defRPr sz="4200" b="0" i="0" u="none" strike="noStrike" cap="none">
+                <a:solidFill>
+                  <a:schemeClr val="accent5"/>
+                </a:solidFill>
+                <a:latin typeface="Montserrat ExtraBold"/>
+                <a:ea typeface="Montserrat ExtraBold"/>
+                <a:cs typeface="Montserrat ExtraBold"/>
+                <a:sym typeface="Montserrat ExtraBold"/>
+              </a:defRPr>
+            </a:lvl2pPr>
+            <a:lvl3pPr marR="0" lvl="2" algn="l" rtl="0">
+              <a:lnSpc>
+                <a:spcPct val="80000"/>
+              </a:lnSpc>
+              <a:spcBef>
+                <a:spcPts val="0"/>
+              </a:spcBef>
+              <a:spcAft>
+                <a:spcPts val="0"/>
+              </a:spcAft>
+              <a:buClr>
+                <a:schemeClr val="accent5"/>
+              </a:buClr>
+              <a:buSzPts val="4200"/>
+              <a:buFont typeface="Montserrat ExtraBold"/>
+              <a:buNone/>
+              <a:defRPr sz="4200" b="0" i="0" u="none" strike="noStrike" cap="none">
+                <a:solidFill>
+                  <a:schemeClr val="accent5"/>
+                </a:solidFill>
+                <a:latin typeface="Montserrat ExtraBold"/>
+                <a:ea typeface="Montserrat ExtraBold"/>
+                <a:cs typeface="Montserrat ExtraBold"/>
+                <a:sym typeface="Montserrat ExtraBold"/>
+              </a:defRPr>
+            </a:lvl3pPr>
+            <a:lvl4pPr marR="0" lvl="3" algn="l" rtl="0">
+              <a:lnSpc>
+                <a:spcPct val="80000"/>
+              </a:lnSpc>
+              <a:spcBef>
+                <a:spcPts val="0"/>
+              </a:spcBef>
+              <a:spcAft>
+                <a:spcPts val="0"/>
+              </a:spcAft>
+              <a:buClr>
+                <a:schemeClr val="accent5"/>
+              </a:buClr>
+              <a:buSzPts val="4200"/>
+              <a:buFont typeface="Montserrat ExtraBold"/>
+              <a:buNone/>
+              <a:defRPr sz="4200" b="0" i="0" u="none" strike="noStrike" cap="none">
+                <a:solidFill>
+                  <a:schemeClr val="accent5"/>
+                </a:solidFill>
+                <a:latin typeface="Montserrat ExtraBold"/>
+                <a:ea typeface="Montserrat ExtraBold"/>
+                <a:cs typeface="Montserrat ExtraBold"/>
+                <a:sym typeface="Montserrat ExtraBold"/>
+              </a:defRPr>
+            </a:lvl4pPr>
+            <a:lvl5pPr marR="0" lvl="4" algn="l" rtl="0">
+              <a:lnSpc>
+                <a:spcPct val="80000"/>
+              </a:lnSpc>
+              <a:spcBef>
+                <a:spcPts val="0"/>
+              </a:spcBef>
+              <a:spcAft>
+                <a:spcPts val="0"/>
+              </a:spcAft>
+              <a:buClr>
+                <a:schemeClr val="accent5"/>
+              </a:buClr>
+              <a:buSzPts val="4200"/>
+              <a:buFont typeface="Montserrat ExtraBold"/>
+              <a:buNone/>
+              <a:defRPr sz="4200" b="0" i="0" u="none" strike="noStrike" cap="none">
+                <a:solidFill>
+                  <a:schemeClr val="accent5"/>
+                </a:solidFill>
+                <a:latin typeface="Montserrat ExtraBold"/>
+                <a:ea typeface="Montserrat ExtraBold"/>
+                <a:cs typeface="Montserrat ExtraBold"/>
+                <a:sym typeface="Montserrat ExtraBold"/>
+              </a:defRPr>
+            </a:lvl5pPr>
+            <a:lvl6pPr marR="0" lvl="5" algn="l" rtl="0">
+              <a:lnSpc>
+                <a:spcPct val="80000"/>
+              </a:lnSpc>
+              <a:spcBef>
+                <a:spcPts val="0"/>
+              </a:spcBef>
+              <a:spcAft>
+                <a:spcPts val="0"/>
+              </a:spcAft>
+              <a:buClr>
+                <a:schemeClr val="accent5"/>
+              </a:buClr>
+              <a:buSzPts val="4200"/>
+              <a:buFont typeface="Montserrat ExtraBold"/>
+              <a:buNone/>
+              <a:defRPr sz="4200" b="0" i="0" u="none" strike="noStrike" cap="none">
+                <a:solidFill>
+                  <a:schemeClr val="accent5"/>
+                </a:solidFill>
+                <a:latin typeface="Montserrat ExtraBold"/>
+                <a:ea typeface="Montserrat ExtraBold"/>
+                <a:cs typeface="Montserrat ExtraBold"/>
+                <a:sym typeface="Montserrat ExtraBold"/>
+              </a:defRPr>
+            </a:lvl6pPr>
+            <a:lvl7pPr marR="0" lvl="6" algn="l" rtl="0">
+              <a:lnSpc>
+                <a:spcPct val="80000"/>
+              </a:lnSpc>
+              <a:spcBef>
+                <a:spcPts val="0"/>
+              </a:spcBef>
+              <a:spcAft>
+                <a:spcPts val="0"/>
+              </a:spcAft>
+              <a:buClr>
+                <a:schemeClr val="accent5"/>
+              </a:buClr>
+              <a:buSzPts val="4200"/>
+              <a:buFont typeface="Montserrat ExtraBold"/>
+              <a:buNone/>
+              <a:defRPr sz="4200" b="0" i="0" u="none" strike="noStrike" cap="none">
+                <a:solidFill>
+                  <a:schemeClr val="accent5"/>
+                </a:solidFill>
+                <a:latin typeface="Montserrat ExtraBold"/>
+                <a:ea typeface="Montserrat ExtraBold"/>
+                <a:cs typeface="Montserrat ExtraBold"/>
+                <a:sym typeface="Montserrat ExtraBold"/>
+              </a:defRPr>
+            </a:lvl7pPr>
+            <a:lvl8pPr marR="0" lvl="7" algn="l" rtl="0">
+              <a:lnSpc>
+                <a:spcPct val="80000"/>
+              </a:lnSpc>
+              <a:spcBef>
+                <a:spcPts val="0"/>
+              </a:spcBef>
+              <a:spcAft>
+                <a:spcPts val="0"/>
+              </a:spcAft>
+              <a:buClr>
+                <a:schemeClr val="accent5"/>
+              </a:buClr>
+              <a:buSzPts val="4200"/>
+              <a:buFont typeface="Montserrat ExtraBold"/>
+              <a:buNone/>
+              <a:defRPr sz="4200" b="0" i="0" u="none" strike="noStrike" cap="none">
+                <a:solidFill>
+                  <a:schemeClr val="accent5"/>
+                </a:solidFill>
+                <a:latin typeface="Montserrat ExtraBold"/>
+                <a:ea typeface="Montserrat ExtraBold"/>
+                <a:cs typeface="Montserrat ExtraBold"/>
+                <a:sym typeface="Montserrat ExtraBold"/>
+              </a:defRPr>
+            </a:lvl8pPr>
+            <a:lvl9pPr marR="0" lvl="8" algn="l" rtl="0">
+              <a:lnSpc>
+                <a:spcPct val="80000"/>
+              </a:lnSpc>
+              <a:spcBef>
+                <a:spcPts val="0"/>
+              </a:spcBef>
+              <a:spcAft>
+                <a:spcPts val="0"/>
+              </a:spcAft>
+              <a:buClr>
+                <a:schemeClr val="accent5"/>
+              </a:buClr>
+              <a:buSzPts val="4200"/>
+              <a:buFont typeface="Montserrat ExtraBold"/>
+              <a:buNone/>
+              <a:defRPr sz="4200" b="0" i="0" u="none" strike="noStrike" cap="none">
+                <a:solidFill>
+                  <a:schemeClr val="accent5"/>
+                </a:solidFill>
+                <a:latin typeface="Montserrat ExtraBold"/>
+                <a:ea typeface="Montserrat ExtraBold"/>
+                <a:cs typeface="Montserrat ExtraBold"/>
+                <a:sym typeface="Montserrat ExtraBold"/>
+              </a:defRPr>
+            </a:lvl9pPr>
+          </a:lstStyle>
+          <a:p>
+            <a:pPr algn="r"/>
+            <a:r>
+              <a:rPr lang="pt-BR" sz="2800" dirty="0"/>
+              <a:t>ESTRATÉGIAS</a:t>
+            </a:r>
+          </a:p>
+          <a:p>
+            <a:pPr algn="r"/>
+            <a:r>
+              <a:rPr lang="pt-BR" sz="2800" dirty="0"/>
+              <a:t>DE TESTE</a:t>
+            </a:r>
+          </a:p>
+        </p:txBody>
+      </p:sp>
+      <p:sp>
+        <p:nvSpPr>
+          <p:cNvPr id="2" name="Google Shape;214;p28">
+            <a:extLst>
+              <a:ext uri="{FF2B5EF4-FFF2-40B4-BE49-F238E27FC236}">
+                <a16:creationId xmlns:a16="http://schemas.microsoft.com/office/drawing/2014/main" id="{8386FD82-FB9D-5D77-28E6-A7D25944E18E}"/>
+              </a:ext>
+            </a:extLst>
+          </p:cNvPr>
+          <p:cNvSpPr txBox="1">
+            <a:spLocks/>
+          </p:cNvSpPr>
+          <p:nvPr/>
+        </p:nvSpPr>
+        <p:spPr>
+          <a:xfrm>
+            <a:off x="5452369" y="990305"/>
+            <a:ext cx="3150817" cy="3162890"/>
+          </a:xfrm>
+          <a:prstGeom prst="rect">
+            <a:avLst/>
+          </a:prstGeom>
+        </p:spPr>
+        <p:txBody>
+          <a:bodyPr spcFirstLastPara="1" vert="horz" wrap="square" lIns="91425" tIns="91425" rIns="91425" bIns="91425" numCol="1" spcCol="360000" rtlCol="0" anchor="ctr" anchorCtr="0">
+            <a:noAutofit/>
+          </a:bodyPr>
+          <a:lstStyle>
+            <a:lvl1pPr marL="171450" lvl="0" indent="-171450" algn="l" defTabSz="685800" rtl="0" eaLnBrk="1" latinLnBrk="0" hangingPunct="1">
+              <a:lnSpc>
+                <a:spcPct val="100000"/>
+              </a:lnSpc>
+              <a:spcBef>
+                <a:spcPts val="0"/>
+              </a:spcBef>
+              <a:spcAft>
+                <a:spcPts val="0"/>
+              </a:spcAft>
+              <a:buClr>
+                <a:schemeClr val="accent5"/>
+              </a:buClr>
+              <a:buSzPts val="2100"/>
+              <a:buFont typeface="Arial" panose="020B0604020202020204" pitchFamily="34" charset="0"/>
+              <a:buNone/>
+              <a:defRPr sz="2100" kern="1200">
+                <a:solidFill>
+                  <a:schemeClr val="dk1"/>
+                </a:solidFill>
+                <a:latin typeface="+mn-lt"/>
+                <a:ea typeface="+mn-ea"/>
+                <a:cs typeface="+mn-cs"/>
+              </a:defRPr>
+            </a:lvl1pPr>
+            <a:lvl2pPr marL="514350" lvl="1" indent="-171450" algn="l" defTabSz="685800" rtl="0" eaLnBrk="1" latinLnBrk="0" hangingPunct="1">
+              <a:lnSpc>
+                <a:spcPct val="100000"/>
+              </a:lnSpc>
+              <a:spcBef>
+                <a:spcPts val="0"/>
+              </a:spcBef>
+              <a:spcAft>
+                <a:spcPts val="0"/>
+              </a:spcAft>
+              <a:buClr>
+                <a:schemeClr val="accent5"/>
+              </a:buClr>
+              <a:buSzPts val="2100"/>
+              <a:buFont typeface="Arial" panose="020B0604020202020204" pitchFamily="34" charset="0"/>
+              <a:buNone/>
+              <a:defRPr sz="2100" kern="1200">
+                <a:solidFill>
+                  <a:schemeClr val="accent5"/>
+                </a:solidFill>
+                <a:latin typeface="+mn-lt"/>
+                <a:ea typeface="+mn-ea"/>
+                <a:cs typeface="+mn-cs"/>
+              </a:defRPr>
+            </a:lvl2pPr>
+            <a:lvl3pPr marL="857250" lvl="2" indent="-171450" algn="l" defTabSz="685800" rtl="0" eaLnBrk="1" latinLnBrk="0" hangingPunct="1">
+              <a:lnSpc>
+                <a:spcPct val="100000"/>
+              </a:lnSpc>
+              <a:spcBef>
+                <a:spcPts val="0"/>
+              </a:spcBef>
+              <a:spcAft>
+                <a:spcPts val="0"/>
+              </a:spcAft>
+              <a:buClr>
+                <a:schemeClr val="accent5"/>
+              </a:buClr>
+              <a:buSzPts val="2100"/>
+              <a:buFont typeface="Arial" panose="020B0604020202020204" pitchFamily="34" charset="0"/>
+              <a:buNone/>
+              <a:defRPr sz="2100" kern="1200">
+                <a:solidFill>
+                  <a:schemeClr val="accent5"/>
+                </a:solidFill>
+                <a:latin typeface="+mn-lt"/>
+                <a:ea typeface="+mn-ea"/>
+                <a:cs typeface="+mn-cs"/>
+              </a:defRPr>
+            </a:lvl3pPr>
+            <a:lvl4pPr marL="1200150" lvl="3" indent="-171450" algn="l" defTabSz="685800" rtl="0" eaLnBrk="1" latinLnBrk="0" hangingPunct="1">
+              <a:lnSpc>
+                <a:spcPct val="100000"/>
+              </a:lnSpc>
+              <a:spcBef>
+                <a:spcPts val="0"/>
+              </a:spcBef>
+              <a:spcAft>
+                <a:spcPts val="0"/>
+              </a:spcAft>
+              <a:buClr>
+                <a:schemeClr val="accent5"/>
+              </a:buClr>
+              <a:buSzPts val="2100"/>
+              <a:buFont typeface="Arial" panose="020B0604020202020204" pitchFamily="34" charset="0"/>
+              <a:buNone/>
+              <a:defRPr sz="2100" kern="1200">
+                <a:solidFill>
+                  <a:schemeClr val="accent5"/>
+                </a:solidFill>
+                <a:latin typeface="+mn-lt"/>
+                <a:ea typeface="+mn-ea"/>
+                <a:cs typeface="+mn-cs"/>
+              </a:defRPr>
+            </a:lvl4pPr>
+            <a:lvl5pPr marL="1543050" lvl="4" indent="-171450" algn="l" defTabSz="685800" rtl="0" eaLnBrk="1" latinLnBrk="0" hangingPunct="1">
+              <a:lnSpc>
+                <a:spcPct val="100000"/>
+              </a:lnSpc>
+              <a:spcBef>
+                <a:spcPts val="0"/>
+              </a:spcBef>
+              <a:spcAft>
+                <a:spcPts val="0"/>
+              </a:spcAft>
+              <a:buClr>
+                <a:schemeClr val="accent5"/>
+              </a:buClr>
+              <a:buSzPts val="2100"/>
+              <a:buFont typeface="Arial" panose="020B0604020202020204" pitchFamily="34" charset="0"/>
+              <a:buNone/>
+              <a:defRPr sz="2100" kern="1200">
+                <a:solidFill>
+                  <a:schemeClr val="accent5"/>
+                </a:solidFill>
+                <a:latin typeface="+mn-lt"/>
+                <a:ea typeface="+mn-ea"/>
+                <a:cs typeface="+mn-cs"/>
+              </a:defRPr>
+            </a:lvl5pPr>
+            <a:lvl6pPr marL="1885950" lvl="5" indent="-171450" algn="l" defTabSz="685800" rtl="0" eaLnBrk="1" latinLnBrk="0" hangingPunct="1">
+              <a:lnSpc>
+                <a:spcPct val="100000"/>
+              </a:lnSpc>
+              <a:spcBef>
+                <a:spcPts val="0"/>
+              </a:spcBef>
+              <a:spcAft>
+                <a:spcPts val="0"/>
+              </a:spcAft>
+              <a:buClr>
+                <a:schemeClr val="accent5"/>
+              </a:buClr>
+              <a:buSzPts val="2100"/>
+              <a:buFont typeface="Arial" panose="020B0604020202020204" pitchFamily="34" charset="0"/>
+              <a:buNone/>
+              <a:defRPr sz="2100" kern="1200">
+                <a:solidFill>
+                  <a:schemeClr val="accent5"/>
+                </a:solidFill>
+                <a:latin typeface="+mn-lt"/>
+                <a:ea typeface="+mn-ea"/>
+                <a:cs typeface="+mn-cs"/>
+              </a:defRPr>
+            </a:lvl6pPr>
+            <a:lvl7pPr marL="2228850" lvl="6" indent="-171450" algn="l" defTabSz="685800" rtl="0" eaLnBrk="1" latinLnBrk="0" hangingPunct="1">
+              <a:lnSpc>
+                <a:spcPct val="100000"/>
+              </a:lnSpc>
+              <a:spcBef>
+                <a:spcPts val="0"/>
+              </a:spcBef>
+              <a:spcAft>
+                <a:spcPts val="0"/>
+              </a:spcAft>
+              <a:buClr>
+                <a:schemeClr val="accent5"/>
+              </a:buClr>
+              <a:buSzPts val="2100"/>
+              <a:buFont typeface="Arial" panose="020B0604020202020204" pitchFamily="34" charset="0"/>
+              <a:buNone/>
+              <a:defRPr sz="2100" kern="1200">
+                <a:solidFill>
+                  <a:schemeClr val="accent5"/>
+                </a:solidFill>
+                <a:latin typeface="+mn-lt"/>
+                <a:ea typeface="+mn-ea"/>
+                <a:cs typeface="+mn-cs"/>
+              </a:defRPr>
+            </a:lvl7pPr>
+            <a:lvl8pPr marL="2571750" lvl="7" indent="-171450" algn="l" defTabSz="685800" rtl="0" eaLnBrk="1" latinLnBrk="0" hangingPunct="1">
+              <a:lnSpc>
+                <a:spcPct val="100000"/>
+              </a:lnSpc>
+              <a:spcBef>
+                <a:spcPts val="0"/>
+              </a:spcBef>
+              <a:spcAft>
+                <a:spcPts val="0"/>
+              </a:spcAft>
+              <a:buClr>
+                <a:schemeClr val="accent5"/>
+              </a:buClr>
+              <a:buSzPts val="2100"/>
+              <a:buFont typeface="Arial" panose="020B0604020202020204" pitchFamily="34" charset="0"/>
+              <a:buNone/>
+              <a:defRPr sz="2100" kern="1200">
+                <a:solidFill>
+                  <a:schemeClr val="accent5"/>
+                </a:solidFill>
+                <a:latin typeface="+mn-lt"/>
+                <a:ea typeface="+mn-ea"/>
+                <a:cs typeface="+mn-cs"/>
+              </a:defRPr>
+            </a:lvl8pPr>
+            <a:lvl9pPr marL="2914650" lvl="8" indent="-171450" algn="l" defTabSz="685800" rtl="0" eaLnBrk="1" latinLnBrk="0" hangingPunct="1">
+              <a:lnSpc>
+                <a:spcPct val="100000"/>
+              </a:lnSpc>
+              <a:spcBef>
+                <a:spcPts val="0"/>
+              </a:spcBef>
+              <a:spcAft>
+                <a:spcPts val="0"/>
+              </a:spcAft>
+              <a:buClr>
+                <a:schemeClr val="accent5"/>
+              </a:buClr>
+              <a:buSzPts val="2100"/>
+              <a:buFont typeface="Arial" panose="020B0604020202020204" pitchFamily="34" charset="0"/>
+              <a:buNone/>
+              <a:defRPr sz="2100" kern="1200">
+                <a:solidFill>
+                  <a:schemeClr val="accent5"/>
+                </a:solidFill>
+                <a:latin typeface="+mn-lt"/>
+                <a:ea typeface="+mn-ea"/>
+                <a:cs typeface="+mn-cs"/>
+              </a:defRPr>
+            </a:lvl9pPr>
+          </a:lstStyle>
+          <a:p>
+            <a:pPr marL="285750" indent="-285750" algn="just">
+              <a:lnSpc>
+                <a:spcPct val="150000"/>
+              </a:lnSpc>
+              <a:buFont typeface="Arial" panose="020B0604020202020204" pitchFamily="34" charset="0"/>
+              <a:buChar char="•"/>
+            </a:pPr>
+            <a:r>
+              <a:rPr lang="pt-BR" sz="2000" dirty="0">
+                <a:solidFill>
+                  <a:schemeClr val="tx1"/>
+                </a:solidFill>
+                <a:latin typeface="Calibri" panose="020F0502020204030204" pitchFamily="34" charset="0"/>
+                <a:ea typeface="Calibri" panose="020F0502020204030204" pitchFamily="34" charset="0"/>
+                <a:cs typeface="Times New Roman" panose="02020603050405020304" pitchFamily="18" charset="0"/>
+              </a:rPr>
+              <a:t>Cadastro de Usuário</a:t>
+            </a:r>
+          </a:p>
+          <a:p>
+            <a:pPr marL="285750" indent="-285750" algn="just">
+              <a:lnSpc>
+                <a:spcPct val="150000"/>
+              </a:lnSpc>
+              <a:buFont typeface="Arial" panose="020B0604020202020204" pitchFamily="34" charset="0"/>
+              <a:buChar char="•"/>
+            </a:pPr>
+            <a:r>
+              <a:rPr lang="pt-BR" sz="2000" dirty="0">
+                <a:solidFill>
+                  <a:schemeClr val="tx1"/>
+                </a:solidFill>
+                <a:latin typeface="Calibri" panose="020F0502020204030204" pitchFamily="34" charset="0"/>
+                <a:ea typeface="Calibri" panose="020F0502020204030204" pitchFamily="34" charset="0"/>
+                <a:cs typeface="Times New Roman" panose="02020603050405020304" pitchFamily="18" charset="0"/>
+              </a:rPr>
+              <a:t>Autenticação de Usuário</a:t>
+            </a:r>
+          </a:p>
+          <a:p>
+            <a:pPr marL="285750" indent="-285750" algn="just">
+              <a:lnSpc>
+                <a:spcPct val="150000"/>
+              </a:lnSpc>
+              <a:buFont typeface="Arial" panose="020B0604020202020204" pitchFamily="34" charset="0"/>
+              <a:buChar char="•"/>
+            </a:pPr>
+            <a:r>
+              <a:rPr lang="pt-BR" sz="2000" dirty="0">
+                <a:solidFill>
+                  <a:schemeClr val="tx1"/>
+                </a:solidFill>
+                <a:latin typeface="Calibri" panose="020F0502020204030204" pitchFamily="34" charset="0"/>
+                <a:ea typeface="Calibri" panose="020F0502020204030204" pitchFamily="34" charset="0"/>
+                <a:cs typeface="Times New Roman" panose="02020603050405020304" pitchFamily="18" charset="0"/>
+              </a:rPr>
+              <a:t>Reserva de Sala</a:t>
+            </a:r>
+          </a:p>
+          <a:p>
+            <a:pPr marL="285750" indent="-285750" algn="just">
+              <a:lnSpc>
+                <a:spcPct val="150000"/>
+              </a:lnSpc>
+              <a:buFont typeface="Arial" panose="020B0604020202020204" pitchFamily="34" charset="0"/>
+              <a:buChar char="•"/>
+            </a:pPr>
+            <a:r>
+              <a:rPr lang="pt-BR" sz="2000" dirty="0">
+                <a:solidFill>
+                  <a:schemeClr val="tx1"/>
+                </a:solidFill>
+                <a:latin typeface="Calibri" panose="020F0502020204030204" pitchFamily="34" charset="0"/>
+                <a:ea typeface="Calibri" panose="020F0502020204030204" pitchFamily="34" charset="0"/>
+                <a:cs typeface="Times New Roman" panose="02020603050405020304" pitchFamily="18" charset="0"/>
+              </a:rPr>
+              <a:t>Cancelamento de Reserva</a:t>
+            </a:r>
+          </a:p>
+          <a:p>
+            <a:pPr marL="285750" indent="-285750" algn="just">
+              <a:lnSpc>
+                <a:spcPct val="150000"/>
+              </a:lnSpc>
+              <a:buFont typeface="Arial" panose="020B0604020202020204" pitchFamily="34" charset="0"/>
+              <a:buChar char="•"/>
+            </a:pPr>
+            <a:r>
+              <a:rPr lang="pt-BR" sz="2000" dirty="0">
+                <a:solidFill>
+                  <a:schemeClr val="tx1"/>
+                </a:solidFill>
+                <a:latin typeface="Calibri" panose="020F0502020204030204" pitchFamily="34" charset="0"/>
+                <a:ea typeface="Calibri" panose="020F0502020204030204" pitchFamily="34" charset="0"/>
+                <a:cs typeface="Times New Roman" panose="02020603050405020304" pitchFamily="18" charset="0"/>
+              </a:rPr>
+              <a:t>Consulta de Salas</a:t>
+            </a:r>
+          </a:p>
+          <a:p>
+            <a:pPr marL="285750" indent="-285750" algn="just">
+              <a:lnSpc>
+                <a:spcPct val="150000"/>
+              </a:lnSpc>
+              <a:buFont typeface="Arial" panose="020B0604020202020204" pitchFamily="34" charset="0"/>
+              <a:buChar char="•"/>
+            </a:pPr>
+            <a:r>
+              <a:rPr lang="pt-BR" sz="2000" dirty="0">
+                <a:solidFill>
+                  <a:schemeClr val="tx1"/>
+                </a:solidFill>
+                <a:latin typeface="Calibri" panose="020F0502020204030204" pitchFamily="34" charset="0"/>
+                <a:ea typeface="Calibri" panose="020F0502020204030204" pitchFamily="34" charset="0"/>
+                <a:cs typeface="Times New Roman" panose="02020603050405020304" pitchFamily="18" charset="0"/>
+              </a:rPr>
+              <a:t>Persistência de Dados</a:t>
+            </a:r>
+          </a:p>
+        </p:txBody>
+      </p:sp>
+      <p:sp>
+        <p:nvSpPr>
+          <p:cNvPr id="3" name="Google Shape;319;p33">
+            <a:extLst>
+              <a:ext uri="{FF2B5EF4-FFF2-40B4-BE49-F238E27FC236}">
+                <a16:creationId xmlns:a16="http://schemas.microsoft.com/office/drawing/2014/main" id="{3A4681DF-E377-1183-70D1-1A0402AFD62E}"/>
+              </a:ext>
+            </a:extLst>
+          </p:cNvPr>
+          <p:cNvSpPr/>
+          <p:nvPr/>
+        </p:nvSpPr>
+        <p:spPr>
+          <a:xfrm>
+            <a:off x="5576900" y="4780746"/>
+            <a:ext cx="3567100" cy="249631"/>
+          </a:xfrm>
+          <a:prstGeom prst="rect">
+            <a:avLst/>
+          </a:prstGeom>
+          <a:solidFill>
+            <a:schemeClr val="lt2"/>
+          </a:solidFill>
+          <a:ln>
+            <a:noFill/>
+          </a:ln>
+        </p:spPr>
+        <p:txBody>
+          <a:bodyPr spcFirstLastPara="1" wrap="square" lIns="91425" tIns="91425" rIns="91425" bIns="91425" anchor="ctr" anchorCtr="0">
+            <a:noAutofit/>
+          </a:bodyPr>
+          <a:lstStyle/>
+          <a:p>
+            <a:pPr marL="0" lvl="0" indent="0" algn="l" rtl="0">
+              <a:spcBef>
+                <a:spcPts val="0"/>
+              </a:spcBef>
+              <a:spcAft>
+                <a:spcPts val="0"/>
+              </a:spcAft>
+              <a:buNone/>
+            </a:pPr>
+            <a:endParaRPr/>
+          </a:p>
+        </p:txBody>
+      </p:sp>
+      <p:sp>
+        <p:nvSpPr>
+          <p:cNvPr id="5" name="Google Shape;322;p33">
+            <a:extLst>
+              <a:ext uri="{FF2B5EF4-FFF2-40B4-BE49-F238E27FC236}">
+                <a16:creationId xmlns:a16="http://schemas.microsoft.com/office/drawing/2014/main" id="{CA8C09C3-4774-C808-56E9-46B3BE33B294}"/>
+              </a:ext>
+            </a:extLst>
+          </p:cNvPr>
+          <p:cNvSpPr txBox="1">
+            <a:spLocks/>
+          </p:cNvSpPr>
+          <p:nvPr/>
+        </p:nvSpPr>
+        <p:spPr>
+          <a:xfrm>
+            <a:off x="5646250" y="4176934"/>
+            <a:ext cx="3428400" cy="531900"/>
+          </a:xfrm>
+          <a:prstGeom prst="rect">
+            <a:avLst/>
+          </a:prstGeom>
+          <a:noFill/>
+          <a:ln>
+            <a:noFill/>
+          </a:ln>
+        </p:spPr>
+        <p:txBody>
+          <a:bodyPr spcFirstLastPara="1" wrap="square" lIns="0" tIns="0" rIns="0" bIns="0" anchor="t" anchorCtr="0">
+            <a:noAutofit/>
+          </a:bodyPr>
+          <a:lstStyle>
+            <a:defPPr marR="0" lvl="0" algn="l" rtl="0">
+              <a:lnSpc>
+                <a:spcPct val="100000"/>
+              </a:lnSpc>
+              <a:spcBef>
+                <a:spcPts val="0"/>
+              </a:spcBef>
+              <a:spcAft>
+                <a:spcPts val="0"/>
+              </a:spcAft>
+            </a:defPPr>
+            <a:lvl1pPr marR="0" lvl="0" algn="l" rtl="0">
+              <a:lnSpc>
+                <a:spcPct val="80000"/>
+              </a:lnSpc>
+              <a:spcBef>
+                <a:spcPts val="0"/>
+              </a:spcBef>
+              <a:spcAft>
+                <a:spcPts val="0"/>
+              </a:spcAft>
+              <a:buClr>
+                <a:schemeClr val="accent5"/>
+              </a:buClr>
+              <a:buSzPts val="4200"/>
+              <a:buFont typeface="Montserrat ExtraBold"/>
+              <a:buNone/>
+              <a:defRPr sz="6000" b="0" i="0" u="none" strike="noStrike" cap="none">
+                <a:solidFill>
+                  <a:schemeClr val="dk2"/>
+                </a:solidFill>
+                <a:latin typeface="Montserrat ExtraBold"/>
+                <a:ea typeface="Montserrat ExtraBold"/>
+                <a:cs typeface="Montserrat ExtraBold"/>
+                <a:sym typeface="Montserrat ExtraBold"/>
+              </a:defRPr>
+            </a:lvl1pPr>
+            <a:lvl2pPr marR="0" lvl="1" algn="l" rtl="0">
+              <a:lnSpc>
+                <a:spcPct val="80000"/>
+              </a:lnSpc>
+              <a:spcBef>
+                <a:spcPts val="0"/>
+              </a:spcBef>
+              <a:spcAft>
+                <a:spcPts val="0"/>
+              </a:spcAft>
+              <a:buClr>
+                <a:schemeClr val="accent5"/>
+              </a:buClr>
+              <a:buSzPts val="4200"/>
+              <a:buFont typeface="Montserrat ExtraBold"/>
+              <a:buNone/>
+              <a:defRPr sz="4200" b="0" i="0" u="none" strike="noStrike" cap="none">
+                <a:solidFill>
+                  <a:schemeClr val="accent5"/>
+                </a:solidFill>
+                <a:latin typeface="Montserrat ExtraBold"/>
+                <a:ea typeface="Montserrat ExtraBold"/>
+                <a:cs typeface="Montserrat ExtraBold"/>
+                <a:sym typeface="Montserrat ExtraBold"/>
+              </a:defRPr>
+            </a:lvl2pPr>
+            <a:lvl3pPr marR="0" lvl="2" algn="l" rtl="0">
+              <a:lnSpc>
+                <a:spcPct val="80000"/>
+              </a:lnSpc>
+              <a:spcBef>
+                <a:spcPts val="0"/>
+              </a:spcBef>
+              <a:spcAft>
+                <a:spcPts val="0"/>
+              </a:spcAft>
+              <a:buClr>
+                <a:schemeClr val="accent5"/>
+              </a:buClr>
+              <a:buSzPts val="4200"/>
+              <a:buFont typeface="Montserrat ExtraBold"/>
+              <a:buNone/>
+              <a:defRPr sz="4200" b="0" i="0" u="none" strike="noStrike" cap="none">
+                <a:solidFill>
+                  <a:schemeClr val="accent5"/>
+                </a:solidFill>
+                <a:latin typeface="Montserrat ExtraBold"/>
+                <a:ea typeface="Montserrat ExtraBold"/>
+                <a:cs typeface="Montserrat ExtraBold"/>
+                <a:sym typeface="Montserrat ExtraBold"/>
+              </a:defRPr>
+            </a:lvl3pPr>
+            <a:lvl4pPr marR="0" lvl="3" algn="l" rtl="0">
+              <a:lnSpc>
+                <a:spcPct val="80000"/>
+              </a:lnSpc>
+              <a:spcBef>
+                <a:spcPts val="0"/>
+              </a:spcBef>
+              <a:spcAft>
+                <a:spcPts val="0"/>
+              </a:spcAft>
+              <a:buClr>
+                <a:schemeClr val="accent5"/>
+              </a:buClr>
+              <a:buSzPts val="4200"/>
+              <a:buFont typeface="Montserrat ExtraBold"/>
+              <a:buNone/>
+              <a:defRPr sz="4200" b="0" i="0" u="none" strike="noStrike" cap="none">
+                <a:solidFill>
+                  <a:schemeClr val="accent5"/>
+                </a:solidFill>
+                <a:latin typeface="Montserrat ExtraBold"/>
+                <a:ea typeface="Montserrat ExtraBold"/>
+                <a:cs typeface="Montserrat ExtraBold"/>
+                <a:sym typeface="Montserrat ExtraBold"/>
+              </a:defRPr>
+            </a:lvl4pPr>
+            <a:lvl5pPr marR="0" lvl="4" algn="l" rtl="0">
+              <a:lnSpc>
+                <a:spcPct val="80000"/>
+              </a:lnSpc>
+              <a:spcBef>
+                <a:spcPts val="0"/>
+              </a:spcBef>
+              <a:spcAft>
+                <a:spcPts val="0"/>
+              </a:spcAft>
+              <a:buClr>
+                <a:schemeClr val="accent5"/>
+              </a:buClr>
+              <a:buSzPts val="4200"/>
+              <a:buFont typeface="Montserrat ExtraBold"/>
+              <a:buNone/>
+              <a:defRPr sz="4200" b="0" i="0" u="none" strike="noStrike" cap="none">
+                <a:solidFill>
+                  <a:schemeClr val="accent5"/>
+                </a:solidFill>
+                <a:latin typeface="Montserrat ExtraBold"/>
+                <a:ea typeface="Montserrat ExtraBold"/>
+                <a:cs typeface="Montserrat ExtraBold"/>
+                <a:sym typeface="Montserrat ExtraBold"/>
+              </a:defRPr>
+            </a:lvl5pPr>
+            <a:lvl6pPr marR="0" lvl="5" algn="l" rtl="0">
+              <a:lnSpc>
+                <a:spcPct val="80000"/>
+              </a:lnSpc>
+              <a:spcBef>
+                <a:spcPts val="0"/>
+              </a:spcBef>
+              <a:spcAft>
+                <a:spcPts val="0"/>
+              </a:spcAft>
+              <a:buClr>
+                <a:schemeClr val="accent5"/>
+              </a:buClr>
+              <a:buSzPts val="4200"/>
+              <a:buFont typeface="Montserrat ExtraBold"/>
+              <a:buNone/>
+              <a:defRPr sz="4200" b="0" i="0" u="none" strike="noStrike" cap="none">
+                <a:solidFill>
+                  <a:schemeClr val="accent5"/>
+                </a:solidFill>
+                <a:latin typeface="Montserrat ExtraBold"/>
+                <a:ea typeface="Montserrat ExtraBold"/>
+                <a:cs typeface="Montserrat ExtraBold"/>
+                <a:sym typeface="Montserrat ExtraBold"/>
+              </a:defRPr>
+            </a:lvl6pPr>
+            <a:lvl7pPr marR="0" lvl="6" algn="l" rtl="0">
+              <a:lnSpc>
+                <a:spcPct val="80000"/>
+              </a:lnSpc>
+              <a:spcBef>
+                <a:spcPts val="0"/>
+              </a:spcBef>
+              <a:spcAft>
+                <a:spcPts val="0"/>
+              </a:spcAft>
+              <a:buClr>
+                <a:schemeClr val="accent5"/>
+              </a:buClr>
+              <a:buSzPts val="4200"/>
+              <a:buFont typeface="Montserrat ExtraBold"/>
+              <a:buNone/>
+              <a:defRPr sz="4200" b="0" i="0" u="none" strike="noStrike" cap="none">
+                <a:solidFill>
+                  <a:schemeClr val="accent5"/>
+                </a:solidFill>
+                <a:latin typeface="Montserrat ExtraBold"/>
+                <a:ea typeface="Montserrat ExtraBold"/>
+                <a:cs typeface="Montserrat ExtraBold"/>
+                <a:sym typeface="Montserrat ExtraBold"/>
+              </a:defRPr>
+            </a:lvl7pPr>
+            <a:lvl8pPr marR="0" lvl="7" algn="l" rtl="0">
+              <a:lnSpc>
+                <a:spcPct val="80000"/>
+              </a:lnSpc>
+              <a:spcBef>
+                <a:spcPts val="0"/>
+              </a:spcBef>
+              <a:spcAft>
+                <a:spcPts val="0"/>
+              </a:spcAft>
+              <a:buClr>
+                <a:schemeClr val="accent5"/>
+              </a:buClr>
+              <a:buSzPts val="4200"/>
+              <a:buFont typeface="Montserrat ExtraBold"/>
+              <a:buNone/>
+              <a:defRPr sz="4200" b="0" i="0" u="none" strike="noStrike" cap="none">
+                <a:solidFill>
+                  <a:schemeClr val="accent5"/>
+                </a:solidFill>
+                <a:latin typeface="Montserrat ExtraBold"/>
+                <a:ea typeface="Montserrat ExtraBold"/>
+                <a:cs typeface="Montserrat ExtraBold"/>
+                <a:sym typeface="Montserrat ExtraBold"/>
+              </a:defRPr>
+            </a:lvl8pPr>
+            <a:lvl9pPr marR="0" lvl="8" algn="l" rtl="0">
+              <a:lnSpc>
+                <a:spcPct val="80000"/>
+              </a:lnSpc>
+              <a:spcBef>
+                <a:spcPts val="0"/>
+              </a:spcBef>
+              <a:spcAft>
+                <a:spcPts val="0"/>
+              </a:spcAft>
+              <a:buClr>
+                <a:schemeClr val="accent5"/>
+              </a:buClr>
+              <a:buSzPts val="4200"/>
+              <a:buFont typeface="Montserrat ExtraBold"/>
+              <a:buNone/>
+              <a:defRPr sz="4200" b="0" i="0" u="none" strike="noStrike" cap="none">
+                <a:solidFill>
+                  <a:schemeClr val="accent5"/>
+                </a:solidFill>
+                <a:latin typeface="Montserrat ExtraBold"/>
+                <a:ea typeface="Montserrat ExtraBold"/>
+                <a:cs typeface="Montserrat ExtraBold"/>
+                <a:sym typeface="Montserrat ExtraBold"/>
+              </a:defRPr>
+            </a:lvl9pPr>
+          </a:lstStyle>
+          <a:p>
+            <a:r>
+              <a:rPr lang="pt-BR" sz="2800" dirty="0"/>
+              <a:t>CASOS</a:t>
+            </a:r>
+          </a:p>
+          <a:p>
+            <a:r>
+              <a:rPr lang="pt-BR" sz="2800" dirty="0"/>
+              <a:t>DE TESTE</a:t>
+            </a:r>
+          </a:p>
+        </p:txBody>
+      </p:sp>
+    </p:spTree>
+    <p:extLst>
+      <p:ext uri="{BB962C8B-B14F-4D97-AF65-F5344CB8AC3E}">
+        <p14:creationId xmlns:p14="http://schemas.microsoft.com/office/powerpoint/2010/main" val="2056522433"/>
+      </p:ext>
+    </p:extLst>
+  </p:cSld>
+  <p:clrMapOvr>
+    <a:masterClrMapping/>
+  </p:clrMapOvr>
+</p:sld>
+</file>
+
+<file path=ppt/slides/slide13.xml><?xml version="1.0" encoding="utf-8"?>
+<p:sld xmlns:a="http://schemas.openxmlformats.org/drawingml/2006/main" xmlns:r="http://schemas.openxmlformats.org/officeDocument/2006/relationships" xmlns:p="http://schemas.openxmlformats.org/presentationml/2006/main">
+  <p:cSld>
+    <p:spTree>
+      <p:nvGrpSpPr>
+        <p:cNvPr id="1" name="Shape 213">
+          <a:extLst>
+            <a:ext uri="{FF2B5EF4-FFF2-40B4-BE49-F238E27FC236}">
+              <a16:creationId xmlns:a16="http://schemas.microsoft.com/office/drawing/2014/main" id="{537C425B-68DE-A38B-336D-3212C1E065E0}"/>
+            </a:ext>
+          </a:extLst>
+        </p:cNvPr>
+        <p:cNvGrpSpPr/>
+        <p:nvPr/>
+      </p:nvGrpSpPr>
+      <p:grpSpPr>
+        <a:xfrm>
+          <a:off x="0" y="0"/>
+          <a:ext cx="0" cy="0"/>
+          <a:chOff x="0" y="0"/>
+          <a:chExt cx="0" cy="0"/>
+        </a:xfrm>
+      </p:grpSpPr>
+      <p:sp>
+        <p:nvSpPr>
+          <p:cNvPr id="214" name="Google Shape;214;p28">
+            <a:extLst>
+              <a:ext uri="{FF2B5EF4-FFF2-40B4-BE49-F238E27FC236}">
+                <a16:creationId xmlns:a16="http://schemas.microsoft.com/office/drawing/2014/main" id="{92E0A089-2092-5B67-DC8F-53BFBA447463}"/>
+              </a:ext>
+            </a:extLst>
+          </p:cNvPr>
+          <p:cNvSpPr txBox="1">
+            <a:spLocks noGrp="1"/>
+          </p:cNvSpPr>
+          <p:nvPr>
+            <p:ph type="subTitle" idx="1"/>
+          </p:nvPr>
+        </p:nvSpPr>
+        <p:spPr>
+          <a:xfrm>
+            <a:off x="798989" y="1447060"/>
+            <a:ext cx="7899493" cy="3162890"/>
+          </a:xfrm>
+          <a:prstGeom prst="rect">
+            <a:avLst/>
+          </a:prstGeom>
+        </p:spPr>
+        <p:txBody>
+          <a:bodyPr spcFirstLastPara="1" wrap="square" lIns="91425" tIns="91425" rIns="91425" bIns="91425" numCol="1" spcCol="360000" anchor="ctr" anchorCtr="0">
+            <a:noAutofit/>
+          </a:bodyPr>
+          <a:lstStyle/>
+          <a:p>
+            <a:pPr marL="285750" lvl="0" indent="-285750" algn="just" rtl="0">
+              <a:lnSpc>
+                <a:spcPct val="150000"/>
+              </a:lnSpc>
+              <a:spcBef>
+                <a:spcPts val="0"/>
+              </a:spcBef>
+              <a:spcAft>
+                <a:spcPts val="0"/>
+              </a:spcAft>
+              <a:buFont typeface="Arial" panose="020B0604020202020204" pitchFamily="34" charset="0"/>
+              <a:buChar char="•"/>
+            </a:pPr>
+            <a:r>
+              <a:rPr lang="pt-BR" sz="2400" dirty="0">
+                <a:solidFill>
+                  <a:schemeClr val="tx1"/>
+                </a:solidFill>
+                <a:effectLst/>
+                <a:latin typeface="Calibri" panose="020F0502020204030204" pitchFamily="34" charset="0"/>
+                <a:ea typeface="Calibri" panose="020F0502020204030204" pitchFamily="34" charset="0"/>
+                <a:cs typeface="Times New Roman" panose="02020603050405020304" pitchFamily="18" charset="0"/>
+              </a:rPr>
+              <a:t>Eficiência na Gestão de Reservas</a:t>
+            </a:r>
+          </a:p>
+          <a:p>
+            <a:pPr marL="285750" lvl="0" indent="-285750" algn="just" rtl="0">
+              <a:lnSpc>
+                <a:spcPct val="150000"/>
+              </a:lnSpc>
+              <a:spcBef>
+                <a:spcPts val="0"/>
+              </a:spcBef>
+              <a:spcAft>
+                <a:spcPts val="0"/>
+              </a:spcAft>
+              <a:buFont typeface="Arial" panose="020B0604020202020204" pitchFamily="34" charset="0"/>
+              <a:buChar char="•"/>
+            </a:pPr>
+            <a:r>
+              <a:rPr lang="pt-BR" sz="2400" dirty="0">
+                <a:solidFill>
+                  <a:schemeClr val="tx1"/>
+                </a:solidFill>
+                <a:effectLst/>
+                <a:latin typeface="Calibri" panose="020F0502020204030204" pitchFamily="34" charset="0"/>
+                <a:ea typeface="Calibri" panose="020F0502020204030204" pitchFamily="34" charset="0"/>
+                <a:cs typeface="Times New Roman" panose="02020603050405020304" pitchFamily="18" charset="0"/>
+              </a:rPr>
+              <a:t>Facilidade de Uso</a:t>
+            </a:r>
+          </a:p>
+          <a:p>
+            <a:pPr marL="285750" lvl="0" indent="-285750" algn="just" rtl="0">
+              <a:lnSpc>
+                <a:spcPct val="150000"/>
+              </a:lnSpc>
+              <a:spcBef>
+                <a:spcPts val="0"/>
+              </a:spcBef>
+              <a:spcAft>
+                <a:spcPts val="0"/>
+              </a:spcAft>
+              <a:buFont typeface="Arial" panose="020B0604020202020204" pitchFamily="34" charset="0"/>
+              <a:buChar char="•"/>
+            </a:pPr>
+            <a:r>
+              <a:rPr lang="pt-BR" sz="2400" dirty="0">
+                <a:solidFill>
+                  <a:schemeClr val="tx1"/>
+                </a:solidFill>
+                <a:effectLst/>
+                <a:latin typeface="Calibri" panose="020F0502020204030204" pitchFamily="34" charset="0"/>
+                <a:ea typeface="Calibri" panose="020F0502020204030204" pitchFamily="34" charset="0"/>
+                <a:cs typeface="Times New Roman" panose="02020603050405020304" pitchFamily="18" charset="0"/>
+              </a:rPr>
+              <a:t>Persistência de Dados</a:t>
+            </a:r>
+          </a:p>
+          <a:p>
+            <a:pPr marL="285750" lvl="0" indent="-285750" algn="just" rtl="0">
+              <a:lnSpc>
+                <a:spcPct val="150000"/>
+              </a:lnSpc>
+              <a:spcBef>
+                <a:spcPts val="0"/>
+              </a:spcBef>
+              <a:spcAft>
+                <a:spcPts val="0"/>
+              </a:spcAft>
+              <a:buFont typeface="Arial" panose="020B0604020202020204" pitchFamily="34" charset="0"/>
+              <a:buChar char="•"/>
+            </a:pPr>
+            <a:r>
+              <a:rPr lang="pt-BR" sz="2400" dirty="0">
+                <a:solidFill>
+                  <a:schemeClr val="tx1"/>
+                </a:solidFill>
+                <a:effectLst/>
+                <a:latin typeface="Calibri" panose="020F0502020204030204" pitchFamily="34" charset="0"/>
+                <a:ea typeface="Calibri" panose="020F0502020204030204" pitchFamily="34" charset="0"/>
+                <a:cs typeface="Times New Roman" panose="02020603050405020304" pitchFamily="18" charset="0"/>
+              </a:rPr>
+              <a:t>Modularidade e Extensibilidade</a:t>
+            </a:r>
+          </a:p>
+        </p:txBody>
+      </p:sp>
+      <p:sp>
+        <p:nvSpPr>
+          <p:cNvPr id="4" name="Google Shape;319;p33">
+            <a:extLst>
+              <a:ext uri="{FF2B5EF4-FFF2-40B4-BE49-F238E27FC236}">
+                <a16:creationId xmlns:a16="http://schemas.microsoft.com/office/drawing/2014/main" id="{EDBBEFC1-7013-33CE-AC5F-0E215068B143}"/>
+              </a:ext>
+            </a:extLst>
+          </p:cNvPr>
+          <p:cNvSpPr/>
+          <p:nvPr/>
+        </p:nvSpPr>
+        <p:spPr>
+          <a:xfrm>
+            <a:off x="1000" y="185374"/>
+            <a:ext cx="3567100" cy="249631"/>
+          </a:xfrm>
+          <a:prstGeom prst="rect">
+            <a:avLst/>
+          </a:prstGeom>
+          <a:solidFill>
+            <a:schemeClr val="lt2"/>
+          </a:solidFill>
+          <a:ln>
+            <a:noFill/>
+          </a:ln>
+        </p:spPr>
+        <p:txBody>
+          <a:bodyPr spcFirstLastPara="1" wrap="square" lIns="91425" tIns="91425" rIns="91425" bIns="91425" anchor="ctr" anchorCtr="0">
+            <a:noAutofit/>
+          </a:bodyPr>
+          <a:lstStyle/>
+          <a:p>
+            <a:pPr marL="0" lvl="0" indent="0" algn="l" rtl="0">
+              <a:spcBef>
+                <a:spcPts val="0"/>
+              </a:spcBef>
+              <a:spcAft>
+                <a:spcPts val="0"/>
+              </a:spcAft>
+              <a:buNone/>
+            </a:pPr>
+            <a:endParaRPr/>
+          </a:p>
+        </p:txBody>
+      </p:sp>
+      <p:sp>
+        <p:nvSpPr>
+          <p:cNvPr id="6" name="Google Shape;322;p33">
+            <a:extLst>
+              <a:ext uri="{FF2B5EF4-FFF2-40B4-BE49-F238E27FC236}">
+                <a16:creationId xmlns:a16="http://schemas.microsoft.com/office/drawing/2014/main" id="{73702280-3F89-BEDC-7D29-DF76F3864D99}"/>
+              </a:ext>
+            </a:extLst>
+          </p:cNvPr>
+          <p:cNvSpPr txBox="1">
+            <a:spLocks/>
+          </p:cNvSpPr>
+          <p:nvPr/>
+        </p:nvSpPr>
+        <p:spPr>
+          <a:xfrm>
+            <a:off x="139700" y="533550"/>
+            <a:ext cx="3428400" cy="531900"/>
+          </a:xfrm>
+          <a:prstGeom prst="rect">
+            <a:avLst/>
+          </a:prstGeom>
+          <a:noFill/>
+          <a:ln>
+            <a:noFill/>
+          </a:ln>
+        </p:spPr>
+        <p:txBody>
+          <a:bodyPr spcFirstLastPara="1" wrap="square" lIns="0" tIns="0" rIns="0" bIns="0" anchor="t" anchorCtr="0">
+            <a:noAutofit/>
+          </a:bodyPr>
+          <a:lstStyle>
+            <a:defPPr marR="0" lvl="0" algn="l" rtl="0">
+              <a:lnSpc>
+                <a:spcPct val="100000"/>
+              </a:lnSpc>
+              <a:spcBef>
+                <a:spcPts val="0"/>
+              </a:spcBef>
+              <a:spcAft>
+                <a:spcPts val="0"/>
+              </a:spcAft>
+            </a:defPPr>
+            <a:lvl1pPr marR="0" lvl="0" algn="l" rtl="0">
+              <a:lnSpc>
+                <a:spcPct val="80000"/>
+              </a:lnSpc>
+              <a:spcBef>
+                <a:spcPts val="0"/>
+              </a:spcBef>
+              <a:spcAft>
+                <a:spcPts val="0"/>
+              </a:spcAft>
+              <a:buClr>
+                <a:schemeClr val="accent5"/>
+              </a:buClr>
+              <a:buSzPts val="4200"/>
+              <a:buFont typeface="Montserrat ExtraBold"/>
+              <a:buNone/>
+              <a:defRPr sz="6000" b="0" i="0" u="none" strike="noStrike" cap="none">
+                <a:solidFill>
+                  <a:schemeClr val="dk2"/>
+                </a:solidFill>
+                <a:latin typeface="Montserrat ExtraBold"/>
+                <a:ea typeface="Montserrat ExtraBold"/>
+                <a:cs typeface="Montserrat ExtraBold"/>
+                <a:sym typeface="Montserrat ExtraBold"/>
+              </a:defRPr>
+            </a:lvl1pPr>
+            <a:lvl2pPr marR="0" lvl="1" algn="l" rtl="0">
+              <a:lnSpc>
+                <a:spcPct val="80000"/>
+              </a:lnSpc>
+              <a:spcBef>
+                <a:spcPts val="0"/>
+              </a:spcBef>
+              <a:spcAft>
+                <a:spcPts val="0"/>
+              </a:spcAft>
+              <a:buClr>
+                <a:schemeClr val="accent5"/>
+              </a:buClr>
+              <a:buSzPts val="4200"/>
+              <a:buFont typeface="Montserrat ExtraBold"/>
+              <a:buNone/>
+              <a:defRPr sz="4200" b="0" i="0" u="none" strike="noStrike" cap="none">
+                <a:solidFill>
+                  <a:schemeClr val="accent5"/>
+                </a:solidFill>
+                <a:latin typeface="Montserrat ExtraBold"/>
+                <a:ea typeface="Montserrat ExtraBold"/>
+                <a:cs typeface="Montserrat ExtraBold"/>
+                <a:sym typeface="Montserrat ExtraBold"/>
+              </a:defRPr>
+            </a:lvl2pPr>
+            <a:lvl3pPr marR="0" lvl="2" algn="l" rtl="0">
+              <a:lnSpc>
+                <a:spcPct val="80000"/>
+              </a:lnSpc>
+              <a:spcBef>
+                <a:spcPts val="0"/>
+              </a:spcBef>
+              <a:spcAft>
+                <a:spcPts val="0"/>
+              </a:spcAft>
+              <a:buClr>
+                <a:schemeClr val="accent5"/>
+              </a:buClr>
+              <a:buSzPts val="4200"/>
+              <a:buFont typeface="Montserrat ExtraBold"/>
+              <a:buNone/>
+              <a:defRPr sz="4200" b="0" i="0" u="none" strike="noStrike" cap="none">
+                <a:solidFill>
+                  <a:schemeClr val="accent5"/>
+                </a:solidFill>
+                <a:latin typeface="Montserrat ExtraBold"/>
+                <a:ea typeface="Montserrat ExtraBold"/>
+                <a:cs typeface="Montserrat ExtraBold"/>
+                <a:sym typeface="Montserrat ExtraBold"/>
+              </a:defRPr>
+            </a:lvl3pPr>
+            <a:lvl4pPr marR="0" lvl="3" algn="l" rtl="0">
+              <a:lnSpc>
+                <a:spcPct val="80000"/>
+              </a:lnSpc>
+              <a:spcBef>
+                <a:spcPts val="0"/>
+              </a:spcBef>
+              <a:spcAft>
+                <a:spcPts val="0"/>
+              </a:spcAft>
+              <a:buClr>
+                <a:schemeClr val="accent5"/>
+              </a:buClr>
+              <a:buSzPts val="4200"/>
+              <a:buFont typeface="Montserrat ExtraBold"/>
+              <a:buNone/>
+              <a:defRPr sz="4200" b="0" i="0" u="none" strike="noStrike" cap="none">
+                <a:solidFill>
+                  <a:schemeClr val="accent5"/>
+                </a:solidFill>
+                <a:latin typeface="Montserrat ExtraBold"/>
+                <a:ea typeface="Montserrat ExtraBold"/>
+                <a:cs typeface="Montserrat ExtraBold"/>
+                <a:sym typeface="Montserrat ExtraBold"/>
+              </a:defRPr>
+            </a:lvl4pPr>
+            <a:lvl5pPr marR="0" lvl="4" algn="l" rtl="0">
+              <a:lnSpc>
+                <a:spcPct val="80000"/>
+              </a:lnSpc>
+              <a:spcBef>
+                <a:spcPts val="0"/>
+              </a:spcBef>
+              <a:spcAft>
+                <a:spcPts val="0"/>
+              </a:spcAft>
+              <a:buClr>
+                <a:schemeClr val="accent5"/>
+              </a:buClr>
+              <a:buSzPts val="4200"/>
+              <a:buFont typeface="Montserrat ExtraBold"/>
+              <a:buNone/>
+              <a:defRPr sz="4200" b="0" i="0" u="none" strike="noStrike" cap="none">
+                <a:solidFill>
+                  <a:schemeClr val="accent5"/>
+                </a:solidFill>
+                <a:latin typeface="Montserrat ExtraBold"/>
+                <a:ea typeface="Montserrat ExtraBold"/>
+                <a:cs typeface="Montserrat ExtraBold"/>
+                <a:sym typeface="Montserrat ExtraBold"/>
+              </a:defRPr>
+            </a:lvl5pPr>
+            <a:lvl6pPr marR="0" lvl="5" algn="l" rtl="0">
+              <a:lnSpc>
+                <a:spcPct val="80000"/>
+              </a:lnSpc>
+              <a:spcBef>
+                <a:spcPts val="0"/>
+              </a:spcBef>
+              <a:spcAft>
+                <a:spcPts val="0"/>
+              </a:spcAft>
+              <a:buClr>
+                <a:schemeClr val="accent5"/>
+              </a:buClr>
+              <a:buSzPts val="4200"/>
+              <a:buFont typeface="Montserrat ExtraBold"/>
+              <a:buNone/>
+              <a:defRPr sz="4200" b="0" i="0" u="none" strike="noStrike" cap="none">
+                <a:solidFill>
+                  <a:schemeClr val="accent5"/>
+                </a:solidFill>
+                <a:latin typeface="Montserrat ExtraBold"/>
+                <a:ea typeface="Montserrat ExtraBold"/>
+                <a:cs typeface="Montserrat ExtraBold"/>
+                <a:sym typeface="Montserrat ExtraBold"/>
+              </a:defRPr>
+            </a:lvl6pPr>
+            <a:lvl7pPr marR="0" lvl="6" algn="l" rtl="0">
+              <a:lnSpc>
+                <a:spcPct val="80000"/>
+              </a:lnSpc>
+              <a:spcBef>
+                <a:spcPts val="0"/>
+              </a:spcBef>
+              <a:spcAft>
+                <a:spcPts val="0"/>
+              </a:spcAft>
+              <a:buClr>
+                <a:schemeClr val="accent5"/>
+              </a:buClr>
+              <a:buSzPts val="4200"/>
+              <a:buFont typeface="Montserrat ExtraBold"/>
+              <a:buNone/>
+              <a:defRPr sz="4200" b="0" i="0" u="none" strike="noStrike" cap="none">
+                <a:solidFill>
+                  <a:schemeClr val="accent5"/>
+                </a:solidFill>
+                <a:latin typeface="Montserrat ExtraBold"/>
+                <a:ea typeface="Montserrat ExtraBold"/>
+                <a:cs typeface="Montserrat ExtraBold"/>
+                <a:sym typeface="Montserrat ExtraBold"/>
+              </a:defRPr>
+            </a:lvl7pPr>
+            <a:lvl8pPr marR="0" lvl="7" algn="l" rtl="0">
+              <a:lnSpc>
+                <a:spcPct val="80000"/>
+              </a:lnSpc>
+              <a:spcBef>
+                <a:spcPts val="0"/>
+              </a:spcBef>
+              <a:spcAft>
+                <a:spcPts val="0"/>
+              </a:spcAft>
+              <a:buClr>
+                <a:schemeClr val="accent5"/>
+              </a:buClr>
+              <a:buSzPts val="4200"/>
+              <a:buFont typeface="Montserrat ExtraBold"/>
+              <a:buNone/>
+              <a:defRPr sz="4200" b="0" i="0" u="none" strike="noStrike" cap="none">
+                <a:solidFill>
+                  <a:schemeClr val="accent5"/>
+                </a:solidFill>
+                <a:latin typeface="Montserrat ExtraBold"/>
+                <a:ea typeface="Montserrat ExtraBold"/>
+                <a:cs typeface="Montserrat ExtraBold"/>
+                <a:sym typeface="Montserrat ExtraBold"/>
+              </a:defRPr>
+            </a:lvl8pPr>
+            <a:lvl9pPr marR="0" lvl="8" algn="l" rtl="0">
+              <a:lnSpc>
+                <a:spcPct val="80000"/>
+              </a:lnSpc>
+              <a:spcBef>
+                <a:spcPts val="0"/>
+              </a:spcBef>
+              <a:spcAft>
+                <a:spcPts val="0"/>
+              </a:spcAft>
+              <a:buClr>
+                <a:schemeClr val="accent5"/>
+              </a:buClr>
+              <a:buSzPts val="4200"/>
+              <a:buFont typeface="Montserrat ExtraBold"/>
+              <a:buNone/>
+              <a:defRPr sz="4200" b="0" i="0" u="none" strike="noStrike" cap="none">
+                <a:solidFill>
+                  <a:schemeClr val="accent5"/>
+                </a:solidFill>
+                <a:latin typeface="Montserrat ExtraBold"/>
+                <a:ea typeface="Montserrat ExtraBold"/>
+                <a:cs typeface="Montserrat ExtraBold"/>
+                <a:sym typeface="Montserrat ExtraBold"/>
+              </a:defRPr>
+            </a:lvl9pPr>
+          </a:lstStyle>
+          <a:p>
+            <a:pPr algn="r"/>
+            <a:r>
+              <a:rPr lang="pt-BR" sz="2800" dirty="0"/>
+              <a:t>RESULTADOS ALCANÇADOS</a:t>
+            </a:r>
+          </a:p>
+        </p:txBody>
+      </p:sp>
+    </p:spTree>
+    <p:extLst>
+      <p:ext uri="{BB962C8B-B14F-4D97-AF65-F5344CB8AC3E}">
+        <p14:creationId xmlns:p14="http://schemas.microsoft.com/office/powerpoint/2010/main" val="1388097181"/>
+      </p:ext>
+    </p:extLst>
+  </p:cSld>
+  <p:clrMapOvr>
+    <a:masterClrMapping/>
+  </p:clrMapOvr>
+</p:sld>
+</file>
+
+<file path=ppt/slides/slide14.xml><?xml version="1.0" encoding="utf-8"?>
+<p:sld xmlns:a="http://schemas.openxmlformats.org/drawingml/2006/main" xmlns:r="http://schemas.openxmlformats.org/officeDocument/2006/relationships" xmlns:p="http://schemas.openxmlformats.org/presentationml/2006/main">
+  <p:cSld>
+    <p:spTree>
+      <p:nvGrpSpPr>
+        <p:cNvPr id="1" name="Shape 213">
+          <a:extLst>
+            <a:ext uri="{FF2B5EF4-FFF2-40B4-BE49-F238E27FC236}">
+              <a16:creationId xmlns:a16="http://schemas.microsoft.com/office/drawing/2014/main" id="{7F009780-9E66-8B97-2056-15ADFD526FB9}"/>
+            </a:ext>
+          </a:extLst>
+        </p:cNvPr>
+        <p:cNvGrpSpPr/>
+        <p:nvPr/>
+      </p:nvGrpSpPr>
+      <p:grpSpPr>
+        <a:xfrm>
+          <a:off x="0" y="0"/>
+          <a:ext cx="0" cy="0"/>
+          <a:chOff x="0" y="0"/>
+          <a:chExt cx="0" cy="0"/>
+        </a:xfrm>
+      </p:grpSpPr>
+      <p:sp>
+        <p:nvSpPr>
+          <p:cNvPr id="214" name="Google Shape;214;p28">
+            <a:extLst>
+              <a:ext uri="{FF2B5EF4-FFF2-40B4-BE49-F238E27FC236}">
+                <a16:creationId xmlns:a16="http://schemas.microsoft.com/office/drawing/2014/main" id="{02DFD717-054F-B0C6-4BE8-9F121FBB4B96}"/>
+              </a:ext>
+            </a:extLst>
+          </p:cNvPr>
+          <p:cNvSpPr txBox="1">
+            <a:spLocks noGrp="1"/>
+          </p:cNvSpPr>
+          <p:nvPr>
+            <p:ph type="subTitle" idx="1"/>
+          </p:nvPr>
+        </p:nvSpPr>
+        <p:spPr>
+          <a:xfrm>
+            <a:off x="622253" y="1260629"/>
+            <a:ext cx="7899493" cy="3162890"/>
+          </a:xfrm>
+          <a:prstGeom prst="rect">
+            <a:avLst/>
+          </a:prstGeom>
+        </p:spPr>
+        <p:txBody>
+          <a:bodyPr spcFirstLastPara="1" wrap="square" lIns="91425" tIns="91425" rIns="91425" bIns="91425" numCol="1" spcCol="360000" anchor="ctr" anchorCtr="0">
+            <a:noAutofit/>
+          </a:bodyPr>
+          <a:lstStyle/>
+          <a:p>
+            <a:pPr marL="285750" lvl="0" indent="-285750" algn="just" rtl="0">
+              <a:lnSpc>
+                <a:spcPct val="150000"/>
+              </a:lnSpc>
+              <a:spcBef>
+                <a:spcPts val="0"/>
+              </a:spcBef>
+              <a:spcAft>
+                <a:spcPts val="0"/>
+              </a:spcAft>
+              <a:buFont typeface="Arial" panose="020B0604020202020204" pitchFamily="34" charset="0"/>
+              <a:buChar char="•"/>
+            </a:pPr>
+            <a:r>
+              <a:rPr lang="pt-BR" sz="2400" dirty="0">
+                <a:solidFill>
+                  <a:schemeClr val="tx1"/>
+                </a:solidFill>
+                <a:effectLst/>
+                <a:latin typeface="Calibri" panose="020F0502020204030204" pitchFamily="34" charset="0"/>
+                <a:ea typeface="Calibri" panose="020F0502020204030204" pitchFamily="34" charset="0"/>
+                <a:cs typeface="Times New Roman" panose="02020603050405020304" pitchFamily="18" charset="0"/>
+              </a:rPr>
+              <a:t>Interface limitada</a:t>
+            </a:r>
+          </a:p>
+          <a:p>
+            <a:pPr marL="285750" lvl="0" indent="-285750" algn="just" rtl="0">
+              <a:lnSpc>
+                <a:spcPct val="150000"/>
+              </a:lnSpc>
+              <a:spcBef>
+                <a:spcPts val="0"/>
+              </a:spcBef>
+              <a:spcAft>
+                <a:spcPts val="0"/>
+              </a:spcAft>
+              <a:buFont typeface="Arial" panose="020B0604020202020204" pitchFamily="34" charset="0"/>
+              <a:buChar char="•"/>
+            </a:pPr>
+            <a:r>
+              <a:rPr lang="pt-BR" sz="2400" dirty="0">
+                <a:solidFill>
+                  <a:schemeClr val="tx1"/>
+                </a:solidFill>
+                <a:effectLst/>
+                <a:latin typeface="Calibri" panose="020F0502020204030204" pitchFamily="34" charset="0"/>
+                <a:ea typeface="Calibri" panose="020F0502020204030204" pitchFamily="34" charset="0"/>
+                <a:cs typeface="Times New Roman" panose="02020603050405020304" pitchFamily="18" charset="0"/>
+              </a:rPr>
+              <a:t>Controle de conflitos em tempo real</a:t>
+            </a:r>
+          </a:p>
+          <a:p>
+            <a:pPr marL="285750" lvl="0" indent="-285750" algn="just" rtl="0">
+              <a:lnSpc>
+                <a:spcPct val="150000"/>
+              </a:lnSpc>
+              <a:spcBef>
+                <a:spcPts val="0"/>
+              </a:spcBef>
+              <a:spcAft>
+                <a:spcPts val="0"/>
+              </a:spcAft>
+              <a:buFont typeface="Arial" panose="020B0604020202020204" pitchFamily="34" charset="0"/>
+              <a:buChar char="•"/>
+            </a:pPr>
+            <a:r>
+              <a:rPr lang="pt-BR" sz="2400" dirty="0">
+                <a:solidFill>
+                  <a:schemeClr val="tx1"/>
+                </a:solidFill>
+                <a:effectLst/>
+                <a:latin typeface="Calibri" panose="020F0502020204030204" pitchFamily="34" charset="0"/>
+                <a:ea typeface="Calibri" panose="020F0502020204030204" pitchFamily="34" charset="0"/>
+                <a:cs typeface="Times New Roman" panose="02020603050405020304" pitchFamily="18" charset="0"/>
+              </a:rPr>
+              <a:t>Escalabilidade</a:t>
+            </a:r>
+          </a:p>
+        </p:txBody>
+      </p:sp>
+      <p:sp>
+        <p:nvSpPr>
+          <p:cNvPr id="4" name="Google Shape;319;p33">
+            <a:extLst>
+              <a:ext uri="{FF2B5EF4-FFF2-40B4-BE49-F238E27FC236}">
+                <a16:creationId xmlns:a16="http://schemas.microsoft.com/office/drawing/2014/main" id="{EF075865-95D4-5EEE-2D96-E162BFCF155F}"/>
+              </a:ext>
+            </a:extLst>
+          </p:cNvPr>
+          <p:cNvSpPr/>
+          <p:nvPr/>
+        </p:nvSpPr>
+        <p:spPr>
+          <a:xfrm>
+            <a:off x="1000" y="185374"/>
+            <a:ext cx="3567100" cy="249631"/>
+          </a:xfrm>
+          <a:prstGeom prst="rect">
+            <a:avLst/>
+          </a:prstGeom>
+          <a:solidFill>
+            <a:schemeClr val="lt2"/>
+          </a:solidFill>
+          <a:ln>
+            <a:noFill/>
+          </a:ln>
+        </p:spPr>
+        <p:txBody>
+          <a:bodyPr spcFirstLastPara="1" wrap="square" lIns="91425" tIns="91425" rIns="91425" bIns="91425" anchor="ctr" anchorCtr="0">
+            <a:noAutofit/>
+          </a:bodyPr>
+          <a:lstStyle/>
+          <a:p>
+            <a:pPr marL="0" lvl="0" indent="0" algn="l" rtl="0">
+              <a:spcBef>
+                <a:spcPts val="0"/>
+              </a:spcBef>
+              <a:spcAft>
+                <a:spcPts val="0"/>
+              </a:spcAft>
+              <a:buNone/>
+            </a:pPr>
+            <a:endParaRPr/>
+          </a:p>
+        </p:txBody>
+      </p:sp>
+      <p:sp>
+        <p:nvSpPr>
+          <p:cNvPr id="6" name="Google Shape;322;p33">
+            <a:extLst>
+              <a:ext uri="{FF2B5EF4-FFF2-40B4-BE49-F238E27FC236}">
+                <a16:creationId xmlns:a16="http://schemas.microsoft.com/office/drawing/2014/main" id="{10AC20B9-7D3A-85C1-B28A-76C959F46768}"/>
+              </a:ext>
+            </a:extLst>
+          </p:cNvPr>
+          <p:cNvSpPr txBox="1">
+            <a:spLocks/>
+          </p:cNvSpPr>
+          <p:nvPr/>
+        </p:nvSpPr>
+        <p:spPr>
+          <a:xfrm>
+            <a:off x="139700" y="533550"/>
+            <a:ext cx="3428400" cy="531900"/>
+          </a:xfrm>
+          <a:prstGeom prst="rect">
+            <a:avLst/>
+          </a:prstGeom>
+          <a:noFill/>
+          <a:ln>
+            <a:noFill/>
+          </a:ln>
+        </p:spPr>
+        <p:txBody>
+          <a:bodyPr spcFirstLastPara="1" wrap="square" lIns="0" tIns="0" rIns="0" bIns="0" anchor="t" anchorCtr="0">
+            <a:noAutofit/>
+          </a:bodyPr>
+          <a:lstStyle>
+            <a:defPPr marR="0" lvl="0" algn="l" rtl="0">
+              <a:lnSpc>
+                <a:spcPct val="100000"/>
+              </a:lnSpc>
+              <a:spcBef>
+                <a:spcPts val="0"/>
+              </a:spcBef>
+              <a:spcAft>
+                <a:spcPts val="0"/>
+              </a:spcAft>
+            </a:defPPr>
+            <a:lvl1pPr marR="0" lvl="0" algn="l" rtl="0">
+              <a:lnSpc>
+                <a:spcPct val="80000"/>
+              </a:lnSpc>
+              <a:spcBef>
+                <a:spcPts val="0"/>
+              </a:spcBef>
+              <a:spcAft>
+                <a:spcPts val="0"/>
+              </a:spcAft>
+              <a:buClr>
+                <a:schemeClr val="accent5"/>
+              </a:buClr>
+              <a:buSzPts val="4200"/>
+              <a:buFont typeface="Montserrat ExtraBold"/>
+              <a:buNone/>
+              <a:defRPr sz="6000" b="0" i="0" u="none" strike="noStrike" cap="none">
+                <a:solidFill>
+                  <a:schemeClr val="dk2"/>
+                </a:solidFill>
+                <a:latin typeface="Montserrat ExtraBold"/>
+                <a:ea typeface="Montserrat ExtraBold"/>
+                <a:cs typeface="Montserrat ExtraBold"/>
+                <a:sym typeface="Montserrat ExtraBold"/>
+              </a:defRPr>
+            </a:lvl1pPr>
+            <a:lvl2pPr marR="0" lvl="1" algn="l" rtl="0">
+              <a:lnSpc>
+                <a:spcPct val="80000"/>
+              </a:lnSpc>
+              <a:spcBef>
+                <a:spcPts val="0"/>
+              </a:spcBef>
+              <a:spcAft>
+                <a:spcPts val="0"/>
+              </a:spcAft>
+              <a:buClr>
+                <a:schemeClr val="accent5"/>
+              </a:buClr>
+              <a:buSzPts val="4200"/>
+              <a:buFont typeface="Montserrat ExtraBold"/>
+              <a:buNone/>
+              <a:defRPr sz="4200" b="0" i="0" u="none" strike="noStrike" cap="none">
+                <a:solidFill>
+                  <a:schemeClr val="accent5"/>
+                </a:solidFill>
+                <a:latin typeface="Montserrat ExtraBold"/>
+                <a:ea typeface="Montserrat ExtraBold"/>
+                <a:cs typeface="Montserrat ExtraBold"/>
+                <a:sym typeface="Montserrat ExtraBold"/>
+              </a:defRPr>
+            </a:lvl2pPr>
+            <a:lvl3pPr marR="0" lvl="2" algn="l" rtl="0">
+              <a:lnSpc>
+                <a:spcPct val="80000"/>
+              </a:lnSpc>
+              <a:spcBef>
+                <a:spcPts val="0"/>
+              </a:spcBef>
+              <a:spcAft>
+                <a:spcPts val="0"/>
+              </a:spcAft>
+              <a:buClr>
+                <a:schemeClr val="accent5"/>
+              </a:buClr>
+              <a:buSzPts val="4200"/>
+              <a:buFont typeface="Montserrat ExtraBold"/>
+              <a:buNone/>
+              <a:defRPr sz="4200" b="0" i="0" u="none" strike="noStrike" cap="none">
+                <a:solidFill>
+                  <a:schemeClr val="accent5"/>
+                </a:solidFill>
+                <a:latin typeface="Montserrat ExtraBold"/>
+                <a:ea typeface="Montserrat ExtraBold"/>
+                <a:cs typeface="Montserrat ExtraBold"/>
+                <a:sym typeface="Montserrat ExtraBold"/>
+              </a:defRPr>
+            </a:lvl3pPr>
+            <a:lvl4pPr marR="0" lvl="3" algn="l" rtl="0">
+              <a:lnSpc>
+                <a:spcPct val="80000"/>
+              </a:lnSpc>
+              <a:spcBef>
+                <a:spcPts val="0"/>
+              </a:spcBef>
+              <a:spcAft>
+                <a:spcPts val="0"/>
+              </a:spcAft>
+              <a:buClr>
+                <a:schemeClr val="accent5"/>
+              </a:buClr>
+              <a:buSzPts val="4200"/>
+              <a:buFont typeface="Montserrat ExtraBold"/>
+              <a:buNone/>
+              <a:defRPr sz="4200" b="0" i="0" u="none" strike="noStrike" cap="none">
+                <a:solidFill>
+                  <a:schemeClr val="accent5"/>
+                </a:solidFill>
+                <a:latin typeface="Montserrat ExtraBold"/>
+                <a:ea typeface="Montserrat ExtraBold"/>
+                <a:cs typeface="Montserrat ExtraBold"/>
+                <a:sym typeface="Montserrat ExtraBold"/>
+              </a:defRPr>
+            </a:lvl4pPr>
+            <a:lvl5pPr marR="0" lvl="4" algn="l" rtl="0">
+              <a:lnSpc>
+                <a:spcPct val="80000"/>
+              </a:lnSpc>
+              <a:spcBef>
+                <a:spcPts val="0"/>
+              </a:spcBef>
+              <a:spcAft>
+                <a:spcPts val="0"/>
+              </a:spcAft>
+              <a:buClr>
+                <a:schemeClr val="accent5"/>
+              </a:buClr>
+              <a:buSzPts val="4200"/>
+              <a:buFont typeface="Montserrat ExtraBold"/>
+              <a:buNone/>
+              <a:defRPr sz="4200" b="0" i="0" u="none" strike="noStrike" cap="none">
+                <a:solidFill>
+                  <a:schemeClr val="accent5"/>
+                </a:solidFill>
+                <a:latin typeface="Montserrat ExtraBold"/>
+                <a:ea typeface="Montserrat ExtraBold"/>
+                <a:cs typeface="Montserrat ExtraBold"/>
+                <a:sym typeface="Montserrat ExtraBold"/>
+              </a:defRPr>
+            </a:lvl5pPr>
+            <a:lvl6pPr marR="0" lvl="5" algn="l" rtl="0">
+              <a:lnSpc>
+                <a:spcPct val="80000"/>
+              </a:lnSpc>
+              <a:spcBef>
+                <a:spcPts val="0"/>
+              </a:spcBef>
+              <a:spcAft>
+                <a:spcPts val="0"/>
+              </a:spcAft>
+              <a:buClr>
+                <a:schemeClr val="accent5"/>
+              </a:buClr>
+              <a:buSzPts val="4200"/>
+              <a:buFont typeface="Montserrat ExtraBold"/>
+              <a:buNone/>
+              <a:defRPr sz="4200" b="0" i="0" u="none" strike="noStrike" cap="none">
+                <a:solidFill>
+                  <a:schemeClr val="accent5"/>
+                </a:solidFill>
+                <a:latin typeface="Montserrat ExtraBold"/>
+                <a:ea typeface="Montserrat ExtraBold"/>
+                <a:cs typeface="Montserrat ExtraBold"/>
+                <a:sym typeface="Montserrat ExtraBold"/>
+              </a:defRPr>
+            </a:lvl6pPr>
+            <a:lvl7pPr marR="0" lvl="6" algn="l" rtl="0">
+              <a:lnSpc>
+                <a:spcPct val="80000"/>
+              </a:lnSpc>
+              <a:spcBef>
+                <a:spcPts val="0"/>
+              </a:spcBef>
+              <a:spcAft>
+                <a:spcPts val="0"/>
+              </a:spcAft>
+              <a:buClr>
+                <a:schemeClr val="accent5"/>
+              </a:buClr>
+              <a:buSzPts val="4200"/>
+              <a:buFont typeface="Montserrat ExtraBold"/>
+              <a:buNone/>
+              <a:defRPr sz="4200" b="0" i="0" u="none" strike="noStrike" cap="none">
+                <a:solidFill>
+                  <a:schemeClr val="accent5"/>
+                </a:solidFill>
+                <a:latin typeface="Montserrat ExtraBold"/>
+                <a:ea typeface="Montserrat ExtraBold"/>
+                <a:cs typeface="Montserrat ExtraBold"/>
+                <a:sym typeface="Montserrat ExtraBold"/>
+              </a:defRPr>
+            </a:lvl7pPr>
+            <a:lvl8pPr marR="0" lvl="7" algn="l" rtl="0">
+              <a:lnSpc>
+                <a:spcPct val="80000"/>
+              </a:lnSpc>
+              <a:spcBef>
+                <a:spcPts val="0"/>
+              </a:spcBef>
+              <a:spcAft>
+                <a:spcPts val="0"/>
+              </a:spcAft>
+              <a:buClr>
+                <a:schemeClr val="accent5"/>
+              </a:buClr>
+              <a:buSzPts val="4200"/>
+              <a:buFont typeface="Montserrat ExtraBold"/>
+              <a:buNone/>
+              <a:defRPr sz="4200" b="0" i="0" u="none" strike="noStrike" cap="none">
+                <a:solidFill>
+                  <a:schemeClr val="accent5"/>
+                </a:solidFill>
+                <a:latin typeface="Montserrat ExtraBold"/>
+                <a:ea typeface="Montserrat ExtraBold"/>
+                <a:cs typeface="Montserrat ExtraBold"/>
+                <a:sym typeface="Montserrat ExtraBold"/>
+              </a:defRPr>
+            </a:lvl8pPr>
+            <a:lvl9pPr marR="0" lvl="8" algn="l" rtl="0">
+              <a:lnSpc>
+                <a:spcPct val="80000"/>
+              </a:lnSpc>
+              <a:spcBef>
+                <a:spcPts val="0"/>
+              </a:spcBef>
+              <a:spcAft>
+                <a:spcPts val="0"/>
+              </a:spcAft>
+              <a:buClr>
+                <a:schemeClr val="accent5"/>
+              </a:buClr>
+              <a:buSzPts val="4200"/>
+              <a:buFont typeface="Montserrat ExtraBold"/>
+              <a:buNone/>
+              <a:defRPr sz="4200" b="0" i="0" u="none" strike="noStrike" cap="none">
+                <a:solidFill>
+                  <a:schemeClr val="accent5"/>
+                </a:solidFill>
+                <a:latin typeface="Montserrat ExtraBold"/>
+                <a:ea typeface="Montserrat ExtraBold"/>
+                <a:cs typeface="Montserrat ExtraBold"/>
+                <a:sym typeface="Montserrat ExtraBold"/>
+              </a:defRPr>
+            </a:lvl9pPr>
+          </a:lstStyle>
+          <a:p>
+            <a:pPr algn="r"/>
+            <a:r>
+              <a:rPr lang="pt-BR" sz="2800" dirty="0"/>
+              <a:t>LIMITAÇÕES</a:t>
+            </a:r>
+          </a:p>
+          <a:p>
+            <a:pPr algn="r"/>
+            <a:r>
+              <a:rPr lang="pt-BR" sz="2800" dirty="0"/>
+              <a:t>E DESAFIOS</a:t>
+            </a:r>
+          </a:p>
+        </p:txBody>
+      </p:sp>
+    </p:spTree>
+    <p:extLst>
+      <p:ext uri="{BB962C8B-B14F-4D97-AF65-F5344CB8AC3E}">
+        <p14:creationId xmlns:p14="http://schemas.microsoft.com/office/powerpoint/2010/main" val="2668447390"/>
+      </p:ext>
+    </p:extLst>
+  </p:cSld>
+  <p:clrMapOvr>
+    <a:masterClrMapping/>
+  </p:clrMapOvr>
+</p:sld>
+</file>
+
+<file path=ppt/slides/slide15.xml><?xml version="1.0" encoding="utf-8"?>
+<p:sld xmlns:a="http://schemas.openxmlformats.org/drawingml/2006/main" xmlns:r="http://schemas.openxmlformats.org/officeDocument/2006/relationships" xmlns:p="http://schemas.openxmlformats.org/presentationml/2006/main">
+  <p:cSld>
+    <p:spTree>
+      <p:nvGrpSpPr>
+        <p:cNvPr id="1" name="Shape 213">
+          <a:extLst>
+            <a:ext uri="{FF2B5EF4-FFF2-40B4-BE49-F238E27FC236}">
+              <a16:creationId xmlns:a16="http://schemas.microsoft.com/office/drawing/2014/main" id="{66DD1FCF-93B9-3991-E1F4-787309B200DA}"/>
+            </a:ext>
+          </a:extLst>
+        </p:cNvPr>
+        <p:cNvGrpSpPr/>
+        <p:nvPr/>
+      </p:nvGrpSpPr>
+      <p:grpSpPr>
+        <a:xfrm>
+          <a:off x="0" y="0"/>
+          <a:ext cx="0" cy="0"/>
+          <a:chOff x="0" y="0"/>
+          <a:chExt cx="0" cy="0"/>
+        </a:xfrm>
+      </p:grpSpPr>
+      <p:sp>
+        <p:nvSpPr>
+          <p:cNvPr id="214" name="Google Shape;214;p28">
+            <a:extLst>
+              <a:ext uri="{FF2B5EF4-FFF2-40B4-BE49-F238E27FC236}">
+                <a16:creationId xmlns:a16="http://schemas.microsoft.com/office/drawing/2014/main" id="{EC608AB7-583B-4B22-1218-C19B2D2C7B3C}"/>
+              </a:ext>
+            </a:extLst>
+          </p:cNvPr>
+          <p:cNvSpPr txBox="1">
+            <a:spLocks noGrp="1"/>
+          </p:cNvSpPr>
+          <p:nvPr>
+            <p:ph type="subTitle" idx="1"/>
+          </p:nvPr>
+        </p:nvSpPr>
+        <p:spPr>
+          <a:xfrm>
+            <a:off x="622253" y="1260629"/>
+            <a:ext cx="7899493" cy="3162890"/>
+          </a:xfrm>
+          <a:prstGeom prst="rect">
+            <a:avLst/>
+          </a:prstGeom>
+        </p:spPr>
+        <p:txBody>
+          <a:bodyPr spcFirstLastPara="1" wrap="square" lIns="91425" tIns="91425" rIns="91425" bIns="91425" numCol="1" spcCol="360000" anchor="ctr" anchorCtr="0">
+            <a:noAutofit/>
+          </a:bodyPr>
+          <a:lstStyle/>
+          <a:p>
+            <a:pPr marL="285750" lvl="0" indent="-285750" algn="just" rtl="0">
+              <a:lnSpc>
+                <a:spcPct val="150000"/>
+              </a:lnSpc>
+              <a:spcBef>
+                <a:spcPts val="0"/>
+              </a:spcBef>
+              <a:spcAft>
+                <a:spcPts val="0"/>
+              </a:spcAft>
+              <a:buFont typeface="Arial" panose="020B0604020202020204" pitchFamily="34" charset="0"/>
+              <a:buChar char="•"/>
+            </a:pPr>
+            <a:r>
+              <a:rPr lang="pt-BR" sz="2400" dirty="0">
+                <a:solidFill>
+                  <a:schemeClr val="tx1"/>
+                </a:solidFill>
+                <a:effectLst/>
+                <a:latin typeface="Calibri" panose="020F0502020204030204" pitchFamily="34" charset="0"/>
+                <a:ea typeface="Calibri" panose="020F0502020204030204" pitchFamily="34" charset="0"/>
+                <a:cs typeface="Times New Roman" panose="02020603050405020304" pitchFamily="18" charset="0"/>
+              </a:rPr>
+              <a:t>Interface gráfica (GUI)</a:t>
+            </a:r>
+          </a:p>
+          <a:p>
+            <a:pPr marL="285750" lvl="0" indent="-285750" algn="just" rtl="0">
+              <a:lnSpc>
+                <a:spcPct val="150000"/>
+              </a:lnSpc>
+              <a:spcBef>
+                <a:spcPts val="0"/>
+              </a:spcBef>
+              <a:spcAft>
+                <a:spcPts val="0"/>
+              </a:spcAft>
+              <a:buFont typeface="Arial" panose="020B0604020202020204" pitchFamily="34" charset="0"/>
+              <a:buChar char="•"/>
+            </a:pPr>
+            <a:r>
+              <a:rPr lang="pt-BR" sz="2400" dirty="0">
+                <a:solidFill>
+                  <a:schemeClr val="tx1"/>
+                </a:solidFill>
+                <a:effectLst/>
+                <a:latin typeface="Calibri" panose="020F0502020204030204" pitchFamily="34" charset="0"/>
+                <a:ea typeface="Calibri" panose="020F0502020204030204" pitchFamily="34" charset="0"/>
+                <a:cs typeface="Times New Roman" panose="02020603050405020304" pitchFamily="18" charset="0"/>
+              </a:rPr>
+              <a:t>Integração com calendários externos</a:t>
+            </a:r>
+          </a:p>
+          <a:p>
+            <a:pPr marL="285750" lvl="0" indent="-285750" algn="just" rtl="0">
+              <a:lnSpc>
+                <a:spcPct val="150000"/>
+              </a:lnSpc>
+              <a:spcBef>
+                <a:spcPts val="0"/>
+              </a:spcBef>
+              <a:spcAft>
+                <a:spcPts val="0"/>
+              </a:spcAft>
+              <a:buFont typeface="Arial" panose="020B0604020202020204" pitchFamily="34" charset="0"/>
+              <a:buChar char="•"/>
+            </a:pPr>
+            <a:r>
+              <a:rPr lang="pt-BR" sz="2400" dirty="0">
+                <a:solidFill>
+                  <a:schemeClr val="tx1"/>
+                </a:solidFill>
+                <a:effectLst/>
+                <a:latin typeface="Calibri" panose="020F0502020204030204" pitchFamily="34" charset="0"/>
+                <a:ea typeface="Calibri" panose="020F0502020204030204" pitchFamily="34" charset="0"/>
+                <a:cs typeface="Times New Roman" panose="02020603050405020304" pitchFamily="18" charset="0"/>
+              </a:rPr>
+              <a:t>Controle de conflitos e concorrência</a:t>
+            </a:r>
+          </a:p>
+          <a:p>
+            <a:pPr marL="285750" lvl="0" indent="-285750" algn="just" rtl="0">
+              <a:lnSpc>
+                <a:spcPct val="150000"/>
+              </a:lnSpc>
+              <a:spcBef>
+                <a:spcPts val="0"/>
+              </a:spcBef>
+              <a:spcAft>
+                <a:spcPts val="0"/>
+              </a:spcAft>
+              <a:buFont typeface="Arial" panose="020B0604020202020204" pitchFamily="34" charset="0"/>
+              <a:buChar char="•"/>
+            </a:pPr>
+            <a:r>
+              <a:rPr lang="pt-BR" sz="2400" dirty="0">
+                <a:solidFill>
+                  <a:schemeClr val="tx1"/>
+                </a:solidFill>
+                <a:effectLst/>
+                <a:latin typeface="Calibri" panose="020F0502020204030204" pitchFamily="34" charset="0"/>
+                <a:ea typeface="Calibri" panose="020F0502020204030204" pitchFamily="34" charset="0"/>
+                <a:cs typeface="Times New Roman" panose="02020603050405020304" pitchFamily="18" charset="0"/>
+              </a:rPr>
+              <a:t>Notificações e alertas</a:t>
+            </a:r>
+          </a:p>
+        </p:txBody>
+      </p:sp>
+      <p:sp>
+        <p:nvSpPr>
+          <p:cNvPr id="4" name="Google Shape;319;p33">
+            <a:extLst>
+              <a:ext uri="{FF2B5EF4-FFF2-40B4-BE49-F238E27FC236}">
+                <a16:creationId xmlns:a16="http://schemas.microsoft.com/office/drawing/2014/main" id="{AAE5ADB8-78C1-CF64-5445-A78FBB89F0B4}"/>
+              </a:ext>
+            </a:extLst>
+          </p:cNvPr>
+          <p:cNvSpPr/>
+          <p:nvPr/>
+        </p:nvSpPr>
+        <p:spPr>
+          <a:xfrm>
+            <a:off x="1000" y="185374"/>
+            <a:ext cx="3567100" cy="249631"/>
+          </a:xfrm>
+          <a:prstGeom prst="rect">
+            <a:avLst/>
+          </a:prstGeom>
+          <a:solidFill>
+            <a:schemeClr val="lt2"/>
+          </a:solidFill>
+          <a:ln>
+            <a:noFill/>
+          </a:ln>
+        </p:spPr>
+        <p:txBody>
+          <a:bodyPr spcFirstLastPara="1" wrap="square" lIns="91425" tIns="91425" rIns="91425" bIns="91425" anchor="ctr" anchorCtr="0">
+            <a:noAutofit/>
+          </a:bodyPr>
+          <a:lstStyle/>
+          <a:p>
+            <a:pPr marL="0" lvl="0" indent="0" algn="l" rtl="0">
+              <a:spcBef>
+                <a:spcPts val="0"/>
+              </a:spcBef>
+              <a:spcAft>
+                <a:spcPts val="0"/>
+              </a:spcAft>
+              <a:buNone/>
+            </a:pPr>
+            <a:endParaRPr/>
+          </a:p>
+        </p:txBody>
+      </p:sp>
+      <p:sp>
+        <p:nvSpPr>
+          <p:cNvPr id="6" name="Google Shape;322;p33">
+            <a:extLst>
+              <a:ext uri="{FF2B5EF4-FFF2-40B4-BE49-F238E27FC236}">
+                <a16:creationId xmlns:a16="http://schemas.microsoft.com/office/drawing/2014/main" id="{6E2A052F-E0DA-B72F-722F-F89C5384E11B}"/>
+              </a:ext>
+            </a:extLst>
+          </p:cNvPr>
+          <p:cNvSpPr txBox="1">
+            <a:spLocks/>
+          </p:cNvSpPr>
+          <p:nvPr/>
+        </p:nvSpPr>
+        <p:spPr>
+          <a:xfrm>
+            <a:off x="139700" y="533550"/>
+            <a:ext cx="3428400" cy="531900"/>
+          </a:xfrm>
+          <a:prstGeom prst="rect">
+            <a:avLst/>
+          </a:prstGeom>
+          <a:noFill/>
+          <a:ln>
+            <a:noFill/>
+          </a:ln>
+        </p:spPr>
+        <p:txBody>
+          <a:bodyPr spcFirstLastPara="1" wrap="square" lIns="0" tIns="0" rIns="0" bIns="0" anchor="t" anchorCtr="0">
+            <a:noAutofit/>
+          </a:bodyPr>
+          <a:lstStyle>
+            <a:defPPr marR="0" lvl="0" algn="l" rtl="0">
+              <a:lnSpc>
+                <a:spcPct val="100000"/>
+              </a:lnSpc>
+              <a:spcBef>
+                <a:spcPts val="0"/>
+              </a:spcBef>
+              <a:spcAft>
+                <a:spcPts val="0"/>
+              </a:spcAft>
+            </a:defPPr>
+            <a:lvl1pPr marR="0" lvl="0" algn="l" rtl="0">
+              <a:lnSpc>
+                <a:spcPct val="80000"/>
+              </a:lnSpc>
+              <a:spcBef>
+                <a:spcPts val="0"/>
+              </a:spcBef>
+              <a:spcAft>
+                <a:spcPts val="0"/>
+              </a:spcAft>
+              <a:buClr>
+                <a:schemeClr val="accent5"/>
+              </a:buClr>
+              <a:buSzPts val="4200"/>
+              <a:buFont typeface="Montserrat ExtraBold"/>
+              <a:buNone/>
+              <a:defRPr sz="6000" b="0" i="0" u="none" strike="noStrike" cap="none">
+                <a:solidFill>
+                  <a:schemeClr val="dk2"/>
+                </a:solidFill>
+                <a:latin typeface="Montserrat ExtraBold"/>
+                <a:ea typeface="Montserrat ExtraBold"/>
+                <a:cs typeface="Montserrat ExtraBold"/>
+                <a:sym typeface="Montserrat ExtraBold"/>
+              </a:defRPr>
+            </a:lvl1pPr>
+            <a:lvl2pPr marR="0" lvl="1" algn="l" rtl="0">
+              <a:lnSpc>
+                <a:spcPct val="80000"/>
+              </a:lnSpc>
+              <a:spcBef>
+                <a:spcPts val="0"/>
+              </a:spcBef>
+              <a:spcAft>
+                <a:spcPts val="0"/>
+              </a:spcAft>
+              <a:buClr>
+                <a:schemeClr val="accent5"/>
+              </a:buClr>
+              <a:buSzPts val="4200"/>
+              <a:buFont typeface="Montserrat ExtraBold"/>
+              <a:buNone/>
+              <a:defRPr sz="4200" b="0" i="0" u="none" strike="noStrike" cap="none">
+                <a:solidFill>
+                  <a:schemeClr val="accent5"/>
+                </a:solidFill>
+                <a:latin typeface="Montserrat ExtraBold"/>
+                <a:ea typeface="Montserrat ExtraBold"/>
+                <a:cs typeface="Montserrat ExtraBold"/>
+                <a:sym typeface="Montserrat ExtraBold"/>
+              </a:defRPr>
+            </a:lvl2pPr>
+            <a:lvl3pPr marR="0" lvl="2" algn="l" rtl="0">
+              <a:lnSpc>
+                <a:spcPct val="80000"/>
+              </a:lnSpc>
+              <a:spcBef>
+                <a:spcPts val="0"/>
+              </a:spcBef>
+              <a:spcAft>
+                <a:spcPts val="0"/>
+              </a:spcAft>
+              <a:buClr>
+                <a:schemeClr val="accent5"/>
+              </a:buClr>
+              <a:buSzPts val="4200"/>
+              <a:buFont typeface="Montserrat ExtraBold"/>
+              <a:buNone/>
+              <a:defRPr sz="4200" b="0" i="0" u="none" strike="noStrike" cap="none">
+                <a:solidFill>
+                  <a:schemeClr val="accent5"/>
+                </a:solidFill>
+                <a:latin typeface="Montserrat ExtraBold"/>
+                <a:ea typeface="Montserrat ExtraBold"/>
+                <a:cs typeface="Montserrat ExtraBold"/>
+                <a:sym typeface="Montserrat ExtraBold"/>
+              </a:defRPr>
+            </a:lvl3pPr>
+            <a:lvl4pPr marR="0" lvl="3" algn="l" rtl="0">
+              <a:lnSpc>
+                <a:spcPct val="80000"/>
+              </a:lnSpc>
+              <a:spcBef>
+                <a:spcPts val="0"/>
+              </a:spcBef>
+              <a:spcAft>
+                <a:spcPts val="0"/>
+              </a:spcAft>
+              <a:buClr>
+                <a:schemeClr val="accent5"/>
+              </a:buClr>
+              <a:buSzPts val="4200"/>
+              <a:buFont typeface="Montserrat ExtraBold"/>
+              <a:buNone/>
+              <a:defRPr sz="4200" b="0" i="0" u="none" strike="noStrike" cap="none">
+                <a:solidFill>
+                  <a:schemeClr val="accent5"/>
+                </a:solidFill>
+                <a:latin typeface="Montserrat ExtraBold"/>
+                <a:ea typeface="Montserrat ExtraBold"/>
+                <a:cs typeface="Montserrat ExtraBold"/>
+                <a:sym typeface="Montserrat ExtraBold"/>
+              </a:defRPr>
+            </a:lvl4pPr>
+            <a:lvl5pPr marR="0" lvl="4" algn="l" rtl="0">
+              <a:lnSpc>
+                <a:spcPct val="80000"/>
+              </a:lnSpc>
+              <a:spcBef>
+                <a:spcPts val="0"/>
+              </a:spcBef>
+              <a:spcAft>
+                <a:spcPts val="0"/>
+              </a:spcAft>
+              <a:buClr>
+                <a:schemeClr val="accent5"/>
+              </a:buClr>
+              <a:buSzPts val="4200"/>
+              <a:buFont typeface="Montserrat ExtraBold"/>
+              <a:buNone/>
+              <a:defRPr sz="4200" b="0" i="0" u="none" strike="noStrike" cap="none">
+                <a:solidFill>
+                  <a:schemeClr val="accent5"/>
+                </a:solidFill>
+                <a:latin typeface="Montserrat ExtraBold"/>
+                <a:ea typeface="Montserrat ExtraBold"/>
+                <a:cs typeface="Montserrat ExtraBold"/>
+                <a:sym typeface="Montserrat ExtraBold"/>
+              </a:defRPr>
+            </a:lvl5pPr>
+            <a:lvl6pPr marR="0" lvl="5" algn="l" rtl="0">
+              <a:lnSpc>
+                <a:spcPct val="80000"/>
+              </a:lnSpc>
+              <a:spcBef>
+                <a:spcPts val="0"/>
+              </a:spcBef>
+              <a:spcAft>
+                <a:spcPts val="0"/>
+              </a:spcAft>
+              <a:buClr>
+                <a:schemeClr val="accent5"/>
+              </a:buClr>
+              <a:buSzPts val="4200"/>
+              <a:buFont typeface="Montserrat ExtraBold"/>
+              <a:buNone/>
+              <a:defRPr sz="4200" b="0" i="0" u="none" strike="noStrike" cap="none">
+                <a:solidFill>
+                  <a:schemeClr val="accent5"/>
+                </a:solidFill>
+                <a:latin typeface="Montserrat ExtraBold"/>
+                <a:ea typeface="Montserrat ExtraBold"/>
+                <a:cs typeface="Montserrat ExtraBold"/>
+                <a:sym typeface="Montserrat ExtraBold"/>
+              </a:defRPr>
+            </a:lvl6pPr>
+            <a:lvl7pPr marR="0" lvl="6" algn="l" rtl="0">
+              <a:lnSpc>
+                <a:spcPct val="80000"/>
+              </a:lnSpc>
+              <a:spcBef>
+                <a:spcPts val="0"/>
+              </a:spcBef>
+              <a:spcAft>
+                <a:spcPts val="0"/>
+              </a:spcAft>
+              <a:buClr>
+                <a:schemeClr val="accent5"/>
+              </a:buClr>
+              <a:buSzPts val="4200"/>
+              <a:buFont typeface="Montserrat ExtraBold"/>
+              <a:buNone/>
+              <a:defRPr sz="4200" b="0" i="0" u="none" strike="noStrike" cap="none">
+                <a:solidFill>
+                  <a:schemeClr val="accent5"/>
+                </a:solidFill>
+                <a:latin typeface="Montserrat ExtraBold"/>
+                <a:ea typeface="Montserrat ExtraBold"/>
+                <a:cs typeface="Montserrat ExtraBold"/>
+                <a:sym typeface="Montserrat ExtraBold"/>
+              </a:defRPr>
+            </a:lvl7pPr>
+            <a:lvl8pPr marR="0" lvl="7" algn="l" rtl="0">
+              <a:lnSpc>
+                <a:spcPct val="80000"/>
+              </a:lnSpc>
+              <a:spcBef>
+                <a:spcPts val="0"/>
+              </a:spcBef>
+              <a:spcAft>
+                <a:spcPts val="0"/>
+              </a:spcAft>
+              <a:buClr>
+                <a:schemeClr val="accent5"/>
+              </a:buClr>
+              <a:buSzPts val="4200"/>
+              <a:buFont typeface="Montserrat ExtraBold"/>
+              <a:buNone/>
+              <a:defRPr sz="4200" b="0" i="0" u="none" strike="noStrike" cap="none">
+                <a:solidFill>
+                  <a:schemeClr val="accent5"/>
+                </a:solidFill>
+                <a:latin typeface="Montserrat ExtraBold"/>
+                <a:ea typeface="Montserrat ExtraBold"/>
+                <a:cs typeface="Montserrat ExtraBold"/>
+                <a:sym typeface="Montserrat ExtraBold"/>
+              </a:defRPr>
+            </a:lvl8pPr>
+            <a:lvl9pPr marR="0" lvl="8" algn="l" rtl="0">
+              <a:lnSpc>
+                <a:spcPct val="80000"/>
+              </a:lnSpc>
+              <a:spcBef>
+                <a:spcPts val="0"/>
+              </a:spcBef>
+              <a:spcAft>
+                <a:spcPts val="0"/>
+              </a:spcAft>
+              <a:buClr>
+                <a:schemeClr val="accent5"/>
+              </a:buClr>
+              <a:buSzPts val="4200"/>
+              <a:buFont typeface="Montserrat ExtraBold"/>
+              <a:buNone/>
+              <a:defRPr sz="4200" b="0" i="0" u="none" strike="noStrike" cap="none">
+                <a:solidFill>
+                  <a:schemeClr val="accent5"/>
+                </a:solidFill>
+                <a:latin typeface="Montserrat ExtraBold"/>
+                <a:ea typeface="Montserrat ExtraBold"/>
+                <a:cs typeface="Montserrat ExtraBold"/>
+                <a:sym typeface="Montserrat ExtraBold"/>
+              </a:defRPr>
+            </a:lvl9pPr>
+          </a:lstStyle>
+          <a:p>
+            <a:pPr algn="r"/>
+            <a:r>
+              <a:rPr lang="pt-BR" sz="2800" dirty="0"/>
+              <a:t>TRABALHOS FUTUROS</a:t>
+            </a:r>
+          </a:p>
+        </p:txBody>
+      </p:sp>
+    </p:spTree>
+    <p:extLst>
+      <p:ext uri="{BB962C8B-B14F-4D97-AF65-F5344CB8AC3E}">
+        <p14:creationId xmlns:p14="http://schemas.microsoft.com/office/powerpoint/2010/main" val="3679593419"/>
+      </p:ext>
+    </p:extLst>
+  </p:cSld>
+  <p:clrMapOvr>
+    <a:masterClrMapping/>
+  </p:clrMapOvr>
+</p:sld>
+</file>
+
+<file path=ppt/slides/slide16.xml><?xml version="1.0" encoding="utf-8"?>
+<p:sld xmlns:a="http://schemas.openxmlformats.org/drawingml/2006/main" xmlns:r="http://schemas.openxmlformats.org/officeDocument/2006/relationships" xmlns:p="http://schemas.openxmlformats.org/presentationml/2006/main">
+  <p:cSld>
+    <p:spTree>
+      <p:nvGrpSpPr>
+        <p:cNvPr id="1" name="Shape 213">
+          <a:extLst>
+            <a:ext uri="{FF2B5EF4-FFF2-40B4-BE49-F238E27FC236}">
+              <a16:creationId xmlns:a16="http://schemas.microsoft.com/office/drawing/2014/main" id="{5EB8EA7D-F10E-A88E-16EE-63462053A605}"/>
+            </a:ext>
+          </a:extLst>
+        </p:cNvPr>
+        <p:cNvGrpSpPr/>
+        <p:nvPr/>
+      </p:nvGrpSpPr>
+      <p:grpSpPr>
+        <a:xfrm>
+          <a:off x="0" y="0"/>
+          <a:ext cx="0" cy="0"/>
+          <a:chOff x="0" y="0"/>
+          <a:chExt cx="0" cy="0"/>
+        </a:xfrm>
+      </p:grpSpPr>
+      <p:sp>
+        <p:nvSpPr>
+          <p:cNvPr id="214" name="Google Shape;214;p28">
+            <a:extLst>
+              <a:ext uri="{FF2B5EF4-FFF2-40B4-BE49-F238E27FC236}">
+                <a16:creationId xmlns:a16="http://schemas.microsoft.com/office/drawing/2014/main" id="{133FC042-0A8A-DEE6-ED78-181AEBCC3F74}"/>
+              </a:ext>
+            </a:extLst>
+          </p:cNvPr>
+          <p:cNvSpPr txBox="1">
+            <a:spLocks noGrp="1"/>
+          </p:cNvSpPr>
+          <p:nvPr>
+            <p:ph type="subTitle" idx="1"/>
+          </p:nvPr>
+        </p:nvSpPr>
+        <p:spPr>
+          <a:xfrm>
+            <a:off x="622253" y="1260629"/>
+            <a:ext cx="7899493" cy="3162890"/>
+          </a:xfrm>
+          <a:prstGeom prst="rect">
+            <a:avLst/>
+          </a:prstGeom>
+        </p:spPr>
+        <p:txBody>
+          <a:bodyPr spcFirstLastPara="1" wrap="square" lIns="91425" tIns="91425" rIns="91425" bIns="91425" numCol="1" spcCol="360000" anchor="ctr" anchorCtr="0">
+            <a:noAutofit/>
+          </a:bodyPr>
+          <a:lstStyle/>
+          <a:p>
+            <a:pPr marL="285750" lvl="0" indent="-285750" algn="just" rtl="0">
+              <a:lnSpc>
+                <a:spcPct val="150000"/>
+              </a:lnSpc>
+              <a:spcBef>
+                <a:spcPts val="0"/>
+              </a:spcBef>
+              <a:spcAft>
+                <a:spcPts val="0"/>
+              </a:spcAft>
+              <a:buFont typeface="Arial" panose="020B0604020202020204" pitchFamily="34" charset="0"/>
+              <a:buChar char="•"/>
+            </a:pPr>
+            <a:r>
+              <a:rPr lang="pt-BR" sz="2400" dirty="0">
+                <a:solidFill>
+                  <a:schemeClr val="tx1"/>
+                </a:solidFill>
+                <a:effectLst/>
+                <a:latin typeface="Calibri" panose="020F0502020204030204" pitchFamily="34" charset="0"/>
+                <a:ea typeface="Calibri" panose="020F0502020204030204" pitchFamily="34" charset="0"/>
+                <a:cs typeface="Times New Roman" panose="02020603050405020304" pitchFamily="18" charset="0"/>
+              </a:rPr>
+              <a:t>Importância da modularidade</a:t>
+            </a:r>
+          </a:p>
+          <a:p>
+            <a:pPr marL="285750" lvl="0" indent="-285750" algn="just" rtl="0">
+              <a:lnSpc>
+                <a:spcPct val="150000"/>
+              </a:lnSpc>
+              <a:spcBef>
+                <a:spcPts val="0"/>
+              </a:spcBef>
+              <a:spcAft>
+                <a:spcPts val="0"/>
+              </a:spcAft>
+              <a:buFont typeface="Arial" panose="020B0604020202020204" pitchFamily="34" charset="0"/>
+              <a:buChar char="•"/>
+            </a:pPr>
+            <a:r>
+              <a:rPr lang="pt-BR" sz="2400" dirty="0">
+                <a:solidFill>
+                  <a:schemeClr val="tx1"/>
+                </a:solidFill>
+                <a:latin typeface="Calibri" panose="020F0502020204030204" pitchFamily="34" charset="0"/>
+                <a:ea typeface="Calibri" panose="020F0502020204030204" pitchFamily="34" charset="0"/>
+                <a:cs typeface="Times New Roman" panose="02020603050405020304" pitchFamily="18" charset="0"/>
+              </a:rPr>
+              <a:t>Testes contínuos</a:t>
+            </a:r>
+          </a:p>
+          <a:p>
+            <a:pPr marL="285750" lvl="0" indent="-285750" algn="just" rtl="0">
+              <a:lnSpc>
+                <a:spcPct val="150000"/>
+              </a:lnSpc>
+              <a:spcBef>
+                <a:spcPts val="0"/>
+              </a:spcBef>
+              <a:spcAft>
+                <a:spcPts val="0"/>
+              </a:spcAft>
+              <a:buFont typeface="Arial" panose="020B0604020202020204" pitchFamily="34" charset="0"/>
+              <a:buChar char="•"/>
+            </a:pPr>
+            <a:r>
+              <a:rPr lang="pt-BR" sz="2400" dirty="0">
+                <a:solidFill>
+                  <a:schemeClr val="tx1"/>
+                </a:solidFill>
+                <a:effectLst/>
+                <a:latin typeface="Calibri" panose="020F0502020204030204" pitchFamily="34" charset="0"/>
+                <a:ea typeface="Calibri" panose="020F0502020204030204" pitchFamily="34" charset="0"/>
+                <a:cs typeface="Times New Roman" panose="02020603050405020304" pitchFamily="18" charset="0"/>
+              </a:rPr>
+              <a:t>Planejamento e documentação</a:t>
+            </a:r>
+          </a:p>
+          <a:p>
+            <a:pPr marL="285750" lvl="0" indent="-285750" algn="just" rtl="0">
+              <a:lnSpc>
+                <a:spcPct val="150000"/>
+              </a:lnSpc>
+              <a:spcBef>
+                <a:spcPts val="0"/>
+              </a:spcBef>
+              <a:spcAft>
+                <a:spcPts val="0"/>
+              </a:spcAft>
+              <a:buFont typeface="Arial" panose="020B0604020202020204" pitchFamily="34" charset="0"/>
+              <a:buChar char="•"/>
+            </a:pPr>
+            <a:r>
+              <a:rPr lang="pt-BR" sz="2400" dirty="0">
+                <a:solidFill>
+                  <a:schemeClr val="tx1"/>
+                </a:solidFill>
+                <a:latin typeface="Calibri" panose="020F0502020204030204" pitchFamily="34" charset="0"/>
+                <a:ea typeface="Calibri" panose="020F0502020204030204" pitchFamily="34" charset="0"/>
+                <a:cs typeface="Times New Roman" panose="02020603050405020304" pitchFamily="18" charset="0"/>
+              </a:rPr>
+              <a:t>Gerenciamento de conflitos</a:t>
+            </a:r>
+            <a:endParaRPr lang="pt-BR" sz="2400" dirty="0">
+              <a:solidFill>
+                <a:schemeClr val="tx1"/>
+              </a:solidFill>
+              <a:effectLst/>
+              <a:latin typeface="Calibri" panose="020F0502020204030204" pitchFamily="34" charset="0"/>
+              <a:ea typeface="Calibri" panose="020F0502020204030204" pitchFamily="34" charset="0"/>
+              <a:cs typeface="Times New Roman" panose="02020603050405020304" pitchFamily="18" charset="0"/>
+            </a:endParaRPr>
+          </a:p>
+        </p:txBody>
+      </p:sp>
+      <p:sp>
+        <p:nvSpPr>
+          <p:cNvPr id="4" name="Google Shape;319;p33">
+            <a:extLst>
+              <a:ext uri="{FF2B5EF4-FFF2-40B4-BE49-F238E27FC236}">
+                <a16:creationId xmlns:a16="http://schemas.microsoft.com/office/drawing/2014/main" id="{D861CEA2-221A-972C-68D7-618C0047DA48}"/>
+              </a:ext>
+            </a:extLst>
+          </p:cNvPr>
+          <p:cNvSpPr/>
+          <p:nvPr/>
+        </p:nvSpPr>
+        <p:spPr>
+          <a:xfrm>
+            <a:off x="1000" y="185374"/>
+            <a:ext cx="3567100" cy="249631"/>
+          </a:xfrm>
+          <a:prstGeom prst="rect">
+            <a:avLst/>
+          </a:prstGeom>
+          <a:solidFill>
+            <a:schemeClr val="lt2"/>
+          </a:solidFill>
+          <a:ln>
+            <a:noFill/>
+          </a:ln>
+        </p:spPr>
+        <p:txBody>
+          <a:bodyPr spcFirstLastPara="1" wrap="square" lIns="91425" tIns="91425" rIns="91425" bIns="91425" anchor="ctr" anchorCtr="0">
+            <a:noAutofit/>
+          </a:bodyPr>
+          <a:lstStyle/>
+          <a:p>
+            <a:pPr marL="0" lvl="0" indent="0" algn="l" rtl="0">
+              <a:spcBef>
+                <a:spcPts val="0"/>
+              </a:spcBef>
+              <a:spcAft>
+                <a:spcPts val="0"/>
+              </a:spcAft>
+              <a:buNone/>
+            </a:pPr>
+            <a:endParaRPr/>
+          </a:p>
+        </p:txBody>
+      </p:sp>
+      <p:sp>
+        <p:nvSpPr>
+          <p:cNvPr id="6" name="Google Shape;322;p33">
+            <a:extLst>
+              <a:ext uri="{FF2B5EF4-FFF2-40B4-BE49-F238E27FC236}">
+                <a16:creationId xmlns:a16="http://schemas.microsoft.com/office/drawing/2014/main" id="{295B184B-B4B0-7F59-923A-8079DD740572}"/>
+              </a:ext>
+            </a:extLst>
+          </p:cNvPr>
+          <p:cNvSpPr txBox="1">
+            <a:spLocks/>
+          </p:cNvSpPr>
+          <p:nvPr/>
+        </p:nvSpPr>
+        <p:spPr>
+          <a:xfrm>
+            <a:off x="139700" y="533550"/>
+            <a:ext cx="3428400" cy="531900"/>
+          </a:xfrm>
+          <a:prstGeom prst="rect">
+            <a:avLst/>
+          </a:prstGeom>
+          <a:noFill/>
+          <a:ln>
+            <a:noFill/>
+          </a:ln>
+        </p:spPr>
+        <p:txBody>
+          <a:bodyPr spcFirstLastPara="1" wrap="square" lIns="0" tIns="0" rIns="0" bIns="0" anchor="t" anchorCtr="0">
+            <a:noAutofit/>
+          </a:bodyPr>
+          <a:lstStyle>
+            <a:defPPr marR="0" lvl="0" algn="l" rtl="0">
+              <a:lnSpc>
+                <a:spcPct val="100000"/>
+              </a:lnSpc>
+              <a:spcBef>
+                <a:spcPts val="0"/>
+              </a:spcBef>
+              <a:spcAft>
+                <a:spcPts val="0"/>
+              </a:spcAft>
+            </a:defPPr>
+            <a:lvl1pPr marR="0" lvl="0" algn="l" rtl="0">
+              <a:lnSpc>
+                <a:spcPct val="80000"/>
+              </a:lnSpc>
+              <a:spcBef>
+                <a:spcPts val="0"/>
+              </a:spcBef>
+              <a:spcAft>
+                <a:spcPts val="0"/>
+              </a:spcAft>
+              <a:buClr>
+                <a:schemeClr val="accent5"/>
+              </a:buClr>
+              <a:buSzPts val="4200"/>
+              <a:buFont typeface="Montserrat ExtraBold"/>
+              <a:buNone/>
+              <a:defRPr sz="6000" b="0" i="0" u="none" strike="noStrike" cap="none">
+                <a:solidFill>
+                  <a:schemeClr val="dk2"/>
+                </a:solidFill>
+                <a:latin typeface="Montserrat ExtraBold"/>
+                <a:ea typeface="Montserrat ExtraBold"/>
+                <a:cs typeface="Montserrat ExtraBold"/>
+                <a:sym typeface="Montserrat ExtraBold"/>
+              </a:defRPr>
+            </a:lvl1pPr>
+            <a:lvl2pPr marR="0" lvl="1" algn="l" rtl="0">
+              <a:lnSpc>
+                <a:spcPct val="80000"/>
+              </a:lnSpc>
+              <a:spcBef>
+                <a:spcPts val="0"/>
+              </a:spcBef>
+              <a:spcAft>
+                <a:spcPts val="0"/>
+              </a:spcAft>
+              <a:buClr>
+                <a:schemeClr val="accent5"/>
+              </a:buClr>
+              <a:buSzPts val="4200"/>
+              <a:buFont typeface="Montserrat ExtraBold"/>
+              <a:buNone/>
+              <a:defRPr sz="4200" b="0" i="0" u="none" strike="noStrike" cap="none">
+                <a:solidFill>
+                  <a:schemeClr val="accent5"/>
+                </a:solidFill>
+                <a:latin typeface="Montserrat ExtraBold"/>
+                <a:ea typeface="Montserrat ExtraBold"/>
+                <a:cs typeface="Montserrat ExtraBold"/>
+                <a:sym typeface="Montserrat ExtraBold"/>
+              </a:defRPr>
+            </a:lvl2pPr>
+            <a:lvl3pPr marR="0" lvl="2" algn="l" rtl="0">
+              <a:lnSpc>
+                <a:spcPct val="80000"/>
+              </a:lnSpc>
+              <a:spcBef>
+                <a:spcPts val="0"/>
+              </a:spcBef>
+              <a:spcAft>
+                <a:spcPts val="0"/>
+              </a:spcAft>
+              <a:buClr>
+                <a:schemeClr val="accent5"/>
+              </a:buClr>
+              <a:buSzPts val="4200"/>
+              <a:buFont typeface="Montserrat ExtraBold"/>
+              <a:buNone/>
+              <a:defRPr sz="4200" b="0" i="0" u="none" strike="noStrike" cap="none">
+                <a:solidFill>
+                  <a:schemeClr val="accent5"/>
+                </a:solidFill>
+                <a:latin typeface="Montserrat ExtraBold"/>
+                <a:ea typeface="Montserrat ExtraBold"/>
+                <a:cs typeface="Montserrat ExtraBold"/>
+                <a:sym typeface="Montserrat ExtraBold"/>
+              </a:defRPr>
+            </a:lvl3pPr>
+            <a:lvl4pPr marR="0" lvl="3" algn="l" rtl="0">
+              <a:lnSpc>
+                <a:spcPct val="80000"/>
+              </a:lnSpc>
+              <a:spcBef>
+                <a:spcPts val="0"/>
+              </a:spcBef>
+              <a:spcAft>
+                <a:spcPts val="0"/>
+              </a:spcAft>
+              <a:buClr>
+                <a:schemeClr val="accent5"/>
+              </a:buClr>
+              <a:buSzPts val="4200"/>
+              <a:buFont typeface="Montserrat ExtraBold"/>
+              <a:buNone/>
+              <a:defRPr sz="4200" b="0" i="0" u="none" strike="noStrike" cap="none">
+                <a:solidFill>
+                  <a:schemeClr val="accent5"/>
+                </a:solidFill>
+                <a:latin typeface="Montserrat ExtraBold"/>
+                <a:ea typeface="Montserrat ExtraBold"/>
+                <a:cs typeface="Montserrat ExtraBold"/>
+                <a:sym typeface="Montserrat ExtraBold"/>
+              </a:defRPr>
+            </a:lvl4pPr>
+            <a:lvl5pPr marR="0" lvl="4" algn="l" rtl="0">
+              <a:lnSpc>
+                <a:spcPct val="80000"/>
+              </a:lnSpc>
+              <a:spcBef>
+                <a:spcPts val="0"/>
+              </a:spcBef>
+              <a:spcAft>
+                <a:spcPts val="0"/>
+              </a:spcAft>
+              <a:buClr>
+                <a:schemeClr val="accent5"/>
+              </a:buClr>
+              <a:buSzPts val="4200"/>
+              <a:buFont typeface="Montserrat ExtraBold"/>
+              <a:buNone/>
+              <a:defRPr sz="4200" b="0" i="0" u="none" strike="noStrike" cap="none">
+                <a:solidFill>
+                  <a:schemeClr val="accent5"/>
+                </a:solidFill>
+                <a:latin typeface="Montserrat ExtraBold"/>
+                <a:ea typeface="Montserrat ExtraBold"/>
+                <a:cs typeface="Montserrat ExtraBold"/>
+                <a:sym typeface="Montserrat ExtraBold"/>
+              </a:defRPr>
+            </a:lvl5pPr>
+            <a:lvl6pPr marR="0" lvl="5" algn="l" rtl="0">
+              <a:lnSpc>
+                <a:spcPct val="80000"/>
+              </a:lnSpc>
+              <a:spcBef>
+                <a:spcPts val="0"/>
+              </a:spcBef>
+              <a:spcAft>
+                <a:spcPts val="0"/>
+              </a:spcAft>
+              <a:buClr>
+                <a:schemeClr val="accent5"/>
+              </a:buClr>
+              <a:buSzPts val="4200"/>
+              <a:buFont typeface="Montserrat ExtraBold"/>
+              <a:buNone/>
+              <a:defRPr sz="4200" b="0" i="0" u="none" strike="noStrike" cap="none">
+                <a:solidFill>
+                  <a:schemeClr val="accent5"/>
+                </a:solidFill>
+                <a:latin typeface="Montserrat ExtraBold"/>
+                <a:ea typeface="Montserrat ExtraBold"/>
+                <a:cs typeface="Montserrat ExtraBold"/>
+                <a:sym typeface="Montserrat ExtraBold"/>
+              </a:defRPr>
+            </a:lvl6pPr>
+            <a:lvl7pPr marR="0" lvl="6" algn="l" rtl="0">
+              <a:lnSpc>
+                <a:spcPct val="80000"/>
+              </a:lnSpc>
+              <a:spcBef>
+                <a:spcPts val="0"/>
+              </a:spcBef>
+              <a:spcAft>
+                <a:spcPts val="0"/>
+              </a:spcAft>
+              <a:buClr>
+                <a:schemeClr val="accent5"/>
+              </a:buClr>
+              <a:buSzPts val="4200"/>
+              <a:buFont typeface="Montserrat ExtraBold"/>
+              <a:buNone/>
+              <a:defRPr sz="4200" b="0" i="0" u="none" strike="noStrike" cap="none">
+                <a:solidFill>
+                  <a:schemeClr val="accent5"/>
+                </a:solidFill>
+                <a:latin typeface="Montserrat ExtraBold"/>
+                <a:ea typeface="Montserrat ExtraBold"/>
+                <a:cs typeface="Montserrat ExtraBold"/>
+                <a:sym typeface="Montserrat ExtraBold"/>
+              </a:defRPr>
+            </a:lvl7pPr>
+            <a:lvl8pPr marR="0" lvl="7" algn="l" rtl="0">
+              <a:lnSpc>
+                <a:spcPct val="80000"/>
+              </a:lnSpc>
+              <a:spcBef>
+                <a:spcPts val="0"/>
+              </a:spcBef>
+              <a:spcAft>
+                <a:spcPts val="0"/>
+              </a:spcAft>
+              <a:buClr>
+                <a:schemeClr val="accent5"/>
+              </a:buClr>
+              <a:buSzPts val="4200"/>
+              <a:buFont typeface="Montserrat ExtraBold"/>
+              <a:buNone/>
+              <a:defRPr sz="4200" b="0" i="0" u="none" strike="noStrike" cap="none">
+                <a:solidFill>
+                  <a:schemeClr val="accent5"/>
+                </a:solidFill>
+                <a:latin typeface="Montserrat ExtraBold"/>
+                <a:ea typeface="Montserrat ExtraBold"/>
+                <a:cs typeface="Montserrat ExtraBold"/>
+                <a:sym typeface="Montserrat ExtraBold"/>
+              </a:defRPr>
+            </a:lvl8pPr>
+            <a:lvl9pPr marR="0" lvl="8" algn="l" rtl="0">
+              <a:lnSpc>
+                <a:spcPct val="80000"/>
+              </a:lnSpc>
+              <a:spcBef>
+                <a:spcPts val="0"/>
+              </a:spcBef>
+              <a:spcAft>
+                <a:spcPts val="0"/>
+              </a:spcAft>
+              <a:buClr>
+                <a:schemeClr val="accent5"/>
+              </a:buClr>
+              <a:buSzPts val="4200"/>
+              <a:buFont typeface="Montserrat ExtraBold"/>
+              <a:buNone/>
+              <a:defRPr sz="4200" b="0" i="0" u="none" strike="noStrike" cap="none">
+                <a:solidFill>
+                  <a:schemeClr val="accent5"/>
+                </a:solidFill>
+                <a:latin typeface="Montserrat ExtraBold"/>
+                <a:ea typeface="Montserrat ExtraBold"/>
+                <a:cs typeface="Montserrat ExtraBold"/>
+                <a:sym typeface="Montserrat ExtraBold"/>
+              </a:defRPr>
+            </a:lvl9pPr>
+          </a:lstStyle>
+          <a:p>
+            <a:pPr algn="r"/>
+            <a:r>
+              <a:rPr lang="pt-BR" sz="2800" dirty="0"/>
+              <a:t>LIÇÕES APRENDIDAS</a:t>
+            </a:r>
+          </a:p>
+        </p:txBody>
+      </p:sp>
+    </p:spTree>
+    <p:extLst>
+      <p:ext uri="{BB962C8B-B14F-4D97-AF65-F5344CB8AC3E}">
+        <p14:creationId xmlns:p14="http://schemas.microsoft.com/office/powerpoint/2010/main" val="39693244"/>
+      </p:ext>
+    </p:extLst>
+  </p:cSld>
+  <p:clrMapOvr>
+    <a:masterClrMapping/>
+  </p:clrMapOvr>
+</p:sld>
+</file>
+
+<file path=ppt/slides/slide17.xml><?xml version="1.0" encoding="utf-8"?>
 <p:sld xmlns:a="http://schemas.openxmlformats.org/drawingml/2006/main" xmlns:r="http://schemas.openxmlformats.org/officeDocument/2006/relationships" xmlns:p="http://schemas.openxmlformats.org/presentationml/2006/main">
   <p:cSld>
     <p:spTree>
@@ -9793,6 +14633,10 @@
           </p:nvPr>
         </p:nvSpPr>
         <p:spPr>
+          <a:xfrm>
+            <a:off x="101793" y="1869670"/>
+            <a:ext cx="4766400" cy="1298400"/>
+          </a:xfrm>
           <a:prstGeom prst="rect">
             <a:avLst/>
           </a:prstGeom>
@@ -9813,10 +14657,13 @@
               <a:buNone/>
             </a:pPr>
             <a:r>
-              <a:rPr lang="en" dirty="0"/>
-              <a:t>Tem alguma dúvida? </a:t>
+              <a:rPr lang="pt-BR" dirty="0">
+                <a:solidFill>
+                  <a:schemeClr val="tx1"/>
+                </a:solidFill>
+              </a:rPr>
+              <a:t>GABRIEL DANILO DO NASCIMENTO E SILVA</a:t>
             </a:r>
-            <a:endParaRPr dirty="0"/>
           </a:p>
           <a:p>
             <a:pPr marL="0" lvl="0" indent="0" algn="l" rtl="0">
@@ -9829,10 +14676,13 @@
               <a:buNone/>
             </a:pPr>
             <a:r>
-              <a:rPr lang="en" dirty="0"/>
-              <a:t>forja@forja.com.br</a:t>
+              <a:rPr lang="pt-BR" dirty="0">
+                <a:solidFill>
+                  <a:schemeClr val="tx1"/>
+                </a:solidFill>
+              </a:rPr>
+              <a:t>LUCAS VIEIRA DA SILVA</a:t>
             </a:r>
-            <a:endParaRPr dirty="0"/>
           </a:p>
           <a:p>
             <a:pPr marL="0" lvl="0" indent="0" algn="l" rtl="0">
@@ -9845,10 +14695,13 @@
               <a:buNone/>
             </a:pPr>
             <a:r>
-              <a:rPr lang="en" dirty="0"/>
-              <a:t>+55 19 3022 1324</a:t>
+              <a:rPr lang="pt-BR" dirty="0">
+                <a:solidFill>
+                  <a:schemeClr val="tx1"/>
+                </a:solidFill>
+              </a:rPr>
+              <a:t>MARCELO FELIPE BELOTTO</a:t>
             </a:r>
-            <a:endParaRPr dirty="0"/>
           </a:p>
           <a:p>
             <a:pPr marL="0" lvl="0" indent="0" algn="l" rtl="0">
@@ -9861,14 +14714,13 @@
               <a:buNone/>
             </a:pPr>
             <a:r>
-              <a:rPr lang="pt-BR" dirty="0"/>
-              <a:t>f</a:t>
+              <a:rPr lang="pt-BR" dirty="0">
+                <a:solidFill>
+                  <a:schemeClr val="tx1"/>
+                </a:solidFill>
+              </a:rPr>
+              <a:t>VINÍCIUS EMANUEL DA SILVA</a:t>
             </a:r>
-            <a:r>
-              <a:rPr lang="en" dirty="0"/>
-              <a:t>orja.com.br</a:t>
-            </a:r>
-            <a:endParaRPr dirty="0"/>
           </a:p>
         </p:txBody>
       </p:sp>
@@ -9912,2411 +14764,6 @@
           </a:p>
         </p:txBody>
       </p:sp>
-      <p:sp>
-        <p:nvSpPr>
-          <p:cNvPr id="679" name="Google Shape;679;p47"/>
-          <p:cNvSpPr/>
-          <p:nvPr/>
-        </p:nvSpPr>
-        <p:spPr>
-          <a:xfrm>
-            <a:off x="808774" y="3304349"/>
-            <a:ext cx="408689" cy="411478"/>
-          </a:xfrm>
-          <a:custGeom>
-            <a:avLst/>
-            <a:gdLst/>
-            <a:ahLst/>
-            <a:cxnLst/>
-            <a:rect l="l" t="t" r="r" b="b"/>
-            <a:pathLst>
-              <a:path w="10860" h="10872" extrusionOk="0">
-                <a:moveTo>
-                  <a:pt x="5430" y="1"/>
-                </a:moveTo>
-                <a:cubicBezTo>
-                  <a:pt x="3990" y="1"/>
-                  <a:pt x="2608" y="560"/>
-                  <a:pt x="1596" y="1584"/>
-                </a:cubicBezTo>
-                <a:cubicBezTo>
-                  <a:pt x="561" y="2620"/>
-                  <a:pt x="1" y="3989"/>
-                  <a:pt x="1" y="5430"/>
-                </a:cubicBezTo>
-                <a:cubicBezTo>
-                  <a:pt x="1" y="6561"/>
-                  <a:pt x="346" y="7645"/>
-                  <a:pt x="1001" y="8573"/>
-                </a:cubicBezTo>
-                <a:cubicBezTo>
-                  <a:pt x="1632" y="9466"/>
-                  <a:pt x="2513" y="10145"/>
-                  <a:pt x="3537" y="10538"/>
-                </a:cubicBezTo>
-                <a:cubicBezTo>
-                  <a:pt x="3559" y="10544"/>
-                  <a:pt x="3579" y="10547"/>
-                  <a:pt x="3599" y="10547"/>
-                </a:cubicBezTo>
-                <a:cubicBezTo>
-                  <a:pt x="3656" y="10547"/>
-                  <a:pt x="3704" y="10522"/>
-                  <a:pt x="3740" y="10478"/>
-                </a:cubicBezTo>
-                <a:cubicBezTo>
-                  <a:pt x="3763" y="10443"/>
-                  <a:pt x="3763" y="10395"/>
-                  <a:pt x="3763" y="10371"/>
-                </a:cubicBezTo>
-                <a:lnTo>
-                  <a:pt x="3763" y="7275"/>
-                </a:lnTo>
-                <a:cubicBezTo>
-                  <a:pt x="3763" y="7180"/>
-                  <a:pt x="3692" y="7097"/>
-                  <a:pt x="3585" y="7097"/>
-                </a:cubicBezTo>
-                <a:lnTo>
-                  <a:pt x="2156" y="7097"/>
-                </a:lnTo>
-                <a:lnTo>
-                  <a:pt x="2156" y="5835"/>
-                </a:lnTo>
-                <a:lnTo>
-                  <a:pt x="3585" y="5835"/>
-                </a:lnTo>
-                <a:cubicBezTo>
-                  <a:pt x="3680" y="5835"/>
-                  <a:pt x="3763" y="5751"/>
-                  <a:pt x="3763" y="5656"/>
-                </a:cubicBezTo>
-                <a:lnTo>
-                  <a:pt x="3763" y="5430"/>
-                </a:lnTo>
-                <a:cubicBezTo>
-                  <a:pt x="3763" y="3942"/>
-                  <a:pt x="5180" y="2632"/>
-                  <a:pt x="6799" y="2632"/>
-                </a:cubicBezTo>
-                <a:lnTo>
-                  <a:pt x="7550" y="2632"/>
-                </a:lnTo>
-                <a:lnTo>
-                  <a:pt x="7550" y="3894"/>
-                </a:lnTo>
-                <a:lnTo>
-                  <a:pt x="6799" y="3894"/>
-                </a:lnTo>
-                <a:cubicBezTo>
-                  <a:pt x="6311" y="3894"/>
-                  <a:pt x="5883" y="4025"/>
-                  <a:pt x="5561" y="4287"/>
-                </a:cubicBezTo>
-                <a:cubicBezTo>
-                  <a:pt x="5228" y="4561"/>
-                  <a:pt x="5025" y="4966"/>
-                  <a:pt x="5025" y="5430"/>
-                </a:cubicBezTo>
-                <a:lnTo>
-                  <a:pt x="5025" y="5656"/>
-                </a:lnTo>
-                <a:cubicBezTo>
-                  <a:pt x="5025" y="5740"/>
-                  <a:pt x="5109" y="5835"/>
-                  <a:pt x="5204" y="5835"/>
-                </a:cubicBezTo>
-                <a:lnTo>
-                  <a:pt x="5883" y="5835"/>
-                </a:lnTo>
-                <a:cubicBezTo>
-                  <a:pt x="5966" y="5835"/>
-                  <a:pt x="6061" y="5751"/>
-                  <a:pt x="6061" y="5656"/>
-                </a:cubicBezTo>
-                <a:cubicBezTo>
-                  <a:pt x="6061" y="5561"/>
-                  <a:pt x="5978" y="5478"/>
-                  <a:pt x="5883" y="5478"/>
-                </a:cubicBezTo>
-                <a:lnTo>
-                  <a:pt x="5371" y="5478"/>
-                </a:lnTo>
-                <a:lnTo>
-                  <a:pt x="5371" y="5418"/>
-                </a:lnTo>
-                <a:cubicBezTo>
-                  <a:pt x="5371" y="4525"/>
-                  <a:pt x="6145" y="4204"/>
-                  <a:pt x="6799" y="4204"/>
-                </a:cubicBezTo>
-                <a:lnTo>
-                  <a:pt x="7704" y="4204"/>
-                </a:lnTo>
-                <a:cubicBezTo>
-                  <a:pt x="7800" y="4204"/>
-                  <a:pt x="7883" y="4132"/>
-                  <a:pt x="7883" y="4025"/>
-                </a:cubicBezTo>
-                <a:lnTo>
-                  <a:pt x="7883" y="2418"/>
-                </a:lnTo>
-                <a:cubicBezTo>
-                  <a:pt x="7883" y="2334"/>
-                  <a:pt x="7811" y="2239"/>
-                  <a:pt x="7704" y="2239"/>
-                </a:cubicBezTo>
-                <a:lnTo>
-                  <a:pt x="6799" y="2239"/>
-                </a:lnTo>
-                <a:cubicBezTo>
-                  <a:pt x="5966" y="2239"/>
-                  <a:pt x="5121" y="2572"/>
-                  <a:pt x="4466" y="3156"/>
-                </a:cubicBezTo>
-                <a:cubicBezTo>
-                  <a:pt x="3799" y="3763"/>
-                  <a:pt x="3418" y="4549"/>
-                  <a:pt x="3418" y="5382"/>
-                </a:cubicBezTo>
-                <a:lnTo>
-                  <a:pt x="3418" y="5442"/>
-                </a:lnTo>
-                <a:lnTo>
-                  <a:pt x="1989" y="5442"/>
-                </a:lnTo>
-                <a:cubicBezTo>
-                  <a:pt x="1906" y="5442"/>
-                  <a:pt x="1811" y="5513"/>
-                  <a:pt x="1811" y="5620"/>
-                </a:cubicBezTo>
-                <a:lnTo>
-                  <a:pt x="1811" y="7228"/>
-                </a:lnTo>
-                <a:cubicBezTo>
-                  <a:pt x="1811" y="7323"/>
-                  <a:pt x="1894" y="7406"/>
-                  <a:pt x="1989" y="7406"/>
-                </a:cubicBezTo>
-                <a:lnTo>
-                  <a:pt x="3418" y="7406"/>
-                </a:lnTo>
-                <a:lnTo>
-                  <a:pt x="3418" y="10085"/>
-                </a:lnTo>
-                <a:cubicBezTo>
-                  <a:pt x="1561" y="9300"/>
-                  <a:pt x="346" y="7442"/>
-                  <a:pt x="346" y="5418"/>
-                </a:cubicBezTo>
-                <a:cubicBezTo>
-                  <a:pt x="346" y="2596"/>
-                  <a:pt x="2620" y="322"/>
-                  <a:pt x="5430" y="322"/>
-                </a:cubicBezTo>
-                <a:cubicBezTo>
-                  <a:pt x="8228" y="322"/>
-                  <a:pt x="10526" y="2620"/>
-                  <a:pt x="10526" y="5418"/>
-                </a:cubicBezTo>
-                <a:cubicBezTo>
-                  <a:pt x="10526" y="8228"/>
-                  <a:pt x="8240" y="10502"/>
-                  <a:pt x="5430" y="10502"/>
-                </a:cubicBezTo>
-                <a:lnTo>
-                  <a:pt x="5371" y="10502"/>
-                </a:lnTo>
-                <a:lnTo>
-                  <a:pt x="5371" y="7418"/>
-                </a:lnTo>
-                <a:lnTo>
-                  <a:pt x="7728" y="7418"/>
-                </a:lnTo>
-                <a:cubicBezTo>
-                  <a:pt x="7811" y="7418"/>
-                  <a:pt x="7907" y="7347"/>
-                  <a:pt x="7907" y="7240"/>
-                </a:cubicBezTo>
-                <a:lnTo>
-                  <a:pt x="7907" y="5656"/>
-                </a:lnTo>
-                <a:cubicBezTo>
-                  <a:pt x="7907" y="5561"/>
-                  <a:pt x="7823" y="5478"/>
-                  <a:pt x="7728" y="5478"/>
-                </a:cubicBezTo>
-                <a:lnTo>
-                  <a:pt x="6728" y="5478"/>
-                </a:lnTo>
-                <a:cubicBezTo>
-                  <a:pt x="6633" y="5478"/>
-                  <a:pt x="6549" y="5549"/>
-                  <a:pt x="6549" y="5656"/>
-                </a:cubicBezTo>
-                <a:cubicBezTo>
-                  <a:pt x="6549" y="5740"/>
-                  <a:pt x="6621" y="5835"/>
-                  <a:pt x="6728" y="5835"/>
-                </a:cubicBezTo>
-                <a:lnTo>
-                  <a:pt x="7561" y="5835"/>
-                </a:lnTo>
-                <a:lnTo>
-                  <a:pt x="7561" y="7097"/>
-                </a:lnTo>
-                <a:lnTo>
-                  <a:pt x="5204" y="7097"/>
-                </a:lnTo>
-                <a:cubicBezTo>
-                  <a:pt x="5121" y="7097"/>
-                  <a:pt x="5025" y="7168"/>
-                  <a:pt x="5025" y="7275"/>
-                </a:cubicBezTo>
-                <a:lnTo>
-                  <a:pt x="5025" y="10693"/>
-                </a:lnTo>
-                <a:cubicBezTo>
-                  <a:pt x="5025" y="10788"/>
-                  <a:pt x="5109" y="10859"/>
-                  <a:pt x="5192" y="10871"/>
-                </a:cubicBezTo>
-                <a:lnTo>
-                  <a:pt x="5430" y="10871"/>
-                </a:lnTo>
-                <a:cubicBezTo>
-                  <a:pt x="6871" y="10871"/>
-                  <a:pt x="8240" y="10312"/>
-                  <a:pt x="9276" y="9288"/>
-                </a:cubicBezTo>
-                <a:cubicBezTo>
-                  <a:pt x="10300" y="8252"/>
-                  <a:pt x="10859" y="6883"/>
-                  <a:pt x="10859" y="5442"/>
-                </a:cubicBezTo>
-                <a:cubicBezTo>
-                  <a:pt x="10859" y="3989"/>
-                  <a:pt x="10300" y="2620"/>
-                  <a:pt x="9276" y="1584"/>
-                </a:cubicBezTo>
-                <a:cubicBezTo>
-                  <a:pt x="8240" y="560"/>
-                  <a:pt x="6871" y="1"/>
-                  <a:pt x="5430" y="1"/>
-                </a:cubicBezTo>
-                <a:close/>
-              </a:path>
-            </a:pathLst>
-          </a:custGeom>
-          <a:solidFill>
-            <a:schemeClr val="dk2"/>
-          </a:solidFill>
-          <a:ln>
-            <a:noFill/>
-          </a:ln>
-        </p:spPr>
-        <p:txBody>
-          <a:bodyPr spcFirstLastPara="1" wrap="square" lIns="91425" tIns="91425" rIns="91425" bIns="91425" anchor="ctr" anchorCtr="0">
-            <a:noAutofit/>
-          </a:bodyPr>
-          <a:lstStyle/>
-          <a:p>
-            <a:pPr marL="0" lvl="0" indent="0" algn="l" rtl="0">
-              <a:spcBef>
-                <a:spcPts val="0"/>
-              </a:spcBef>
-              <a:spcAft>
-                <a:spcPts val="0"/>
-              </a:spcAft>
-              <a:buNone/>
-            </a:pPr>
-            <a:endParaRPr/>
-          </a:p>
-        </p:txBody>
-      </p:sp>
-      <p:grpSp>
-        <p:nvGrpSpPr>
-          <p:cNvPr id="680" name="Google Shape;680;p47"/>
-          <p:cNvGrpSpPr/>
-          <p:nvPr/>
-        </p:nvGrpSpPr>
-        <p:grpSpPr>
-          <a:xfrm>
-            <a:off x="1340171" y="3304513"/>
-            <a:ext cx="409142" cy="411041"/>
-            <a:chOff x="3303268" y="3817349"/>
-            <a:chExt cx="346056" cy="345674"/>
-          </a:xfrm>
-        </p:grpSpPr>
-        <p:sp>
-          <p:nvSpPr>
-            <p:cNvPr id="681" name="Google Shape;681;p47"/>
-            <p:cNvSpPr/>
-            <p:nvPr/>
-          </p:nvSpPr>
-          <p:spPr>
-            <a:xfrm>
-              <a:off x="3303268" y="3817349"/>
-              <a:ext cx="346056" cy="345674"/>
-            </a:xfrm>
-            <a:custGeom>
-              <a:avLst/>
-              <a:gdLst/>
-              <a:ahLst/>
-              <a:cxnLst/>
-              <a:rect l="l" t="t" r="r" b="b"/>
-              <a:pathLst>
-                <a:path w="10872" h="10860" extrusionOk="0">
-                  <a:moveTo>
-                    <a:pt x="5418" y="334"/>
-                  </a:moveTo>
-                  <a:cubicBezTo>
-                    <a:pt x="8228" y="334"/>
-                    <a:pt x="10514" y="2608"/>
-                    <a:pt x="10514" y="5430"/>
-                  </a:cubicBezTo>
-                  <a:cubicBezTo>
-                    <a:pt x="10514" y="8240"/>
-                    <a:pt x="8228" y="10514"/>
-                    <a:pt x="5418" y="10514"/>
-                  </a:cubicBezTo>
-                  <a:cubicBezTo>
-                    <a:pt x="2608" y="10514"/>
-                    <a:pt x="334" y="8240"/>
-                    <a:pt x="334" y="5430"/>
-                  </a:cubicBezTo>
-                  <a:cubicBezTo>
-                    <a:pt x="334" y="2608"/>
-                    <a:pt x="2608" y="334"/>
-                    <a:pt x="5418" y="334"/>
-                  </a:cubicBezTo>
-                  <a:close/>
-                  <a:moveTo>
-                    <a:pt x="5430" y="1"/>
-                  </a:moveTo>
-                  <a:cubicBezTo>
-                    <a:pt x="3989" y="1"/>
-                    <a:pt x="2620" y="560"/>
-                    <a:pt x="1596" y="1584"/>
-                  </a:cubicBezTo>
-                  <a:cubicBezTo>
-                    <a:pt x="572" y="2620"/>
-                    <a:pt x="1" y="3989"/>
-                    <a:pt x="1" y="5430"/>
-                  </a:cubicBezTo>
-                  <a:cubicBezTo>
-                    <a:pt x="1" y="6871"/>
-                    <a:pt x="572" y="8240"/>
-                    <a:pt x="1596" y="9264"/>
-                  </a:cubicBezTo>
-                  <a:cubicBezTo>
-                    <a:pt x="2620" y="10300"/>
-                    <a:pt x="3989" y="10859"/>
-                    <a:pt x="5430" y="10859"/>
-                  </a:cubicBezTo>
-                  <a:cubicBezTo>
-                    <a:pt x="6883" y="10859"/>
-                    <a:pt x="8252" y="10300"/>
-                    <a:pt x="9276" y="9264"/>
-                  </a:cubicBezTo>
-                  <a:cubicBezTo>
-                    <a:pt x="10300" y="8240"/>
-                    <a:pt x="10871" y="6871"/>
-                    <a:pt x="10871" y="5430"/>
-                  </a:cubicBezTo>
-                  <a:cubicBezTo>
-                    <a:pt x="10871" y="3989"/>
-                    <a:pt x="10300" y="2620"/>
-                    <a:pt x="9276" y="1584"/>
-                  </a:cubicBezTo>
-                  <a:cubicBezTo>
-                    <a:pt x="8252" y="560"/>
-                    <a:pt x="6883" y="1"/>
-                    <a:pt x="5430" y="1"/>
-                  </a:cubicBezTo>
-                  <a:close/>
-                </a:path>
-              </a:pathLst>
-            </a:custGeom>
-            <a:solidFill>
-              <a:schemeClr val="dk2"/>
-            </a:solidFill>
-            <a:ln>
-              <a:noFill/>
-            </a:ln>
-          </p:spPr>
-          <p:txBody>
-            <a:bodyPr spcFirstLastPara="1" wrap="square" lIns="91425" tIns="91425" rIns="91425" bIns="91425" anchor="ctr" anchorCtr="0">
-              <a:noAutofit/>
-            </a:bodyPr>
-            <a:lstStyle/>
-            <a:p>
-              <a:pPr marL="0" lvl="0" indent="0" algn="l" rtl="0">
-                <a:spcBef>
-                  <a:spcPts val="0"/>
-                </a:spcBef>
-                <a:spcAft>
-                  <a:spcPts val="0"/>
-                </a:spcAft>
-                <a:buNone/>
-              </a:pPr>
-              <a:endParaRPr/>
-            </a:p>
-          </p:txBody>
-        </p:sp>
-        <p:sp>
-          <p:nvSpPr>
-            <p:cNvPr id="682" name="Google Shape;682;p47"/>
-            <p:cNvSpPr/>
-            <p:nvPr/>
-          </p:nvSpPr>
-          <p:spPr>
-            <a:xfrm>
-              <a:off x="3368074" y="3882537"/>
-              <a:ext cx="215298" cy="215298"/>
-            </a:xfrm>
-            <a:custGeom>
-              <a:avLst/>
-              <a:gdLst/>
-              <a:ahLst/>
-              <a:cxnLst/>
-              <a:rect l="l" t="t" r="r" b="b"/>
-              <a:pathLst>
-                <a:path w="6764" h="6764" extrusionOk="0">
-                  <a:moveTo>
-                    <a:pt x="5335" y="346"/>
-                  </a:moveTo>
-                  <a:cubicBezTo>
-                    <a:pt x="5930" y="346"/>
-                    <a:pt x="6418" y="834"/>
-                    <a:pt x="6418" y="1429"/>
-                  </a:cubicBezTo>
-                  <a:lnTo>
-                    <a:pt x="6418" y="5335"/>
-                  </a:lnTo>
-                  <a:cubicBezTo>
-                    <a:pt x="6418" y="5930"/>
-                    <a:pt x="5930" y="6418"/>
-                    <a:pt x="5335" y="6418"/>
-                  </a:cubicBezTo>
-                  <a:lnTo>
-                    <a:pt x="1429" y="6418"/>
-                  </a:lnTo>
-                  <a:cubicBezTo>
-                    <a:pt x="834" y="6418"/>
-                    <a:pt x="346" y="5930"/>
-                    <a:pt x="346" y="5335"/>
-                  </a:cubicBezTo>
-                  <a:lnTo>
-                    <a:pt x="346" y="1429"/>
-                  </a:lnTo>
-                  <a:cubicBezTo>
-                    <a:pt x="346" y="834"/>
-                    <a:pt x="834" y="346"/>
-                    <a:pt x="1429" y="346"/>
-                  </a:cubicBezTo>
-                  <a:close/>
-                  <a:moveTo>
-                    <a:pt x="1429" y="1"/>
-                  </a:moveTo>
-                  <a:cubicBezTo>
-                    <a:pt x="644" y="1"/>
-                    <a:pt x="1" y="644"/>
-                    <a:pt x="1" y="1429"/>
-                  </a:cubicBezTo>
-                  <a:lnTo>
-                    <a:pt x="1" y="5335"/>
-                  </a:lnTo>
-                  <a:cubicBezTo>
-                    <a:pt x="1" y="6120"/>
-                    <a:pt x="644" y="6763"/>
-                    <a:pt x="1429" y="6763"/>
-                  </a:cubicBezTo>
-                  <a:lnTo>
-                    <a:pt x="5335" y="6763"/>
-                  </a:lnTo>
-                  <a:cubicBezTo>
-                    <a:pt x="6121" y="6763"/>
-                    <a:pt x="6763" y="6120"/>
-                    <a:pt x="6763" y="5335"/>
-                  </a:cubicBezTo>
-                  <a:lnTo>
-                    <a:pt x="6763" y="1429"/>
-                  </a:lnTo>
-                  <a:cubicBezTo>
-                    <a:pt x="6763" y="644"/>
-                    <a:pt x="6121" y="1"/>
-                    <a:pt x="5335" y="1"/>
-                  </a:cubicBezTo>
-                  <a:close/>
-                </a:path>
-              </a:pathLst>
-            </a:custGeom>
-            <a:solidFill>
-              <a:schemeClr val="dk2"/>
-            </a:solidFill>
-            <a:ln>
-              <a:noFill/>
-            </a:ln>
-          </p:spPr>
-          <p:txBody>
-            <a:bodyPr spcFirstLastPara="1" wrap="square" lIns="91425" tIns="91425" rIns="91425" bIns="91425" anchor="ctr" anchorCtr="0">
-              <a:noAutofit/>
-            </a:bodyPr>
-            <a:lstStyle/>
-            <a:p>
-              <a:pPr marL="0" lvl="0" indent="0" algn="l" rtl="0">
-                <a:spcBef>
-                  <a:spcPts val="0"/>
-                </a:spcBef>
-                <a:spcAft>
-                  <a:spcPts val="0"/>
-                </a:spcAft>
-                <a:buNone/>
-              </a:pPr>
-              <a:endParaRPr/>
-            </a:p>
-          </p:txBody>
-        </p:sp>
-        <p:sp>
-          <p:nvSpPr>
-            <p:cNvPr id="683" name="Google Shape;683;p47"/>
-            <p:cNvSpPr/>
-            <p:nvPr/>
-          </p:nvSpPr>
-          <p:spPr>
-            <a:xfrm>
-              <a:off x="3418143" y="3933656"/>
-              <a:ext cx="114811" cy="112742"/>
-            </a:xfrm>
-            <a:custGeom>
-              <a:avLst/>
-              <a:gdLst/>
-              <a:ahLst/>
-              <a:cxnLst/>
-              <a:rect l="l" t="t" r="r" b="b"/>
-              <a:pathLst>
-                <a:path w="3607" h="3542" extrusionOk="0">
-                  <a:moveTo>
-                    <a:pt x="1822" y="0"/>
-                  </a:moveTo>
-                  <a:cubicBezTo>
-                    <a:pt x="812" y="0"/>
-                    <a:pt x="1" y="851"/>
-                    <a:pt x="59" y="1859"/>
-                  </a:cubicBezTo>
-                  <a:cubicBezTo>
-                    <a:pt x="95" y="2776"/>
-                    <a:pt x="833" y="3502"/>
-                    <a:pt x="1726" y="3538"/>
-                  </a:cubicBezTo>
-                  <a:cubicBezTo>
-                    <a:pt x="1764" y="3541"/>
-                    <a:pt x="1802" y="3542"/>
-                    <a:pt x="1840" y="3542"/>
-                  </a:cubicBezTo>
-                  <a:cubicBezTo>
-                    <a:pt x="2178" y="3542"/>
-                    <a:pt x="2494" y="3447"/>
-                    <a:pt x="2762" y="3276"/>
-                  </a:cubicBezTo>
-                  <a:cubicBezTo>
-                    <a:pt x="2857" y="3217"/>
-                    <a:pt x="2869" y="3086"/>
-                    <a:pt x="2797" y="3014"/>
-                  </a:cubicBezTo>
-                  <a:cubicBezTo>
-                    <a:pt x="2761" y="2978"/>
-                    <a:pt x="2711" y="2964"/>
-                    <a:pt x="2664" y="2964"/>
-                  </a:cubicBezTo>
-                  <a:cubicBezTo>
-                    <a:pt x="2634" y="2964"/>
-                    <a:pt x="2606" y="2969"/>
-                    <a:pt x="2583" y="2979"/>
-                  </a:cubicBezTo>
-                  <a:cubicBezTo>
-                    <a:pt x="2380" y="3096"/>
-                    <a:pt x="2149" y="3185"/>
-                    <a:pt x="1897" y="3185"/>
-                  </a:cubicBezTo>
-                  <a:cubicBezTo>
-                    <a:pt x="1868" y="3185"/>
-                    <a:pt x="1839" y="3183"/>
-                    <a:pt x="1809" y="3181"/>
-                  </a:cubicBezTo>
-                  <a:cubicBezTo>
-                    <a:pt x="1023" y="3169"/>
-                    <a:pt x="380" y="2514"/>
-                    <a:pt x="392" y="1716"/>
-                  </a:cubicBezTo>
-                  <a:cubicBezTo>
-                    <a:pt x="426" y="948"/>
-                    <a:pt x="1028" y="330"/>
-                    <a:pt x="1792" y="330"/>
-                  </a:cubicBezTo>
-                  <a:cubicBezTo>
-                    <a:pt x="1833" y="330"/>
-                    <a:pt x="1874" y="332"/>
-                    <a:pt x="1916" y="335"/>
-                  </a:cubicBezTo>
-                  <a:cubicBezTo>
-                    <a:pt x="2619" y="371"/>
-                    <a:pt x="3190" y="943"/>
-                    <a:pt x="3250" y="1633"/>
-                  </a:cubicBezTo>
-                  <a:cubicBezTo>
-                    <a:pt x="3285" y="1919"/>
-                    <a:pt x="3214" y="2193"/>
-                    <a:pt x="3095" y="2431"/>
-                  </a:cubicBezTo>
-                  <a:cubicBezTo>
-                    <a:pt x="3059" y="2490"/>
-                    <a:pt x="3059" y="2574"/>
-                    <a:pt x="3119" y="2633"/>
-                  </a:cubicBezTo>
-                  <a:cubicBezTo>
-                    <a:pt x="3149" y="2663"/>
-                    <a:pt x="3191" y="2678"/>
-                    <a:pt x="3234" y="2678"/>
-                  </a:cubicBezTo>
-                  <a:cubicBezTo>
-                    <a:pt x="3295" y="2678"/>
-                    <a:pt x="3358" y="2648"/>
-                    <a:pt x="3393" y="2586"/>
-                  </a:cubicBezTo>
-                  <a:cubicBezTo>
-                    <a:pt x="3536" y="2324"/>
-                    <a:pt x="3607" y="2014"/>
-                    <a:pt x="3583" y="1669"/>
-                  </a:cubicBezTo>
-                  <a:cubicBezTo>
-                    <a:pt x="3536" y="764"/>
-                    <a:pt x="2797" y="50"/>
-                    <a:pt x="1904" y="2"/>
-                  </a:cubicBezTo>
-                  <a:cubicBezTo>
-                    <a:pt x="1877" y="1"/>
-                    <a:pt x="1849" y="0"/>
-                    <a:pt x="1822" y="0"/>
-                  </a:cubicBezTo>
-                  <a:close/>
-                </a:path>
-              </a:pathLst>
-            </a:custGeom>
-            <a:solidFill>
-              <a:schemeClr val="dk2"/>
-            </a:solidFill>
-            <a:ln>
-              <a:noFill/>
-            </a:ln>
-          </p:spPr>
-          <p:txBody>
-            <a:bodyPr spcFirstLastPara="1" wrap="square" lIns="91425" tIns="91425" rIns="91425" bIns="91425" anchor="ctr" anchorCtr="0">
-              <a:noAutofit/>
-            </a:bodyPr>
-            <a:lstStyle/>
-            <a:p>
-              <a:pPr marL="0" lvl="0" indent="0" algn="l" rtl="0">
-                <a:spcBef>
-                  <a:spcPts val="0"/>
-                </a:spcBef>
-                <a:spcAft>
-                  <a:spcPts val="0"/>
-                </a:spcAft>
-                <a:buNone/>
-              </a:pPr>
-              <a:endParaRPr/>
-            </a:p>
-          </p:txBody>
-        </p:sp>
-        <p:sp>
-          <p:nvSpPr>
-            <p:cNvPr id="684" name="Google Shape;684;p47"/>
-            <p:cNvSpPr/>
-            <p:nvPr/>
-          </p:nvSpPr>
-          <p:spPr>
-            <a:xfrm>
-              <a:off x="3519298" y="3910197"/>
-              <a:ext cx="29570" cy="29220"/>
-            </a:xfrm>
-            <a:custGeom>
-              <a:avLst/>
-              <a:gdLst/>
-              <a:ahLst/>
-              <a:cxnLst/>
-              <a:rect l="l" t="t" r="r" b="b"/>
-              <a:pathLst>
-                <a:path w="929" h="918" extrusionOk="0">
-                  <a:moveTo>
-                    <a:pt x="465" y="1"/>
-                  </a:moveTo>
-                  <a:cubicBezTo>
-                    <a:pt x="203" y="1"/>
-                    <a:pt x="0" y="203"/>
-                    <a:pt x="0" y="453"/>
-                  </a:cubicBezTo>
-                  <a:cubicBezTo>
-                    <a:pt x="0" y="715"/>
-                    <a:pt x="203" y="918"/>
-                    <a:pt x="465" y="918"/>
-                  </a:cubicBezTo>
-                  <a:cubicBezTo>
-                    <a:pt x="715" y="918"/>
-                    <a:pt x="929" y="715"/>
-                    <a:pt x="929" y="453"/>
-                  </a:cubicBezTo>
-                  <a:cubicBezTo>
-                    <a:pt x="929" y="203"/>
-                    <a:pt x="715" y="1"/>
-                    <a:pt x="465" y="1"/>
-                  </a:cubicBezTo>
-                  <a:close/>
-                </a:path>
-              </a:pathLst>
-            </a:custGeom>
-            <a:solidFill>
-              <a:schemeClr val="dk2"/>
-            </a:solidFill>
-            <a:ln>
-              <a:noFill/>
-            </a:ln>
-          </p:spPr>
-          <p:txBody>
-            <a:bodyPr spcFirstLastPara="1" wrap="square" lIns="91425" tIns="91425" rIns="91425" bIns="91425" anchor="ctr" anchorCtr="0">
-              <a:noAutofit/>
-            </a:bodyPr>
-            <a:lstStyle/>
-            <a:p>
-              <a:pPr marL="0" lvl="0" indent="0" algn="l" rtl="0">
-                <a:spcBef>
-                  <a:spcPts val="0"/>
-                </a:spcBef>
-                <a:spcAft>
-                  <a:spcPts val="0"/>
-                </a:spcAft>
-                <a:buNone/>
-              </a:pPr>
-              <a:endParaRPr/>
-            </a:p>
-          </p:txBody>
-        </p:sp>
-      </p:grpSp>
-      <p:grpSp>
-        <p:nvGrpSpPr>
-          <p:cNvPr id="685" name="Google Shape;685;p47"/>
-          <p:cNvGrpSpPr/>
-          <p:nvPr/>
-        </p:nvGrpSpPr>
-        <p:grpSpPr>
-          <a:xfrm>
-            <a:off x="1871130" y="3304513"/>
-            <a:ext cx="409142" cy="411041"/>
-            <a:chOff x="3752358" y="3817349"/>
-            <a:chExt cx="346056" cy="345674"/>
-          </a:xfrm>
-        </p:grpSpPr>
-        <p:sp>
-          <p:nvSpPr>
-            <p:cNvPr id="686" name="Google Shape;686;p47"/>
-            <p:cNvSpPr/>
-            <p:nvPr/>
-          </p:nvSpPr>
-          <p:spPr>
-            <a:xfrm>
-              <a:off x="3752358" y="3817349"/>
-              <a:ext cx="346056" cy="345674"/>
-            </a:xfrm>
-            <a:custGeom>
-              <a:avLst/>
-              <a:gdLst/>
-              <a:ahLst/>
-              <a:cxnLst/>
-              <a:rect l="l" t="t" r="r" b="b"/>
-              <a:pathLst>
-                <a:path w="10872" h="10860" extrusionOk="0">
-                  <a:moveTo>
-                    <a:pt x="5430" y="334"/>
-                  </a:moveTo>
-                  <a:cubicBezTo>
-                    <a:pt x="8252" y="334"/>
-                    <a:pt x="10526" y="2608"/>
-                    <a:pt x="10526" y="5430"/>
-                  </a:cubicBezTo>
-                  <a:cubicBezTo>
-                    <a:pt x="10526" y="8240"/>
-                    <a:pt x="8228" y="10514"/>
-                    <a:pt x="5430" y="10514"/>
-                  </a:cubicBezTo>
-                  <a:cubicBezTo>
-                    <a:pt x="2620" y="10514"/>
-                    <a:pt x="346" y="8240"/>
-                    <a:pt x="346" y="5430"/>
-                  </a:cubicBezTo>
-                  <a:cubicBezTo>
-                    <a:pt x="346" y="2608"/>
-                    <a:pt x="2620" y="334"/>
-                    <a:pt x="5430" y="334"/>
-                  </a:cubicBezTo>
-                  <a:close/>
-                  <a:moveTo>
-                    <a:pt x="5430" y="1"/>
-                  </a:moveTo>
-                  <a:cubicBezTo>
-                    <a:pt x="3989" y="1"/>
-                    <a:pt x="2620" y="560"/>
-                    <a:pt x="1596" y="1584"/>
-                  </a:cubicBezTo>
-                  <a:cubicBezTo>
-                    <a:pt x="572" y="2620"/>
-                    <a:pt x="1" y="3989"/>
-                    <a:pt x="1" y="5430"/>
-                  </a:cubicBezTo>
-                  <a:cubicBezTo>
-                    <a:pt x="1" y="6871"/>
-                    <a:pt x="572" y="8240"/>
-                    <a:pt x="1596" y="9264"/>
-                  </a:cubicBezTo>
-                  <a:cubicBezTo>
-                    <a:pt x="2620" y="10300"/>
-                    <a:pt x="3989" y="10859"/>
-                    <a:pt x="5430" y="10859"/>
-                  </a:cubicBezTo>
-                  <a:cubicBezTo>
-                    <a:pt x="6882" y="10859"/>
-                    <a:pt x="8252" y="10300"/>
-                    <a:pt x="9276" y="9264"/>
-                  </a:cubicBezTo>
-                  <a:cubicBezTo>
-                    <a:pt x="10300" y="8240"/>
-                    <a:pt x="10871" y="6871"/>
-                    <a:pt x="10871" y="5430"/>
-                  </a:cubicBezTo>
-                  <a:cubicBezTo>
-                    <a:pt x="10871" y="3989"/>
-                    <a:pt x="10300" y="2620"/>
-                    <a:pt x="9276" y="1584"/>
-                  </a:cubicBezTo>
-                  <a:cubicBezTo>
-                    <a:pt x="8252" y="560"/>
-                    <a:pt x="6882" y="1"/>
-                    <a:pt x="5430" y="1"/>
-                  </a:cubicBezTo>
-                  <a:close/>
-                </a:path>
-              </a:pathLst>
-            </a:custGeom>
-            <a:solidFill>
-              <a:schemeClr val="dk2"/>
-            </a:solidFill>
-            <a:ln>
-              <a:noFill/>
-            </a:ln>
-          </p:spPr>
-          <p:txBody>
-            <a:bodyPr spcFirstLastPara="1" wrap="square" lIns="91425" tIns="91425" rIns="91425" bIns="91425" anchor="ctr" anchorCtr="0">
-              <a:noAutofit/>
-            </a:bodyPr>
-            <a:lstStyle/>
-            <a:p>
-              <a:pPr marL="0" lvl="0" indent="0" algn="l" rtl="0">
-                <a:spcBef>
-                  <a:spcPts val="0"/>
-                </a:spcBef>
-                <a:spcAft>
-                  <a:spcPts val="0"/>
-                </a:spcAft>
-                <a:buNone/>
-              </a:pPr>
-              <a:endParaRPr/>
-            </a:p>
-          </p:txBody>
-        </p:sp>
-        <p:sp>
-          <p:nvSpPr>
-            <p:cNvPr id="687" name="Google Shape;687;p47"/>
-            <p:cNvSpPr/>
-            <p:nvPr/>
-          </p:nvSpPr>
-          <p:spPr>
-            <a:xfrm>
-              <a:off x="3831933" y="3955682"/>
-              <a:ext cx="47809" cy="120540"/>
-            </a:xfrm>
-            <a:custGeom>
-              <a:avLst/>
-              <a:gdLst/>
-              <a:ahLst/>
-              <a:cxnLst/>
-              <a:rect l="l" t="t" r="r" b="b"/>
-              <a:pathLst>
-                <a:path w="1502" h="3787" extrusionOk="0">
-                  <a:moveTo>
-                    <a:pt x="1168" y="346"/>
-                  </a:moveTo>
-                  <a:lnTo>
-                    <a:pt x="1168" y="3430"/>
-                  </a:lnTo>
-                  <a:lnTo>
-                    <a:pt x="358" y="3430"/>
-                  </a:lnTo>
-                  <a:lnTo>
-                    <a:pt x="358" y="346"/>
-                  </a:lnTo>
-                  <a:close/>
-                  <a:moveTo>
-                    <a:pt x="180" y="1"/>
-                  </a:moveTo>
-                  <a:cubicBezTo>
-                    <a:pt x="96" y="1"/>
-                    <a:pt x="1" y="72"/>
-                    <a:pt x="1" y="179"/>
-                  </a:cubicBezTo>
-                  <a:lnTo>
-                    <a:pt x="1" y="3608"/>
-                  </a:lnTo>
-                  <a:cubicBezTo>
-                    <a:pt x="1" y="3703"/>
-                    <a:pt x="72" y="3787"/>
-                    <a:pt x="180" y="3787"/>
-                  </a:cubicBezTo>
-                  <a:lnTo>
-                    <a:pt x="1323" y="3787"/>
-                  </a:lnTo>
-                  <a:cubicBezTo>
-                    <a:pt x="1418" y="3787"/>
-                    <a:pt x="1501" y="3715"/>
-                    <a:pt x="1501" y="3608"/>
-                  </a:cubicBezTo>
-                  <a:lnTo>
-                    <a:pt x="1501" y="179"/>
-                  </a:lnTo>
-                  <a:cubicBezTo>
-                    <a:pt x="1501" y="72"/>
-                    <a:pt x="1430" y="1"/>
-                    <a:pt x="1323" y="1"/>
-                  </a:cubicBezTo>
-                  <a:close/>
-                </a:path>
-              </a:pathLst>
-            </a:custGeom>
-            <a:solidFill>
-              <a:schemeClr val="dk2"/>
-            </a:solidFill>
-            <a:ln>
-              <a:noFill/>
-            </a:ln>
-          </p:spPr>
-          <p:txBody>
-            <a:bodyPr spcFirstLastPara="1" wrap="square" lIns="91425" tIns="91425" rIns="91425" bIns="91425" anchor="ctr" anchorCtr="0">
-              <a:noAutofit/>
-            </a:bodyPr>
-            <a:lstStyle/>
-            <a:p>
-              <a:pPr marL="0" lvl="0" indent="0" algn="l" rtl="0">
-                <a:spcBef>
-                  <a:spcPts val="0"/>
-                </a:spcBef>
-                <a:spcAft>
-                  <a:spcPts val="0"/>
-                </a:spcAft>
-                <a:buNone/>
-              </a:pPr>
-              <a:endParaRPr/>
-            </a:p>
-          </p:txBody>
-        </p:sp>
-        <p:sp>
-          <p:nvSpPr>
-            <p:cNvPr id="688" name="Google Shape;688;p47"/>
-            <p:cNvSpPr/>
-            <p:nvPr/>
-          </p:nvSpPr>
-          <p:spPr>
-            <a:xfrm>
-              <a:off x="3824739" y="3890112"/>
-              <a:ext cx="55002" cy="55002"/>
-            </a:xfrm>
-            <a:custGeom>
-              <a:avLst/>
-              <a:gdLst/>
-              <a:ahLst/>
-              <a:cxnLst/>
-              <a:rect l="l" t="t" r="r" b="b"/>
-              <a:pathLst>
-                <a:path w="1728" h="1728" extrusionOk="0">
-                  <a:moveTo>
-                    <a:pt x="870" y="334"/>
-                  </a:moveTo>
-                  <a:cubicBezTo>
-                    <a:pt x="1156" y="334"/>
-                    <a:pt x="1394" y="572"/>
-                    <a:pt x="1394" y="846"/>
-                  </a:cubicBezTo>
-                  <a:cubicBezTo>
-                    <a:pt x="1394" y="1132"/>
-                    <a:pt x="1156" y="1370"/>
-                    <a:pt x="870" y="1370"/>
-                  </a:cubicBezTo>
-                  <a:cubicBezTo>
-                    <a:pt x="584" y="1370"/>
-                    <a:pt x="346" y="1132"/>
-                    <a:pt x="346" y="846"/>
-                  </a:cubicBezTo>
-                  <a:cubicBezTo>
-                    <a:pt x="346" y="572"/>
-                    <a:pt x="584" y="334"/>
-                    <a:pt x="870" y="334"/>
-                  </a:cubicBezTo>
-                  <a:close/>
-                  <a:moveTo>
-                    <a:pt x="870" y="1"/>
-                  </a:moveTo>
-                  <a:cubicBezTo>
-                    <a:pt x="394" y="1"/>
-                    <a:pt x="1" y="394"/>
-                    <a:pt x="1" y="870"/>
-                  </a:cubicBezTo>
-                  <a:cubicBezTo>
-                    <a:pt x="1" y="1346"/>
-                    <a:pt x="394" y="1727"/>
-                    <a:pt x="870" y="1727"/>
-                  </a:cubicBezTo>
-                  <a:cubicBezTo>
-                    <a:pt x="1346" y="1727"/>
-                    <a:pt x="1727" y="1334"/>
-                    <a:pt x="1727" y="870"/>
-                  </a:cubicBezTo>
-                  <a:cubicBezTo>
-                    <a:pt x="1727" y="394"/>
-                    <a:pt x="1346" y="1"/>
-                    <a:pt x="870" y="1"/>
-                  </a:cubicBezTo>
-                  <a:close/>
-                </a:path>
-              </a:pathLst>
-            </a:custGeom>
-            <a:solidFill>
-              <a:schemeClr val="dk2"/>
-            </a:solidFill>
-            <a:ln>
-              <a:noFill/>
-            </a:ln>
-          </p:spPr>
-          <p:txBody>
-            <a:bodyPr spcFirstLastPara="1" wrap="square" lIns="91425" tIns="91425" rIns="91425" bIns="91425" anchor="ctr" anchorCtr="0">
-              <a:noAutofit/>
-            </a:bodyPr>
-            <a:lstStyle/>
-            <a:p>
-              <a:pPr marL="0" lvl="0" indent="0" algn="l" rtl="0">
-                <a:spcBef>
-                  <a:spcPts val="0"/>
-                </a:spcBef>
-                <a:spcAft>
-                  <a:spcPts val="0"/>
-                </a:spcAft>
-                <a:buNone/>
-              </a:pPr>
-              <a:endParaRPr/>
-            </a:p>
-          </p:txBody>
-        </p:sp>
-        <p:sp>
-          <p:nvSpPr>
-            <p:cNvPr id="689" name="Google Shape;689;p47"/>
-            <p:cNvSpPr/>
-            <p:nvPr/>
-          </p:nvSpPr>
-          <p:spPr>
-            <a:xfrm>
-              <a:off x="3904696" y="3955682"/>
-              <a:ext cx="128148" cy="120540"/>
-            </a:xfrm>
-            <a:custGeom>
-              <a:avLst/>
-              <a:gdLst/>
-              <a:ahLst/>
-              <a:cxnLst/>
-              <a:rect l="l" t="t" r="r" b="b"/>
-              <a:pathLst>
-                <a:path w="4026" h="3787" extrusionOk="0">
-                  <a:moveTo>
-                    <a:pt x="191" y="1"/>
-                  </a:moveTo>
-                  <a:cubicBezTo>
-                    <a:pt x="96" y="1"/>
-                    <a:pt x="1" y="72"/>
-                    <a:pt x="1" y="179"/>
-                  </a:cubicBezTo>
-                  <a:lnTo>
-                    <a:pt x="1" y="3608"/>
-                  </a:lnTo>
-                  <a:cubicBezTo>
-                    <a:pt x="1" y="3703"/>
-                    <a:pt x="84" y="3787"/>
-                    <a:pt x="191" y="3787"/>
-                  </a:cubicBezTo>
-                  <a:lnTo>
-                    <a:pt x="1334" y="3787"/>
-                  </a:lnTo>
-                  <a:cubicBezTo>
-                    <a:pt x="1418" y="3787"/>
-                    <a:pt x="1513" y="3715"/>
-                    <a:pt x="1513" y="3608"/>
-                  </a:cubicBezTo>
-                  <a:lnTo>
-                    <a:pt x="1513" y="2382"/>
-                  </a:lnTo>
-                  <a:cubicBezTo>
-                    <a:pt x="1513" y="1977"/>
-                    <a:pt x="1596" y="1501"/>
-                    <a:pt x="2037" y="1501"/>
-                  </a:cubicBezTo>
-                  <a:cubicBezTo>
-                    <a:pt x="2347" y="1501"/>
-                    <a:pt x="2477" y="1763"/>
-                    <a:pt x="2525" y="2060"/>
-                  </a:cubicBezTo>
-                  <a:cubicBezTo>
-                    <a:pt x="2537" y="2156"/>
-                    <a:pt x="2608" y="2215"/>
-                    <a:pt x="2692" y="2215"/>
-                  </a:cubicBezTo>
-                  <a:cubicBezTo>
-                    <a:pt x="2787" y="2215"/>
-                    <a:pt x="2870" y="2120"/>
-                    <a:pt x="2847" y="2025"/>
-                  </a:cubicBezTo>
-                  <a:cubicBezTo>
-                    <a:pt x="2763" y="1465"/>
-                    <a:pt x="2477" y="1155"/>
-                    <a:pt x="2013" y="1155"/>
-                  </a:cubicBezTo>
-                  <a:cubicBezTo>
-                    <a:pt x="1465" y="1155"/>
-                    <a:pt x="1156" y="1608"/>
-                    <a:pt x="1156" y="2382"/>
-                  </a:cubicBezTo>
-                  <a:lnTo>
-                    <a:pt x="1156" y="3430"/>
-                  </a:lnTo>
-                  <a:lnTo>
-                    <a:pt x="346" y="3430"/>
-                  </a:lnTo>
-                  <a:lnTo>
-                    <a:pt x="346" y="358"/>
-                  </a:lnTo>
-                  <a:lnTo>
-                    <a:pt x="918" y="358"/>
-                  </a:lnTo>
-                  <a:lnTo>
-                    <a:pt x="918" y="572"/>
-                  </a:lnTo>
-                  <a:cubicBezTo>
-                    <a:pt x="918" y="632"/>
-                    <a:pt x="930" y="679"/>
-                    <a:pt x="977" y="715"/>
-                  </a:cubicBezTo>
-                  <a:cubicBezTo>
-                    <a:pt x="1007" y="733"/>
-                    <a:pt x="1043" y="742"/>
-                    <a:pt x="1078" y="742"/>
-                  </a:cubicBezTo>
-                  <a:cubicBezTo>
-                    <a:pt x="1114" y="742"/>
-                    <a:pt x="1150" y="733"/>
-                    <a:pt x="1180" y="715"/>
-                  </a:cubicBezTo>
-                  <a:cubicBezTo>
-                    <a:pt x="1477" y="477"/>
-                    <a:pt x="1835" y="358"/>
-                    <a:pt x="2227" y="358"/>
-                  </a:cubicBezTo>
-                  <a:cubicBezTo>
-                    <a:pt x="3204" y="358"/>
-                    <a:pt x="3656" y="1191"/>
-                    <a:pt x="3656" y="2001"/>
-                  </a:cubicBezTo>
-                  <a:lnTo>
-                    <a:pt x="3656" y="3430"/>
-                  </a:lnTo>
-                  <a:lnTo>
-                    <a:pt x="2847" y="3430"/>
-                  </a:lnTo>
-                  <a:lnTo>
-                    <a:pt x="2847" y="2870"/>
-                  </a:lnTo>
-                  <a:cubicBezTo>
-                    <a:pt x="2847" y="2775"/>
-                    <a:pt x="2775" y="2703"/>
-                    <a:pt x="2692" y="2703"/>
-                  </a:cubicBezTo>
-                  <a:cubicBezTo>
-                    <a:pt x="2597" y="2703"/>
-                    <a:pt x="2525" y="2775"/>
-                    <a:pt x="2525" y="2870"/>
-                  </a:cubicBezTo>
-                  <a:lnTo>
-                    <a:pt x="2525" y="3596"/>
-                  </a:lnTo>
-                  <a:cubicBezTo>
-                    <a:pt x="2525" y="3691"/>
-                    <a:pt x="2597" y="3775"/>
-                    <a:pt x="2704" y="3775"/>
-                  </a:cubicBezTo>
-                  <a:lnTo>
-                    <a:pt x="3847" y="3775"/>
-                  </a:lnTo>
-                  <a:cubicBezTo>
-                    <a:pt x="3942" y="3775"/>
-                    <a:pt x="4025" y="3703"/>
-                    <a:pt x="4025" y="3596"/>
-                  </a:cubicBezTo>
-                  <a:lnTo>
-                    <a:pt x="4025" y="1989"/>
-                  </a:lnTo>
-                  <a:cubicBezTo>
-                    <a:pt x="4025" y="810"/>
-                    <a:pt x="3299" y="1"/>
-                    <a:pt x="2239" y="1"/>
-                  </a:cubicBezTo>
-                  <a:cubicBezTo>
-                    <a:pt x="1894" y="1"/>
-                    <a:pt x="1573" y="84"/>
-                    <a:pt x="1275" y="251"/>
-                  </a:cubicBezTo>
-                  <a:lnTo>
-                    <a:pt x="1275" y="179"/>
-                  </a:lnTo>
-                  <a:cubicBezTo>
-                    <a:pt x="1275" y="84"/>
-                    <a:pt x="1204" y="1"/>
-                    <a:pt x="1096" y="1"/>
-                  </a:cubicBezTo>
-                  <a:close/>
-                </a:path>
-              </a:pathLst>
-            </a:custGeom>
-            <a:solidFill>
-              <a:schemeClr val="dk2"/>
-            </a:solidFill>
-            <a:ln>
-              <a:noFill/>
-            </a:ln>
-          </p:spPr>
-          <p:txBody>
-            <a:bodyPr spcFirstLastPara="1" wrap="square" lIns="91425" tIns="91425" rIns="91425" bIns="91425" anchor="ctr" anchorCtr="0">
-              <a:noAutofit/>
-            </a:bodyPr>
-            <a:lstStyle/>
-            <a:p>
-              <a:pPr marL="0" lvl="0" indent="0" algn="l" rtl="0">
-                <a:spcBef>
-                  <a:spcPts val="0"/>
-                </a:spcBef>
-                <a:spcAft>
-                  <a:spcPts val="0"/>
-                </a:spcAft>
-                <a:buNone/>
-              </a:pPr>
-              <a:endParaRPr/>
-            </a:p>
-          </p:txBody>
-        </p:sp>
-      </p:grpSp>
-      <p:grpSp>
-        <p:nvGrpSpPr>
-          <p:cNvPr id="690" name="Google Shape;690;p47"/>
-          <p:cNvGrpSpPr/>
-          <p:nvPr/>
-        </p:nvGrpSpPr>
-        <p:grpSpPr>
-          <a:xfrm>
-            <a:off x="2402088" y="3304513"/>
-            <a:ext cx="409104" cy="411041"/>
-            <a:chOff x="4201447" y="3817349"/>
-            <a:chExt cx="346024" cy="345674"/>
-          </a:xfrm>
-        </p:grpSpPr>
-        <p:sp>
-          <p:nvSpPr>
-            <p:cNvPr id="691" name="Google Shape;691;p47"/>
-            <p:cNvSpPr/>
-            <p:nvPr/>
-          </p:nvSpPr>
-          <p:spPr>
-            <a:xfrm>
-              <a:off x="4201447" y="3817349"/>
-              <a:ext cx="346024" cy="345674"/>
-            </a:xfrm>
-            <a:custGeom>
-              <a:avLst/>
-              <a:gdLst/>
-              <a:ahLst/>
-              <a:cxnLst/>
-              <a:rect l="l" t="t" r="r" b="b"/>
-              <a:pathLst>
-                <a:path w="10871" h="10860" extrusionOk="0">
-                  <a:moveTo>
-                    <a:pt x="5430" y="334"/>
-                  </a:moveTo>
-                  <a:cubicBezTo>
-                    <a:pt x="8252" y="334"/>
-                    <a:pt x="10526" y="2608"/>
-                    <a:pt x="10526" y="5430"/>
-                  </a:cubicBezTo>
-                  <a:cubicBezTo>
-                    <a:pt x="10526" y="8240"/>
-                    <a:pt x="8252" y="10514"/>
-                    <a:pt x="5430" y="10514"/>
-                  </a:cubicBezTo>
-                  <a:cubicBezTo>
-                    <a:pt x="2620" y="10514"/>
-                    <a:pt x="346" y="8240"/>
-                    <a:pt x="346" y="5430"/>
-                  </a:cubicBezTo>
-                  <a:cubicBezTo>
-                    <a:pt x="346" y="2608"/>
-                    <a:pt x="2620" y="334"/>
-                    <a:pt x="5430" y="334"/>
-                  </a:cubicBezTo>
-                  <a:close/>
-                  <a:moveTo>
-                    <a:pt x="5430" y="1"/>
-                  </a:moveTo>
-                  <a:cubicBezTo>
-                    <a:pt x="3989" y="1"/>
-                    <a:pt x="2620" y="560"/>
-                    <a:pt x="1596" y="1584"/>
-                  </a:cubicBezTo>
-                  <a:cubicBezTo>
-                    <a:pt x="572" y="2620"/>
-                    <a:pt x="1" y="3989"/>
-                    <a:pt x="1" y="5430"/>
-                  </a:cubicBezTo>
-                  <a:cubicBezTo>
-                    <a:pt x="1" y="6871"/>
-                    <a:pt x="572" y="8240"/>
-                    <a:pt x="1596" y="9264"/>
-                  </a:cubicBezTo>
-                  <a:cubicBezTo>
-                    <a:pt x="2620" y="10300"/>
-                    <a:pt x="3989" y="10859"/>
-                    <a:pt x="5430" y="10859"/>
-                  </a:cubicBezTo>
-                  <a:cubicBezTo>
-                    <a:pt x="6882" y="10859"/>
-                    <a:pt x="8252" y="10300"/>
-                    <a:pt x="9276" y="9264"/>
-                  </a:cubicBezTo>
-                  <a:cubicBezTo>
-                    <a:pt x="10299" y="8240"/>
-                    <a:pt x="10871" y="6871"/>
-                    <a:pt x="10871" y="5430"/>
-                  </a:cubicBezTo>
-                  <a:cubicBezTo>
-                    <a:pt x="10871" y="3989"/>
-                    <a:pt x="10299" y="2620"/>
-                    <a:pt x="9276" y="1584"/>
-                  </a:cubicBezTo>
-                  <a:cubicBezTo>
-                    <a:pt x="8252" y="560"/>
-                    <a:pt x="6882" y="1"/>
-                    <a:pt x="5430" y="1"/>
-                  </a:cubicBezTo>
-                  <a:close/>
-                </a:path>
-              </a:pathLst>
-            </a:custGeom>
-            <a:solidFill>
-              <a:schemeClr val="dk2"/>
-            </a:solidFill>
-            <a:ln>
-              <a:noFill/>
-            </a:ln>
-          </p:spPr>
-          <p:txBody>
-            <a:bodyPr spcFirstLastPara="1" wrap="square" lIns="91425" tIns="91425" rIns="91425" bIns="91425" anchor="ctr" anchorCtr="0">
-              <a:noAutofit/>
-            </a:bodyPr>
-            <a:lstStyle/>
-            <a:p>
-              <a:pPr marL="0" lvl="0" indent="0" algn="l" rtl="0">
-                <a:spcBef>
-                  <a:spcPts val="0"/>
-                </a:spcBef>
-                <a:spcAft>
-                  <a:spcPts val="0"/>
-                </a:spcAft>
-                <a:buNone/>
-              </a:pPr>
-              <a:endParaRPr/>
-            </a:p>
-          </p:txBody>
-        </p:sp>
-        <p:sp>
-          <p:nvSpPr>
-            <p:cNvPr id="692" name="Google Shape;692;p47"/>
-            <p:cNvSpPr/>
-            <p:nvPr/>
-          </p:nvSpPr>
-          <p:spPr>
-            <a:xfrm>
-              <a:off x="4271569" y="3904531"/>
-              <a:ext cx="227394" cy="185728"/>
-            </a:xfrm>
-            <a:custGeom>
-              <a:avLst/>
-              <a:gdLst/>
-              <a:ahLst/>
-              <a:cxnLst/>
-              <a:rect l="l" t="t" r="r" b="b"/>
-              <a:pathLst>
-                <a:path w="7144" h="5835" extrusionOk="0">
-                  <a:moveTo>
-                    <a:pt x="4620" y="0"/>
-                  </a:moveTo>
-                  <a:cubicBezTo>
-                    <a:pt x="3727" y="0"/>
-                    <a:pt x="2977" y="691"/>
-                    <a:pt x="2905" y="1572"/>
-                  </a:cubicBezTo>
-                  <a:cubicBezTo>
-                    <a:pt x="2727" y="1548"/>
-                    <a:pt x="2358" y="1441"/>
-                    <a:pt x="2262" y="1405"/>
-                  </a:cubicBezTo>
-                  <a:cubicBezTo>
-                    <a:pt x="1643" y="1203"/>
-                    <a:pt x="1072" y="810"/>
-                    <a:pt x="631" y="322"/>
-                  </a:cubicBezTo>
-                  <a:cubicBezTo>
-                    <a:pt x="596" y="298"/>
-                    <a:pt x="572" y="274"/>
-                    <a:pt x="524" y="262"/>
-                  </a:cubicBezTo>
-                  <a:cubicBezTo>
-                    <a:pt x="517" y="261"/>
-                    <a:pt x="509" y="260"/>
-                    <a:pt x="501" y="260"/>
-                  </a:cubicBezTo>
-                  <a:cubicBezTo>
-                    <a:pt x="436" y="260"/>
-                    <a:pt x="367" y="304"/>
-                    <a:pt x="346" y="357"/>
-                  </a:cubicBezTo>
-                  <a:cubicBezTo>
-                    <a:pt x="238" y="572"/>
-                    <a:pt x="179" y="810"/>
-                    <a:pt x="179" y="1048"/>
-                  </a:cubicBezTo>
-                  <a:cubicBezTo>
-                    <a:pt x="179" y="1393"/>
-                    <a:pt x="286" y="1727"/>
-                    <a:pt x="476" y="1977"/>
-                  </a:cubicBezTo>
-                  <a:cubicBezTo>
-                    <a:pt x="466" y="1975"/>
-                    <a:pt x="456" y="1974"/>
-                    <a:pt x="446" y="1974"/>
-                  </a:cubicBezTo>
-                  <a:cubicBezTo>
-                    <a:pt x="397" y="1974"/>
-                    <a:pt x="349" y="1997"/>
-                    <a:pt x="310" y="2036"/>
-                  </a:cubicBezTo>
-                  <a:cubicBezTo>
-                    <a:pt x="286" y="2060"/>
-                    <a:pt x="286" y="2108"/>
-                    <a:pt x="274" y="2143"/>
-                  </a:cubicBezTo>
-                  <a:lnTo>
-                    <a:pt x="274" y="2203"/>
-                  </a:lnTo>
-                  <a:cubicBezTo>
-                    <a:pt x="274" y="2655"/>
-                    <a:pt x="476" y="3072"/>
-                    <a:pt x="822" y="3358"/>
-                  </a:cubicBezTo>
-                  <a:cubicBezTo>
-                    <a:pt x="786" y="3370"/>
-                    <a:pt x="774" y="3405"/>
-                    <a:pt x="762" y="3417"/>
-                  </a:cubicBezTo>
-                  <a:cubicBezTo>
-                    <a:pt x="750" y="3465"/>
-                    <a:pt x="727" y="3513"/>
-                    <a:pt x="750" y="3548"/>
-                  </a:cubicBezTo>
-                  <a:cubicBezTo>
-                    <a:pt x="893" y="4024"/>
-                    <a:pt x="1262" y="4405"/>
-                    <a:pt x="1727" y="4548"/>
-                  </a:cubicBezTo>
-                  <a:cubicBezTo>
-                    <a:pt x="1310" y="4798"/>
-                    <a:pt x="834" y="4941"/>
-                    <a:pt x="334" y="4941"/>
-                  </a:cubicBezTo>
-                  <a:lnTo>
-                    <a:pt x="191" y="4941"/>
-                  </a:lnTo>
-                  <a:cubicBezTo>
-                    <a:pt x="107" y="4941"/>
-                    <a:pt x="36" y="5001"/>
-                    <a:pt x="12" y="5084"/>
-                  </a:cubicBezTo>
-                  <a:cubicBezTo>
-                    <a:pt x="0" y="5156"/>
-                    <a:pt x="48" y="5239"/>
-                    <a:pt x="107" y="5263"/>
-                  </a:cubicBezTo>
-                  <a:cubicBezTo>
-                    <a:pt x="727" y="5632"/>
-                    <a:pt x="1465" y="5834"/>
-                    <a:pt x="2191" y="5834"/>
-                  </a:cubicBezTo>
-                  <a:cubicBezTo>
-                    <a:pt x="3072" y="5834"/>
-                    <a:pt x="3905" y="5560"/>
-                    <a:pt x="4596" y="5060"/>
-                  </a:cubicBezTo>
-                  <a:cubicBezTo>
-                    <a:pt x="4691" y="5001"/>
-                    <a:pt x="4691" y="4858"/>
-                    <a:pt x="4620" y="4786"/>
-                  </a:cubicBezTo>
-                  <a:cubicBezTo>
-                    <a:pt x="4587" y="4754"/>
-                    <a:pt x="4544" y="4735"/>
-                    <a:pt x="4499" y="4735"/>
-                  </a:cubicBezTo>
-                  <a:cubicBezTo>
-                    <a:pt x="4463" y="4735"/>
-                    <a:pt x="4426" y="4748"/>
-                    <a:pt x="4394" y="4775"/>
-                  </a:cubicBezTo>
-                  <a:cubicBezTo>
-                    <a:pt x="3763" y="5215"/>
-                    <a:pt x="3013" y="5489"/>
-                    <a:pt x="2191" y="5489"/>
-                  </a:cubicBezTo>
-                  <a:cubicBezTo>
-                    <a:pt x="1727" y="5489"/>
-                    <a:pt x="1262" y="5394"/>
-                    <a:pt x="846" y="5239"/>
-                  </a:cubicBezTo>
-                  <a:cubicBezTo>
-                    <a:pt x="1369" y="5144"/>
-                    <a:pt x="1846" y="4917"/>
-                    <a:pt x="2262" y="4584"/>
-                  </a:cubicBezTo>
-                  <a:cubicBezTo>
-                    <a:pt x="2310" y="4536"/>
-                    <a:pt x="2334" y="4477"/>
-                    <a:pt x="2322" y="4417"/>
-                  </a:cubicBezTo>
-                  <a:cubicBezTo>
-                    <a:pt x="2310" y="4346"/>
-                    <a:pt x="2239" y="4286"/>
-                    <a:pt x="2155" y="4286"/>
-                  </a:cubicBezTo>
-                  <a:cubicBezTo>
-                    <a:pt x="1739" y="4263"/>
-                    <a:pt x="1369" y="4048"/>
-                    <a:pt x="1167" y="3691"/>
-                  </a:cubicBezTo>
-                  <a:cubicBezTo>
-                    <a:pt x="1250" y="3691"/>
-                    <a:pt x="1358" y="3667"/>
-                    <a:pt x="1441" y="3643"/>
-                  </a:cubicBezTo>
-                  <a:cubicBezTo>
-                    <a:pt x="1524" y="3632"/>
-                    <a:pt x="1584" y="3572"/>
-                    <a:pt x="1584" y="3489"/>
-                  </a:cubicBezTo>
-                  <a:cubicBezTo>
-                    <a:pt x="1596" y="3405"/>
-                    <a:pt x="1536" y="3334"/>
-                    <a:pt x="1441" y="3298"/>
-                  </a:cubicBezTo>
-                  <a:cubicBezTo>
-                    <a:pt x="1000" y="3191"/>
-                    <a:pt x="667" y="2822"/>
-                    <a:pt x="596" y="2381"/>
-                  </a:cubicBezTo>
-                  <a:lnTo>
-                    <a:pt x="596" y="2381"/>
-                  </a:lnTo>
-                  <a:cubicBezTo>
-                    <a:pt x="727" y="2405"/>
-                    <a:pt x="869" y="2417"/>
-                    <a:pt x="1000" y="2417"/>
-                  </a:cubicBezTo>
-                  <a:cubicBezTo>
-                    <a:pt x="1084" y="2417"/>
-                    <a:pt x="1143" y="2358"/>
-                    <a:pt x="1167" y="2274"/>
-                  </a:cubicBezTo>
-                  <a:cubicBezTo>
-                    <a:pt x="1179" y="2203"/>
-                    <a:pt x="1131" y="2143"/>
-                    <a:pt x="1072" y="2108"/>
-                  </a:cubicBezTo>
-                  <a:cubicBezTo>
-                    <a:pt x="703" y="1881"/>
-                    <a:pt x="476" y="1488"/>
-                    <a:pt x="476" y="1048"/>
-                  </a:cubicBezTo>
-                  <a:cubicBezTo>
-                    <a:pt x="476" y="953"/>
-                    <a:pt x="488" y="846"/>
-                    <a:pt x="524" y="738"/>
-                  </a:cubicBezTo>
-                  <a:cubicBezTo>
-                    <a:pt x="965" y="1191"/>
-                    <a:pt x="1524" y="1524"/>
-                    <a:pt x="2120" y="1727"/>
-                  </a:cubicBezTo>
-                  <a:cubicBezTo>
-                    <a:pt x="2120" y="1727"/>
-                    <a:pt x="2715" y="1905"/>
-                    <a:pt x="2929" y="1917"/>
-                  </a:cubicBezTo>
-                  <a:lnTo>
-                    <a:pt x="3024" y="1917"/>
-                  </a:lnTo>
-                  <a:cubicBezTo>
-                    <a:pt x="3096" y="1917"/>
-                    <a:pt x="3167" y="1869"/>
-                    <a:pt x="3191" y="1798"/>
-                  </a:cubicBezTo>
-                  <a:cubicBezTo>
-                    <a:pt x="3203" y="1786"/>
-                    <a:pt x="3203" y="1750"/>
-                    <a:pt x="3203" y="1738"/>
-                  </a:cubicBezTo>
-                  <a:lnTo>
-                    <a:pt x="3203" y="1703"/>
-                  </a:lnTo>
-                  <a:cubicBezTo>
-                    <a:pt x="3203" y="953"/>
-                    <a:pt x="3810" y="334"/>
-                    <a:pt x="4572" y="334"/>
-                  </a:cubicBezTo>
-                  <a:cubicBezTo>
-                    <a:pt x="4941" y="334"/>
-                    <a:pt x="5287" y="488"/>
-                    <a:pt x="5549" y="750"/>
-                  </a:cubicBezTo>
-                  <a:cubicBezTo>
-                    <a:pt x="5585" y="787"/>
-                    <a:pt x="5621" y="802"/>
-                    <a:pt x="5663" y="802"/>
-                  </a:cubicBezTo>
-                  <a:cubicBezTo>
-                    <a:pt x="5676" y="802"/>
-                    <a:pt x="5689" y="801"/>
-                    <a:pt x="5703" y="798"/>
-                  </a:cubicBezTo>
-                  <a:cubicBezTo>
-                    <a:pt x="5882" y="762"/>
-                    <a:pt x="6049" y="738"/>
-                    <a:pt x="6203" y="679"/>
-                  </a:cubicBezTo>
-                  <a:lnTo>
-                    <a:pt x="6203" y="679"/>
-                  </a:lnTo>
-                  <a:cubicBezTo>
-                    <a:pt x="6120" y="762"/>
-                    <a:pt x="6013" y="857"/>
-                    <a:pt x="5894" y="917"/>
-                  </a:cubicBezTo>
-                  <a:cubicBezTo>
-                    <a:pt x="5822" y="965"/>
-                    <a:pt x="5787" y="1048"/>
-                    <a:pt x="5822" y="1143"/>
-                  </a:cubicBezTo>
-                  <a:cubicBezTo>
-                    <a:pt x="5846" y="1203"/>
-                    <a:pt x="5930" y="1250"/>
-                    <a:pt x="6001" y="1250"/>
-                  </a:cubicBezTo>
-                  <a:cubicBezTo>
-                    <a:pt x="6144" y="1227"/>
-                    <a:pt x="6287" y="1215"/>
-                    <a:pt x="6418" y="1167"/>
-                  </a:cubicBezTo>
-                  <a:lnTo>
-                    <a:pt x="6418" y="1167"/>
-                  </a:lnTo>
-                  <a:cubicBezTo>
-                    <a:pt x="6299" y="1286"/>
-                    <a:pt x="6168" y="1405"/>
-                    <a:pt x="6013" y="1512"/>
-                  </a:cubicBezTo>
-                  <a:cubicBezTo>
-                    <a:pt x="5965" y="1548"/>
-                    <a:pt x="5941" y="1608"/>
-                    <a:pt x="5941" y="1655"/>
-                  </a:cubicBezTo>
-                  <a:lnTo>
-                    <a:pt x="5941" y="1679"/>
-                  </a:lnTo>
-                  <a:lnTo>
-                    <a:pt x="5941" y="1703"/>
-                  </a:lnTo>
-                  <a:lnTo>
-                    <a:pt x="5941" y="1727"/>
-                  </a:lnTo>
-                  <a:cubicBezTo>
-                    <a:pt x="5941" y="2691"/>
-                    <a:pt x="5572" y="3572"/>
-                    <a:pt x="4977" y="4227"/>
-                  </a:cubicBezTo>
-                  <a:cubicBezTo>
-                    <a:pt x="4918" y="4298"/>
-                    <a:pt x="4918" y="4405"/>
-                    <a:pt x="4977" y="4465"/>
-                  </a:cubicBezTo>
-                  <a:cubicBezTo>
-                    <a:pt x="5011" y="4499"/>
-                    <a:pt x="5053" y="4514"/>
-                    <a:pt x="5096" y="4514"/>
-                  </a:cubicBezTo>
-                  <a:cubicBezTo>
-                    <a:pt x="5143" y="4514"/>
-                    <a:pt x="5190" y="4496"/>
-                    <a:pt x="5227" y="4465"/>
-                  </a:cubicBezTo>
-                  <a:cubicBezTo>
-                    <a:pt x="5894" y="3715"/>
-                    <a:pt x="6263" y="2762"/>
-                    <a:pt x="6287" y="1750"/>
-                  </a:cubicBezTo>
-                  <a:cubicBezTo>
-                    <a:pt x="6596" y="1524"/>
-                    <a:pt x="6846" y="1250"/>
-                    <a:pt x="7061" y="917"/>
-                  </a:cubicBezTo>
-                  <a:cubicBezTo>
-                    <a:pt x="7144" y="857"/>
-                    <a:pt x="7132" y="750"/>
-                    <a:pt x="7061" y="715"/>
-                  </a:cubicBezTo>
-                  <a:cubicBezTo>
-                    <a:pt x="7029" y="683"/>
-                    <a:pt x="6987" y="667"/>
-                    <a:pt x="6937" y="667"/>
-                  </a:cubicBezTo>
-                  <a:cubicBezTo>
-                    <a:pt x="6912" y="667"/>
-                    <a:pt x="6886" y="671"/>
-                    <a:pt x="6858" y="679"/>
-                  </a:cubicBezTo>
-                  <a:cubicBezTo>
-                    <a:pt x="6775" y="726"/>
-                    <a:pt x="6680" y="750"/>
-                    <a:pt x="6596" y="786"/>
-                  </a:cubicBezTo>
-                  <a:cubicBezTo>
-                    <a:pt x="6680" y="667"/>
-                    <a:pt x="6763" y="512"/>
-                    <a:pt x="6823" y="369"/>
-                  </a:cubicBezTo>
-                  <a:cubicBezTo>
-                    <a:pt x="6834" y="310"/>
-                    <a:pt x="6834" y="238"/>
-                    <a:pt x="6787" y="191"/>
-                  </a:cubicBezTo>
-                  <a:cubicBezTo>
-                    <a:pt x="6750" y="153"/>
-                    <a:pt x="6703" y="135"/>
-                    <a:pt x="6659" y="135"/>
-                  </a:cubicBezTo>
-                  <a:cubicBezTo>
-                    <a:pt x="6632" y="135"/>
-                    <a:pt x="6607" y="142"/>
-                    <a:pt x="6584" y="155"/>
-                  </a:cubicBezTo>
-                  <a:cubicBezTo>
-                    <a:pt x="6322" y="310"/>
-                    <a:pt x="6061" y="393"/>
-                    <a:pt x="5775" y="441"/>
-                  </a:cubicBezTo>
-                  <a:cubicBezTo>
-                    <a:pt x="5465" y="143"/>
-                    <a:pt x="5048" y="0"/>
-                    <a:pt x="4620" y="0"/>
-                  </a:cubicBezTo>
-                  <a:close/>
-                </a:path>
-              </a:pathLst>
-            </a:custGeom>
-            <a:solidFill>
-              <a:schemeClr val="dk2"/>
-            </a:solidFill>
-            <a:ln>
-              <a:noFill/>
-            </a:ln>
-          </p:spPr>
-          <p:txBody>
-            <a:bodyPr spcFirstLastPara="1" wrap="square" lIns="91425" tIns="91425" rIns="91425" bIns="91425" anchor="ctr" anchorCtr="0">
-              <a:noAutofit/>
-            </a:bodyPr>
-            <a:lstStyle/>
-            <a:p>
-              <a:pPr marL="0" lvl="0" indent="0" algn="l" rtl="0">
-                <a:spcBef>
-                  <a:spcPts val="0"/>
-                </a:spcBef>
-                <a:spcAft>
-                  <a:spcPts val="0"/>
-                </a:spcAft>
-                <a:buNone/>
-              </a:pPr>
-              <a:endParaRPr/>
-            </a:p>
-          </p:txBody>
-        </p:sp>
-      </p:grpSp>
-      <p:grpSp>
-        <p:nvGrpSpPr>
-          <p:cNvPr id="693" name="Google Shape;693;p47"/>
-          <p:cNvGrpSpPr/>
-          <p:nvPr/>
-        </p:nvGrpSpPr>
-        <p:grpSpPr>
-          <a:xfrm>
-            <a:off x="2933498" y="3304513"/>
-            <a:ext cx="409104" cy="411041"/>
-            <a:chOff x="4650919" y="3817349"/>
-            <a:chExt cx="346024" cy="345674"/>
-          </a:xfrm>
-        </p:grpSpPr>
-        <p:sp>
-          <p:nvSpPr>
-            <p:cNvPr id="694" name="Google Shape;694;p47"/>
-            <p:cNvSpPr/>
-            <p:nvPr/>
-          </p:nvSpPr>
-          <p:spPr>
-            <a:xfrm>
-              <a:off x="4650919" y="3817349"/>
-              <a:ext cx="346024" cy="345674"/>
-            </a:xfrm>
-            <a:custGeom>
-              <a:avLst/>
-              <a:gdLst/>
-              <a:ahLst/>
-              <a:cxnLst/>
-              <a:rect l="l" t="t" r="r" b="b"/>
-              <a:pathLst>
-                <a:path w="10871" h="10860" extrusionOk="0">
-                  <a:moveTo>
-                    <a:pt x="5442" y="334"/>
-                  </a:moveTo>
-                  <a:cubicBezTo>
-                    <a:pt x="8251" y="334"/>
-                    <a:pt x="10526" y="2608"/>
-                    <a:pt x="10526" y="5430"/>
-                  </a:cubicBezTo>
-                  <a:cubicBezTo>
-                    <a:pt x="10526" y="8240"/>
-                    <a:pt x="8240" y="10514"/>
-                    <a:pt x="5442" y="10514"/>
-                  </a:cubicBezTo>
-                  <a:cubicBezTo>
-                    <a:pt x="2620" y="10514"/>
-                    <a:pt x="346" y="8240"/>
-                    <a:pt x="346" y="5430"/>
-                  </a:cubicBezTo>
-                  <a:cubicBezTo>
-                    <a:pt x="346" y="2608"/>
-                    <a:pt x="2620" y="334"/>
-                    <a:pt x="5442" y="334"/>
-                  </a:cubicBezTo>
-                  <a:close/>
-                  <a:moveTo>
-                    <a:pt x="5442" y="1"/>
-                  </a:moveTo>
-                  <a:cubicBezTo>
-                    <a:pt x="3989" y="1"/>
-                    <a:pt x="2620" y="560"/>
-                    <a:pt x="1596" y="1584"/>
-                  </a:cubicBezTo>
-                  <a:cubicBezTo>
-                    <a:pt x="572" y="2620"/>
-                    <a:pt x="0" y="3989"/>
-                    <a:pt x="0" y="5430"/>
-                  </a:cubicBezTo>
-                  <a:cubicBezTo>
-                    <a:pt x="0" y="6871"/>
-                    <a:pt x="572" y="8240"/>
-                    <a:pt x="1596" y="9264"/>
-                  </a:cubicBezTo>
-                  <a:cubicBezTo>
-                    <a:pt x="2620" y="10300"/>
-                    <a:pt x="3989" y="10859"/>
-                    <a:pt x="5442" y="10859"/>
-                  </a:cubicBezTo>
-                  <a:cubicBezTo>
-                    <a:pt x="6882" y="10859"/>
-                    <a:pt x="8251" y="10300"/>
-                    <a:pt x="9275" y="9264"/>
-                  </a:cubicBezTo>
-                  <a:cubicBezTo>
-                    <a:pt x="10299" y="8240"/>
-                    <a:pt x="10871" y="6871"/>
-                    <a:pt x="10871" y="5430"/>
-                  </a:cubicBezTo>
-                  <a:cubicBezTo>
-                    <a:pt x="10871" y="3989"/>
-                    <a:pt x="10299" y="2620"/>
-                    <a:pt x="9275" y="1584"/>
-                  </a:cubicBezTo>
-                  <a:cubicBezTo>
-                    <a:pt x="8251" y="560"/>
-                    <a:pt x="6882" y="1"/>
-                    <a:pt x="5442" y="1"/>
-                  </a:cubicBezTo>
-                  <a:close/>
-                </a:path>
-              </a:pathLst>
-            </a:custGeom>
-            <a:solidFill>
-              <a:schemeClr val="dk2"/>
-            </a:solidFill>
-            <a:ln>
-              <a:noFill/>
-            </a:ln>
-          </p:spPr>
-          <p:txBody>
-            <a:bodyPr spcFirstLastPara="1" wrap="square" lIns="91425" tIns="91425" rIns="91425" bIns="91425" anchor="ctr" anchorCtr="0">
-              <a:noAutofit/>
-            </a:bodyPr>
-            <a:lstStyle/>
-            <a:p>
-              <a:pPr marL="0" lvl="0" indent="0" algn="l" rtl="0">
-                <a:spcBef>
-                  <a:spcPts val="0"/>
-                </a:spcBef>
-                <a:spcAft>
-                  <a:spcPts val="0"/>
-                </a:spcAft>
-                <a:buNone/>
-              </a:pPr>
-              <a:endParaRPr/>
-            </a:p>
-          </p:txBody>
-        </p:sp>
-        <p:sp>
-          <p:nvSpPr>
-            <p:cNvPr id="695" name="Google Shape;695;p47"/>
-            <p:cNvSpPr/>
-            <p:nvPr/>
-          </p:nvSpPr>
-          <p:spPr>
-            <a:xfrm>
-              <a:off x="4701305" y="3867386"/>
-              <a:ext cx="244486" cy="242958"/>
-            </a:xfrm>
-            <a:custGeom>
-              <a:avLst/>
-              <a:gdLst/>
-              <a:ahLst/>
-              <a:cxnLst/>
-              <a:rect l="l" t="t" r="r" b="b"/>
-              <a:pathLst>
-                <a:path w="7681" h="7633" extrusionOk="0">
-                  <a:moveTo>
-                    <a:pt x="3835" y="0"/>
-                  </a:moveTo>
-                  <a:cubicBezTo>
-                    <a:pt x="1727" y="0"/>
-                    <a:pt x="13" y="1715"/>
-                    <a:pt x="13" y="3822"/>
-                  </a:cubicBezTo>
-                  <a:cubicBezTo>
-                    <a:pt x="13" y="4418"/>
-                    <a:pt x="144" y="5001"/>
-                    <a:pt x="418" y="5537"/>
-                  </a:cubicBezTo>
-                  <a:lnTo>
-                    <a:pt x="25" y="6501"/>
-                  </a:lnTo>
-                  <a:cubicBezTo>
-                    <a:pt x="1" y="6585"/>
-                    <a:pt x="13" y="6656"/>
-                    <a:pt x="84" y="6704"/>
-                  </a:cubicBezTo>
-                  <a:cubicBezTo>
-                    <a:pt x="120" y="6727"/>
-                    <a:pt x="156" y="6727"/>
-                    <a:pt x="191" y="6727"/>
-                  </a:cubicBezTo>
-                  <a:lnTo>
-                    <a:pt x="1370" y="6727"/>
-                  </a:lnTo>
-                  <a:cubicBezTo>
-                    <a:pt x="2061" y="7323"/>
-                    <a:pt x="2942" y="7632"/>
-                    <a:pt x="3847" y="7632"/>
-                  </a:cubicBezTo>
-                  <a:cubicBezTo>
-                    <a:pt x="5966" y="7632"/>
-                    <a:pt x="7680" y="5930"/>
-                    <a:pt x="7680" y="3810"/>
-                  </a:cubicBezTo>
-                  <a:cubicBezTo>
-                    <a:pt x="7680" y="3096"/>
-                    <a:pt x="7454" y="2394"/>
-                    <a:pt x="7085" y="1798"/>
-                  </a:cubicBezTo>
-                  <a:cubicBezTo>
-                    <a:pt x="7052" y="1752"/>
-                    <a:pt x="6997" y="1727"/>
-                    <a:pt x="6940" y="1727"/>
-                  </a:cubicBezTo>
-                  <a:cubicBezTo>
-                    <a:pt x="6894" y="1727"/>
-                    <a:pt x="6848" y="1743"/>
-                    <a:pt x="6811" y="1774"/>
-                  </a:cubicBezTo>
-                  <a:cubicBezTo>
-                    <a:pt x="6752" y="1834"/>
-                    <a:pt x="6752" y="1917"/>
-                    <a:pt x="6787" y="1977"/>
-                  </a:cubicBezTo>
-                  <a:cubicBezTo>
-                    <a:pt x="7133" y="2513"/>
-                    <a:pt x="7323" y="3156"/>
-                    <a:pt x="7323" y="3846"/>
-                  </a:cubicBezTo>
-                  <a:cubicBezTo>
-                    <a:pt x="7323" y="5763"/>
-                    <a:pt x="5764" y="7323"/>
-                    <a:pt x="3835" y="7323"/>
-                  </a:cubicBezTo>
-                  <a:cubicBezTo>
-                    <a:pt x="2989" y="7323"/>
-                    <a:pt x="2168" y="7013"/>
-                    <a:pt x="1537" y="6442"/>
-                  </a:cubicBezTo>
-                  <a:cubicBezTo>
-                    <a:pt x="1501" y="6418"/>
-                    <a:pt x="1453" y="6406"/>
-                    <a:pt x="1418" y="6406"/>
-                  </a:cubicBezTo>
-                  <a:lnTo>
-                    <a:pt x="430" y="6406"/>
-                  </a:lnTo>
-                  <a:lnTo>
-                    <a:pt x="763" y="5596"/>
-                  </a:lnTo>
-                  <a:cubicBezTo>
-                    <a:pt x="775" y="5549"/>
-                    <a:pt x="775" y="5489"/>
-                    <a:pt x="763" y="5453"/>
-                  </a:cubicBezTo>
-                  <a:cubicBezTo>
-                    <a:pt x="489" y="4953"/>
-                    <a:pt x="358" y="4394"/>
-                    <a:pt x="358" y="3822"/>
-                  </a:cubicBezTo>
-                  <a:cubicBezTo>
-                    <a:pt x="358" y="1905"/>
-                    <a:pt x="1918" y="346"/>
-                    <a:pt x="3835" y="346"/>
-                  </a:cubicBezTo>
-                  <a:cubicBezTo>
-                    <a:pt x="4787" y="346"/>
-                    <a:pt x="5656" y="727"/>
-                    <a:pt x="6276" y="1346"/>
-                  </a:cubicBezTo>
-                  <a:cubicBezTo>
-                    <a:pt x="6305" y="1376"/>
-                    <a:pt x="6350" y="1390"/>
-                    <a:pt x="6395" y="1390"/>
-                  </a:cubicBezTo>
-                  <a:cubicBezTo>
-                    <a:pt x="6439" y="1390"/>
-                    <a:pt x="6484" y="1376"/>
-                    <a:pt x="6514" y="1346"/>
-                  </a:cubicBezTo>
-                  <a:cubicBezTo>
-                    <a:pt x="6573" y="1262"/>
-                    <a:pt x="6573" y="1167"/>
-                    <a:pt x="6514" y="1108"/>
-                  </a:cubicBezTo>
-                  <a:cubicBezTo>
-                    <a:pt x="5835" y="417"/>
-                    <a:pt x="4882" y="0"/>
-                    <a:pt x="3835" y="0"/>
-                  </a:cubicBezTo>
-                  <a:close/>
-                </a:path>
-              </a:pathLst>
-            </a:custGeom>
-            <a:solidFill>
-              <a:schemeClr val="dk2"/>
-            </a:solidFill>
-            <a:ln>
-              <a:noFill/>
-            </a:ln>
-          </p:spPr>
-          <p:txBody>
-            <a:bodyPr spcFirstLastPara="1" wrap="square" lIns="91425" tIns="91425" rIns="91425" bIns="91425" anchor="ctr" anchorCtr="0">
-              <a:noAutofit/>
-            </a:bodyPr>
-            <a:lstStyle/>
-            <a:p>
-              <a:pPr marL="0" lvl="0" indent="0" algn="l" rtl="0">
-                <a:spcBef>
-                  <a:spcPts val="0"/>
-                </a:spcBef>
-                <a:spcAft>
-                  <a:spcPts val="0"/>
-                </a:spcAft>
-                <a:buNone/>
-              </a:pPr>
-              <a:endParaRPr/>
-            </a:p>
-          </p:txBody>
-        </p:sp>
-        <p:sp>
-          <p:nvSpPr>
-            <p:cNvPr id="696" name="Google Shape;696;p47"/>
-            <p:cNvSpPr/>
-            <p:nvPr/>
-          </p:nvSpPr>
-          <p:spPr>
-            <a:xfrm>
-              <a:off x="4749464" y="3911534"/>
-              <a:ext cx="153134" cy="151065"/>
-            </a:xfrm>
-            <a:custGeom>
-              <a:avLst/>
-              <a:gdLst/>
-              <a:ahLst/>
-              <a:cxnLst/>
-              <a:rect l="l" t="t" r="r" b="b"/>
-              <a:pathLst>
-                <a:path w="4811" h="4746" extrusionOk="0">
-                  <a:moveTo>
-                    <a:pt x="1384" y="0"/>
-                  </a:moveTo>
-                  <a:cubicBezTo>
-                    <a:pt x="1342" y="0"/>
-                    <a:pt x="1304" y="18"/>
-                    <a:pt x="1274" y="54"/>
-                  </a:cubicBezTo>
-                  <a:lnTo>
-                    <a:pt x="274" y="1054"/>
-                  </a:lnTo>
-                  <a:cubicBezTo>
-                    <a:pt x="36" y="1292"/>
-                    <a:pt x="0" y="1661"/>
-                    <a:pt x="202" y="1935"/>
-                  </a:cubicBezTo>
-                  <a:cubicBezTo>
-                    <a:pt x="619" y="2495"/>
-                    <a:pt x="1072" y="3031"/>
-                    <a:pt x="1572" y="3531"/>
-                  </a:cubicBezTo>
-                  <a:cubicBezTo>
-                    <a:pt x="1601" y="3560"/>
-                    <a:pt x="1646" y="3575"/>
-                    <a:pt x="1691" y="3575"/>
-                  </a:cubicBezTo>
-                  <a:cubicBezTo>
-                    <a:pt x="1735" y="3575"/>
-                    <a:pt x="1780" y="3560"/>
-                    <a:pt x="1810" y="3531"/>
-                  </a:cubicBezTo>
-                  <a:cubicBezTo>
-                    <a:pt x="1881" y="3447"/>
-                    <a:pt x="1869" y="3352"/>
-                    <a:pt x="1810" y="3293"/>
-                  </a:cubicBezTo>
-                  <a:cubicBezTo>
-                    <a:pt x="1310" y="2816"/>
-                    <a:pt x="869" y="2304"/>
-                    <a:pt x="464" y="1745"/>
-                  </a:cubicBezTo>
-                  <a:cubicBezTo>
-                    <a:pt x="381" y="1602"/>
-                    <a:pt x="393" y="1423"/>
-                    <a:pt x="500" y="1304"/>
-                  </a:cubicBezTo>
-                  <a:lnTo>
-                    <a:pt x="1369" y="435"/>
-                  </a:lnTo>
-                  <a:lnTo>
-                    <a:pt x="2107" y="1161"/>
-                  </a:lnTo>
-                  <a:lnTo>
-                    <a:pt x="1750" y="1518"/>
-                  </a:lnTo>
-                  <a:cubicBezTo>
-                    <a:pt x="1703" y="1566"/>
-                    <a:pt x="1691" y="1638"/>
-                    <a:pt x="1703" y="1697"/>
-                  </a:cubicBezTo>
-                  <a:cubicBezTo>
-                    <a:pt x="1941" y="2400"/>
-                    <a:pt x="2405" y="2876"/>
-                    <a:pt x="3096" y="3090"/>
-                  </a:cubicBezTo>
-                  <a:cubicBezTo>
-                    <a:pt x="3112" y="3097"/>
-                    <a:pt x="3131" y="3100"/>
-                    <a:pt x="3150" y="3100"/>
-                  </a:cubicBezTo>
-                  <a:cubicBezTo>
-                    <a:pt x="3198" y="3100"/>
-                    <a:pt x="3248" y="3080"/>
-                    <a:pt x="3274" y="3054"/>
-                  </a:cubicBezTo>
-                  <a:lnTo>
-                    <a:pt x="3631" y="2697"/>
-                  </a:lnTo>
-                  <a:lnTo>
-                    <a:pt x="4370" y="3423"/>
-                  </a:lnTo>
-                  <a:lnTo>
-                    <a:pt x="3489" y="4305"/>
-                  </a:lnTo>
-                  <a:cubicBezTo>
-                    <a:pt x="3424" y="4369"/>
-                    <a:pt x="3343" y="4402"/>
-                    <a:pt x="3261" y="4402"/>
-                  </a:cubicBezTo>
-                  <a:cubicBezTo>
-                    <a:pt x="3191" y="4402"/>
-                    <a:pt x="3120" y="4378"/>
-                    <a:pt x="3060" y="4328"/>
-                  </a:cubicBezTo>
-                  <a:cubicBezTo>
-                    <a:pt x="2834" y="4162"/>
-                    <a:pt x="2607" y="4007"/>
-                    <a:pt x="2405" y="3828"/>
-                  </a:cubicBezTo>
-                  <a:cubicBezTo>
-                    <a:pt x="2368" y="3801"/>
-                    <a:pt x="2330" y="3789"/>
-                    <a:pt x="2295" y="3789"/>
-                  </a:cubicBezTo>
-                  <a:cubicBezTo>
-                    <a:pt x="2251" y="3789"/>
-                    <a:pt x="2212" y="3807"/>
-                    <a:pt x="2179" y="3840"/>
-                  </a:cubicBezTo>
-                  <a:cubicBezTo>
-                    <a:pt x="2107" y="3912"/>
-                    <a:pt x="2119" y="4031"/>
-                    <a:pt x="2191" y="4090"/>
-                  </a:cubicBezTo>
-                  <a:cubicBezTo>
-                    <a:pt x="2417" y="4269"/>
-                    <a:pt x="2643" y="4447"/>
-                    <a:pt x="2858" y="4614"/>
-                  </a:cubicBezTo>
-                  <a:cubicBezTo>
-                    <a:pt x="2977" y="4697"/>
-                    <a:pt x="3119" y="4745"/>
-                    <a:pt x="3250" y="4745"/>
-                  </a:cubicBezTo>
-                  <a:cubicBezTo>
-                    <a:pt x="3429" y="4745"/>
-                    <a:pt x="3596" y="4674"/>
-                    <a:pt x="3727" y="4555"/>
-                  </a:cubicBezTo>
-                  <a:lnTo>
-                    <a:pt x="4727" y="3554"/>
-                  </a:lnTo>
-                  <a:cubicBezTo>
-                    <a:pt x="4798" y="3495"/>
-                    <a:pt x="4810" y="3423"/>
-                    <a:pt x="4786" y="3352"/>
-                  </a:cubicBezTo>
-                  <a:cubicBezTo>
-                    <a:pt x="4763" y="3328"/>
-                    <a:pt x="4751" y="3304"/>
-                    <a:pt x="4739" y="3293"/>
-                  </a:cubicBezTo>
-                  <a:lnTo>
-                    <a:pt x="3774" y="2316"/>
-                  </a:lnTo>
-                  <a:cubicBezTo>
-                    <a:pt x="3733" y="2280"/>
-                    <a:pt x="3688" y="2263"/>
-                    <a:pt x="3646" y="2263"/>
-                  </a:cubicBezTo>
-                  <a:cubicBezTo>
-                    <a:pt x="3605" y="2263"/>
-                    <a:pt x="3566" y="2280"/>
-                    <a:pt x="3536" y="2316"/>
-                  </a:cubicBezTo>
-                  <a:lnTo>
-                    <a:pt x="3131" y="2721"/>
-                  </a:lnTo>
-                  <a:cubicBezTo>
-                    <a:pt x="2619" y="2531"/>
-                    <a:pt x="2286" y="2185"/>
-                    <a:pt x="2072" y="1661"/>
-                  </a:cubicBezTo>
-                  <a:lnTo>
-                    <a:pt x="2477" y="1268"/>
-                  </a:lnTo>
-                  <a:cubicBezTo>
-                    <a:pt x="2548" y="1185"/>
-                    <a:pt x="2548" y="1090"/>
-                    <a:pt x="2477" y="1030"/>
-                  </a:cubicBezTo>
-                  <a:lnTo>
-                    <a:pt x="1512" y="54"/>
-                  </a:lnTo>
-                  <a:cubicBezTo>
-                    <a:pt x="1470" y="18"/>
-                    <a:pt x="1426" y="0"/>
-                    <a:pt x="1384" y="0"/>
-                  </a:cubicBezTo>
-                  <a:close/>
-                </a:path>
-              </a:pathLst>
-            </a:custGeom>
-            <a:solidFill>
-              <a:schemeClr val="dk2"/>
-            </a:solidFill>
-            <a:ln>
-              <a:noFill/>
-            </a:ln>
-          </p:spPr>
-          <p:txBody>
-            <a:bodyPr spcFirstLastPara="1" wrap="square" lIns="91425" tIns="91425" rIns="91425" bIns="91425" anchor="ctr" anchorCtr="0">
-              <a:noAutofit/>
-            </a:bodyPr>
-            <a:lstStyle/>
-            <a:p>
-              <a:pPr marL="0" lvl="0" indent="0" algn="l" rtl="0">
-                <a:spcBef>
-                  <a:spcPts val="0"/>
-                </a:spcBef>
-                <a:spcAft>
-                  <a:spcPts val="0"/>
-                </a:spcAft>
-                <a:buNone/>
-              </a:pPr>
-              <a:endParaRPr/>
-            </a:p>
-          </p:txBody>
-        </p:sp>
-      </p:grpSp>
     </p:spTree>
   </p:cSld>
   <p:clrMapOvr>
@@ -15947,7 +18394,7 @@
         </p:nvSpPr>
         <p:spPr>
           <a:xfrm>
-            <a:off x="518172" y="1848220"/>
+            <a:off x="518172" y="1584062"/>
             <a:ext cx="4577611" cy="2084588"/>
           </a:xfrm>
           <a:prstGeom prst="rect">
@@ -15961,6 +18408,9 @@
           <a:lstStyle/>
           <a:p>
             <a:pPr marL="285750" lvl="0" indent="-285750" algn="just" rtl="0">
+              <a:lnSpc>
+                <a:spcPct val="150000"/>
+              </a:lnSpc>
               <a:spcBef>
                 <a:spcPts val="0"/>
               </a:spcBef>
@@ -15985,6 +18435,9 @@
           </a:p>
           <a:p>
             <a:pPr marL="285750" lvl="0" indent="-285750" algn="just" rtl="0">
+              <a:lnSpc>
+                <a:spcPct val="150000"/>
+              </a:lnSpc>
               <a:spcBef>
                 <a:spcPts val="0"/>
               </a:spcBef>
@@ -16009,6 +18462,9 @@
           </a:p>
           <a:p>
             <a:pPr marL="285750" lvl="0" indent="-285750" algn="just" rtl="0">
+              <a:lnSpc>
+                <a:spcPct val="150000"/>
+              </a:lnSpc>
               <a:spcBef>
                 <a:spcPts val="0"/>
               </a:spcBef>
@@ -16057,6 +18513,9 @@
           </a:p>
           <a:p>
             <a:pPr marL="285750" lvl="0" indent="-285750" algn="just" rtl="0">
+              <a:lnSpc>
+                <a:spcPct val="150000"/>
+              </a:lnSpc>
               <a:spcBef>
                 <a:spcPts val="0"/>
               </a:spcBef>
@@ -16422,6 +18881,114 @@
           </a:p>
         </p:txBody>
       </p:sp>
+      <p:grpSp>
+        <p:nvGrpSpPr>
+          <p:cNvPr id="9" name="Agrupar 8">
+            <a:extLst>
+              <a:ext uri="{FF2B5EF4-FFF2-40B4-BE49-F238E27FC236}">
+                <a16:creationId xmlns:a16="http://schemas.microsoft.com/office/drawing/2014/main" id="{2348784B-EA46-C2DF-F37D-55A7C47E4BEF}"/>
+              </a:ext>
+            </a:extLst>
+          </p:cNvPr>
+          <p:cNvGrpSpPr/>
+          <p:nvPr/>
+        </p:nvGrpSpPr>
+        <p:grpSpPr>
+          <a:xfrm>
+            <a:off x="6140762" y="199775"/>
+            <a:ext cx="1565136" cy="4743949"/>
+            <a:chOff x="3912951" y="0"/>
+            <a:chExt cx="1318096" cy="4431192"/>
+          </a:xfrm>
+        </p:grpSpPr>
+        <p:pic>
+          <p:nvPicPr>
+            <p:cNvPr id="3" name="Imagem 2" descr="Texto&#10;&#10;Descrição gerada automaticamente com confiança média">
+              <a:extLst>
+                <a:ext uri="{FF2B5EF4-FFF2-40B4-BE49-F238E27FC236}">
+                  <a16:creationId xmlns:a16="http://schemas.microsoft.com/office/drawing/2014/main" id="{C1F74B5F-5778-F590-3605-3DC8A953A0C7}"/>
+                </a:ext>
+              </a:extLst>
+            </p:cNvPr>
+            <p:cNvPicPr>
+              <a:picLocks noChangeAspect="1"/>
+            </p:cNvPicPr>
+            <p:nvPr/>
+          </p:nvPicPr>
+          <p:blipFill>
+            <a:blip r:embed="rId3"/>
+            <a:srcRect b="21454"/>
+            <a:stretch/>
+          </p:blipFill>
+          <p:spPr>
+            <a:xfrm>
+              <a:off x="3912952" y="0"/>
+              <a:ext cx="1318095" cy="4039985"/>
+            </a:xfrm>
+            <a:prstGeom prst="rect">
+              <a:avLst/>
+            </a:prstGeom>
+          </p:spPr>
+        </p:pic>
+        <p:pic>
+          <p:nvPicPr>
+            <p:cNvPr id="5" name="Imagem 4" descr="Texto&#10;&#10;Descrição gerada automaticamente com confiança média">
+              <a:extLst>
+                <a:ext uri="{FF2B5EF4-FFF2-40B4-BE49-F238E27FC236}">
+                  <a16:creationId xmlns:a16="http://schemas.microsoft.com/office/drawing/2014/main" id="{5F8A4C5F-89F4-D3F2-F8A2-BD612C0A3D92}"/>
+                </a:ext>
+              </a:extLst>
+            </p:cNvPr>
+            <p:cNvPicPr>
+              <a:picLocks noChangeAspect="1"/>
+            </p:cNvPicPr>
+            <p:nvPr/>
+          </p:nvPicPr>
+          <p:blipFill>
+            <a:blip r:embed="rId3"/>
+            <a:srcRect t="16916" b="21454"/>
+            <a:stretch/>
+          </p:blipFill>
+          <p:spPr>
+            <a:xfrm>
+              <a:off x="3912952" y="681643"/>
+              <a:ext cx="1318095" cy="3169920"/>
+            </a:xfrm>
+            <a:prstGeom prst="rect">
+              <a:avLst/>
+            </a:prstGeom>
+          </p:spPr>
+        </p:pic>
+        <p:pic>
+          <p:nvPicPr>
+            <p:cNvPr id="8" name="Imagem 7" descr="Texto&#10;&#10;Descrição gerada automaticamente com confiança média">
+              <a:extLst>
+                <a:ext uri="{FF2B5EF4-FFF2-40B4-BE49-F238E27FC236}">
+                  <a16:creationId xmlns:a16="http://schemas.microsoft.com/office/drawing/2014/main" id="{BBC8119B-CE48-4417-6644-B96DA62D4AC5}"/>
+                </a:ext>
+              </a:extLst>
+            </p:cNvPr>
+            <p:cNvPicPr>
+              <a:picLocks noChangeAspect="1"/>
+            </p:cNvPicPr>
+            <p:nvPr/>
+          </p:nvPicPr>
+          <p:blipFill>
+            <a:blip r:embed="rId3"/>
+            <a:srcRect t="88718" b="12"/>
+            <a:stretch/>
+          </p:blipFill>
+          <p:spPr>
+            <a:xfrm>
+              <a:off x="3912951" y="3851563"/>
+              <a:ext cx="1318095" cy="579629"/>
+            </a:xfrm>
+            <a:prstGeom prst="rect">
+              <a:avLst/>
+            </a:prstGeom>
+          </p:spPr>
+        </p:pic>
+      </p:grpSp>
     </p:spTree>
     <p:extLst>
       <p:ext uri="{BB962C8B-B14F-4D97-AF65-F5344CB8AC3E}">

--- a/docs/ReuniON.pptx
+++ b/docs/ReuniON.pptx
@@ -5,42 +5,17 @@
     <p:sldMasterId id="2147483747" r:id="rId1"/>
   </p:sldMasterIdLst>
   <p:notesMasterIdLst>
-    <p:notesMasterId r:id="rId19"/>
+    <p:notesMasterId r:id="rId7"/>
   </p:notesMasterIdLst>
   <p:sldIdLst>
-    <p:sldId id="256" r:id="rId2"/>
-    <p:sldId id="332" r:id="rId3"/>
-    <p:sldId id="333" r:id="rId4"/>
-    <p:sldId id="301" r:id="rId5"/>
-    <p:sldId id="334" r:id="rId6"/>
-    <p:sldId id="335" r:id="rId7"/>
-    <p:sldId id="336" r:id="rId8"/>
-    <p:sldId id="337" r:id="rId9"/>
-    <p:sldId id="338" r:id="rId10"/>
-    <p:sldId id="339" r:id="rId11"/>
-    <p:sldId id="340" r:id="rId12"/>
-    <p:sldId id="341" r:id="rId13"/>
-    <p:sldId id="343" r:id="rId14"/>
-    <p:sldId id="344" r:id="rId15"/>
-    <p:sldId id="345" r:id="rId16"/>
-    <p:sldId id="346" r:id="rId17"/>
-    <p:sldId id="278" r:id="rId18"/>
+    <p:sldId id="333" r:id="rId2"/>
+    <p:sldId id="341" r:id="rId3"/>
+    <p:sldId id="340" r:id="rId4"/>
+    <p:sldId id="347" r:id="rId5"/>
+    <p:sldId id="345" r:id="rId6"/>
   </p:sldIdLst>
   <p:sldSz cx="9144000" cy="5143500" type="screen16x9"/>
   <p:notesSz cx="6858000" cy="9144000"/>
-  <p:embeddedFontLst>
-    <p:embeddedFont>
-      <p:font typeface="Barlow" panose="00000500000000000000" pitchFamily="2" charset="0"/>
-      <p:regular r:id="rId20"/>
-      <p:bold r:id="rId21"/>
-      <p:italic r:id="rId22"/>
-      <p:boldItalic r:id="rId23"/>
-    </p:embeddedFont>
-    <p:embeddedFont>
-      <p:font typeface="Emmanuelle" pitchFamily="2" charset="0"/>
-      <p:regular r:id="rId24"/>
-    </p:embeddedFont>
-  </p:embeddedFontLst>
   <p:defaultTextStyle>
     <a:defPPr>
       <a:defRPr lang="en-US"/>
@@ -163,7 +138,7 @@
 <file path=ppt/revisionInfo.xml><?xml version="1.0" encoding="utf-8"?>
 <p1510:revInfo xmlns:a="http://schemas.openxmlformats.org/drawingml/2006/main" xmlns:r="http://schemas.openxmlformats.org/officeDocument/2006/relationships" xmlns:p1510="http://schemas.microsoft.com/office/powerpoint/2015/10/main">
   <p1510:revLst>
-    <p1510:client id="{A6E9B1B3-6436-41A1-A878-DEB1A24D8966}" v="18" dt="2024-11-28T11:58:51.450"/>
+    <p1510:client id="{A6E9B1B3-6436-41A1-A878-DEB1A24D8966}" v="22" dt="2024-11-30T11:32:55.311"/>
   </p1510:revLst>
 </p1510:revInfo>
 </file>
@@ -173,12 +148,12 @@
   <pc:docChgLst>
     <pc:chgData name="Vinícius Silva" userId="fa075dabe18a2777" providerId="LiveId" clId="{A6E9B1B3-6436-41A1-A878-DEB1A24D8966}"/>
     <pc:docChg chg="undo custSel addSld delSld modSld sldOrd modMainMaster">
-      <pc:chgData name="Vinícius Silva" userId="fa075dabe18a2777" providerId="LiveId" clId="{A6E9B1B3-6436-41A1-A878-DEB1A24D8966}" dt="2024-11-28T12:11:46.237" v="1358" actId="478"/>
+      <pc:chgData name="Vinícius Silva" userId="fa075dabe18a2777" providerId="LiveId" clId="{A6E9B1B3-6436-41A1-A878-DEB1A24D8966}" dt="2024-11-30T11:33:46.503" v="1807" actId="1076"/>
       <pc:docMkLst>
         <pc:docMk/>
       </pc:docMkLst>
-      <pc:sldChg chg="addSp delSp modSp mod">
-        <pc:chgData name="Vinícius Silva" userId="fa075dabe18a2777" providerId="LiveId" clId="{A6E9B1B3-6436-41A1-A878-DEB1A24D8966}" dt="2024-11-28T02:50:47.030" v="37" actId="1076"/>
+      <pc:sldChg chg="addSp delSp modSp del mod">
+        <pc:chgData name="Vinícius Silva" userId="fa075dabe18a2777" providerId="LiveId" clId="{A6E9B1B3-6436-41A1-A878-DEB1A24D8966}" dt="2024-11-29T17:01:42.478" v="1425" actId="47"/>
         <pc:sldMkLst>
           <pc:docMk/>
           <pc:sldMk cId="0" sldId="256"/>
@@ -267,8 +242,8 @@
           </ac:spMkLst>
         </pc:spChg>
       </pc:sldChg>
-      <pc:sldChg chg="delSp modSp mod">
-        <pc:chgData name="Vinícius Silva" userId="fa075dabe18a2777" providerId="LiveId" clId="{A6E9B1B3-6436-41A1-A878-DEB1A24D8966}" dt="2024-11-28T12:11:46.237" v="1358" actId="478"/>
+      <pc:sldChg chg="delSp modSp del mod">
+        <pc:chgData name="Vinícius Silva" userId="fa075dabe18a2777" providerId="LiveId" clId="{A6E9B1B3-6436-41A1-A878-DEB1A24D8966}" dt="2024-11-29T17:23:38.281" v="1732" actId="47"/>
         <pc:sldMkLst>
           <pc:docMk/>
           <pc:sldMk cId="0" sldId="278"/>
@@ -336,8 +311,8 @@
           <pc:sldMk cId="463044337" sldId="300"/>
         </pc:sldMkLst>
       </pc:sldChg>
-      <pc:sldChg chg="delSp modSp mod ord">
-        <pc:chgData name="Vinícius Silva" userId="fa075dabe18a2777" providerId="LiveId" clId="{A6E9B1B3-6436-41A1-A878-DEB1A24D8966}" dt="2024-11-28T11:14:46.558" v="156"/>
+      <pc:sldChg chg="delSp modSp del mod ord">
+        <pc:chgData name="Vinícius Silva" userId="fa075dabe18a2777" providerId="LiveId" clId="{A6E9B1B3-6436-41A1-A878-DEB1A24D8966}" dt="2024-11-29T16:58:45.492" v="1417" actId="47"/>
         <pc:sldMkLst>
           <pc:docMk/>
           <pc:sldMk cId="3597373067" sldId="301"/>
@@ -620,8 +595,8 @@
           <pc:sldMk cId="497372996" sldId="331"/>
         </pc:sldMkLst>
       </pc:sldChg>
-      <pc:sldChg chg="modSp add mod">
-        <pc:chgData name="Vinícius Silva" userId="fa075dabe18a2777" providerId="LiveId" clId="{A6E9B1B3-6436-41A1-A878-DEB1A24D8966}" dt="2024-11-28T11:15:14.291" v="164" actId="20577"/>
+      <pc:sldChg chg="modSp add del mod">
+        <pc:chgData name="Vinícius Silva" userId="fa075dabe18a2777" providerId="LiveId" clId="{A6E9B1B3-6436-41A1-A878-DEB1A24D8966}" dt="2024-11-29T17:01:39.454" v="1424" actId="47"/>
         <pc:sldMkLst>
           <pc:docMk/>
           <pc:sldMk cId="3317807221" sldId="332"/>
@@ -644,13 +619,13 @@
         </pc:spChg>
       </pc:sldChg>
       <pc:sldChg chg="modSp add mod">
-        <pc:chgData name="Vinícius Silva" userId="fa075dabe18a2777" providerId="LiveId" clId="{A6E9B1B3-6436-41A1-A878-DEB1A24D8966}" dt="2024-11-28T11:14:20.705" v="154" actId="1076"/>
+        <pc:chgData name="Vinícius Silva" userId="fa075dabe18a2777" providerId="LiveId" clId="{A6E9B1B3-6436-41A1-A878-DEB1A24D8966}" dt="2024-11-29T16:58:35.487" v="1416" actId="1076"/>
         <pc:sldMkLst>
           <pc:docMk/>
           <pc:sldMk cId="601683217" sldId="333"/>
         </pc:sldMkLst>
         <pc:spChg chg="mod">
-          <ac:chgData name="Vinícius Silva" userId="fa075dabe18a2777" providerId="LiveId" clId="{A6E9B1B3-6436-41A1-A878-DEB1A24D8966}" dt="2024-11-28T11:13:00.297" v="137" actId="20577"/>
+          <ac:chgData name="Vinícius Silva" userId="fa075dabe18a2777" providerId="LiveId" clId="{A6E9B1B3-6436-41A1-A878-DEB1A24D8966}" dt="2024-11-29T16:58:18.497" v="1412" actId="403"/>
           <ac:spMkLst>
             <pc:docMk/>
             <pc:sldMk cId="601683217" sldId="333"/>
@@ -658,7 +633,7 @@
           </ac:spMkLst>
         </pc:spChg>
         <pc:spChg chg="mod">
-          <ac:chgData name="Vinícius Silva" userId="fa075dabe18a2777" providerId="LiveId" clId="{A6E9B1B3-6436-41A1-A878-DEB1A24D8966}" dt="2024-11-28T11:14:20.705" v="154" actId="1076"/>
+          <ac:chgData name="Vinícius Silva" userId="fa075dabe18a2777" providerId="LiveId" clId="{A6E9B1B3-6436-41A1-A878-DEB1A24D8966}" dt="2024-11-29T16:58:35.487" v="1416" actId="1076"/>
           <ac:spMkLst>
             <pc:docMk/>
             <pc:sldMk cId="601683217" sldId="333"/>
@@ -666,8 +641,8 @@
           </ac:spMkLst>
         </pc:spChg>
       </pc:sldChg>
-      <pc:sldChg chg="modSp add mod">
-        <pc:chgData name="Vinícius Silva" userId="fa075dabe18a2777" providerId="LiveId" clId="{A6E9B1B3-6436-41A1-A878-DEB1A24D8966}" dt="2024-11-28T11:17:06.945" v="208"/>
+      <pc:sldChg chg="modSp add del mod">
+        <pc:chgData name="Vinícius Silva" userId="fa075dabe18a2777" providerId="LiveId" clId="{A6E9B1B3-6436-41A1-A878-DEB1A24D8966}" dt="2024-11-29T16:58:47.748" v="1418" actId="47"/>
         <pc:sldMkLst>
           <pc:docMk/>
           <pc:sldMk cId="3418097033" sldId="334"/>
@@ -689,8 +664,8 @@
           </ac:spMkLst>
         </pc:spChg>
       </pc:sldChg>
-      <pc:sldChg chg="modSp add mod">
-        <pc:chgData name="Vinícius Silva" userId="fa075dabe18a2777" providerId="LiveId" clId="{A6E9B1B3-6436-41A1-A878-DEB1A24D8966}" dt="2024-11-28T11:19:14.088" v="275"/>
+      <pc:sldChg chg="modSp add del mod">
+        <pc:chgData name="Vinícius Silva" userId="fa075dabe18a2777" providerId="LiveId" clId="{A6E9B1B3-6436-41A1-A878-DEB1A24D8966}" dt="2024-11-29T16:58:48.609" v="1419" actId="47"/>
         <pc:sldMkLst>
           <pc:docMk/>
           <pc:sldMk cId="3880368161" sldId="335"/>
@@ -712,8 +687,8 @@
           </ac:spMkLst>
         </pc:spChg>
       </pc:sldChg>
-      <pc:sldChg chg="addSp modSp add mod">
-        <pc:chgData name="Vinícius Silva" userId="fa075dabe18a2777" providerId="LiveId" clId="{A6E9B1B3-6436-41A1-A878-DEB1A24D8966}" dt="2024-11-28T11:25:50.704" v="621" actId="1076"/>
+      <pc:sldChg chg="addSp modSp add del mod">
+        <pc:chgData name="Vinícius Silva" userId="fa075dabe18a2777" providerId="LiveId" clId="{A6E9B1B3-6436-41A1-A878-DEB1A24D8966}" dt="2024-11-29T16:58:49.606" v="1420" actId="47"/>
         <pc:sldMkLst>
           <pc:docMk/>
           <pc:sldMk cId="603362062" sldId="336"/>
@@ -743,8 +718,8 @@
           </ac:graphicFrameMkLst>
         </pc:graphicFrameChg>
       </pc:sldChg>
-      <pc:sldChg chg="modSp add mod">
-        <pc:chgData name="Vinícius Silva" userId="fa075dabe18a2777" providerId="LiveId" clId="{A6E9B1B3-6436-41A1-A878-DEB1A24D8966}" dt="2024-11-28T11:33:14.732" v="671" actId="403"/>
+      <pc:sldChg chg="modSp add del mod">
+        <pc:chgData name="Vinícius Silva" userId="fa075dabe18a2777" providerId="LiveId" clId="{A6E9B1B3-6436-41A1-A878-DEB1A24D8966}" dt="2024-11-29T16:58:50.503" v="1421" actId="47"/>
         <pc:sldMkLst>
           <pc:docMk/>
           <pc:sldMk cId="3357122770" sldId="337"/>
@@ -774,8 +749,8 @@
           </ac:spMkLst>
         </pc:spChg>
       </pc:sldChg>
-      <pc:sldChg chg="addSp delSp modSp add mod">
-        <pc:chgData name="Vinícius Silva" userId="fa075dabe18a2777" providerId="LiveId" clId="{A6E9B1B3-6436-41A1-A878-DEB1A24D8966}" dt="2024-11-28T11:50:08.213" v="820" actId="1076"/>
+      <pc:sldChg chg="addSp delSp modSp add del mod">
+        <pc:chgData name="Vinícius Silva" userId="fa075dabe18a2777" providerId="LiveId" clId="{A6E9B1B3-6436-41A1-A878-DEB1A24D8966}" dt="2024-11-29T17:22:27.289" v="1692" actId="47"/>
         <pc:sldMkLst>
           <pc:docMk/>
           <pc:sldMk cId="876296748" sldId="338"/>
@@ -837,8 +812,8 @@
           </ac:picMkLst>
         </pc:picChg>
       </pc:sldChg>
-      <pc:sldChg chg="delSp modSp add mod">
-        <pc:chgData name="Vinícius Silva" userId="fa075dabe18a2777" providerId="LiveId" clId="{A6E9B1B3-6436-41A1-A878-DEB1A24D8966}" dt="2024-11-28T11:53:28.111" v="863" actId="1076"/>
+      <pc:sldChg chg="delSp modSp add del mod ord">
+        <pc:chgData name="Vinícius Silva" userId="fa075dabe18a2777" providerId="LiveId" clId="{A6E9B1B3-6436-41A1-A878-DEB1A24D8966}" dt="2024-11-29T17:13:11.207" v="1529" actId="47"/>
         <pc:sldMkLst>
           <pc:docMk/>
           <pc:sldMk cId="1077683188" sldId="339"/>
@@ -852,7 +827,7 @@
           </ac:spMkLst>
         </pc:spChg>
         <pc:spChg chg="mod">
-          <ac:chgData name="Vinícius Silva" userId="fa075dabe18a2777" providerId="LiveId" clId="{A6E9B1B3-6436-41A1-A878-DEB1A24D8966}" dt="2024-11-28T11:53:28.111" v="863" actId="1076"/>
+          <ac:chgData name="Vinícius Silva" userId="fa075dabe18a2777" providerId="LiveId" clId="{A6E9B1B3-6436-41A1-A878-DEB1A24D8966}" dt="2024-11-29T17:03:02.504" v="1434" actId="20577"/>
           <ac:spMkLst>
             <pc:docMk/>
             <pc:sldMk cId="1077683188" sldId="339"/>
@@ -875,37 +850,53 @@
           <pc:sldMk cId="3898728988" sldId="339"/>
         </pc:sldMkLst>
       </pc:sldChg>
-      <pc:sldChg chg="modSp add mod">
-        <pc:chgData name="Vinícius Silva" userId="fa075dabe18a2777" providerId="LiveId" clId="{A6E9B1B3-6436-41A1-A878-DEB1A24D8966}" dt="2024-11-28T11:55:01.337" v="910" actId="114"/>
+      <pc:sldChg chg="addSp delSp modSp add mod">
+        <pc:chgData name="Vinícius Silva" userId="fa075dabe18a2777" providerId="LiveId" clId="{A6E9B1B3-6436-41A1-A878-DEB1A24D8966}" dt="2024-11-30T11:33:46.503" v="1807" actId="1076"/>
         <pc:sldMkLst>
           <pc:docMk/>
           <pc:sldMk cId="2282716675" sldId="340"/>
         </pc:sldMkLst>
         <pc:spChg chg="mod">
-          <ac:chgData name="Vinícius Silva" userId="fa075dabe18a2777" providerId="LiveId" clId="{A6E9B1B3-6436-41A1-A878-DEB1A24D8966}" dt="2024-11-28T11:54:01.138" v="894" actId="20577"/>
+          <ac:chgData name="Vinícius Silva" userId="fa075dabe18a2777" providerId="LiveId" clId="{A6E9B1B3-6436-41A1-A878-DEB1A24D8966}" dt="2024-11-29T17:16:29.907" v="1615" actId="20577"/>
           <ac:spMkLst>
             <pc:docMk/>
             <pc:sldMk cId="2282716675" sldId="340"/>
             <ac:spMk id="6" creationId="{1CB75AB6-19B3-F57D-584D-67EC9B3CEA48}"/>
           </ac:spMkLst>
         </pc:spChg>
-        <pc:spChg chg="mod">
-          <ac:chgData name="Vinícius Silva" userId="fa075dabe18a2777" providerId="LiveId" clId="{A6E9B1B3-6436-41A1-A878-DEB1A24D8966}" dt="2024-11-28T11:55:01.337" v="910" actId="114"/>
+        <pc:spChg chg="del mod">
+          <ac:chgData name="Vinícius Silva" userId="fa075dabe18a2777" providerId="LiveId" clId="{A6E9B1B3-6436-41A1-A878-DEB1A24D8966}" dt="2024-11-29T17:16:36.501" v="1617" actId="478"/>
           <ac:spMkLst>
             <pc:docMk/>
             <pc:sldMk cId="2282716675" sldId="340"/>
             <ac:spMk id="214" creationId="{F533B772-8C58-6550-A8E2-FBE8F107C012}"/>
           </ac:spMkLst>
         </pc:spChg>
-      </pc:sldChg>
-      <pc:sldChg chg="addSp modSp add mod">
-        <pc:chgData name="Vinícius Silva" userId="fa075dabe18a2777" providerId="LiveId" clId="{A6E9B1B3-6436-41A1-A878-DEB1A24D8966}" dt="2024-11-28T12:01:18.618" v="1073" actId="1076"/>
+        <pc:picChg chg="add mod modCrop">
+          <ac:chgData name="Vinícius Silva" userId="fa075dabe18a2777" providerId="LiveId" clId="{A6E9B1B3-6436-41A1-A878-DEB1A24D8966}" dt="2024-11-30T11:33:46.503" v="1807" actId="1076"/>
+          <ac:picMkLst>
+            <pc:docMk/>
+            <pc:sldMk cId="2282716675" sldId="340"/>
+            <ac:picMk id="2" creationId="{A9E33FDC-B537-5AB0-8747-3FF4D9F4F05F}"/>
+          </ac:picMkLst>
+        </pc:picChg>
+        <pc:picChg chg="add mod">
+          <ac:chgData name="Vinícius Silva" userId="fa075dabe18a2777" providerId="LiveId" clId="{A6E9B1B3-6436-41A1-A878-DEB1A24D8966}" dt="2024-11-29T17:18:47.222" v="1627" actId="1076"/>
+          <ac:picMkLst>
+            <pc:docMk/>
+            <pc:sldMk cId="2282716675" sldId="340"/>
+            <ac:picMk id="5" creationId="{5BAD6976-8BAF-EED6-3C0F-C08BD108180C}"/>
+          </ac:picMkLst>
+        </pc:picChg>
+      </pc:sldChg>
+      <pc:sldChg chg="addSp modSp add mod ord">
+        <pc:chgData name="Vinícius Silva" userId="fa075dabe18a2777" providerId="LiveId" clId="{A6E9B1B3-6436-41A1-A878-DEB1A24D8966}" dt="2024-11-29T20:31:51.410" v="1742" actId="20577"/>
         <pc:sldMkLst>
           <pc:docMk/>
           <pc:sldMk cId="2056522433" sldId="341"/>
         </pc:sldMkLst>
         <pc:spChg chg="add mod">
-          <ac:chgData name="Vinícius Silva" userId="fa075dabe18a2777" providerId="LiveId" clId="{A6E9B1B3-6436-41A1-A878-DEB1A24D8966}" dt="2024-11-28T12:01:18.618" v="1073" actId="1076"/>
+          <ac:chgData name="Vinícius Silva" userId="fa075dabe18a2777" providerId="LiveId" clId="{A6E9B1B3-6436-41A1-A878-DEB1A24D8966}" dt="2024-11-29T20:31:51.410" v="1742" actId="20577"/>
           <ac:spMkLst>
             <pc:docMk/>
             <pc:sldMk cId="2056522433" sldId="341"/>
@@ -921,7 +912,7 @@
           </ac:spMkLst>
         </pc:spChg>
         <pc:spChg chg="add mod">
-          <ac:chgData name="Vinícius Silva" userId="fa075dabe18a2777" providerId="LiveId" clId="{A6E9B1B3-6436-41A1-A878-DEB1A24D8966}" dt="2024-11-28T11:59:47.987" v="996" actId="1036"/>
+          <ac:chgData name="Vinícius Silva" userId="fa075dabe18a2777" providerId="LiveId" clId="{A6E9B1B3-6436-41A1-A878-DEB1A24D8966}" dt="2024-11-29T17:04:22.697" v="1528" actId="1076"/>
           <ac:spMkLst>
             <pc:docMk/>
             <pc:sldMk cId="2056522433" sldId="341"/>
@@ -929,7 +920,7 @@
           </ac:spMkLst>
         </pc:spChg>
         <pc:spChg chg="mod">
-          <ac:chgData name="Vinícius Silva" userId="fa075dabe18a2777" providerId="LiveId" clId="{A6E9B1B3-6436-41A1-A878-DEB1A24D8966}" dt="2024-11-28T12:00:21.056" v="1014" actId="20577"/>
+          <ac:chgData name="Vinícius Silva" userId="fa075dabe18a2777" providerId="LiveId" clId="{A6E9B1B3-6436-41A1-A878-DEB1A24D8966}" dt="2024-11-29T17:03:31.907" v="1458" actId="20577"/>
           <ac:spMkLst>
             <pc:docMk/>
             <pc:sldMk cId="2056522433" sldId="341"/>
@@ -937,7 +928,7 @@
           </ac:spMkLst>
         </pc:spChg>
         <pc:spChg chg="mod">
-          <ac:chgData name="Vinícius Silva" userId="fa075dabe18a2777" providerId="LiveId" clId="{A6E9B1B3-6436-41A1-A878-DEB1A24D8966}" dt="2024-11-28T12:01:12.749" v="1072" actId="14100"/>
+          <ac:chgData name="Vinícius Silva" userId="fa075dabe18a2777" providerId="LiveId" clId="{A6E9B1B3-6436-41A1-A878-DEB1A24D8966}" dt="2024-11-29T17:04:04.625" v="1507" actId="20577"/>
           <ac:spMkLst>
             <pc:docMk/>
             <pc:sldMk cId="2056522433" sldId="341"/>
@@ -953,7 +944,7 @@
         </pc:sldMkLst>
       </pc:sldChg>
       <pc:sldChg chg="modSp add del mod ord">
-        <pc:chgData name="Vinícius Silva" userId="fa075dabe18a2777" providerId="LiveId" clId="{A6E9B1B3-6436-41A1-A878-DEB1A24D8966}" dt="2024-11-28T12:07:13.578" v="1125" actId="2696"/>
+        <pc:chgData name="Vinícius Silva" userId="fa075dabe18a2777" providerId="LiveId" clId="{A6E9B1B3-6436-41A1-A878-DEB1A24D8966}" dt="2024-11-29T17:22:23.802" v="1691" actId="47"/>
         <pc:sldMkLst>
           <pc:docMk/>
           <pc:sldMk cId="1388097181" sldId="343"/>
@@ -975,8 +966,8 @@
           </ac:spMkLst>
         </pc:spChg>
       </pc:sldChg>
-      <pc:sldChg chg="modSp add mod">
-        <pc:chgData name="Vinícius Silva" userId="fa075dabe18a2777" providerId="LiveId" clId="{A6E9B1B3-6436-41A1-A878-DEB1A24D8966}" dt="2024-11-28T12:08:18.012" v="1165" actId="1076"/>
+      <pc:sldChg chg="modSp add del mod">
+        <pc:chgData name="Vinícius Silva" userId="fa075dabe18a2777" providerId="LiveId" clId="{A6E9B1B3-6436-41A1-A878-DEB1A24D8966}" dt="2024-11-29T17:22:42.751" v="1693" actId="47"/>
         <pc:sldMkLst>
           <pc:docMk/>
           <pc:sldMk cId="2668447390" sldId="344"/>
@@ -999,13 +990,13 @@
         </pc:spChg>
       </pc:sldChg>
       <pc:sldChg chg="modSp add mod">
-        <pc:chgData name="Vinícius Silva" userId="fa075dabe18a2777" providerId="LiveId" clId="{A6E9B1B3-6436-41A1-A878-DEB1A24D8966}" dt="2024-11-28T12:09:31.161" v="1203" actId="20577"/>
+        <pc:chgData name="Vinícius Silva" userId="fa075dabe18a2777" providerId="LiveId" clId="{A6E9B1B3-6436-41A1-A878-DEB1A24D8966}" dt="2024-11-29T20:33:10.903" v="1796" actId="20577"/>
         <pc:sldMkLst>
           <pc:docMk/>
           <pc:sldMk cId="3679593419" sldId="345"/>
         </pc:sldMkLst>
         <pc:spChg chg="mod">
-          <ac:chgData name="Vinícius Silva" userId="fa075dabe18a2777" providerId="LiveId" clId="{A6E9B1B3-6436-41A1-A878-DEB1A24D8966}" dt="2024-11-28T12:08:40.359" v="1183" actId="20577"/>
+          <ac:chgData name="Vinícius Silva" userId="fa075dabe18a2777" providerId="LiveId" clId="{A6E9B1B3-6436-41A1-A878-DEB1A24D8966}" dt="2024-11-29T17:23:16.364" v="1728" actId="20577"/>
           <ac:spMkLst>
             <pc:docMk/>
             <pc:sldMk cId="3679593419" sldId="345"/>
@@ -1013,7 +1004,7 @@
           </ac:spMkLst>
         </pc:spChg>
         <pc:spChg chg="mod">
-          <ac:chgData name="Vinícius Silva" userId="fa075dabe18a2777" providerId="LiveId" clId="{A6E9B1B3-6436-41A1-A878-DEB1A24D8966}" dt="2024-11-28T12:09:31.161" v="1203" actId="20577"/>
+          <ac:chgData name="Vinícius Silva" userId="fa075dabe18a2777" providerId="LiveId" clId="{A6E9B1B3-6436-41A1-A878-DEB1A24D8966}" dt="2024-11-29T20:33:10.903" v="1796" actId="20577"/>
           <ac:spMkLst>
             <pc:docMk/>
             <pc:sldMk cId="3679593419" sldId="345"/>
@@ -1021,8 +1012,8 @@
           </ac:spMkLst>
         </pc:spChg>
       </pc:sldChg>
-      <pc:sldChg chg="modSp add mod">
-        <pc:chgData name="Vinícius Silva" userId="fa075dabe18a2777" providerId="LiveId" clId="{A6E9B1B3-6436-41A1-A878-DEB1A24D8966}" dt="2024-11-28T12:10:44.708" v="1350" actId="20577"/>
+      <pc:sldChg chg="modSp add del mod">
+        <pc:chgData name="Vinícius Silva" userId="fa075dabe18a2777" providerId="LiveId" clId="{A6E9B1B3-6436-41A1-A878-DEB1A24D8966}" dt="2024-11-29T17:23:36.494" v="1731" actId="47"/>
         <pc:sldMkLst>
           <pc:docMk/>
           <pc:sldMk cId="39693244" sldId="346"/>
@@ -1041,6 +1032,45 @@
             <pc:docMk/>
             <pc:sldMk cId="39693244" sldId="346"/>
             <ac:spMk id="214" creationId="{133FC042-0A8A-DEE6-ED78-181AEBCC3F74}"/>
+          </ac:spMkLst>
+        </pc:spChg>
+      </pc:sldChg>
+      <pc:sldChg chg="modSp add mod ord">
+        <pc:chgData name="Vinícius Silva" userId="fa075dabe18a2777" providerId="LiveId" clId="{A6E9B1B3-6436-41A1-A878-DEB1A24D8966}" dt="2024-11-29T17:22:05.477" v="1690" actId="1076"/>
+        <pc:sldMkLst>
+          <pc:docMk/>
+          <pc:sldMk cId="4068468844" sldId="347"/>
+        </pc:sldMkLst>
+        <pc:spChg chg="mod">
+          <ac:chgData name="Vinícius Silva" userId="fa075dabe18a2777" providerId="LiveId" clId="{A6E9B1B3-6436-41A1-A878-DEB1A24D8966}" dt="2024-11-29T17:22:05.477" v="1690" actId="1076"/>
+          <ac:spMkLst>
+            <pc:docMk/>
+            <pc:sldMk cId="4068468844" sldId="347"/>
+            <ac:spMk id="2" creationId="{BABF6CA6-3F05-859C-31E4-46B3DE3CD7A5}"/>
+          </ac:spMkLst>
+        </pc:spChg>
+        <pc:spChg chg="mod">
+          <ac:chgData name="Vinícius Silva" userId="fa075dabe18a2777" providerId="LiveId" clId="{A6E9B1B3-6436-41A1-A878-DEB1A24D8966}" dt="2024-11-29T17:20:31.871" v="1684" actId="20577"/>
+          <ac:spMkLst>
+            <pc:docMk/>
+            <pc:sldMk cId="4068468844" sldId="347"/>
+            <ac:spMk id="5" creationId="{8E4351D2-5731-8F61-827B-F7F75AC6C88B}"/>
+          </ac:spMkLst>
+        </pc:spChg>
+        <pc:spChg chg="mod">
+          <ac:chgData name="Vinícius Silva" userId="fa075dabe18a2777" providerId="LiveId" clId="{A6E9B1B3-6436-41A1-A878-DEB1A24D8966}" dt="2024-11-29T17:19:40.296" v="1651" actId="20577"/>
+          <ac:spMkLst>
+            <pc:docMk/>
+            <pc:sldMk cId="4068468844" sldId="347"/>
+            <ac:spMk id="6" creationId="{2158C98D-AE2B-CA11-243A-4A6901E2506A}"/>
+          </ac:spMkLst>
+        </pc:spChg>
+        <pc:spChg chg="mod">
+          <ac:chgData name="Vinícius Silva" userId="fa075dabe18a2777" providerId="LiveId" clId="{A6E9B1B3-6436-41A1-A878-DEB1A24D8966}" dt="2024-11-29T17:21:53.491" v="1689" actId="1076"/>
+          <ac:spMkLst>
+            <pc:docMk/>
+            <pc:sldMk cId="4068468844" sldId="347"/>
+            <ac:spMk id="214" creationId="{223373AF-6708-CE25-1E95-76A2BD94CB1C}"/>
           </ac:spMkLst>
         </pc:spChg>
       </pc:sldChg>
@@ -1306,7 +1336,7 @@
         </pc:sldLayoutChg>
       </pc:sldMasterChg>
       <pc:sldMasterChg chg="delSldLayout">
-        <pc:chgData name="Vinícius Silva" userId="fa075dabe18a2777" providerId="LiveId" clId="{A6E9B1B3-6436-41A1-A878-DEB1A24D8966}" dt="2024-11-28T12:11:02.411" v="1352" actId="47"/>
+        <pc:chgData name="Vinícius Silva" userId="fa075dabe18a2777" providerId="LiveId" clId="{A6E9B1B3-6436-41A1-A878-DEB1A24D8966}" dt="2024-11-29T17:23:38.281" v="1732" actId="47"/>
         <pc:sldMasterMkLst>
           <pc:docMk/>
           <pc:sldMasterMk cId="2133304825" sldId="2147483747"/>
@@ -1349,6 +1379,14 @@
             <pc:docMk/>
             <pc:sldMasterMk cId="2133304825" sldId="2147483747"/>
             <pc:sldLayoutMk cId="3518741250" sldId="2147483764"/>
+          </pc:sldLayoutMkLst>
+        </pc:sldLayoutChg>
+        <pc:sldLayoutChg chg="del">
+          <pc:chgData name="Vinícius Silva" userId="fa075dabe18a2777" providerId="LiveId" clId="{A6E9B1B3-6436-41A1-A878-DEB1A24D8966}" dt="2024-11-29T17:23:38.281" v="1732" actId="47"/>
+          <pc:sldLayoutMkLst>
+            <pc:docMk/>
+            <pc:sldMasterMk cId="2133304825" sldId="2147483747"/>
+            <pc:sldLayoutMk cId="3306729743" sldId="2147483765"/>
           </pc:sldLayoutMkLst>
         </pc:sldLayoutChg>
       </pc:sldMasterChg>
@@ -4437,114 +4475,10 @@
   <p:cSld>
     <p:spTree>
       <p:nvGrpSpPr>
-        <p:cNvPr id="1" name="Shape 178"/>
-        <p:cNvGrpSpPr/>
-        <p:nvPr/>
-      </p:nvGrpSpPr>
-      <p:grpSpPr>
-        <a:xfrm>
-          <a:off x="0" y="0"/>
-          <a:ext cx="0" cy="0"/>
-          <a:chOff x="0" y="0"/>
-          <a:chExt cx="0" cy="0"/>
-        </a:xfrm>
-      </p:grpSpPr>
-      <p:sp>
-        <p:nvSpPr>
-          <p:cNvPr id="179" name="Google Shape;179;p:notes"/>
-          <p:cNvSpPr>
-            <a:spLocks noGrp="1" noRot="1" noChangeAspect="1"/>
-          </p:cNvSpPr>
-          <p:nvPr>
-            <p:ph type="sldImg" idx="2"/>
-          </p:nvPr>
-        </p:nvSpPr>
-        <p:spPr>
-          <a:xfrm>
-            <a:off x="381000" y="685800"/>
-            <a:ext cx="6096000" cy="3429000"/>
-          </a:xfrm>
-          <a:custGeom>
-            <a:avLst/>
-            <a:gdLst/>
-            <a:ahLst/>
-            <a:cxnLst/>
-            <a:rect l="l" t="t" r="r" b="b"/>
-            <a:pathLst>
-              <a:path w="120000" h="120000" extrusionOk="0">
-                <a:moveTo>
-                  <a:pt x="0" y="0"/>
-                </a:moveTo>
-                <a:lnTo>
-                  <a:pt x="120000" y="0"/>
-                </a:lnTo>
-                <a:lnTo>
-                  <a:pt x="120000" y="120000"/>
-                </a:lnTo>
-                <a:lnTo>
-                  <a:pt x="0" y="120000"/>
-                </a:lnTo>
-                <a:close/>
-              </a:path>
-            </a:pathLst>
-          </a:custGeom>
-        </p:spPr>
-      </p:sp>
-      <p:sp>
-        <p:nvSpPr>
-          <p:cNvPr id="180" name="Google Shape;180;p:notes"/>
-          <p:cNvSpPr txBox="1">
-            <a:spLocks noGrp="1"/>
-          </p:cNvSpPr>
-          <p:nvPr>
-            <p:ph type="body" idx="1"/>
-          </p:nvPr>
-        </p:nvSpPr>
-        <p:spPr>
-          <a:xfrm>
-            <a:off x="685800" y="4343400"/>
-            <a:ext cx="5486400" cy="4114800"/>
-          </a:xfrm>
-          <a:prstGeom prst="rect">
-            <a:avLst/>
-          </a:prstGeom>
-        </p:spPr>
-        <p:txBody>
-          <a:bodyPr spcFirstLastPara="1" wrap="square" lIns="91425" tIns="91425" rIns="91425" bIns="91425" anchor="t" anchorCtr="0">
-            <a:noAutofit/>
-          </a:bodyPr>
-          <a:lstStyle/>
-          <a:p>
-            <a:pPr marL="0" lvl="0" indent="0" algn="l" rtl="0">
-              <a:spcBef>
-                <a:spcPts val="0"/>
-              </a:spcBef>
-              <a:spcAft>
-                <a:spcPts val="0"/>
-              </a:spcAft>
-              <a:buNone/>
-            </a:pPr>
-            <a:endParaRPr/>
-          </a:p>
-        </p:txBody>
-      </p:sp>
-    </p:spTree>
-  </p:cSld>
-  <p:clrMapOvr>
-    <a:masterClrMapping/>
-  </p:clrMapOvr>
-</p:notes>
-</file>
-
-<file path=ppt/notesSlides/notesSlide10.xml><?xml version="1.0" encoding="utf-8"?>
-<p:notes xmlns:a="http://schemas.openxmlformats.org/drawingml/2006/main" xmlns:r="http://schemas.openxmlformats.org/officeDocument/2006/relationships" xmlns:p="http://schemas.openxmlformats.org/presentationml/2006/main" showMasterSp="0" showMasterPhAnim="0">
-  <p:cSld>
-    <p:spTree>
-      <p:nvGrpSpPr>
         <p:cNvPr id="1" name="Shape 210">
           <a:extLst>
             <a:ext uri="{FF2B5EF4-FFF2-40B4-BE49-F238E27FC236}">
-              <a16:creationId xmlns:a16="http://schemas.microsoft.com/office/drawing/2014/main" id="{F126DA82-C40C-1D3A-C866-CE4091D37363}"/>
+              <a16:creationId xmlns:a16="http://schemas.microsoft.com/office/drawing/2014/main" id="{53BD0DB3-3DC1-6678-5D38-9997B6725BC5}"/>
             </a:ext>
           </a:extLst>
         </p:cNvPr>
@@ -4564,7 +4498,7 @@
           <p:cNvPr id="211" name="Google Shape;211;g785121e667_0_215:notes">
             <a:extLst>
               <a:ext uri="{FF2B5EF4-FFF2-40B4-BE49-F238E27FC236}">
-                <a16:creationId xmlns:a16="http://schemas.microsoft.com/office/drawing/2014/main" id="{015728F2-FC30-A6E9-D6C7-B7243BC6374F}"/>
+                <a16:creationId xmlns:a16="http://schemas.microsoft.com/office/drawing/2014/main" id="{6C39076B-484D-7600-0352-A23B652CAD0A}"/>
               </a:ext>
             </a:extLst>
           </p:cNvPr>
@@ -4611,7 +4545,7 @@
           <p:cNvPr id="212" name="Google Shape;212;g785121e667_0_215:notes">
             <a:extLst>
               <a:ext uri="{FF2B5EF4-FFF2-40B4-BE49-F238E27FC236}">
-                <a16:creationId xmlns:a16="http://schemas.microsoft.com/office/drawing/2014/main" id="{81BE9363-247D-57FC-FBA9-CD0E8B6AAEF2}"/>
+                <a16:creationId xmlns:a16="http://schemas.microsoft.com/office/drawing/2014/main" id="{8B35DB99-9D11-DDFC-D7C7-C821607801CD}"/>
               </a:ext>
             </a:extLst>
           </p:cNvPr>
@@ -4653,7 +4587,7 @@
     </p:spTree>
     <p:extLst>
       <p:ext uri="{BB962C8B-B14F-4D97-AF65-F5344CB8AC3E}">
-        <p14:creationId xmlns:p14="http://schemas.microsoft.com/office/powerpoint/2010/main" val="3691055311"/>
+        <p14:creationId xmlns:p14="http://schemas.microsoft.com/office/powerpoint/2010/main" val="30641949"/>
       </p:ext>
     </p:extLst>
   </p:cSld>
@@ -4663,7 +4597,134 @@
 </p:notes>
 </file>
 
-<file path=ppt/notesSlides/notesSlide11.xml><?xml version="1.0" encoding="utf-8"?>
+<file path=ppt/notesSlides/notesSlide2.xml><?xml version="1.0" encoding="utf-8"?>
+<p:notes xmlns:a="http://schemas.openxmlformats.org/drawingml/2006/main" xmlns:r="http://schemas.openxmlformats.org/officeDocument/2006/relationships" xmlns:p="http://schemas.openxmlformats.org/presentationml/2006/main" showMasterSp="0" showMasterPhAnim="0">
+  <p:cSld>
+    <p:spTree>
+      <p:nvGrpSpPr>
+        <p:cNvPr id="1" name="Shape 210">
+          <a:extLst>
+            <a:ext uri="{FF2B5EF4-FFF2-40B4-BE49-F238E27FC236}">
+              <a16:creationId xmlns:a16="http://schemas.microsoft.com/office/drawing/2014/main" id="{FFA629D4-D0F8-8F78-3F2D-87B57CDA0607}"/>
+            </a:ext>
+          </a:extLst>
+        </p:cNvPr>
+        <p:cNvGrpSpPr/>
+        <p:nvPr/>
+      </p:nvGrpSpPr>
+      <p:grpSpPr>
+        <a:xfrm>
+          <a:off x="0" y="0"/>
+          <a:ext cx="0" cy="0"/>
+          <a:chOff x="0" y="0"/>
+          <a:chExt cx="0" cy="0"/>
+        </a:xfrm>
+      </p:grpSpPr>
+      <p:sp>
+        <p:nvSpPr>
+          <p:cNvPr id="211" name="Google Shape;211;g785121e667_0_215:notes">
+            <a:extLst>
+              <a:ext uri="{FF2B5EF4-FFF2-40B4-BE49-F238E27FC236}">
+                <a16:creationId xmlns:a16="http://schemas.microsoft.com/office/drawing/2014/main" id="{D67BED08-40F8-1AF0-C367-7E5B9A7D32B6}"/>
+              </a:ext>
+            </a:extLst>
+          </p:cNvPr>
+          <p:cNvSpPr>
+            <a:spLocks noGrp="1" noRot="1" noChangeAspect="1"/>
+          </p:cNvSpPr>
+          <p:nvPr>
+            <p:ph type="sldImg" idx="2"/>
+          </p:nvPr>
+        </p:nvSpPr>
+        <p:spPr>
+          <a:xfrm>
+            <a:off x="381000" y="685800"/>
+            <a:ext cx="6096000" cy="3429000"/>
+          </a:xfrm>
+          <a:custGeom>
+            <a:avLst/>
+            <a:gdLst/>
+            <a:ahLst/>
+            <a:cxnLst/>
+            <a:rect l="l" t="t" r="r" b="b"/>
+            <a:pathLst>
+              <a:path w="120000" h="120000" extrusionOk="0">
+                <a:moveTo>
+                  <a:pt x="0" y="0"/>
+                </a:moveTo>
+                <a:lnTo>
+                  <a:pt x="120000" y="0"/>
+                </a:lnTo>
+                <a:lnTo>
+                  <a:pt x="120000" y="120000"/>
+                </a:lnTo>
+                <a:lnTo>
+                  <a:pt x="0" y="120000"/>
+                </a:lnTo>
+                <a:close/>
+              </a:path>
+            </a:pathLst>
+          </a:custGeom>
+        </p:spPr>
+      </p:sp>
+      <p:sp>
+        <p:nvSpPr>
+          <p:cNvPr id="212" name="Google Shape;212;g785121e667_0_215:notes">
+            <a:extLst>
+              <a:ext uri="{FF2B5EF4-FFF2-40B4-BE49-F238E27FC236}">
+                <a16:creationId xmlns:a16="http://schemas.microsoft.com/office/drawing/2014/main" id="{FE620885-FF90-9DC2-0EC3-6E860543FF38}"/>
+              </a:ext>
+            </a:extLst>
+          </p:cNvPr>
+          <p:cNvSpPr txBox="1">
+            <a:spLocks noGrp="1"/>
+          </p:cNvSpPr>
+          <p:nvPr>
+            <p:ph type="body" idx="1"/>
+          </p:nvPr>
+        </p:nvSpPr>
+        <p:spPr>
+          <a:xfrm>
+            <a:off x="685800" y="4343400"/>
+            <a:ext cx="5486400" cy="4114800"/>
+          </a:xfrm>
+          <a:prstGeom prst="rect">
+            <a:avLst/>
+          </a:prstGeom>
+        </p:spPr>
+        <p:txBody>
+          <a:bodyPr spcFirstLastPara="1" wrap="square" lIns="91425" tIns="91425" rIns="91425" bIns="91425" anchor="t" anchorCtr="0">
+            <a:noAutofit/>
+          </a:bodyPr>
+          <a:lstStyle/>
+          <a:p>
+            <a:pPr marL="0" lvl="0" indent="0" algn="l" rtl="0">
+              <a:spcBef>
+                <a:spcPts val="0"/>
+              </a:spcBef>
+              <a:spcAft>
+                <a:spcPts val="0"/>
+              </a:spcAft>
+              <a:buNone/>
+            </a:pPr>
+            <a:endParaRPr dirty="0"/>
+          </a:p>
+        </p:txBody>
+      </p:sp>
+    </p:spTree>
+    <p:extLst>
+      <p:ext uri="{BB962C8B-B14F-4D97-AF65-F5344CB8AC3E}">
+        <p14:creationId xmlns:p14="http://schemas.microsoft.com/office/powerpoint/2010/main" val="241685997"/>
+      </p:ext>
+    </p:extLst>
+  </p:cSld>
+  <p:clrMapOvr>
+    <a:masterClrMapping/>
+  </p:clrMapOvr>
+</p:notes>
+</file>
+
+<file path=ppt/notesSlides/notesSlide3.xml><?xml version="1.0" encoding="utf-8"?>
 <p:notes xmlns:a="http://schemas.openxmlformats.org/drawingml/2006/main" xmlns:r="http://schemas.openxmlformats.org/officeDocument/2006/relationships" xmlns:p="http://schemas.openxmlformats.org/presentationml/2006/main" showMasterSp="0" showMasterPhAnim="0">
   <p:cSld>
     <p:spTree>
@@ -4790,7 +4851,7 @@
 </p:notes>
 </file>
 
-<file path=ppt/notesSlides/notesSlide12.xml><?xml version="1.0" encoding="utf-8"?>
+<file path=ppt/notesSlides/notesSlide4.xml><?xml version="1.0" encoding="utf-8"?>
 <p:notes xmlns:a="http://schemas.openxmlformats.org/drawingml/2006/main" xmlns:r="http://schemas.openxmlformats.org/officeDocument/2006/relationships" xmlns:p="http://schemas.openxmlformats.org/presentationml/2006/main" showMasterSp="0" showMasterPhAnim="0">
   <p:cSld>
     <p:spTree>
@@ -4798,7 +4859,7 @@
         <p:cNvPr id="1" name="Shape 210">
           <a:extLst>
             <a:ext uri="{FF2B5EF4-FFF2-40B4-BE49-F238E27FC236}">
-              <a16:creationId xmlns:a16="http://schemas.microsoft.com/office/drawing/2014/main" id="{FFA629D4-D0F8-8F78-3F2D-87B57CDA0607}"/>
+              <a16:creationId xmlns:a16="http://schemas.microsoft.com/office/drawing/2014/main" id="{A7501143-B0A8-4434-BD1F-A4DF20F880C8}"/>
             </a:ext>
           </a:extLst>
         </p:cNvPr>
@@ -4818,7 +4879,7 @@
           <p:cNvPr id="211" name="Google Shape;211;g785121e667_0_215:notes">
             <a:extLst>
               <a:ext uri="{FF2B5EF4-FFF2-40B4-BE49-F238E27FC236}">
-                <a16:creationId xmlns:a16="http://schemas.microsoft.com/office/drawing/2014/main" id="{D67BED08-40F8-1AF0-C367-7E5B9A7D32B6}"/>
+                <a16:creationId xmlns:a16="http://schemas.microsoft.com/office/drawing/2014/main" id="{E99CE4B0-3409-C5AA-41A5-CC1EECADA741}"/>
               </a:ext>
             </a:extLst>
           </p:cNvPr>
@@ -4865,7 +4926,7 @@
           <p:cNvPr id="212" name="Google Shape;212;g785121e667_0_215:notes">
             <a:extLst>
               <a:ext uri="{FF2B5EF4-FFF2-40B4-BE49-F238E27FC236}">
-                <a16:creationId xmlns:a16="http://schemas.microsoft.com/office/drawing/2014/main" id="{FE620885-FF90-9DC2-0EC3-6E860543FF38}"/>
+                <a16:creationId xmlns:a16="http://schemas.microsoft.com/office/drawing/2014/main" id="{31B7A4F3-447F-AB17-7BEE-BB5F2FC52DDE}"/>
               </a:ext>
             </a:extLst>
           </p:cNvPr>
@@ -4907,7 +4968,7 @@
     </p:spTree>
     <p:extLst>
       <p:ext uri="{BB962C8B-B14F-4D97-AF65-F5344CB8AC3E}">
-        <p14:creationId xmlns:p14="http://schemas.microsoft.com/office/powerpoint/2010/main" val="241685997"/>
+        <p14:creationId xmlns:p14="http://schemas.microsoft.com/office/powerpoint/2010/main" val="2405275940"/>
       </p:ext>
     </p:extLst>
   </p:cSld>
@@ -4917,261 +4978,7 @@
 </p:notes>
 </file>
 
-<file path=ppt/notesSlides/notesSlide13.xml><?xml version="1.0" encoding="utf-8"?>
-<p:notes xmlns:a="http://schemas.openxmlformats.org/drawingml/2006/main" xmlns:r="http://schemas.openxmlformats.org/officeDocument/2006/relationships" xmlns:p="http://schemas.openxmlformats.org/presentationml/2006/main" showMasterSp="0" showMasterPhAnim="0">
-  <p:cSld>
-    <p:spTree>
-      <p:nvGrpSpPr>
-        <p:cNvPr id="1" name="Shape 210">
-          <a:extLst>
-            <a:ext uri="{FF2B5EF4-FFF2-40B4-BE49-F238E27FC236}">
-              <a16:creationId xmlns:a16="http://schemas.microsoft.com/office/drawing/2014/main" id="{2256ED91-B03D-AB02-E062-D2E446DCF4AE}"/>
-            </a:ext>
-          </a:extLst>
-        </p:cNvPr>
-        <p:cNvGrpSpPr/>
-        <p:nvPr/>
-      </p:nvGrpSpPr>
-      <p:grpSpPr>
-        <a:xfrm>
-          <a:off x="0" y="0"/>
-          <a:ext cx="0" cy="0"/>
-          <a:chOff x="0" y="0"/>
-          <a:chExt cx="0" cy="0"/>
-        </a:xfrm>
-      </p:grpSpPr>
-      <p:sp>
-        <p:nvSpPr>
-          <p:cNvPr id="211" name="Google Shape;211;g785121e667_0_215:notes">
-            <a:extLst>
-              <a:ext uri="{FF2B5EF4-FFF2-40B4-BE49-F238E27FC236}">
-                <a16:creationId xmlns:a16="http://schemas.microsoft.com/office/drawing/2014/main" id="{AB623041-858B-522C-54BD-7475A69320CE}"/>
-              </a:ext>
-            </a:extLst>
-          </p:cNvPr>
-          <p:cNvSpPr>
-            <a:spLocks noGrp="1" noRot="1" noChangeAspect="1"/>
-          </p:cNvSpPr>
-          <p:nvPr>
-            <p:ph type="sldImg" idx="2"/>
-          </p:nvPr>
-        </p:nvSpPr>
-        <p:spPr>
-          <a:xfrm>
-            <a:off x="381000" y="685800"/>
-            <a:ext cx="6096000" cy="3429000"/>
-          </a:xfrm>
-          <a:custGeom>
-            <a:avLst/>
-            <a:gdLst/>
-            <a:ahLst/>
-            <a:cxnLst/>
-            <a:rect l="l" t="t" r="r" b="b"/>
-            <a:pathLst>
-              <a:path w="120000" h="120000" extrusionOk="0">
-                <a:moveTo>
-                  <a:pt x="0" y="0"/>
-                </a:moveTo>
-                <a:lnTo>
-                  <a:pt x="120000" y="0"/>
-                </a:lnTo>
-                <a:lnTo>
-                  <a:pt x="120000" y="120000"/>
-                </a:lnTo>
-                <a:lnTo>
-                  <a:pt x="0" y="120000"/>
-                </a:lnTo>
-                <a:close/>
-              </a:path>
-            </a:pathLst>
-          </a:custGeom>
-        </p:spPr>
-      </p:sp>
-      <p:sp>
-        <p:nvSpPr>
-          <p:cNvPr id="212" name="Google Shape;212;g785121e667_0_215:notes">
-            <a:extLst>
-              <a:ext uri="{FF2B5EF4-FFF2-40B4-BE49-F238E27FC236}">
-                <a16:creationId xmlns:a16="http://schemas.microsoft.com/office/drawing/2014/main" id="{570EAC03-DEAD-8D4A-61D1-C24DBE949E11}"/>
-              </a:ext>
-            </a:extLst>
-          </p:cNvPr>
-          <p:cNvSpPr txBox="1">
-            <a:spLocks noGrp="1"/>
-          </p:cNvSpPr>
-          <p:nvPr>
-            <p:ph type="body" idx="1"/>
-          </p:nvPr>
-        </p:nvSpPr>
-        <p:spPr>
-          <a:xfrm>
-            <a:off x="685800" y="4343400"/>
-            <a:ext cx="5486400" cy="4114800"/>
-          </a:xfrm>
-          <a:prstGeom prst="rect">
-            <a:avLst/>
-          </a:prstGeom>
-        </p:spPr>
-        <p:txBody>
-          <a:bodyPr spcFirstLastPara="1" wrap="square" lIns="91425" tIns="91425" rIns="91425" bIns="91425" anchor="t" anchorCtr="0">
-            <a:noAutofit/>
-          </a:bodyPr>
-          <a:lstStyle/>
-          <a:p>
-            <a:pPr marL="0" lvl="0" indent="0" algn="l" rtl="0">
-              <a:spcBef>
-                <a:spcPts val="0"/>
-              </a:spcBef>
-              <a:spcAft>
-                <a:spcPts val="0"/>
-              </a:spcAft>
-              <a:buNone/>
-            </a:pPr>
-            <a:endParaRPr dirty="0"/>
-          </a:p>
-        </p:txBody>
-      </p:sp>
-    </p:spTree>
-    <p:extLst>
-      <p:ext uri="{BB962C8B-B14F-4D97-AF65-F5344CB8AC3E}">
-        <p14:creationId xmlns:p14="http://schemas.microsoft.com/office/powerpoint/2010/main" val="2779919117"/>
-      </p:ext>
-    </p:extLst>
-  </p:cSld>
-  <p:clrMapOvr>
-    <a:masterClrMapping/>
-  </p:clrMapOvr>
-</p:notes>
-</file>
-
-<file path=ppt/notesSlides/notesSlide14.xml><?xml version="1.0" encoding="utf-8"?>
-<p:notes xmlns:a="http://schemas.openxmlformats.org/drawingml/2006/main" xmlns:r="http://schemas.openxmlformats.org/officeDocument/2006/relationships" xmlns:p="http://schemas.openxmlformats.org/presentationml/2006/main" showMasterSp="0" showMasterPhAnim="0">
-  <p:cSld>
-    <p:spTree>
-      <p:nvGrpSpPr>
-        <p:cNvPr id="1" name="Shape 210">
-          <a:extLst>
-            <a:ext uri="{FF2B5EF4-FFF2-40B4-BE49-F238E27FC236}">
-              <a16:creationId xmlns:a16="http://schemas.microsoft.com/office/drawing/2014/main" id="{21F5FA0C-BACF-AB36-4FE0-8387D02C7EB2}"/>
-            </a:ext>
-          </a:extLst>
-        </p:cNvPr>
-        <p:cNvGrpSpPr/>
-        <p:nvPr/>
-      </p:nvGrpSpPr>
-      <p:grpSpPr>
-        <a:xfrm>
-          <a:off x="0" y="0"/>
-          <a:ext cx="0" cy="0"/>
-          <a:chOff x="0" y="0"/>
-          <a:chExt cx="0" cy="0"/>
-        </a:xfrm>
-      </p:grpSpPr>
-      <p:sp>
-        <p:nvSpPr>
-          <p:cNvPr id="211" name="Google Shape;211;g785121e667_0_215:notes">
-            <a:extLst>
-              <a:ext uri="{FF2B5EF4-FFF2-40B4-BE49-F238E27FC236}">
-                <a16:creationId xmlns:a16="http://schemas.microsoft.com/office/drawing/2014/main" id="{98DFD516-F3EF-40F5-3CF8-22643513951B}"/>
-              </a:ext>
-            </a:extLst>
-          </p:cNvPr>
-          <p:cNvSpPr>
-            <a:spLocks noGrp="1" noRot="1" noChangeAspect="1"/>
-          </p:cNvSpPr>
-          <p:nvPr>
-            <p:ph type="sldImg" idx="2"/>
-          </p:nvPr>
-        </p:nvSpPr>
-        <p:spPr>
-          <a:xfrm>
-            <a:off x="381000" y="685800"/>
-            <a:ext cx="6096000" cy="3429000"/>
-          </a:xfrm>
-          <a:custGeom>
-            <a:avLst/>
-            <a:gdLst/>
-            <a:ahLst/>
-            <a:cxnLst/>
-            <a:rect l="l" t="t" r="r" b="b"/>
-            <a:pathLst>
-              <a:path w="120000" h="120000" extrusionOk="0">
-                <a:moveTo>
-                  <a:pt x="0" y="0"/>
-                </a:moveTo>
-                <a:lnTo>
-                  <a:pt x="120000" y="0"/>
-                </a:lnTo>
-                <a:lnTo>
-                  <a:pt x="120000" y="120000"/>
-                </a:lnTo>
-                <a:lnTo>
-                  <a:pt x="0" y="120000"/>
-                </a:lnTo>
-                <a:close/>
-              </a:path>
-            </a:pathLst>
-          </a:custGeom>
-        </p:spPr>
-      </p:sp>
-      <p:sp>
-        <p:nvSpPr>
-          <p:cNvPr id="212" name="Google Shape;212;g785121e667_0_215:notes">
-            <a:extLst>
-              <a:ext uri="{FF2B5EF4-FFF2-40B4-BE49-F238E27FC236}">
-                <a16:creationId xmlns:a16="http://schemas.microsoft.com/office/drawing/2014/main" id="{B272570A-C0B4-80A1-A89F-0DD760D2F114}"/>
-              </a:ext>
-            </a:extLst>
-          </p:cNvPr>
-          <p:cNvSpPr txBox="1">
-            <a:spLocks noGrp="1"/>
-          </p:cNvSpPr>
-          <p:nvPr>
-            <p:ph type="body" idx="1"/>
-          </p:nvPr>
-        </p:nvSpPr>
-        <p:spPr>
-          <a:xfrm>
-            <a:off x="685800" y="4343400"/>
-            <a:ext cx="5486400" cy="4114800"/>
-          </a:xfrm>
-          <a:prstGeom prst="rect">
-            <a:avLst/>
-          </a:prstGeom>
-        </p:spPr>
-        <p:txBody>
-          <a:bodyPr spcFirstLastPara="1" wrap="square" lIns="91425" tIns="91425" rIns="91425" bIns="91425" anchor="t" anchorCtr="0">
-            <a:noAutofit/>
-          </a:bodyPr>
-          <a:lstStyle/>
-          <a:p>
-            <a:pPr marL="0" lvl="0" indent="0" algn="l" rtl="0">
-              <a:spcBef>
-                <a:spcPts val="0"/>
-              </a:spcBef>
-              <a:spcAft>
-                <a:spcPts val="0"/>
-              </a:spcAft>
-              <a:buNone/>
-            </a:pPr>
-            <a:endParaRPr dirty="0"/>
-          </a:p>
-        </p:txBody>
-      </p:sp>
-    </p:spTree>
-    <p:extLst>
-      <p:ext uri="{BB962C8B-B14F-4D97-AF65-F5344CB8AC3E}">
-        <p14:creationId xmlns:p14="http://schemas.microsoft.com/office/powerpoint/2010/main" val="2540103415"/>
-      </p:ext>
-    </p:extLst>
-  </p:cSld>
-  <p:clrMapOvr>
-    <a:masterClrMapping/>
-  </p:clrMapOvr>
-</p:notes>
-</file>
-
-<file path=ppt/notesSlides/notesSlide15.xml><?xml version="1.0" encoding="utf-8"?>
+<file path=ppt/notesSlides/notesSlide5.xml><?xml version="1.0" encoding="utf-8"?>
 <p:notes xmlns:a="http://schemas.openxmlformats.org/drawingml/2006/main" xmlns:r="http://schemas.openxmlformats.org/officeDocument/2006/relationships" xmlns:p="http://schemas.openxmlformats.org/presentationml/2006/main" showMasterSp="0" showMasterPhAnim="0">
   <p:cSld>
     <p:spTree>
@@ -5298,1253 +5105,6 @@
 </p:notes>
 </file>
 
-<file path=ppt/notesSlides/notesSlide16.xml><?xml version="1.0" encoding="utf-8"?>
-<p:notes xmlns:a="http://schemas.openxmlformats.org/drawingml/2006/main" xmlns:r="http://schemas.openxmlformats.org/officeDocument/2006/relationships" xmlns:p="http://schemas.openxmlformats.org/presentationml/2006/main" showMasterSp="0" showMasterPhAnim="0">
-  <p:cSld>
-    <p:spTree>
-      <p:nvGrpSpPr>
-        <p:cNvPr id="1" name="Shape 210">
-          <a:extLst>
-            <a:ext uri="{FF2B5EF4-FFF2-40B4-BE49-F238E27FC236}">
-              <a16:creationId xmlns:a16="http://schemas.microsoft.com/office/drawing/2014/main" id="{B521BE82-570F-2CB1-A9F0-A6AE82108991}"/>
-            </a:ext>
-          </a:extLst>
-        </p:cNvPr>
-        <p:cNvGrpSpPr/>
-        <p:nvPr/>
-      </p:nvGrpSpPr>
-      <p:grpSpPr>
-        <a:xfrm>
-          <a:off x="0" y="0"/>
-          <a:ext cx="0" cy="0"/>
-          <a:chOff x="0" y="0"/>
-          <a:chExt cx="0" cy="0"/>
-        </a:xfrm>
-      </p:grpSpPr>
-      <p:sp>
-        <p:nvSpPr>
-          <p:cNvPr id="211" name="Google Shape;211;g785121e667_0_215:notes">
-            <a:extLst>
-              <a:ext uri="{FF2B5EF4-FFF2-40B4-BE49-F238E27FC236}">
-                <a16:creationId xmlns:a16="http://schemas.microsoft.com/office/drawing/2014/main" id="{EBFB31EE-EB9D-DB08-0A77-6392A17E45E0}"/>
-              </a:ext>
-            </a:extLst>
-          </p:cNvPr>
-          <p:cNvSpPr>
-            <a:spLocks noGrp="1" noRot="1" noChangeAspect="1"/>
-          </p:cNvSpPr>
-          <p:nvPr>
-            <p:ph type="sldImg" idx="2"/>
-          </p:nvPr>
-        </p:nvSpPr>
-        <p:spPr>
-          <a:xfrm>
-            <a:off x="381000" y="685800"/>
-            <a:ext cx="6096000" cy="3429000"/>
-          </a:xfrm>
-          <a:custGeom>
-            <a:avLst/>
-            <a:gdLst/>
-            <a:ahLst/>
-            <a:cxnLst/>
-            <a:rect l="l" t="t" r="r" b="b"/>
-            <a:pathLst>
-              <a:path w="120000" h="120000" extrusionOk="0">
-                <a:moveTo>
-                  <a:pt x="0" y="0"/>
-                </a:moveTo>
-                <a:lnTo>
-                  <a:pt x="120000" y="0"/>
-                </a:lnTo>
-                <a:lnTo>
-                  <a:pt x="120000" y="120000"/>
-                </a:lnTo>
-                <a:lnTo>
-                  <a:pt x="0" y="120000"/>
-                </a:lnTo>
-                <a:close/>
-              </a:path>
-            </a:pathLst>
-          </a:custGeom>
-        </p:spPr>
-      </p:sp>
-      <p:sp>
-        <p:nvSpPr>
-          <p:cNvPr id="212" name="Google Shape;212;g785121e667_0_215:notes">
-            <a:extLst>
-              <a:ext uri="{FF2B5EF4-FFF2-40B4-BE49-F238E27FC236}">
-                <a16:creationId xmlns:a16="http://schemas.microsoft.com/office/drawing/2014/main" id="{B222B848-156A-A574-3603-E128D7803585}"/>
-              </a:ext>
-            </a:extLst>
-          </p:cNvPr>
-          <p:cNvSpPr txBox="1">
-            <a:spLocks noGrp="1"/>
-          </p:cNvSpPr>
-          <p:nvPr>
-            <p:ph type="body" idx="1"/>
-          </p:nvPr>
-        </p:nvSpPr>
-        <p:spPr>
-          <a:xfrm>
-            <a:off x="685800" y="4343400"/>
-            <a:ext cx="5486400" cy="4114800"/>
-          </a:xfrm>
-          <a:prstGeom prst="rect">
-            <a:avLst/>
-          </a:prstGeom>
-        </p:spPr>
-        <p:txBody>
-          <a:bodyPr spcFirstLastPara="1" wrap="square" lIns="91425" tIns="91425" rIns="91425" bIns="91425" anchor="t" anchorCtr="0">
-            <a:noAutofit/>
-          </a:bodyPr>
-          <a:lstStyle/>
-          <a:p>
-            <a:pPr marL="0" lvl="0" indent="0" algn="l" rtl="0">
-              <a:spcBef>
-                <a:spcPts val="0"/>
-              </a:spcBef>
-              <a:spcAft>
-                <a:spcPts val="0"/>
-              </a:spcAft>
-              <a:buNone/>
-            </a:pPr>
-            <a:endParaRPr dirty="0"/>
-          </a:p>
-        </p:txBody>
-      </p:sp>
-    </p:spTree>
-    <p:extLst>
-      <p:ext uri="{BB962C8B-B14F-4D97-AF65-F5344CB8AC3E}">
-        <p14:creationId xmlns:p14="http://schemas.microsoft.com/office/powerpoint/2010/main" val="3284310733"/>
-      </p:ext>
-    </p:extLst>
-  </p:cSld>
-  <p:clrMapOvr>
-    <a:masterClrMapping/>
-  </p:clrMapOvr>
-</p:notes>
-</file>
-
-<file path=ppt/notesSlides/notesSlide17.xml><?xml version="1.0" encoding="utf-8"?>
-<p:notes xmlns:a="http://schemas.openxmlformats.org/drawingml/2006/main" xmlns:r="http://schemas.openxmlformats.org/officeDocument/2006/relationships" xmlns:p="http://schemas.openxmlformats.org/presentationml/2006/main" showMasterSp="0" showMasterPhAnim="0">
-  <p:cSld>
-    <p:spTree>
-      <p:nvGrpSpPr>
-        <p:cNvPr id="1" name="Shape 671"/>
-        <p:cNvGrpSpPr/>
-        <p:nvPr/>
-      </p:nvGrpSpPr>
-      <p:grpSpPr>
-        <a:xfrm>
-          <a:off x="0" y="0"/>
-          <a:ext cx="0" cy="0"/>
-          <a:chOff x="0" y="0"/>
-          <a:chExt cx="0" cy="0"/>
-        </a:xfrm>
-      </p:grpSpPr>
-      <p:sp>
-        <p:nvSpPr>
-          <p:cNvPr id="672" name="Google Shape;672;gac84fa6366_1_61:notes"/>
-          <p:cNvSpPr>
-            <a:spLocks noGrp="1" noRot="1" noChangeAspect="1"/>
-          </p:cNvSpPr>
-          <p:nvPr>
-            <p:ph type="sldImg" idx="2"/>
-          </p:nvPr>
-        </p:nvSpPr>
-        <p:spPr>
-          <a:xfrm>
-            <a:off x="381000" y="685800"/>
-            <a:ext cx="6096000" cy="3429000"/>
-          </a:xfrm>
-          <a:custGeom>
-            <a:avLst/>
-            <a:gdLst/>
-            <a:ahLst/>
-            <a:cxnLst/>
-            <a:rect l="l" t="t" r="r" b="b"/>
-            <a:pathLst>
-              <a:path w="120000" h="120000" extrusionOk="0">
-                <a:moveTo>
-                  <a:pt x="0" y="0"/>
-                </a:moveTo>
-                <a:lnTo>
-                  <a:pt x="120000" y="0"/>
-                </a:lnTo>
-                <a:lnTo>
-                  <a:pt x="120000" y="120000"/>
-                </a:lnTo>
-                <a:lnTo>
-                  <a:pt x="0" y="120000"/>
-                </a:lnTo>
-                <a:close/>
-              </a:path>
-            </a:pathLst>
-          </a:custGeom>
-        </p:spPr>
-      </p:sp>
-      <p:sp>
-        <p:nvSpPr>
-          <p:cNvPr id="673" name="Google Shape;673;gac84fa6366_1_61:notes"/>
-          <p:cNvSpPr txBox="1">
-            <a:spLocks noGrp="1"/>
-          </p:cNvSpPr>
-          <p:nvPr>
-            <p:ph type="body" idx="1"/>
-          </p:nvPr>
-        </p:nvSpPr>
-        <p:spPr>
-          <a:xfrm>
-            <a:off x="685800" y="4343400"/>
-            <a:ext cx="5486400" cy="4114800"/>
-          </a:xfrm>
-          <a:prstGeom prst="rect">
-            <a:avLst/>
-          </a:prstGeom>
-        </p:spPr>
-        <p:txBody>
-          <a:bodyPr spcFirstLastPara="1" wrap="square" lIns="91425" tIns="91425" rIns="91425" bIns="91425" anchor="t" anchorCtr="0">
-            <a:noAutofit/>
-          </a:bodyPr>
-          <a:lstStyle/>
-          <a:p>
-            <a:pPr marL="0" lvl="0" indent="0" algn="l" rtl="0">
-              <a:spcBef>
-                <a:spcPts val="0"/>
-              </a:spcBef>
-              <a:spcAft>
-                <a:spcPts val="0"/>
-              </a:spcAft>
-              <a:buNone/>
-            </a:pPr>
-            <a:endParaRPr/>
-          </a:p>
-        </p:txBody>
-      </p:sp>
-    </p:spTree>
-  </p:cSld>
-  <p:clrMapOvr>
-    <a:masterClrMapping/>
-  </p:clrMapOvr>
-</p:notes>
-</file>
-
-<file path=ppt/notesSlides/notesSlide2.xml><?xml version="1.0" encoding="utf-8"?>
-<p:notes xmlns:a="http://schemas.openxmlformats.org/drawingml/2006/main" xmlns:r="http://schemas.openxmlformats.org/officeDocument/2006/relationships" xmlns:p="http://schemas.openxmlformats.org/presentationml/2006/main" showMasterSp="0" showMasterPhAnim="0">
-  <p:cSld>
-    <p:spTree>
-      <p:nvGrpSpPr>
-        <p:cNvPr id="1" name="Shape 210">
-          <a:extLst>
-            <a:ext uri="{FF2B5EF4-FFF2-40B4-BE49-F238E27FC236}">
-              <a16:creationId xmlns:a16="http://schemas.microsoft.com/office/drawing/2014/main" id="{81739B55-2A36-974D-1DED-5942D5A19B8F}"/>
-            </a:ext>
-          </a:extLst>
-        </p:cNvPr>
-        <p:cNvGrpSpPr/>
-        <p:nvPr/>
-      </p:nvGrpSpPr>
-      <p:grpSpPr>
-        <a:xfrm>
-          <a:off x="0" y="0"/>
-          <a:ext cx="0" cy="0"/>
-          <a:chOff x="0" y="0"/>
-          <a:chExt cx="0" cy="0"/>
-        </a:xfrm>
-      </p:grpSpPr>
-      <p:sp>
-        <p:nvSpPr>
-          <p:cNvPr id="211" name="Google Shape;211;g785121e667_0_215:notes">
-            <a:extLst>
-              <a:ext uri="{FF2B5EF4-FFF2-40B4-BE49-F238E27FC236}">
-                <a16:creationId xmlns:a16="http://schemas.microsoft.com/office/drawing/2014/main" id="{C981141C-0733-3228-094A-59E5371DF332}"/>
-              </a:ext>
-            </a:extLst>
-          </p:cNvPr>
-          <p:cNvSpPr>
-            <a:spLocks noGrp="1" noRot="1" noChangeAspect="1"/>
-          </p:cNvSpPr>
-          <p:nvPr>
-            <p:ph type="sldImg" idx="2"/>
-          </p:nvPr>
-        </p:nvSpPr>
-        <p:spPr>
-          <a:xfrm>
-            <a:off x="381000" y="685800"/>
-            <a:ext cx="6096000" cy="3429000"/>
-          </a:xfrm>
-          <a:custGeom>
-            <a:avLst/>
-            <a:gdLst/>
-            <a:ahLst/>
-            <a:cxnLst/>
-            <a:rect l="l" t="t" r="r" b="b"/>
-            <a:pathLst>
-              <a:path w="120000" h="120000" extrusionOk="0">
-                <a:moveTo>
-                  <a:pt x="0" y="0"/>
-                </a:moveTo>
-                <a:lnTo>
-                  <a:pt x="120000" y="0"/>
-                </a:lnTo>
-                <a:lnTo>
-                  <a:pt x="120000" y="120000"/>
-                </a:lnTo>
-                <a:lnTo>
-                  <a:pt x="0" y="120000"/>
-                </a:lnTo>
-                <a:close/>
-              </a:path>
-            </a:pathLst>
-          </a:custGeom>
-        </p:spPr>
-      </p:sp>
-      <p:sp>
-        <p:nvSpPr>
-          <p:cNvPr id="212" name="Google Shape;212;g785121e667_0_215:notes">
-            <a:extLst>
-              <a:ext uri="{FF2B5EF4-FFF2-40B4-BE49-F238E27FC236}">
-                <a16:creationId xmlns:a16="http://schemas.microsoft.com/office/drawing/2014/main" id="{7BE25F74-1384-1D52-50B8-3C5839714F04}"/>
-              </a:ext>
-            </a:extLst>
-          </p:cNvPr>
-          <p:cNvSpPr txBox="1">
-            <a:spLocks noGrp="1"/>
-          </p:cNvSpPr>
-          <p:nvPr>
-            <p:ph type="body" idx="1"/>
-          </p:nvPr>
-        </p:nvSpPr>
-        <p:spPr>
-          <a:xfrm>
-            <a:off x="685800" y="4343400"/>
-            <a:ext cx="5486400" cy="4114800"/>
-          </a:xfrm>
-          <a:prstGeom prst="rect">
-            <a:avLst/>
-          </a:prstGeom>
-        </p:spPr>
-        <p:txBody>
-          <a:bodyPr spcFirstLastPara="1" wrap="square" lIns="91425" tIns="91425" rIns="91425" bIns="91425" anchor="t" anchorCtr="0">
-            <a:noAutofit/>
-          </a:bodyPr>
-          <a:lstStyle/>
-          <a:p>
-            <a:pPr marL="0" lvl="0" indent="0" algn="l" rtl="0">
-              <a:spcBef>
-                <a:spcPts val="0"/>
-              </a:spcBef>
-              <a:spcAft>
-                <a:spcPts val="0"/>
-              </a:spcAft>
-              <a:buNone/>
-            </a:pPr>
-            <a:endParaRPr dirty="0"/>
-          </a:p>
-        </p:txBody>
-      </p:sp>
-    </p:spTree>
-    <p:extLst>
-      <p:ext uri="{BB962C8B-B14F-4D97-AF65-F5344CB8AC3E}">
-        <p14:creationId xmlns:p14="http://schemas.microsoft.com/office/powerpoint/2010/main" val="795014021"/>
-      </p:ext>
-    </p:extLst>
-  </p:cSld>
-  <p:clrMapOvr>
-    <a:masterClrMapping/>
-  </p:clrMapOvr>
-</p:notes>
-</file>
-
-<file path=ppt/notesSlides/notesSlide3.xml><?xml version="1.0" encoding="utf-8"?>
-<p:notes xmlns:a="http://schemas.openxmlformats.org/drawingml/2006/main" xmlns:r="http://schemas.openxmlformats.org/officeDocument/2006/relationships" xmlns:p="http://schemas.openxmlformats.org/presentationml/2006/main" showMasterSp="0" showMasterPhAnim="0">
-  <p:cSld>
-    <p:spTree>
-      <p:nvGrpSpPr>
-        <p:cNvPr id="1" name="Shape 210">
-          <a:extLst>
-            <a:ext uri="{FF2B5EF4-FFF2-40B4-BE49-F238E27FC236}">
-              <a16:creationId xmlns:a16="http://schemas.microsoft.com/office/drawing/2014/main" id="{53BD0DB3-3DC1-6678-5D38-9997B6725BC5}"/>
-            </a:ext>
-          </a:extLst>
-        </p:cNvPr>
-        <p:cNvGrpSpPr/>
-        <p:nvPr/>
-      </p:nvGrpSpPr>
-      <p:grpSpPr>
-        <a:xfrm>
-          <a:off x="0" y="0"/>
-          <a:ext cx="0" cy="0"/>
-          <a:chOff x="0" y="0"/>
-          <a:chExt cx="0" cy="0"/>
-        </a:xfrm>
-      </p:grpSpPr>
-      <p:sp>
-        <p:nvSpPr>
-          <p:cNvPr id="211" name="Google Shape;211;g785121e667_0_215:notes">
-            <a:extLst>
-              <a:ext uri="{FF2B5EF4-FFF2-40B4-BE49-F238E27FC236}">
-                <a16:creationId xmlns:a16="http://schemas.microsoft.com/office/drawing/2014/main" id="{6C39076B-484D-7600-0352-A23B652CAD0A}"/>
-              </a:ext>
-            </a:extLst>
-          </p:cNvPr>
-          <p:cNvSpPr>
-            <a:spLocks noGrp="1" noRot="1" noChangeAspect="1"/>
-          </p:cNvSpPr>
-          <p:nvPr>
-            <p:ph type="sldImg" idx="2"/>
-          </p:nvPr>
-        </p:nvSpPr>
-        <p:spPr>
-          <a:xfrm>
-            <a:off x="381000" y="685800"/>
-            <a:ext cx="6096000" cy="3429000"/>
-          </a:xfrm>
-          <a:custGeom>
-            <a:avLst/>
-            <a:gdLst/>
-            <a:ahLst/>
-            <a:cxnLst/>
-            <a:rect l="l" t="t" r="r" b="b"/>
-            <a:pathLst>
-              <a:path w="120000" h="120000" extrusionOk="0">
-                <a:moveTo>
-                  <a:pt x="0" y="0"/>
-                </a:moveTo>
-                <a:lnTo>
-                  <a:pt x="120000" y="0"/>
-                </a:lnTo>
-                <a:lnTo>
-                  <a:pt x="120000" y="120000"/>
-                </a:lnTo>
-                <a:lnTo>
-                  <a:pt x="0" y="120000"/>
-                </a:lnTo>
-                <a:close/>
-              </a:path>
-            </a:pathLst>
-          </a:custGeom>
-        </p:spPr>
-      </p:sp>
-      <p:sp>
-        <p:nvSpPr>
-          <p:cNvPr id="212" name="Google Shape;212;g785121e667_0_215:notes">
-            <a:extLst>
-              <a:ext uri="{FF2B5EF4-FFF2-40B4-BE49-F238E27FC236}">
-                <a16:creationId xmlns:a16="http://schemas.microsoft.com/office/drawing/2014/main" id="{8B35DB99-9D11-DDFC-D7C7-C821607801CD}"/>
-              </a:ext>
-            </a:extLst>
-          </p:cNvPr>
-          <p:cNvSpPr txBox="1">
-            <a:spLocks noGrp="1"/>
-          </p:cNvSpPr>
-          <p:nvPr>
-            <p:ph type="body" idx="1"/>
-          </p:nvPr>
-        </p:nvSpPr>
-        <p:spPr>
-          <a:xfrm>
-            <a:off x="685800" y="4343400"/>
-            <a:ext cx="5486400" cy="4114800"/>
-          </a:xfrm>
-          <a:prstGeom prst="rect">
-            <a:avLst/>
-          </a:prstGeom>
-        </p:spPr>
-        <p:txBody>
-          <a:bodyPr spcFirstLastPara="1" wrap="square" lIns="91425" tIns="91425" rIns="91425" bIns="91425" anchor="t" anchorCtr="0">
-            <a:noAutofit/>
-          </a:bodyPr>
-          <a:lstStyle/>
-          <a:p>
-            <a:pPr marL="0" lvl="0" indent="0" algn="l" rtl="0">
-              <a:spcBef>
-                <a:spcPts val="0"/>
-              </a:spcBef>
-              <a:spcAft>
-                <a:spcPts val="0"/>
-              </a:spcAft>
-              <a:buNone/>
-            </a:pPr>
-            <a:endParaRPr dirty="0"/>
-          </a:p>
-        </p:txBody>
-      </p:sp>
-    </p:spTree>
-    <p:extLst>
-      <p:ext uri="{BB962C8B-B14F-4D97-AF65-F5344CB8AC3E}">
-        <p14:creationId xmlns:p14="http://schemas.microsoft.com/office/powerpoint/2010/main" val="30641949"/>
-      </p:ext>
-    </p:extLst>
-  </p:cSld>
-  <p:clrMapOvr>
-    <a:masterClrMapping/>
-  </p:clrMapOvr>
-</p:notes>
-</file>
-
-<file path=ppt/notesSlides/notesSlide4.xml><?xml version="1.0" encoding="utf-8"?>
-<p:notes xmlns:a="http://schemas.openxmlformats.org/drawingml/2006/main" xmlns:r="http://schemas.openxmlformats.org/officeDocument/2006/relationships" xmlns:p="http://schemas.openxmlformats.org/presentationml/2006/main" showMasterSp="0" showMasterPhAnim="0">
-  <p:cSld>
-    <p:spTree>
-      <p:nvGrpSpPr>
-        <p:cNvPr id="1" name="Shape 210">
-          <a:extLst>
-            <a:ext uri="{FF2B5EF4-FFF2-40B4-BE49-F238E27FC236}">
-              <a16:creationId xmlns:a16="http://schemas.microsoft.com/office/drawing/2014/main" id="{4F5B5B92-0FC7-5CA6-CE84-72BF9BC67B7B}"/>
-            </a:ext>
-          </a:extLst>
-        </p:cNvPr>
-        <p:cNvGrpSpPr/>
-        <p:nvPr/>
-      </p:nvGrpSpPr>
-      <p:grpSpPr>
-        <a:xfrm>
-          <a:off x="0" y="0"/>
-          <a:ext cx="0" cy="0"/>
-          <a:chOff x="0" y="0"/>
-          <a:chExt cx="0" cy="0"/>
-        </a:xfrm>
-      </p:grpSpPr>
-      <p:sp>
-        <p:nvSpPr>
-          <p:cNvPr id="211" name="Google Shape;211;g785121e667_0_215:notes">
-            <a:extLst>
-              <a:ext uri="{FF2B5EF4-FFF2-40B4-BE49-F238E27FC236}">
-                <a16:creationId xmlns:a16="http://schemas.microsoft.com/office/drawing/2014/main" id="{7068F6D4-18DA-99A1-D1DD-3F75F97F0F0E}"/>
-              </a:ext>
-            </a:extLst>
-          </p:cNvPr>
-          <p:cNvSpPr>
-            <a:spLocks noGrp="1" noRot="1" noChangeAspect="1"/>
-          </p:cNvSpPr>
-          <p:nvPr>
-            <p:ph type="sldImg" idx="2"/>
-          </p:nvPr>
-        </p:nvSpPr>
-        <p:spPr>
-          <a:xfrm>
-            <a:off x="381000" y="685800"/>
-            <a:ext cx="6096000" cy="3429000"/>
-          </a:xfrm>
-          <a:custGeom>
-            <a:avLst/>
-            <a:gdLst/>
-            <a:ahLst/>
-            <a:cxnLst/>
-            <a:rect l="l" t="t" r="r" b="b"/>
-            <a:pathLst>
-              <a:path w="120000" h="120000" extrusionOk="0">
-                <a:moveTo>
-                  <a:pt x="0" y="0"/>
-                </a:moveTo>
-                <a:lnTo>
-                  <a:pt x="120000" y="0"/>
-                </a:lnTo>
-                <a:lnTo>
-                  <a:pt x="120000" y="120000"/>
-                </a:lnTo>
-                <a:lnTo>
-                  <a:pt x="0" y="120000"/>
-                </a:lnTo>
-                <a:close/>
-              </a:path>
-            </a:pathLst>
-          </a:custGeom>
-        </p:spPr>
-      </p:sp>
-      <p:sp>
-        <p:nvSpPr>
-          <p:cNvPr id="212" name="Google Shape;212;g785121e667_0_215:notes">
-            <a:extLst>
-              <a:ext uri="{FF2B5EF4-FFF2-40B4-BE49-F238E27FC236}">
-                <a16:creationId xmlns:a16="http://schemas.microsoft.com/office/drawing/2014/main" id="{DE4DBDD1-7E01-521F-15E4-14F3A4486288}"/>
-              </a:ext>
-            </a:extLst>
-          </p:cNvPr>
-          <p:cNvSpPr txBox="1">
-            <a:spLocks noGrp="1"/>
-          </p:cNvSpPr>
-          <p:nvPr>
-            <p:ph type="body" idx="1"/>
-          </p:nvPr>
-        </p:nvSpPr>
-        <p:spPr>
-          <a:xfrm>
-            <a:off x="685800" y="4343400"/>
-            <a:ext cx="5486400" cy="4114800"/>
-          </a:xfrm>
-          <a:prstGeom prst="rect">
-            <a:avLst/>
-          </a:prstGeom>
-        </p:spPr>
-        <p:txBody>
-          <a:bodyPr spcFirstLastPara="1" wrap="square" lIns="91425" tIns="91425" rIns="91425" bIns="91425" anchor="t" anchorCtr="0">
-            <a:noAutofit/>
-          </a:bodyPr>
-          <a:lstStyle/>
-          <a:p>
-            <a:pPr marL="0" lvl="0" indent="0" algn="l" rtl="0">
-              <a:spcBef>
-                <a:spcPts val="0"/>
-              </a:spcBef>
-              <a:spcAft>
-                <a:spcPts val="0"/>
-              </a:spcAft>
-              <a:buNone/>
-            </a:pPr>
-            <a:endParaRPr dirty="0"/>
-          </a:p>
-        </p:txBody>
-      </p:sp>
-    </p:spTree>
-    <p:extLst>
-      <p:ext uri="{BB962C8B-B14F-4D97-AF65-F5344CB8AC3E}">
-        <p14:creationId xmlns:p14="http://schemas.microsoft.com/office/powerpoint/2010/main" val="319649981"/>
-      </p:ext>
-    </p:extLst>
-  </p:cSld>
-  <p:clrMapOvr>
-    <a:masterClrMapping/>
-  </p:clrMapOvr>
-</p:notes>
-</file>
-
-<file path=ppt/notesSlides/notesSlide5.xml><?xml version="1.0" encoding="utf-8"?>
-<p:notes xmlns:a="http://schemas.openxmlformats.org/drawingml/2006/main" xmlns:r="http://schemas.openxmlformats.org/officeDocument/2006/relationships" xmlns:p="http://schemas.openxmlformats.org/presentationml/2006/main" showMasterSp="0" showMasterPhAnim="0">
-  <p:cSld>
-    <p:spTree>
-      <p:nvGrpSpPr>
-        <p:cNvPr id="1" name="Shape 210">
-          <a:extLst>
-            <a:ext uri="{FF2B5EF4-FFF2-40B4-BE49-F238E27FC236}">
-              <a16:creationId xmlns:a16="http://schemas.microsoft.com/office/drawing/2014/main" id="{5040FC45-BB0C-E793-8D29-B7A62072C2E9}"/>
-            </a:ext>
-          </a:extLst>
-        </p:cNvPr>
-        <p:cNvGrpSpPr/>
-        <p:nvPr/>
-      </p:nvGrpSpPr>
-      <p:grpSpPr>
-        <a:xfrm>
-          <a:off x="0" y="0"/>
-          <a:ext cx="0" cy="0"/>
-          <a:chOff x="0" y="0"/>
-          <a:chExt cx="0" cy="0"/>
-        </a:xfrm>
-      </p:grpSpPr>
-      <p:sp>
-        <p:nvSpPr>
-          <p:cNvPr id="211" name="Google Shape;211;g785121e667_0_215:notes">
-            <a:extLst>
-              <a:ext uri="{FF2B5EF4-FFF2-40B4-BE49-F238E27FC236}">
-                <a16:creationId xmlns:a16="http://schemas.microsoft.com/office/drawing/2014/main" id="{B23A463D-A698-7945-5AAA-626179739229}"/>
-              </a:ext>
-            </a:extLst>
-          </p:cNvPr>
-          <p:cNvSpPr>
-            <a:spLocks noGrp="1" noRot="1" noChangeAspect="1"/>
-          </p:cNvSpPr>
-          <p:nvPr>
-            <p:ph type="sldImg" idx="2"/>
-          </p:nvPr>
-        </p:nvSpPr>
-        <p:spPr>
-          <a:xfrm>
-            <a:off x="381000" y="685800"/>
-            <a:ext cx="6096000" cy="3429000"/>
-          </a:xfrm>
-          <a:custGeom>
-            <a:avLst/>
-            <a:gdLst/>
-            <a:ahLst/>
-            <a:cxnLst/>
-            <a:rect l="l" t="t" r="r" b="b"/>
-            <a:pathLst>
-              <a:path w="120000" h="120000" extrusionOk="0">
-                <a:moveTo>
-                  <a:pt x="0" y="0"/>
-                </a:moveTo>
-                <a:lnTo>
-                  <a:pt x="120000" y="0"/>
-                </a:lnTo>
-                <a:lnTo>
-                  <a:pt x="120000" y="120000"/>
-                </a:lnTo>
-                <a:lnTo>
-                  <a:pt x="0" y="120000"/>
-                </a:lnTo>
-                <a:close/>
-              </a:path>
-            </a:pathLst>
-          </a:custGeom>
-        </p:spPr>
-      </p:sp>
-      <p:sp>
-        <p:nvSpPr>
-          <p:cNvPr id="212" name="Google Shape;212;g785121e667_0_215:notes">
-            <a:extLst>
-              <a:ext uri="{FF2B5EF4-FFF2-40B4-BE49-F238E27FC236}">
-                <a16:creationId xmlns:a16="http://schemas.microsoft.com/office/drawing/2014/main" id="{D029F43F-F8CB-54BA-E475-B2708933A3AA}"/>
-              </a:ext>
-            </a:extLst>
-          </p:cNvPr>
-          <p:cNvSpPr txBox="1">
-            <a:spLocks noGrp="1"/>
-          </p:cNvSpPr>
-          <p:nvPr>
-            <p:ph type="body" idx="1"/>
-          </p:nvPr>
-        </p:nvSpPr>
-        <p:spPr>
-          <a:xfrm>
-            <a:off x="685800" y="4343400"/>
-            <a:ext cx="5486400" cy="4114800"/>
-          </a:xfrm>
-          <a:prstGeom prst="rect">
-            <a:avLst/>
-          </a:prstGeom>
-        </p:spPr>
-        <p:txBody>
-          <a:bodyPr spcFirstLastPara="1" wrap="square" lIns="91425" tIns="91425" rIns="91425" bIns="91425" anchor="t" anchorCtr="0">
-            <a:noAutofit/>
-          </a:bodyPr>
-          <a:lstStyle/>
-          <a:p>
-            <a:pPr marL="0" lvl="0" indent="0" algn="l" rtl="0">
-              <a:spcBef>
-                <a:spcPts val="0"/>
-              </a:spcBef>
-              <a:spcAft>
-                <a:spcPts val="0"/>
-              </a:spcAft>
-              <a:buNone/>
-            </a:pPr>
-            <a:endParaRPr dirty="0"/>
-          </a:p>
-        </p:txBody>
-      </p:sp>
-    </p:spTree>
-    <p:extLst>
-      <p:ext uri="{BB962C8B-B14F-4D97-AF65-F5344CB8AC3E}">
-        <p14:creationId xmlns:p14="http://schemas.microsoft.com/office/powerpoint/2010/main" val="3106706517"/>
-      </p:ext>
-    </p:extLst>
-  </p:cSld>
-  <p:clrMapOvr>
-    <a:masterClrMapping/>
-  </p:clrMapOvr>
-</p:notes>
-</file>
-
-<file path=ppt/notesSlides/notesSlide6.xml><?xml version="1.0" encoding="utf-8"?>
-<p:notes xmlns:a="http://schemas.openxmlformats.org/drawingml/2006/main" xmlns:r="http://schemas.openxmlformats.org/officeDocument/2006/relationships" xmlns:p="http://schemas.openxmlformats.org/presentationml/2006/main" showMasterSp="0" showMasterPhAnim="0">
-  <p:cSld>
-    <p:spTree>
-      <p:nvGrpSpPr>
-        <p:cNvPr id="1" name="Shape 210">
-          <a:extLst>
-            <a:ext uri="{FF2B5EF4-FFF2-40B4-BE49-F238E27FC236}">
-              <a16:creationId xmlns:a16="http://schemas.microsoft.com/office/drawing/2014/main" id="{005078D3-4896-BB2B-226E-00F6BC2A04B8}"/>
-            </a:ext>
-          </a:extLst>
-        </p:cNvPr>
-        <p:cNvGrpSpPr/>
-        <p:nvPr/>
-      </p:nvGrpSpPr>
-      <p:grpSpPr>
-        <a:xfrm>
-          <a:off x="0" y="0"/>
-          <a:ext cx="0" cy="0"/>
-          <a:chOff x="0" y="0"/>
-          <a:chExt cx="0" cy="0"/>
-        </a:xfrm>
-      </p:grpSpPr>
-      <p:sp>
-        <p:nvSpPr>
-          <p:cNvPr id="211" name="Google Shape;211;g785121e667_0_215:notes">
-            <a:extLst>
-              <a:ext uri="{FF2B5EF4-FFF2-40B4-BE49-F238E27FC236}">
-                <a16:creationId xmlns:a16="http://schemas.microsoft.com/office/drawing/2014/main" id="{8B5A164D-E11A-B6FD-D2A2-CD24723DBE44}"/>
-              </a:ext>
-            </a:extLst>
-          </p:cNvPr>
-          <p:cNvSpPr>
-            <a:spLocks noGrp="1" noRot="1" noChangeAspect="1"/>
-          </p:cNvSpPr>
-          <p:nvPr>
-            <p:ph type="sldImg" idx="2"/>
-          </p:nvPr>
-        </p:nvSpPr>
-        <p:spPr>
-          <a:xfrm>
-            <a:off x="381000" y="685800"/>
-            <a:ext cx="6096000" cy="3429000"/>
-          </a:xfrm>
-          <a:custGeom>
-            <a:avLst/>
-            <a:gdLst/>
-            <a:ahLst/>
-            <a:cxnLst/>
-            <a:rect l="l" t="t" r="r" b="b"/>
-            <a:pathLst>
-              <a:path w="120000" h="120000" extrusionOk="0">
-                <a:moveTo>
-                  <a:pt x="0" y="0"/>
-                </a:moveTo>
-                <a:lnTo>
-                  <a:pt x="120000" y="0"/>
-                </a:lnTo>
-                <a:lnTo>
-                  <a:pt x="120000" y="120000"/>
-                </a:lnTo>
-                <a:lnTo>
-                  <a:pt x="0" y="120000"/>
-                </a:lnTo>
-                <a:close/>
-              </a:path>
-            </a:pathLst>
-          </a:custGeom>
-        </p:spPr>
-      </p:sp>
-      <p:sp>
-        <p:nvSpPr>
-          <p:cNvPr id="212" name="Google Shape;212;g785121e667_0_215:notes">
-            <a:extLst>
-              <a:ext uri="{FF2B5EF4-FFF2-40B4-BE49-F238E27FC236}">
-                <a16:creationId xmlns:a16="http://schemas.microsoft.com/office/drawing/2014/main" id="{DDA58B4C-F907-E42C-194B-A44E29E9F87C}"/>
-              </a:ext>
-            </a:extLst>
-          </p:cNvPr>
-          <p:cNvSpPr txBox="1">
-            <a:spLocks noGrp="1"/>
-          </p:cNvSpPr>
-          <p:nvPr>
-            <p:ph type="body" idx="1"/>
-          </p:nvPr>
-        </p:nvSpPr>
-        <p:spPr>
-          <a:xfrm>
-            <a:off x="685800" y="4343400"/>
-            <a:ext cx="5486400" cy="4114800"/>
-          </a:xfrm>
-          <a:prstGeom prst="rect">
-            <a:avLst/>
-          </a:prstGeom>
-        </p:spPr>
-        <p:txBody>
-          <a:bodyPr spcFirstLastPara="1" wrap="square" lIns="91425" tIns="91425" rIns="91425" bIns="91425" anchor="t" anchorCtr="0">
-            <a:noAutofit/>
-          </a:bodyPr>
-          <a:lstStyle/>
-          <a:p>
-            <a:pPr marL="0" lvl="0" indent="0" algn="l" rtl="0">
-              <a:spcBef>
-                <a:spcPts val="0"/>
-              </a:spcBef>
-              <a:spcAft>
-                <a:spcPts val="0"/>
-              </a:spcAft>
-              <a:buNone/>
-            </a:pPr>
-            <a:endParaRPr dirty="0"/>
-          </a:p>
-        </p:txBody>
-      </p:sp>
-    </p:spTree>
-    <p:extLst>
-      <p:ext uri="{BB962C8B-B14F-4D97-AF65-F5344CB8AC3E}">
-        <p14:creationId xmlns:p14="http://schemas.microsoft.com/office/powerpoint/2010/main" val="600348007"/>
-      </p:ext>
-    </p:extLst>
-  </p:cSld>
-  <p:clrMapOvr>
-    <a:masterClrMapping/>
-  </p:clrMapOvr>
-</p:notes>
-</file>
-
-<file path=ppt/notesSlides/notesSlide7.xml><?xml version="1.0" encoding="utf-8"?>
-<p:notes xmlns:a="http://schemas.openxmlformats.org/drawingml/2006/main" xmlns:r="http://schemas.openxmlformats.org/officeDocument/2006/relationships" xmlns:p="http://schemas.openxmlformats.org/presentationml/2006/main" showMasterSp="0" showMasterPhAnim="0">
-  <p:cSld>
-    <p:spTree>
-      <p:nvGrpSpPr>
-        <p:cNvPr id="1" name="Shape 210">
-          <a:extLst>
-            <a:ext uri="{FF2B5EF4-FFF2-40B4-BE49-F238E27FC236}">
-              <a16:creationId xmlns:a16="http://schemas.microsoft.com/office/drawing/2014/main" id="{526B3824-0F2D-FEE7-868F-C9A18660A217}"/>
-            </a:ext>
-          </a:extLst>
-        </p:cNvPr>
-        <p:cNvGrpSpPr/>
-        <p:nvPr/>
-      </p:nvGrpSpPr>
-      <p:grpSpPr>
-        <a:xfrm>
-          <a:off x="0" y="0"/>
-          <a:ext cx="0" cy="0"/>
-          <a:chOff x="0" y="0"/>
-          <a:chExt cx="0" cy="0"/>
-        </a:xfrm>
-      </p:grpSpPr>
-      <p:sp>
-        <p:nvSpPr>
-          <p:cNvPr id="211" name="Google Shape;211;g785121e667_0_215:notes">
-            <a:extLst>
-              <a:ext uri="{FF2B5EF4-FFF2-40B4-BE49-F238E27FC236}">
-                <a16:creationId xmlns:a16="http://schemas.microsoft.com/office/drawing/2014/main" id="{C34F1393-BA6B-995A-D9F1-AEC8F55F7141}"/>
-              </a:ext>
-            </a:extLst>
-          </p:cNvPr>
-          <p:cNvSpPr>
-            <a:spLocks noGrp="1" noRot="1" noChangeAspect="1"/>
-          </p:cNvSpPr>
-          <p:nvPr>
-            <p:ph type="sldImg" idx="2"/>
-          </p:nvPr>
-        </p:nvSpPr>
-        <p:spPr>
-          <a:xfrm>
-            <a:off x="381000" y="685800"/>
-            <a:ext cx="6096000" cy="3429000"/>
-          </a:xfrm>
-          <a:custGeom>
-            <a:avLst/>
-            <a:gdLst/>
-            <a:ahLst/>
-            <a:cxnLst/>
-            <a:rect l="l" t="t" r="r" b="b"/>
-            <a:pathLst>
-              <a:path w="120000" h="120000" extrusionOk="0">
-                <a:moveTo>
-                  <a:pt x="0" y="0"/>
-                </a:moveTo>
-                <a:lnTo>
-                  <a:pt x="120000" y="0"/>
-                </a:lnTo>
-                <a:lnTo>
-                  <a:pt x="120000" y="120000"/>
-                </a:lnTo>
-                <a:lnTo>
-                  <a:pt x="0" y="120000"/>
-                </a:lnTo>
-                <a:close/>
-              </a:path>
-            </a:pathLst>
-          </a:custGeom>
-        </p:spPr>
-      </p:sp>
-      <p:sp>
-        <p:nvSpPr>
-          <p:cNvPr id="212" name="Google Shape;212;g785121e667_0_215:notes">
-            <a:extLst>
-              <a:ext uri="{FF2B5EF4-FFF2-40B4-BE49-F238E27FC236}">
-                <a16:creationId xmlns:a16="http://schemas.microsoft.com/office/drawing/2014/main" id="{BC9F90AF-8D17-E303-6DC1-237FCD12875D}"/>
-              </a:ext>
-            </a:extLst>
-          </p:cNvPr>
-          <p:cNvSpPr txBox="1">
-            <a:spLocks noGrp="1"/>
-          </p:cNvSpPr>
-          <p:nvPr>
-            <p:ph type="body" idx="1"/>
-          </p:nvPr>
-        </p:nvSpPr>
-        <p:spPr>
-          <a:xfrm>
-            <a:off x="685800" y="4343400"/>
-            <a:ext cx="5486400" cy="4114800"/>
-          </a:xfrm>
-          <a:prstGeom prst="rect">
-            <a:avLst/>
-          </a:prstGeom>
-        </p:spPr>
-        <p:txBody>
-          <a:bodyPr spcFirstLastPara="1" wrap="square" lIns="91425" tIns="91425" rIns="91425" bIns="91425" anchor="t" anchorCtr="0">
-            <a:noAutofit/>
-          </a:bodyPr>
-          <a:lstStyle/>
-          <a:p>
-            <a:pPr marL="0" lvl="0" indent="0" algn="l" rtl="0">
-              <a:spcBef>
-                <a:spcPts val="0"/>
-              </a:spcBef>
-              <a:spcAft>
-                <a:spcPts val="0"/>
-              </a:spcAft>
-              <a:buNone/>
-            </a:pPr>
-            <a:endParaRPr dirty="0"/>
-          </a:p>
-        </p:txBody>
-      </p:sp>
-    </p:spTree>
-    <p:extLst>
-      <p:ext uri="{BB962C8B-B14F-4D97-AF65-F5344CB8AC3E}">
-        <p14:creationId xmlns:p14="http://schemas.microsoft.com/office/powerpoint/2010/main" val="1328972780"/>
-      </p:ext>
-    </p:extLst>
-  </p:cSld>
-  <p:clrMapOvr>
-    <a:masterClrMapping/>
-  </p:clrMapOvr>
-</p:notes>
-</file>
-
-<file path=ppt/notesSlides/notesSlide8.xml><?xml version="1.0" encoding="utf-8"?>
-<p:notes xmlns:a="http://schemas.openxmlformats.org/drawingml/2006/main" xmlns:r="http://schemas.openxmlformats.org/officeDocument/2006/relationships" xmlns:p="http://schemas.openxmlformats.org/presentationml/2006/main" showMasterSp="0" showMasterPhAnim="0">
-  <p:cSld>
-    <p:spTree>
-      <p:nvGrpSpPr>
-        <p:cNvPr id="1" name="Shape 210">
-          <a:extLst>
-            <a:ext uri="{FF2B5EF4-FFF2-40B4-BE49-F238E27FC236}">
-              <a16:creationId xmlns:a16="http://schemas.microsoft.com/office/drawing/2014/main" id="{CEEBC06D-D868-024A-8B85-CF8686CB9E5A}"/>
-            </a:ext>
-          </a:extLst>
-        </p:cNvPr>
-        <p:cNvGrpSpPr/>
-        <p:nvPr/>
-      </p:nvGrpSpPr>
-      <p:grpSpPr>
-        <a:xfrm>
-          <a:off x="0" y="0"/>
-          <a:ext cx="0" cy="0"/>
-          <a:chOff x="0" y="0"/>
-          <a:chExt cx="0" cy="0"/>
-        </a:xfrm>
-      </p:grpSpPr>
-      <p:sp>
-        <p:nvSpPr>
-          <p:cNvPr id="211" name="Google Shape;211;g785121e667_0_215:notes">
-            <a:extLst>
-              <a:ext uri="{FF2B5EF4-FFF2-40B4-BE49-F238E27FC236}">
-                <a16:creationId xmlns:a16="http://schemas.microsoft.com/office/drawing/2014/main" id="{0FCC6056-F164-B1F8-A383-93F523D44103}"/>
-              </a:ext>
-            </a:extLst>
-          </p:cNvPr>
-          <p:cNvSpPr>
-            <a:spLocks noGrp="1" noRot="1" noChangeAspect="1"/>
-          </p:cNvSpPr>
-          <p:nvPr>
-            <p:ph type="sldImg" idx="2"/>
-          </p:nvPr>
-        </p:nvSpPr>
-        <p:spPr>
-          <a:xfrm>
-            <a:off x="381000" y="685800"/>
-            <a:ext cx="6096000" cy="3429000"/>
-          </a:xfrm>
-          <a:custGeom>
-            <a:avLst/>
-            <a:gdLst/>
-            <a:ahLst/>
-            <a:cxnLst/>
-            <a:rect l="l" t="t" r="r" b="b"/>
-            <a:pathLst>
-              <a:path w="120000" h="120000" extrusionOk="0">
-                <a:moveTo>
-                  <a:pt x="0" y="0"/>
-                </a:moveTo>
-                <a:lnTo>
-                  <a:pt x="120000" y="0"/>
-                </a:lnTo>
-                <a:lnTo>
-                  <a:pt x="120000" y="120000"/>
-                </a:lnTo>
-                <a:lnTo>
-                  <a:pt x="0" y="120000"/>
-                </a:lnTo>
-                <a:close/>
-              </a:path>
-            </a:pathLst>
-          </a:custGeom>
-        </p:spPr>
-      </p:sp>
-      <p:sp>
-        <p:nvSpPr>
-          <p:cNvPr id="212" name="Google Shape;212;g785121e667_0_215:notes">
-            <a:extLst>
-              <a:ext uri="{FF2B5EF4-FFF2-40B4-BE49-F238E27FC236}">
-                <a16:creationId xmlns:a16="http://schemas.microsoft.com/office/drawing/2014/main" id="{0D727123-1337-CAC1-A83C-DEBF69F5EA57}"/>
-              </a:ext>
-            </a:extLst>
-          </p:cNvPr>
-          <p:cNvSpPr txBox="1">
-            <a:spLocks noGrp="1"/>
-          </p:cNvSpPr>
-          <p:nvPr>
-            <p:ph type="body" idx="1"/>
-          </p:nvPr>
-        </p:nvSpPr>
-        <p:spPr>
-          <a:xfrm>
-            <a:off x="685800" y="4343400"/>
-            <a:ext cx="5486400" cy="4114800"/>
-          </a:xfrm>
-          <a:prstGeom prst="rect">
-            <a:avLst/>
-          </a:prstGeom>
-        </p:spPr>
-        <p:txBody>
-          <a:bodyPr spcFirstLastPara="1" wrap="square" lIns="91425" tIns="91425" rIns="91425" bIns="91425" anchor="t" anchorCtr="0">
-            <a:noAutofit/>
-          </a:bodyPr>
-          <a:lstStyle/>
-          <a:p>
-            <a:pPr marL="0" lvl="0" indent="0" algn="l" rtl="0">
-              <a:spcBef>
-                <a:spcPts val="0"/>
-              </a:spcBef>
-              <a:spcAft>
-                <a:spcPts val="0"/>
-              </a:spcAft>
-              <a:buNone/>
-            </a:pPr>
-            <a:endParaRPr dirty="0"/>
-          </a:p>
-        </p:txBody>
-      </p:sp>
-    </p:spTree>
-    <p:extLst>
-      <p:ext uri="{BB962C8B-B14F-4D97-AF65-F5344CB8AC3E}">
-        <p14:creationId xmlns:p14="http://schemas.microsoft.com/office/powerpoint/2010/main" val="3206798151"/>
-      </p:ext>
-    </p:extLst>
-  </p:cSld>
-  <p:clrMapOvr>
-    <a:masterClrMapping/>
-  </p:clrMapOvr>
-</p:notes>
-</file>
-
-<file path=ppt/notesSlides/notesSlide9.xml><?xml version="1.0" encoding="utf-8"?>
-<p:notes xmlns:a="http://schemas.openxmlformats.org/drawingml/2006/main" xmlns:r="http://schemas.openxmlformats.org/officeDocument/2006/relationships" xmlns:p="http://schemas.openxmlformats.org/presentationml/2006/main" showMasterSp="0" showMasterPhAnim="0">
-  <p:cSld>
-    <p:spTree>
-      <p:nvGrpSpPr>
-        <p:cNvPr id="1" name="Shape 210">
-          <a:extLst>
-            <a:ext uri="{FF2B5EF4-FFF2-40B4-BE49-F238E27FC236}">
-              <a16:creationId xmlns:a16="http://schemas.microsoft.com/office/drawing/2014/main" id="{9FF41EA6-E009-2E72-B7E5-2BC5F383D137}"/>
-            </a:ext>
-          </a:extLst>
-        </p:cNvPr>
-        <p:cNvGrpSpPr/>
-        <p:nvPr/>
-      </p:nvGrpSpPr>
-      <p:grpSpPr>
-        <a:xfrm>
-          <a:off x="0" y="0"/>
-          <a:ext cx="0" cy="0"/>
-          <a:chOff x="0" y="0"/>
-          <a:chExt cx="0" cy="0"/>
-        </a:xfrm>
-      </p:grpSpPr>
-      <p:sp>
-        <p:nvSpPr>
-          <p:cNvPr id="211" name="Google Shape;211;g785121e667_0_215:notes">
-            <a:extLst>
-              <a:ext uri="{FF2B5EF4-FFF2-40B4-BE49-F238E27FC236}">
-                <a16:creationId xmlns:a16="http://schemas.microsoft.com/office/drawing/2014/main" id="{E77918D8-23BF-F3AA-D70A-04B4F216D1BE}"/>
-              </a:ext>
-            </a:extLst>
-          </p:cNvPr>
-          <p:cNvSpPr>
-            <a:spLocks noGrp="1" noRot="1" noChangeAspect="1"/>
-          </p:cNvSpPr>
-          <p:nvPr>
-            <p:ph type="sldImg" idx="2"/>
-          </p:nvPr>
-        </p:nvSpPr>
-        <p:spPr>
-          <a:xfrm>
-            <a:off x="381000" y="685800"/>
-            <a:ext cx="6096000" cy="3429000"/>
-          </a:xfrm>
-          <a:custGeom>
-            <a:avLst/>
-            <a:gdLst/>
-            <a:ahLst/>
-            <a:cxnLst/>
-            <a:rect l="l" t="t" r="r" b="b"/>
-            <a:pathLst>
-              <a:path w="120000" h="120000" extrusionOk="0">
-                <a:moveTo>
-                  <a:pt x="0" y="0"/>
-                </a:moveTo>
-                <a:lnTo>
-                  <a:pt x="120000" y="0"/>
-                </a:lnTo>
-                <a:lnTo>
-                  <a:pt x="120000" y="120000"/>
-                </a:lnTo>
-                <a:lnTo>
-                  <a:pt x="0" y="120000"/>
-                </a:lnTo>
-                <a:close/>
-              </a:path>
-            </a:pathLst>
-          </a:custGeom>
-        </p:spPr>
-      </p:sp>
-      <p:sp>
-        <p:nvSpPr>
-          <p:cNvPr id="212" name="Google Shape;212;g785121e667_0_215:notes">
-            <a:extLst>
-              <a:ext uri="{FF2B5EF4-FFF2-40B4-BE49-F238E27FC236}">
-                <a16:creationId xmlns:a16="http://schemas.microsoft.com/office/drawing/2014/main" id="{838B1613-5C18-AFAE-F08C-11DC0C954247}"/>
-              </a:ext>
-            </a:extLst>
-          </p:cNvPr>
-          <p:cNvSpPr txBox="1">
-            <a:spLocks noGrp="1"/>
-          </p:cNvSpPr>
-          <p:nvPr>
-            <p:ph type="body" idx="1"/>
-          </p:nvPr>
-        </p:nvSpPr>
-        <p:spPr>
-          <a:xfrm>
-            <a:off x="685800" y="4343400"/>
-            <a:ext cx="5486400" cy="4114800"/>
-          </a:xfrm>
-          <a:prstGeom prst="rect">
-            <a:avLst/>
-          </a:prstGeom>
-        </p:spPr>
-        <p:txBody>
-          <a:bodyPr spcFirstLastPara="1" wrap="square" lIns="91425" tIns="91425" rIns="91425" bIns="91425" anchor="t" anchorCtr="0">
-            <a:noAutofit/>
-          </a:bodyPr>
-          <a:lstStyle/>
-          <a:p>
-            <a:pPr marL="0" lvl="0" indent="0" algn="l" rtl="0">
-              <a:spcBef>
-                <a:spcPts val="0"/>
-              </a:spcBef>
-              <a:spcAft>
-                <a:spcPts val="0"/>
-              </a:spcAft>
-              <a:buNone/>
-            </a:pPr>
-            <a:endParaRPr dirty="0"/>
-          </a:p>
-        </p:txBody>
-      </p:sp>
-    </p:spTree>
-    <p:extLst>
-      <p:ext uri="{BB962C8B-B14F-4D97-AF65-F5344CB8AC3E}">
-        <p14:creationId xmlns:p14="http://schemas.microsoft.com/office/powerpoint/2010/main" val="1095458026"/>
-      </p:ext>
-    </p:extLst>
-  </p:cSld>
-  <p:clrMapOvr>
-    <a:masterClrMapping/>
-  </p:clrMapOvr>
-</p:notes>
-</file>
-
 <file path=ppt/slideLayouts/slideLayout1.xml><?xml version="1.0" encoding="utf-8"?>
 <p:sldLayout xmlns:a="http://schemas.openxmlformats.org/drawingml/2006/main" xmlns:r="http://schemas.openxmlformats.org/officeDocument/2006/relationships" xmlns:p="http://schemas.openxmlformats.org/presentationml/2006/main" type="title" preserve="1">
   <p:cSld name="Slide de Título">
@@ -6676,7 +5236,7 @@
           <a:p>
             <a:fld id="{2AE125AB-D111-47D8-A14D-C3F76CBD5CB7}" type="datetimeFigureOut">
               <a:rPr lang="pt-BR" smtClean="0"/>
-              <a:t>28/11/2024</a:t>
+              <a:t>30/11/2024</a:t>
             </a:fld>
             <a:endParaRPr lang="pt-BR"/>
           </a:p>
@@ -6847,7 +5407,7 @@
           <a:p>
             <a:fld id="{2AE125AB-D111-47D8-A14D-C3F76CBD5CB7}" type="datetimeFigureOut">
               <a:rPr lang="pt-BR" smtClean="0"/>
-              <a:t>28/11/2024</a:t>
+              <a:t>30/11/2024</a:t>
             </a:fld>
             <a:endParaRPr lang="pt-BR"/>
           </a:p>
@@ -7028,7 +5588,7 @@
           <a:p>
             <a:fld id="{2AE125AB-D111-47D8-A14D-C3F76CBD5CB7}" type="datetimeFigureOut">
               <a:rPr lang="pt-BR" smtClean="0"/>
-              <a:t>28/11/2024</a:t>
+              <a:t>30/11/2024</a:t>
             </a:fld>
             <a:endParaRPr lang="pt-BR"/>
           </a:p>
@@ -7531,336 +6091,6 @@
 </p:sldLayout>
 </file>
 
-<file path=ppt/slideLayouts/slideLayout13.xml><?xml version="1.0" encoding="utf-8"?>
-<p:sldLayout xmlns:a="http://schemas.openxmlformats.org/drawingml/2006/main" xmlns:r="http://schemas.openxmlformats.org/officeDocument/2006/relationships" xmlns:p="http://schemas.openxmlformats.org/presentationml/2006/main" matchingName="Thanks">
-  <p:cSld name="Thanks">
-    <p:spTree>
-      <p:nvGrpSpPr>
-        <p:cNvPr id="1" name="Shape 149"/>
-        <p:cNvGrpSpPr/>
-        <p:nvPr/>
-      </p:nvGrpSpPr>
-      <p:grpSpPr>
-        <a:xfrm>
-          <a:off x="0" y="0"/>
-          <a:ext cx="0" cy="0"/>
-          <a:chOff x="0" y="0"/>
-          <a:chExt cx="0" cy="0"/>
-        </a:xfrm>
-      </p:grpSpPr>
-      <p:sp>
-        <p:nvSpPr>
-          <p:cNvPr id="155" name="Google Shape;155;p19"/>
-          <p:cNvSpPr txBox="1">
-            <a:spLocks noGrp="1"/>
-          </p:cNvSpPr>
-          <p:nvPr>
-            <p:ph type="ctrTitle"/>
-          </p:nvPr>
-        </p:nvSpPr>
-        <p:spPr>
-          <a:xfrm>
-            <a:off x="540861" y="539500"/>
-            <a:ext cx="4766400" cy="773400"/>
-          </a:xfrm>
-          <a:prstGeom prst="rect">
-            <a:avLst/>
-          </a:prstGeom>
-        </p:spPr>
-        <p:txBody>
-          <a:bodyPr spcFirstLastPara="1" wrap="square" lIns="91425" tIns="91425" rIns="91425" bIns="91425" anchor="b" anchorCtr="0">
-            <a:noAutofit/>
-          </a:bodyPr>
-          <a:lstStyle>
-            <a:lvl1pPr lvl="0" rtl="0">
-              <a:lnSpc>
-                <a:spcPct val="80000"/>
-              </a:lnSpc>
-              <a:spcBef>
-                <a:spcPts val="0"/>
-              </a:spcBef>
-              <a:spcAft>
-                <a:spcPts val="0"/>
-              </a:spcAft>
-              <a:buClr>
-                <a:schemeClr val="dk2"/>
-              </a:buClr>
-              <a:buSzPts val="5200"/>
-              <a:buNone/>
-              <a:defRPr sz="6000">
-                <a:solidFill>
-                  <a:schemeClr val="dk2"/>
-                </a:solidFill>
-              </a:defRPr>
-            </a:lvl1pPr>
-            <a:lvl2pPr lvl="1" algn="ctr" rtl="0">
-              <a:spcBef>
-                <a:spcPts val="0"/>
-              </a:spcBef>
-              <a:spcAft>
-                <a:spcPts val="0"/>
-              </a:spcAft>
-              <a:buSzPts val="5200"/>
-              <a:buNone/>
-              <a:defRPr sz="5200"/>
-            </a:lvl2pPr>
-            <a:lvl3pPr lvl="2" algn="ctr" rtl="0">
-              <a:spcBef>
-                <a:spcPts val="0"/>
-              </a:spcBef>
-              <a:spcAft>
-                <a:spcPts val="0"/>
-              </a:spcAft>
-              <a:buSzPts val="5200"/>
-              <a:buNone/>
-              <a:defRPr sz="5200"/>
-            </a:lvl3pPr>
-            <a:lvl4pPr lvl="3" algn="ctr" rtl="0">
-              <a:spcBef>
-                <a:spcPts val="0"/>
-              </a:spcBef>
-              <a:spcAft>
-                <a:spcPts val="0"/>
-              </a:spcAft>
-              <a:buSzPts val="5200"/>
-              <a:buNone/>
-              <a:defRPr sz="5200"/>
-            </a:lvl4pPr>
-            <a:lvl5pPr lvl="4" algn="ctr" rtl="0">
-              <a:spcBef>
-                <a:spcPts val="0"/>
-              </a:spcBef>
-              <a:spcAft>
-                <a:spcPts val="0"/>
-              </a:spcAft>
-              <a:buSzPts val="5200"/>
-              <a:buNone/>
-              <a:defRPr sz="5200"/>
-            </a:lvl5pPr>
-            <a:lvl6pPr lvl="5" algn="ctr" rtl="0">
-              <a:spcBef>
-                <a:spcPts val="0"/>
-              </a:spcBef>
-              <a:spcAft>
-                <a:spcPts val="0"/>
-              </a:spcAft>
-              <a:buSzPts val="5200"/>
-              <a:buNone/>
-              <a:defRPr sz="5200"/>
-            </a:lvl6pPr>
-            <a:lvl7pPr lvl="6" algn="ctr" rtl="0">
-              <a:spcBef>
-                <a:spcPts val="0"/>
-              </a:spcBef>
-              <a:spcAft>
-                <a:spcPts val="0"/>
-              </a:spcAft>
-              <a:buSzPts val="5200"/>
-              <a:buNone/>
-              <a:defRPr sz="5200"/>
-            </a:lvl7pPr>
-            <a:lvl8pPr lvl="7" algn="ctr" rtl="0">
-              <a:spcBef>
-                <a:spcPts val="0"/>
-              </a:spcBef>
-              <a:spcAft>
-                <a:spcPts val="0"/>
-              </a:spcAft>
-              <a:buSzPts val="5200"/>
-              <a:buNone/>
-              <a:defRPr sz="5200"/>
-            </a:lvl8pPr>
-            <a:lvl9pPr lvl="8" algn="ctr" rtl="0">
-              <a:spcBef>
-                <a:spcPts val="0"/>
-              </a:spcBef>
-              <a:spcAft>
-                <a:spcPts val="0"/>
-              </a:spcAft>
-              <a:buSzPts val="5200"/>
-              <a:buNone/>
-              <a:defRPr sz="5200"/>
-            </a:lvl9pPr>
-          </a:lstStyle>
-          <a:p>
-            <a:endParaRPr/>
-          </a:p>
-        </p:txBody>
-      </p:sp>
-      <p:sp>
-        <p:nvSpPr>
-          <p:cNvPr id="156" name="Google Shape;156;p19"/>
-          <p:cNvSpPr txBox="1">
-            <a:spLocks noGrp="1"/>
-          </p:cNvSpPr>
-          <p:nvPr>
-            <p:ph type="subTitle" idx="1"/>
-          </p:nvPr>
-        </p:nvSpPr>
-        <p:spPr>
-          <a:xfrm>
-            <a:off x="713225" y="1866100"/>
-            <a:ext cx="3858900" cy="1298400"/>
-          </a:xfrm>
-          <a:prstGeom prst="rect">
-            <a:avLst/>
-          </a:prstGeom>
-        </p:spPr>
-        <p:txBody>
-          <a:bodyPr spcFirstLastPara="1" wrap="square" lIns="91425" tIns="91425" rIns="91425" bIns="91425" anchor="t" anchorCtr="0">
-            <a:noAutofit/>
-          </a:bodyPr>
-          <a:lstStyle>
-            <a:lvl1pPr lvl="0" rtl="0">
-              <a:spcBef>
-                <a:spcPts val="0"/>
-              </a:spcBef>
-              <a:spcAft>
-                <a:spcPts val="0"/>
-              </a:spcAft>
-              <a:buSzPts val="2800"/>
-              <a:buNone/>
-              <a:defRPr sz="1800">
-                <a:solidFill>
-                  <a:schemeClr val="dk1"/>
-                </a:solidFill>
-                <a:latin typeface="Barlow"/>
-                <a:ea typeface="Barlow"/>
-                <a:cs typeface="Barlow"/>
-                <a:sym typeface="Barlow"/>
-              </a:defRPr>
-            </a:lvl1pPr>
-            <a:lvl2pPr lvl="1" algn="ctr" rtl="0">
-              <a:lnSpc>
-                <a:spcPct val="100000"/>
-              </a:lnSpc>
-              <a:spcBef>
-                <a:spcPts val="0"/>
-              </a:spcBef>
-              <a:spcAft>
-                <a:spcPts val="0"/>
-              </a:spcAft>
-              <a:buSzPts val="2800"/>
-              <a:buNone/>
-              <a:defRPr sz="2800"/>
-            </a:lvl2pPr>
-            <a:lvl3pPr lvl="2" algn="ctr" rtl="0">
-              <a:lnSpc>
-                <a:spcPct val="100000"/>
-              </a:lnSpc>
-              <a:spcBef>
-                <a:spcPts val="0"/>
-              </a:spcBef>
-              <a:spcAft>
-                <a:spcPts val="0"/>
-              </a:spcAft>
-              <a:buSzPts val="2800"/>
-              <a:buNone/>
-              <a:defRPr sz="2800"/>
-            </a:lvl3pPr>
-            <a:lvl4pPr lvl="3" algn="ctr" rtl="0">
-              <a:lnSpc>
-                <a:spcPct val="100000"/>
-              </a:lnSpc>
-              <a:spcBef>
-                <a:spcPts val="0"/>
-              </a:spcBef>
-              <a:spcAft>
-                <a:spcPts val="0"/>
-              </a:spcAft>
-              <a:buSzPts val="2800"/>
-              <a:buNone/>
-              <a:defRPr sz="2800"/>
-            </a:lvl4pPr>
-            <a:lvl5pPr lvl="4" algn="ctr" rtl="0">
-              <a:lnSpc>
-                <a:spcPct val="100000"/>
-              </a:lnSpc>
-              <a:spcBef>
-                <a:spcPts val="0"/>
-              </a:spcBef>
-              <a:spcAft>
-                <a:spcPts val="0"/>
-              </a:spcAft>
-              <a:buSzPts val="2800"/>
-              <a:buNone/>
-              <a:defRPr sz="2800"/>
-            </a:lvl5pPr>
-            <a:lvl6pPr lvl="5" algn="ctr" rtl="0">
-              <a:lnSpc>
-                <a:spcPct val="100000"/>
-              </a:lnSpc>
-              <a:spcBef>
-                <a:spcPts val="0"/>
-              </a:spcBef>
-              <a:spcAft>
-                <a:spcPts val="0"/>
-              </a:spcAft>
-              <a:buSzPts val="2800"/>
-              <a:buNone/>
-              <a:defRPr sz="2800"/>
-            </a:lvl6pPr>
-            <a:lvl7pPr lvl="6" algn="ctr" rtl="0">
-              <a:lnSpc>
-                <a:spcPct val="100000"/>
-              </a:lnSpc>
-              <a:spcBef>
-                <a:spcPts val="0"/>
-              </a:spcBef>
-              <a:spcAft>
-                <a:spcPts val="0"/>
-              </a:spcAft>
-              <a:buSzPts val="2800"/>
-              <a:buNone/>
-              <a:defRPr sz="2800"/>
-            </a:lvl7pPr>
-            <a:lvl8pPr lvl="7" algn="ctr" rtl="0">
-              <a:lnSpc>
-                <a:spcPct val="100000"/>
-              </a:lnSpc>
-              <a:spcBef>
-                <a:spcPts val="0"/>
-              </a:spcBef>
-              <a:spcAft>
-                <a:spcPts val="0"/>
-              </a:spcAft>
-              <a:buSzPts val="2800"/>
-              <a:buNone/>
-              <a:defRPr sz="2800"/>
-            </a:lvl8pPr>
-            <a:lvl9pPr lvl="8" algn="ctr" rtl="0">
-              <a:lnSpc>
-                <a:spcPct val="100000"/>
-              </a:lnSpc>
-              <a:spcBef>
-                <a:spcPts val="0"/>
-              </a:spcBef>
-              <a:spcAft>
-                <a:spcPts val="0"/>
-              </a:spcAft>
-              <a:buSzPts val="2800"/>
-              <a:buNone/>
-              <a:defRPr sz="2800"/>
-            </a:lvl9pPr>
-          </a:lstStyle>
-          <a:p>
-            <a:endParaRPr/>
-          </a:p>
-        </p:txBody>
-      </p:sp>
-    </p:spTree>
-    <p:extLst>
-      <p:ext uri="{BB962C8B-B14F-4D97-AF65-F5344CB8AC3E}">
-        <p14:creationId xmlns:p14="http://schemas.microsoft.com/office/powerpoint/2010/main" val="3306729743"/>
-      </p:ext>
-    </p:extLst>
-  </p:cSld>
-  <p:clrMapOvr>
-    <a:masterClrMapping/>
-  </p:clrMapOvr>
-</p:sldLayout>
-</file>
-
 <file path=ppt/slideLayouts/slideLayout2.xml><?xml version="1.0" encoding="utf-8"?>
 <p:sldLayout xmlns:a="http://schemas.openxmlformats.org/drawingml/2006/main" xmlns:r="http://schemas.openxmlformats.org/officeDocument/2006/relationships" xmlns:p="http://schemas.openxmlformats.org/presentationml/2006/main" type="obj" preserve="1">
   <p:cSld name="Título e Conteúdo">
@@ -7970,7 +6200,7 @@
           <a:p>
             <a:fld id="{2AE125AB-D111-47D8-A14D-C3F76CBD5CB7}" type="datetimeFigureOut">
               <a:rPr lang="pt-BR" smtClean="0"/>
-              <a:t>28/11/2024</a:t>
+              <a:t>30/11/2024</a:t>
             </a:fld>
             <a:endParaRPr lang="pt-BR"/>
           </a:p>
@@ -8217,7 +6447,7 @@
           <a:p>
             <a:fld id="{2AE125AB-D111-47D8-A14D-C3F76CBD5CB7}" type="datetimeFigureOut">
               <a:rPr lang="pt-BR" smtClean="0"/>
-              <a:t>28/11/2024</a:t>
+              <a:t>30/11/2024</a:t>
             </a:fld>
             <a:endParaRPr lang="pt-BR"/>
           </a:p>
@@ -8450,7 +6680,7 @@
           <a:p>
             <a:fld id="{2AE125AB-D111-47D8-A14D-C3F76CBD5CB7}" type="datetimeFigureOut">
               <a:rPr lang="pt-BR" smtClean="0"/>
-              <a:t>28/11/2024</a:t>
+              <a:t>30/11/2024</a:t>
             </a:fld>
             <a:endParaRPr lang="pt-BR"/>
           </a:p>
@@ -8818,7 +7048,7 @@
           <a:p>
             <a:fld id="{2AE125AB-D111-47D8-A14D-C3F76CBD5CB7}" type="datetimeFigureOut">
               <a:rPr lang="pt-BR" smtClean="0"/>
-              <a:t>28/11/2024</a:t>
+              <a:t>30/11/2024</a:t>
             </a:fld>
             <a:endParaRPr lang="pt-BR"/>
           </a:p>
@@ -8937,7 +7167,7 @@
           <a:p>
             <a:fld id="{2AE125AB-D111-47D8-A14D-C3F76CBD5CB7}" type="datetimeFigureOut">
               <a:rPr lang="pt-BR" smtClean="0"/>
-              <a:t>28/11/2024</a:t>
+              <a:t>30/11/2024</a:t>
             </a:fld>
             <a:endParaRPr lang="pt-BR"/>
           </a:p>
@@ -9033,7 +7263,7 @@
           <a:p>
             <a:fld id="{2AE125AB-D111-47D8-A14D-C3F76CBD5CB7}" type="datetimeFigureOut">
               <a:rPr lang="pt-BR" smtClean="0"/>
-              <a:t>28/11/2024</a:t>
+              <a:t>30/11/2024</a:t>
             </a:fld>
             <a:endParaRPr lang="pt-BR"/>
           </a:p>
@@ -9311,7 +7541,7 @@
           <a:p>
             <a:fld id="{2AE125AB-D111-47D8-A14D-C3F76CBD5CB7}" type="datetimeFigureOut">
               <a:rPr lang="pt-BR" smtClean="0"/>
-              <a:t>28/11/2024</a:t>
+              <a:t>30/11/2024</a:t>
             </a:fld>
             <a:endParaRPr lang="pt-BR"/>
           </a:p>
@@ -9569,7 +7799,7 @@
           <a:p>
             <a:fld id="{2AE125AB-D111-47D8-A14D-C3F76CBD5CB7}" type="datetimeFigureOut">
               <a:rPr lang="pt-BR" smtClean="0"/>
-              <a:t>28/11/2024</a:t>
+              <a:t>30/11/2024</a:t>
             </a:fld>
             <a:endParaRPr lang="pt-BR"/>
           </a:p>
@@ -9783,7 +8013,7 @@
           <a:p>
             <a:fld id="{2AE125AB-D111-47D8-A14D-C3F76CBD5CB7}" type="datetimeFigureOut">
               <a:rPr lang="pt-BR" smtClean="0"/>
-              <a:t>28/11/2024</a:t>
+              <a:t>30/11/2024</a:t>
             </a:fld>
             <a:endParaRPr lang="pt-BR"/>
           </a:p>
@@ -9888,7 +8118,6 @@
     <p:sldLayoutId id="2147483757" r:id="rId10"/>
     <p:sldLayoutId id="2147483758" r:id="rId11"/>
     <p:sldLayoutId id="2147483760" r:id="rId12"/>
-    <p:sldLayoutId id="2147483765" r:id="rId13"/>
   </p:sldLayoutIdLst>
   <p:hf sldNum="0" hdr="0" ftr="0" dt="0"/>
   <p:txStyles>
@@ -10179,129 +8408,10 @@
   <p:cSld>
     <p:spTree>
       <p:nvGrpSpPr>
-        <p:cNvPr id="1" name="Shape 181"/>
-        <p:cNvGrpSpPr/>
-        <p:nvPr/>
-      </p:nvGrpSpPr>
-      <p:grpSpPr>
-        <a:xfrm>
-          <a:off x="0" y="0"/>
-          <a:ext cx="0" cy="0"/>
-          <a:chOff x="0" y="0"/>
-          <a:chExt cx="0" cy="0"/>
-        </a:xfrm>
-      </p:grpSpPr>
-      <p:sp>
-        <p:nvSpPr>
-          <p:cNvPr id="182" name="Google Shape;182;p25"/>
-          <p:cNvSpPr txBox="1">
-            <a:spLocks noGrp="1"/>
-          </p:cNvSpPr>
-          <p:nvPr>
-            <p:ph type="ctrTitle"/>
-          </p:nvPr>
-        </p:nvSpPr>
-        <p:spPr>
-          <a:xfrm>
-            <a:off x="453139" y="1862730"/>
-            <a:ext cx="8237722" cy="1418039"/>
-          </a:xfrm>
-          <a:prstGeom prst="rect">
-            <a:avLst/>
-          </a:prstGeom>
-        </p:spPr>
-        <p:txBody>
-          <a:bodyPr spcFirstLastPara="1" wrap="square" lIns="0" tIns="91425" rIns="91425" bIns="91425" anchor="t" anchorCtr="0">
-            <a:noAutofit/>
-          </a:bodyPr>
-          <a:lstStyle/>
-          <a:p>
-            <a:pPr marL="0" lvl="0" indent="0" rtl="0">
-              <a:spcBef>
-                <a:spcPts val="0"/>
-              </a:spcBef>
-              <a:spcAft>
-                <a:spcPts val="0"/>
-              </a:spcAft>
-              <a:buNone/>
-            </a:pPr>
-            <a:r>
-              <a:rPr lang="en" sz="11500" dirty="0">
-                <a:solidFill>
-                  <a:schemeClr val="bg2"/>
-                </a:solidFill>
-                <a:latin typeface="Emmanuelle" pitchFamily="2" charset="0"/>
-                <a:ea typeface="Emmanuelle" pitchFamily="2" charset="0"/>
-              </a:rPr>
-              <a:t>ReuniON</a:t>
-            </a:r>
-            <a:endParaRPr dirty="0">
-              <a:solidFill>
-                <a:schemeClr val="bg2"/>
-              </a:solidFill>
-              <a:latin typeface="Emmanuelle" pitchFamily="2" charset="0"/>
-              <a:ea typeface="Emmanuelle" pitchFamily="2" charset="0"/>
-            </a:endParaRPr>
-          </a:p>
-        </p:txBody>
-      </p:sp>
-      <p:sp>
-        <p:nvSpPr>
-          <p:cNvPr id="184" name="Google Shape;184;p25"/>
-          <p:cNvSpPr/>
-          <p:nvPr/>
-        </p:nvSpPr>
-        <p:spPr>
-          <a:xfrm>
-            <a:off x="1775" y="3815975"/>
-            <a:ext cx="1092300" cy="792600"/>
-          </a:xfrm>
-          <a:prstGeom prst="rect">
-            <a:avLst/>
-          </a:prstGeom>
-          <a:solidFill>
-            <a:schemeClr val="lt2"/>
-          </a:solidFill>
-          <a:ln>
-            <a:noFill/>
-          </a:ln>
-        </p:spPr>
-        <p:txBody>
-          <a:bodyPr spcFirstLastPara="1" wrap="square" lIns="91425" tIns="91425" rIns="91425" bIns="91425" anchor="ctr" anchorCtr="0">
-            <a:noAutofit/>
-          </a:bodyPr>
-          <a:lstStyle/>
-          <a:p>
-            <a:pPr marL="0" lvl="0" indent="0" algn="l" rtl="0">
-              <a:spcBef>
-                <a:spcPts val="0"/>
-              </a:spcBef>
-              <a:spcAft>
-                <a:spcPts val="0"/>
-              </a:spcAft>
-              <a:buNone/>
-            </a:pPr>
-            <a:endParaRPr/>
-          </a:p>
-        </p:txBody>
-      </p:sp>
-    </p:spTree>
-  </p:cSld>
-  <p:clrMapOvr>
-    <a:masterClrMapping/>
-  </p:clrMapOvr>
-</p:sld>
-</file>
-
-<file path=ppt/slides/slide10.xml><?xml version="1.0" encoding="utf-8"?>
-<p:sld xmlns:a="http://schemas.openxmlformats.org/drawingml/2006/main" xmlns:r="http://schemas.openxmlformats.org/officeDocument/2006/relationships" xmlns:p="http://schemas.openxmlformats.org/presentationml/2006/main">
-  <p:cSld>
-    <p:spTree>
-      <p:nvGrpSpPr>
         <p:cNvPr id="1" name="Shape 213">
           <a:extLst>
             <a:ext uri="{FF2B5EF4-FFF2-40B4-BE49-F238E27FC236}">
-              <a16:creationId xmlns:a16="http://schemas.microsoft.com/office/drawing/2014/main" id="{CFFC4ABF-59E5-8113-7E2B-90B59F7F7E51}"/>
+              <a16:creationId xmlns:a16="http://schemas.microsoft.com/office/drawing/2014/main" id="{450011BC-6509-EDA5-4105-04527885283F}"/>
             </a:ext>
           </a:extLst>
         </p:cNvPr>
@@ -10321,7 +8431,7 @@
           <p:cNvPr id="214" name="Google Shape;214;p28">
             <a:extLst>
               <a:ext uri="{FF2B5EF4-FFF2-40B4-BE49-F238E27FC236}">
-                <a16:creationId xmlns:a16="http://schemas.microsoft.com/office/drawing/2014/main" id="{BD5E779C-DAD0-93C2-6428-5439CDAD209A}"/>
+                <a16:creationId xmlns:a16="http://schemas.microsoft.com/office/drawing/2014/main" id="{344AB35B-B90A-6E7F-7F90-BF6E2991E6AA}"/>
               </a:ext>
             </a:extLst>
           </p:cNvPr>
@@ -10334,141 +8444,208 @@
         </p:nvSpPr>
         <p:spPr>
           <a:xfrm>
-            <a:off x="445517" y="1447060"/>
-            <a:ext cx="8252966" cy="3162890"/>
+            <a:off x="438941" y="1094580"/>
+            <a:ext cx="8266117" cy="3714930"/>
           </a:xfrm>
           <a:prstGeom prst="rect">
             <a:avLst/>
           </a:prstGeom>
         </p:spPr>
         <p:txBody>
-          <a:bodyPr spcFirstLastPara="1" wrap="square" lIns="91425" tIns="91425" rIns="91425" bIns="91425" numCol="1" spcCol="360000" anchor="ctr" anchorCtr="0">
+          <a:bodyPr spcFirstLastPara="1" wrap="square" lIns="91425" tIns="91425" rIns="91425" bIns="91425" anchor="ctr" anchorCtr="0">
             <a:noAutofit/>
           </a:bodyPr>
           <a:lstStyle/>
           <a:p>
-            <a:pPr marL="285750" lvl="0" indent="-285750" algn="just" rtl="0">
-              <a:lnSpc>
-                <a:spcPct val="150000"/>
-              </a:lnSpc>
-              <a:spcBef>
-                <a:spcPts val="0"/>
-              </a:spcBef>
-              <a:spcAft>
-                <a:spcPts val="0"/>
-              </a:spcAft>
-              <a:buFont typeface="Arial" panose="020B0604020202020204" pitchFamily="34" charset="0"/>
-              <a:buChar char="•"/>
+            <a:pPr marL="0" lvl="0" indent="0" algn="just" rtl="0">
+              <a:spcBef>
+                <a:spcPts val="0"/>
+              </a:spcBef>
+              <a:spcAft>
+                <a:spcPts val="0"/>
+              </a:spcAft>
+              <a:buNone/>
             </a:pPr>
             <a:r>
               <a:rPr lang="pt-BR" sz="1800" dirty="0">
                 <a:solidFill>
                   <a:schemeClr val="tx1"/>
                 </a:solidFill>
-                <a:effectLst/>
                 <a:latin typeface="Calibri" panose="020F0502020204030204" pitchFamily="34" charset="0"/>
                 <a:ea typeface="Calibri" panose="020F0502020204030204" pitchFamily="34" charset="0"/>
                 <a:cs typeface="Times New Roman" panose="02020603050405020304" pitchFamily="18" charset="0"/>
               </a:rPr>
-              <a:t>Linguagem de Programação: C, escolhida por sua eficiência e controle sobre a gestão de memória e desempenho, permitindo um sistema rápido e de baixo nível.</a:t>
+              <a:t>EQUIPE:</a:t>
             </a:r>
           </a:p>
           <a:p>
             <a:pPr marL="0" lvl="0" indent="0" algn="just" rtl="0">
-              <a:lnSpc>
-                <a:spcPct val="150000"/>
-              </a:lnSpc>
-              <a:spcBef>
-                <a:spcPts val="0"/>
-              </a:spcBef>
-              <a:spcAft>
-                <a:spcPts val="0"/>
-              </a:spcAft>
+              <a:spcBef>
+                <a:spcPts val="0"/>
+              </a:spcBef>
+              <a:spcAft>
+                <a:spcPts val="0"/>
+              </a:spcAft>
+              <a:buNone/>
+            </a:pPr>
+            <a:r>
+              <a:rPr lang="pt-BR" sz="1800" dirty="0">
+                <a:solidFill>
+                  <a:schemeClr val="tx1"/>
+                </a:solidFill>
+                <a:latin typeface="Calibri" panose="020F0502020204030204" pitchFamily="34" charset="0"/>
+                <a:ea typeface="Calibri" panose="020F0502020204030204" pitchFamily="34" charset="0"/>
+                <a:cs typeface="Times New Roman" panose="02020603050405020304" pitchFamily="18" charset="0"/>
+              </a:rPr>
+              <a:t>Gabriel Danilo Do Nascimento E Silva</a:t>
+            </a:r>
+          </a:p>
+          <a:p>
+            <a:pPr marL="0" lvl="0" indent="0" algn="just" rtl="0">
+              <a:spcBef>
+                <a:spcPts val="0"/>
+              </a:spcBef>
+              <a:spcAft>
+                <a:spcPts val="0"/>
+              </a:spcAft>
+              <a:buNone/>
+            </a:pPr>
+            <a:r>
+              <a:rPr lang="pt-BR" sz="1800" dirty="0">
+                <a:solidFill>
+                  <a:schemeClr val="tx1"/>
+                </a:solidFill>
+                <a:latin typeface="Calibri" panose="020F0502020204030204" pitchFamily="34" charset="0"/>
+                <a:ea typeface="Calibri" panose="020F0502020204030204" pitchFamily="34" charset="0"/>
+                <a:cs typeface="Times New Roman" panose="02020603050405020304" pitchFamily="18" charset="0"/>
+              </a:rPr>
+              <a:t>Lucas Vieira Da Silva</a:t>
+            </a:r>
+          </a:p>
+          <a:p>
+            <a:pPr marL="0" lvl="0" indent="0" algn="just" rtl="0">
+              <a:spcBef>
+                <a:spcPts val="0"/>
+              </a:spcBef>
+              <a:spcAft>
+                <a:spcPts val="0"/>
+              </a:spcAft>
+              <a:buNone/>
+            </a:pPr>
+            <a:r>
+              <a:rPr lang="pt-BR" sz="1800" dirty="0">
+                <a:solidFill>
+                  <a:schemeClr val="tx1"/>
+                </a:solidFill>
+                <a:latin typeface="Calibri" panose="020F0502020204030204" pitchFamily="34" charset="0"/>
+                <a:ea typeface="Calibri" panose="020F0502020204030204" pitchFamily="34" charset="0"/>
+                <a:cs typeface="Times New Roman" panose="02020603050405020304" pitchFamily="18" charset="0"/>
+              </a:rPr>
+              <a:t>Marcelo Felipe Belotto</a:t>
+            </a:r>
+          </a:p>
+          <a:p>
+            <a:pPr marL="0" lvl="0" indent="0" algn="just" rtl="0">
+              <a:spcBef>
+                <a:spcPts val="0"/>
+              </a:spcBef>
+              <a:spcAft>
+                <a:spcPts val="0"/>
+              </a:spcAft>
+              <a:buNone/>
+            </a:pPr>
+            <a:r>
+              <a:rPr lang="pt-BR" sz="1800" dirty="0">
+                <a:solidFill>
+                  <a:schemeClr val="tx1"/>
+                </a:solidFill>
+                <a:latin typeface="Calibri" panose="020F0502020204030204" pitchFamily="34" charset="0"/>
+                <a:ea typeface="Calibri" panose="020F0502020204030204" pitchFamily="34" charset="0"/>
+                <a:cs typeface="Times New Roman" panose="02020603050405020304" pitchFamily="18" charset="0"/>
+              </a:rPr>
+              <a:t>Vinícius Emanuel Da Silva</a:t>
+            </a:r>
+          </a:p>
+          <a:p>
+            <a:pPr marL="0" lvl="0" indent="0" algn="just" rtl="0">
+              <a:spcBef>
+                <a:spcPts val="0"/>
+              </a:spcBef>
+              <a:spcAft>
+                <a:spcPts val="0"/>
+              </a:spcAft>
+              <a:buNone/>
             </a:pPr>
             <a:endParaRPr lang="pt-BR" sz="1800" dirty="0">
               <a:solidFill>
                 <a:schemeClr val="tx1"/>
               </a:solidFill>
-              <a:effectLst/>
               <a:latin typeface="Calibri" panose="020F0502020204030204" pitchFamily="34" charset="0"/>
               <a:ea typeface="Calibri" panose="020F0502020204030204" pitchFamily="34" charset="0"/>
               <a:cs typeface="Times New Roman" panose="02020603050405020304" pitchFamily="18" charset="0"/>
             </a:endParaRPr>
           </a:p>
           <a:p>
-            <a:pPr marL="285750" lvl="0" indent="-285750" algn="just" rtl="0">
-              <a:lnSpc>
-                <a:spcPct val="150000"/>
-              </a:lnSpc>
-              <a:spcBef>
-                <a:spcPts val="0"/>
-              </a:spcBef>
-              <a:spcAft>
-                <a:spcPts val="0"/>
-              </a:spcAft>
-              <a:buFont typeface="Arial" panose="020B0604020202020204" pitchFamily="34" charset="0"/>
-              <a:buChar char="•"/>
-            </a:pPr>
-            <a:r>
-              <a:rPr lang="pt-BR" sz="1800" dirty="0">
-                <a:solidFill>
-                  <a:schemeClr val="tx1"/>
-                </a:solidFill>
-                <a:effectLst/>
-                <a:latin typeface="Calibri" panose="020F0502020204030204" pitchFamily="34" charset="0"/>
-                <a:ea typeface="Calibri" panose="020F0502020204030204" pitchFamily="34" charset="0"/>
-                <a:cs typeface="Times New Roman" panose="02020603050405020304" pitchFamily="18" charset="0"/>
-              </a:rPr>
-              <a:t>Ambiente de Desenvolvimento: Visual Studio Code, utilizado como IDE para facilitar o desenvolvimento e a depuração do código.</a:t>
-            </a:r>
-          </a:p>
-          <a:p>
             <a:pPr marL="0" lvl="0" indent="0" algn="just" rtl="0">
-              <a:lnSpc>
-                <a:spcPct val="150000"/>
-              </a:lnSpc>
-              <a:spcBef>
-                <a:spcPts val="0"/>
-              </a:spcBef>
-              <a:spcAft>
-                <a:spcPts val="0"/>
-              </a:spcAft>
+              <a:spcBef>
+                <a:spcPts val="0"/>
+              </a:spcBef>
+              <a:spcAft>
+                <a:spcPts val="0"/>
+              </a:spcAft>
+              <a:buNone/>
             </a:pPr>
             <a:endParaRPr lang="pt-BR" sz="1800" dirty="0">
               <a:solidFill>
                 <a:schemeClr val="tx1"/>
               </a:solidFill>
-              <a:effectLst/>
               <a:latin typeface="Calibri" panose="020F0502020204030204" pitchFamily="34" charset="0"/>
               <a:ea typeface="Calibri" panose="020F0502020204030204" pitchFamily="34" charset="0"/>
               <a:cs typeface="Times New Roman" panose="02020603050405020304" pitchFamily="18" charset="0"/>
             </a:endParaRPr>
           </a:p>
           <a:p>
-            <a:pPr marL="285750" lvl="0" indent="-285750" algn="just" rtl="0">
-              <a:lnSpc>
-                <a:spcPct val="150000"/>
-              </a:lnSpc>
-              <a:spcBef>
-                <a:spcPts val="0"/>
-              </a:spcBef>
-              <a:spcAft>
-                <a:spcPts val="0"/>
-              </a:spcAft>
-              <a:buFont typeface="Arial" panose="020B0604020202020204" pitchFamily="34" charset="0"/>
-              <a:buChar char="•"/>
+            <a:pPr marL="0" lvl="0" indent="0" algn="just" rtl="0">
+              <a:spcBef>
+                <a:spcPts val="0"/>
+              </a:spcBef>
+              <a:spcAft>
+                <a:spcPts val="0"/>
+              </a:spcAft>
+              <a:buNone/>
             </a:pPr>
             <a:r>
               <a:rPr lang="pt-BR" sz="1800" dirty="0">
                 <a:solidFill>
                   <a:schemeClr val="tx1"/>
                 </a:solidFill>
-                <a:effectLst/>
                 <a:latin typeface="Calibri" panose="020F0502020204030204" pitchFamily="34" charset="0"/>
                 <a:ea typeface="Calibri" panose="020F0502020204030204" pitchFamily="34" charset="0"/>
                 <a:cs typeface="Times New Roman" panose="02020603050405020304" pitchFamily="18" charset="0"/>
               </a:rPr>
-              <a:t>Controle de Versão: Git, utilizado para gerenciar o código-fonte e colaborar de forma eficaz durante o desenvolvimento.</a:t>
+              <a:t>OBJETIVOS:</a:t>
+            </a:r>
+          </a:p>
+          <a:p>
+            <a:pPr marL="0" lvl="0" indent="0" algn="just" rtl="0">
+              <a:spcBef>
+                <a:spcPts val="0"/>
+              </a:spcBef>
+              <a:spcAft>
+                <a:spcPts val="0"/>
+              </a:spcAft>
+              <a:buNone/>
+            </a:pPr>
+            <a:r>
+              <a:rPr lang="pt-BR" sz="1800" dirty="0">
+                <a:solidFill>
+                  <a:schemeClr val="tx1"/>
+                </a:solidFill>
+                <a:latin typeface="Calibri" panose="020F0502020204030204" pitchFamily="34" charset="0"/>
+                <a:ea typeface="Calibri" panose="020F0502020204030204" pitchFamily="34" charset="0"/>
+                <a:cs typeface="Times New Roman" panose="02020603050405020304" pitchFamily="18" charset="0"/>
+              </a:rPr>
+              <a:t>O objetivo principal do projeto é otimizar o agendamento e o uso de salas de reunião, proporcionando uma ferramenta que facilite a organização e o uso eficiente dos recursos internos, criando um sistema intuitivo e acessível para os usuários, que permita o agendamento rápido e eficiente das salas, além de fornecer informações sobre a utilização dos espaços</a:t>
             </a:r>
           </a:p>
         </p:txBody>
@@ -10478,7 +8655,7 @@
           <p:cNvPr id="4" name="Google Shape;319;p33">
             <a:extLst>
               <a:ext uri="{FF2B5EF4-FFF2-40B4-BE49-F238E27FC236}">
-                <a16:creationId xmlns:a16="http://schemas.microsoft.com/office/drawing/2014/main" id="{8CA49D78-6A16-F398-ABC7-F127216BF0C9}"/>
+                <a16:creationId xmlns:a16="http://schemas.microsoft.com/office/drawing/2014/main" id="{F5859034-37FA-CC5A-AA12-6A84A13AD930}"/>
               </a:ext>
             </a:extLst>
           </p:cNvPr>
@@ -10487,8 +8664,8 @@
         </p:nvSpPr>
         <p:spPr>
           <a:xfrm>
-            <a:off x="1000" y="185374"/>
-            <a:ext cx="3567100" cy="249631"/>
+            <a:off x="1000" y="185375"/>
+            <a:ext cx="3428400" cy="239700"/>
           </a:xfrm>
           <a:prstGeom prst="rect">
             <a:avLst/>
@@ -10524,7 +8701,7 @@
           <p:cNvPr id="6" name="Google Shape;322;p33">
             <a:extLst>
               <a:ext uri="{FF2B5EF4-FFF2-40B4-BE49-F238E27FC236}">
-                <a16:creationId xmlns:a16="http://schemas.microsoft.com/office/drawing/2014/main" id="{8A46842F-EBD1-BC13-FE0C-C2F05C433E57}"/>
+                <a16:creationId xmlns:a16="http://schemas.microsoft.com/office/drawing/2014/main" id="{B5DED318-227E-A4E6-6BA6-884FDFBACB99}"/>
               </a:ext>
             </a:extLst>
           </p:cNvPr>
@@ -10536,7 +8713,7 @@
         <p:spPr>
           <a:xfrm>
             <a:off x="139700" y="533550"/>
-            <a:ext cx="3428400" cy="531900"/>
+            <a:ext cx="3289700" cy="531900"/>
           </a:xfrm>
           <a:prstGeom prst="rect">
             <a:avLst/>
@@ -10800,16 +8977,17 @@
           <a:p>
             <a:pPr algn="r"/>
             <a:r>
-              <a:rPr lang="pt-BR" sz="2800" dirty="0"/>
-              <a:t>TECNOLOGIAS UTILIZADAS</a:t>
+              <a:rPr lang="pt-BR" sz="4800" dirty="0"/>
+              <a:t>ReuniON</a:t>
             </a:r>
+            <a:endParaRPr lang="pt-BR" sz="2800" dirty="0"/>
           </a:p>
         </p:txBody>
       </p:sp>
     </p:spTree>
     <p:extLst>
       <p:ext uri="{BB962C8B-B14F-4D97-AF65-F5344CB8AC3E}">
-        <p14:creationId xmlns:p14="http://schemas.microsoft.com/office/powerpoint/2010/main" val="1077683188"/>
+        <p14:creationId xmlns:p14="http://schemas.microsoft.com/office/powerpoint/2010/main" val="601683217"/>
       </p:ext>
     </p:extLst>
   </p:cSld>
@@ -10819,525 +8997,7 @@
 </p:sld>
 </file>
 
-<file path=ppt/slides/slide11.xml><?xml version="1.0" encoding="utf-8"?>
-<p:sld xmlns:a="http://schemas.openxmlformats.org/drawingml/2006/main" xmlns:r="http://schemas.openxmlformats.org/officeDocument/2006/relationships" xmlns:p="http://schemas.openxmlformats.org/presentationml/2006/main">
-  <p:cSld>
-    <p:spTree>
-      <p:nvGrpSpPr>
-        <p:cNvPr id="1" name="Shape 213">
-          <a:extLst>
-            <a:ext uri="{FF2B5EF4-FFF2-40B4-BE49-F238E27FC236}">
-              <a16:creationId xmlns:a16="http://schemas.microsoft.com/office/drawing/2014/main" id="{A822200C-858E-03B5-456F-B1851ECD7E4F}"/>
-            </a:ext>
-          </a:extLst>
-        </p:cNvPr>
-        <p:cNvGrpSpPr/>
-        <p:nvPr/>
-      </p:nvGrpSpPr>
-      <p:grpSpPr>
-        <a:xfrm>
-          <a:off x="0" y="0"/>
-          <a:ext cx="0" cy="0"/>
-          <a:chOff x="0" y="0"/>
-          <a:chExt cx="0" cy="0"/>
-        </a:xfrm>
-      </p:grpSpPr>
-      <p:sp>
-        <p:nvSpPr>
-          <p:cNvPr id="214" name="Google Shape;214;p28">
-            <a:extLst>
-              <a:ext uri="{FF2B5EF4-FFF2-40B4-BE49-F238E27FC236}">
-                <a16:creationId xmlns:a16="http://schemas.microsoft.com/office/drawing/2014/main" id="{F533B772-8C58-6550-A8E2-FBE8F107C012}"/>
-              </a:ext>
-            </a:extLst>
-          </p:cNvPr>
-          <p:cNvSpPr txBox="1">
-            <a:spLocks noGrp="1"/>
-          </p:cNvSpPr>
-          <p:nvPr>
-            <p:ph type="subTitle" idx="1"/>
-          </p:nvPr>
-        </p:nvSpPr>
-        <p:spPr>
-          <a:xfrm>
-            <a:off x="445517" y="1447060"/>
-            <a:ext cx="8252966" cy="3162890"/>
-          </a:xfrm>
-          <a:prstGeom prst="rect">
-            <a:avLst/>
-          </a:prstGeom>
-        </p:spPr>
-        <p:txBody>
-          <a:bodyPr spcFirstLastPara="1" wrap="square" lIns="91425" tIns="91425" rIns="91425" bIns="91425" numCol="1" spcCol="360000" anchor="ctr" anchorCtr="0">
-            <a:noAutofit/>
-          </a:bodyPr>
-          <a:lstStyle/>
-          <a:p>
-            <a:pPr marL="285750" lvl="0" indent="-285750" algn="just" rtl="0">
-              <a:lnSpc>
-                <a:spcPct val="150000"/>
-              </a:lnSpc>
-              <a:spcBef>
-                <a:spcPts val="0"/>
-              </a:spcBef>
-              <a:spcAft>
-                <a:spcPts val="0"/>
-              </a:spcAft>
-              <a:buFont typeface="Arial" panose="020B0604020202020204" pitchFamily="34" charset="0"/>
-              <a:buChar char="•"/>
-            </a:pPr>
-            <a:r>
-              <a:rPr lang="pt-BR" sz="1800" b="1" i="1" dirty="0">
-                <a:solidFill>
-                  <a:schemeClr val="tx1"/>
-                </a:solidFill>
-                <a:effectLst/>
-                <a:latin typeface="Calibri" panose="020F0502020204030204" pitchFamily="34" charset="0"/>
-                <a:ea typeface="Calibri" panose="020F0502020204030204" pitchFamily="34" charset="0"/>
-                <a:cs typeface="Times New Roman" panose="02020603050405020304" pitchFamily="18" charset="0"/>
-              </a:rPr>
-              <a:t>Nomenclatura de Variáveis: </a:t>
-            </a:r>
-            <a:r>
-              <a:rPr lang="pt-BR" sz="1800" dirty="0">
-                <a:solidFill>
-                  <a:schemeClr val="tx1"/>
-                </a:solidFill>
-                <a:effectLst/>
-                <a:latin typeface="Calibri" panose="020F0502020204030204" pitchFamily="34" charset="0"/>
-                <a:ea typeface="Calibri" panose="020F0502020204030204" pitchFamily="34" charset="0"/>
-                <a:cs typeface="Times New Roman" panose="02020603050405020304" pitchFamily="18" charset="0"/>
-              </a:rPr>
-              <a:t>Utilização de nomes claros e descritivos, adotando o padrão camelCase para melhorar a legibilidade.</a:t>
-            </a:r>
-          </a:p>
-          <a:p>
-            <a:pPr marL="285750" lvl="0" indent="-285750" algn="just" rtl="0">
-              <a:lnSpc>
-                <a:spcPct val="150000"/>
-              </a:lnSpc>
-              <a:spcBef>
-                <a:spcPts val="0"/>
-              </a:spcBef>
-              <a:spcAft>
-                <a:spcPts val="0"/>
-              </a:spcAft>
-              <a:buFont typeface="Arial" panose="020B0604020202020204" pitchFamily="34" charset="0"/>
-              <a:buChar char="•"/>
-            </a:pPr>
-            <a:r>
-              <a:rPr lang="pt-BR" sz="1800" b="1" i="1" dirty="0">
-                <a:solidFill>
-                  <a:schemeClr val="tx1"/>
-                </a:solidFill>
-                <a:effectLst/>
-                <a:latin typeface="Calibri" panose="020F0502020204030204" pitchFamily="34" charset="0"/>
-                <a:ea typeface="Calibri" panose="020F0502020204030204" pitchFamily="34" charset="0"/>
-                <a:cs typeface="Times New Roman" panose="02020603050405020304" pitchFamily="18" charset="0"/>
-              </a:rPr>
-              <a:t>Formatação do Código: </a:t>
-            </a:r>
-            <a:r>
-              <a:rPr lang="pt-BR" sz="1800" dirty="0">
-                <a:solidFill>
-                  <a:schemeClr val="tx1"/>
-                </a:solidFill>
-                <a:effectLst/>
-                <a:latin typeface="Calibri" panose="020F0502020204030204" pitchFamily="34" charset="0"/>
-                <a:ea typeface="Calibri" panose="020F0502020204030204" pitchFamily="34" charset="0"/>
-                <a:cs typeface="Times New Roman" panose="02020603050405020304" pitchFamily="18" charset="0"/>
-              </a:rPr>
-              <a:t>O código é formatado de maneira consistente, com indentação e espaçamento adequados, facilitando a leitura e manutenção.</a:t>
-            </a:r>
-          </a:p>
-          <a:p>
-            <a:pPr marL="285750" lvl="0" indent="-285750" algn="just" rtl="0">
-              <a:lnSpc>
-                <a:spcPct val="150000"/>
-              </a:lnSpc>
-              <a:spcBef>
-                <a:spcPts val="0"/>
-              </a:spcBef>
-              <a:spcAft>
-                <a:spcPts val="0"/>
-              </a:spcAft>
-              <a:buFont typeface="Arial" panose="020B0604020202020204" pitchFamily="34" charset="0"/>
-              <a:buChar char="•"/>
-            </a:pPr>
-            <a:r>
-              <a:rPr lang="pt-BR" sz="1800" b="1" i="1" dirty="0">
-                <a:solidFill>
-                  <a:schemeClr val="tx1"/>
-                </a:solidFill>
-                <a:effectLst/>
-                <a:latin typeface="Calibri" panose="020F0502020204030204" pitchFamily="34" charset="0"/>
-                <a:ea typeface="Calibri" panose="020F0502020204030204" pitchFamily="34" charset="0"/>
-                <a:cs typeface="Times New Roman" panose="02020603050405020304" pitchFamily="18" charset="0"/>
-              </a:rPr>
-              <a:t>Comentários</a:t>
-            </a:r>
-            <a:r>
-              <a:rPr lang="pt-BR" sz="1800" dirty="0">
-                <a:solidFill>
-                  <a:schemeClr val="tx1"/>
-                </a:solidFill>
-                <a:effectLst/>
-                <a:latin typeface="Calibri" panose="020F0502020204030204" pitchFamily="34" charset="0"/>
-                <a:ea typeface="Calibri" panose="020F0502020204030204" pitchFamily="34" charset="0"/>
-                <a:cs typeface="Times New Roman" panose="02020603050405020304" pitchFamily="18" charset="0"/>
-              </a:rPr>
-              <a:t>: Inclusão de comentários para explicar blocos de código complexos e documentar o propósito de cada função, auxiliando na compreensão do código por outros desenvolvedores.</a:t>
-            </a:r>
-          </a:p>
-        </p:txBody>
-      </p:sp>
-      <p:sp>
-        <p:nvSpPr>
-          <p:cNvPr id="4" name="Google Shape;319;p33">
-            <a:extLst>
-              <a:ext uri="{FF2B5EF4-FFF2-40B4-BE49-F238E27FC236}">
-                <a16:creationId xmlns:a16="http://schemas.microsoft.com/office/drawing/2014/main" id="{7C5037B5-DCFA-DC5C-D8CF-91DD7719C392}"/>
-              </a:ext>
-            </a:extLst>
-          </p:cNvPr>
-          <p:cNvSpPr/>
-          <p:nvPr/>
-        </p:nvSpPr>
-        <p:spPr>
-          <a:xfrm>
-            <a:off x="1000" y="185374"/>
-            <a:ext cx="3567100" cy="249631"/>
-          </a:xfrm>
-          <a:prstGeom prst="rect">
-            <a:avLst/>
-          </a:prstGeom>
-          <a:solidFill>
-            <a:schemeClr val="lt2"/>
-          </a:solidFill>
-          <a:ln>
-            <a:noFill/>
-          </a:ln>
-        </p:spPr>
-        <p:txBody>
-          <a:bodyPr spcFirstLastPara="1" wrap="square" lIns="91425" tIns="91425" rIns="91425" bIns="91425" anchor="ctr" anchorCtr="0">
-            <a:noAutofit/>
-          </a:bodyPr>
-          <a:lstStyle/>
-          <a:p>
-            <a:pPr marL="0" lvl="0" indent="0" algn="l" rtl="0">
-              <a:spcBef>
-                <a:spcPts val="0"/>
-              </a:spcBef>
-              <a:spcAft>
-                <a:spcPts val="0"/>
-              </a:spcAft>
-              <a:buNone/>
-            </a:pPr>
-            <a:endParaRPr/>
-          </a:p>
-        </p:txBody>
-      </p:sp>
-      <p:sp>
-        <p:nvSpPr>
-          <p:cNvPr id="6" name="Google Shape;322;p33">
-            <a:extLst>
-              <a:ext uri="{FF2B5EF4-FFF2-40B4-BE49-F238E27FC236}">
-                <a16:creationId xmlns:a16="http://schemas.microsoft.com/office/drawing/2014/main" id="{1CB75AB6-19B3-F57D-584D-67EC9B3CEA48}"/>
-              </a:ext>
-            </a:extLst>
-          </p:cNvPr>
-          <p:cNvSpPr txBox="1">
-            <a:spLocks/>
-          </p:cNvSpPr>
-          <p:nvPr/>
-        </p:nvSpPr>
-        <p:spPr>
-          <a:xfrm>
-            <a:off x="139700" y="533550"/>
-            <a:ext cx="3428400" cy="531900"/>
-          </a:xfrm>
-          <a:prstGeom prst="rect">
-            <a:avLst/>
-          </a:prstGeom>
-          <a:noFill/>
-          <a:ln>
-            <a:noFill/>
-          </a:ln>
-        </p:spPr>
-        <p:txBody>
-          <a:bodyPr spcFirstLastPara="1" wrap="square" lIns="0" tIns="0" rIns="0" bIns="0" anchor="t" anchorCtr="0">
-            <a:noAutofit/>
-          </a:bodyPr>
-          <a:lstStyle>
-            <a:defPPr marR="0" lvl="0" algn="l" rtl="0">
-              <a:lnSpc>
-                <a:spcPct val="100000"/>
-              </a:lnSpc>
-              <a:spcBef>
-                <a:spcPts val="0"/>
-              </a:spcBef>
-              <a:spcAft>
-                <a:spcPts val="0"/>
-              </a:spcAft>
-            </a:defPPr>
-            <a:lvl1pPr marR="0" lvl="0" algn="l" rtl="0">
-              <a:lnSpc>
-                <a:spcPct val="80000"/>
-              </a:lnSpc>
-              <a:spcBef>
-                <a:spcPts val="0"/>
-              </a:spcBef>
-              <a:spcAft>
-                <a:spcPts val="0"/>
-              </a:spcAft>
-              <a:buClr>
-                <a:schemeClr val="accent5"/>
-              </a:buClr>
-              <a:buSzPts val="4200"/>
-              <a:buFont typeface="Montserrat ExtraBold"/>
-              <a:buNone/>
-              <a:defRPr sz="6000" b="0" i="0" u="none" strike="noStrike" cap="none">
-                <a:solidFill>
-                  <a:schemeClr val="dk2"/>
-                </a:solidFill>
-                <a:latin typeface="Montserrat ExtraBold"/>
-                <a:ea typeface="Montserrat ExtraBold"/>
-                <a:cs typeface="Montserrat ExtraBold"/>
-                <a:sym typeface="Montserrat ExtraBold"/>
-              </a:defRPr>
-            </a:lvl1pPr>
-            <a:lvl2pPr marR="0" lvl="1" algn="l" rtl="0">
-              <a:lnSpc>
-                <a:spcPct val="80000"/>
-              </a:lnSpc>
-              <a:spcBef>
-                <a:spcPts val="0"/>
-              </a:spcBef>
-              <a:spcAft>
-                <a:spcPts val="0"/>
-              </a:spcAft>
-              <a:buClr>
-                <a:schemeClr val="accent5"/>
-              </a:buClr>
-              <a:buSzPts val="4200"/>
-              <a:buFont typeface="Montserrat ExtraBold"/>
-              <a:buNone/>
-              <a:defRPr sz="4200" b="0" i="0" u="none" strike="noStrike" cap="none">
-                <a:solidFill>
-                  <a:schemeClr val="accent5"/>
-                </a:solidFill>
-                <a:latin typeface="Montserrat ExtraBold"/>
-                <a:ea typeface="Montserrat ExtraBold"/>
-                <a:cs typeface="Montserrat ExtraBold"/>
-                <a:sym typeface="Montserrat ExtraBold"/>
-              </a:defRPr>
-            </a:lvl2pPr>
-            <a:lvl3pPr marR="0" lvl="2" algn="l" rtl="0">
-              <a:lnSpc>
-                <a:spcPct val="80000"/>
-              </a:lnSpc>
-              <a:spcBef>
-                <a:spcPts val="0"/>
-              </a:spcBef>
-              <a:spcAft>
-                <a:spcPts val="0"/>
-              </a:spcAft>
-              <a:buClr>
-                <a:schemeClr val="accent5"/>
-              </a:buClr>
-              <a:buSzPts val="4200"/>
-              <a:buFont typeface="Montserrat ExtraBold"/>
-              <a:buNone/>
-              <a:defRPr sz="4200" b="0" i="0" u="none" strike="noStrike" cap="none">
-                <a:solidFill>
-                  <a:schemeClr val="accent5"/>
-                </a:solidFill>
-                <a:latin typeface="Montserrat ExtraBold"/>
-                <a:ea typeface="Montserrat ExtraBold"/>
-                <a:cs typeface="Montserrat ExtraBold"/>
-                <a:sym typeface="Montserrat ExtraBold"/>
-              </a:defRPr>
-            </a:lvl3pPr>
-            <a:lvl4pPr marR="0" lvl="3" algn="l" rtl="0">
-              <a:lnSpc>
-                <a:spcPct val="80000"/>
-              </a:lnSpc>
-              <a:spcBef>
-                <a:spcPts val="0"/>
-              </a:spcBef>
-              <a:spcAft>
-                <a:spcPts val="0"/>
-              </a:spcAft>
-              <a:buClr>
-                <a:schemeClr val="accent5"/>
-              </a:buClr>
-              <a:buSzPts val="4200"/>
-              <a:buFont typeface="Montserrat ExtraBold"/>
-              <a:buNone/>
-              <a:defRPr sz="4200" b="0" i="0" u="none" strike="noStrike" cap="none">
-                <a:solidFill>
-                  <a:schemeClr val="accent5"/>
-                </a:solidFill>
-                <a:latin typeface="Montserrat ExtraBold"/>
-                <a:ea typeface="Montserrat ExtraBold"/>
-                <a:cs typeface="Montserrat ExtraBold"/>
-                <a:sym typeface="Montserrat ExtraBold"/>
-              </a:defRPr>
-            </a:lvl4pPr>
-            <a:lvl5pPr marR="0" lvl="4" algn="l" rtl="0">
-              <a:lnSpc>
-                <a:spcPct val="80000"/>
-              </a:lnSpc>
-              <a:spcBef>
-                <a:spcPts val="0"/>
-              </a:spcBef>
-              <a:spcAft>
-                <a:spcPts val="0"/>
-              </a:spcAft>
-              <a:buClr>
-                <a:schemeClr val="accent5"/>
-              </a:buClr>
-              <a:buSzPts val="4200"/>
-              <a:buFont typeface="Montserrat ExtraBold"/>
-              <a:buNone/>
-              <a:defRPr sz="4200" b="0" i="0" u="none" strike="noStrike" cap="none">
-                <a:solidFill>
-                  <a:schemeClr val="accent5"/>
-                </a:solidFill>
-                <a:latin typeface="Montserrat ExtraBold"/>
-                <a:ea typeface="Montserrat ExtraBold"/>
-                <a:cs typeface="Montserrat ExtraBold"/>
-                <a:sym typeface="Montserrat ExtraBold"/>
-              </a:defRPr>
-            </a:lvl5pPr>
-            <a:lvl6pPr marR="0" lvl="5" algn="l" rtl="0">
-              <a:lnSpc>
-                <a:spcPct val="80000"/>
-              </a:lnSpc>
-              <a:spcBef>
-                <a:spcPts val="0"/>
-              </a:spcBef>
-              <a:spcAft>
-                <a:spcPts val="0"/>
-              </a:spcAft>
-              <a:buClr>
-                <a:schemeClr val="accent5"/>
-              </a:buClr>
-              <a:buSzPts val="4200"/>
-              <a:buFont typeface="Montserrat ExtraBold"/>
-              <a:buNone/>
-              <a:defRPr sz="4200" b="0" i="0" u="none" strike="noStrike" cap="none">
-                <a:solidFill>
-                  <a:schemeClr val="accent5"/>
-                </a:solidFill>
-                <a:latin typeface="Montserrat ExtraBold"/>
-                <a:ea typeface="Montserrat ExtraBold"/>
-                <a:cs typeface="Montserrat ExtraBold"/>
-                <a:sym typeface="Montserrat ExtraBold"/>
-              </a:defRPr>
-            </a:lvl6pPr>
-            <a:lvl7pPr marR="0" lvl="6" algn="l" rtl="0">
-              <a:lnSpc>
-                <a:spcPct val="80000"/>
-              </a:lnSpc>
-              <a:spcBef>
-                <a:spcPts val="0"/>
-              </a:spcBef>
-              <a:spcAft>
-                <a:spcPts val="0"/>
-              </a:spcAft>
-              <a:buClr>
-                <a:schemeClr val="accent5"/>
-              </a:buClr>
-              <a:buSzPts val="4200"/>
-              <a:buFont typeface="Montserrat ExtraBold"/>
-              <a:buNone/>
-              <a:defRPr sz="4200" b="0" i="0" u="none" strike="noStrike" cap="none">
-                <a:solidFill>
-                  <a:schemeClr val="accent5"/>
-                </a:solidFill>
-                <a:latin typeface="Montserrat ExtraBold"/>
-                <a:ea typeface="Montserrat ExtraBold"/>
-                <a:cs typeface="Montserrat ExtraBold"/>
-                <a:sym typeface="Montserrat ExtraBold"/>
-              </a:defRPr>
-            </a:lvl7pPr>
-            <a:lvl8pPr marR="0" lvl="7" algn="l" rtl="0">
-              <a:lnSpc>
-                <a:spcPct val="80000"/>
-              </a:lnSpc>
-              <a:spcBef>
-                <a:spcPts val="0"/>
-              </a:spcBef>
-              <a:spcAft>
-                <a:spcPts val="0"/>
-              </a:spcAft>
-              <a:buClr>
-                <a:schemeClr val="accent5"/>
-              </a:buClr>
-              <a:buSzPts val="4200"/>
-              <a:buFont typeface="Montserrat ExtraBold"/>
-              <a:buNone/>
-              <a:defRPr sz="4200" b="0" i="0" u="none" strike="noStrike" cap="none">
-                <a:solidFill>
-                  <a:schemeClr val="accent5"/>
-                </a:solidFill>
-                <a:latin typeface="Montserrat ExtraBold"/>
-                <a:ea typeface="Montserrat ExtraBold"/>
-                <a:cs typeface="Montserrat ExtraBold"/>
-                <a:sym typeface="Montserrat ExtraBold"/>
-              </a:defRPr>
-            </a:lvl8pPr>
-            <a:lvl9pPr marR="0" lvl="8" algn="l" rtl="0">
-              <a:lnSpc>
-                <a:spcPct val="80000"/>
-              </a:lnSpc>
-              <a:spcBef>
-                <a:spcPts val="0"/>
-              </a:spcBef>
-              <a:spcAft>
-                <a:spcPts val="0"/>
-              </a:spcAft>
-              <a:buClr>
-                <a:schemeClr val="accent5"/>
-              </a:buClr>
-              <a:buSzPts val="4200"/>
-              <a:buFont typeface="Montserrat ExtraBold"/>
-              <a:buNone/>
-              <a:defRPr sz="4200" b="0" i="0" u="none" strike="noStrike" cap="none">
-                <a:solidFill>
-                  <a:schemeClr val="accent5"/>
-                </a:solidFill>
-                <a:latin typeface="Montserrat ExtraBold"/>
-                <a:ea typeface="Montserrat ExtraBold"/>
-                <a:cs typeface="Montserrat ExtraBold"/>
-                <a:sym typeface="Montserrat ExtraBold"/>
-              </a:defRPr>
-            </a:lvl9pPr>
-          </a:lstStyle>
-          <a:p>
-            <a:pPr algn="r"/>
-            <a:r>
-              <a:rPr lang="pt-BR" sz="2800" dirty="0"/>
-              <a:t>PADRÕES DE CODIFICAÇÃO</a:t>
-            </a:r>
-          </a:p>
-        </p:txBody>
-      </p:sp>
-    </p:spTree>
-    <p:extLst>
-      <p:ext uri="{BB962C8B-B14F-4D97-AF65-F5344CB8AC3E}">
-        <p14:creationId xmlns:p14="http://schemas.microsoft.com/office/powerpoint/2010/main" val="2282716675"/>
-      </p:ext>
-    </p:extLst>
-  </p:cSld>
-  <p:clrMapOvr>
-    <a:masterClrMapping/>
-  </p:clrMapOvr>
-</p:sld>
-</file>
-
-<file path=ppt/slides/slide12.xml><?xml version="1.0" encoding="utf-8"?>
+<file path=ppt/slides/slide2.xml><?xml version="1.0" encoding="utf-8"?>
 <p:sld xmlns:a="http://schemas.openxmlformats.org/drawingml/2006/main" xmlns:r="http://schemas.openxmlformats.org/officeDocument/2006/relationships" xmlns:p="http://schemas.openxmlformats.org/presentationml/2006/main">
   <p:cSld>
     <p:spTree>
@@ -11414,7 +9074,7 @@
                 <a:ea typeface="Calibri" panose="020F0502020204030204" pitchFamily="34" charset="0"/>
                 <a:cs typeface="Times New Roman" panose="02020603050405020304" pitchFamily="18" charset="0"/>
               </a:rPr>
-              <a:t>Testes unitários</a:t>
+              <a:t>Linguagem C</a:t>
             </a:r>
           </a:p>
           <a:p>
@@ -11441,7 +9101,7 @@
                 <a:ea typeface="Calibri" panose="020F0502020204030204" pitchFamily="34" charset="0"/>
                 <a:cs typeface="Times New Roman" panose="02020603050405020304" pitchFamily="18" charset="0"/>
               </a:rPr>
-              <a:t>Testes de integração</a:t>
+              <a:t>Visual Studio Code</a:t>
             </a:r>
           </a:p>
           <a:p>
@@ -11468,7 +9128,7 @@
                 <a:ea typeface="Calibri" panose="020F0502020204030204" pitchFamily="34" charset="0"/>
                 <a:cs typeface="Times New Roman" panose="02020603050405020304" pitchFamily="18" charset="0"/>
               </a:rPr>
-              <a:t>Testes de sistema</a:t>
+              <a:t>Git/GitHub</a:t>
             </a:r>
           </a:p>
         </p:txBody>
@@ -11801,14 +9461,7 @@
             <a:pPr algn="r"/>
             <a:r>
               <a:rPr lang="pt-BR" sz="2800" dirty="0"/>
-              <a:t>ESTRATÉGIAS</a:t>
-            </a:r>
-          </a:p>
-          <a:p>
-            <a:pPr algn="r"/>
-            <a:r>
-              <a:rPr lang="pt-BR" sz="2800" dirty="0"/>
-              <a:t>DE TESTE</a:t>
+              <a:t>TECNOLOGIAS UTILIZADAS</a:t>
             </a:r>
           </a:p>
         </p:txBody>
@@ -12084,7 +9737,7 @@
                 <a:ea typeface="Calibri" panose="020F0502020204030204" pitchFamily="34" charset="0"/>
                 <a:cs typeface="Times New Roman" panose="02020603050405020304" pitchFamily="18" charset="0"/>
               </a:rPr>
-              <a:t>Cadastro de Usuário</a:t>
+              <a:t>Persistência dos dados</a:t>
             </a:r>
           </a:p>
           <a:p>
@@ -12104,7 +9757,7 @@
                 <a:ea typeface="Calibri" panose="020F0502020204030204" pitchFamily="34" charset="0"/>
                 <a:cs typeface="Times New Roman" panose="02020603050405020304" pitchFamily="18" charset="0"/>
               </a:rPr>
-              <a:t>Autenticação de Usuário</a:t>
+              <a:t>Sistemática das reservas</a:t>
             </a:r>
           </a:p>
           <a:p>
@@ -12124,7 +9777,7 @@
                 <a:ea typeface="Calibri" panose="020F0502020204030204" pitchFamily="34" charset="0"/>
                 <a:cs typeface="Times New Roman" panose="02020603050405020304" pitchFamily="18" charset="0"/>
               </a:rPr>
-              <a:t>Reserva de Sala</a:t>
+              <a:t>Trabalhar com data e hora</a:t>
             </a:r>
           </a:p>
           <a:p>
@@ -12144,47 +9797,7 @@
                 <a:ea typeface="Calibri" panose="020F0502020204030204" pitchFamily="34" charset="0"/>
                 <a:cs typeface="Times New Roman" panose="02020603050405020304" pitchFamily="18" charset="0"/>
               </a:rPr>
-              <a:t>Cancelamento de Reserva</a:t>
-            </a:r>
-          </a:p>
-          <a:p>
-            <a:pPr marL="285750" indent="-285750" algn="just">
-              <a:lnSpc>
-                <a:spcPct val="150000"/>
-              </a:lnSpc>
-              <a:buFont typeface="Arial" panose="020B0604020202020204" pitchFamily="34" charset="0"/>
-              <a:buChar char="•"/>
-            </a:pPr>
-            <a:r>
-              <a:rPr lang="pt-BR" sz="2000" dirty="0">
-                <a:solidFill>
-                  <a:schemeClr val="tx1"/>
-                </a:solidFill>
-                <a:latin typeface="Calibri" panose="020F0502020204030204" pitchFamily="34" charset="0"/>
-                <a:ea typeface="Calibri" panose="020F0502020204030204" pitchFamily="34" charset="0"/>
-                <a:cs typeface="Times New Roman" panose="02020603050405020304" pitchFamily="18" charset="0"/>
-              </a:rPr>
-              <a:t>Consulta de Salas</a:t>
-            </a:r>
-          </a:p>
-          <a:p>
-            <a:pPr marL="285750" indent="-285750" algn="just">
-              <a:lnSpc>
-                <a:spcPct val="150000"/>
-              </a:lnSpc>
-              <a:buFont typeface="Arial" panose="020B0604020202020204" pitchFamily="34" charset="0"/>
-              <a:buChar char="•"/>
-            </a:pPr>
-            <a:r>
-              <a:rPr lang="pt-BR" sz="2000" dirty="0">
-                <a:solidFill>
-                  <a:schemeClr val="tx1"/>
-                </a:solidFill>
-                <a:latin typeface="Calibri" panose="020F0502020204030204" pitchFamily="34" charset="0"/>
-                <a:ea typeface="Calibri" panose="020F0502020204030204" pitchFamily="34" charset="0"/>
-                <a:cs typeface="Times New Roman" panose="02020603050405020304" pitchFamily="18" charset="0"/>
-              </a:rPr>
-              <a:t>Persistência de Dados</a:t>
+              <a:t>Ponteiros</a:t>
             </a:r>
           </a:p>
         </p:txBody>
@@ -12251,7 +9864,7 @@
         </p:nvSpPr>
         <p:spPr>
           <a:xfrm>
-            <a:off x="5646250" y="4176934"/>
+            <a:off x="5646250" y="4153195"/>
             <a:ext cx="3428400" cy="531900"/>
           </a:xfrm>
           <a:prstGeom prst="rect">
@@ -12516,13 +10129,7 @@
           <a:p>
             <a:r>
               <a:rPr lang="pt-BR" sz="2800" dirty="0"/>
-              <a:t>CASOS</a:t>
-            </a:r>
-          </a:p>
-          <a:p>
-            <a:r>
-              <a:rPr lang="pt-BR" sz="2800" dirty="0"/>
-              <a:t>DE TESTE</a:t>
+              <a:t>DESAFIOS ENFRENTADOS</a:t>
             </a:r>
           </a:p>
         </p:txBody>
@@ -12540,7 +10147,7 @@
 </p:sld>
 </file>
 
-<file path=ppt/slides/slide13.xml><?xml version="1.0" encoding="utf-8"?>
+<file path=ppt/slides/slide3.xml><?xml version="1.0" encoding="utf-8"?>
 <p:sld xmlns:a="http://schemas.openxmlformats.org/drawingml/2006/main" xmlns:r="http://schemas.openxmlformats.org/officeDocument/2006/relationships" xmlns:p="http://schemas.openxmlformats.org/presentationml/2006/main">
   <p:cSld>
     <p:spTree>
@@ -12548,7 +10155,7 @@
         <p:cNvPr id="1" name="Shape 213">
           <a:extLst>
             <a:ext uri="{FF2B5EF4-FFF2-40B4-BE49-F238E27FC236}">
-              <a16:creationId xmlns:a16="http://schemas.microsoft.com/office/drawing/2014/main" id="{537C425B-68DE-A38B-336D-3212C1E065E0}"/>
+              <a16:creationId xmlns:a16="http://schemas.microsoft.com/office/drawing/2014/main" id="{A822200C-858E-03B5-456F-B1851ECD7E4F}"/>
             </a:ext>
           </a:extLst>
         </p:cNvPr>
@@ -12565,150 +10172,10 @@
       </p:grpSpPr>
       <p:sp>
         <p:nvSpPr>
-          <p:cNvPr id="214" name="Google Shape;214;p28">
-            <a:extLst>
-              <a:ext uri="{FF2B5EF4-FFF2-40B4-BE49-F238E27FC236}">
-                <a16:creationId xmlns:a16="http://schemas.microsoft.com/office/drawing/2014/main" id="{92E0A089-2092-5B67-DC8F-53BFBA447463}"/>
-              </a:ext>
-            </a:extLst>
-          </p:cNvPr>
-          <p:cNvSpPr txBox="1">
-            <a:spLocks noGrp="1"/>
-          </p:cNvSpPr>
-          <p:nvPr>
-            <p:ph type="subTitle" idx="1"/>
-          </p:nvPr>
-        </p:nvSpPr>
-        <p:spPr>
-          <a:xfrm>
-            <a:off x="798989" y="1447060"/>
-            <a:ext cx="7899493" cy="3162890"/>
-          </a:xfrm>
-          <a:prstGeom prst="rect">
-            <a:avLst/>
-          </a:prstGeom>
-        </p:spPr>
-        <p:txBody>
-          <a:bodyPr spcFirstLastPara="1" wrap="square" lIns="91425" tIns="91425" rIns="91425" bIns="91425" numCol="1" spcCol="360000" anchor="ctr" anchorCtr="0">
-            <a:noAutofit/>
-          </a:bodyPr>
-          <a:lstStyle/>
-          <a:p>
-            <a:pPr marL="285750" lvl="0" indent="-285750" algn="just" rtl="0">
-              <a:lnSpc>
-                <a:spcPct val="150000"/>
-              </a:lnSpc>
-              <a:spcBef>
-                <a:spcPts val="0"/>
-              </a:spcBef>
-              <a:spcAft>
-                <a:spcPts val="0"/>
-              </a:spcAft>
-              <a:buFont typeface="Arial" panose="020B0604020202020204" pitchFamily="34" charset="0"/>
-              <a:buChar char="•"/>
-            </a:pPr>
-            <a:r>
-              <a:rPr lang="pt-BR" sz="2400" dirty="0">
-                <a:solidFill>
-                  <a:schemeClr val="tx1"/>
-                </a:solidFill>
-                <a:effectLst/>
-                <a:latin typeface="Calibri" panose="020F0502020204030204" pitchFamily="34" charset="0"/>
-                <a:ea typeface="Calibri" panose="020F0502020204030204" pitchFamily="34" charset="0"/>
-                <a:cs typeface="Times New Roman" panose="02020603050405020304" pitchFamily="18" charset="0"/>
-              </a:rPr>
-              <a:t>Eficiência na Gestão de Reservas</a:t>
-            </a:r>
-          </a:p>
-          <a:p>
-            <a:pPr marL="285750" lvl="0" indent="-285750" algn="just" rtl="0">
-              <a:lnSpc>
-                <a:spcPct val="150000"/>
-              </a:lnSpc>
-              <a:spcBef>
-                <a:spcPts val="0"/>
-              </a:spcBef>
-              <a:spcAft>
-                <a:spcPts val="0"/>
-              </a:spcAft>
-              <a:buFont typeface="Arial" panose="020B0604020202020204" pitchFamily="34" charset="0"/>
-              <a:buChar char="•"/>
-            </a:pPr>
-            <a:r>
-              <a:rPr lang="pt-BR" sz="2400" dirty="0">
-                <a:solidFill>
-                  <a:schemeClr val="tx1"/>
-                </a:solidFill>
-                <a:effectLst/>
-                <a:latin typeface="Calibri" panose="020F0502020204030204" pitchFamily="34" charset="0"/>
-                <a:ea typeface="Calibri" panose="020F0502020204030204" pitchFamily="34" charset="0"/>
-                <a:cs typeface="Times New Roman" panose="02020603050405020304" pitchFamily="18" charset="0"/>
-              </a:rPr>
-              <a:t>Facilidade de Uso</a:t>
-            </a:r>
-          </a:p>
-          <a:p>
-            <a:pPr marL="285750" lvl="0" indent="-285750" algn="just" rtl="0">
-              <a:lnSpc>
-                <a:spcPct val="150000"/>
-              </a:lnSpc>
-              <a:spcBef>
-                <a:spcPts val="0"/>
-              </a:spcBef>
-              <a:spcAft>
-                <a:spcPts val="0"/>
-              </a:spcAft>
-              <a:buFont typeface="Arial" panose="020B0604020202020204" pitchFamily="34" charset="0"/>
-              <a:buChar char="•"/>
-            </a:pPr>
-            <a:r>
-              <a:rPr lang="pt-BR" sz="2400" dirty="0">
-                <a:solidFill>
-                  <a:schemeClr val="tx1"/>
-                </a:solidFill>
-                <a:effectLst/>
-                <a:latin typeface="Calibri" panose="020F0502020204030204" pitchFamily="34" charset="0"/>
-                <a:ea typeface="Calibri" panose="020F0502020204030204" pitchFamily="34" charset="0"/>
-                <a:cs typeface="Times New Roman" panose="02020603050405020304" pitchFamily="18" charset="0"/>
-              </a:rPr>
-              <a:t>Persistência de Dados</a:t>
-            </a:r>
-          </a:p>
-          <a:p>
-            <a:pPr marL="285750" lvl="0" indent="-285750" algn="just" rtl="0">
-              <a:lnSpc>
-                <a:spcPct val="150000"/>
-              </a:lnSpc>
-              <a:spcBef>
-                <a:spcPts val="0"/>
-              </a:spcBef>
-              <a:spcAft>
-                <a:spcPts val="0"/>
-              </a:spcAft>
-              <a:buFont typeface="Arial" panose="020B0604020202020204" pitchFamily="34" charset="0"/>
-              <a:buChar char="•"/>
-            </a:pPr>
-            <a:r>
-              <a:rPr lang="pt-BR" sz="2400" dirty="0">
-                <a:solidFill>
-                  <a:schemeClr val="tx1"/>
-                </a:solidFill>
-                <a:effectLst/>
-                <a:latin typeface="Calibri" panose="020F0502020204030204" pitchFamily="34" charset="0"/>
-                <a:ea typeface="Calibri" panose="020F0502020204030204" pitchFamily="34" charset="0"/>
-                <a:cs typeface="Times New Roman" panose="02020603050405020304" pitchFamily="18" charset="0"/>
-              </a:rPr>
-              <a:t>Modularidade e Extensibilidade</a:t>
-            </a:r>
-          </a:p>
-        </p:txBody>
-      </p:sp>
-      <p:sp>
-        <p:nvSpPr>
           <p:cNvPr id="4" name="Google Shape;319;p33">
             <a:extLst>
               <a:ext uri="{FF2B5EF4-FFF2-40B4-BE49-F238E27FC236}">
-                <a16:creationId xmlns:a16="http://schemas.microsoft.com/office/drawing/2014/main" id="{EDBBEFC1-7013-33CE-AC5F-0E215068B143}"/>
+                <a16:creationId xmlns:a16="http://schemas.microsoft.com/office/drawing/2014/main" id="{7C5037B5-DCFA-DC5C-D8CF-91DD7719C392}"/>
               </a:ext>
             </a:extLst>
           </p:cNvPr>
@@ -12754,7 +10221,7 @@
           <p:cNvPr id="6" name="Google Shape;322;p33">
             <a:extLst>
               <a:ext uri="{FF2B5EF4-FFF2-40B4-BE49-F238E27FC236}">
-                <a16:creationId xmlns:a16="http://schemas.microsoft.com/office/drawing/2014/main" id="{73702280-3F89-BEDC-7D29-DF76F3864D99}"/>
+                <a16:creationId xmlns:a16="http://schemas.microsoft.com/office/drawing/2014/main" id="{1CB75AB6-19B3-F57D-584D-67EC9B3CEA48}"/>
               </a:ext>
             </a:extLst>
           </p:cNvPr>
@@ -13031,15 +10498,82 @@
             <a:pPr algn="r"/>
             <a:r>
               <a:rPr lang="pt-BR" sz="2800" dirty="0"/>
-              <a:t>RESULTADOS ALCANÇADOS</a:t>
+              <a:t>TELAS E FLUXOS</a:t>
             </a:r>
           </a:p>
         </p:txBody>
       </p:sp>
+      <p:pic>
+        <p:nvPicPr>
+          <p:cNvPr id="2" name="Imagem 1">
+            <a:extLst>
+              <a:ext uri="{FF2B5EF4-FFF2-40B4-BE49-F238E27FC236}">
+                <a16:creationId xmlns:a16="http://schemas.microsoft.com/office/drawing/2014/main" id="{A9E33FDC-B537-5AB0-8747-3FF4D9F4F05F}"/>
+              </a:ext>
+            </a:extLst>
+          </p:cNvPr>
+          <p:cNvPicPr>
+            <a:picLocks noChangeAspect="1"/>
+          </p:cNvPicPr>
+          <p:nvPr/>
+        </p:nvPicPr>
+        <p:blipFill>
+          <a:blip r:embed="rId3"/>
+          <a:srcRect l="-1084" t="-571" r="1084" b="56"/>
+          <a:stretch/>
+        </p:blipFill>
+        <p:spPr bwMode="auto">
+          <a:xfrm>
+            <a:off x="661814" y="892098"/>
+            <a:ext cx="2920655" cy="3999005"/>
+          </a:xfrm>
+          <a:prstGeom prst="rect">
+            <a:avLst/>
+          </a:prstGeom>
+          <a:ln>
+            <a:noFill/>
+          </a:ln>
+          <a:extLst>
+            <a:ext uri="{53640926-AAD7-44D8-BBD7-CCE9431645EC}">
+              <a14:shadowObscured xmlns:a14="http://schemas.microsoft.com/office/drawing/2010/main"/>
+            </a:ext>
+          </a:extLst>
+        </p:spPr>
+      </p:pic>
+      <p:pic>
+        <p:nvPicPr>
+          <p:cNvPr id="5" name="Imagem 4" descr="Diagrama&#10;&#10;Descrição gerada automaticamente">
+            <a:extLst>
+              <a:ext uri="{FF2B5EF4-FFF2-40B4-BE49-F238E27FC236}">
+                <a16:creationId xmlns:a16="http://schemas.microsoft.com/office/drawing/2014/main" id="{5BAD6976-8BAF-EED6-3C0F-C08BD108180C}"/>
+              </a:ext>
+            </a:extLst>
+          </p:cNvPr>
+          <p:cNvPicPr>
+            <a:picLocks noChangeAspect="1"/>
+          </p:cNvPicPr>
+          <p:nvPr/>
+        </p:nvPicPr>
+        <p:blipFill>
+          <a:blip r:embed="rId4"/>
+          <a:stretch>
+            <a:fillRect/>
+          </a:stretch>
+        </p:blipFill>
+        <p:spPr>
+          <a:xfrm>
+            <a:off x="5414508" y="790518"/>
+            <a:ext cx="3067678" cy="4209598"/>
+          </a:xfrm>
+          <a:prstGeom prst="rect">
+            <a:avLst/>
+          </a:prstGeom>
+        </p:spPr>
+      </p:pic>
     </p:spTree>
     <p:extLst>
       <p:ext uri="{BB962C8B-B14F-4D97-AF65-F5344CB8AC3E}">
-        <p14:creationId xmlns:p14="http://schemas.microsoft.com/office/powerpoint/2010/main" val="1388097181"/>
+        <p14:creationId xmlns:p14="http://schemas.microsoft.com/office/powerpoint/2010/main" val="2282716675"/>
       </p:ext>
     </p:extLst>
   </p:cSld>
@@ -13049,7 +10583,7 @@
 </p:sld>
 </file>
 
-<file path=ppt/slides/slide14.xml><?xml version="1.0" encoding="utf-8"?>
+<file path=ppt/slides/slide4.xml><?xml version="1.0" encoding="utf-8"?>
 <p:sld xmlns:a="http://schemas.openxmlformats.org/drawingml/2006/main" xmlns:r="http://schemas.openxmlformats.org/officeDocument/2006/relationships" xmlns:p="http://schemas.openxmlformats.org/presentationml/2006/main">
   <p:cSld>
     <p:spTree>
@@ -13057,7 +10591,7 @@
         <p:cNvPr id="1" name="Shape 213">
           <a:extLst>
             <a:ext uri="{FF2B5EF4-FFF2-40B4-BE49-F238E27FC236}">
-              <a16:creationId xmlns:a16="http://schemas.microsoft.com/office/drawing/2014/main" id="{7F009780-9E66-8B97-2056-15ADFD526FB9}"/>
+              <a16:creationId xmlns:a16="http://schemas.microsoft.com/office/drawing/2014/main" id="{C5241B96-A910-A25D-75BB-5DE06A16CEEB}"/>
             </a:ext>
           </a:extLst>
         </p:cNvPr>
@@ -13077,7 +10611,7 @@
           <p:cNvPr id="214" name="Google Shape;214;p28">
             <a:extLst>
               <a:ext uri="{FF2B5EF4-FFF2-40B4-BE49-F238E27FC236}">
-                <a16:creationId xmlns:a16="http://schemas.microsoft.com/office/drawing/2014/main" id="{02DFD717-054F-B0C6-4BE8-9F121FBB4B96}"/>
+                <a16:creationId xmlns:a16="http://schemas.microsoft.com/office/drawing/2014/main" id="{223373AF-6708-CE25-1E95-76A2BD94CB1C}"/>
               </a:ext>
             </a:extLst>
           </p:cNvPr>
@@ -13090,8 +10624,8 @@
         </p:nvSpPr>
         <p:spPr>
           <a:xfrm>
-            <a:off x="622253" y="1260629"/>
-            <a:ext cx="7899493" cy="3162890"/>
+            <a:off x="699310" y="990305"/>
+            <a:ext cx="3872690" cy="3162890"/>
           </a:xfrm>
           <a:prstGeom prst="rect">
             <a:avLst/>
@@ -13117,7 +10651,7 @@
               <a:buChar char="•"/>
             </a:pPr>
             <a:r>
-              <a:rPr lang="pt-BR" sz="2400" dirty="0">
+              <a:rPr lang="pt-BR" sz="2000" dirty="0">
                 <a:solidFill>
                   <a:schemeClr val="tx1"/>
                 </a:solidFill>
@@ -13126,7 +10660,7 @@
                 <a:ea typeface="Calibri" panose="020F0502020204030204" pitchFamily="34" charset="0"/>
                 <a:cs typeface="Times New Roman" panose="02020603050405020304" pitchFamily="18" charset="0"/>
               </a:rPr>
-              <a:t>Interface limitada</a:t>
+              <a:t>Eficiência na Gestão de Reservas</a:t>
             </a:r>
           </a:p>
           <a:p>
@@ -13144,7 +10678,7 @@
               <a:buChar char="•"/>
             </a:pPr>
             <a:r>
-              <a:rPr lang="pt-BR" sz="2400" dirty="0">
+              <a:rPr lang="pt-BR" sz="2000" dirty="0">
                 <a:solidFill>
                   <a:schemeClr val="tx1"/>
                 </a:solidFill>
@@ -13153,7 +10687,7 @@
                 <a:ea typeface="Calibri" panose="020F0502020204030204" pitchFamily="34" charset="0"/>
                 <a:cs typeface="Times New Roman" panose="02020603050405020304" pitchFamily="18" charset="0"/>
               </a:rPr>
-              <a:t>Controle de conflitos em tempo real</a:t>
+              <a:t>Facilidade de Uso</a:t>
             </a:r>
           </a:p>
           <a:p>
@@ -13171,7 +10705,7 @@
               <a:buChar char="•"/>
             </a:pPr>
             <a:r>
-              <a:rPr lang="pt-BR" sz="2400" dirty="0">
+              <a:rPr lang="pt-BR" sz="2000" dirty="0">
                 <a:solidFill>
                   <a:schemeClr val="tx1"/>
                 </a:solidFill>
@@ -13180,7 +10714,34 @@
                 <a:ea typeface="Calibri" panose="020F0502020204030204" pitchFamily="34" charset="0"/>
                 <a:cs typeface="Times New Roman" panose="02020603050405020304" pitchFamily="18" charset="0"/>
               </a:rPr>
-              <a:t>Escalabilidade</a:t>
+              <a:t>Persistência de Dados</a:t>
+            </a:r>
+          </a:p>
+          <a:p>
+            <a:pPr marL="285750" lvl="0" indent="-285750" algn="just" rtl="0">
+              <a:lnSpc>
+                <a:spcPct val="150000"/>
+              </a:lnSpc>
+              <a:spcBef>
+                <a:spcPts val="0"/>
+              </a:spcBef>
+              <a:spcAft>
+                <a:spcPts val="0"/>
+              </a:spcAft>
+              <a:buFont typeface="Arial" panose="020B0604020202020204" pitchFamily="34" charset="0"/>
+              <a:buChar char="•"/>
+            </a:pPr>
+            <a:r>
+              <a:rPr lang="pt-BR" sz="2000" dirty="0">
+                <a:solidFill>
+                  <a:schemeClr val="tx1"/>
+                </a:solidFill>
+                <a:effectLst/>
+                <a:latin typeface="Calibri" panose="020F0502020204030204" pitchFamily="34" charset="0"/>
+                <a:ea typeface="Calibri" panose="020F0502020204030204" pitchFamily="34" charset="0"/>
+                <a:cs typeface="Times New Roman" panose="02020603050405020304" pitchFamily="18" charset="0"/>
+              </a:rPr>
+              <a:t>Modularidade e Extensibilidade</a:t>
             </a:r>
           </a:p>
         </p:txBody>
@@ -13190,7 +10751,7 @@
           <p:cNvPr id="4" name="Google Shape;319;p33">
             <a:extLst>
               <a:ext uri="{FF2B5EF4-FFF2-40B4-BE49-F238E27FC236}">
-                <a16:creationId xmlns:a16="http://schemas.microsoft.com/office/drawing/2014/main" id="{EF075865-95D4-5EEE-2D96-E162BFCF155F}"/>
+                <a16:creationId xmlns:a16="http://schemas.microsoft.com/office/drawing/2014/main" id="{01B804C2-0C34-DEC1-A8CE-665B39E1CA4C}"/>
               </a:ext>
             </a:extLst>
           </p:cNvPr>
@@ -13236,7 +10797,7 @@
           <p:cNvPr id="6" name="Google Shape;322;p33">
             <a:extLst>
               <a:ext uri="{FF2B5EF4-FFF2-40B4-BE49-F238E27FC236}">
-                <a16:creationId xmlns:a16="http://schemas.microsoft.com/office/drawing/2014/main" id="{10AC20B9-7D3A-85C1-B28A-76C959F46768}"/>
+                <a16:creationId xmlns:a16="http://schemas.microsoft.com/office/drawing/2014/main" id="{2158C98D-AE2B-CA11-243A-4A6901E2506A}"/>
               </a:ext>
             </a:extLst>
           </p:cNvPr>
@@ -13513,14 +11074,675 @@
             <a:pPr algn="r"/>
             <a:r>
               <a:rPr lang="pt-BR" sz="2800" dirty="0"/>
-              <a:t>LIMITAÇÕES</a:t>
+              <a:t>RESULTADOS ALCANÇADOS</a:t>
             </a:r>
           </a:p>
-          <a:p>
-            <a:pPr algn="r"/>
+        </p:txBody>
+      </p:sp>
+      <p:sp>
+        <p:nvSpPr>
+          <p:cNvPr id="2" name="Google Shape;214;p28">
+            <a:extLst>
+              <a:ext uri="{FF2B5EF4-FFF2-40B4-BE49-F238E27FC236}">
+                <a16:creationId xmlns:a16="http://schemas.microsoft.com/office/drawing/2014/main" id="{BABF6CA6-3F05-859C-31E4-46B3DE3CD7A5}"/>
+              </a:ext>
+            </a:extLst>
+          </p:cNvPr>
+          <p:cNvSpPr txBox="1">
+            <a:spLocks/>
+          </p:cNvSpPr>
+          <p:nvPr/>
+        </p:nvSpPr>
+        <p:spPr>
+          <a:xfrm>
+            <a:off x="5131610" y="894654"/>
+            <a:ext cx="3689810" cy="3162890"/>
+          </a:xfrm>
+          <a:prstGeom prst="rect">
+            <a:avLst/>
+          </a:prstGeom>
+        </p:spPr>
+        <p:txBody>
+          <a:bodyPr spcFirstLastPara="1" vert="horz" wrap="square" lIns="91425" tIns="91425" rIns="91425" bIns="91425" numCol="1" spcCol="360000" rtlCol="0" anchor="ctr" anchorCtr="0">
+            <a:noAutofit/>
+          </a:bodyPr>
+          <a:lstStyle>
+            <a:lvl1pPr marL="171450" lvl="0" indent="-171450" algn="l" defTabSz="685800" rtl="0" eaLnBrk="1" latinLnBrk="0" hangingPunct="1">
+              <a:lnSpc>
+                <a:spcPct val="100000"/>
+              </a:lnSpc>
+              <a:spcBef>
+                <a:spcPts val="0"/>
+              </a:spcBef>
+              <a:spcAft>
+                <a:spcPts val="0"/>
+              </a:spcAft>
+              <a:buClr>
+                <a:schemeClr val="accent5"/>
+              </a:buClr>
+              <a:buSzPts val="2100"/>
+              <a:buFont typeface="Arial" panose="020B0604020202020204" pitchFamily="34" charset="0"/>
+              <a:buNone/>
+              <a:defRPr sz="2100" kern="1200">
+                <a:solidFill>
+                  <a:schemeClr val="dk1"/>
+                </a:solidFill>
+                <a:latin typeface="+mn-lt"/>
+                <a:ea typeface="+mn-ea"/>
+                <a:cs typeface="+mn-cs"/>
+              </a:defRPr>
+            </a:lvl1pPr>
+            <a:lvl2pPr marL="514350" lvl="1" indent="-171450" algn="l" defTabSz="685800" rtl="0" eaLnBrk="1" latinLnBrk="0" hangingPunct="1">
+              <a:lnSpc>
+                <a:spcPct val="100000"/>
+              </a:lnSpc>
+              <a:spcBef>
+                <a:spcPts val="0"/>
+              </a:spcBef>
+              <a:spcAft>
+                <a:spcPts val="0"/>
+              </a:spcAft>
+              <a:buClr>
+                <a:schemeClr val="accent5"/>
+              </a:buClr>
+              <a:buSzPts val="2100"/>
+              <a:buFont typeface="Arial" panose="020B0604020202020204" pitchFamily="34" charset="0"/>
+              <a:buNone/>
+              <a:defRPr sz="2100" kern="1200">
+                <a:solidFill>
+                  <a:schemeClr val="accent5"/>
+                </a:solidFill>
+                <a:latin typeface="+mn-lt"/>
+                <a:ea typeface="+mn-ea"/>
+                <a:cs typeface="+mn-cs"/>
+              </a:defRPr>
+            </a:lvl2pPr>
+            <a:lvl3pPr marL="857250" lvl="2" indent="-171450" algn="l" defTabSz="685800" rtl="0" eaLnBrk="1" latinLnBrk="0" hangingPunct="1">
+              <a:lnSpc>
+                <a:spcPct val="100000"/>
+              </a:lnSpc>
+              <a:spcBef>
+                <a:spcPts val="0"/>
+              </a:spcBef>
+              <a:spcAft>
+                <a:spcPts val="0"/>
+              </a:spcAft>
+              <a:buClr>
+                <a:schemeClr val="accent5"/>
+              </a:buClr>
+              <a:buSzPts val="2100"/>
+              <a:buFont typeface="Arial" panose="020B0604020202020204" pitchFamily="34" charset="0"/>
+              <a:buNone/>
+              <a:defRPr sz="2100" kern="1200">
+                <a:solidFill>
+                  <a:schemeClr val="accent5"/>
+                </a:solidFill>
+                <a:latin typeface="+mn-lt"/>
+                <a:ea typeface="+mn-ea"/>
+                <a:cs typeface="+mn-cs"/>
+              </a:defRPr>
+            </a:lvl3pPr>
+            <a:lvl4pPr marL="1200150" lvl="3" indent="-171450" algn="l" defTabSz="685800" rtl="0" eaLnBrk="1" latinLnBrk="0" hangingPunct="1">
+              <a:lnSpc>
+                <a:spcPct val="100000"/>
+              </a:lnSpc>
+              <a:spcBef>
+                <a:spcPts val="0"/>
+              </a:spcBef>
+              <a:spcAft>
+                <a:spcPts val="0"/>
+              </a:spcAft>
+              <a:buClr>
+                <a:schemeClr val="accent5"/>
+              </a:buClr>
+              <a:buSzPts val="2100"/>
+              <a:buFont typeface="Arial" panose="020B0604020202020204" pitchFamily="34" charset="0"/>
+              <a:buNone/>
+              <a:defRPr sz="2100" kern="1200">
+                <a:solidFill>
+                  <a:schemeClr val="accent5"/>
+                </a:solidFill>
+                <a:latin typeface="+mn-lt"/>
+                <a:ea typeface="+mn-ea"/>
+                <a:cs typeface="+mn-cs"/>
+              </a:defRPr>
+            </a:lvl4pPr>
+            <a:lvl5pPr marL="1543050" lvl="4" indent="-171450" algn="l" defTabSz="685800" rtl="0" eaLnBrk="1" latinLnBrk="0" hangingPunct="1">
+              <a:lnSpc>
+                <a:spcPct val="100000"/>
+              </a:lnSpc>
+              <a:spcBef>
+                <a:spcPts val="0"/>
+              </a:spcBef>
+              <a:spcAft>
+                <a:spcPts val="0"/>
+              </a:spcAft>
+              <a:buClr>
+                <a:schemeClr val="accent5"/>
+              </a:buClr>
+              <a:buSzPts val="2100"/>
+              <a:buFont typeface="Arial" panose="020B0604020202020204" pitchFamily="34" charset="0"/>
+              <a:buNone/>
+              <a:defRPr sz="2100" kern="1200">
+                <a:solidFill>
+                  <a:schemeClr val="accent5"/>
+                </a:solidFill>
+                <a:latin typeface="+mn-lt"/>
+                <a:ea typeface="+mn-ea"/>
+                <a:cs typeface="+mn-cs"/>
+              </a:defRPr>
+            </a:lvl5pPr>
+            <a:lvl6pPr marL="1885950" lvl="5" indent="-171450" algn="l" defTabSz="685800" rtl="0" eaLnBrk="1" latinLnBrk="0" hangingPunct="1">
+              <a:lnSpc>
+                <a:spcPct val="100000"/>
+              </a:lnSpc>
+              <a:spcBef>
+                <a:spcPts val="0"/>
+              </a:spcBef>
+              <a:spcAft>
+                <a:spcPts val="0"/>
+              </a:spcAft>
+              <a:buClr>
+                <a:schemeClr val="accent5"/>
+              </a:buClr>
+              <a:buSzPts val="2100"/>
+              <a:buFont typeface="Arial" panose="020B0604020202020204" pitchFamily="34" charset="0"/>
+              <a:buNone/>
+              <a:defRPr sz="2100" kern="1200">
+                <a:solidFill>
+                  <a:schemeClr val="accent5"/>
+                </a:solidFill>
+                <a:latin typeface="+mn-lt"/>
+                <a:ea typeface="+mn-ea"/>
+                <a:cs typeface="+mn-cs"/>
+              </a:defRPr>
+            </a:lvl6pPr>
+            <a:lvl7pPr marL="2228850" lvl="6" indent="-171450" algn="l" defTabSz="685800" rtl="0" eaLnBrk="1" latinLnBrk="0" hangingPunct="1">
+              <a:lnSpc>
+                <a:spcPct val="100000"/>
+              </a:lnSpc>
+              <a:spcBef>
+                <a:spcPts val="0"/>
+              </a:spcBef>
+              <a:spcAft>
+                <a:spcPts val="0"/>
+              </a:spcAft>
+              <a:buClr>
+                <a:schemeClr val="accent5"/>
+              </a:buClr>
+              <a:buSzPts val="2100"/>
+              <a:buFont typeface="Arial" panose="020B0604020202020204" pitchFamily="34" charset="0"/>
+              <a:buNone/>
+              <a:defRPr sz="2100" kern="1200">
+                <a:solidFill>
+                  <a:schemeClr val="accent5"/>
+                </a:solidFill>
+                <a:latin typeface="+mn-lt"/>
+                <a:ea typeface="+mn-ea"/>
+                <a:cs typeface="+mn-cs"/>
+              </a:defRPr>
+            </a:lvl7pPr>
+            <a:lvl8pPr marL="2571750" lvl="7" indent="-171450" algn="l" defTabSz="685800" rtl="0" eaLnBrk="1" latinLnBrk="0" hangingPunct="1">
+              <a:lnSpc>
+                <a:spcPct val="100000"/>
+              </a:lnSpc>
+              <a:spcBef>
+                <a:spcPts val="0"/>
+              </a:spcBef>
+              <a:spcAft>
+                <a:spcPts val="0"/>
+              </a:spcAft>
+              <a:buClr>
+                <a:schemeClr val="accent5"/>
+              </a:buClr>
+              <a:buSzPts val="2100"/>
+              <a:buFont typeface="Arial" panose="020B0604020202020204" pitchFamily="34" charset="0"/>
+              <a:buNone/>
+              <a:defRPr sz="2100" kern="1200">
+                <a:solidFill>
+                  <a:schemeClr val="accent5"/>
+                </a:solidFill>
+                <a:latin typeface="+mn-lt"/>
+                <a:ea typeface="+mn-ea"/>
+                <a:cs typeface="+mn-cs"/>
+              </a:defRPr>
+            </a:lvl8pPr>
+            <a:lvl9pPr marL="2914650" lvl="8" indent="-171450" algn="l" defTabSz="685800" rtl="0" eaLnBrk="1" latinLnBrk="0" hangingPunct="1">
+              <a:lnSpc>
+                <a:spcPct val="100000"/>
+              </a:lnSpc>
+              <a:spcBef>
+                <a:spcPts val="0"/>
+              </a:spcBef>
+              <a:spcAft>
+                <a:spcPts val="0"/>
+              </a:spcAft>
+              <a:buClr>
+                <a:schemeClr val="accent5"/>
+              </a:buClr>
+              <a:buSzPts val="2100"/>
+              <a:buFont typeface="Arial" panose="020B0604020202020204" pitchFamily="34" charset="0"/>
+              <a:buNone/>
+              <a:defRPr sz="2100" kern="1200">
+                <a:solidFill>
+                  <a:schemeClr val="accent5"/>
+                </a:solidFill>
+                <a:latin typeface="+mn-lt"/>
+                <a:ea typeface="+mn-ea"/>
+                <a:cs typeface="+mn-cs"/>
+              </a:defRPr>
+            </a:lvl9pPr>
+          </a:lstStyle>
+          <a:p>
+            <a:pPr marL="285750" indent="-285750" algn="just">
+              <a:lnSpc>
+                <a:spcPct val="150000"/>
+              </a:lnSpc>
+              <a:buFont typeface="Arial" panose="020B0604020202020204" pitchFamily="34" charset="0"/>
+              <a:buChar char="•"/>
+            </a:pPr>
+            <a:r>
+              <a:rPr lang="pt-BR" sz="2000" dirty="0">
+                <a:solidFill>
+                  <a:schemeClr val="tx1"/>
+                </a:solidFill>
+                <a:latin typeface="Calibri" panose="020F0502020204030204" pitchFamily="34" charset="0"/>
+                <a:ea typeface="Calibri" panose="020F0502020204030204" pitchFamily="34" charset="0"/>
+                <a:cs typeface="Times New Roman" panose="02020603050405020304" pitchFamily="18" charset="0"/>
+              </a:rPr>
+              <a:t>Importância da modularidade</a:t>
+            </a:r>
+          </a:p>
+          <a:p>
+            <a:pPr marL="285750" indent="-285750" algn="just">
+              <a:lnSpc>
+                <a:spcPct val="150000"/>
+              </a:lnSpc>
+              <a:buFont typeface="Arial" panose="020B0604020202020204" pitchFamily="34" charset="0"/>
+              <a:buChar char="•"/>
+            </a:pPr>
+            <a:r>
+              <a:rPr lang="pt-BR" sz="2000" dirty="0">
+                <a:solidFill>
+                  <a:schemeClr val="tx1"/>
+                </a:solidFill>
+                <a:latin typeface="Calibri" panose="020F0502020204030204" pitchFamily="34" charset="0"/>
+                <a:ea typeface="Calibri" panose="020F0502020204030204" pitchFamily="34" charset="0"/>
+                <a:cs typeface="Times New Roman" panose="02020603050405020304" pitchFamily="18" charset="0"/>
+              </a:rPr>
+              <a:t>Testes contínuos</a:t>
+            </a:r>
+          </a:p>
+          <a:p>
+            <a:pPr marL="285750" indent="-285750" algn="just">
+              <a:lnSpc>
+                <a:spcPct val="150000"/>
+              </a:lnSpc>
+              <a:buFont typeface="Arial" panose="020B0604020202020204" pitchFamily="34" charset="0"/>
+              <a:buChar char="•"/>
+            </a:pPr>
+            <a:r>
+              <a:rPr lang="pt-BR" sz="2000" dirty="0">
+                <a:solidFill>
+                  <a:schemeClr val="tx1"/>
+                </a:solidFill>
+                <a:latin typeface="Calibri" panose="020F0502020204030204" pitchFamily="34" charset="0"/>
+                <a:ea typeface="Calibri" panose="020F0502020204030204" pitchFamily="34" charset="0"/>
+                <a:cs typeface="Times New Roman" panose="02020603050405020304" pitchFamily="18" charset="0"/>
+              </a:rPr>
+              <a:t>Planejamento e documentação</a:t>
+            </a:r>
+          </a:p>
+          <a:p>
+            <a:pPr marL="285750" indent="-285750" algn="just">
+              <a:lnSpc>
+                <a:spcPct val="150000"/>
+              </a:lnSpc>
+              <a:buFont typeface="Arial" panose="020B0604020202020204" pitchFamily="34" charset="0"/>
+              <a:buChar char="•"/>
+            </a:pPr>
+            <a:r>
+              <a:rPr lang="pt-BR" sz="2000" dirty="0">
+                <a:solidFill>
+                  <a:schemeClr val="tx1"/>
+                </a:solidFill>
+                <a:latin typeface="Calibri" panose="020F0502020204030204" pitchFamily="34" charset="0"/>
+                <a:ea typeface="Calibri" panose="020F0502020204030204" pitchFamily="34" charset="0"/>
+                <a:cs typeface="Times New Roman" panose="02020603050405020304" pitchFamily="18" charset="0"/>
+              </a:rPr>
+              <a:t>Gerenciamento de conflitos</a:t>
+            </a:r>
+          </a:p>
+        </p:txBody>
+      </p:sp>
+      <p:sp>
+        <p:nvSpPr>
+          <p:cNvPr id="3" name="Google Shape;319;p33">
+            <a:extLst>
+              <a:ext uri="{FF2B5EF4-FFF2-40B4-BE49-F238E27FC236}">
+                <a16:creationId xmlns:a16="http://schemas.microsoft.com/office/drawing/2014/main" id="{563011B8-1D54-0C97-A29A-CD0BE85A641C}"/>
+              </a:ext>
+            </a:extLst>
+          </p:cNvPr>
+          <p:cNvSpPr/>
+          <p:nvPr/>
+        </p:nvSpPr>
+        <p:spPr>
+          <a:xfrm>
+            <a:off x="5576900" y="4780746"/>
+            <a:ext cx="3567100" cy="249631"/>
+          </a:xfrm>
+          <a:prstGeom prst="rect">
+            <a:avLst/>
+          </a:prstGeom>
+          <a:solidFill>
+            <a:schemeClr val="lt2"/>
+          </a:solidFill>
+          <a:ln>
+            <a:noFill/>
+          </a:ln>
+        </p:spPr>
+        <p:txBody>
+          <a:bodyPr spcFirstLastPara="1" wrap="square" lIns="91425" tIns="91425" rIns="91425" bIns="91425" anchor="ctr" anchorCtr="0">
+            <a:noAutofit/>
+          </a:bodyPr>
+          <a:lstStyle/>
+          <a:p>
+            <a:pPr marL="0" lvl="0" indent="0" algn="l" rtl="0">
+              <a:spcBef>
+                <a:spcPts val="0"/>
+              </a:spcBef>
+              <a:spcAft>
+                <a:spcPts val="0"/>
+              </a:spcAft>
+              <a:buNone/>
+            </a:pPr>
+            <a:endParaRPr/>
+          </a:p>
+        </p:txBody>
+      </p:sp>
+      <p:sp>
+        <p:nvSpPr>
+          <p:cNvPr id="5" name="Google Shape;322;p33">
+            <a:extLst>
+              <a:ext uri="{FF2B5EF4-FFF2-40B4-BE49-F238E27FC236}">
+                <a16:creationId xmlns:a16="http://schemas.microsoft.com/office/drawing/2014/main" id="{8E4351D2-5731-8F61-827B-F7F75AC6C88B}"/>
+              </a:ext>
+            </a:extLst>
+          </p:cNvPr>
+          <p:cNvSpPr txBox="1">
+            <a:spLocks/>
+          </p:cNvSpPr>
+          <p:nvPr/>
+        </p:nvSpPr>
+        <p:spPr>
+          <a:xfrm>
+            <a:off x="5646250" y="4153195"/>
+            <a:ext cx="3428400" cy="531900"/>
+          </a:xfrm>
+          <a:prstGeom prst="rect">
+            <a:avLst/>
+          </a:prstGeom>
+          <a:noFill/>
+          <a:ln>
+            <a:noFill/>
+          </a:ln>
+        </p:spPr>
+        <p:txBody>
+          <a:bodyPr spcFirstLastPara="1" wrap="square" lIns="0" tIns="0" rIns="0" bIns="0" anchor="t" anchorCtr="0">
+            <a:noAutofit/>
+          </a:bodyPr>
+          <a:lstStyle>
+            <a:defPPr marR="0" lvl="0" algn="l" rtl="0">
+              <a:lnSpc>
+                <a:spcPct val="100000"/>
+              </a:lnSpc>
+              <a:spcBef>
+                <a:spcPts val="0"/>
+              </a:spcBef>
+              <a:spcAft>
+                <a:spcPts val="0"/>
+              </a:spcAft>
+            </a:defPPr>
+            <a:lvl1pPr marR="0" lvl="0" algn="l" rtl="0">
+              <a:lnSpc>
+                <a:spcPct val="80000"/>
+              </a:lnSpc>
+              <a:spcBef>
+                <a:spcPts val="0"/>
+              </a:spcBef>
+              <a:spcAft>
+                <a:spcPts val="0"/>
+              </a:spcAft>
+              <a:buClr>
+                <a:schemeClr val="accent5"/>
+              </a:buClr>
+              <a:buSzPts val="4200"/>
+              <a:buFont typeface="Montserrat ExtraBold"/>
+              <a:buNone/>
+              <a:defRPr sz="6000" b="0" i="0" u="none" strike="noStrike" cap="none">
+                <a:solidFill>
+                  <a:schemeClr val="dk2"/>
+                </a:solidFill>
+                <a:latin typeface="Montserrat ExtraBold"/>
+                <a:ea typeface="Montserrat ExtraBold"/>
+                <a:cs typeface="Montserrat ExtraBold"/>
+                <a:sym typeface="Montserrat ExtraBold"/>
+              </a:defRPr>
+            </a:lvl1pPr>
+            <a:lvl2pPr marR="0" lvl="1" algn="l" rtl="0">
+              <a:lnSpc>
+                <a:spcPct val="80000"/>
+              </a:lnSpc>
+              <a:spcBef>
+                <a:spcPts val="0"/>
+              </a:spcBef>
+              <a:spcAft>
+                <a:spcPts val="0"/>
+              </a:spcAft>
+              <a:buClr>
+                <a:schemeClr val="accent5"/>
+              </a:buClr>
+              <a:buSzPts val="4200"/>
+              <a:buFont typeface="Montserrat ExtraBold"/>
+              <a:buNone/>
+              <a:defRPr sz="4200" b="0" i="0" u="none" strike="noStrike" cap="none">
+                <a:solidFill>
+                  <a:schemeClr val="accent5"/>
+                </a:solidFill>
+                <a:latin typeface="Montserrat ExtraBold"/>
+                <a:ea typeface="Montserrat ExtraBold"/>
+                <a:cs typeface="Montserrat ExtraBold"/>
+                <a:sym typeface="Montserrat ExtraBold"/>
+              </a:defRPr>
+            </a:lvl2pPr>
+            <a:lvl3pPr marR="0" lvl="2" algn="l" rtl="0">
+              <a:lnSpc>
+                <a:spcPct val="80000"/>
+              </a:lnSpc>
+              <a:spcBef>
+                <a:spcPts val="0"/>
+              </a:spcBef>
+              <a:spcAft>
+                <a:spcPts val="0"/>
+              </a:spcAft>
+              <a:buClr>
+                <a:schemeClr val="accent5"/>
+              </a:buClr>
+              <a:buSzPts val="4200"/>
+              <a:buFont typeface="Montserrat ExtraBold"/>
+              <a:buNone/>
+              <a:defRPr sz="4200" b="0" i="0" u="none" strike="noStrike" cap="none">
+                <a:solidFill>
+                  <a:schemeClr val="accent5"/>
+                </a:solidFill>
+                <a:latin typeface="Montserrat ExtraBold"/>
+                <a:ea typeface="Montserrat ExtraBold"/>
+                <a:cs typeface="Montserrat ExtraBold"/>
+                <a:sym typeface="Montserrat ExtraBold"/>
+              </a:defRPr>
+            </a:lvl3pPr>
+            <a:lvl4pPr marR="0" lvl="3" algn="l" rtl="0">
+              <a:lnSpc>
+                <a:spcPct val="80000"/>
+              </a:lnSpc>
+              <a:spcBef>
+                <a:spcPts val="0"/>
+              </a:spcBef>
+              <a:spcAft>
+                <a:spcPts val="0"/>
+              </a:spcAft>
+              <a:buClr>
+                <a:schemeClr val="accent5"/>
+              </a:buClr>
+              <a:buSzPts val="4200"/>
+              <a:buFont typeface="Montserrat ExtraBold"/>
+              <a:buNone/>
+              <a:defRPr sz="4200" b="0" i="0" u="none" strike="noStrike" cap="none">
+                <a:solidFill>
+                  <a:schemeClr val="accent5"/>
+                </a:solidFill>
+                <a:latin typeface="Montserrat ExtraBold"/>
+                <a:ea typeface="Montserrat ExtraBold"/>
+                <a:cs typeface="Montserrat ExtraBold"/>
+                <a:sym typeface="Montserrat ExtraBold"/>
+              </a:defRPr>
+            </a:lvl4pPr>
+            <a:lvl5pPr marR="0" lvl="4" algn="l" rtl="0">
+              <a:lnSpc>
+                <a:spcPct val="80000"/>
+              </a:lnSpc>
+              <a:spcBef>
+                <a:spcPts val="0"/>
+              </a:spcBef>
+              <a:spcAft>
+                <a:spcPts val="0"/>
+              </a:spcAft>
+              <a:buClr>
+                <a:schemeClr val="accent5"/>
+              </a:buClr>
+              <a:buSzPts val="4200"/>
+              <a:buFont typeface="Montserrat ExtraBold"/>
+              <a:buNone/>
+              <a:defRPr sz="4200" b="0" i="0" u="none" strike="noStrike" cap="none">
+                <a:solidFill>
+                  <a:schemeClr val="accent5"/>
+                </a:solidFill>
+                <a:latin typeface="Montserrat ExtraBold"/>
+                <a:ea typeface="Montserrat ExtraBold"/>
+                <a:cs typeface="Montserrat ExtraBold"/>
+                <a:sym typeface="Montserrat ExtraBold"/>
+              </a:defRPr>
+            </a:lvl5pPr>
+            <a:lvl6pPr marR="0" lvl="5" algn="l" rtl="0">
+              <a:lnSpc>
+                <a:spcPct val="80000"/>
+              </a:lnSpc>
+              <a:spcBef>
+                <a:spcPts val="0"/>
+              </a:spcBef>
+              <a:spcAft>
+                <a:spcPts val="0"/>
+              </a:spcAft>
+              <a:buClr>
+                <a:schemeClr val="accent5"/>
+              </a:buClr>
+              <a:buSzPts val="4200"/>
+              <a:buFont typeface="Montserrat ExtraBold"/>
+              <a:buNone/>
+              <a:defRPr sz="4200" b="0" i="0" u="none" strike="noStrike" cap="none">
+                <a:solidFill>
+                  <a:schemeClr val="accent5"/>
+                </a:solidFill>
+                <a:latin typeface="Montserrat ExtraBold"/>
+                <a:ea typeface="Montserrat ExtraBold"/>
+                <a:cs typeface="Montserrat ExtraBold"/>
+                <a:sym typeface="Montserrat ExtraBold"/>
+              </a:defRPr>
+            </a:lvl6pPr>
+            <a:lvl7pPr marR="0" lvl="6" algn="l" rtl="0">
+              <a:lnSpc>
+                <a:spcPct val="80000"/>
+              </a:lnSpc>
+              <a:spcBef>
+                <a:spcPts val="0"/>
+              </a:spcBef>
+              <a:spcAft>
+                <a:spcPts val="0"/>
+              </a:spcAft>
+              <a:buClr>
+                <a:schemeClr val="accent5"/>
+              </a:buClr>
+              <a:buSzPts val="4200"/>
+              <a:buFont typeface="Montserrat ExtraBold"/>
+              <a:buNone/>
+              <a:defRPr sz="4200" b="0" i="0" u="none" strike="noStrike" cap="none">
+                <a:solidFill>
+                  <a:schemeClr val="accent5"/>
+                </a:solidFill>
+                <a:latin typeface="Montserrat ExtraBold"/>
+                <a:ea typeface="Montserrat ExtraBold"/>
+                <a:cs typeface="Montserrat ExtraBold"/>
+                <a:sym typeface="Montserrat ExtraBold"/>
+              </a:defRPr>
+            </a:lvl7pPr>
+            <a:lvl8pPr marR="0" lvl="7" algn="l" rtl="0">
+              <a:lnSpc>
+                <a:spcPct val="80000"/>
+              </a:lnSpc>
+              <a:spcBef>
+                <a:spcPts val="0"/>
+              </a:spcBef>
+              <a:spcAft>
+                <a:spcPts val="0"/>
+              </a:spcAft>
+              <a:buClr>
+                <a:schemeClr val="accent5"/>
+              </a:buClr>
+              <a:buSzPts val="4200"/>
+              <a:buFont typeface="Montserrat ExtraBold"/>
+              <a:buNone/>
+              <a:defRPr sz="4200" b="0" i="0" u="none" strike="noStrike" cap="none">
+                <a:solidFill>
+                  <a:schemeClr val="accent5"/>
+                </a:solidFill>
+                <a:latin typeface="Montserrat ExtraBold"/>
+                <a:ea typeface="Montserrat ExtraBold"/>
+                <a:cs typeface="Montserrat ExtraBold"/>
+                <a:sym typeface="Montserrat ExtraBold"/>
+              </a:defRPr>
+            </a:lvl8pPr>
+            <a:lvl9pPr marR="0" lvl="8" algn="l" rtl="0">
+              <a:lnSpc>
+                <a:spcPct val="80000"/>
+              </a:lnSpc>
+              <a:spcBef>
+                <a:spcPts val="0"/>
+              </a:spcBef>
+              <a:spcAft>
+                <a:spcPts val="0"/>
+              </a:spcAft>
+              <a:buClr>
+                <a:schemeClr val="accent5"/>
+              </a:buClr>
+              <a:buSzPts val="4200"/>
+              <a:buFont typeface="Montserrat ExtraBold"/>
+              <a:buNone/>
+              <a:defRPr sz="4200" b="0" i="0" u="none" strike="noStrike" cap="none">
+                <a:solidFill>
+                  <a:schemeClr val="accent5"/>
+                </a:solidFill>
+                <a:latin typeface="Montserrat ExtraBold"/>
+                <a:ea typeface="Montserrat ExtraBold"/>
+                <a:cs typeface="Montserrat ExtraBold"/>
+                <a:sym typeface="Montserrat ExtraBold"/>
+              </a:defRPr>
+            </a:lvl9pPr>
+          </a:lstStyle>
+          <a:p>
             <a:r>
               <a:rPr lang="pt-BR" sz="2800" dirty="0"/>
-              <a:t>E DESAFIOS</a:t>
+              <a:t>LIÇÕES APRENDIDAS</a:t>
             </a:r>
           </a:p>
         </p:txBody>
@@ -13528,7 +11750,7 @@
     </p:spTree>
     <p:extLst>
       <p:ext uri="{BB962C8B-B14F-4D97-AF65-F5344CB8AC3E}">
-        <p14:creationId xmlns:p14="http://schemas.microsoft.com/office/powerpoint/2010/main" val="2668447390"/>
+        <p14:creationId xmlns:p14="http://schemas.microsoft.com/office/powerpoint/2010/main" val="4068468844"/>
       </p:ext>
     </p:extLst>
   </p:cSld>
@@ -13538,7 +11760,7 @@
 </p:sld>
 </file>
 
-<file path=ppt/slides/slide15.xml><?xml version="1.0" encoding="utf-8"?>
+<file path=ppt/slides/slide5.xml><?xml version="1.0" encoding="utf-8"?>
 <p:sld xmlns:a="http://schemas.openxmlformats.org/drawingml/2006/main" xmlns:r="http://schemas.openxmlformats.org/officeDocument/2006/relationships" xmlns:p="http://schemas.openxmlformats.org/presentationml/2006/main">
   <p:cSld>
     <p:spTree>
@@ -13699,6 +11921,41 @@
               <a:t>Notificações e alertas</a:t>
             </a:r>
           </a:p>
+          <a:p>
+            <a:pPr marL="285750" lvl="0" indent="-285750" algn="just" rtl="0">
+              <a:lnSpc>
+                <a:spcPct val="150000"/>
+              </a:lnSpc>
+              <a:spcBef>
+                <a:spcPts val="0"/>
+              </a:spcBef>
+              <a:spcAft>
+                <a:spcPts val="0"/>
+              </a:spcAft>
+              <a:buFont typeface="Arial" panose="020B0604020202020204" pitchFamily="34" charset="0"/>
+              <a:buChar char="•"/>
+            </a:pPr>
+            <a:r>
+              <a:rPr lang="pt-BR" sz="2400" dirty="0">
+                <a:solidFill>
+                  <a:schemeClr val="tx1"/>
+                </a:solidFill>
+                <a:latin typeface="Calibri" panose="020F0502020204030204" pitchFamily="34" charset="0"/>
+                <a:ea typeface="Calibri" panose="020F0502020204030204" pitchFamily="34" charset="0"/>
+                <a:cs typeface="Times New Roman" panose="02020603050405020304" pitchFamily="18" charset="0"/>
+              </a:rPr>
+              <a:t>Integração com banco de dados estruturado (SQL)</a:t>
+            </a:r>
+            <a:endParaRPr lang="pt-BR" sz="2400" dirty="0">
+              <a:solidFill>
+                <a:schemeClr val="tx1"/>
+              </a:solidFill>
+              <a:effectLst/>
+              <a:latin typeface="Calibri" panose="020F0502020204030204" pitchFamily="34" charset="0"/>
+              <a:ea typeface="Calibri" panose="020F0502020204030204" pitchFamily="34" charset="0"/>
+              <a:cs typeface="Times New Roman" panose="02020603050405020304" pitchFamily="18" charset="0"/>
+            </a:endParaRPr>
+          </a:p>
         </p:txBody>
       </p:sp>
       <p:sp>
@@ -14029,7 +12286,7 @@
             <a:pPr algn="r"/>
             <a:r>
               <a:rPr lang="pt-BR" sz="2800" dirty="0"/>
-              <a:t>TRABALHOS FUTUROS</a:t>
+              <a:t>PRÓXIMOS PASSOS</a:t>
             </a:r>
           </a:p>
         </p:txBody>
@@ -14038,4961 +12295,6 @@
     <p:extLst>
       <p:ext uri="{BB962C8B-B14F-4D97-AF65-F5344CB8AC3E}">
         <p14:creationId xmlns:p14="http://schemas.microsoft.com/office/powerpoint/2010/main" val="3679593419"/>
-      </p:ext>
-    </p:extLst>
-  </p:cSld>
-  <p:clrMapOvr>
-    <a:masterClrMapping/>
-  </p:clrMapOvr>
-</p:sld>
-</file>
-
-<file path=ppt/slides/slide16.xml><?xml version="1.0" encoding="utf-8"?>
-<p:sld xmlns:a="http://schemas.openxmlformats.org/drawingml/2006/main" xmlns:r="http://schemas.openxmlformats.org/officeDocument/2006/relationships" xmlns:p="http://schemas.openxmlformats.org/presentationml/2006/main">
-  <p:cSld>
-    <p:spTree>
-      <p:nvGrpSpPr>
-        <p:cNvPr id="1" name="Shape 213">
-          <a:extLst>
-            <a:ext uri="{FF2B5EF4-FFF2-40B4-BE49-F238E27FC236}">
-              <a16:creationId xmlns:a16="http://schemas.microsoft.com/office/drawing/2014/main" id="{5EB8EA7D-F10E-A88E-16EE-63462053A605}"/>
-            </a:ext>
-          </a:extLst>
-        </p:cNvPr>
-        <p:cNvGrpSpPr/>
-        <p:nvPr/>
-      </p:nvGrpSpPr>
-      <p:grpSpPr>
-        <a:xfrm>
-          <a:off x="0" y="0"/>
-          <a:ext cx="0" cy="0"/>
-          <a:chOff x="0" y="0"/>
-          <a:chExt cx="0" cy="0"/>
-        </a:xfrm>
-      </p:grpSpPr>
-      <p:sp>
-        <p:nvSpPr>
-          <p:cNvPr id="214" name="Google Shape;214;p28">
-            <a:extLst>
-              <a:ext uri="{FF2B5EF4-FFF2-40B4-BE49-F238E27FC236}">
-                <a16:creationId xmlns:a16="http://schemas.microsoft.com/office/drawing/2014/main" id="{133FC042-0A8A-DEE6-ED78-181AEBCC3F74}"/>
-              </a:ext>
-            </a:extLst>
-          </p:cNvPr>
-          <p:cNvSpPr txBox="1">
-            <a:spLocks noGrp="1"/>
-          </p:cNvSpPr>
-          <p:nvPr>
-            <p:ph type="subTitle" idx="1"/>
-          </p:nvPr>
-        </p:nvSpPr>
-        <p:spPr>
-          <a:xfrm>
-            <a:off x="622253" y="1260629"/>
-            <a:ext cx="7899493" cy="3162890"/>
-          </a:xfrm>
-          <a:prstGeom prst="rect">
-            <a:avLst/>
-          </a:prstGeom>
-        </p:spPr>
-        <p:txBody>
-          <a:bodyPr spcFirstLastPara="1" wrap="square" lIns="91425" tIns="91425" rIns="91425" bIns="91425" numCol="1" spcCol="360000" anchor="ctr" anchorCtr="0">
-            <a:noAutofit/>
-          </a:bodyPr>
-          <a:lstStyle/>
-          <a:p>
-            <a:pPr marL="285750" lvl="0" indent="-285750" algn="just" rtl="0">
-              <a:lnSpc>
-                <a:spcPct val="150000"/>
-              </a:lnSpc>
-              <a:spcBef>
-                <a:spcPts val="0"/>
-              </a:spcBef>
-              <a:spcAft>
-                <a:spcPts val="0"/>
-              </a:spcAft>
-              <a:buFont typeface="Arial" panose="020B0604020202020204" pitchFamily="34" charset="0"/>
-              <a:buChar char="•"/>
-            </a:pPr>
-            <a:r>
-              <a:rPr lang="pt-BR" sz="2400" dirty="0">
-                <a:solidFill>
-                  <a:schemeClr val="tx1"/>
-                </a:solidFill>
-                <a:effectLst/>
-                <a:latin typeface="Calibri" panose="020F0502020204030204" pitchFamily="34" charset="0"/>
-                <a:ea typeface="Calibri" panose="020F0502020204030204" pitchFamily="34" charset="0"/>
-                <a:cs typeface="Times New Roman" panose="02020603050405020304" pitchFamily="18" charset="0"/>
-              </a:rPr>
-              <a:t>Importância da modularidade</a:t>
-            </a:r>
-          </a:p>
-          <a:p>
-            <a:pPr marL="285750" lvl="0" indent="-285750" algn="just" rtl="0">
-              <a:lnSpc>
-                <a:spcPct val="150000"/>
-              </a:lnSpc>
-              <a:spcBef>
-                <a:spcPts val="0"/>
-              </a:spcBef>
-              <a:spcAft>
-                <a:spcPts val="0"/>
-              </a:spcAft>
-              <a:buFont typeface="Arial" panose="020B0604020202020204" pitchFamily="34" charset="0"/>
-              <a:buChar char="•"/>
-            </a:pPr>
-            <a:r>
-              <a:rPr lang="pt-BR" sz="2400" dirty="0">
-                <a:solidFill>
-                  <a:schemeClr val="tx1"/>
-                </a:solidFill>
-                <a:latin typeface="Calibri" panose="020F0502020204030204" pitchFamily="34" charset="0"/>
-                <a:ea typeface="Calibri" panose="020F0502020204030204" pitchFamily="34" charset="0"/>
-                <a:cs typeface="Times New Roman" panose="02020603050405020304" pitchFamily="18" charset="0"/>
-              </a:rPr>
-              <a:t>Testes contínuos</a:t>
-            </a:r>
-          </a:p>
-          <a:p>
-            <a:pPr marL="285750" lvl="0" indent="-285750" algn="just" rtl="0">
-              <a:lnSpc>
-                <a:spcPct val="150000"/>
-              </a:lnSpc>
-              <a:spcBef>
-                <a:spcPts val="0"/>
-              </a:spcBef>
-              <a:spcAft>
-                <a:spcPts val="0"/>
-              </a:spcAft>
-              <a:buFont typeface="Arial" panose="020B0604020202020204" pitchFamily="34" charset="0"/>
-              <a:buChar char="•"/>
-            </a:pPr>
-            <a:r>
-              <a:rPr lang="pt-BR" sz="2400" dirty="0">
-                <a:solidFill>
-                  <a:schemeClr val="tx1"/>
-                </a:solidFill>
-                <a:effectLst/>
-                <a:latin typeface="Calibri" panose="020F0502020204030204" pitchFamily="34" charset="0"/>
-                <a:ea typeface="Calibri" panose="020F0502020204030204" pitchFamily="34" charset="0"/>
-                <a:cs typeface="Times New Roman" panose="02020603050405020304" pitchFamily="18" charset="0"/>
-              </a:rPr>
-              <a:t>Planejamento e documentação</a:t>
-            </a:r>
-          </a:p>
-          <a:p>
-            <a:pPr marL="285750" lvl="0" indent="-285750" algn="just" rtl="0">
-              <a:lnSpc>
-                <a:spcPct val="150000"/>
-              </a:lnSpc>
-              <a:spcBef>
-                <a:spcPts val="0"/>
-              </a:spcBef>
-              <a:spcAft>
-                <a:spcPts val="0"/>
-              </a:spcAft>
-              <a:buFont typeface="Arial" panose="020B0604020202020204" pitchFamily="34" charset="0"/>
-              <a:buChar char="•"/>
-            </a:pPr>
-            <a:r>
-              <a:rPr lang="pt-BR" sz="2400" dirty="0">
-                <a:solidFill>
-                  <a:schemeClr val="tx1"/>
-                </a:solidFill>
-                <a:latin typeface="Calibri" panose="020F0502020204030204" pitchFamily="34" charset="0"/>
-                <a:ea typeface="Calibri" panose="020F0502020204030204" pitchFamily="34" charset="0"/>
-                <a:cs typeface="Times New Roman" panose="02020603050405020304" pitchFamily="18" charset="0"/>
-              </a:rPr>
-              <a:t>Gerenciamento de conflitos</a:t>
-            </a:r>
-            <a:endParaRPr lang="pt-BR" sz="2400" dirty="0">
-              <a:solidFill>
-                <a:schemeClr val="tx1"/>
-              </a:solidFill>
-              <a:effectLst/>
-              <a:latin typeface="Calibri" panose="020F0502020204030204" pitchFamily="34" charset="0"/>
-              <a:ea typeface="Calibri" panose="020F0502020204030204" pitchFamily="34" charset="0"/>
-              <a:cs typeface="Times New Roman" panose="02020603050405020304" pitchFamily="18" charset="0"/>
-            </a:endParaRPr>
-          </a:p>
-        </p:txBody>
-      </p:sp>
-      <p:sp>
-        <p:nvSpPr>
-          <p:cNvPr id="4" name="Google Shape;319;p33">
-            <a:extLst>
-              <a:ext uri="{FF2B5EF4-FFF2-40B4-BE49-F238E27FC236}">
-                <a16:creationId xmlns:a16="http://schemas.microsoft.com/office/drawing/2014/main" id="{D861CEA2-221A-972C-68D7-618C0047DA48}"/>
-              </a:ext>
-            </a:extLst>
-          </p:cNvPr>
-          <p:cNvSpPr/>
-          <p:nvPr/>
-        </p:nvSpPr>
-        <p:spPr>
-          <a:xfrm>
-            <a:off x="1000" y="185374"/>
-            <a:ext cx="3567100" cy="249631"/>
-          </a:xfrm>
-          <a:prstGeom prst="rect">
-            <a:avLst/>
-          </a:prstGeom>
-          <a:solidFill>
-            <a:schemeClr val="lt2"/>
-          </a:solidFill>
-          <a:ln>
-            <a:noFill/>
-          </a:ln>
-        </p:spPr>
-        <p:txBody>
-          <a:bodyPr spcFirstLastPara="1" wrap="square" lIns="91425" tIns="91425" rIns="91425" bIns="91425" anchor="ctr" anchorCtr="0">
-            <a:noAutofit/>
-          </a:bodyPr>
-          <a:lstStyle/>
-          <a:p>
-            <a:pPr marL="0" lvl="0" indent="0" algn="l" rtl="0">
-              <a:spcBef>
-                <a:spcPts val="0"/>
-              </a:spcBef>
-              <a:spcAft>
-                <a:spcPts val="0"/>
-              </a:spcAft>
-              <a:buNone/>
-            </a:pPr>
-            <a:endParaRPr/>
-          </a:p>
-        </p:txBody>
-      </p:sp>
-      <p:sp>
-        <p:nvSpPr>
-          <p:cNvPr id="6" name="Google Shape;322;p33">
-            <a:extLst>
-              <a:ext uri="{FF2B5EF4-FFF2-40B4-BE49-F238E27FC236}">
-                <a16:creationId xmlns:a16="http://schemas.microsoft.com/office/drawing/2014/main" id="{295B184B-B4B0-7F59-923A-8079DD740572}"/>
-              </a:ext>
-            </a:extLst>
-          </p:cNvPr>
-          <p:cNvSpPr txBox="1">
-            <a:spLocks/>
-          </p:cNvSpPr>
-          <p:nvPr/>
-        </p:nvSpPr>
-        <p:spPr>
-          <a:xfrm>
-            <a:off x="139700" y="533550"/>
-            <a:ext cx="3428400" cy="531900"/>
-          </a:xfrm>
-          <a:prstGeom prst="rect">
-            <a:avLst/>
-          </a:prstGeom>
-          <a:noFill/>
-          <a:ln>
-            <a:noFill/>
-          </a:ln>
-        </p:spPr>
-        <p:txBody>
-          <a:bodyPr spcFirstLastPara="1" wrap="square" lIns="0" tIns="0" rIns="0" bIns="0" anchor="t" anchorCtr="0">
-            <a:noAutofit/>
-          </a:bodyPr>
-          <a:lstStyle>
-            <a:defPPr marR="0" lvl="0" algn="l" rtl="0">
-              <a:lnSpc>
-                <a:spcPct val="100000"/>
-              </a:lnSpc>
-              <a:spcBef>
-                <a:spcPts val="0"/>
-              </a:spcBef>
-              <a:spcAft>
-                <a:spcPts val="0"/>
-              </a:spcAft>
-            </a:defPPr>
-            <a:lvl1pPr marR="0" lvl="0" algn="l" rtl="0">
-              <a:lnSpc>
-                <a:spcPct val="80000"/>
-              </a:lnSpc>
-              <a:spcBef>
-                <a:spcPts val="0"/>
-              </a:spcBef>
-              <a:spcAft>
-                <a:spcPts val="0"/>
-              </a:spcAft>
-              <a:buClr>
-                <a:schemeClr val="accent5"/>
-              </a:buClr>
-              <a:buSzPts val="4200"/>
-              <a:buFont typeface="Montserrat ExtraBold"/>
-              <a:buNone/>
-              <a:defRPr sz="6000" b="0" i="0" u="none" strike="noStrike" cap="none">
-                <a:solidFill>
-                  <a:schemeClr val="dk2"/>
-                </a:solidFill>
-                <a:latin typeface="Montserrat ExtraBold"/>
-                <a:ea typeface="Montserrat ExtraBold"/>
-                <a:cs typeface="Montserrat ExtraBold"/>
-                <a:sym typeface="Montserrat ExtraBold"/>
-              </a:defRPr>
-            </a:lvl1pPr>
-            <a:lvl2pPr marR="0" lvl="1" algn="l" rtl="0">
-              <a:lnSpc>
-                <a:spcPct val="80000"/>
-              </a:lnSpc>
-              <a:spcBef>
-                <a:spcPts val="0"/>
-              </a:spcBef>
-              <a:spcAft>
-                <a:spcPts val="0"/>
-              </a:spcAft>
-              <a:buClr>
-                <a:schemeClr val="accent5"/>
-              </a:buClr>
-              <a:buSzPts val="4200"/>
-              <a:buFont typeface="Montserrat ExtraBold"/>
-              <a:buNone/>
-              <a:defRPr sz="4200" b="0" i="0" u="none" strike="noStrike" cap="none">
-                <a:solidFill>
-                  <a:schemeClr val="accent5"/>
-                </a:solidFill>
-                <a:latin typeface="Montserrat ExtraBold"/>
-                <a:ea typeface="Montserrat ExtraBold"/>
-                <a:cs typeface="Montserrat ExtraBold"/>
-                <a:sym typeface="Montserrat ExtraBold"/>
-              </a:defRPr>
-            </a:lvl2pPr>
-            <a:lvl3pPr marR="0" lvl="2" algn="l" rtl="0">
-              <a:lnSpc>
-                <a:spcPct val="80000"/>
-              </a:lnSpc>
-              <a:spcBef>
-                <a:spcPts val="0"/>
-              </a:spcBef>
-              <a:spcAft>
-                <a:spcPts val="0"/>
-              </a:spcAft>
-              <a:buClr>
-                <a:schemeClr val="accent5"/>
-              </a:buClr>
-              <a:buSzPts val="4200"/>
-              <a:buFont typeface="Montserrat ExtraBold"/>
-              <a:buNone/>
-              <a:defRPr sz="4200" b="0" i="0" u="none" strike="noStrike" cap="none">
-                <a:solidFill>
-                  <a:schemeClr val="accent5"/>
-                </a:solidFill>
-                <a:latin typeface="Montserrat ExtraBold"/>
-                <a:ea typeface="Montserrat ExtraBold"/>
-                <a:cs typeface="Montserrat ExtraBold"/>
-                <a:sym typeface="Montserrat ExtraBold"/>
-              </a:defRPr>
-            </a:lvl3pPr>
-            <a:lvl4pPr marR="0" lvl="3" algn="l" rtl="0">
-              <a:lnSpc>
-                <a:spcPct val="80000"/>
-              </a:lnSpc>
-              <a:spcBef>
-                <a:spcPts val="0"/>
-              </a:spcBef>
-              <a:spcAft>
-                <a:spcPts val="0"/>
-              </a:spcAft>
-              <a:buClr>
-                <a:schemeClr val="accent5"/>
-              </a:buClr>
-              <a:buSzPts val="4200"/>
-              <a:buFont typeface="Montserrat ExtraBold"/>
-              <a:buNone/>
-              <a:defRPr sz="4200" b="0" i="0" u="none" strike="noStrike" cap="none">
-                <a:solidFill>
-                  <a:schemeClr val="accent5"/>
-                </a:solidFill>
-                <a:latin typeface="Montserrat ExtraBold"/>
-                <a:ea typeface="Montserrat ExtraBold"/>
-                <a:cs typeface="Montserrat ExtraBold"/>
-                <a:sym typeface="Montserrat ExtraBold"/>
-              </a:defRPr>
-            </a:lvl4pPr>
-            <a:lvl5pPr marR="0" lvl="4" algn="l" rtl="0">
-              <a:lnSpc>
-                <a:spcPct val="80000"/>
-              </a:lnSpc>
-              <a:spcBef>
-                <a:spcPts val="0"/>
-              </a:spcBef>
-              <a:spcAft>
-                <a:spcPts val="0"/>
-              </a:spcAft>
-              <a:buClr>
-                <a:schemeClr val="accent5"/>
-              </a:buClr>
-              <a:buSzPts val="4200"/>
-              <a:buFont typeface="Montserrat ExtraBold"/>
-              <a:buNone/>
-              <a:defRPr sz="4200" b="0" i="0" u="none" strike="noStrike" cap="none">
-                <a:solidFill>
-                  <a:schemeClr val="accent5"/>
-                </a:solidFill>
-                <a:latin typeface="Montserrat ExtraBold"/>
-                <a:ea typeface="Montserrat ExtraBold"/>
-                <a:cs typeface="Montserrat ExtraBold"/>
-                <a:sym typeface="Montserrat ExtraBold"/>
-              </a:defRPr>
-            </a:lvl5pPr>
-            <a:lvl6pPr marR="0" lvl="5" algn="l" rtl="0">
-              <a:lnSpc>
-                <a:spcPct val="80000"/>
-              </a:lnSpc>
-              <a:spcBef>
-                <a:spcPts val="0"/>
-              </a:spcBef>
-              <a:spcAft>
-                <a:spcPts val="0"/>
-              </a:spcAft>
-              <a:buClr>
-                <a:schemeClr val="accent5"/>
-              </a:buClr>
-              <a:buSzPts val="4200"/>
-              <a:buFont typeface="Montserrat ExtraBold"/>
-              <a:buNone/>
-              <a:defRPr sz="4200" b="0" i="0" u="none" strike="noStrike" cap="none">
-                <a:solidFill>
-                  <a:schemeClr val="accent5"/>
-                </a:solidFill>
-                <a:latin typeface="Montserrat ExtraBold"/>
-                <a:ea typeface="Montserrat ExtraBold"/>
-                <a:cs typeface="Montserrat ExtraBold"/>
-                <a:sym typeface="Montserrat ExtraBold"/>
-              </a:defRPr>
-            </a:lvl6pPr>
-            <a:lvl7pPr marR="0" lvl="6" algn="l" rtl="0">
-              <a:lnSpc>
-                <a:spcPct val="80000"/>
-              </a:lnSpc>
-              <a:spcBef>
-                <a:spcPts val="0"/>
-              </a:spcBef>
-              <a:spcAft>
-                <a:spcPts val="0"/>
-              </a:spcAft>
-              <a:buClr>
-                <a:schemeClr val="accent5"/>
-              </a:buClr>
-              <a:buSzPts val="4200"/>
-              <a:buFont typeface="Montserrat ExtraBold"/>
-              <a:buNone/>
-              <a:defRPr sz="4200" b="0" i="0" u="none" strike="noStrike" cap="none">
-                <a:solidFill>
-                  <a:schemeClr val="accent5"/>
-                </a:solidFill>
-                <a:latin typeface="Montserrat ExtraBold"/>
-                <a:ea typeface="Montserrat ExtraBold"/>
-                <a:cs typeface="Montserrat ExtraBold"/>
-                <a:sym typeface="Montserrat ExtraBold"/>
-              </a:defRPr>
-            </a:lvl7pPr>
-            <a:lvl8pPr marR="0" lvl="7" algn="l" rtl="0">
-              <a:lnSpc>
-                <a:spcPct val="80000"/>
-              </a:lnSpc>
-              <a:spcBef>
-                <a:spcPts val="0"/>
-              </a:spcBef>
-              <a:spcAft>
-                <a:spcPts val="0"/>
-              </a:spcAft>
-              <a:buClr>
-                <a:schemeClr val="accent5"/>
-              </a:buClr>
-              <a:buSzPts val="4200"/>
-              <a:buFont typeface="Montserrat ExtraBold"/>
-              <a:buNone/>
-              <a:defRPr sz="4200" b="0" i="0" u="none" strike="noStrike" cap="none">
-                <a:solidFill>
-                  <a:schemeClr val="accent5"/>
-                </a:solidFill>
-                <a:latin typeface="Montserrat ExtraBold"/>
-                <a:ea typeface="Montserrat ExtraBold"/>
-                <a:cs typeface="Montserrat ExtraBold"/>
-                <a:sym typeface="Montserrat ExtraBold"/>
-              </a:defRPr>
-            </a:lvl8pPr>
-            <a:lvl9pPr marR="0" lvl="8" algn="l" rtl="0">
-              <a:lnSpc>
-                <a:spcPct val="80000"/>
-              </a:lnSpc>
-              <a:spcBef>
-                <a:spcPts val="0"/>
-              </a:spcBef>
-              <a:spcAft>
-                <a:spcPts val="0"/>
-              </a:spcAft>
-              <a:buClr>
-                <a:schemeClr val="accent5"/>
-              </a:buClr>
-              <a:buSzPts val="4200"/>
-              <a:buFont typeface="Montserrat ExtraBold"/>
-              <a:buNone/>
-              <a:defRPr sz="4200" b="0" i="0" u="none" strike="noStrike" cap="none">
-                <a:solidFill>
-                  <a:schemeClr val="accent5"/>
-                </a:solidFill>
-                <a:latin typeface="Montserrat ExtraBold"/>
-                <a:ea typeface="Montserrat ExtraBold"/>
-                <a:cs typeface="Montserrat ExtraBold"/>
-                <a:sym typeface="Montserrat ExtraBold"/>
-              </a:defRPr>
-            </a:lvl9pPr>
-          </a:lstStyle>
-          <a:p>
-            <a:pPr algn="r"/>
-            <a:r>
-              <a:rPr lang="pt-BR" sz="2800" dirty="0"/>
-              <a:t>LIÇÕES APRENDIDAS</a:t>
-            </a:r>
-          </a:p>
-        </p:txBody>
-      </p:sp>
-    </p:spTree>
-    <p:extLst>
-      <p:ext uri="{BB962C8B-B14F-4D97-AF65-F5344CB8AC3E}">
-        <p14:creationId xmlns:p14="http://schemas.microsoft.com/office/powerpoint/2010/main" val="39693244"/>
-      </p:ext>
-    </p:extLst>
-  </p:cSld>
-  <p:clrMapOvr>
-    <a:masterClrMapping/>
-  </p:clrMapOvr>
-</p:sld>
-</file>
-
-<file path=ppt/slides/slide17.xml><?xml version="1.0" encoding="utf-8"?>
-<p:sld xmlns:a="http://schemas.openxmlformats.org/drawingml/2006/main" xmlns:r="http://schemas.openxmlformats.org/officeDocument/2006/relationships" xmlns:p="http://schemas.openxmlformats.org/presentationml/2006/main">
-  <p:cSld>
-    <p:spTree>
-      <p:nvGrpSpPr>
-        <p:cNvPr id="1" name="Shape 674"/>
-        <p:cNvGrpSpPr/>
-        <p:nvPr/>
-      </p:nvGrpSpPr>
-      <p:grpSpPr>
-        <a:xfrm>
-          <a:off x="0" y="0"/>
-          <a:ext cx="0" cy="0"/>
-          <a:chOff x="0" y="0"/>
-          <a:chExt cx="0" cy="0"/>
-        </a:xfrm>
-      </p:grpSpPr>
-      <p:sp>
-        <p:nvSpPr>
-          <p:cNvPr id="675" name="Google Shape;675;p47"/>
-          <p:cNvSpPr txBox="1">
-            <a:spLocks noGrp="1"/>
-          </p:cNvSpPr>
-          <p:nvPr>
-            <p:ph type="ctrTitle"/>
-          </p:nvPr>
-        </p:nvSpPr>
-        <p:spPr>
-          <a:xfrm>
-            <a:off x="18888" y="571437"/>
-            <a:ext cx="4766400" cy="773400"/>
-          </a:xfrm>
-          <a:prstGeom prst="rect">
-            <a:avLst/>
-          </a:prstGeom>
-        </p:spPr>
-        <p:txBody>
-          <a:bodyPr spcFirstLastPara="1" wrap="square" lIns="91425" tIns="91425" rIns="91425" bIns="91425" anchor="b" anchorCtr="0">
-            <a:noAutofit/>
-          </a:bodyPr>
-          <a:lstStyle/>
-          <a:p>
-            <a:pPr marL="0" lvl="0" indent="0" algn="l" rtl="0">
-              <a:spcBef>
-                <a:spcPts val="0"/>
-              </a:spcBef>
-              <a:spcAft>
-                <a:spcPts val="0"/>
-              </a:spcAft>
-              <a:buNone/>
-            </a:pPr>
-            <a:r>
-              <a:rPr lang="en" dirty="0"/>
-              <a:t>OBRIGADO</a:t>
-            </a:r>
-            <a:endParaRPr dirty="0"/>
-          </a:p>
-        </p:txBody>
-      </p:sp>
-      <p:sp>
-        <p:nvSpPr>
-          <p:cNvPr id="676" name="Google Shape;676;p47"/>
-          <p:cNvSpPr txBox="1">
-            <a:spLocks noGrp="1"/>
-          </p:cNvSpPr>
-          <p:nvPr>
-            <p:ph type="subTitle" idx="1"/>
-          </p:nvPr>
-        </p:nvSpPr>
-        <p:spPr>
-          <a:xfrm>
-            <a:off x="101793" y="1869670"/>
-            <a:ext cx="4766400" cy="1298400"/>
-          </a:xfrm>
-          <a:prstGeom prst="rect">
-            <a:avLst/>
-          </a:prstGeom>
-        </p:spPr>
-        <p:txBody>
-          <a:bodyPr spcFirstLastPara="1" wrap="square" lIns="91425" tIns="91425" rIns="91425" bIns="91425" anchor="t" anchorCtr="0">
-            <a:noAutofit/>
-          </a:bodyPr>
-          <a:lstStyle/>
-          <a:p>
-            <a:pPr marL="0" lvl="0" indent="0" algn="l" rtl="0">
-              <a:spcBef>
-                <a:spcPts val="0"/>
-              </a:spcBef>
-              <a:spcAft>
-                <a:spcPts val="0"/>
-              </a:spcAft>
-              <a:buNone/>
-            </a:pPr>
-            <a:r>
-              <a:rPr lang="pt-BR" dirty="0">
-                <a:solidFill>
-                  <a:schemeClr val="tx1"/>
-                </a:solidFill>
-              </a:rPr>
-              <a:t>GABRIEL DANILO DO NASCIMENTO E SILVA</a:t>
-            </a:r>
-          </a:p>
-          <a:p>
-            <a:pPr marL="0" lvl="0" indent="0" algn="l" rtl="0">
-              <a:spcBef>
-                <a:spcPts val="0"/>
-              </a:spcBef>
-              <a:spcAft>
-                <a:spcPts val="0"/>
-              </a:spcAft>
-              <a:buNone/>
-            </a:pPr>
-            <a:r>
-              <a:rPr lang="pt-BR" dirty="0">
-                <a:solidFill>
-                  <a:schemeClr val="tx1"/>
-                </a:solidFill>
-              </a:rPr>
-              <a:t>LUCAS VIEIRA DA SILVA</a:t>
-            </a:r>
-          </a:p>
-          <a:p>
-            <a:pPr marL="0" lvl="0" indent="0" algn="l" rtl="0">
-              <a:spcBef>
-                <a:spcPts val="0"/>
-              </a:spcBef>
-              <a:spcAft>
-                <a:spcPts val="0"/>
-              </a:spcAft>
-              <a:buNone/>
-            </a:pPr>
-            <a:r>
-              <a:rPr lang="pt-BR" dirty="0">
-                <a:solidFill>
-                  <a:schemeClr val="tx1"/>
-                </a:solidFill>
-              </a:rPr>
-              <a:t>MARCELO FELIPE BELOTTO</a:t>
-            </a:r>
-          </a:p>
-          <a:p>
-            <a:pPr marL="0" lvl="0" indent="0" algn="l" rtl="0">
-              <a:spcBef>
-                <a:spcPts val="0"/>
-              </a:spcBef>
-              <a:spcAft>
-                <a:spcPts val="0"/>
-              </a:spcAft>
-              <a:buNone/>
-            </a:pPr>
-            <a:r>
-              <a:rPr lang="pt-BR" dirty="0">
-                <a:solidFill>
-                  <a:schemeClr val="tx1"/>
-                </a:solidFill>
-              </a:rPr>
-              <a:t>VINÍCIUS EMANUEL DA SILVA</a:t>
-            </a:r>
-          </a:p>
-        </p:txBody>
-      </p:sp>
-      <p:sp>
-        <p:nvSpPr>
-          <p:cNvPr id="677" name="Google Shape;677;p47"/>
-          <p:cNvSpPr/>
-          <p:nvPr/>
-        </p:nvSpPr>
-        <p:spPr>
-          <a:xfrm>
-            <a:off x="0" y="1313050"/>
-            <a:ext cx="4572000" cy="324300"/>
-          </a:xfrm>
-          <a:prstGeom prst="rect">
-            <a:avLst/>
-          </a:prstGeom>
-          <a:solidFill>
-            <a:schemeClr val="lt2"/>
-          </a:solidFill>
-          <a:ln>
-            <a:noFill/>
-          </a:ln>
-        </p:spPr>
-        <p:txBody>
-          <a:bodyPr spcFirstLastPara="1" wrap="square" lIns="91425" tIns="91425" rIns="91425" bIns="91425" anchor="ctr" anchorCtr="0">
-            <a:noAutofit/>
-          </a:bodyPr>
-          <a:lstStyle/>
-          <a:p>
-            <a:pPr marL="0" lvl="0" indent="0" algn="l" rtl="0">
-              <a:spcBef>
-                <a:spcPts val="0"/>
-              </a:spcBef>
-              <a:spcAft>
-                <a:spcPts val="0"/>
-              </a:spcAft>
-              <a:buNone/>
-            </a:pPr>
-            <a:endParaRPr/>
-          </a:p>
-        </p:txBody>
-      </p:sp>
-    </p:spTree>
-  </p:cSld>
-  <p:clrMapOvr>
-    <a:masterClrMapping/>
-  </p:clrMapOvr>
-</p:sld>
-</file>
-
-<file path=ppt/slides/slide2.xml><?xml version="1.0" encoding="utf-8"?>
-<p:sld xmlns:a="http://schemas.openxmlformats.org/drawingml/2006/main" xmlns:r="http://schemas.openxmlformats.org/officeDocument/2006/relationships" xmlns:p="http://schemas.openxmlformats.org/presentationml/2006/main">
-  <p:cSld>
-    <p:spTree>
-      <p:nvGrpSpPr>
-        <p:cNvPr id="1" name="Shape 213">
-          <a:extLst>
-            <a:ext uri="{FF2B5EF4-FFF2-40B4-BE49-F238E27FC236}">
-              <a16:creationId xmlns:a16="http://schemas.microsoft.com/office/drawing/2014/main" id="{92FA1F47-47E4-8A4A-DDA4-A0F4D5F8BD0E}"/>
-            </a:ext>
-          </a:extLst>
-        </p:cNvPr>
-        <p:cNvGrpSpPr/>
-        <p:nvPr/>
-      </p:nvGrpSpPr>
-      <p:grpSpPr>
-        <a:xfrm>
-          <a:off x="0" y="0"/>
-          <a:ext cx="0" cy="0"/>
-          <a:chOff x="0" y="0"/>
-          <a:chExt cx="0" cy="0"/>
-        </a:xfrm>
-      </p:grpSpPr>
-      <p:sp>
-        <p:nvSpPr>
-          <p:cNvPr id="214" name="Google Shape;214;p28">
-            <a:extLst>
-              <a:ext uri="{FF2B5EF4-FFF2-40B4-BE49-F238E27FC236}">
-                <a16:creationId xmlns:a16="http://schemas.microsoft.com/office/drawing/2014/main" id="{5664A86B-1374-5352-411A-D55AAA15479C}"/>
-              </a:ext>
-            </a:extLst>
-          </p:cNvPr>
-          <p:cNvSpPr txBox="1">
-            <a:spLocks noGrp="1"/>
-          </p:cNvSpPr>
-          <p:nvPr>
-            <p:ph type="subTitle" idx="1"/>
-          </p:nvPr>
-        </p:nvSpPr>
-        <p:spPr>
-          <a:xfrm>
-            <a:off x="695061" y="1431378"/>
-            <a:ext cx="7753878" cy="3249846"/>
-          </a:xfrm>
-          <a:prstGeom prst="rect">
-            <a:avLst/>
-          </a:prstGeom>
-        </p:spPr>
-        <p:txBody>
-          <a:bodyPr spcFirstLastPara="1" wrap="square" lIns="91425" tIns="91425" rIns="91425" bIns="91425" anchor="ctr" anchorCtr="0">
-            <a:noAutofit/>
-          </a:bodyPr>
-          <a:lstStyle/>
-          <a:p>
-            <a:pPr marL="0" lvl="0" indent="0" algn="just" rtl="0">
-              <a:spcBef>
-                <a:spcPts val="0"/>
-              </a:spcBef>
-              <a:spcAft>
-                <a:spcPts val="0"/>
-              </a:spcAft>
-              <a:buNone/>
-            </a:pPr>
-            <a:r>
-              <a:rPr lang="pt-BR" sz="1800" dirty="0">
-                <a:solidFill>
-                  <a:schemeClr val="tx1"/>
-                </a:solidFill>
-                <a:effectLst/>
-                <a:latin typeface="Calibri" panose="020F0502020204030204" pitchFamily="34" charset="0"/>
-                <a:ea typeface="Calibri" panose="020F0502020204030204" pitchFamily="34" charset="0"/>
-                <a:cs typeface="Times New Roman" panose="02020603050405020304" pitchFamily="18" charset="0"/>
-              </a:rPr>
-              <a:t>PROBLEMA</a:t>
-            </a:r>
-          </a:p>
-          <a:p>
-            <a:pPr marL="0" lvl="0" indent="0" algn="just" rtl="0">
-              <a:spcBef>
-                <a:spcPts val="0"/>
-              </a:spcBef>
-              <a:spcAft>
-                <a:spcPts val="0"/>
-              </a:spcAft>
-              <a:buNone/>
-            </a:pPr>
-            <a:r>
-              <a:rPr lang="pt-BR" sz="1800" dirty="0">
-                <a:solidFill>
-                  <a:schemeClr val="tx1"/>
-                </a:solidFill>
-                <a:effectLst/>
-                <a:latin typeface="Calibri" panose="020F0502020204030204" pitchFamily="34" charset="0"/>
-                <a:ea typeface="Calibri" panose="020F0502020204030204" pitchFamily="34" charset="0"/>
-                <a:cs typeface="Times New Roman" panose="02020603050405020304" pitchFamily="18" charset="0"/>
-              </a:rPr>
-              <a:t>O problema central que o projeto visa resolver é o gerenciamento das reservas de salas de reunião. Muitas organizações enfrentam dificuldades em organizar e otimizar o uso de suas salas, resultando em conflitos de agendamento e uso ineficiente dos espaços disponíveis. </a:t>
-            </a:r>
-          </a:p>
-          <a:p>
-            <a:pPr marL="0" lvl="0" indent="0" algn="just" rtl="0">
-              <a:spcBef>
-                <a:spcPts val="0"/>
-              </a:spcBef>
-              <a:spcAft>
-                <a:spcPts val="0"/>
-              </a:spcAft>
-              <a:buNone/>
-            </a:pPr>
-            <a:endParaRPr lang="pt-BR" sz="1800" dirty="0">
-              <a:solidFill>
-                <a:schemeClr val="tx1"/>
-              </a:solidFill>
-              <a:effectLst/>
-              <a:latin typeface="Calibri" panose="020F0502020204030204" pitchFamily="34" charset="0"/>
-              <a:ea typeface="Calibri" panose="020F0502020204030204" pitchFamily="34" charset="0"/>
-              <a:cs typeface="Times New Roman" panose="02020603050405020304" pitchFamily="18" charset="0"/>
-            </a:endParaRPr>
-          </a:p>
-          <a:p>
-            <a:pPr marL="0" lvl="0" indent="0" algn="just" rtl="0">
-              <a:spcBef>
-                <a:spcPts val="0"/>
-              </a:spcBef>
-              <a:spcAft>
-                <a:spcPts val="0"/>
-              </a:spcAft>
-              <a:buNone/>
-            </a:pPr>
-            <a:r>
-              <a:rPr lang="pt-BR" sz="1800" dirty="0">
-                <a:solidFill>
-                  <a:schemeClr val="tx1"/>
-                </a:solidFill>
-                <a:effectLst/>
-                <a:latin typeface="Calibri" panose="020F0502020204030204" pitchFamily="34" charset="0"/>
-                <a:ea typeface="Calibri" panose="020F0502020204030204" pitchFamily="34" charset="0"/>
-                <a:cs typeface="Times New Roman" panose="02020603050405020304" pitchFamily="18" charset="0"/>
-              </a:rPr>
-              <a:t>TEMA</a:t>
-            </a:r>
-          </a:p>
-          <a:p>
-            <a:pPr marL="0" lvl="0" indent="0" algn="just" rtl="0">
-              <a:spcBef>
-                <a:spcPts val="0"/>
-              </a:spcBef>
-              <a:spcAft>
-                <a:spcPts val="0"/>
-              </a:spcAft>
-              <a:buNone/>
-            </a:pPr>
-            <a:r>
-              <a:rPr lang="pt-BR" sz="1800" dirty="0">
-                <a:solidFill>
-                  <a:schemeClr val="tx1"/>
-                </a:solidFill>
-                <a:effectLst/>
-                <a:latin typeface="Calibri" panose="020F0502020204030204" pitchFamily="34" charset="0"/>
-                <a:ea typeface="Calibri" panose="020F0502020204030204" pitchFamily="34" charset="0"/>
-                <a:cs typeface="Times New Roman" panose="02020603050405020304" pitchFamily="18" charset="0"/>
-              </a:rPr>
-              <a:t>A escolha do tema se deu pela percepção de que o desenvolvimento desse sistema seria desafiador, tanto do ponto de vista técnico quanto organizacional. Além disso, a implementação de tal sistema pode trazer benefícios significativos para as organizações, melhorando a eficiência e a produtividade.</a:t>
-            </a:r>
-          </a:p>
-        </p:txBody>
-      </p:sp>
-      <p:sp>
-        <p:nvSpPr>
-          <p:cNvPr id="4" name="Google Shape;319;p33">
-            <a:extLst>
-              <a:ext uri="{FF2B5EF4-FFF2-40B4-BE49-F238E27FC236}">
-                <a16:creationId xmlns:a16="http://schemas.microsoft.com/office/drawing/2014/main" id="{62410E11-566E-D3DA-1876-C65A3BA48616}"/>
-              </a:ext>
-            </a:extLst>
-          </p:cNvPr>
-          <p:cNvSpPr/>
-          <p:nvPr/>
-        </p:nvSpPr>
-        <p:spPr>
-          <a:xfrm>
-            <a:off x="1000" y="185375"/>
-            <a:ext cx="3428400" cy="239700"/>
-          </a:xfrm>
-          <a:prstGeom prst="rect">
-            <a:avLst/>
-          </a:prstGeom>
-          <a:solidFill>
-            <a:schemeClr val="lt2"/>
-          </a:solidFill>
-          <a:ln>
-            <a:noFill/>
-          </a:ln>
-        </p:spPr>
-        <p:txBody>
-          <a:bodyPr spcFirstLastPara="1" wrap="square" lIns="91425" tIns="91425" rIns="91425" bIns="91425" anchor="ctr" anchorCtr="0">
-            <a:noAutofit/>
-          </a:bodyPr>
-          <a:lstStyle/>
-          <a:p>
-            <a:pPr marL="0" lvl="0" indent="0" algn="l" rtl="0">
-              <a:spcBef>
-                <a:spcPts val="0"/>
-              </a:spcBef>
-              <a:spcAft>
-                <a:spcPts val="0"/>
-              </a:spcAft>
-              <a:buNone/>
-            </a:pPr>
-            <a:endParaRPr/>
-          </a:p>
-        </p:txBody>
-      </p:sp>
-      <p:sp>
-        <p:nvSpPr>
-          <p:cNvPr id="6" name="Google Shape;322;p33">
-            <a:extLst>
-              <a:ext uri="{FF2B5EF4-FFF2-40B4-BE49-F238E27FC236}">
-                <a16:creationId xmlns:a16="http://schemas.microsoft.com/office/drawing/2014/main" id="{E84A481A-8FE0-25C7-A8E2-C68675088BED}"/>
-              </a:ext>
-            </a:extLst>
-          </p:cNvPr>
-          <p:cNvSpPr txBox="1">
-            <a:spLocks/>
-          </p:cNvSpPr>
-          <p:nvPr/>
-        </p:nvSpPr>
-        <p:spPr>
-          <a:xfrm>
-            <a:off x="139700" y="533550"/>
-            <a:ext cx="3289700" cy="531900"/>
-          </a:xfrm>
-          <a:prstGeom prst="rect">
-            <a:avLst/>
-          </a:prstGeom>
-          <a:noFill/>
-          <a:ln>
-            <a:noFill/>
-          </a:ln>
-        </p:spPr>
-        <p:txBody>
-          <a:bodyPr spcFirstLastPara="1" wrap="square" lIns="0" tIns="0" rIns="0" bIns="0" anchor="t" anchorCtr="0">
-            <a:noAutofit/>
-          </a:bodyPr>
-          <a:lstStyle>
-            <a:defPPr marR="0" lvl="0" algn="l" rtl="0">
-              <a:lnSpc>
-                <a:spcPct val="100000"/>
-              </a:lnSpc>
-              <a:spcBef>
-                <a:spcPts val="0"/>
-              </a:spcBef>
-              <a:spcAft>
-                <a:spcPts val="0"/>
-              </a:spcAft>
-            </a:defPPr>
-            <a:lvl1pPr marR="0" lvl="0" algn="l" rtl="0">
-              <a:lnSpc>
-                <a:spcPct val="80000"/>
-              </a:lnSpc>
-              <a:spcBef>
-                <a:spcPts val="0"/>
-              </a:spcBef>
-              <a:spcAft>
-                <a:spcPts val="0"/>
-              </a:spcAft>
-              <a:buClr>
-                <a:schemeClr val="accent5"/>
-              </a:buClr>
-              <a:buSzPts val="4200"/>
-              <a:buFont typeface="Montserrat ExtraBold"/>
-              <a:buNone/>
-              <a:defRPr sz="6000" b="0" i="0" u="none" strike="noStrike" cap="none">
-                <a:solidFill>
-                  <a:schemeClr val="dk2"/>
-                </a:solidFill>
-                <a:latin typeface="Montserrat ExtraBold"/>
-                <a:ea typeface="Montserrat ExtraBold"/>
-                <a:cs typeface="Montserrat ExtraBold"/>
-                <a:sym typeface="Montserrat ExtraBold"/>
-              </a:defRPr>
-            </a:lvl1pPr>
-            <a:lvl2pPr marR="0" lvl="1" algn="l" rtl="0">
-              <a:lnSpc>
-                <a:spcPct val="80000"/>
-              </a:lnSpc>
-              <a:spcBef>
-                <a:spcPts val="0"/>
-              </a:spcBef>
-              <a:spcAft>
-                <a:spcPts val="0"/>
-              </a:spcAft>
-              <a:buClr>
-                <a:schemeClr val="accent5"/>
-              </a:buClr>
-              <a:buSzPts val="4200"/>
-              <a:buFont typeface="Montserrat ExtraBold"/>
-              <a:buNone/>
-              <a:defRPr sz="4200" b="0" i="0" u="none" strike="noStrike" cap="none">
-                <a:solidFill>
-                  <a:schemeClr val="accent5"/>
-                </a:solidFill>
-                <a:latin typeface="Montserrat ExtraBold"/>
-                <a:ea typeface="Montserrat ExtraBold"/>
-                <a:cs typeface="Montserrat ExtraBold"/>
-                <a:sym typeface="Montserrat ExtraBold"/>
-              </a:defRPr>
-            </a:lvl2pPr>
-            <a:lvl3pPr marR="0" lvl="2" algn="l" rtl="0">
-              <a:lnSpc>
-                <a:spcPct val="80000"/>
-              </a:lnSpc>
-              <a:spcBef>
-                <a:spcPts val="0"/>
-              </a:spcBef>
-              <a:spcAft>
-                <a:spcPts val="0"/>
-              </a:spcAft>
-              <a:buClr>
-                <a:schemeClr val="accent5"/>
-              </a:buClr>
-              <a:buSzPts val="4200"/>
-              <a:buFont typeface="Montserrat ExtraBold"/>
-              <a:buNone/>
-              <a:defRPr sz="4200" b="0" i="0" u="none" strike="noStrike" cap="none">
-                <a:solidFill>
-                  <a:schemeClr val="accent5"/>
-                </a:solidFill>
-                <a:latin typeface="Montserrat ExtraBold"/>
-                <a:ea typeface="Montserrat ExtraBold"/>
-                <a:cs typeface="Montserrat ExtraBold"/>
-                <a:sym typeface="Montserrat ExtraBold"/>
-              </a:defRPr>
-            </a:lvl3pPr>
-            <a:lvl4pPr marR="0" lvl="3" algn="l" rtl="0">
-              <a:lnSpc>
-                <a:spcPct val="80000"/>
-              </a:lnSpc>
-              <a:spcBef>
-                <a:spcPts val="0"/>
-              </a:spcBef>
-              <a:spcAft>
-                <a:spcPts val="0"/>
-              </a:spcAft>
-              <a:buClr>
-                <a:schemeClr val="accent5"/>
-              </a:buClr>
-              <a:buSzPts val="4200"/>
-              <a:buFont typeface="Montserrat ExtraBold"/>
-              <a:buNone/>
-              <a:defRPr sz="4200" b="0" i="0" u="none" strike="noStrike" cap="none">
-                <a:solidFill>
-                  <a:schemeClr val="accent5"/>
-                </a:solidFill>
-                <a:latin typeface="Montserrat ExtraBold"/>
-                <a:ea typeface="Montserrat ExtraBold"/>
-                <a:cs typeface="Montserrat ExtraBold"/>
-                <a:sym typeface="Montserrat ExtraBold"/>
-              </a:defRPr>
-            </a:lvl4pPr>
-            <a:lvl5pPr marR="0" lvl="4" algn="l" rtl="0">
-              <a:lnSpc>
-                <a:spcPct val="80000"/>
-              </a:lnSpc>
-              <a:spcBef>
-                <a:spcPts val="0"/>
-              </a:spcBef>
-              <a:spcAft>
-                <a:spcPts val="0"/>
-              </a:spcAft>
-              <a:buClr>
-                <a:schemeClr val="accent5"/>
-              </a:buClr>
-              <a:buSzPts val="4200"/>
-              <a:buFont typeface="Montserrat ExtraBold"/>
-              <a:buNone/>
-              <a:defRPr sz="4200" b="0" i="0" u="none" strike="noStrike" cap="none">
-                <a:solidFill>
-                  <a:schemeClr val="accent5"/>
-                </a:solidFill>
-                <a:latin typeface="Montserrat ExtraBold"/>
-                <a:ea typeface="Montserrat ExtraBold"/>
-                <a:cs typeface="Montserrat ExtraBold"/>
-                <a:sym typeface="Montserrat ExtraBold"/>
-              </a:defRPr>
-            </a:lvl5pPr>
-            <a:lvl6pPr marR="0" lvl="5" algn="l" rtl="0">
-              <a:lnSpc>
-                <a:spcPct val="80000"/>
-              </a:lnSpc>
-              <a:spcBef>
-                <a:spcPts val="0"/>
-              </a:spcBef>
-              <a:spcAft>
-                <a:spcPts val="0"/>
-              </a:spcAft>
-              <a:buClr>
-                <a:schemeClr val="accent5"/>
-              </a:buClr>
-              <a:buSzPts val="4200"/>
-              <a:buFont typeface="Montserrat ExtraBold"/>
-              <a:buNone/>
-              <a:defRPr sz="4200" b="0" i="0" u="none" strike="noStrike" cap="none">
-                <a:solidFill>
-                  <a:schemeClr val="accent5"/>
-                </a:solidFill>
-                <a:latin typeface="Montserrat ExtraBold"/>
-                <a:ea typeface="Montserrat ExtraBold"/>
-                <a:cs typeface="Montserrat ExtraBold"/>
-                <a:sym typeface="Montserrat ExtraBold"/>
-              </a:defRPr>
-            </a:lvl6pPr>
-            <a:lvl7pPr marR="0" lvl="6" algn="l" rtl="0">
-              <a:lnSpc>
-                <a:spcPct val="80000"/>
-              </a:lnSpc>
-              <a:spcBef>
-                <a:spcPts val="0"/>
-              </a:spcBef>
-              <a:spcAft>
-                <a:spcPts val="0"/>
-              </a:spcAft>
-              <a:buClr>
-                <a:schemeClr val="accent5"/>
-              </a:buClr>
-              <a:buSzPts val="4200"/>
-              <a:buFont typeface="Montserrat ExtraBold"/>
-              <a:buNone/>
-              <a:defRPr sz="4200" b="0" i="0" u="none" strike="noStrike" cap="none">
-                <a:solidFill>
-                  <a:schemeClr val="accent5"/>
-                </a:solidFill>
-                <a:latin typeface="Montserrat ExtraBold"/>
-                <a:ea typeface="Montserrat ExtraBold"/>
-                <a:cs typeface="Montserrat ExtraBold"/>
-                <a:sym typeface="Montserrat ExtraBold"/>
-              </a:defRPr>
-            </a:lvl7pPr>
-            <a:lvl8pPr marR="0" lvl="7" algn="l" rtl="0">
-              <a:lnSpc>
-                <a:spcPct val="80000"/>
-              </a:lnSpc>
-              <a:spcBef>
-                <a:spcPts val="0"/>
-              </a:spcBef>
-              <a:spcAft>
-                <a:spcPts val="0"/>
-              </a:spcAft>
-              <a:buClr>
-                <a:schemeClr val="accent5"/>
-              </a:buClr>
-              <a:buSzPts val="4200"/>
-              <a:buFont typeface="Montserrat ExtraBold"/>
-              <a:buNone/>
-              <a:defRPr sz="4200" b="0" i="0" u="none" strike="noStrike" cap="none">
-                <a:solidFill>
-                  <a:schemeClr val="accent5"/>
-                </a:solidFill>
-                <a:latin typeface="Montserrat ExtraBold"/>
-                <a:ea typeface="Montserrat ExtraBold"/>
-                <a:cs typeface="Montserrat ExtraBold"/>
-                <a:sym typeface="Montserrat ExtraBold"/>
-              </a:defRPr>
-            </a:lvl8pPr>
-            <a:lvl9pPr marR="0" lvl="8" algn="l" rtl="0">
-              <a:lnSpc>
-                <a:spcPct val="80000"/>
-              </a:lnSpc>
-              <a:spcBef>
-                <a:spcPts val="0"/>
-              </a:spcBef>
-              <a:spcAft>
-                <a:spcPts val="0"/>
-              </a:spcAft>
-              <a:buClr>
-                <a:schemeClr val="accent5"/>
-              </a:buClr>
-              <a:buSzPts val="4200"/>
-              <a:buFont typeface="Montserrat ExtraBold"/>
-              <a:buNone/>
-              <a:defRPr sz="4200" b="0" i="0" u="none" strike="noStrike" cap="none">
-                <a:solidFill>
-                  <a:schemeClr val="accent5"/>
-                </a:solidFill>
-                <a:latin typeface="Montserrat ExtraBold"/>
-                <a:ea typeface="Montserrat ExtraBold"/>
-                <a:cs typeface="Montserrat ExtraBold"/>
-                <a:sym typeface="Montserrat ExtraBold"/>
-              </a:defRPr>
-            </a:lvl9pPr>
-          </a:lstStyle>
-          <a:p>
-            <a:pPr algn="r"/>
-            <a:r>
-              <a:rPr lang="pt-BR" sz="2800" dirty="0"/>
-              <a:t>TEMA E PROBLEMA</a:t>
-            </a:r>
-          </a:p>
-        </p:txBody>
-      </p:sp>
-    </p:spTree>
-    <p:extLst>
-      <p:ext uri="{BB962C8B-B14F-4D97-AF65-F5344CB8AC3E}">
-        <p14:creationId xmlns:p14="http://schemas.microsoft.com/office/powerpoint/2010/main" val="3317807221"/>
-      </p:ext>
-    </p:extLst>
-  </p:cSld>
-  <p:clrMapOvr>
-    <a:masterClrMapping/>
-  </p:clrMapOvr>
-</p:sld>
-</file>
-
-<file path=ppt/slides/slide3.xml><?xml version="1.0" encoding="utf-8"?>
-<p:sld xmlns:a="http://schemas.openxmlformats.org/drawingml/2006/main" xmlns:r="http://schemas.openxmlformats.org/officeDocument/2006/relationships" xmlns:p="http://schemas.openxmlformats.org/presentationml/2006/main">
-  <p:cSld>
-    <p:spTree>
-      <p:nvGrpSpPr>
-        <p:cNvPr id="1" name="Shape 213">
-          <a:extLst>
-            <a:ext uri="{FF2B5EF4-FFF2-40B4-BE49-F238E27FC236}">
-              <a16:creationId xmlns:a16="http://schemas.microsoft.com/office/drawing/2014/main" id="{450011BC-6509-EDA5-4105-04527885283F}"/>
-            </a:ext>
-          </a:extLst>
-        </p:cNvPr>
-        <p:cNvGrpSpPr/>
-        <p:nvPr/>
-      </p:nvGrpSpPr>
-      <p:grpSpPr>
-        <a:xfrm>
-          <a:off x="0" y="0"/>
-          <a:ext cx="0" cy="0"/>
-          <a:chOff x="0" y="0"/>
-          <a:chExt cx="0" cy="0"/>
-        </a:xfrm>
-      </p:grpSpPr>
-      <p:sp>
-        <p:nvSpPr>
-          <p:cNvPr id="214" name="Google Shape;214;p28">
-            <a:extLst>
-              <a:ext uri="{FF2B5EF4-FFF2-40B4-BE49-F238E27FC236}">
-                <a16:creationId xmlns:a16="http://schemas.microsoft.com/office/drawing/2014/main" id="{344AB35B-B90A-6E7F-7F90-BF6E2991E6AA}"/>
-              </a:ext>
-            </a:extLst>
-          </p:cNvPr>
-          <p:cNvSpPr txBox="1">
-            <a:spLocks noGrp="1"/>
-          </p:cNvSpPr>
-          <p:nvPr>
-            <p:ph type="subTitle" idx="1"/>
-          </p:nvPr>
-        </p:nvSpPr>
-        <p:spPr>
-          <a:xfrm>
-            <a:off x="695061" y="1216559"/>
-            <a:ext cx="7753878" cy="2710381"/>
-          </a:xfrm>
-          <a:prstGeom prst="rect">
-            <a:avLst/>
-          </a:prstGeom>
-        </p:spPr>
-        <p:txBody>
-          <a:bodyPr spcFirstLastPara="1" wrap="square" lIns="91425" tIns="91425" rIns="91425" bIns="91425" anchor="ctr" anchorCtr="0">
-            <a:noAutofit/>
-          </a:bodyPr>
-          <a:lstStyle/>
-          <a:p>
-            <a:pPr marL="0" lvl="0" indent="0" algn="just" rtl="0">
-              <a:spcBef>
-                <a:spcPts val="0"/>
-              </a:spcBef>
-              <a:spcAft>
-                <a:spcPts val="0"/>
-              </a:spcAft>
-              <a:buNone/>
-            </a:pPr>
-            <a:r>
-              <a:rPr lang="pt-BR" sz="1800" dirty="0">
-                <a:solidFill>
-                  <a:schemeClr val="tx1"/>
-                </a:solidFill>
-                <a:latin typeface="Calibri" panose="020F0502020204030204" pitchFamily="34" charset="0"/>
-                <a:ea typeface="Calibri" panose="020F0502020204030204" pitchFamily="34" charset="0"/>
-                <a:cs typeface="Times New Roman" panose="02020603050405020304" pitchFamily="18" charset="0"/>
-              </a:rPr>
-              <a:t>OBJETIVOS</a:t>
-            </a:r>
-          </a:p>
-          <a:p>
-            <a:pPr marL="0" lvl="0" indent="0" algn="just" rtl="0">
-              <a:spcBef>
-                <a:spcPts val="0"/>
-              </a:spcBef>
-              <a:spcAft>
-                <a:spcPts val="0"/>
-              </a:spcAft>
-              <a:buNone/>
-            </a:pPr>
-            <a:r>
-              <a:rPr lang="pt-BR" sz="1800" dirty="0">
-                <a:solidFill>
-                  <a:schemeClr val="tx1"/>
-                </a:solidFill>
-                <a:latin typeface="Calibri" panose="020F0502020204030204" pitchFamily="34" charset="0"/>
-                <a:ea typeface="Calibri" panose="020F0502020204030204" pitchFamily="34" charset="0"/>
-                <a:cs typeface="Times New Roman" panose="02020603050405020304" pitchFamily="18" charset="0"/>
-              </a:rPr>
-              <a:t>O objetivo principal do projeto é otimizar o agendamento e o uso de salas de reunião, proporcionando uma ferramenta que facilite a organização e o uso eficiente dos recursos internos.</a:t>
-            </a:r>
-          </a:p>
-          <a:p>
-            <a:pPr marL="0" lvl="0" indent="0" algn="just" rtl="0">
-              <a:spcBef>
-                <a:spcPts val="0"/>
-              </a:spcBef>
-              <a:spcAft>
-                <a:spcPts val="0"/>
-              </a:spcAft>
-              <a:buNone/>
-            </a:pPr>
-            <a:endParaRPr lang="pt-BR" sz="1800" dirty="0">
-              <a:solidFill>
-                <a:schemeClr val="tx1"/>
-              </a:solidFill>
-              <a:latin typeface="Calibri" panose="020F0502020204030204" pitchFamily="34" charset="0"/>
-              <a:ea typeface="Calibri" panose="020F0502020204030204" pitchFamily="34" charset="0"/>
-              <a:cs typeface="Times New Roman" panose="02020603050405020304" pitchFamily="18" charset="0"/>
-            </a:endParaRPr>
-          </a:p>
-          <a:p>
-            <a:pPr marL="0" lvl="0" indent="0" algn="just" rtl="0">
-              <a:spcBef>
-                <a:spcPts val="0"/>
-              </a:spcBef>
-              <a:spcAft>
-                <a:spcPts val="0"/>
-              </a:spcAft>
-              <a:buNone/>
-            </a:pPr>
-            <a:r>
-              <a:rPr lang="pt-BR" sz="1800" dirty="0">
-                <a:solidFill>
-                  <a:schemeClr val="tx1"/>
-                </a:solidFill>
-                <a:latin typeface="Calibri" panose="020F0502020204030204" pitchFamily="34" charset="0"/>
-                <a:ea typeface="Calibri" panose="020F0502020204030204" pitchFamily="34" charset="0"/>
-                <a:cs typeface="Times New Roman" panose="02020603050405020304" pitchFamily="18" charset="0"/>
-              </a:rPr>
-              <a:t>OBJETIVOS ESPECÍFICOS</a:t>
-            </a:r>
-          </a:p>
-          <a:p>
-            <a:pPr marL="0" lvl="0" indent="0" algn="just" rtl="0">
-              <a:spcBef>
-                <a:spcPts val="0"/>
-              </a:spcBef>
-              <a:spcAft>
-                <a:spcPts val="0"/>
-              </a:spcAft>
-              <a:buNone/>
-            </a:pPr>
-            <a:r>
-              <a:rPr lang="pt-BR" sz="1800" dirty="0">
-                <a:solidFill>
-                  <a:schemeClr val="tx1"/>
-                </a:solidFill>
-                <a:latin typeface="Calibri" panose="020F0502020204030204" pitchFamily="34" charset="0"/>
-                <a:ea typeface="Calibri" panose="020F0502020204030204" pitchFamily="34" charset="0"/>
-                <a:cs typeface="Times New Roman" panose="02020603050405020304" pitchFamily="18" charset="0"/>
-              </a:rPr>
-              <a:t>Os objetivos específicos incluem a criação de um sistema intuitivo e acessível para os usuários, que permita o agendamento rápido e eficiente das salas, além de fornecer informações sobre a utilização dos espaços</a:t>
-            </a:r>
-          </a:p>
-        </p:txBody>
-      </p:sp>
-      <p:sp>
-        <p:nvSpPr>
-          <p:cNvPr id="4" name="Google Shape;319;p33">
-            <a:extLst>
-              <a:ext uri="{FF2B5EF4-FFF2-40B4-BE49-F238E27FC236}">
-                <a16:creationId xmlns:a16="http://schemas.microsoft.com/office/drawing/2014/main" id="{F5859034-37FA-CC5A-AA12-6A84A13AD930}"/>
-              </a:ext>
-            </a:extLst>
-          </p:cNvPr>
-          <p:cNvSpPr/>
-          <p:nvPr/>
-        </p:nvSpPr>
-        <p:spPr>
-          <a:xfrm>
-            <a:off x="1000" y="185375"/>
-            <a:ext cx="3428400" cy="239700"/>
-          </a:xfrm>
-          <a:prstGeom prst="rect">
-            <a:avLst/>
-          </a:prstGeom>
-          <a:solidFill>
-            <a:schemeClr val="lt2"/>
-          </a:solidFill>
-          <a:ln>
-            <a:noFill/>
-          </a:ln>
-        </p:spPr>
-        <p:txBody>
-          <a:bodyPr spcFirstLastPara="1" wrap="square" lIns="91425" tIns="91425" rIns="91425" bIns="91425" anchor="ctr" anchorCtr="0">
-            <a:noAutofit/>
-          </a:bodyPr>
-          <a:lstStyle/>
-          <a:p>
-            <a:pPr marL="0" lvl="0" indent="0" algn="l" rtl="0">
-              <a:spcBef>
-                <a:spcPts val="0"/>
-              </a:spcBef>
-              <a:spcAft>
-                <a:spcPts val="0"/>
-              </a:spcAft>
-              <a:buNone/>
-            </a:pPr>
-            <a:endParaRPr/>
-          </a:p>
-        </p:txBody>
-      </p:sp>
-      <p:sp>
-        <p:nvSpPr>
-          <p:cNvPr id="6" name="Google Shape;322;p33">
-            <a:extLst>
-              <a:ext uri="{FF2B5EF4-FFF2-40B4-BE49-F238E27FC236}">
-                <a16:creationId xmlns:a16="http://schemas.microsoft.com/office/drawing/2014/main" id="{B5DED318-227E-A4E6-6BA6-884FDFBACB99}"/>
-              </a:ext>
-            </a:extLst>
-          </p:cNvPr>
-          <p:cNvSpPr txBox="1">
-            <a:spLocks/>
-          </p:cNvSpPr>
-          <p:nvPr/>
-        </p:nvSpPr>
-        <p:spPr>
-          <a:xfrm>
-            <a:off x="139700" y="533550"/>
-            <a:ext cx="3289700" cy="531900"/>
-          </a:xfrm>
-          <a:prstGeom prst="rect">
-            <a:avLst/>
-          </a:prstGeom>
-          <a:noFill/>
-          <a:ln>
-            <a:noFill/>
-          </a:ln>
-        </p:spPr>
-        <p:txBody>
-          <a:bodyPr spcFirstLastPara="1" wrap="square" lIns="0" tIns="0" rIns="0" bIns="0" anchor="t" anchorCtr="0">
-            <a:noAutofit/>
-          </a:bodyPr>
-          <a:lstStyle>
-            <a:defPPr marR="0" lvl="0" algn="l" rtl="0">
-              <a:lnSpc>
-                <a:spcPct val="100000"/>
-              </a:lnSpc>
-              <a:spcBef>
-                <a:spcPts val="0"/>
-              </a:spcBef>
-              <a:spcAft>
-                <a:spcPts val="0"/>
-              </a:spcAft>
-            </a:defPPr>
-            <a:lvl1pPr marR="0" lvl="0" algn="l" rtl="0">
-              <a:lnSpc>
-                <a:spcPct val="80000"/>
-              </a:lnSpc>
-              <a:spcBef>
-                <a:spcPts val="0"/>
-              </a:spcBef>
-              <a:spcAft>
-                <a:spcPts val="0"/>
-              </a:spcAft>
-              <a:buClr>
-                <a:schemeClr val="accent5"/>
-              </a:buClr>
-              <a:buSzPts val="4200"/>
-              <a:buFont typeface="Montserrat ExtraBold"/>
-              <a:buNone/>
-              <a:defRPr sz="6000" b="0" i="0" u="none" strike="noStrike" cap="none">
-                <a:solidFill>
-                  <a:schemeClr val="dk2"/>
-                </a:solidFill>
-                <a:latin typeface="Montserrat ExtraBold"/>
-                <a:ea typeface="Montserrat ExtraBold"/>
-                <a:cs typeface="Montserrat ExtraBold"/>
-                <a:sym typeface="Montserrat ExtraBold"/>
-              </a:defRPr>
-            </a:lvl1pPr>
-            <a:lvl2pPr marR="0" lvl="1" algn="l" rtl="0">
-              <a:lnSpc>
-                <a:spcPct val="80000"/>
-              </a:lnSpc>
-              <a:spcBef>
-                <a:spcPts val="0"/>
-              </a:spcBef>
-              <a:spcAft>
-                <a:spcPts val="0"/>
-              </a:spcAft>
-              <a:buClr>
-                <a:schemeClr val="accent5"/>
-              </a:buClr>
-              <a:buSzPts val="4200"/>
-              <a:buFont typeface="Montserrat ExtraBold"/>
-              <a:buNone/>
-              <a:defRPr sz="4200" b="0" i="0" u="none" strike="noStrike" cap="none">
-                <a:solidFill>
-                  <a:schemeClr val="accent5"/>
-                </a:solidFill>
-                <a:latin typeface="Montserrat ExtraBold"/>
-                <a:ea typeface="Montserrat ExtraBold"/>
-                <a:cs typeface="Montserrat ExtraBold"/>
-                <a:sym typeface="Montserrat ExtraBold"/>
-              </a:defRPr>
-            </a:lvl2pPr>
-            <a:lvl3pPr marR="0" lvl="2" algn="l" rtl="0">
-              <a:lnSpc>
-                <a:spcPct val="80000"/>
-              </a:lnSpc>
-              <a:spcBef>
-                <a:spcPts val="0"/>
-              </a:spcBef>
-              <a:spcAft>
-                <a:spcPts val="0"/>
-              </a:spcAft>
-              <a:buClr>
-                <a:schemeClr val="accent5"/>
-              </a:buClr>
-              <a:buSzPts val="4200"/>
-              <a:buFont typeface="Montserrat ExtraBold"/>
-              <a:buNone/>
-              <a:defRPr sz="4200" b="0" i="0" u="none" strike="noStrike" cap="none">
-                <a:solidFill>
-                  <a:schemeClr val="accent5"/>
-                </a:solidFill>
-                <a:latin typeface="Montserrat ExtraBold"/>
-                <a:ea typeface="Montserrat ExtraBold"/>
-                <a:cs typeface="Montserrat ExtraBold"/>
-                <a:sym typeface="Montserrat ExtraBold"/>
-              </a:defRPr>
-            </a:lvl3pPr>
-            <a:lvl4pPr marR="0" lvl="3" algn="l" rtl="0">
-              <a:lnSpc>
-                <a:spcPct val="80000"/>
-              </a:lnSpc>
-              <a:spcBef>
-                <a:spcPts val="0"/>
-              </a:spcBef>
-              <a:spcAft>
-                <a:spcPts val="0"/>
-              </a:spcAft>
-              <a:buClr>
-                <a:schemeClr val="accent5"/>
-              </a:buClr>
-              <a:buSzPts val="4200"/>
-              <a:buFont typeface="Montserrat ExtraBold"/>
-              <a:buNone/>
-              <a:defRPr sz="4200" b="0" i="0" u="none" strike="noStrike" cap="none">
-                <a:solidFill>
-                  <a:schemeClr val="accent5"/>
-                </a:solidFill>
-                <a:latin typeface="Montserrat ExtraBold"/>
-                <a:ea typeface="Montserrat ExtraBold"/>
-                <a:cs typeface="Montserrat ExtraBold"/>
-                <a:sym typeface="Montserrat ExtraBold"/>
-              </a:defRPr>
-            </a:lvl4pPr>
-            <a:lvl5pPr marR="0" lvl="4" algn="l" rtl="0">
-              <a:lnSpc>
-                <a:spcPct val="80000"/>
-              </a:lnSpc>
-              <a:spcBef>
-                <a:spcPts val="0"/>
-              </a:spcBef>
-              <a:spcAft>
-                <a:spcPts val="0"/>
-              </a:spcAft>
-              <a:buClr>
-                <a:schemeClr val="accent5"/>
-              </a:buClr>
-              <a:buSzPts val="4200"/>
-              <a:buFont typeface="Montserrat ExtraBold"/>
-              <a:buNone/>
-              <a:defRPr sz="4200" b="0" i="0" u="none" strike="noStrike" cap="none">
-                <a:solidFill>
-                  <a:schemeClr val="accent5"/>
-                </a:solidFill>
-                <a:latin typeface="Montserrat ExtraBold"/>
-                <a:ea typeface="Montserrat ExtraBold"/>
-                <a:cs typeface="Montserrat ExtraBold"/>
-                <a:sym typeface="Montserrat ExtraBold"/>
-              </a:defRPr>
-            </a:lvl5pPr>
-            <a:lvl6pPr marR="0" lvl="5" algn="l" rtl="0">
-              <a:lnSpc>
-                <a:spcPct val="80000"/>
-              </a:lnSpc>
-              <a:spcBef>
-                <a:spcPts val="0"/>
-              </a:spcBef>
-              <a:spcAft>
-                <a:spcPts val="0"/>
-              </a:spcAft>
-              <a:buClr>
-                <a:schemeClr val="accent5"/>
-              </a:buClr>
-              <a:buSzPts val="4200"/>
-              <a:buFont typeface="Montserrat ExtraBold"/>
-              <a:buNone/>
-              <a:defRPr sz="4200" b="0" i="0" u="none" strike="noStrike" cap="none">
-                <a:solidFill>
-                  <a:schemeClr val="accent5"/>
-                </a:solidFill>
-                <a:latin typeface="Montserrat ExtraBold"/>
-                <a:ea typeface="Montserrat ExtraBold"/>
-                <a:cs typeface="Montserrat ExtraBold"/>
-                <a:sym typeface="Montserrat ExtraBold"/>
-              </a:defRPr>
-            </a:lvl6pPr>
-            <a:lvl7pPr marR="0" lvl="6" algn="l" rtl="0">
-              <a:lnSpc>
-                <a:spcPct val="80000"/>
-              </a:lnSpc>
-              <a:spcBef>
-                <a:spcPts val="0"/>
-              </a:spcBef>
-              <a:spcAft>
-                <a:spcPts val="0"/>
-              </a:spcAft>
-              <a:buClr>
-                <a:schemeClr val="accent5"/>
-              </a:buClr>
-              <a:buSzPts val="4200"/>
-              <a:buFont typeface="Montserrat ExtraBold"/>
-              <a:buNone/>
-              <a:defRPr sz="4200" b="0" i="0" u="none" strike="noStrike" cap="none">
-                <a:solidFill>
-                  <a:schemeClr val="accent5"/>
-                </a:solidFill>
-                <a:latin typeface="Montserrat ExtraBold"/>
-                <a:ea typeface="Montserrat ExtraBold"/>
-                <a:cs typeface="Montserrat ExtraBold"/>
-                <a:sym typeface="Montserrat ExtraBold"/>
-              </a:defRPr>
-            </a:lvl7pPr>
-            <a:lvl8pPr marR="0" lvl="7" algn="l" rtl="0">
-              <a:lnSpc>
-                <a:spcPct val="80000"/>
-              </a:lnSpc>
-              <a:spcBef>
-                <a:spcPts val="0"/>
-              </a:spcBef>
-              <a:spcAft>
-                <a:spcPts val="0"/>
-              </a:spcAft>
-              <a:buClr>
-                <a:schemeClr val="accent5"/>
-              </a:buClr>
-              <a:buSzPts val="4200"/>
-              <a:buFont typeface="Montserrat ExtraBold"/>
-              <a:buNone/>
-              <a:defRPr sz="4200" b="0" i="0" u="none" strike="noStrike" cap="none">
-                <a:solidFill>
-                  <a:schemeClr val="accent5"/>
-                </a:solidFill>
-                <a:latin typeface="Montserrat ExtraBold"/>
-                <a:ea typeface="Montserrat ExtraBold"/>
-                <a:cs typeface="Montserrat ExtraBold"/>
-                <a:sym typeface="Montserrat ExtraBold"/>
-              </a:defRPr>
-            </a:lvl8pPr>
-            <a:lvl9pPr marR="0" lvl="8" algn="l" rtl="0">
-              <a:lnSpc>
-                <a:spcPct val="80000"/>
-              </a:lnSpc>
-              <a:spcBef>
-                <a:spcPts val="0"/>
-              </a:spcBef>
-              <a:spcAft>
-                <a:spcPts val="0"/>
-              </a:spcAft>
-              <a:buClr>
-                <a:schemeClr val="accent5"/>
-              </a:buClr>
-              <a:buSzPts val="4200"/>
-              <a:buFont typeface="Montserrat ExtraBold"/>
-              <a:buNone/>
-              <a:defRPr sz="4200" b="0" i="0" u="none" strike="noStrike" cap="none">
-                <a:solidFill>
-                  <a:schemeClr val="accent5"/>
-                </a:solidFill>
-                <a:latin typeface="Montserrat ExtraBold"/>
-                <a:ea typeface="Montserrat ExtraBold"/>
-                <a:cs typeface="Montserrat ExtraBold"/>
-                <a:sym typeface="Montserrat ExtraBold"/>
-              </a:defRPr>
-            </a:lvl9pPr>
-          </a:lstStyle>
-          <a:p>
-            <a:pPr algn="r"/>
-            <a:r>
-              <a:rPr lang="pt-BR" sz="2800" dirty="0"/>
-              <a:t>OBJETIVOS</a:t>
-            </a:r>
-          </a:p>
-        </p:txBody>
-      </p:sp>
-    </p:spTree>
-    <p:extLst>
-      <p:ext uri="{BB962C8B-B14F-4D97-AF65-F5344CB8AC3E}">
-        <p14:creationId xmlns:p14="http://schemas.microsoft.com/office/powerpoint/2010/main" val="601683217"/>
-      </p:ext>
-    </p:extLst>
-  </p:cSld>
-  <p:clrMapOvr>
-    <a:masterClrMapping/>
-  </p:clrMapOvr>
-</p:sld>
-</file>
-
-<file path=ppt/slides/slide4.xml><?xml version="1.0" encoding="utf-8"?>
-<p:sld xmlns:a="http://schemas.openxmlformats.org/drawingml/2006/main" xmlns:r="http://schemas.openxmlformats.org/officeDocument/2006/relationships" xmlns:p="http://schemas.openxmlformats.org/presentationml/2006/main">
-  <p:cSld>
-    <p:spTree>
-      <p:nvGrpSpPr>
-        <p:cNvPr id="1" name="Shape 213">
-          <a:extLst>
-            <a:ext uri="{FF2B5EF4-FFF2-40B4-BE49-F238E27FC236}">
-              <a16:creationId xmlns:a16="http://schemas.microsoft.com/office/drawing/2014/main" id="{1A7EB688-2BF6-5DDB-AB63-DC136B4CF8F8}"/>
-            </a:ext>
-          </a:extLst>
-        </p:cNvPr>
-        <p:cNvGrpSpPr/>
-        <p:nvPr/>
-      </p:nvGrpSpPr>
-      <p:grpSpPr>
-        <a:xfrm>
-          <a:off x="0" y="0"/>
-          <a:ext cx="0" cy="0"/>
-          <a:chOff x="0" y="0"/>
-          <a:chExt cx="0" cy="0"/>
-        </a:xfrm>
-      </p:grpSpPr>
-      <p:sp>
-        <p:nvSpPr>
-          <p:cNvPr id="214" name="Google Shape;214;p28">
-            <a:extLst>
-              <a:ext uri="{FF2B5EF4-FFF2-40B4-BE49-F238E27FC236}">
-                <a16:creationId xmlns:a16="http://schemas.microsoft.com/office/drawing/2014/main" id="{49EF79F3-1844-CBF7-23A8-6CD495C1F7D4}"/>
-              </a:ext>
-            </a:extLst>
-          </p:cNvPr>
-          <p:cNvSpPr txBox="1">
-            <a:spLocks noGrp="1"/>
-          </p:cNvSpPr>
-          <p:nvPr>
-            <p:ph type="subTitle" idx="1"/>
-          </p:nvPr>
-        </p:nvSpPr>
-        <p:spPr>
-          <a:xfrm>
-            <a:off x="756138" y="996839"/>
-            <a:ext cx="7753878" cy="3249846"/>
-          </a:xfrm>
-          <a:prstGeom prst="rect">
-            <a:avLst/>
-          </a:prstGeom>
-        </p:spPr>
-        <p:txBody>
-          <a:bodyPr spcFirstLastPara="1" wrap="square" lIns="91425" tIns="91425" rIns="91425" bIns="91425" anchor="ctr" anchorCtr="0">
-            <a:noAutofit/>
-          </a:bodyPr>
-          <a:lstStyle/>
-          <a:p>
-            <a:pPr marL="0" lvl="0" indent="0" algn="just" rtl="0">
-              <a:spcBef>
-                <a:spcPts val="0"/>
-              </a:spcBef>
-              <a:spcAft>
-                <a:spcPts val="0"/>
-              </a:spcAft>
-              <a:buNone/>
-            </a:pPr>
-            <a:r>
-              <a:rPr lang="pt-BR" sz="1800" dirty="0">
-                <a:solidFill>
-                  <a:schemeClr val="tx1"/>
-                </a:solidFill>
-                <a:effectLst/>
-                <a:latin typeface="Calibri" panose="020F0502020204030204" pitchFamily="34" charset="0"/>
-                <a:ea typeface="Calibri" panose="020F0502020204030204" pitchFamily="34" charset="0"/>
-                <a:cs typeface="Times New Roman" panose="02020603050405020304" pitchFamily="18" charset="0"/>
-              </a:rPr>
-              <a:t>O ReuniON visa melhorar o agendamento e a utilização de salas em empresas e organizações. A falta de um sistema eficaz resulta em desorganização, uso ineficiente dos recursos e conflitos de agenda. A solução é um sistema intuitivo que permite agendamentos rápidos e fornece informações sobre o uso dos espaços</a:t>
-            </a:r>
-            <a:endParaRPr lang="pt-BR" sz="1500" dirty="0">
-              <a:solidFill>
-                <a:schemeClr val="tx1"/>
-              </a:solidFill>
-            </a:endParaRPr>
-          </a:p>
-        </p:txBody>
-      </p:sp>
-      <p:sp>
-        <p:nvSpPr>
-          <p:cNvPr id="4" name="Google Shape;319;p33">
-            <a:extLst>
-              <a:ext uri="{FF2B5EF4-FFF2-40B4-BE49-F238E27FC236}">
-                <a16:creationId xmlns:a16="http://schemas.microsoft.com/office/drawing/2014/main" id="{C69AC9DB-5B77-A68A-8B09-9522F3200121}"/>
-              </a:ext>
-            </a:extLst>
-          </p:cNvPr>
-          <p:cNvSpPr/>
-          <p:nvPr/>
-        </p:nvSpPr>
-        <p:spPr>
-          <a:xfrm>
-            <a:off x="1000" y="185375"/>
-            <a:ext cx="3428400" cy="239700"/>
-          </a:xfrm>
-          <a:prstGeom prst="rect">
-            <a:avLst/>
-          </a:prstGeom>
-          <a:solidFill>
-            <a:schemeClr val="lt2"/>
-          </a:solidFill>
-          <a:ln>
-            <a:noFill/>
-          </a:ln>
-        </p:spPr>
-        <p:txBody>
-          <a:bodyPr spcFirstLastPara="1" wrap="square" lIns="91425" tIns="91425" rIns="91425" bIns="91425" anchor="ctr" anchorCtr="0">
-            <a:noAutofit/>
-          </a:bodyPr>
-          <a:lstStyle/>
-          <a:p>
-            <a:pPr marL="0" lvl="0" indent="0" algn="l" rtl="0">
-              <a:spcBef>
-                <a:spcPts val="0"/>
-              </a:spcBef>
-              <a:spcAft>
-                <a:spcPts val="0"/>
-              </a:spcAft>
-              <a:buNone/>
-            </a:pPr>
-            <a:endParaRPr/>
-          </a:p>
-        </p:txBody>
-      </p:sp>
-      <p:sp>
-        <p:nvSpPr>
-          <p:cNvPr id="6" name="Google Shape;322;p33">
-            <a:extLst>
-              <a:ext uri="{FF2B5EF4-FFF2-40B4-BE49-F238E27FC236}">
-                <a16:creationId xmlns:a16="http://schemas.microsoft.com/office/drawing/2014/main" id="{AFE6F7E9-6797-9C51-A67E-D1EC0DC5DCC1}"/>
-              </a:ext>
-            </a:extLst>
-          </p:cNvPr>
-          <p:cNvSpPr txBox="1">
-            <a:spLocks/>
-          </p:cNvSpPr>
-          <p:nvPr/>
-        </p:nvSpPr>
-        <p:spPr>
-          <a:xfrm>
-            <a:off x="139700" y="533550"/>
-            <a:ext cx="3289700" cy="531900"/>
-          </a:xfrm>
-          <a:prstGeom prst="rect">
-            <a:avLst/>
-          </a:prstGeom>
-          <a:noFill/>
-          <a:ln>
-            <a:noFill/>
-          </a:ln>
-        </p:spPr>
-        <p:txBody>
-          <a:bodyPr spcFirstLastPara="1" wrap="square" lIns="0" tIns="0" rIns="0" bIns="0" anchor="t" anchorCtr="0">
-            <a:noAutofit/>
-          </a:bodyPr>
-          <a:lstStyle>
-            <a:defPPr marR="0" lvl="0" algn="l" rtl="0">
-              <a:lnSpc>
-                <a:spcPct val="100000"/>
-              </a:lnSpc>
-              <a:spcBef>
-                <a:spcPts val="0"/>
-              </a:spcBef>
-              <a:spcAft>
-                <a:spcPts val="0"/>
-              </a:spcAft>
-            </a:defPPr>
-            <a:lvl1pPr marR="0" lvl="0" algn="l" rtl="0">
-              <a:lnSpc>
-                <a:spcPct val="80000"/>
-              </a:lnSpc>
-              <a:spcBef>
-                <a:spcPts val="0"/>
-              </a:spcBef>
-              <a:spcAft>
-                <a:spcPts val="0"/>
-              </a:spcAft>
-              <a:buClr>
-                <a:schemeClr val="accent5"/>
-              </a:buClr>
-              <a:buSzPts val="4200"/>
-              <a:buFont typeface="Montserrat ExtraBold"/>
-              <a:buNone/>
-              <a:defRPr sz="6000" b="0" i="0" u="none" strike="noStrike" cap="none">
-                <a:solidFill>
-                  <a:schemeClr val="dk2"/>
-                </a:solidFill>
-                <a:latin typeface="Montserrat ExtraBold"/>
-                <a:ea typeface="Montserrat ExtraBold"/>
-                <a:cs typeface="Montserrat ExtraBold"/>
-                <a:sym typeface="Montserrat ExtraBold"/>
-              </a:defRPr>
-            </a:lvl1pPr>
-            <a:lvl2pPr marR="0" lvl="1" algn="l" rtl="0">
-              <a:lnSpc>
-                <a:spcPct val="80000"/>
-              </a:lnSpc>
-              <a:spcBef>
-                <a:spcPts val="0"/>
-              </a:spcBef>
-              <a:spcAft>
-                <a:spcPts val="0"/>
-              </a:spcAft>
-              <a:buClr>
-                <a:schemeClr val="accent5"/>
-              </a:buClr>
-              <a:buSzPts val="4200"/>
-              <a:buFont typeface="Montserrat ExtraBold"/>
-              <a:buNone/>
-              <a:defRPr sz="4200" b="0" i="0" u="none" strike="noStrike" cap="none">
-                <a:solidFill>
-                  <a:schemeClr val="accent5"/>
-                </a:solidFill>
-                <a:latin typeface="Montserrat ExtraBold"/>
-                <a:ea typeface="Montserrat ExtraBold"/>
-                <a:cs typeface="Montserrat ExtraBold"/>
-                <a:sym typeface="Montserrat ExtraBold"/>
-              </a:defRPr>
-            </a:lvl2pPr>
-            <a:lvl3pPr marR="0" lvl="2" algn="l" rtl="0">
-              <a:lnSpc>
-                <a:spcPct val="80000"/>
-              </a:lnSpc>
-              <a:spcBef>
-                <a:spcPts val="0"/>
-              </a:spcBef>
-              <a:spcAft>
-                <a:spcPts val="0"/>
-              </a:spcAft>
-              <a:buClr>
-                <a:schemeClr val="accent5"/>
-              </a:buClr>
-              <a:buSzPts val="4200"/>
-              <a:buFont typeface="Montserrat ExtraBold"/>
-              <a:buNone/>
-              <a:defRPr sz="4200" b="0" i="0" u="none" strike="noStrike" cap="none">
-                <a:solidFill>
-                  <a:schemeClr val="accent5"/>
-                </a:solidFill>
-                <a:latin typeface="Montserrat ExtraBold"/>
-                <a:ea typeface="Montserrat ExtraBold"/>
-                <a:cs typeface="Montserrat ExtraBold"/>
-                <a:sym typeface="Montserrat ExtraBold"/>
-              </a:defRPr>
-            </a:lvl3pPr>
-            <a:lvl4pPr marR="0" lvl="3" algn="l" rtl="0">
-              <a:lnSpc>
-                <a:spcPct val="80000"/>
-              </a:lnSpc>
-              <a:spcBef>
-                <a:spcPts val="0"/>
-              </a:spcBef>
-              <a:spcAft>
-                <a:spcPts val="0"/>
-              </a:spcAft>
-              <a:buClr>
-                <a:schemeClr val="accent5"/>
-              </a:buClr>
-              <a:buSzPts val="4200"/>
-              <a:buFont typeface="Montserrat ExtraBold"/>
-              <a:buNone/>
-              <a:defRPr sz="4200" b="0" i="0" u="none" strike="noStrike" cap="none">
-                <a:solidFill>
-                  <a:schemeClr val="accent5"/>
-                </a:solidFill>
-                <a:latin typeface="Montserrat ExtraBold"/>
-                <a:ea typeface="Montserrat ExtraBold"/>
-                <a:cs typeface="Montserrat ExtraBold"/>
-                <a:sym typeface="Montserrat ExtraBold"/>
-              </a:defRPr>
-            </a:lvl4pPr>
-            <a:lvl5pPr marR="0" lvl="4" algn="l" rtl="0">
-              <a:lnSpc>
-                <a:spcPct val="80000"/>
-              </a:lnSpc>
-              <a:spcBef>
-                <a:spcPts val="0"/>
-              </a:spcBef>
-              <a:spcAft>
-                <a:spcPts val="0"/>
-              </a:spcAft>
-              <a:buClr>
-                <a:schemeClr val="accent5"/>
-              </a:buClr>
-              <a:buSzPts val="4200"/>
-              <a:buFont typeface="Montserrat ExtraBold"/>
-              <a:buNone/>
-              <a:defRPr sz="4200" b="0" i="0" u="none" strike="noStrike" cap="none">
-                <a:solidFill>
-                  <a:schemeClr val="accent5"/>
-                </a:solidFill>
-                <a:latin typeface="Montserrat ExtraBold"/>
-                <a:ea typeface="Montserrat ExtraBold"/>
-                <a:cs typeface="Montserrat ExtraBold"/>
-                <a:sym typeface="Montserrat ExtraBold"/>
-              </a:defRPr>
-            </a:lvl5pPr>
-            <a:lvl6pPr marR="0" lvl="5" algn="l" rtl="0">
-              <a:lnSpc>
-                <a:spcPct val="80000"/>
-              </a:lnSpc>
-              <a:spcBef>
-                <a:spcPts val="0"/>
-              </a:spcBef>
-              <a:spcAft>
-                <a:spcPts val="0"/>
-              </a:spcAft>
-              <a:buClr>
-                <a:schemeClr val="accent5"/>
-              </a:buClr>
-              <a:buSzPts val="4200"/>
-              <a:buFont typeface="Montserrat ExtraBold"/>
-              <a:buNone/>
-              <a:defRPr sz="4200" b="0" i="0" u="none" strike="noStrike" cap="none">
-                <a:solidFill>
-                  <a:schemeClr val="accent5"/>
-                </a:solidFill>
-                <a:latin typeface="Montserrat ExtraBold"/>
-                <a:ea typeface="Montserrat ExtraBold"/>
-                <a:cs typeface="Montserrat ExtraBold"/>
-                <a:sym typeface="Montserrat ExtraBold"/>
-              </a:defRPr>
-            </a:lvl6pPr>
-            <a:lvl7pPr marR="0" lvl="6" algn="l" rtl="0">
-              <a:lnSpc>
-                <a:spcPct val="80000"/>
-              </a:lnSpc>
-              <a:spcBef>
-                <a:spcPts val="0"/>
-              </a:spcBef>
-              <a:spcAft>
-                <a:spcPts val="0"/>
-              </a:spcAft>
-              <a:buClr>
-                <a:schemeClr val="accent5"/>
-              </a:buClr>
-              <a:buSzPts val="4200"/>
-              <a:buFont typeface="Montserrat ExtraBold"/>
-              <a:buNone/>
-              <a:defRPr sz="4200" b="0" i="0" u="none" strike="noStrike" cap="none">
-                <a:solidFill>
-                  <a:schemeClr val="accent5"/>
-                </a:solidFill>
-                <a:latin typeface="Montserrat ExtraBold"/>
-                <a:ea typeface="Montserrat ExtraBold"/>
-                <a:cs typeface="Montserrat ExtraBold"/>
-                <a:sym typeface="Montserrat ExtraBold"/>
-              </a:defRPr>
-            </a:lvl7pPr>
-            <a:lvl8pPr marR="0" lvl="7" algn="l" rtl="0">
-              <a:lnSpc>
-                <a:spcPct val="80000"/>
-              </a:lnSpc>
-              <a:spcBef>
-                <a:spcPts val="0"/>
-              </a:spcBef>
-              <a:spcAft>
-                <a:spcPts val="0"/>
-              </a:spcAft>
-              <a:buClr>
-                <a:schemeClr val="accent5"/>
-              </a:buClr>
-              <a:buSzPts val="4200"/>
-              <a:buFont typeface="Montserrat ExtraBold"/>
-              <a:buNone/>
-              <a:defRPr sz="4200" b="0" i="0" u="none" strike="noStrike" cap="none">
-                <a:solidFill>
-                  <a:schemeClr val="accent5"/>
-                </a:solidFill>
-                <a:latin typeface="Montserrat ExtraBold"/>
-                <a:ea typeface="Montserrat ExtraBold"/>
-                <a:cs typeface="Montserrat ExtraBold"/>
-                <a:sym typeface="Montserrat ExtraBold"/>
-              </a:defRPr>
-            </a:lvl8pPr>
-            <a:lvl9pPr marR="0" lvl="8" algn="l" rtl="0">
-              <a:lnSpc>
-                <a:spcPct val="80000"/>
-              </a:lnSpc>
-              <a:spcBef>
-                <a:spcPts val="0"/>
-              </a:spcBef>
-              <a:spcAft>
-                <a:spcPts val="0"/>
-              </a:spcAft>
-              <a:buClr>
-                <a:schemeClr val="accent5"/>
-              </a:buClr>
-              <a:buSzPts val="4200"/>
-              <a:buFont typeface="Montserrat ExtraBold"/>
-              <a:buNone/>
-              <a:defRPr sz="4200" b="0" i="0" u="none" strike="noStrike" cap="none">
-                <a:solidFill>
-                  <a:schemeClr val="accent5"/>
-                </a:solidFill>
-                <a:latin typeface="Montserrat ExtraBold"/>
-                <a:ea typeface="Montserrat ExtraBold"/>
-                <a:cs typeface="Montserrat ExtraBold"/>
-                <a:sym typeface="Montserrat ExtraBold"/>
-              </a:defRPr>
-            </a:lvl9pPr>
-          </a:lstStyle>
-          <a:p>
-            <a:pPr algn="r"/>
-            <a:r>
-              <a:rPr lang="pt-BR" sz="2800" dirty="0"/>
-              <a:t>O SISTEMA</a:t>
-            </a:r>
-          </a:p>
-        </p:txBody>
-      </p:sp>
-    </p:spTree>
-    <p:extLst>
-      <p:ext uri="{BB962C8B-B14F-4D97-AF65-F5344CB8AC3E}">
-        <p14:creationId xmlns:p14="http://schemas.microsoft.com/office/powerpoint/2010/main" val="3597373067"/>
-      </p:ext>
-    </p:extLst>
-  </p:cSld>
-  <p:clrMapOvr>
-    <a:masterClrMapping/>
-  </p:clrMapOvr>
-</p:sld>
-</file>
-
-<file path=ppt/slides/slide5.xml><?xml version="1.0" encoding="utf-8"?>
-<p:sld xmlns:a="http://schemas.openxmlformats.org/drawingml/2006/main" xmlns:r="http://schemas.openxmlformats.org/officeDocument/2006/relationships" xmlns:p="http://schemas.openxmlformats.org/presentationml/2006/main">
-  <p:cSld>
-    <p:spTree>
-      <p:nvGrpSpPr>
-        <p:cNvPr id="1" name="Shape 213">
-          <a:extLst>
-            <a:ext uri="{FF2B5EF4-FFF2-40B4-BE49-F238E27FC236}">
-              <a16:creationId xmlns:a16="http://schemas.microsoft.com/office/drawing/2014/main" id="{AB0BE800-6931-F082-D7BE-E17B5317389B}"/>
-            </a:ext>
-          </a:extLst>
-        </p:cNvPr>
-        <p:cNvGrpSpPr/>
-        <p:nvPr/>
-      </p:nvGrpSpPr>
-      <p:grpSpPr>
-        <a:xfrm>
-          <a:off x="0" y="0"/>
-          <a:ext cx="0" cy="0"/>
-          <a:chOff x="0" y="0"/>
-          <a:chExt cx="0" cy="0"/>
-        </a:xfrm>
-      </p:grpSpPr>
-      <p:sp>
-        <p:nvSpPr>
-          <p:cNvPr id="214" name="Google Shape;214;p28">
-            <a:extLst>
-              <a:ext uri="{FF2B5EF4-FFF2-40B4-BE49-F238E27FC236}">
-                <a16:creationId xmlns:a16="http://schemas.microsoft.com/office/drawing/2014/main" id="{9909DDC7-5F76-0B8E-67F2-861C28ED62E7}"/>
-              </a:ext>
-            </a:extLst>
-          </p:cNvPr>
-          <p:cNvSpPr txBox="1">
-            <a:spLocks noGrp="1"/>
-          </p:cNvSpPr>
-          <p:nvPr>
-            <p:ph type="subTitle" idx="1"/>
-          </p:nvPr>
-        </p:nvSpPr>
-        <p:spPr>
-          <a:xfrm>
-            <a:off x="756138" y="996839"/>
-            <a:ext cx="7753878" cy="3249846"/>
-          </a:xfrm>
-          <a:prstGeom prst="rect">
-            <a:avLst/>
-          </a:prstGeom>
-        </p:spPr>
-        <p:txBody>
-          <a:bodyPr spcFirstLastPara="1" wrap="square" lIns="91425" tIns="91425" rIns="91425" bIns="91425" anchor="ctr" anchorCtr="0">
-            <a:noAutofit/>
-          </a:bodyPr>
-          <a:lstStyle/>
-          <a:p>
-            <a:pPr marL="0" lvl="0" indent="0" algn="just" rtl="0">
-              <a:spcBef>
-                <a:spcPts val="0"/>
-              </a:spcBef>
-              <a:spcAft>
-                <a:spcPts val="0"/>
-              </a:spcAft>
-              <a:buNone/>
-            </a:pPr>
-            <a:r>
-              <a:rPr lang="pt-BR" sz="1800" dirty="0">
-                <a:solidFill>
-                  <a:schemeClr val="tx1"/>
-                </a:solidFill>
-                <a:effectLst/>
-                <a:latin typeface="Calibri" panose="020F0502020204030204" pitchFamily="34" charset="0"/>
-                <a:ea typeface="Calibri" panose="020F0502020204030204" pitchFamily="34" charset="0"/>
-                <a:cs typeface="Times New Roman" panose="02020603050405020304" pitchFamily="18" charset="0"/>
-              </a:rPr>
-              <a:t>Existem dois tipos de usuários: o usuário geral, que pode gerenciar suas próprias reserva e alterar sua senha, e o administrador, que além dessas funções, pode gerenciar salas e usuários, e visualizar todas as reservas. O sistema é adequado para qualquer organização com salas de reunião</a:t>
-            </a:r>
-            <a:endParaRPr lang="pt-BR" sz="1500" dirty="0">
-              <a:solidFill>
-                <a:schemeClr val="tx1"/>
-              </a:solidFill>
-            </a:endParaRPr>
-          </a:p>
-        </p:txBody>
-      </p:sp>
-      <p:sp>
-        <p:nvSpPr>
-          <p:cNvPr id="4" name="Google Shape;319;p33">
-            <a:extLst>
-              <a:ext uri="{FF2B5EF4-FFF2-40B4-BE49-F238E27FC236}">
-                <a16:creationId xmlns:a16="http://schemas.microsoft.com/office/drawing/2014/main" id="{84F0321C-E87B-FFB8-D13D-B11C49FA360C}"/>
-              </a:ext>
-            </a:extLst>
-          </p:cNvPr>
-          <p:cNvSpPr/>
-          <p:nvPr/>
-        </p:nvSpPr>
-        <p:spPr>
-          <a:xfrm>
-            <a:off x="1000" y="185375"/>
-            <a:ext cx="3428400" cy="239700"/>
-          </a:xfrm>
-          <a:prstGeom prst="rect">
-            <a:avLst/>
-          </a:prstGeom>
-          <a:solidFill>
-            <a:schemeClr val="lt2"/>
-          </a:solidFill>
-          <a:ln>
-            <a:noFill/>
-          </a:ln>
-        </p:spPr>
-        <p:txBody>
-          <a:bodyPr spcFirstLastPara="1" wrap="square" lIns="91425" tIns="91425" rIns="91425" bIns="91425" anchor="ctr" anchorCtr="0">
-            <a:noAutofit/>
-          </a:bodyPr>
-          <a:lstStyle/>
-          <a:p>
-            <a:pPr marL="0" lvl="0" indent="0" algn="l" rtl="0">
-              <a:spcBef>
-                <a:spcPts val="0"/>
-              </a:spcBef>
-              <a:spcAft>
-                <a:spcPts val="0"/>
-              </a:spcAft>
-              <a:buNone/>
-            </a:pPr>
-            <a:endParaRPr/>
-          </a:p>
-        </p:txBody>
-      </p:sp>
-      <p:sp>
-        <p:nvSpPr>
-          <p:cNvPr id="6" name="Google Shape;322;p33">
-            <a:extLst>
-              <a:ext uri="{FF2B5EF4-FFF2-40B4-BE49-F238E27FC236}">
-                <a16:creationId xmlns:a16="http://schemas.microsoft.com/office/drawing/2014/main" id="{AB61F294-0878-9A8A-2C6C-729477FA63D6}"/>
-              </a:ext>
-            </a:extLst>
-          </p:cNvPr>
-          <p:cNvSpPr txBox="1">
-            <a:spLocks/>
-          </p:cNvSpPr>
-          <p:nvPr/>
-        </p:nvSpPr>
-        <p:spPr>
-          <a:xfrm>
-            <a:off x="139700" y="533550"/>
-            <a:ext cx="3289700" cy="531900"/>
-          </a:xfrm>
-          <a:prstGeom prst="rect">
-            <a:avLst/>
-          </a:prstGeom>
-          <a:noFill/>
-          <a:ln>
-            <a:noFill/>
-          </a:ln>
-        </p:spPr>
-        <p:txBody>
-          <a:bodyPr spcFirstLastPara="1" wrap="square" lIns="0" tIns="0" rIns="0" bIns="0" anchor="t" anchorCtr="0">
-            <a:noAutofit/>
-          </a:bodyPr>
-          <a:lstStyle>
-            <a:defPPr marR="0" lvl="0" algn="l" rtl="0">
-              <a:lnSpc>
-                <a:spcPct val="100000"/>
-              </a:lnSpc>
-              <a:spcBef>
-                <a:spcPts val="0"/>
-              </a:spcBef>
-              <a:spcAft>
-                <a:spcPts val="0"/>
-              </a:spcAft>
-            </a:defPPr>
-            <a:lvl1pPr marR="0" lvl="0" algn="l" rtl="0">
-              <a:lnSpc>
-                <a:spcPct val="80000"/>
-              </a:lnSpc>
-              <a:spcBef>
-                <a:spcPts val="0"/>
-              </a:spcBef>
-              <a:spcAft>
-                <a:spcPts val="0"/>
-              </a:spcAft>
-              <a:buClr>
-                <a:schemeClr val="accent5"/>
-              </a:buClr>
-              <a:buSzPts val="4200"/>
-              <a:buFont typeface="Montserrat ExtraBold"/>
-              <a:buNone/>
-              <a:defRPr sz="6000" b="0" i="0" u="none" strike="noStrike" cap="none">
-                <a:solidFill>
-                  <a:schemeClr val="dk2"/>
-                </a:solidFill>
-                <a:latin typeface="Montserrat ExtraBold"/>
-                <a:ea typeface="Montserrat ExtraBold"/>
-                <a:cs typeface="Montserrat ExtraBold"/>
-                <a:sym typeface="Montserrat ExtraBold"/>
-              </a:defRPr>
-            </a:lvl1pPr>
-            <a:lvl2pPr marR="0" lvl="1" algn="l" rtl="0">
-              <a:lnSpc>
-                <a:spcPct val="80000"/>
-              </a:lnSpc>
-              <a:spcBef>
-                <a:spcPts val="0"/>
-              </a:spcBef>
-              <a:spcAft>
-                <a:spcPts val="0"/>
-              </a:spcAft>
-              <a:buClr>
-                <a:schemeClr val="accent5"/>
-              </a:buClr>
-              <a:buSzPts val="4200"/>
-              <a:buFont typeface="Montserrat ExtraBold"/>
-              <a:buNone/>
-              <a:defRPr sz="4200" b="0" i="0" u="none" strike="noStrike" cap="none">
-                <a:solidFill>
-                  <a:schemeClr val="accent5"/>
-                </a:solidFill>
-                <a:latin typeface="Montserrat ExtraBold"/>
-                <a:ea typeface="Montserrat ExtraBold"/>
-                <a:cs typeface="Montserrat ExtraBold"/>
-                <a:sym typeface="Montserrat ExtraBold"/>
-              </a:defRPr>
-            </a:lvl2pPr>
-            <a:lvl3pPr marR="0" lvl="2" algn="l" rtl="0">
-              <a:lnSpc>
-                <a:spcPct val="80000"/>
-              </a:lnSpc>
-              <a:spcBef>
-                <a:spcPts val="0"/>
-              </a:spcBef>
-              <a:spcAft>
-                <a:spcPts val="0"/>
-              </a:spcAft>
-              <a:buClr>
-                <a:schemeClr val="accent5"/>
-              </a:buClr>
-              <a:buSzPts val="4200"/>
-              <a:buFont typeface="Montserrat ExtraBold"/>
-              <a:buNone/>
-              <a:defRPr sz="4200" b="0" i="0" u="none" strike="noStrike" cap="none">
-                <a:solidFill>
-                  <a:schemeClr val="accent5"/>
-                </a:solidFill>
-                <a:latin typeface="Montserrat ExtraBold"/>
-                <a:ea typeface="Montserrat ExtraBold"/>
-                <a:cs typeface="Montserrat ExtraBold"/>
-                <a:sym typeface="Montserrat ExtraBold"/>
-              </a:defRPr>
-            </a:lvl3pPr>
-            <a:lvl4pPr marR="0" lvl="3" algn="l" rtl="0">
-              <a:lnSpc>
-                <a:spcPct val="80000"/>
-              </a:lnSpc>
-              <a:spcBef>
-                <a:spcPts val="0"/>
-              </a:spcBef>
-              <a:spcAft>
-                <a:spcPts val="0"/>
-              </a:spcAft>
-              <a:buClr>
-                <a:schemeClr val="accent5"/>
-              </a:buClr>
-              <a:buSzPts val="4200"/>
-              <a:buFont typeface="Montserrat ExtraBold"/>
-              <a:buNone/>
-              <a:defRPr sz="4200" b="0" i="0" u="none" strike="noStrike" cap="none">
-                <a:solidFill>
-                  <a:schemeClr val="accent5"/>
-                </a:solidFill>
-                <a:latin typeface="Montserrat ExtraBold"/>
-                <a:ea typeface="Montserrat ExtraBold"/>
-                <a:cs typeface="Montserrat ExtraBold"/>
-                <a:sym typeface="Montserrat ExtraBold"/>
-              </a:defRPr>
-            </a:lvl4pPr>
-            <a:lvl5pPr marR="0" lvl="4" algn="l" rtl="0">
-              <a:lnSpc>
-                <a:spcPct val="80000"/>
-              </a:lnSpc>
-              <a:spcBef>
-                <a:spcPts val="0"/>
-              </a:spcBef>
-              <a:spcAft>
-                <a:spcPts val="0"/>
-              </a:spcAft>
-              <a:buClr>
-                <a:schemeClr val="accent5"/>
-              </a:buClr>
-              <a:buSzPts val="4200"/>
-              <a:buFont typeface="Montserrat ExtraBold"/>
-              <a:buNone/>
-              <a:defRPr sz="4200" b="0" i="0" u="none" strike="noStrike" cap="none">
-                <a:solidFill>
-                  <a:schemeClr val="accent5"/>
-                </a:solidFill>
-                <a:latin typeface="Montserrat ExtraBold"/>
-                <a:ea typeface="Montserrat ExtraBold"/>
-                <a:cs typeface="Montserrat ExtraBold"/>
-                <a:sym typeface="Montserrat ExtraBold"/>
-              </a:defRPr>
-            </a:lvl5pPr>
-            <a:lvl6pPr marR="0" lvl="5" algn="l" rtl="0">
-              <a:lnSpc>
-                <a:spcPct val="80000"/>
-              </a:lnSpc>
-              <a:spcBef>
-                <a:spcPts val="0"/>
-              </a:spcBef>
-              <a:spcAft>
-                <a:spcPts val="0"/>
-              </a:spcAft>
-              <a:buClr>
-                <a:schemeClr val="accent5"/>
-              </a:buClr>
-              <a:buSzPts val="4200"/>
-              <a:buFont typeface="Montserrat ExtraBold"/>
-              <a:buNone/>
-              <a:defRPr sz="4200" b="0" i="0" u="none" strike="noStrike" cap="none">
-                <a:solidFill>
-                  <a:schemeClr val="accent5"/>
-                </a:solidFill>
-                <a:latin typeface="Montserrat ExtraBold"/>
-                <a:ea typeface="Montserrat ExtraBold"/>
-                <a:cs typeface="Montserrat ExtraBold"/>
-                <a:sym typeface="Montserrat ExtraBold"/>
-              </a:defRPr>
-            </a:lvl6pPr>
-            <a:lvl7pPr marR="0" lvl="6" algn="l" rtl="0">
-              <a:lnSpc>
-                <a:spcPct val="80000"/>
-              </a:lnSpc>
-              <a:spcBef>
-                <a:spcPts val="0"/>
-              </a:spcBef>
-              <a:spcAft>
-                <a:spcPts val="0"/>
-              </a:spcAft>
-              <a:buClr>
-                <a:schemeClr val="accent5"/>
-              </a:buClr>
-              <a:buSzPts val="4200"/>
-              <a:buFont typeface="Montserrat ExtraBold"/>
-              <a:buNone/>
-              <a:defRPr sz="4200" b="0" i="0" u="none" strike="noStrike" cap="none">
-                <a:solidFill>
-                  <a:schemeClr val="accent5"/>
-                </a:solidFill>
-                <a:latin typeface="Montserrat ExtraBold"/>
-                <a:ea typeface="Montserrat ExtraBold"/>
-                <a:cs typeface="Montserrat ExtraBold"/>
-                <a:sym typeface="Montserrat ExtraBold"/>
-              </a:defRPr>
-            </a:lvl7pPr>
-            <a:lvl8pPr marR="0" lvl="7" algn="l" rtl="0">
-              <a:lnSpc>
-                <a:spcPct val="80000"/>
-              </a:lnSpc>
-              <a:spcBef>
-                <a:spcPts val="0"/>
-              </a:spcBef>
-              <a:spcAft>
-                <a:spcPts val="0"/>
-              </a:spcAft>
-              <a:buClr>
-                <a:schemeClr val="accent5"/>
-              </a:buClr>
-              <a:buSzPts val="4200"/>
-              <a:buFont typeface="Montserrat ExtraBold"/>
-              <a:buNone/>
-              <a:defRPr sz="4200" b="0" i="0" u="none" strike="noStrike" cap="none">
-                <a:solidFill>
-                  <a:schemeClr val="accent5"/>
-                </a:solidFill>
-                <a:latin typeface="Montserrat ExtraBold"/>
-                <a:ea typeface="Montserrat ExtraBold"/>
-                <a:cs typeface="Montserrat ExtraBold"/>
-                <a:sym typeface="Montserrat ExtraBold"/>
-              </a:defRPr>
-            </a:lvl8pPr>
-            <a:lvl9pPr marR="0" lvl="8" algn="l" rtl="0">
-              <a:lnSpc>
-                <a:spcPct val="80000"/>
-              </a:lnSpc>
-              <a:spcBef>
-                <a:spcPts val="0"/>
-              </a:spcBef>
-              <a:spcAft>
-                <a:spcPts val="0"/>
-              </a:spcAft>
-              <a:buClr>
-                <a:schemeClr val="accent5"/>
-              </a:buClr>
-              <a:buSzPts val="4200"/>
-              <a:buFont typeface="Montserrat ExtraBold"/>
-              <a:buNone/>
-              <a:defRPr sz="4200" b="0" i="0" u="none" strike="noStrike" cap="none">
-                <a:solidFill>
-                  <a:schemeClr val="accent5"/>
-                </a:solidFill>
-                <a:latin typeface="Montserrat ExtraBold"/>
-                <a:ea typeface="Montserrat ExtraBold"/>
-                <a:cs typeface="Montserrat ExtraBold"/>
-                <a:sym typeface="Montserrat ExtraBold"/>
-              </a:defRPr>
-            </a:lvl9pPr>
-          </a:lstStyle>
-          <a:p>
-            <a:pPr algn="r"/>
-            <a:r>
-              <a:rPr lang="pt-BR" sz="2800" dirty="0"/>
-              <a:t>USUÁRIOS</a:t>
-            </a:r>
-          </a:p>
-          <a:p>
-            <a:pPr algn="r"/>
-            <a:r>
-              <a:rPr lang="pt-BR" sz="2800" dirty="0"/>
-              <a:t>DO SISTEMA</a:t>
-            </a:r>
-          </a:p>
-        </p:txBody>
-      </p:sp>
-    </p:spTree>
-    <p:extLst>
-      <p:ext uri="{BB962C8B-B14F-4D97-AF65-F5344CB8AC3E}">
-        <p14:creationId xmlns:p14="http://schemas.microsoft.com/office/powerpoint/2010/main" val="3418097033"/>
-      </p:ext>
-    </p:extLst>
-  </p:cSld>
-  <p:clrMapOvr>
-    <a:masterClrMapping/>
-  </p:clrMapOvr>
-</p:sld>
-</file>
-
-<file path=ppt/slides/slide6.xml><?xml version="1.0" encoding="utf-8"?>
-<p:sld xmlns:a="http://schemas.openxmlformats.org/drawingml/2006/main" xmlns:r="http://schemas.openxmlformats.org/officeDocument/2006/relationships" xmlns:p="http://schemas.openxmlformats.org/presentationml/2006/main">
-  <p:cSld>
-    <p:spTree>
-      <p:nvGrpSpPr>
-        <p:cNvPr id="1" name="Shape 213">
-          <a:extLst>
-            <a:ext uri="{FF2B5EF4-FFF2-40B4-BE49-F238E27FC236}">
-              <a16:creationId xmlns:a16="http://schemas.microsoft.com/office/drawing/2014/main" id="{C28A4F72-362E-238A-2B40-9F8DA5D9CE0F}"/>
-            </a:ext>
-          </a:extLst>
-        </p:cNvPr>
-        <p:cNvGrpSpPr/>
-        <p:nvPr/>
-      </p:nvGrpSpPr>
-      <p:grpSpPr>
-        <a:xfrm>
-          <a:off x="0" y="0"/>
-          <a:ext cx="0" cy="0"/>
-          <a:chOff x="0" y="0"/>
-          <a:chExt cx="0" cy="0"/>
-        </a:xfrm>
-      </p:grpSpPr>
-      <p:sp>
-        <p:nvSpPr>
-          <p:cNvPr id="214" name="Google Shape;214;p28">
-            <a:extLst>
-              <a:ext uri="{FF2B5EF4-FFF2-40B4-BE49-F238E27FC236}">
-                <a16:creationId xmlns:a16="http://schemas.microsoft.com/office/drawing/2014/main" id="{52D71202-1A02-B664-FD1D-E805385C2E4A}"/>
-              </a:ext>
-            </a:extLst>
-          </p:cNvPr>
-          <p:cNvSpPr txBox="1">
-            <a:spLocks noGrp="1"/>
-          </p:cNvSpPr>
-          <p:nvPr>
-            <p:ph type="subTitle" idx="1"/>
-          </p:nvPr>
-        </p:nvSpPr>
-        <p:spPr>
-          <a:xfrm>
-            <a:off x="756138" y="996839"/>
-            <a:ext cx="7753878" cy="3249846"/>
-          </a:xfrm>
-          <a:prstGeom prst="rect">
-            <a:avLst/>
-          </a:prstGeom>
-        </p:spPr>
-        <p:txBody>
-          <a:bodyPr spcFirstLastPara="1" wrap="square" lIns="91425" tIns="91425" rIns="91425" bIns="91425" anchor="ctr" anchorCtr="0">
-            <a:noAutofit/>
-          </a:bodyPr>
-          <a:lstStyle/>
-          <a:p>
-            <a:pPr marL="0" lvl="0" indent="0" algn="just" rtl="0">
-              <a:spcBef>
-                <a:spcPts val="0"/>
-              </a:spcBef>
-              <a:spcAft>
-                <a:spcPts val="0"/>
-              </a:spcAft>
-              <a:buNone/>
-            </a:pPr>
-            <a:r>
-              <a:rPr lang="pt-BR" sz="1800" dirty="0">
-                <a:solidFill>
-                  <a:schemeClr val="tx1"/>
-                </a:solidFill>
-                <a:effectLst/>
-                <a:latin typeface="Calibri" panose="020F0502020204030204" pitchFamily="34" charset="0"/>
-                <a:ea typeface="Calibri" panose="020F0502020204030204" pitchFamily="34" charset="0"/>
-                <a:cs typeface="Times New Roman" panose="02020603050405020304" pitchFamily="18" charset="0"/>
-              </a:rPr>
-              <a:t>Para empresas que desejam otimizar o uso de suas salas de reunião e evitar conflitos de agendamento, o ReuniON é um sistema de controle de reservas que oferece, de forma prática e eficiente, a possibilidade de reservar e gerenciar salas conforme a necessidade, permitindo controle de horários e permissões de acesso. Diferentemente de outras soluções convencionais, o ReuniON tem uma interface de linha de comando simples e eficaz, permitindo consultas em tempo real, proporcionando maior organização e eficiência no uso dos espaços corporativos.</a:t>
-            </a:r>
-            <a:endParaRPr lang="pt-BR" sz="1500" dirty="0">
-              <a:solidFill>
-                <a:schemeClr val="tx1"/>
-              </a:solidFill>
-            </a:endParaRPr>
-          </a:p>
-        </p:txBody>
-      </p:sp>
-      <p:sp>
-        <p:nvSpPr>
-          <p:cNvPr id="4" name="Google Shape;319;p33">
-            <a:extLst>
-              <a:ext uri="{FF2B5EF4-FFF2-40B4-BE49-F238E27FC236}">
-                <a16:creationId xmlns:a16="http://schemas.microsoft.com/office/drawing/2014/main" id="{1FDC65E8-A89D-0EDF-7379-2522B11BEEF2}"/>
-              </a:ext>
-            </a:extLst>
-          </p:cNvPr>
-          <p:cNvSpPr/>
-          <p:nvPr/>
-        </p:nvSpPr>
-        <p:spPr>
-          <a:xfrm>
-            <a:off x="1000" y="185375"/>
-            <a:ext cx="3428400" cy="239700"/>
-          </a:xfrm>
-          <a:prstGeom prst="rect">
-            <a:avLst/>
-          </a:prstGeom>
-          <a:solidFill>
-            <a:schemeClr val="lt2"/>
-          </a:solidFill>
-          <a:ln>
-            <a:noFill/>
-          </a:ln>
-        </p:spPr>
-        <p:txBody>
-          <a:bodyPr spcFirstLastPara="1" wrap="square" lIns="91425" tIns="91425" rIns="91425" bIns="91425" anchor="ctr" anchorCtr="0">
-            <a:noAutofit/>
-          </a:bodyPr>
-          <a:lstStyle/>
-          <a:p>
-            <a:pPr marL="0" lvl="0" indent="0" algn="l" rtl="0">
-              <a:spcBef>
-                <a:spcPts val="0"/>
-              </a:spcBef>
-              <a:spcAft>
-                <a:spcPts val="0"/>
-              </a:spcAft>
-              <a:buNone/>
-            </a:pPr>
-            <a:endParaRPr/>
-          </a:p>
-        </p:txBody>
-      </p:sp>
-      <p:sp>
-        <p:nvSpPr>
-          <p:cNvPr id="6" name="Google Shape;322;p33">
-            <a:extLst>
-              <a:ext uri="{FF2B5EF4-FFF2-40B4-BE49-F238E27FC236}">
-                <a16:creationId xmlns:a16="http://schemas.microsoft.com/office/drawing/2014/main" id="{38F362C6-0359-66E4-D838-8C2B2C6D9C7F}"/>
-              </a:ext>
-            </a:extLst>
-          </p:cNvPr>
-          <p:cNvSpPr txBox="1">
-            <a:spLocks/>
-          </p:cNvSpPr>
-          <p:nvPr/>
-        </p:nvSpPr>
-        <p:spPr>
-          <a:xfrm>
-            <a:off x="139700" y="533550"/>
-            <a:ext cx="3289700" cy="531900"/>
-          </a:xfrm>
-          <a:prstGeom prst="rect">
-            <a:avLst/>
-          </a:prstGeom>
-          <a:noFill/>
-          <a:ln>
-            <a:noFill/>
-          </a:ln>
-        </p:spPr>
-        <p:txBody>
-          <a:bodyPr spcFirstLastPara="1" wrap="square" lIns="0" tIns="0" rIns="0" bIns="0" anchor="t" anchorCtr="0">
-            <a:noAutofit/>
-          </a:bodyPr>
-          <a:lstStyle>
-            <a:defPPr marR="0" lvl="0" algn="l" rtl="0">
-              <a:lnSpc>
-                <a:spcPct val="100000"/>
-              </a:lnSpc>
-              <a:spcBef>
-                <a:spcPts val="0"/>
-              </a:spcBef>
-              <a:spcAft>
-                <a:spcPts val="0"/>
-              </a:spcAft>
-            </a:defPPr>
-            <a:lvl1pPr marR="0" lvl="0" algn="l" rtl="0">
-              <a:lnSpc>
-                <a:spcPct val="80000"/>
-              </a:lnSpc>
-              <a:spcBef>
-                <a:spcPts val="0"/>
-              </a:spcBef>
-              <a:spcAft>
-                <a:spcPts val="0"/>
-              </a:spcAft>
-              <a:buClr>
-                <a:schemeClr val="accent5"/>
-              </a:buClr>
-              <a:buSzPts val="4200"/>
-              <a:buFont typeface="Montserrat ExtraBold"/>
-              <a:buNone/>
-              <a:defRPr sz="6000" b="0" i="0" u="none" strike="noStrike" cap="none">
-                <a:solidFill>
-                  <a:schemeClr val="dk2"/>
-                </a:solidFill>
-                <a:latin typeface="Montserrat ExtraBold"/>
-                <a:ea typeface="Montserrat ExtraBold"/>
-                <a:cs typeface="Montserrat ExtraBold"/>
-                <a:sym typeface="Montserrat ExtraBold"/>
-              </a:defRPr>
-            </a:lvl1pPr>
-            <a:lvl2pPr marR="0" lvl="1" algn="l" rtl="0">
-              <a:lnSpc>
-                <a:spcPct val="80000"/>
-              </a:lnSpc>
-              <a:spcBef>
-                <a:spcPts val="0"/>
-              </a:spcBef>
-              <a:spcAft>
-                <a:spcPts val="0"/>
-              </a:spcAft>
-              <a:buClr>
-                <a:schemeClr val="accent5"/>
-              </a:buClr>
-              <a:buSzPts val="4200"/>
-              <a:buFont typeface="Montserrat ExtraBold"/>
-              <a:buNone/>
-              <a:defRPr sz="4200" b="0" i="0" u="none" strike="noStrike" cap="none">
-                <a:solidFill>
-                  <a:schemeClr val="accent5"/>
-                </a:solidFill>
-                <a:latin typeface="Montserrat ExtraBold"/>
-                <a:ea typeface="Montserrat ExtraBold"/>
-                <a:cs typeface="Montserrat ExtraBold"/>
-                <a:sym typeface="Montserrat ExtraBold"/>
-              </a:defRPr>
-            </a:lvl2pPr>
-            <a:lvl3pPr marR="0" lvl="2" algn="l" rtl="0">
-              <a:lnSpc>
-                <a:spcPct val="80000"/>
-              </a:lnSpc>
-              <a:spcBef>
-                <a:spcPts val="0"/>
-              </a:spcBef>
-              <a:spcAft>
-                <a:spcPts val="0"/>
-              </a:spcAft>
-              <a:buClr>
-                <a:schemeClr val="accent5"/>
-              </a:buClr>
-              <a:buSzPts val="4200"/>
-              <a:buFont typeface="Montserrat ExtraBold"/>
-              <a:buNone/>
-              <a:defRPr sz="4200" b="0" i="0" u="none" strike="noStrike" cap="none">
-                <a:solidFill>
-                  <a:schemeClr val="accent5"/>
-                </a:solidFill>
-                <a:latin typeface="Montserrat ExtraBold"/>
-                <a:ea typeface="Montserrat ExtraBold"/>
-                <a:cs typeface="Montserrat ExtraBold"/>
-                <a:sym typeface="Montserrat ExtraBold"/>
-              </a:defRPr>
-            </a:lvl3pPr>
-            <a:lvl4pPr marR="0" lvl="3" algn="l" rtl="0">
-              <a:lnSpc>
-                <a:spcPct val="80000"/>
-              </a:lnSpc>
-              <a:spcBef>
-                <a:spcPts val="0"/>
-              </a:spcBef>
-              <a:spcAft>
-                <a:spcPts val="0"/>
-              </a:spcAft>
-              <a:buClr>
-                <a:schemeClr val="accent5"/>
-              </a:buClr>
-              <a:buSzPts val="4200"/>
-              <a:buFont typeface="Montserrat ExtraBold"/>
-              <a:buNone/>
-              <a:defRPr sz="4200" b="0" i="0" u="none" strike="noStrike" cap="none">
-                <a:solidFill>
-                  <a:schemeClr val="accent5"/>
-                </a:solidFill>
-                <a:latin typeface="Montserrat ExtraBold"/>
-                <a:ea typeface="Montserrat ExtraBold"/>
-                <a:cs typeface="Montserrat ExtraBold"/>
-                <a:sym typeface="Montserrat ExtraBold"/>
-              </a:defRPr>
-            </a:lvl4pPr>
-            <a:lvl5pPr marR="0" lvl="4" algn="l" rtl="0">
-              <a:lnSpc>
-                <a:spcPct val="80000"/>
-              </a:lnSpc>
-              <a:spcBef>
-                <a:spcPts val="0"/>
-              </a:spcBef>
-              <a:spcAft>
-                <a:spcPts val="0"/>
-              </a:spcAft>
-              <a:buClr>
-                <a:schemeClr val="accent5"/>
-              </a:buClr>
-              <a:buSzPts val="4200"/>
-              <a:buFont typeface="Montserrat ExtraBold"/>
-              <a:buNone/>
-              <a:defRPr sz="4200" b="0" i="0" u="none" strike="noStrike" cap="none">
-                <a:solidFill>
-                  <a:schemeClr val="accent5"/>
-                </a:solidFill>
-                <a:latin typeface="Montserrat ExtraBold"/>
-                <a:ea typeface="Montserrat ExtraBold"/>
-                <a:cs typeface="Montserrat ExtraBold"/>
-                <a:sym typeface="Montserrat ExtraBold"/>
-              </a:defRPr>
-            </a:lvl5pPr>
-            <a:lvl6pPr marR="0" lvl="5" algn="l" rtl="0">
-              <a:lnSpc>
-                <a:spcPct val="80000"/>
-              </a:lnSpc>
-              <a:spcBef>
-                <a:spcPts val="0"/>
-              </a:spcBef>
-              <a:spcAft>
-                <a:spcPts val="0"/>
-              </a:spcAft>
-              <a:buClr>
-                <a:schemeClr val="accent5"/>
-              </a:buClr>
-              <a:buSzPts val="4200"/>
-              <a:buFont typeface="Montserrat ExtraBold"/>
-              <a:buNone/>
-              <a:defRPr sz="4200" b="0" i="0" u="none" strike="noStrike" cap="none">
-                <a:solidFill>
-                  <a:schemeClr val="accent5"/>
-                </a:solidFill>
-                <a:latin typeface="Montserrat ExtraBold"/>
-                <a:ea typeface="Montserrat ExtraBold"/>
-                <a:cs typeface="Montserrat ExtraBold"/>
-                <a:sym typeface="Montserrat ExtraBold"/>
-              </a:defRPr>
-            </a:lvl6pPr>
-            <a:lvl7pPr marR="0" lvl="6" algn="l" rtl="0">
-              <a:lnSpc>
-                <a:spcPct val="80000"/>
-              </a:lnSpc>
-              <a:spcBef>
-                <a:spcPts val="0"/>
-              </a:spcBef>
-              <a:spcAft>
-                <a:spcPts val="0"/>
-              </a:spcAft>
-              <a:buClr>
-                <a:schemeClr val="accent5"/>
-              </a:buClr>
-              <a:buSzPts val="4200"/>
-              <a:buFont typeface="Montserrat ExtraBold"/>
-              <a:buNone/>
-              <a:defRPr sz="4200" b="0" i="0" u="none" strike="noStrike" cap="none">
-                <a:solidFill>
-                  <a:schemeClr val="accent5"/>
-                </a:solidFill>
-                <a:latin typeface="Montserrat ExtraBold"/>
-                <a:ea typeface="Montserrat ExtraBold"/>
-                <a:cs typeface="Montserrat ExtraBold"/>
-                <a:sym typeface="Montserrat ExtraBold"/>
-              </a:defRPr>
-            </a:lvl7pPr>
-            <a:lvl8pPr marR="0" lvl="7" algn="l" rtl="0">
-              <a:lnSpc>
-                <a:spcPct val="80000"/>
-              </a:lnSpc>
-              <a:spcBef>
-                <a:spcPts val="0"/>
-              </a:spcBef>
-              <a:spcAft>
-                <a:spcPts val="0"/>
-              </a:spcAft>
-              <a:buClr>
-                <a:schemeClr val="accent5"/>
-              </a:buClr>
-              <a:buSzPts val="4200"/>
-              <a:buFont typeface="Montserrat ExtraBold"/>
-              <a:buNone/>
-              <a:defRPr sz="4200" b="0" i="0" u="none" strike="noStrike" cap="none">
-                <a:solidFill>
-                  <a:schemeClr val="accent5"/>
-                </a:solidFill>
-                <a:latin typeface="Montserrat ExtraBold"/>
-                <a:ea typeface="Montserrat ExtraBold"/>
-                <a:cs typeface="Montserrat ExtraBold"/>
-                <a:sym typeface="Montserrat ExtraBold"/>
-              </a:defRPr>
-            </a:lvl8pPr>
-            <a:lvl9pPr marR="0" lvl="8" algn="l" rtl="0">
-              <a:lnSpc>
-                <a:spcPct val="80000"/>
-              </a:lnSpc>
-              <a:spcBef>
-                <a:spcPts val="0"/>
-              </a:spcBef>
-              <a:spcAft>
-                <a:spcPts val="0"/>
-              </a:spcAft>
-              <a:buClr>
-                <a:schemeClr val="accent5"/>
-              </a:buClr>
-              <a:buSzPts val="4200"/>
-              <a:buFont typeface="Montserrat ExtraBold"/>
-              <a:buNone/>
-              <a:defRPr sz="4200" b="0" i="0" u="none" strike="noStrike" cap="none">
-                <a:solidFill>
-                  <a:schemeClr val="accent5"/>
-                </a:solidFill>
-                <a:latin typeface="Montserrat ExtraBold"/>
-                <a:ea typeface="Montserrat ExtraBold"/>
-                <a:cs typeface="Montserrat ExtraBold"/>
-                <a:sym typeface="Montserrat ExtraBold"/>
-              </a:defRPr>
-            </a:lvl9pPr>
-          </a:lstStyle>
-          <a:p>
-            <a:pPr algn="r"/>
-            <a:r>
-              <a:rPr lang="pt-BR" sz="2800" dirty="0"/>
-              <a:t>VISÃO</a:t>
-            </a:r>
-          </a:p>
-          <a:p>
-            <a:pPr algn="r"/>
-            <a:r>
-              <a:rPr lang="pt-BR" sz="2800" dirty="0"/>
-              <a:t>DO PRODUTO</a:t>
-            </a:r>
-          </a:p>
-        </p:txBody>
-      </p:sp>
-    </p:spTree>
-    <p:extLst>
-      <p:ext uri="{BB962C8B-B14F-4D97-AF65-F5344CB8AC3E}">
-        <p14:creationId xmlns:p14="http://schemas.microsoft.com/office/powerpoint/2010/main" val="3880368161"/>
-      </p:ext>
-    </p:extLst>
-  </p:cSld>
-  <p:clrMapOvr>
-    <a:masterClrMapping/>
-  </p:clrMapOvr>
-</p:sld>
-</file>
-
-<file path=ppt/slides/slide7.xml><?xml version="1.0" encoding="utf-8"?>
-<p:sld xmlns:a="http://schemas.openxmlformats.org/drawingml/2006/main" xmlns:r="http://schemas.openxmlformats.org/officeDocument/2006/relationships" xmlns:p="http://schemas.openxmlformats.org/presentationml/2006/main">
-  <p:cSld>
-    <p:spTree>
-      <p:nvGrpSpPr>
-        <p:cNvPr id="1" name="Shape 213">
-          <a:extLst>
-            <a:ext uri="{FF2B5EF4-FFF2-40B4-BE49-F238E27FC236}">
-              <a16:creationId xmlns:a16="http://schemas.microsoft.com/office/drawing/2014/main" id="{877EBE59-C51E-F5FD-89D6-CC29C95D2010}"/>
-            </a:ext>
-          </a:extLst>
-        </p:cNvPr>
-        <p:cNvGrpSpPr/>
-        <p:nvPr/>
-      </p:nvGrpSpPr>
-      <p:grpSpPr>
-        <a:xfrm>
-          <a:off x="0" y="0"/>
-          <a:ext cx="0" cy="0"/>
-          <a:chOff x="0" y="0"/>
-          <a:chExt cx="0" cy="0"/>
-        </a:xfrm>
-      </p:grpSpPr>
-      <p:sp>
-        <p:nvSpPr>
-          <p:cNvPr id="214" name="Google Shape;214;p28">
-            <a:extLst>
-              <a:ext uri="{FF2B5EF4-FFF2-40B4-BE49-F238E27FC236}">
-                <a16:creationId xmlns:a16="http://schemas.microsoft.com/office/drawing/2014/main" id="{2FBF5479-87AE-46DA-7B2F-07D59AFBCDE2}"/>
-              </a:ext>
-            </a:extLst>
-          </p:cNvPr>
-          <p:cNvSpPr txBox="1">
-            <a:spLocks noGrp="1"/>
-          </p:cNvSpPr>
-          <p:nvPr>
-            <p:ph type="subTitle" idx="1"/>
-          </p:nvPr>
-        </p:nvSpPr>
-        <p:spPr>
-          <a:xfrm>
-            <a:off x="253397" y="1926455"/>
-            <a:ext cx="8637205" cy="1965124"/>
-          </a:xfrm>
-          <a:prstGeom prst="rect">
-            <a:avLst/>
-          </a:prstGeom>
-        </p:spPr>
-        <p:txBody>
-          <a:bodyPr spcFirstLastPara="1" wrap="square" lIns="91425" tIns="91425" rIns="91425" bIns="91425" numCol="2" spcCol="360000" anchor="ctr" anchorCtr="0">
-            <a:noAutofit/>
-          </a:bodyPr>
-          <a:lstStyle/>
-          <a:p>
-            <a:pPr marL="285750" lvl="0" indent="-285750" algn="just" rtl="0">
-              <a:spcBef>
-                <a:spcPts val="0"/>
-              </a:spcBef>
-              <a:spcAft>
-                <a:spcPts val="0"/>
-              </a:spcAft>
-              <a:buFont typeface="Arial" panose="020B0604020202020204" pitchFamily="34" charset="0"/>
-              <a:buChar char="•"/>
-            </a:pPr>
-            <a:r>
-              <a:rPr lang="pt-BR" sz="1800" dirty="0">
-                <a:solidFill>
-                  <a:schemeClr val="tx1"/>
-                </a:solidFill>
-                <a:effectLst/>
-                <a:latin typeface="Calibri" panose="020F0502020204030204" pitchFamily="34" charset="0"/>
-                <a:ea typeface="Calibri" panose="020F0502020204030204" pitchFamily="34" charset="0"/>
-                <a:cs typeface="Times New Roman" panose="02020603050405020304" pitchFamily="18" charset="0"/>
-              </a:rPr>
-              <a:t>RF01 – Reservar sala</a:t>
-            </a:r>
-          </a:p>
-          <a:p>
-            <a:pPr marL="285750" lvl="0" indent="-285750" algn="just" rtl="0">
-              <a:spcBef>
-                <a:spcPts val="0"/>
-              </a:spcBef>
-              <a:spcAft>
-                <a:spcPts val="0"/>
-              </a:spcAft>
-              <a:buFont typeface="Arial" panose="020B0604020202020204" pitchFamily="34" charset="0"/>
-              <a:buChar char="•"/>
-            </a:pPr>
-            <a:r>
-              <a:rPr lang="pt-BR" sz="1800" dirty="0">
-                <a:solidFill>
-                  <a:schemeClr val="tx1"/>
-                </a:solidFill>
-                <a:latin typeface="Calibri" panose="020F0502020204030204" pitchFamily="34" charset="0"/>
-                <a:ea typeface="Calibri" panose="020F0502020204030204" pitchFamily="34" charset="0"/>
-                <a:cs typeface="Times New Roman" panose="02020603050405020304" pitchFamily="18" charset="0"/>
-              </a:rPr>
-              <a:t>RF02 – Alterar reserva</a:t>
-            </a:r>
-          </a:p>
-          <a:p>
-            <a:pPr marL="285750" lvl="0" indent="-285750" algn="just" rtl="0">
-              <a:spcBef>
-                <a:spcPts val="0"/>
-              </a:spcBef>
-              <a:spcAft>
-                <a:spcPts val="0"/>
-              </a:spcAft>
-              <a:buFont typeface="Arial" panose="020B0604020202020204" pitchFamily="34" charset="0"/>
-              <a:buChar char="•"/>
-            </a:pPr>
-            <a:r>
-              <a:rPr lang="pt-BR" sz="1800" dirty="0">
-                <a:solidFill>
-                  <a:schemeClr val="tx1"/>
-                </a:solidFill>
-                <a:latin typeface="Calibri" panose="020F0502020204030204" pitchFamily="34" charset="0"/>
-                <a:ea typeface="Calibri" panose="020F0502020204030204" pitchFamily="34" charset="0"/>
-                <a:cs typeface="Times New Roman" panose="02020603050405020304" pitchFamily="18" charset="0"/>
-              </a:rPr>
-              <a:t>RF03 – Cancelar reserva</a:t>
-            </a:r>
-          </a:p>
-          <a:p>
-            <a:pPr marL="285750" lvl="0" indent="-285750" algn="just" rtl="0">
-              <a:spcBef>
-                <a:spcPts val="0"/>
-              </a:spcBef>
-              <a:spcAft>
-                <a:spcPts val="0"/>
-              </a:spcAft>
-              <a:buFont typeface="Arial" panose="020B0604020202020204" pitchFamily="34" charset="0"/>
-              <a:buChar char="•"/>
-            </a:pPr>
-            <a:r>
-              <a:rPr lang="pt-BR" sz="1800" dirty="0">
-                <a:solidFill>
-                  <a:schemeClr val="tx1"/>
-                </a:solidFill>
-                <a:latin typeface="Calibri" panose="020F0502020204030204" pitchFamily="34" charset="0"/>
-                <a:ea typeface="Calibri" panose="020F0502020204030204" pitchFamily="34" charset="0"/>
-                <a:cs typeface="Times New Roman" panose="02020603050405020304" pitchFamily="18" charset="0"/>
-              </a:rPr>
-              <a:t>RF04 – Verificar disponibilidade de salas</a:t>
-            </a:r>
-          </a:p>
-          <a:p>
-            <a:pPr marL="285750" lvl="0" indent="-285750" algn="just" rtl="0">
-              <a:spcBef>
-                <a:spcPts val="0"/>
-              </a:spcBef>
-              <a:spcAft>
-                <a:spcPts val="0"/>
-              </a:spcAft>
-              <a:buFont typeface="Arial" panose="020B0604020202020204" pitchFamily="34" charset="0"/>
-              <a:buChar char="•"/>
-            </a:pPr>
-            <a:r>
-              <a:rPr lang="pt-BR" sz="1800" dirty="0">
-                <a:solidFill>
-                  <a:schemeClr val="tx1"/>
-                </a:solidFill>
-                <a:latin typeface="Calibri" panose="020F0502020204030204" pitchFamily="34" charset="0"/>
-                <a:ea typeface="Calibri" panose="020F0502020204030204" pitchFamily="34" charset="0"/>
-                <a:cs typeface="Times New Roman" panose="02020603050405020304" pitchFamily="18" charset="0"/>
-              </a:rPr>
-              <a:t>RF05 – Cadastrar salas</a:t>
-            </a:r>
-          </a:p>
-          <a:p>
-            <a:pPr marL="285750" lvl="0" indent="-285750" algn="just" rtl="0">
-              <a:spcBef>
-                <a:spcPts val="0"/>
-              </a:spcBef>
-              <a:spcAft>
-                <a:spcPts val="0"/>
-              </a:spcAft>
-              <a:buFont typeface="Arial" panose="020B0604020202020204" pitchFamily="34" charset="0"/>
-              <a:buChar char="•"/>
-            </a:pPr>
-            <a:r>
-              <a:rPr lang="pt-BR" sz="1800" dirty="0">
-                <a:solidFill>
-                  <a:schemeClr val="tx1"/>
-                </a:solidFill>
-                <a:latin typeface="Calibri" panose="020F0502020204030204" pitchFamily="34" charset="0"/>
-                <a:ea typeface="Calibri" panose="020F0502020204030204" pitchFamily="34" charset="0"/>
-                <a:cs typeface="Times New Roman" panose="02020603050405020304" pitchFamily="18" charset="0"/>
-              </a:rPr>
-              <a:t>RF06 – Cadastrar usuário</a:t>
-            </a:r>
-          </a:p>
-          <a:p>
-            <a:pPr marL="285750" lvl="0" indent="-285750" algn="just" rtl="0">
-              <a:spcBef>
-                <a:spcPts val="0"/>
-              </a:spcBef>
-              <a:spcAft>
-                <a:spcPts val="0"/>
-              </a:spcAft>
-              <a:buFont typeface="Arial" panose="020B0604020202020204" pitchFamily="34" charset="0"/>
-              <a:buChar char="•"/>
-            </a:pPr>
-            <a:r>
-              <a:rPr lang="pt-BR" sz="1800" dirty="0">
-                <a:solidFill>
-                  <a:schemeClr val="tx1"/>
-                </a:solidFill>
-                <a:latin typeface="Calibri" panose="020F0502020204030204" pitchFamily="34" charset="0"/>
-                <a:ea typeface="Calibri" panose="020F0502020204030204" pitchFamily="34" charset="0"/>
-                <a:cs typeface="Times New Roman" panose="02020603050405020304" pitchFamily="18" charset="0"/>
-              </a:rPr>
-              <a:t>RF07 – Alterar sala</a:t>
-            </a:r>
-          </a:p>
-          <a:p>
-            <a:pPr marL="285750" lvl="0" indent="-285750" algn="just" rtl="0">
-              <a:spcBef>
-                <a:spcPts val="0"/>
-              </a:spcBef>
-              <a:spcAft>
-                <a:spcPts val="0"/>
-              </a:spcAft>
-              <a:buFont typeface="Arial" panose="020B0604020202020204" pitchFamily="34" charset="0"/>
-              <a:buChar char="•"/>
-            </a:pPr>
-            <a:r>
-              <a:rPr lang="pt-BR" sz="1800" dirty="0">
-                <a:solidFill>
-                  <a:schemeClr val="tx1"/>
-                </a:solidFill>
-                <a:latin typeface="Calibri" panose="020F0502020204030204" pitchFamily="34" charset="0"/>
-                <a:ea typeface="Calibri" panose="020F0502020204030204" pitchFamily="34" charset="0"/>
-                <a:cs typeface="Times New Roman" panose="02020603050405020304" pitchFamily="18" charset="0"/>
-              </a:rPr>
-              <a:t>RF08 – Listar usuário</a:t>
-            </a:r>
-          </a:p>
-          <a:p>
-            <a:pPr marL="285750" lvl="0" indent="-285750" algn="just" rtl="0">
-              <a:spcBef>
-                <a:spcPts val="0"/>
-              </a:spcBef>
-              <a:spcAft>
-                <a:spcPts val="0"/>
-              </a:spcAft>
-              <a:buFont typeface="Arial" panose="020B0604020202020204" pitchFamily="34" charset="0"/>
-              <a:buChar char="•"/>
-            </a:pPr>
-            <a:r>
-              <a:rPr lang="pt-BR" sz="1800" dirty="0">
-                <a:solidFill>
-                  <a:schemeClr val="tx1"/>
-                </a:solidFill>
-                <a:latin typeface="Calibri" panose="020F0502020204030204" pitchFamily="34" charset="0"/>
-                <a:ea typeface="Calibri" panose="020F0502020204030204" pitchFamily="34" charset="0"/>
-                <a:cs typeface="Times New Roman" panose="02020603050405020304" pitchFamily="18" charset="0"/>
-              </a:rPr>
-              <a:t>RF09 – Alterar usuário</a:t>
-            </a:r>
-          </a:p>
-          <a:p>
-            <a:pPr marL="285750" lvl="0" indent="-285750" algn="just" rtl="0">
-              <a:spcBef>
-                <a:spcPts val="0"/>
-              </a:spcBef>
-              <a:spcAft>
-                <a:spcPts val="0"/>
-              </a:spcAft>
-              <a:buFont typeface="Arial" panose="020B0604020202020204" pitchFamily="34" charset="0"/>
-              <a:buChar char="•"/>
-            </a:pPr>
-            <a:r>
-              <a:rPr lang="pt-BR" sz="1800" dirty="0">
-                <a:solidFill>
-                  <a:schemeClr val="tx1"/>
-                </a:solidFill>
-                <a:latin typeface="Calibri" panose="020F0502020204030204" pitchFamily="34" charset="0"/>
-                <a:ea typeface="Calibri" panose="020F0502020204030204" pitchFamily="34" charset="0"/>
-                <a:cs typeface="Times New Roman" panose="02020603050405020304" pitchFamily="18" charset="0"/>
-              </a:rPr>
-              <a:t>RF10 – Alterar senha</a:t>
-            </a:r>
-          </a:p>
-          <a:p>
-            <a:pPr marL="285750" lvl="0" indent="-285750" algn="just" rtl="0">
-              <a:spcBef>
-                <a:spcPts val="0"/>
-              </a:spcBef>
-              <a:spcAft>
-                <a:spcPts val="0"/>
-              </a:spcAft>
-              <a:buFont typeface="Arial" panose="020B0604020202020204" pitchFamily="34" charset="0"/>
-              <a:buChar char="•"/>
-            </a:pPr>
-            <a:r>
-              <a:rPr lang="pt-BR" sz="1800" dirty="0">
-                <a:solidFill>
-                  <a:schemeClr val="tx1"/>
-                </a:solidFill>
-                <a:latin typeface="Calibri" panose="020F0502020204030204" pitchFamily="34" charset="0"/>
-                <a:ea typeface="Calibri" panose="020F0502020204030204" pitchFamily="34" charset="0"/>
-                <a:cs typeface="Times New Roman" panose="02020603050405020304" pitchFamily="18" charset="0"/>
-              </a:rPr>
-              <a:t>RF11 – Exibir reserva</a:t>
-            </a:r>
-          </a:p>
-          <a:p>
-            <a:pPr marL="285750" lvl="0" indent="-285750" algn="just" rtl="0">
-              <a:spcBef>
-                <a:spcPts val="0"/>
-              </a:spcBef>
-              <a:spcAft>
-                <a:spcPts val="0"/>
-              </a:spcAft>
-              <a:buFont typeface="Arial" panose="020B0604020202020204" pitchFamily="34" charset="0"/>
-              <a:buChar char="•"/>
-            </a:pPr>
-            <a:r>
-              <a:rPr lang="pt-BR" sz="1800" dirty="0">
-                <a:solidFill>
-                  <a:schemeClr val="tx1"/>
-                </a:solidFill>
-                <a:latin typeface="Calibri" panose="020F0502020204030204" pitchFamily="34" charset="0"/>
-                <a:ea typeface="Calibri" panose="020F0502020204030204" pitchFamily="34" charset="0"/>
-                <a:cs typeface="Times New Roman" panose="02020603050405020304" pitchFamily="18" charset="0"/>
-              </a:rPr>
-              <a:t>RF12 – Listar reservas</a:t>
-            </a:r>
-            <a:endParaRPr lang="pt-BR" sz="1500" dirty="0">
-              <a:solidFill>
-                <a:schemeClr val="tx1"/>
-              </a:solidFill>
-            </a:endParaRPr>
-          </a:p>
-        </p:txBody>
-      </p:sp>
-      <p:sp>
-        <p:nvSpPr>
-          <p:cNvPr id="4" name="Google Shape;319;p33">
-            <a:extLst>
-              <a:ext uri="{FF2B5EF4-FFF2-40B4-BE49-F238E27FC236}">
-                <a16:creationId xmlns:a16="http://schemas.microsoft.com/office/drawing/2014/main" id="{ADB66B7A-4BED-57A7-F79B-02577D16E617}"/>
-              </a:ext>
-            </a:extLst>
-          </p:cNvPr>
-          <p:cNvSpPr/>
-          <p:nvPr/>
-        </p:nvSpPr>
-        <p:spPr>
-          <a:xfrm>
-            <a:off x="1000" y="185375"/>
-            <a:ext cx="3428400" cy="239700"/>
-          </a:xfrm>
-          <a:prstGeom prst="rect">
-            <a:avLst/>
-          </a:prstGeom>
-          <a:solidFill>
-            <a:schemeClr val="lt2"/>
-          </a:solidFill>
-          <a:ln>
-            <a:noFill/>
-          </a:ln>
-        </p:spPr>
-        <p:txBody>
-          <a:bodyPr spcFirstLastPara="1" wrap="square" lIns="91425" tIns="91425" rIns="91425" bIns="91425" anchor="ctr" anchorCtr="0">
-            <a:noAutofit/>
-          </a:bodyPr>
-          <a:lstStyle/>
-          <a:p>
-            <a:pPr marL="0" lvl="0" indent="0" algn="l" rtl="0">
-              <a:spcBef>
-                <a:spcPts val="0"/>
-              </a:spcBef>
-              <a:spcAft>
-                <a:spcPts val="0"/>
-              </a:spcAft>
-              <a:buNone/>
-            </a:pPr>
-            <a:endParaRPr/>
-          </a:p>
-        </p:txBody>
-      </p:sp>
-      <p:sp>
-        <p:nvSpPr>
-          <p:cNvPr id="6" name="Google Shape;322;p33">
-            <a:extLst>
-              <a:ext uri="{FF2B5EF4-FFF2-40B4-BE49-F238E27FC236}">
-                <a16:creationId xmlns:a16="http://schemas.microsoft.com/office/drawing/2014/main" id="{3A573C63-9F93-E290-596A-6A2C29FED24E}"/>
-              </a:ext>
-            </a:extLst>
-          </p:cNvPr>
-          <p:cNvSpPr txBox="1">
-            <a:spLocks/>
-          </p:cNvSpPr>
-          <p:nvPr/>
-        </p:nvSpPr>
-        <p:spPr>
-          <a:xfrm>
-            <a:off x="139700" y="533550"/>
-            <a:ext cx="3289700" cy="531900"/>
-          </a:xfrm>
-          <a:prstGeom prst="rect">
-            <a:avLst/>
-          </a:prstGeom>
-          <a:noFill/>
-          <a:ln>
-            <a:noFill/>
-          </a:ln>
-        </p:spPr>
-        <p:txBody>
-          <a:bodyPr spcFirstLastPara="1" wrap="square" lIns="0" tIns="0" rIns="0" bIns="0" anchor="t" anchorCtr="0">
-            <a:noAutofit/>
-          </a:bodyPr>
-          <a:lstStyle>
-            <a:defPPr marR="0" lvl="0" algn="l" rtl="0">
-              <a:lnSpc>
-                <a:spcPct val="100000"/>
-              </a:lnSpc>
-              <a:spcBef>
-                <a:spcPts val="0"/>
-              </a:spcBef>
-              <a:spcAft>
-                <a:spcPts val="0"/>
-              </a:spcAft>
-            </a:defPPr>
-            <a:lvl1pPr marR="0" lvl="0" algn="l" rtl="0">
-              <a:lnSpc>
-                <a:spcPct val="80000"/>
-              </a:lnSpc>
-              <a:spcBef>
-                <a:spcPts val="0"/>
-              </a:spcBef>
-              <a:spcAft>
-                <a:spcPts val="0"/>
-              </a:spcAft>
-              <a:buClr>
-                <a:schemeClr val="accent5"/>
-              </a:buClr>
-              <a:buSzPts val="4200"/>
-              <a:buFont typeface="Montserrat ExtraBold"/>
-              <a:buNone/>
-              <a:defRPr sz="6000" b="0" i="0" u="none" strike="noStrike" cap="none">
-                <a:solidFill>
-                  <a:schemeClr val="dk2"/>
-                </a:solidFill>
-                <a:latin typeface="Montserrat ExtraBold"/>
-                <a:ea typeface="Montserrat ExtraBold"/>
-                <a:cs typeface="Montserrat ExtraBold"/>
-                <a:sym typeface="Montserrat ExtraBold"/>
-              </a:defRPr>
-            </a:lvl1pPr>
-            <a:lvl2pPr marR="0" lvl="1" algn="l" rtl="0">
-              <a:lnSpc>
-                <a:spcPct val="80000"/>
-              </a:lnSpc>
-              <a:spcBef>
-                <a:spcPts val="0"/>
-              </a:spcBef>
-              <a:spcAft>
-                <a:spcPts val="0"/>
-              </a:spcAft>
-              <a:buClr>
-                <a:schemeClr val="accent5"/>
-              </a:buClr>
-              <a:buSzPts val="4200"/>
-              <a:buFont typeface="Montserrat ExtraBold"/>
-              <a:buNone/>
-              <a:defRPr sz="4200" b="0" i="0" u="none" strike="noStrike" cap="none">
-                <a:solidFill>
-                  <a:schemeClr val="accent5"/>
-                </a:solidFill>
-                <a:latin typeface="Montserrat ExtraBold"/>
-                <a:ea typeface="Montserrat ExtraBold"/>
-                <a:cs typeface="Montserrat ExtraBold"/>
-                <a:sym typeface="Montserrat ExtraBold"/>
-              </a:defRPr>
-            </a:lvl2pPr>
-            <a:lvl3pPr marR="0" lvl="2" algn="l" rtl="0">
-              <a:lnSpc>
-                <a:spcPct val="80000"/>
-              </a:lnSpc>
-              <a:spcBef>
-                <a:spcPts val="0"/>
-              </a:spcBef>
-              <a:spcAft>
-                <a:spcPts val="0"/>
-              </a:spcAft>
-              <a:buClr>
-                <a:schemeClr val="accent5"/>
-              </a:buClr>
-              <a:buSzPts val="4200"/>
-              <a:buFont typeface="Montserrat ExtraBold"/>
-              <a:buNone/>
-              <a:defRPr sz="4200" b="0" i="0" u="none" strike="noStrike" cap="none">
-                <a:solidFill>
-                  <a:schemeClr val="accent5"/>
-                </a:solidFill>
-                <a:latin typeface="Montserrat ExtraBold"/>
-                <a:ea typeface="Montserrat ExtraBold"/>
-                <a:cs typeface="Montserrat ExtraBold"/>
-                <a:sym typeface="Montserrat ExtraBold"/>
-              </a:defRPr>
-            </a:lvl3pPr>
-            <a:lvl4pPr marR="0" lvl="3" algn="l" rtl="0">
-              <a:lnSpc>
-                <a:spcPct val="80000"/>
-              </a:lnSpc>
-              <a:spcBef>
-                <a:spcPts val="0"/>
-              </a:spcBef>
-              <a:spcAft>
-                <a:spcPts val="0"/>
-              </a:spcAft>
-              <a:buClr>
-                <a:schemeClr val="accent5"/>
-              </a:buClr>
-              <a:buSzPts val="4200"/>
-              <a:buFont typeface="Montserrat ExtraBold"/>
-              <a:buNone/>
-              <a:defRPr sz="4200" b="0" i="0" u="none" strike="noStrike" cap="none">
-                <a:solidFill>
-                  <a:schemeClr val="accent5"/>
-                </a:solidFill>
-                <a:latin typeface="Montserrat ExtraBold"/>
-                <a:ea typeface="Montserrat ExtraBold"/>
-                <a:cs typeface="Montserrat ExtraBold"/>
-                <a:sym typeface="Montserrat ExtraBold"/>
-              </a:defRPr>
-            </a:lvl4pPr>
-            <a:lvl5pPr marR="0" lvl="4" algn="l" rtl="0">
-              <a:lnSpc>
-                <a:spcPct val="80000"/>
-              </a:lnSpc>
-              <a:spcBef>
-                <a:spcPts val="0"/>
-              </a:spcBef>
-              <a:spcAft>
-                <a:spcPts val="0"/>
-              </a:spcAft>
-              <a:buClr>
-                <a:schemeClr val="accent5"/>
-              </a:buClr>
-              <a:buSzPts val="4200"/>
-              <a:buFont typeface="Montserrat ExtraBold"/>
-              <a:buNone/>
-              <a:defRPr sz="4200" b="0" i="0" u="none" strike="noStrike" cap="none">
-                <a:solidFill>
-                  <a:schemeClr val="accent5"/>
-                </a:solidFill>
-                <a:latin typeface="Montserrat ExtraBold"/>
-                <a:ea typeface="Montserrat ExtraBold"/>
-                <a:cs typeface="Montserrat ExtraBold"/>
-                <a:sym typeface="Montserrat ExtraBold"/>
-              </a:defRPr>
-            </a:lvl5pPr>
-            <a:lvl6pPr marR="0" lvl="5" algn="l" rtl="0">
-              <a:lnSpc>
-                <a:spcPct val="80000"/>
-              </a:lnSpc>
-              <a:spcBef>
-                <a:spcPts val="0"/>
-              </a:spcBef>
-              <a:spcAft>
-                <a:spcPts val="0"/>
-              </a:spcAft>
-              <a:buClr>
-                <a:schemeClr val="accent5"/>
-              </a:buClr>
-              <a:buSzPts val="4200"/>
-              <a:buFont typeface="Montserrat ExtraBold"/>
-              <a:buNone/>
-              <a:defRPr sz="4200" b="0" i="0" u="none" strike="noStrike" cap="none">
-                <a:solidFill>
-                  <a:schemeClr val="accent5"/>
-                </a:solidFill>
-                <a:latin typeface="Montserrat ExtraBold"/>
-                <a:ea typeface="Montserrat ExtraBold"/>
-                <a:cs typeface="Montserrat ExtraBold"/>
-                <a:sym typeface="Montserrat ExtraBold"/>
-              </a:defRPr>
-            </a:lvl6pPr>
-            <a:lvl7pPr marR="0" lvl="6" algn="l" rtl="0">
-              <a:lnSpc>
-                <a:spcPct val="80000"/>
-              </a:lnSpc>
-              <a:spcBef>
-                <a:spcPts val="0"/>
-              </a:spcBef>
-              <a:spcAft>
-                <a:spcPts val="0"/>
-              </a:spcAft>
-              <a:buClr>
-                <a:schemeClr val="accent5"/>
-              </a:buClr>
-              <a:buSzPts val="4200"/>
-              <a:buFont typeface="Montserrat ExtraBold"/>
-              <a:buNone/>
-              <a:defRPr sz="4200" b="0" i="0" u="none" strike="noStrike" cap="none">
-                <a:solidFill>
-                  <a:schemeClr val="accent5"/>
-                </a:solidFill>
-                <a:latin typeface="Montserrat ExtraBold"/>
-                <a:ea typeface="Montserrat ExtraBold"/>
-                <a:cs typeface="Montserrat ExtraBold"/>
-                <a:sym typeface="Montserrat ExtraBold"/>
-              </a:defRPr>
-            </a:lvl7pPr>
-            <a:lvl8pPr marR="0" lvl="7" algn="l" rtl="0">
-              <a:lnSpc>
-                <a:spcPct val="80000"/>
-              </a:lnSpc>
-              <a:spcBef>
-                <a:spcPts val="0"/>
-              </a:spcBef>
-              <a:spcAft>
-                <a:spcPts val="0"/>
-              </a:spcAft>
-              <a:buClr>
-                <a:schemeClr val="accent5"/>
-              </a:buClr>
-              <a:buSzPts val="4200"/>
-              <a:buFont typeface="Montserrat ExtraBold"/>
-              <a:buNone/>
-              <a:defRPr sz="4200" b="0" i="0" u="none" strike="noStrike" cap="none">
-                <a:solidFill>
-                  <a:schemeClr val="accent5"/>
-                </a:solidFill>
-                <a:latin typeface="Montserrat ExtraBold"/>
-                <a:ea typeface="Montserrat ExtraBold"/>
-                <a:cs typeface="Montserrat ExtraBold"/>
-                <a:sym typeface="Montserrat ExtraBold"/>
-              </a:defRPr>
-            </a:lvl8pPr>
-            <a:lvl9pPr marR="0" lvl="8" algn="l" rtl="0">
-              <a:lnSpc>
-                <a:spcPct val="80000"/>
-              </a:lnSpc>
-              <a:spcBef>
-                <a:spcPts val="0"/>
-              </a:spcBef>
-              <a:spcAft>
-                <a:spcPts val="0"/>
-              </a:spcAft>
-              <a:buClr>
-                <a:schemeClr val="accent5"/>
-              </a:buClr>
-              <a:buSzPts val="4200"/>
-              <a:buFont typeface="Montserrat ExtraBold"/>
-              <a:buNone/>
-              <a:defRPr sz="4200" b="0" i="0" u="none" strike="noStrike" cap="none">
-                <a:solidFill>
-                  <a:schemeClr val="accent5"/>
-                </a:solidFill>
-                <a:latin typeface="Montserrat ExtraBold"/>
-                <a:ea typeface="Montserrat ExtraBold"/>
-                <a:cs typeface="Montserrat ExtraBold"/>
-                <a:sym typeface="Montserrat ExtraBold"/>
-              </a:defRPr>
-            </a:lvl9pPr>
-          </a:lstStyle>
-          <a:p>
-            <a:pPr algn="r"/>
-            <a:r>
-              <a:rPr lang="pt-BR" sz="2800" dirty="0"/>
-              <a:t>REQUISITOS FUNCIONAIS</a:t>
-            </a:r>
-          </a:p>
-        </p:txBody>
-      </p:sp>
-    </p:spTree>
-    <p:extLst>
-      <p:ext uri="{BB962C8B-B14F-4D97-AF65-F5344CB8AC3E}">
-        <p14:creationId xmlns:p14="http://schemas.microsoft.com/office/powerpoint/2010/main" val="603362062"/>
-      </p:ext>
-    </p:extLst>
-  </p:cSld>
-  <p:clrMapOvr>
-    <a:masterClrMapping/>
-  </p:clrMapOvr>
-</p:sld>
-</file>
-
-<file path=ppt/slides/slide8.xml><?xml version="1.0" encoding="utf-8"?>
-<p:sld xmlns:a="http://schemas.openxmlformats.org/drawingml/2006/main" xmlns:r="http://schemas.openxmlformats.org/officeDocument/2006/relationships" xmlns:p="http://schemas.openxmlformats.org/presentationml/2006/main">
-  <p:cSld>
-    <p:spTree>
-      <p:nvGrpSpPr>
-        <p:cNvPr id="1" name="Shape 213">
-          <a:extLst>
-            <a:ext uri="{FF2B5EF4-FFF2-40B4-BE49-F238E27FC236}">
-              <a16:creationId xmlns:a16="http://schemas.microsoft.com/office/drawing/2014/main" id="{DD2A5D97-3743-6817-59F2-6201A3F857A7}"/>
-            </a:ext>
-          </a:extLst>
-        </p:cNvPr>
-        <p:cNvGrpSpPr/>
-        <p:nvPr/>
-      </p:nvGrpSpPr>
-      <p:grpSpPr>
-        <a:xfrm>
-          <a:off x="0" y="0"/>
-          <a:ext cx="0" cy="0"/>
-          <a:chOff x="0" y="0"/>
-          <a:chExt cx="0" cy="0"/>
-        </a:xfrm>
-      </p:grpSpPr>
-      <p:sp>
-        <p:nvSpPr>
-          <p:cNvPr id="214" name="Google Shape;214;p28">
-            <a:extLst>
-              <a:ext uri="{FF2B5EF4-FFF2-40B4-BE49-F238E27FC236}">
-                <a16:creationId xmlns:a16="http://schemas.microsoft.com/office/drawing/2014/main" id="{176F63DD-76D0-FD02-5336-7F0BFD5CFA39}"/>
-              </a:ext>
-            </a:extLst>
-          </p:cNvPr>
-          <p:cNvSpPr txBox="1">
-            <a:spLocks noGrp="1"/>
-          </p:cNvSpPr>
-          <p:nvPr>
-            <p:ph type="subTitle" idx="1"/>
-          </p:nvPr>
-        </p:nvSpPr>
-        <p:spPr>
-          <a:xfrm>
-            <a:off x="518172" y="1848220"/>
-            <a:ext cx="8107655" cy="1447059"/>
-          </a:xfrm>
-          <a:prstGeom prst="rect">
-            <a:avLst/>
-          </a:prstGeom>
-        </p:spPr>
-        <p:txBody>
-          <a:bodyPr spcFirstLastPara="1" wrap="square" lIns="91425" tIns="91425" rIns="91425" bIns="91425" numCol="2" spcCol="360000" anchor="ctr" anchorCtr="0">
-            <a:noAutofit/>
-          </a:bodyPr>
-          <a:lstStyle/>
-          <a:p>
-            <a:pPr marL="285750" lvl="0" indent="-285750" algn="just" rtl="0">
-              <a:spcBef>
-                <a:spcPts val="0"/>
-              </a:spcBef>
-              <a:spcAft>
-                <a:spcPts val="0"/>
-              </a:spcAft>
-              <a:buFont typeface="Arial" panose="020B0604020202020204" pitchFamily="34" charset="0"/>
-              <a:buChar char="•"/>
-            </a:pPr>
-            <a:r>
-              <a:rPr lang="pt-BR" sz="2400" dirty="0">
-                <a:solidFill>
-                  <a:schemeClr val="tx1"/>
-                </a:solidFill>
-                <a:effectLst/>
-                <a:latin typeface="Calibri" panose="020F0502020204030204" pitchFamily="34" charset="0"/>
-                <a:ea typeface="Calibri" panose="020F0502020204030204" pitchFamily="34" charset="0"/>
-                <a:cs typeface="Times New Roman" panose="02020603050405020304" pitchFamily="18" charset="0"/>
-              </a:rPr>
-              <a:t>Desempenho</a:t>
-            </a:r>
-          </a:p>
-          <a:p>
-            <a:pPr marL="285750" lvl="0" indent="-285750" algn="just" rtl="0">
-              <a:spcBef>
-                <a:spcPts val="0"/>
-              </a:spcBef>
-              <a:spcAft>
-                <a:spcPts val="0"/>
-              </a:spcAft>
-              <a:buFont typeface="Arial" panose="020B0604020202020204" pitchFamily="34" charset="0"/>
-              <a:buChar char="•"/>
-            </a:pPr>
-            <a:r>
-              <a:rPr lang="pt-BR" sz="2400" dirty="0">
-                <a:solidFill>
-                  <a:schemeClr val="tx1"/>
-                </a:solidFill>
-                <a:effectLst/>
-                <a:latin typeface="Calibri" panose="020F0502020204030204" pitchFamily="34" charset="0"/>
-                <a:ea typeface="Calibri" panose="020F0502020204030204" pitchFamily="34" charset="0"/>
-                <a:cs typeface="Times New Roman" panose="02020603050405020304" pitchFamily="18" charset="0"/>
-              </a:rPr>
-              <a:t>Segurança</a:t>
-            </a:r>
-          </a:p>
-          <a:p>
-            <a:pPr marL="285750" lvl="0" indent="-285750" algn="just" rtl="0">
-              <a:spcBef>
-                <a:spcPts val="0"/>
-              </a:spcBef>
-              <a:spcAft>
-                <a:spcPts val="0"/>
-              </a:spcAft>
-              <a:buFont typeface="Arial" panose="020B0604020202020204" pitchFamily="34" charset="0"/>
-              <a:buChar char="•"/>
-            </a:pPr>
-            <a:r>
-              <a:rPr lang="pt-BR" sz="2400" dirty="0">
-                <a:solidFill>
-                  <a:schemeClr val="tx1"/>
-                </a:solidFill>
-                <a:effectLst/>
-                <a:latin typeface="Calibri" panose="020F0502020204030204" pitchFamily="34" charset="0"/>
-                <a:ea typeface="Calibri" panose="020F0502020204030204" pitchFamily="34" charset="0"/>
-                <a:cs typeface="Times New Roman" panose="02020603050405020304" pitchFamily="18" charset="0"/>
-              </a:rPr>
-              <a:t>Usabilidade</a:t>
-            </a:r>
-          </a:p>
-          <a:p>
-            <a:pPr marL="285750" lvl="0" indent="-285750" algn="just" rtl="0">
-              <a:spcBef>
-                <a:spcPts val="0"/>
-              </a:spcBef>
-              <a:spcAft>
-                <a:spcPts val="0"/>
-              </a:spcAft>
-              <a:buFont typeface="Arial" panose="020B0604020202020204" pitchFamily="34" charset="0"/>
-              <a:buChar char="•"/>
-            </a:pPr>
-            <a:r>
-              <a:rPr lang="pt-BR" sz="2400" dirty="0">
-                <a:solidFill>
-                  <a:schemeClr val="tx1"/>
-                </a:solidFill>
-                <a:effectLst/>
-                <a:latin typeface="Calibri" panose="020F0502020204030204" pitchFamily="34" charset="0"/>
-                <a:ea typeface="Calibri" panose="020F0502020204030204" pitchFamily="34" charset="0"/>
-                <a:cs typeface="Times New Roman" panose="02020603050405020304" pitchFamily="18" charset="0"/>
-              </a:rPr>
-              <a:t>Confiabilidade</a:t>
-            </a:r>
-          </a:p>
-          <a:p>
-            <a:pPr marL="285750" lvl="0" indent="-285750" algn="just" rtl="0">
-              <a:spcBef>
-                <a:spcPts val="0"/>
-              </a:spcBef>
-              <a:spcAft>
-                <a:spcPts val="0"/>
-              </a:spcAft>
-              <a:buFont typeface="Arial" panose="020B0604020202020204" pitchFamily="34" charset="0"/>
-              <a:buChar char="•"/>
-            </a:pPr>
-            <a:r>
-              <a:rPr lang="pt-BR" sz="2400" dirty="0">
-                <a:solidFill>
-                  <a:schemeClr val="tx1"/>
-                </a:solidFill>
-                <a:effectLst/>
-                <a:latin typeface="Calibri" panose="020F0502020204030204" pitchFamily="34" charset="0"/>
-                <a:ea typeface="Calibri" panose="020F0502020204030204" pitchFamily="34" charset="0"/>
-                <a:cs typeface="Times New Roman" panose="02020603050405020304" pitchFamily="18" charset="0"/>
-              </a:rPr>
-              <a:t>Escalabilidade</a:t>
-            </a:r>
-          </a:p>
-          <a:p>
-            <a:pPr marL="285750" lvl="0" indent="-285750" algn="just" rtl="0">
-              <a:spcBef>
-                <a:spcPts val="0"/>
-              </a:spcBef>
-              <a:spcAft>
-                <a:spcPts val="0"/>
-              </a:spcAft>
-              <a:buFont typeface="Arial" panose="020B0604020202020204" pitchFamily="34" charset="0"/>
-              <a:buChar char="•"/>
-            </a:pPr>
-            <a:r>
-              <a:rPr lang="pt-BR" sz="2400" dirty="0">
-                <a:solidFill>
-                  <a:schemeClr val="tx1"/>
-                </a:solidFill>
-                <a:effectLst/>
-                <a:latin typeface="Calibri" panose="020F0502020204030204" pitchFamily="34" charset="0"/>
-                <a:ea typeface="Calibri" panose="020F0502020204030204" pitchFamily="34" charset="0"/>
-                <a:cs typeface="Times New Roman" panose="02020603050405020304" pitchFamily="18" charset="0"/>
-              </a:rPr>
-              <a:t>Compatibilidade</a:t>
-            </a:r>
-          </a:p>
-          <a:p>
-            <a:pPr marL="285750" lvl="0" indent="-285750" algn="just" rtl="0">
-              <a:spcBef>
-                <a:spcPts val="0"/>
-              </a:spcBef>
-              <a:spcAft>
-                <a:spcPts val="0"/>
-              </a:spcAft>
-              <a:buFont typeface="Arial" panose="020B0604020202020204" pitchFamily="34" charset="0"/>
-              <a:buChar char="•"/>
-            </a:pPr>
-            <a:r>
-              <a:rPr lang="pt-BR" sz="2400" dirty="0">
-                <a:solidFill>
-                  <a:schemeClr val="tx1"/>
-                </a:solidFill>
-                <a:effectLst/>
-                <a:latin typeface="Calibri" panose="020F0502020204030204" pitchFamily="34" charset="0"/>
-                <a:ea typeface="Calibri" panose="020F0502020204030204" pitchFamily="34" charset="0"/>
-                <a:cs typeface="Times New Roman" panose="02020603050405020304" pitchFamily="18" charset="0"/>
-              </a:rPr>
-              <a:t>Manutenibilidade:</a:t>
-            </a:r>
-          </a:p>
-        </p:txBody>
-      </p:sp>
-      <p:sp>
-        <p:nvSpPr>
-          <p:cNvPr id="4" name="Google Shape;319;p33">
-            <a:extLst>
-              <a:ext uri="{FF2B5EF4-FFF2-40B4-BE49-F238E27FC236}">
-                <a16:creationId xmlns:a16="http://schemas.microsoft.com/office/drawing/2014/main" id="{9A4DE705-6D0B-D30F-32B9-15A5775532DA}"/>
-              </a:ext>
-            </a:extLst>
-          </p:cNvPr>
-          <p:cNvSpPr/>
-          <p:nvPr/>
-        </p:nvSpPr>
-        <p:spPr>
-          <a:xfrm>
-            <a:off x="1000" y="185374"/>
-            <a:ext cx="3567100" cy="249631"/>
-          </a:xfrm>
-          <a:prstGeom prst="rect">
-            <a:avLst/>
-          </a:prstGeom>
-          <a:solidFill>
-            <a:schemeClr val="lt2"/>
-          </a:solidFill>
-          <a:ln>
-            <a:noFill/>
-          </a:ln>
-        </p:spPr>
-        <p:txBody>
-          <a:bodyPr spcFirstLastPara="1" wrap="square" lIns="91425" tIns="91425" rIns="91425" bIns="91425" anchor="ctr" anchorCtr="0">
-            <a:noAutofit/>
-          </a:bodyPr>
-          <a:lstStyle/>
-          <a:p>
-            <a:pPr marL="0" lvl="0" indent="0" algn="l" rtl="0">
-              <a:spcBef>
-                <a:spcPts val="0"/>
-              </a:spcBef>
-              <a:spcAft>
-                <a:spcPts val="0"/>
-              </a:spcAft>
-              <a:buNone/>
-            </a:pPr>
-            <a:endParaRPr/>
-          </a:p>
-        </p:txBody>
-      </p:sp>
-      <p:sp>
-        <p:nvSpPr>
-          <p:cNvPr id="6" name="Google Shape;322;p33">
-            <a:extLst>
-              <a:ext uri="{FF2B5EF4-FFF2-40B4-BE49-F238E27FC236}">
-                <a16:creationId xmlns:a16="http://schemas.microsoft.com/office/drawing/2014/main" id="{6FC900F2-14EE-1303-A5C4-3E6B7697AA58}"/>
-              </a:ext>
-            </a:extLst>
-          </p:cNvPr>
-          <p:cNvSpPr txBox="1">
-            <a:spLocks/>
-          </p:cNvSpPr>
-          <p:nvPr/>
-        </p:nvSpPr>
-        <p:spPr>
-          <a:xfrm>
-            <a:off x="139700" y="533550"/>
-            <a:ext cx="3428400" cy="531900"/>
-          </a:xfrm>
-          <a:prstGeom prst="rect">
-            <a:avLst/>
-          </a:prstGeom>
-          <a:noFill/>
-          <a:ln>
-            <a:noFill/>
-          </a:ln>
-        </p:spPr>
-        <p:txBody>
-          <a:bodyPr spcFirstLastPara="1" wrap="square" lIns="0" tIns="0" rIns="0" bIns="0" anchor="t" anchorCtr="0">
-            <a:noAutofit/>
-          </a:bodyPr>
-          <a:lstStyle>
-            <a:defPPr marR="0" lvl="0" algn="l" rtl="0">
-              <a:lnSpc>
-                <a:spcPct val="100000"/>
-              </a:lnSpc>
-              <a:spcBef>
-                <a:spcPts val="0"/>
-              </a:spcBef>
-              <a:spcAft>
-                <a:spcPts val="0"/>
-              </a:spcAft>
-            </a:defPPr>
-            <a:lvl1pPr marR="0" lvl="0" algn="l" rtl="0">
-              <a:lnSpc>
-                <a:spcPct val="80000"/>
-              </a:lnSpc>
-              <a:spcBef>
-                <a:spcPts val="0"/>
-              </a:spcBef>
-              <a:spcAft>
-                <a:spcPts val="0"/>
-              </a:spcAft>
-              <a:buClr>
-                <a:schemeClr val="accent5"/>
-              </a:buClr>
-              <a:buSzPts val="4200"/>
-              <a:buFont typeface="Montserrat ExtraBold"/>
-              <a:buNone/>
-              <a:defRPr sz="6000" b="0" i="0" u="none" strike="noStrike" cap="none">
-                <a:solidFill>
-                  <a:schemeClr val="dk2"/>
-                </a:solidFill>
-                <a:latin typeface="Montserrat ExtraBold"/>
-                <a:ea typeface="Montserrat ExtraBold"/>
-                <a:cs typeface="Montserrat ExtraBold"/>
-                <a:sym typeface="Montserrat ExtraBold"/>
-              </a:defRPr>
-            </a:lvl1pPr>
-            <a:lvl2pPr marR="0" lvl="1" algn="l" rtl="0">
-              <a:lnSpc>
-                <a:spcPct val="80000"/>
-              </a:lnSpc>
-              <a:spcBef>
-                <a:spcPts val="0"/>
-              </a:spcBef>
-              <a:spcAft>
-                <a:spcPts val="0"/>
-              </a:spcAft>
-              <a:buClr>
-                <a:schemeClr val="accent5"/>
-              </a:buClr>
-              <a:buSzPts val="4200"/>
-              <a:buFont typeface="Montserrat ExtraBold"/>
-              <a:buNone/>
-              <a:defRPr sz="4200" b="0" i="0" u="none" strike="noStrike" cap="none">
-                <a:solidFill>
-                  <a:schemeClr val="accent5"/>
-                </a:solidFill>
-                <a:latin typeface="Montserrat ExtraBold"/>
-                <a:ea typeface="Montserrat ExtraBold"/>
-                <a:cs typeface="Montserrat ExtraBold"/>
-                <a:sym typeface="Montserrat ExtraBold"/>
-              </a:defRPr>
-            </a:lvl2pPr>
-            <a:lvl3pPr marR="0" lvl="2" algn="l" rtl="0">
-              <a:lnSpc>
-                <a:spcPct val="80000"/>
-              </a:lnSpc>
-              <a:spcBef>
-                <a:spcPts val="0"/>
-              </a:spcBef>
-              <a:spcAft>
-                <a:spcPts val="0"/>
-              </a:spcAft>
-              <a:buClr>
-                <a:schemeClr val="accent5"/>
-              </a:buClr>
-              <a:buSzPts val="4200"/>
-              <a:buFont typeface="Montserrat ExtraBold"/>
-              <a:buNone/>
-              <a:defRPr sz="4200" b="0" i="0" u="none" strike="noStrike" cap="none">
-                <a:solidFill>
-                  <a:schemeClr val="accent5"/>
-                </a:solidFill>
-                <a:latin typeface="Montserrat ExtraBold"/>
-                <a:ea typeface="Montserrat ExtraBold"/>
-                <a:cs typeface="Montserrat ExtraBold"/>
-                <a:sym typeface="Montserrat ExtraBold"/>
-              </a:defRPr>
-            </a:lvl3pPr>
-            <a:lvl4pPr marR="0" lvl="3" algn="l" rtl="0">
-              <a:lnSpc>
-                <a:spcPct val="80000"/>
-              </a:lnSpc>
-              <a:spcBef>
-                <a:spcPts val="0"/>
-              </a:spcBef>
-              <a:spcAft>
-                <a:spcPts val="0"/>
-              </a:spcAft>
-              <a:buClr>
-                <a:schemeClr val="accent5"/>
-              </a:buClr>
-              <a:buSzPts val="4200"/>
-              <a:buFont typeface="Montserrat ExtraBold"/>
-              <a:buNone/>
-              <a:defRPr sz="4200" b="0" i="0" u="none" strike="noStrike" cap="none">
-                <a:solidFill>
-                  <a:schemeClr val="accent5"/>
-                </a:solidFill>
-                <a:latin typeface="Montserrat ExtraBold"/>
-                <a:ea typeface="Montserrat ExtraBold"/>
-                <a:cs typeface="Montserrat ExtraBold"/>
-                <a:sym typeface="Montserrat ExtraBold"/>
-              </a:defRPr>
-            </a:lvl4pPr>
-            <a:lvl5pPr marR="0" lvl="4" algn="l" rtl="0">
-              <a:lnSpc>
-                <a:spcPct val="80000"/>
-              </a:lnSpc>
-              <a:spcBef>
-                <a:spcPts val="0"/>
-              </a:spcBef>
-              <a:spcAft>
-                <a:spcPts val="0"/>
-              </a:spcAft>
-              <a:buClr>
-                <a:schemeClr val="accent5"/>
-              </a:buClr>
-              <a:buSzPts val="4200"/>
-              <a:buFont typeface="Montserrat ExtraBold"/>
-              <a:buNone/>
-              <a:defRPr sz="4200" b="0" i="0" u="none" strike="noStrike" cap="none">
-                <a:solidFill>
-                  <a:schemeClr val="accent5"/>
-                </a:solidFill>
-                <a:latin typeface="Montserrat ExtraBold"/>
-                <a:ea typeface="Montserrat ExtraBold"/>
-                <a:cs typeface="Montserrat ExtraBold"/>
-                <a:sym typeface="Montserrat ExtraBold"/>
-              </a:defRPr>
-            </a:lvl5pPr>
-            <a:lvl6pPr marR="0" lvl="5" algn="l" rtl="0">
-              <a:lnSpc>
-                <a:spcPct val="80000"/>
-              </a:lnSpc>
-              <a:spcBef>
-                <a:spcPts val="0"/>
-              </a:spcBef>
-              <a:spcAft>
-                <a:spcPts val="0"/>
-              </a:spcAft>
-              <a:buClr>
-                <a:schemeClr val="accent5"/>
-              </a:buClr>
-              <a:buSzPts val="4200"/>
-              <a:buFont typeface="Montserrat ExtraBold"/>
-              <a:buNone/>
-              <a:defRPr sz="4200" b="0" i="0" u="none" strike="noStrike" cap="none">
-                <a:solidFill>
-                  <a:schemeClr val="accent5"/>
-                </a:solidFill>
-                <a:latin typeface="Montserrat ExtraBold"/>
-                <a:ea typeface="Montserrat ExtraBold"/>
-                <a:cs typeface="Montserrat ExtraBold"/>
-                <a:sym typeface="Montserrat ExtraBold"/>
-              </a:defRPr>
-            </a:lvl6pPr>
-            <a:lvl7pPr marR="0" lvl="6" algn="l" rtl="0">
-              <a:lnSpc>
-                <a:spcPct val="80000"/>
-              </a:lnSpc>
-              <a:spcBef>
-                <a:spcPts val="0"/>
-              </a:spcBef>
-              <a:spcAft>
-                <a:spcPts val="0"/>
-              </a:spcAft>
-              <a:buClr>
-                <a:schemeClr val="accent5"/>
-              </a:buClr>
-              <a:buSzPts val="4200"/>
-              <a:buFont typeface="Montserrat ExtraBold"/>
-              <a:buNone/>
-              <a:defRPr sz="4200" b="0" i="0" u="none" strike="noStrike" cap="none">
-                <a:solidFill>
-                  <a:schemeClr val="accent5"/>
-                </a:solidFill>
-                <a:latin typeface="Montserrat ExtraBold"/>
-                <a:ea typeface="Montserrat ExtraBold"/>
-                <a:cs typeface="Montserrat ExtraBold"/>
-                <a:sym typeface="Montserrat ExtraBold"/>
-              </a:defRPr>
-            </a:lvl7pPr>
-            <a:lvl8pPr marR="0" lvl="7" algn="l" rtl="0">
-              <a:lnSpc>
-                <a:spcPct val="80000"/>
-              </a:lnSpc>
-              <a:spcBef>
-                <a:spcPts val="0"/>
-              </a:spcBef>
-              <a:spcAft>
-                <a:spcPts val="0"/>
-              </a:spcAft>
-              <a:buClr>
-                <a:schemeClr val="accent5"/>
-              </a:buClr>
-              <a:buSzPts val="4200"/>
-              <a:buFont typeface="Montserrat ExtraBold"/>
-              <a:buNone/>
-              <a:defRPr sz="4200" b="0" i="0" u="none" strike="noStrike" cap="none">
-                <a:solidFill>
-                  <a:schemeClr val="accent5"/>
-                </a:solidFill>
-                <a:latin typeface="Montserrat ExtraBold"/>
-                <a:ea typeface="Montserrat ExtraBold"/>
-                <a:cs typeface="Montserrat ExtraBold"/>
-                <a:sym typeface="Montserrat ExtraBold"/>
-              </a:defRPr>
-            </a:lvl8pPr>
-            <a:lvl9pPr marR="0" lvl="8" algn="l" rtl="0">
-              <a:lnSpc>
-                <a:spcPct val="80000"/>
-              </a:lnSpc>
-              <a:spcBef>
-                <a:spcPts val="0"/>
-              </a:spcBef>
-              <a:spcAft>
-                <a:spcPts val="0"/>
-              </a:spcAft>
-              <a:buClr>
-                <a:schemeClr val="accent5"/>
-              </a:buClr>
-              <a:buSzPts val="4200"/>
-              <a:buFont typeface="Montserrat ExtraBold"/>
-              <a:buNone/>
-              <a:defRPr sz="4200" b="0" i="0" u="none" strike="noStrike" cap="none">
-                <a:solidFill>
-                  <a:schemeClr val="accent5"/>
-                </a:solidFill>
-                <a:latin typeface="Montserrat ExtraBold"/>
-                <a:ea typeface="Montserrat ExtraBold"/>
-                <a:cs typeface="Montserrat ExtraBold"/>
-                <a:sym typeface="Montserrat ExtraBold"/>
-              </a:defRPr>
-            </a:lvl9pPr>
-          </a:lstStyle>
-          <a:p>
-            <a:pPr algn="r"/>
-            <a:r>
-              <a:rPr lang="pt-BR" sz="2800" dirty="0"/>
-              <a:t>REQUISITOS</a:t>
-            </a:r>
-          </a:p>
-          <a:p>
-            <a:pPr algn="r"/>
-            <a:r>
-              <a:rPr lang="pt-BR" sz="2800" dirty="0"/>
-              <a:t>NÃO FUNCIONAIS</a:t>
-            </a:r>
-          </a:p>
-        </p:txBody>
-      </p:sp>
-    </p:spTree>
-    <p:extLst>
-      <p:ext uri="{BB962C8B-B14F-4D97-AF65-F5344CB8AC3E}">
-        <p14:creationId xmlns:p14="http://schemas.microsoft.com/office/powerpoint/2010/main" val="3357122770"/>
-      </p:ext>
-    </p:extLst>
-  </p:cSld>
-  <p:clrMapOvr>
-    <a:masterClrMapping/>
-  </p:clrMapOvr>
-</p:sld>
-</file>
-
-<file path=ppt/slides/slide9.xml><?xml version="1.0" encoding="utf-8"?>
-<p:sld xmlns:a="http://schemas.openxmlformats.org/drawingml/2006/main" xmlns:r="http://schemas.openxmlformats.org/officeDocument/2006/relationships" xmlns:p="http://schemas.openxmlformats.org/presentationml/2006/main">
-  <p:cSld>
-    <p:spTree>
-      <p:nvGrpSpPr>
-        <p:cNvPr id="1" name="Shape 213">
-          <a:extLst>
-            <a:ext uri="{FF2B5EF4-FFF2-40B4-BE49-F238E27FC236}">
-              <a16:creationId xmlns:a16="http://schemas.microsoft.com/office/drawing/2014/main" id="{803F6190-813B-ACC0-3F78-19D1E6866AB0}"/>
-            </a:ext>
-          </a:extLst>
-        </p:cNvPr>
-        <p:cNvGrpSpPr/>
-        <p:nvPr/>
-      </p:nvGrpSpPr>
-      <p:grpSpPr>
-        <a:xfrm>
-          <a:off x="0" y="0"/>
-          <a:ext cx="0" cy="0"/>
-          <a:chOff x="0" y="0"/>
-          <a:chExt cx="0" cy="0"/>
-        </a:xfrm>
-      </p:grpSpPr>
-      <p:sp>
-        <p:nvSpPr>
-          <p:cNvPr id="214" name="Google Shape;214;p28">
-            <a:extLst>
-              <a:ext uri="{FF2B5EF4-FFF2-40B4-BE49-F238E27FC236}">
-                <a16:creationId xmlns:a16="http://schemas.microsoft.com/office/drawing/2014/main" id="{3CD6409B-A685-C58D-175C-6A0AFF370FD0}"/>
-              </a:ext>
-            </a:extLst>
-          </p:cNvPr>
-          <p:cNvSpPr txBox="1">
-            <a:spLocks noGrp="1"/>
-          </p:cNvSpPr>
-          <p:nvPr>
-            <p:ph type="subTitle" idx="1"/>
-          </p:nvPr>
-        </p:nvSpPr>
-        <p:spPr>
-          <a:xfrm>
-            <a:off x="518172" y="1584062"/>
-            <a:ext cx="4577611" cy="2084588"/>
-          </a:xfrm>
-          <a:prstGeom prst="rect">
-            <a:avLst/>
-          </a:prstGeom>
-        </p:spPr>
-        <p:txBody>
-          <a:bodyPr spcFirstLastPara="1" wrap="square" lIns="91425" tIns="91425" rIns="91425" bIns="91425" numCol="1" spcCol="360000" anchor="ctr" anchorCtr="0">
-            <a:noAutofit/>
-          </a:bodyPr>
-          <a:lstStyle/>
-          <a:p>
-            <a:pPr marL="285750" lvl="0" indent="-285750" algn="just" rtl="0">
-              <a:lnSpc>
-                <a:spcPct val="150000"/>
-              </a:lnSpc>
-              <a:spcBef>
-                <a:spcPts val="0"/>
-              </a:spcBef>
-              <a:spcAft>
-                <a:spcPts val="0"/>
-              </a:spcAft>
-              <a:buFont typeface="Arial" panose="020B0604020202020204" pitchFamily="34" charset="0"/>
-              <a:buChar char="•"/>
-            </a:pPr>
-            <a:r>
-              <a:rPr lang="pt-BR" sz="2400" dirty="0">
-                <a:solidFill>
-                  <a:schemeClr val="tx1"/>
-                </a:solidFill>
-                <a:effectLst/>
-                <a:latin typeface="Calibri" panose="020F0502020204030204" pitchFamily="34" charset="0"/>
-                <a:ea typeface="Calibri" panose="020F0502020204030204" pitchFamily="34" charset="0"/>
-                <a:cs typeface="Times New Roman" panose="02020603050405020304" pitchFamily="18" charset="0"/>
-              </a:rPr>
-              <a:t>Camada de dados (databases)</a:t>
-            </a:r>
-          </a:p>
-          <a:p>
-            <a:pPr marL="285750" lvl="0" indent="-285750" algn="just" rtl="0">
-              <a:lnSpc>
-                <a:spcPct val="150000"/>
-              </a:lnSpc>
-              <a:spcBef>
-                <a:spcPts val="0"/>
-              </a:spcBef>
-              <a:spcAft>
-                <a:spcPts val="0"/>
-              </a:spcAft>
-              <a:buFont typeface="Arial" panose="020B0604020202020204" pitchFamily="34" charset="0"/>
-              <a:buChar char="•"/>
-            </a:pPr>
-            <a:r>
-              <a:rPr lang="pt-BR" sz="2400" dirty="0">
-                <a:solidFill>
-                  <a:schemeClr val="tx1"/>
-                </a:solidFill>
-                <a:effectLst/>
-                <a:latin typeface="Calibri" panose="020F0502020204030204" pitchFamily="34" charset="0"/>
-                <a:ea typeface="Calibri" panose="020F0502020204030204" pitchFamily="34" charset="0"/>
-                <a:cs typeface="Times New Roman" panose="02020603050405020304" pitchFamily="18" charset="0"/>
-              </a:rPr>
-              <a:t>Camada de bibliotecas (lib)</a:t>
-            </a:r>
-          </a:p>
-          <a:p>
-            <a:pPr marL="285750" lvl="0" indent="-285750" algn="just" rtl="0">
-              <a:lnSpc>
-                <a:spcPct val="150000"/>
-              </a:lnSpc>
-              <a:spcBef>
-                <a:spcPts val="0"/>
-              </a:spcBef>
-              <a:spcAft>
-                <a:spcPts val="0"/>
-              </a:spcAft>
-              <a:buFont typeface="Arial" panose="020B0604020202020204" pitchFamily="34" charset="0"/>
-              <a:buChar char="•"/>
-            </a:pPr>
-            <a:r>
-              <a:rPr lang="pt-BR" sz="2400" dirty="0">
-                <a:solidFill>
-                  <a:schemeClr val="tx1"/>
-                </a:solidFill>
-                <a:effectLst/>
-                <a:latin typeface="Calibri" panose="020F0502020204030204" pitchFamily="34" charset="0"/>
-                <a:ea typeface="Calibri" panose="020F0502020204030204" pitchFamily="34" charset="0"/>
-                <a:cs typeface="Times New Roman" panose="02020603050405020304" pitchFamily="18" charset="0"/>
-              </a:rPr>
-              <a:t>Camada de implementação (</a:t>
-            </a:r>
-            <a:r>
-              <a:rPr lang="pt-BR" sz="2400" dirty="0" err="1">
-                <a:solidFill>
-                  <a:schemeClr val="tx1"/>
-                </a:solidFill>
-                <a:effectLst/>
-                <a:latin typeface="Calibri" panose="020F0502020204030204" pitchFamily="34" charset="0"/>
-                <a:ea typeface="Calibri" panose="020F0502020204030204" pitchFamily="34" charset="0"/>
-                <a:cs typeface="Times New Roman" panose="02020603050405020304" pitchFamily="18" charset="0"/>
-              </a:rPr>
-              <a:t>src</a:t>
-            </a:r>
-            <a:r>
-              <a:rPr lang="pt-BR" sz="2400" dirty="0">
-                <a:solidFill>
-                  <a:schemeClr val="tx1"/>
-                </a:solidFill>
-                <a:effectLst/>
-                <a:latin typeface="Calibri" panose="020F0502020204030204" pitchFamily="34" charset="0"/>
-                <a:ea typeface="Calibri" panose="020F0502020204030204" pitchFamily="34" charset="0"/>
-                <a:cs typeface="Times New Roman" panose="02020603050405020304" pitchFamily="18" charset="0"/>
-              </a:rPr>
-              <a:t>)</a:t>
-            </a:r>
-          </a:p>
-          <a:p>
-            <a:pPr marL="285750" lvl="0" indent="-285750" algn="just" rtl="0">
-              <a:lnSpc>
-                <a:spcPct val="150000"/>
-              </a:lnSpc>
-              <a:spcBef>
-                <a:spcPts val="0"/>
-              </a:spcBef>
-              <a:spcAft>
-                <a:spcPts val="0"/>
-              </a:spcAft>
-              <a:buFont typeface="Arial" panose="020B0604020202020204" pitchFamily="34" charset="0"/>
-              <a:buChar char="•"/>
-            </a:pPr>
-            <a:r>
-              <a:rPr lang="pt-BR" sz="2400" dirty="0">
-                <a:solidFill>
-                  <a:schemeClr val="tx1"/>
-                </a:solidFill>
-                <a:latin typeface="Calibri" panose="020F0502020204030204" pitchFamily="34" charset="0"/>
-                <a:ea typeface="Calibri" panose="020F0502020204030204" pitchFamily="34" charset="0"/>
-                <a:cs typeface="Times New Roman" panose="02020603050405020304" pitchFamily="18" charset="0"/>
-              </a:rPr>
-              <a:t>Camada principal</a:t>
-            </a:r>
-            <a:endParaRPr lang="pt-BR" sz="2400" dirty="0">
-              <a:solidFill>
-                <a:schemeClr val="tx1"/>
-              </a:solidFill>
-              <a:effectLst/>
-              <a:latin typeface="Calibri" panose="020F0502020204030204" pitchFamily="34" charset="0"/>
-              <a:ea typeface="Calibri" panose="020F0502020204030204" pitchFamily="34" charset="0"/>
-              <a:cs typeface="Times New Roman" panose="02020603050405020304" pitchFamily="18" charset="0"/>
-            </a:endParaRPr>
-          </a:p>
-        </p:txBody>
-      </p:sp>
-      <p:sp>
-        <p:nvSpPr>
-          <p:cNvPr id="4" name="Google Shape;319;p33">
-            <a:extLst>
-              <a:ext uri="{FF2B5EF4-FFF2-40B4-BE49-F238E27FC236}">
-                <a16:creationId xmlns:a16="http://schemas.microsoft.com/office/drawing/2014/main" id="{BD20233C-D88F-E6A5-183F-623D46E94071}"/>
-              </a:ext>
-            </a:extLst>
-          </p:cNvPr>
-          <p:cNvSpPr/>
-          <p:nvPr/>
-        </p:nvSpPr>
-        <p:spPr>
-          <a:xfrm>
-            <a:off x="1000" y="185374"/>
-            <a:ext cx="3567100" cy="249631"/>
-          </a:xfrm>
-          <a:prstGeom prst="rect">
-            <a:avLst/>
-          </a:prstGeom>
-          <a:solidFill>
-            <a:schemeClr val="lt2"/>
-          </a:solidFill>
-          <a:ln>
-            <a:noFill/>
-          </a:ln>
-        </p:spPr>
-        <p:txBody>
-          <a:bodyPr spcFirstLastPara="1" wrap="square" lIns="91425" tIns="91425" rIns="91425" bIns="91425" anchor="ctr" anchorCtr="0">
-            <a:noAutofit/>
-          </a:bodyPr>
-          <a:lstStyle/>
-          <a:p>
-            <a:pPr marL="0" lvl="0" indent="0" algn="l" rtl="0">
-              <a:spcBef>
-                <a:spcPts val="0"/>
-              </a:spcBef>
-              <a:spcAft>
-                <a:spcPts val="0"/>
-              </a:spcAft>
-              <a:buNone/>
-            </a:pPr>
-            <a:endParaRPr/>
-          </a:p>
-        </p:txBody>
-      </p:sp>
-      <p:sp>
-        <p:nvSpPr>
-          <p:cNvPr id="6" name="Google Shape;322;p33">
-            <a:extLst>
-              <a:ext uri="{FF2B5EF4-FFF2-40B4-BE49-F238E27FC236}">
-                <a16:creationId xmlns:a16="http://schemas.microsoft.com/office/drawing/2014/main" id="{DADDE25C-EA88-E805-F126-E6490686A0B0}"/>
-              </a:ext>
-            </a:extLst>
-          </p:cNvPr>
-          <p:cNvSpPr txBox="1">
-            <a:spLocks/>
-          </p:cNvSpPr>
-          <p:nvPr/>
-        </p:nvSpPr>
-        <p:spPr>
-          <a:xfrm>
-            <a:off x="139700" y="533550"/>
-            <a:ext cx="3428400" cy="531900"/>
-          </a:xfrm>
-          <a:prstGeom prst="rect">
-            <a:avLst/>
-          </a:prstGeom>
-          <a:noFill/>
-          <a:ln>
-            <a:noFill/>
-          </a:ln>
-        </p:spPr>
-        <p:txBody>
-          <a:bodyPr spcFirstLastPara="1" wrap="square" lIns="0" tIns="0" rIns="0" bIns="0" anchor="t" anchorCtr="0">
-            <a:noAutofit/>
-          </a:bodyPr>
-          <a:lstStyle>
-            <a:defPPr marR="0" lvl="0" algn="l" rtl="0">
-              <a:lnSpc>
-                <a:spcPct val="100000"/>
-              </a:lnSpc>
-              <a:spcBef>
-                <a:spcPts val="0"/>
-              </a:spcBef>
-              <a:spcAft>
-                <a:spcPts val="0"/>
-              </a:spcAft>
-            </a:defPPr>
-            <a:lvl1pPr marR="0" lvl="0" algn="l" rtl="0">
-              <a:lnSpc>
-                <a:spcPct val="80000"/>
-              </a:lnSpc>
-              <a:spcBef>
-                <a:spcPts val="0"/>
-              </a:spcBef>
-              <a:spcAft>
-                <a:spcPts val="0"/>
-              </a:spcAft>
-              <a:buClr>
-                <a:schemeClr val="accent5"/>
-              </a:buClr>
-              <a:buSzPts val="4200"/>
-              <a:buFont typeface="Montserrat ExtraBold"/>
-              <a:buNone/>
-              <a:defRPr sz="6000" b="0" i="0" u="none" strike="noStrike" cap="none">
-                <a:solidFill>
-                  <a:schemeClr val="dk2"/>
-                </a:solidFill>
-                <a:latin typeface="Montserrat ExtraBold"/>
-                <a:ea typeface="Montserrat ExtraBold"/>
-                <a:cs typeface="Montserrat ExtraBold"/>
-                <a:sym typeface="Montserrat ExtraBold"/>
-              </a:defRPr>
-            </a:lvl1pPr>
-            <a:lvl2pPr marR="0" lvl="1" algn="l" rtl="0">
-              <a:lnSpc>
-                <a:spcPct val="80000"/>
-              </a:lnSpc>
-              <a:spcBef>
-                <a:spcPts val="0"/>
-              </a:spcBef>
-              <a:spcAft>
-                <a:spcPts val="0"/>
-              </a:spcAft>
-              <a:buClr>
-                <a:schemeClr val="accent5"/>
-              </a:buClr>
-              <a:buSzPts val="4200"/>
-              <a:buFont typeface="Montserrat ExtraBold"/>
-              <a:buNone/>
-              <a:defRPr sz="4200" b="0" i="0" u="none" strike="noStrike" cap="none">
-                <a:solidFill>
-                  <a:schemeClr val="accent5"/>
-                </a:solidFill>
-                <a:latin typeface="Montserrat ExtraBold"/>
-                <a:ea typeface="Montserrat ExtraBold"/>
-                <a:cs typeface="Montserrat ExtraBold"/>
-                <a:sym typeface="Montserrat ExtraBold"/>
-              </a:defRPr>
-            </a:lvl2pPr>
-            <a:lvl3pPr marR="0" lvl="2" algn="l" rtl="0">
-              <a:lnSpc>
-                <a:spcPct val="80000"/>
-              </a:lnSpc>
-              <a:spcBef>
-                <a:spcPts val="0"/>
-              </a:spcBef>
-              <a:spcAft>
-                <a:spcPts val="0"/>
-              </a:spcAft>
-              <a:buClr>
-                <a:schemeClr val="accent5"/>
-              </a:buClr>
-              <a:buSzPts val="4200"/>
-              <a:buFont typeface="Montserrat ExtraBold"/>
-              <a:buNone/>
-              <a:defRPr sz="4200" b="0" i="0" u="none" strike="noStrike" cap="none">
-                <a:solidFill>
-                  <a:schemeClr val="accent5"/>
-                </a:solidFill>
-                <a:latin typeface="Montserrat ExtraBold"/>
-                <a:ea typeface="Montserrat ExtraBold"/>
-                <a:cs typeface="Montserrat ExtraBold"/>
-                <a:sym typeface="Montserrat ExtraBold"/>
-              </a:defRPr>
-            </a:lvl3pPr>
-            <a:lvl4pPr marR="0" lvl="3" algn="l" rtl="0">
-              <a:lnSpc>
-                <a:spcPct val="80000"/>
-              </a:lnSpc>
-              <a:spcBef>
-                <a:spcPts val="0"/>
-              </a:spcBef>
-              <a:spcAft>
-                <a:spcPts val="0"/>
-              </a:spcAft>
-              <a:buClr>
-                <a:schemeClr val="accent5"/>
-              </a:buClr>
-              <a:buSzPts val="4200"/>
-              <a:buFont typeface="Montserrat ExtraBold"/>
-              <a:buNone/>
-              <a:defRPr sz="4200" b="0" i="0" u="none" strike="noStrike" cap="none">
-                <a:solidFill>
-                  <a:schemeClr val="accent5"/>
-                </a:solidFill>
-                <a:latin typeface="Montserrat ExtraBold"/>
-                <a:ea typeface="Montserrat ExtraBold"/>
-                <a:cs typeface="Montserrat ExtraBold"/>
-                <a:sym typeface="Montserrat ExtraBold"/>
-              </a:defRPr>
-            </a:lvl4pPr>
-            <a:lvl5pPr marR="0" lvl="4" algn="l" rtl="0">
-              <a:lnSpc>
-                <a:spcPct val="80000"/>
-              </a:lnSpc>
-              <a:spcBef>
-                <a:spcPts val="0"/>
-              </a:spcBef>
-              <a:spcAft>
-                <a:spcPts val="0"/>
-              </a:spcAft>
-              <a:buClr>
-                <a:schemeClr val="accent5"/>
-              </a:buClr>
-              <a:buSzPts val="4200"/>
-              <a:buFont typeface="Montserrat ExtraBold"/>
-              <a:buNone/>
-              <a:defRPr sz="4200" b="0" i="0" u="none" strike="noStrike" cap="none">
-                <a:solidFill>
-                  <a:schemeClr val="accent5"/>
-                </a:solidFill>
-                <a:latin typeface="Montserrat ExtraBold"/>
-                <a:ea typeface="Montserrat ExtraBold"/>
-                <a:cs typeface="Montserrat ExtraBold"/>
-                <a:sym typeface="Montserrat ExtraBold"/>
-              </a:defRPr>
-            </a:lvl5pPr>
-            <a:lvl6pPr marR="0" lvl="5" algn="l" rtl="0">
-              <a:lnSpc>
-                <a:spcPct val="80000"/>
-              </a:lnSpc>
-              <a:spcBef>
-                <a:spcPts val="0"/>
-              </a:spcBef>
-              <a:spcAft>
-                <a:spcPts val="0"/>
-              </a:spcAft>
-              <a:buClr>
-                <a:schemeClr val="accent5"/>
-              </a:buClr>
-              <a:buSzPts val="4200"/>
-              <a:buFont typeface="Montserrat ExtraBold"/>
-              <a:buNone/>
-              <a:defRPr sz="4200" b="0" i="0" u="none" strike="noStrike" cap="none">
-                <a:solidFill>
-                  <a:schemeClr val="accent5"/>
-                </a:solidFill>
-                <a:latin typeface="Montserrat ExtraBold"/>
-                <a:ea typeface="Montserrat ExtraBold"/>
-                <a:cs typeface="Montserrat ExtraBold"/>
-                <a:sym typeface="Montserrat ExtraBold"/>
-              </a:defRPr>
-            </a:lvl6pPr>
-            <a:lvl7pPr marR="0" lvl="6" algn="l" rtl="0">
-              <a:lnSpc>
-                <a:spcPct val="80000"/>
-              </a:lnSpc>
-              <a:spcBef>
-                <a:spcPts val="0"/>
-              </a:spcBef>
-              <a:spcAft>
-                <a:spcPts val="0"/>
-              </a:spcAft>
-              <a:buClr>
-                <a:schemeClr val="accent5"/>
-              </a:buClr>
-              <a:buSzPts val="4200"/>
-              <a:buFont typeface="Montserrat ExtraBold"/>
-              <a:buNone/>
-              <a:defRPr sz="4200" b="0" i="0" u="none" strike="noStrike" cap="none">
-                <a:solidFill>
-                  <a:schemeClr val="accent5"/>
-                </a:solidFill>
-                <a:latin typeface="Montserrat ExtraBold"/>
-                <a:ea typeface="Montserrat ExtraBold"/>
-                <a:cs typeface="Montserrat ExtraBold"/>
-                <a:sym typeface="Montserrat ExtraBold"/>
-              </a:defRPr>
-            </a:lvl7pPr>
-            <a:lvl8pPr marR="0" lvl="7" algn="l" rtl="0">
-              <a:lnSpc>
-                <a:spcPct val="80000"/>
-              </a:lnSpc>
-              <a:spcBef>
-                <a:spcPts val="0"/>
-              </a:spcBef>
-              <a:spcAft>
-                <a:spcPts val="0"/>
-              </a:spcAft>
-              <a:buClr>
-                <a:schemeClr val="accent5"/>
-              </a:buClr>
-              <a:buSzPts val="4200"/>
-              <a:buFont typeface="Montserrat ExtraBold"/>
-              <a:buNone/>
-              <a:defRPr sz="4200" b="0" i="0" u="none" strike="noStrike" cap="none">
-                <a:solidFill>
-                  <a:schemeClr val="accent5"/>
-                </a:solidFill>
-                <a:latin typeface="Montserrat ExtraBold"/>
-                <a:ea typeface="Montserrat ExtraBold"/>
-                <a:cs typeface="Montserrat ExtraBold"/>
-                <a:sym typeface="Montserrat ExtraBold"/>
-              </a:defRPr>
-            </a:lvl8pPr>
-            <a:lvl9pPr marR="0" lvl="8" algn="l" rtl="0">
-              <a:lnSpc>
-                <a:spcPct val="80000"/>
-              </a:lnSpc>
-              <a:spcBef>
-                <a:spcPts val="0"/>
-              </a:spcBef>
-              <a:spcAft>
-                <a:spcPts val="0"/>
-              </a:spcAft>
-              <a:buClr>
-                <a:schemeClr val="accent5"/>
-              </a:buClr>
-              <a:buSzPts val="4200"/>
-              <a:buFont typeface="Montserrat ExtraBold"/>
-              <a:buNone/>
-              <a:defRPr sz="4200" b="0" i="0" u="none" strike="noStrike" cap="none">
-                <a:solidFill>
-                  <a:schemeClr val="accent5"/>
-                </a:solidFill>
-                <a:latin typeface="Montserrat ExtraBold"/>
-                <a:ea typeface="Montserrat ExtraBold"/>
-                <a:cs typeface="Montserrat ExtraBold"/>
-                <a:sym typeface="Montserrat ExtraBold"/>
-              </a:defRPr>
-            </a:lvl9pPr>
-          </a:lstStyle>
-          <a:p>
-            <a:pPr algn="r"/>
-            <a:r>
-              <a:rPr lang="pt-BR" sz="2800" dirty="0"/>
-              <a:t>ARQUITETURA</a:t>
-            </a:r>
-          </a:p>
-        </p:txBody>
-      </p:sp>
-      <p:grpSp>
-        <p:nvGrpSpPr>
-          <p:cNvPr id="9" name="Agrupar 8">
-            <a:extLst>
-              <a:ext uri="{FF2B5EF4-FFF2-40B4-BE49-F238E27FC236}">
-                <a16:creationId xmlns:a16="http://schemas.microsoft.com/office/drawing/2014/main" id="{2348784B-EA46-C2DF-F37D-55A7C47E4BEF}"/>
-              </a:ext>
-            </a:extLst>
-          </p:cNvPr>
-          <p:cNvGrpSpPr/>
-          <p:nvPr/>
-        </p:nvGrpSpPr>
-        <p:grpSpPr>
-          <a:xfrm>
-            <a:off x="6140762" y="199775"/>
-            <a:ext cx="1565136" cy="4743949"/>
-            <a:chOff x="3912951" y="0"/>
-            <a:chExt cx="1318096" cy="4431192"/>
-          </a:xfrm>
-        </p:grpSpPr>
-        <p:pic>
-          <p:nvPicPr>
-            <p:cNvPr id="3" name="Imagem 2" descr="Texto&#10;&#10;Descrição gerada automaticamente com confiança média">
-              <a:extLst>
-                <a:ext uri="{FF2B5EF4-FFF2-40B4-BE49-F238E27FC236}">
-                  <a16:creationId xmlns:a16="http://schemas.microsoft.com/office/drawing/2014/main" id="{C1F74B5F-5778-F590-3605-3DC8A953A0C7}"/>
-                </a:ext>
-              </a:extLst>
-            </p:cNvPr>
-            <p:cNvPicPr>
-              <a:picLocks noChangeAspect="1"/>
-            </p:cNvPicPr>
-            <p:nvPr/>
-          </p:nvPicPr>
-          <p:blipFill>
-            <a:blip r:embed="rId3"/>
-            <a:srcRect b="21454"/>
-            <a:stretch/>
-          </p:blipFill>
-          <p:spPr>
-            <a:xfrm>
-              <a:off x="3912952" y="0"/>
-              <a:ext cx="1318095" cy="4039985"/>
-            </a:xfrm>
-            <a:prstGeom prst="rect">
-              <a:avLst/>
-            </a:prstGeom>
-          </p:spPr>
-        </p:pic>
-        <p:pic>
-          <p:nvPicPr>
-            <p:cNvPr id="5" name="Imagem 4" descr="Texto&#10;&#10;Descrição gerada automaticamente com confiança média">
-              <a:extLst>
-                <a:ext uri="{FF2B5EF4-FFF2-40B4-BE49-F238E27FC236}">
-                  <a16:creationId xmlns:a16="http://schemas.microsoft.com/office/drawing/2014/main" id="{5F8A4C5F-89F4-D3F2-F8A2-BD612C0A3D92}"/>
-                </a:ext>
-              </a:extLst>
-            </p:cNvPr>
-            <p:cNvPicPr>
-              <a:picLocks noChangeAspect="1"/>
-            </p:cNvPicPr>
-            <p:nvPr/>
-          </p:nvPicPr>
-          <p:blipFill>
-            <a:blip r:embed="rId3"/>
-            <a:srcRect t="16916" b="21454"/>
-            <a:stretch/>
-          </p:blipFill>
-          <p:spPr>
-            <a:xfrm>
-              <a:off x="3912952" y="681643"/>
-              <a:ext cx="1318095" cy="3169920"/>
-            </a:xfrm>
-            <a:prstGeom prst="rect">
-              <a:avLst/>
-            </a:prstGeom>
-          </p:spPr>
-        </p:pic>
-        <p:pic>
-          <p:nvPicPr>
-            <p:cNvPr id="8" name="Imagem 7" descr="Texto&#10;&#10;Descrição gerada automaticamente com confiança média">
-              <a:extLst>
-                <a:ext uri="{FF2B5EF4-FFF2-40B4-BE49-F238E27FC236}">
-                  <a16:creationId xmlns:a16="http://schemas.microsoft.com/office/drawing/2014/main" id="{BBC8119B-CE48-4417-6644-B96DA62D4AC5}"/>
-                </a:ext>
-              </a:extLst>
-            </p:cNvPr>
-            <p:cNvPicPr>
-              <a:picLocks noChangeAspect="1"/>
-            </p:cNvPicPr>
-            <p:nvPr/>
-          </p:nvPicPr>
-          <p:blipFill>
-            <a:blip r:embed="rId3"/>
-            <a:srcRect t="88718" b="12"/>
-            <a:stretch/>
-          </p:blipFill>
-          <p:spPr>
-            <a:xfrm>
-              <a:off x="3912951" y="3851563"/>
-              <a:ext cx="1318095" cy="579629"/>
-            </a:xfrm>
-            <a:prstGeom prst="rect">
-              <a:avLst/>
-            </a:prstGeom>
-          </p:spPr>
-        </p:pic>
-      </p:grpSp>
-    </p:spTree>
-    <p:extLst>
-      <p:ext uri="{BB962C8B-B14F-4D97-AF65-F5344CB8AC3E}">
-        <p14:creationId xmlns:p14="http://schemas.microsoft.com/office/powerpoint/2010/main" val="876296748"/>
       </p:ext>
     </p:extLst>
   </p:cSld>
